--- a/mysite4_sequencediagram.pptx
+++ b/mysite4_sequencediagram.pptx
@@ -8,6 +8,7 @@
     <p:sldId id="256" r:id="rId2"/>
     <p:sldId id="257" r:id="rId3"/>
     <p:sldId id="258" r:id="rId4"/>
+    <p:sldId id="259" r:id="rId5"/>
   </p:sldIdLst>
   <p:sldSz cx="12192000" cy="6858000"/>
   <p:notesSz cx="6858000" cy="9144000"/>
@@ -131,7 +132,7 @@
           <p:cNvPr id="2" name="제목 1">
             <a:extLst>
               <a:ext uri="{FF2B5EF4-FFF2-40B4-BE49-F238E27FC236}">
-                <a16:creationId xmlns="" xmlns:a16="http://schemas.microsoft.com/office/drawing/2014/main" id="{F5702221-1B25-4A64-9C6E-2C1D6B06EC08}"/>
+                <a16:creationId xmlns:a16="http://schemas.microsoft.com/office/drawing/2014/main" xmlns="" id="{F5702221-1B25-4A64-9C6E-2C1D6B06EC08}"/>
               </a:ext>
             </a:extLst>
           </p:cNvPr>
@@ -168,7 +169,7 @@
           <p:cNvPr id="3" name="부제목 2">
             <a:extLst>
               <a:ext uri="{FF2B5EF4-FFF2-40B4-BE49-F238E27FC236}">
-                <a16:creationId xmlns="" xmlns:a16="http://schemas.microsoft.com/office/drawing/2014/main" id="{911447ED-6BE9-405D-8D24-8BA1B05ECB89}"/>
+                <a16:creationId xmlns:a16="http://schemas.microsoft.com/office/drawing/2014/main" xmlns="" id="{911447ED-6BE9-405D-8D24-8BA1B05ECB89}"/>
               </a:ext>
             </a:extLst>
           </p:cNvPr>
@@ -238,7 +239,7 @@
           <p:cNvPr id="4" name="날짜 개체 틀 3">
             <a:extLst>
               <a:ext uri="{FF2B5EF4-FFF2-40B4-BE49-F238E27FC236}">
-                <a16:creationId xmlns="" xmlns:a16="http://schemas.microsoft.com/office/drawing/2014/main" id="{738314AB-B4D9-4ADF-9F49-3E64C5E571D7}"/>
+                <a16:creationId xmlns:a16="http://schemas.microsoft.com/office/drawing/2014/main" xmlns="" id="{738314AB-B4D9-4ADF-9F49-3E64C5E571D7}"/>
               </a:ext>
             </a:extLst>
           </p:cNvPr>
@@ -257,7 +258,7 @@
             <a:fld id="{243B3942-B8A6-4289-81E2-11C0B6F800A8}" type="datetimeFigureOut">
               <a:rPr lang="ko-KR" altLang="en-US" smtClean="0"/>
               <a:pPr/>
-              <a:t>2022-01-25</a:t>
+              <a:t>2022-01-28</a:t>
             </a:fld>
             <a:endParaRPr lang="ko-KR" altLang="en-US"/>
           </a:p>
@@ -268,7 +269,7 @@
           <p:cNvPr id="5" name="바닥글 개체 틀 4">
             <a:extLst>
               <a:ext uri="{FF2B5EF4-FFF2-40B4-BE49-F238E27FC236}">
-                <a16:creationId xmlns="" xmlns:a16="http://schemas.microsoft.com/office/drawing/2014/main" id="{097A1181-B7D4-4FEF-AAB2-827300122B60}"/>
+                <a16:creationId xmlns:a16="http://schemas.microsoft.com/office/drawing/2014/main" xmlns="" id="{097A1181-B7D4-4FEF-AAB2-827300122B60}"/>
               </a:ext>
             </a:extLst>
           </p:cNvPr>
@@ -293,7 +294,7 @@
           <p:cNvPr id="6" name="슬라이드 번호 개체 틀 5">
             <a:extLst>
               <a:ext uri="{FF2B5EF4-FFF2-40B4-BE49-F238E27FC236}">
-                <a16:creationId xmlns="" xmlns:a16="http://schemas.microsoft.com/office/drawing/2014/main" id="{E46A5C1C-5160-4115-A600-60A00B87B49A}"/>
+                <a16:creationId xmlns:a16="http://schemas.microsoft.com/office/drawing/2014/main" xmlns="" id="{E46A5C1C-5160-4115-A600-60A00B87B49A}"/>
               </a:ext>
             </a:extLst>
           </p:cNvPr>
@@ -353,7 +354,7 @@
           <p:cNvPr id="2" name="제목 1">
             <a:extLst>
               <a:ext uri="{FF2B5EF4-FFF2-40B4-BE49-F238E27FC236}">
-                <a16:creationId xmlns="" xmlns:a16="http://schemas.microsoft.com/office/drawing/2014/main" id="{79C8F0D7-4B94-4EDF-A0DB-6F8CA3273F10}"/>
+                <a16:creationId xmlns:a16="http://schemas.microsoft.com/office/drawing/2014/main" xmlns="" id="{79C8F0D7-4B94-4EDF-A0DB-6F8CA3273F10}"/>
               </a:ext>
             </a:extLst>
           </p:cNvPr>
@@ -381,7 +382,7 @@
           <p:cNvPr id="3" name="세로 텍스트 개체 틀 2">
             <a:extLst>
               <a:ext uri="{FF2B5EF4-FFF2-40B4-BE49-F238E27FC236}">
-                <a16:creationId xmlns="" xmlns:a16="http://schemas.microsoft.com/office/drawing/2014/main" id="{7BF9988D-28F1-4C87-AD1F-15164F352F04}"/>
+                <a16:creationId xmlns:a16="http://schemas.microsoft.com/office/drawing/2014/main" xmlns="" id="{7BF9988D-28F1-4C87-AD1F-15164F352F04}"/>
               </a:ext>
             </a:extLst>
           </p:cNvPr>
@@ -438,7 +439,7 @@
           <p:cNvPr id="4" name="날짜 개체 틀 3">
             <a:extLst>
               <a:ext uri="{FF2B5EF4-FFF2-40B4-BE49-F238E27FC236}">
-                <a16:creationId xmlns="" xmlns:a16="http://schemas.microsoft.com/office/drawing/2014/main" id="{2EC54BBE-C766-4975-8CE3-95F05B680BBE}"/>
+                <a16:creationId xmlns:a16="http://schemas.microsoft.com/office/drawing/2014/main" xmlns="" id="{2EC54BBE-C766-4975-8CE3-95F05B680BBE}"/>
               </a:ext>
             </a:extLst>
           </p:cNvPr>
@@ -457,7 +458,7 @@
             <a:fld id="{243B3942-B8A6-4289-81E2-11C0B6F800A8}" type="datetimeFigureOut">
               <a:rPr lang="ko-KR" altLang="en-US" smtClean="0"/>
               <a:pPr/>
-              <a:t>2022-01-25</a:t>
+              <a:t>2022-01-28</a:t>
             </a:fld>
             <a:endParaRPr lang="ko-KR" altLang="en-US"/>
           </a:p>
@@ -468,7 +469,7 @@
           <p:cNvPr id="5" name="바닥글 개체 틀 4">
             <a:extLst>
               <a:ext uri="{FF2B5EF4-FFF2-40B4-BE49-F238E27FC236}">
-                <a16:creationId xmlns="" xmlns:a16="http://schemas.microsoft.com/office/drawing/2014/main" id="{74F320A7-2EB4-492A-9EDD-CC1780B3FC78}"/>
+                <a16:creationId xmlns:a16="http://schemas.microsoft.com/office/drawing/2014/main" xmlns="" id="{74F320A7-2EB4-492A-9EDD-CC1780B3FC78}"/>
               </a:ext>
             </a:extLst>
           </p:cNvPr>
@@ -493,7 +494,7 @@
           <p:cNvPr id="6" name="슬라이드 번호 개체 틀 5">
             <a:extLst>
               <a:ext uri="{FF2B5EF4-FFF2-40B4-BE49-F238E27FC236}">
-                <a16:creationId xmlns="" xmlns:a16="http://schemas.microsoft.com/office/drawing/2014/main" id="{6882512E-7D80-4B7F-B981-6F541BCE1137}"/>
+                <a16:creationId xmlns:a16="http://schemas.microsoft.com/office/drawing/2014/main" xmlns="" id="{6882512E-7D80-4B7F-B981-6F541BCE1137}"/>
               </a:ext>
             </a:extLst>
           </p:cNvPr>
@@ -553,7 +554,7 @@
           <p:cNvPr id="2" name="세로 제목 1">
             <a:extLst>
               <a:ext uri="{FF2B5EF4-FFF2-40B4-BE49-F238E27FC236}">
-                <a16:creationId xmlns="" xmlns:a16="http://schemas.microsoft.com/office/drawing/2014/main" id="{8F8E37E2-DB2F-4D4A-9C4D-BDA69BE1E0C1}"/>
+                <a16:creationId xmlns:a16="http://schemas.microsoft.com/office/drawing/2014/main" xmlns="" id="{8F8E37E2-DB2F-4D4A-9C4D-BDA69BE1E0C1}"/>
               </a:ext>
             </a:extLst>
           </p:cNvPr>
@@ -586,7 +587,7 @@
           <p:cNvPr id="3" name="세로 텍스트 개체 틀 2">
             <a:extLst>
               <a:ext uri="{FF2B5EF4-FFF2-40B4-BE49-F238E27FC236}">
-                <a16:creationId xmlns="" xmlns:a16="http://schemas.microsoft.com/office/drawing/2014/main" id="{1F3BE048-B0C0-441F-994C-588471A67C33}"/>
+                <a16:creationId xmlns:a16="http://schemas.microsoft.com/office/drawing/2014/main" xmlns="" id="{1F3BE048-B0C0-441F-994C-588471A67C33}"/>
               </a:ext>
             </a:extLst>
           </p:cNvPr>
@@ -648,7 +649,7 @@
           <p:cNvPr id="4" name="날짜 개체 틀 3">
             <a:extLst>
               <a:ext uri="{FF2B5EF4-FFF2-40B4-BE49-F238E27FC236}">
-                <a16:creationId xmlns="" xmlns:a16="http://schemas.microsoft.com/office/drawing/2014/main" id="{6995F53F-D83D-44A9-A6FD-5452CCCE8DD8}"/>
+                <a16:creationId xmlns:a16="http://schemas.microsoft.com/office/drawing/2014/main" xmlns="" id="{6995F53F-D83D-44A9-A6FD-5452CCCE8DD8}"/>
               </a:ext>
             </a:extLst>
           </p:cNvPr>
@@ -667,7 +668,7 @@
             <a:fld id="{243B3942-B8A6-4289-81E2-11C0B6F800A8}" type="datetimeFigureOut">
               <a:rPr lang="ko-KR" altLang="en-US" smtClean="0"/>
               <a:pPr/>
-              <a:t>2022-01-25</a:t>
+              <a:t>2022-01-28</a:t>
             </a:fld>
             <a:endParaRPr lang="ko-KR" altLang="en-US"/>
           </a:p>
@@ -678,7 +679,7 @@
           <p:cNvPr id="5" name="바닥글 개체 틀 4">
             <a:extLst>
               <a:ext uri="{FF2B5EF4-FFF2-40B4-BE49-F238E27FC236}">
-                <a16:creationId xmlns="" xmlns:a16="http://schemas.microsoft.com/office/drawing/2014/main" id="{8E79E324-0EFA-4708-A7FF-2036016C0B7C}"/>
+                <a16:creationId xmlns:a16="http://schemas.microsoft.com/office/drawing/2014/main" xmlns="" id="{8E79E324-0EFA-4708-A7FF-2036016C0B7C}"/>
               </a:ext>
             </a:extLst>
           </p:cNvPr>
@@ -703,7 +704,7 @@
           <p:cNvPr id="6" name="슬라이드 번호 개체 틀 5">
             <a:extLst>
               <a:ext uri="{FF2B5EF4-FFF2-40B4-BE49-F238E27FC236}">
-                <a16:creationId xmlns="" xmlns:a16="http://schemas.microsoft.com/office/drawing/2014/main" id="{4A4350D8-C216-4A08-A647-85B4BCE6AE1B}"/>
+                <a16:creationId xmlns:a16="http://schemas.microsoft.com/office/drawing/2014/main" xmlns="" id="{4A4350D8-C216-4A08-A647-85B4BCE6AE1B}"/>
               </a:ext>
             </a:extLst>
           </p:cNvPr>
@@ -763,7 +764,7 @@
           <p:cNvPr id="2" name="제목 1">
             <a:extLst>
               <a:ext uri="{FF2B5EF4-FFF2-40B4-BE49-F238E27FC236}">
-                <a16:creationId xmlns="" xmlns:a16="http://schemas.microsoft.com/office/drawing/2014/main" id="{24E74C6D-683C-47ED-A1F2-43AFB2B58A43}"/>
+                <a16:creationId xmlns:a16="http://schemas.microsoft.com/office/drawing/2014/main" xmlns="" id="{24E74C6D-683C-47ED-A1F2-43AFB2B58A43}"/>
               </a:ext>
             </a:extLst>
           </p:cNvPr>
@@ -791,7 +792,7 @@
           <p:cNvPr id="3" name="내용 개체 틀 2">
             <a:extLst>
               <a:ext uri="{FF2B5EF4-FFF2-40B4-BE49-F238E27FC236}">
-                <a16:creationId xmlns="" xmlns:a16="http://schemas.microsoft.com/office/drawing/2014/main" id="{7EFA6127-E2D6-47BB-B56A-6634BEFEEDBD}"/>
+                <a16:creationId xmlns:a16="http://schemas.microsoft.com/office/drawing/2014/main" xmlns="" id="{7EFA6127-E2D6-47BB-B56A-6634BEFEEDBD}"/>
               </a:ext>
             </a:extLst>
           </p:cNvPr>
@@ -848,7 +849,7 @@
           <p:cNvPr id="4" name="날짜 개체 틀 3">
             <a:extLst>
               <a:ext uri="{FF2B5EF4-FFF2-40B4-BE49-F238E27FC236}">
-                <a16:creationId xmlns="" xmlns:a16="http://schemas.microsoft.com/office/drawing/2014/main" id="{CCD89B4F-6A9D-4581-BFE0-AE0A2133F39A}"/>
+                <a16:creationId xmlns:a16="http://schemas.microsoft.com/office/drawing/2014/main" xmlns="" id="{CCD89B4F-6A9D-4581-BFE0-AE0A2133F39A}"/>
               </a:ext>
             </a:extLst>
           </p:cNvPr>
@@ -867,7 +868,7 @@
             <a:fld id="{243B3942-B8A6-4289-81E2-11C0B6F800A8}" type="datetimeFigureOut">
               <a:rPr lang="ko-KR" altLang="en-US" smtClean="0"/>
               <a:pPr/>
-              <a:t>2022-01-25</a:t>
+              <a:t>2022-01-28</a:t>
             </a:fld>
             <a:endParaRPr lang="ko-KR" altLang="en-US"/>
           </a:p>
@@ -878,7 +879,7 @@
           <p:cNvPr id="5" name="바닥글 개체 틀 4">
             <a:extLst>
               <a:ext uri="{FF2B5EF4-FFF2-40B4-BE49-F238E27FC236}">
-                <a16:creationId xmlns="" xmlns:a16="http://schemas.microsoft.com/office/drawing/2014/main" id="{EE79017C-47E4-4EA0-97A7-833D02B4A627}"/>
+                <a16:creationId xmlns:a16="http://schemas.microsoft.com/office/drawing/2014/main" xmlns="" id="{EE79017C-47E4-4EA0-97A7-833D02B4A627}"/>
               </a:ext>
             </a:extLst>
           </p:cNvPr>
@@ -903,7 +904,7 @@
           <p:cNvPr id="6" name="슬라이드 번호 개체 틀 5">
             <a:extLst>
               <a:ext uri="{FF2B5EF4-FFF2-40B4-BE49-F238E27FC236}">
-                <a16:creationId xmlns="" xmlns:a16="http://schemas.microsoft.com/office/drawing/2014/main" id="{90EBDF02-FBA5-44E9-83BB-91A3FD2F9964}"/>
+                <a16:creationId xmlns:a16="http://schemas.microsoft.com/office/drawing/2014/main" xmlns="" id="{90EBDF02-FBA5-44E9-83BB-91A3FD2F9964}"/>
               </a:ext>
             </a:extLst>
           </p:cNvPr>
@@ -963,7 +964,7 @@
           <p:cNvPr id="2" name="제목 1">
             <a:extLst>
               <a:ext uri="{FF2B5EF4-FFF2-40B4-BE49-F238E27FC236}">
-                <a16:creationId xmlns="" xmlns:a16="http://schemas.microsoft.com/office/drawing/2014/main" id="{D864112A-07EF-4C9D-BB7D-F63BFED711FF}"/>
+                <a16:creationId xmlns:a16="http://schemas.microsoft.com/office/drawing/2014/main" xmlns="" id="{D864112A-07EF-4C9D-BB7D-F63BFED711FF}"/>
               </a:ext>
             </a:extLst>
           </p:cNvPr>
@@ -1000,7 +1001,7 @@
           <p:cNvPr id="3" name="텍스트 개체 틀 2">
             <a:extLst>
               <a:ext uri="{FF2B5EF4-FFF2-40B4-BE49-F238E27FC236}">
-                <a16:creationId xmlns="" xmlns:a16="http://schemas.microsoft.com/office/drawing/2014/main" id="{423DCC07-25B9-4B59-A6F0-E2E73571C431}"/>
+                <a16:creationId xmlns:a16="http://schemas.microsoft.com/office/drawing/2014/main" xmlns="" id="{423DCC07-25B9-4B59-A6F0-E2E73571C431}"/>
               </a:ext>
             </a:extLst>
           </p:cNvPr>
@@ -1125,7 +1126,7 @@
           <p:cNvPr id="4" name="날짜 개체 틀 3">
             <a:extLst>
               <a:ext uri="{FF2B5EF4-FFF2-40B4-BE49-F238E27FC236}">
-                <a16:creationId xmlns="" xmlns:a16="http://schemas.microsoft.com/office/drawing/2014/main" id="{5610BE1E-AF51-426B-9A1C-CFB9F73AD998}"/>
+                <a16:creationId xmlns:a16="http://schemas.microsoft.com/office/drawing/2014/main" xmlns="" id="{5610BE1E-AF51-426B-9A1C-CFB9F73AD998}"/>
               </a:ext>
             </a:extLst>
           </p:cNvPr>
@@ -1144,7 +1145,7 @@
             <a:fld id="{243B3942-B8A6-4289-81E2-11C0B6F800A8}" type="datetimeFigureOut">
               <a:rPr lang="ko-KR" altLang="en-US" smtClean="0"/>
               <a:pPr/>
-              <a:t>2022-01-25</a:t>
+              <a:t>2022-01-28</a:t>
             </a:fld>
             <a:endParaRPr lang="ko-KR" altLang="en-US"/>
           </a:p>
@@ -1155,7 +1156,7 @@
           <p:cNvPr id="5" name="바닥글 개체 틀 4">
             <a:extLst>
               <a:ext uri="{FF2B5EF4-FFF2-40B4-BE49-F238E27FC236}">
-                <a16:creationId xmlns="" xmlns:a16="http://schemas.microsoft.com/office/drawing/2014/main" id="{C3ACEA83-9CBB-4724-9F0B-982F8C86E020}"/>
+                <a16:creationId xmlns:a16="http://schemas.microsoft.com/office/drawing/2014/main" xmlns="" id="{C3ACEA83-9CBB-4724-9F0B-982F8C86E020}"/>
               </a:ext>
             </a:extLst>
           </p:cNvPr>
@@ -1180,7 +1181,7 @@
           <p:cNvPr id="6" name="슬라이드 번호 개체 틀 5">
             <a:extLst>
               <a:ext uri="{FF2B5EF4-FFF2-40B4-BE49-F238E27FC236}">
-                <a16:creationId xmlns="" xmlns:a16="http://schemas.microsoft.com/office/drawing/2014/main" id="{230A7F0F-371C-4757-8D64-252BFF13753A}"/>
+                <a16:creationId xmlns:a16="http://schemas.microsoft.com/office/drawing/2014/main" xmlns="" id="{230A7F0F-371C-4757-8D64-252BFF13753A}"/>
               </a:ext>
             </a:extLst>
           </p:cNvPr>
@@ -1240,7 +1241,7 @@
           <p:cNvPr id="2" name="제목 1">
             <a:extLst>
               <a:ext uri="{FF2B5EF4-FFF2-40B4-BE49-F238E27FC236}">
-                <a16:creationId xmlns="" xmlns:a16="http://schemas.microsoft.com/office/drawing/2014/main" id="{BED9EBAB-4E06-4925-8E8C-FC66F29F4189}"/>
+                <a16:creationId xmlns:a16="http://schemas.microsoft.com/office/drawing/2014/main" xmlns="" id="{BED9EBAB-4E06-4925-8E8C-FC66F29F4189}"/>
               </a:ext>
             </a:extLst>
           </p:cNvPr>
@@ -1268,7 +1269,7 @@
           <p:cNvPr id="3" name="내용 개체 틀 2">
             <a:extLst>
               <a:ext uri="{FF2B5EF4-FFF2-40B4-BE49-F238E27FC236}">
-                <a16:creationId xmlns="" xmlns:a16="http://schemas.microsoft.com/office/drawing/2014/main" id="{E9A385E2-4863-4676-A3DC-789CB97FE418}"/>
+                <a16:creationId xmlns:a16="http://schemas.microsoft.com/office/drawing/2014/main" xmlns="" id="{E9A385E2-4863-4676-A3DC-789CB97FE418}"/>
               </a:ext>
             </a:extLst>
           </p:cNvPr>
@@ -1330,7 +1331,7 @@
           <p:cNvPr id="4" name="내용 개체 틀 3">
             <a:extLst>
               <a:ext uri="{FF2B5EF4-FFF2-40B4-BE49-F238E27FC236}">
-                <a16:creationId xmlns="" xmlns:a16="http://schemas.microsoft.com/office/drawing/2014/main" id="{9E4EAB6A-CCB0-47D9-A489-30D4D4E4C037}"/>
+                <a16:creationId xmlns:a16="http://schemas.microsoft.com/office/drawing/2014/main" xmlns="" id="{9E4EAB6A-CCB0-47D9-A489-30D4D4E4C037}"/>
               </a:ext>
             </a:extLst>
           </p:cNvPr>
@@ -1392,7 +1393,7 @@
           <p:cNvPr id="5" name="날짜 개체 틀 4">
             <a:extLst>
               <a:ext uri="{FF2B5EF4-FFF2-40B4-BE49-F238E27FC236}">
-                <a16:creationId xmlns="" xmlns:a16="http://schemas.microsoft.com/office/drawing/2014/main" id="{FBF785DC-59FE-43E2-BAAF-E9C40018F679}"/>
+                <a16:creationId xmlns:a16="http://schemas.microsoft.com/office/drawing/2014/main" xmlns="" id="{FBF785DC-59FE-43E2-BAAF-E9C40018F679}"/>
               </a:ext>
             </a:extLst>
           </p:cNvPr>
@@ -1411,7 +1412,7 @@
             <a:fld id="{243B3942-B8A6-4289-81E2-11C0B6F800A8}" type="datetimeFigureOut">
               <a:rPr lang="ko-KR" altLang="en-US" smtClean="0"/>
               <a:pPr/>
-              <a:t>2022-01-25</a:t>
+              <a:t>2022-01-28</a:t>
             </a:fld>
             <a:endParaRPr lang="ko-KR" altLang="en-US"/>
           </a:p>
@@ -1422,7 +1423,7 @@
           <p:cNvPr id="6" name="바닥글 개체 틀 5">
             <a:extLst>
               <a:ext uri="{FF2B5EF4-FFF2-40B4-BE49-F238E27FC236}">
-                <a16:creationId xmlns="" xmlns:a16="http://schemas.microsoft.com/office/drawing/2014/main" id="{4AFAC3D6-A114-4F4F-ACD9-650EFAB379C4}"/>
+                <a16:creationId xmlns:a16="http://schemas.microsoft.com/office/drawing/2014/main" xmlns="" id="{4AFAC3D6-A114-4F4F-ACD9-650EFAB379C4}"/>
               </a:ext>
             </a:extLst>
           </p:cNvPr>
@@ -1447,7 +1448,7 @@
           <p:cNvPr id="7" name="슬라이드 번호 개체 틀 6">
             <a:extLst>
               <a:ext uri="{FF2B5EF4-FFF2-40B4-BE49-F238E27FC236}">
-                <a16:creationId xmlns="" xmlns:a16="http://schemas.microsoft.com/office/drawing/2014/main" id="{E5FC8471-F428-4141-94FE-C3F53B7CD0A0}"/>
+                <a16:creationId xmlns:a16="http://schemas.microsoft.com/office/drawing/2014/main" xmlns="" id="{E5FC8471-F428-4141-94FE-C3F53B7CD0A0}"/>
               </a:ext>
             </a:extLst>
           </p:cNvPr>
@@ -1507,7 +1508,7 @@
           <p:cNvPr id="2" name="제목 1">
             <a:extLst>
               <a:ext uri="{FF2B5EF4-FFF2-40B4-BE49-F238E27FC236}">
-                <a16:creationId xmlns="" xmlns:a16="http://schemas.microsoft.com/office/drawing/2014/main" id="{C2B588A5-C857-4B0C-ABFE-0D42CAA4EB48}"/>
+                <a16:creationId xmlns:a16="http://schemas.microsoft.com/office/drawing/2014/main" xmlns="" id="{C2B588A5-C857-4B0C-ABFE-0D42CAA4EB48}"/>
               </a:ext>
             </a:extLst>
           </p:cNvPr>
@@ -1540,7 +1541,7 @@
           <p:cNvPr id="3" name="텍스트 개체 틀 2">
             <a:extLst>
               <a:ext uri="{FF2B5EF4-FFF2-40B4-BE49-F238E27FC236}">
-                <a16:creationId xmlns="" xmlns:a16="http://schemas.microsoft.com/office/drawing/2014/main" id="{21FBC9E9-C918-4C87-99D6-15000E303DBA}"/>
+                <a16:creationId xmlns:a16="http://schemas.microsoft.com/office/drawing/2014/main" xmlns="" id="{21FBC9E9-C918-4C87-99D6-15000E303DBA}"/>
               </a:ext>
             </a:extLst>
           </p:cNvPr>
@@ -1611,7 +1612,7 @@
           <p:cNvPr id="4" name="내용 개체 틀 3">
             <a:extLst>
               <a:ext uri="{FF2B5EF4-FFF2-40B4-BE49-F238E27FC236}">
-                <a16:creationId xmlns="" xmlns:a16="http://schemas.microsoft.com/office/drawing/2014/main" id="{374B1FD0-231A-434D-ABBC-F9DDB06A5B9A}"/>
+                <a16:creationId xmlns:a16="http://schemas.microsoft.com/office/drawing/2014/main" xmlns="" id="{374B1FD0-231A-434D-ABBC-F9DDB06A5B9A}"/>
               </a:ext>
             </a:extLst>
           </p:cNvPr>
@@ -1673,7 +1674,7 @@
           <p:cNvPr id="5" name="텍스트 개체 틀 4">
             <a:extLst>
               <a:ext uri="{FF2B5EF4-FFF2-40B4-BE49-F238E27FC236}">
-                <a16:creationId xmlns="" xmlns:a16="http://schemas.microsoft.com/office/drawing/2014/main" id="{A0BC8C35-5F4B-454B-8514-E14ADC76FFC7}"/>
+                <a16:creationId xmlns:a16="http://schemas.microsoft.com/office/drawing/2014/main" xmlns="" id="{A0BC8C35-5F4B-454B-8514-E14ADC76FFC7}"/>
               </a:ext>
             </a:extLst>
           </p:cNvPr>
@@ -1744,7 +1745,7 @@
           <p:cNvPr id="6" name="내용 개체 틀 5">
             <a:extLst>
               <a:ext uri="{FF2B5EF4-FFF2-40B4-BE49-F238E27FC236}">
-                <a16:creationId xmlns="" xmlns:a16="http://schemas.microsoft.com/office/drawing/2014/main" id="{79328AE7-EF50-4499-A1F3-62930500266E}"/>
+                <a16:creationId xmlns:a16="http://schemas.microsoft.com/office/drawing/2014/main" xmlns="" id="{79328AE7-EF50-4499-A1F3-62930500266E}"/>
               </a:ext>
             </a:extLst>
           </p:cNvPr>
@@ -1806,7 +1807,7 @@
           <p:cNvPr id="7" name="날짜 개체 틀 6">
             <a:extLst>
               <a:ext uri="{FF2B5EF4-FFF2-40B4-BE49-F238E27FC236}">
-                <a16:creationId xmlns="" xmlns:a16="http://schemas.microsoft.com/office/drawing/2014/main" id="{F9B16250-31F9-479D-9C9B-478632D9F6E7}"/>
+                <a16:creationId xmlns:a16="http://schemas.microsoft.com/office/drawing/2014/main" xmlns="" id="{F9B16250-31F9-479D-9C9B-478632D9F6E7}"/>
               </a:ext>
             </a:extLst>
           </p:cNvPr>
@@ -1825,7 +1826,7 @@
             <a:fld id="{243B3942-B8A6-4289-81E2-11C0B6F800A8}" type="datetimeFigureOut">
               <a:rPr lang="ko-KR" altLang="en-US" smtClean="0"/>
               <a:pPr/>
-              <a:t>2022-01-25</a:t>
+              <a:t>2022-01-28</a:t>
             </a:fld>
             <a:endParaRPr lang="ko-KR" altLang="en-US"/>
           </a:p>
@@ -1836,7 +1837,7 @@
           <p:cNvPr id="8" name="바닥글 개체 틀 7">
             <a:extLst>
               <a:ext uri="{FF2B5EF4-FFF2-40B4-BE49-F238E27FC236}">
-                <a16:creationId xmlns="" xmlns:a16="http://schemas.microsoft.com/office/drawing/2014/main" id="{4D9706F4-9648-4FEA-B88C-920126402DA4}"/>
+                <a16:creationId xmlns:a16="http://schemas.microsoft.com/office/drawing/2014/main" xmlns="" id="{4D9706F4-9648-4FEA-B88C-920126402DA4}"/>
               </a:ext>
             </a:extLst>
           </p:cNvPr>
@@ -1861,7 +1862,7 @@
           <p:cNvPr id="9" name="슬라이드 번호 개체 틀 8">
             <a:extLst>
               <a:ext uri="{FF2B5EF4-FFF2-40B4-BE49-F238E27FC236}">
-                <a16:creationId xmlns="" xmlns:a16="http://schemas.microsoft.com/office/drawing/2014/main" id="{3F39D328-C1B6-470C-8648-133984DDB0DD}"/>
+                <a16:creationId xmlns:a16="http://schemas.microsoft.com/office/drawing/2014/main" xmlns="" id="{3F39D328-C1B6-470C-8648-133984DDB0DD}"/>
               </a:ext>
             </a:extLst>
           </p:cNvPr>
@@ -1921,7 +1922,7 @@
           <p:cNvPr id="2" name="제목 1">
             <a:extLst>
               <a:ext uri="{FF2B5EF4-FFF2-40B4-BE49-F238E27FC236}">
-                <a16:creationId xmlns="" xmlns:a16="http://schemas.microsoft.com/office/drawing/2014/main" id="{3A82C244-8F83-4401-B067-00257912BFFB}"/>
+                <a16:creationId xmlns:a16="http://schemas.microsoft.com/office/drawing/2014/main" xmlns="" id="{3A82C244-8F83-4401-B067-00257912BFFB}"/>
               </a:ext>
             </a:extLst>
           </p:cNvPr>
@@ -1949,7 +1950,7 @@
           <p:cNvPr id="3" name="날짜 개체 틀 2">
             <a:extLst>
               <a:ext uri="{FF2B5EF4-FFF2-40B4-BE49-F238E27FC236}">
-                <a16:creationId xmlns="" xmlns:a16="http://schemas.microsoft.com/office/drawing/2014/main" id="{7BEA2879-4EA6-48C4-9777-21E651D146EB}"/>
+                <a16:creationId xmlns:a16="http://schemas.microsoft.com/office/drawing/2014/main" xmlns="" id="{7BEA2879-4EA6-48C4-9777-21E651D146EB}"/>
               </a:ext>
             </a:extLst>
           </p:cNvPr>
@@ -1968,7 +1969,7 @@
             <a:fld id="{243B3942-B8A6-4289-81E2-11C0B6F800A8}" type="datetimeFigureOut">
               <a:rPr lang="ko-KR" altLang="en-US" smtClean="0"/>
               <a:pPr/>
-              <a:t>2022-01-25</a:t>
+              <a:t>2022-01-28</a:t>
             </a:fld>
             <a:endParaRPr lang="ko-KR" altLang="en-US"/>
           </a:p>
@@ -1979,7 +1980,7 @@
           <p:cNvPr id="4" name="바닥글 개체 틀 3">
             <a:extLst>
               <a:ext uri="{FF2B5EF4-FFF2-40B4-BE49-F238E27FC236}">
-                <a16:creationId xmlns="" xmlns:a16="http://schemas.microsoft.com/office/drawing/2014/main" id="{4DE09364-903A-4526-B11F-3B0648A677BE}"/>
+                <a16:creationId xmlns:a16="http://schemas.microsoft.com/office/drawing/2014/main" xmlns="" id="{4DE09364-903A-4526-B11F-3B0648A677BE}"/>
               </a:ext>
             </a:extLst>
           </p:cNvPr>
@@ -2004,7 +2005,7 @@
           <p:cNvPr id="5" name="슬라이드 번호 개체 틀 4">
             <a:extLst>
               <a:ext uri="{FF2B5EF4-FFF2-40B4-BE49-F238E27FC236}">
-                <a16:creationId xmlns="" xmlns:a16="http://schemas.microsoft.com/office/drawing/2014/main" id="{F4D515B8-6F88-4D02-9D9F-68B4D30790D5}"/>
+                <a16:creationId xmlns:a16="http://schemas.microsoft.com/office/drawing/2014/main" xmlns="" id="{F4D515B8-6F88-4D02-9D9F-68B4D30790D5}"/>
               </a:ext>
             </a:extLst>
           </p:cNvPr>
@@ -2064,7 +2065,7 @@
           <p:cNvPr id="2" name="날짜 개체 틀 1">
             <a:extLst>
               <a:ext uri="{FF2B5EF4-FFF2-40B4-BE49-F238E27FC236}">
-                <a16:creationId xmlns="" xmlns:a16="http://schemas.microsoft.com/office/drawing/2014/main" id="{432CBE9F-434C-4002-9CDA-B356D1850E65}"/>
+                <a16:creationId xmlns:a16="http://schemas.microsoft.com/office/drawing/2014/main" xmlns="" id="{432CBE9F-434C-4002-9CDA-B356D1850E65}"/>
               </a:ext>
             </a:extLst>
           </p:cNvPr>
@@ -2083,7 +2084,7 @@
             <a:fld id="{243B3942-B8A6-4289-81E2-11C0B6F800A8}" type="datetimeFigureOut">
               <a:rPr lang="ko-KR" altLang="en-US" smtClean="0"/>
               <a:pPr/>
-              <a:t>2022-01-25</a:t>
+              <a:t>2022-01-28</a:t>
             </a:fld>
             <a:endParaRPr lang="ko-KR" altLang="en-US"/>
           </a:p>
@@ -2094,7 +2095,7 @@
           <p:cNvPr id="3" name="바닥글 개체 틀 2">
             <a:extLst>
               <a:ext uri="{FF2B5EF4-FFF2-40B4-BE49-F238E27FC236}">
-                <a16:creationId xmlns="" xmlns:a16="http://schemas.microsoft.com/office/drawing/2014/main" id="{E3724B7F-E3F0-4A21-9A88-51646DCC1B24}"/>
+                <a16:creationId xmlns:a16="http://schemas.microsoft.com/office/drawing/2014/main" xmlns="" id="{E3724B7F-E3F0-4A21-9A88-51646DCC1B24}"/>
               </a:ext>
             </a:extLst>
           </p:cNvPr>
@@ -2119,7 +2120,7 @@
           <p:cNvPr id="4" name="슬라이드 번호 개체 틀 3">
             <a:extLst>
               <a:ext uri="{FF2B5EF4-FFF2-40B4-BE49-F238E27FC236}">
-                <a16:creationId xmlns="" xmlns:a16="http://schemas.microsoft.com/office/drawing/2014/main" id="{A70E7EAA-420B-4248-AC5D-924D52274AAB}"/>
+                <a16:creationId xmlns:a16="http://schemas.microsoft.com/office/drawing/2014/main" xmlns="" id="{A70E7EAA-420B-4248-AC5D-924D52274AAB}"/>
               </a:ext>
             </a:extLst>
           </p:cNvPr>
@@ -2179,7 +2180,7 @@
           <p:cNvPr id="2" name="제목 1">
             <a:extLst>
               <a:ext uri="{FF2B5EF4-FFF2-40B4-BE49-F238E27FC236}">
-                <a16:creationId xmlns="" xmlns:a16="http://schemas.microsoft.com/office/drawing/2014/main" id="{EEEA59E5-7E86-4BCF-94FD-129E37773F11}"/>
+                <a16:creationId xmlns:a16="http://schemas.microsoft.com/office/drawing/2014/main" xmlns="" id="{EEEA59E5-7E86-4BCF-94FD-129E37773F11}"/>
               </a:ext>
             </a:extLst>
           </p:cNvPr>
@@ -2216,7 +2217,7 @@
           <p:cNvPr id="3" name="내용 개체 틀 2">
             <a:extLst>
               <a:ext uri="{FF2B5EF4-FFF2-40B4-BE49-F238E27FC236}">
-                <a16:creationId xmlns="" xmlns:a16="http://schemas.microsoft.com/office/drawing/2014/main" id="{E2B75C20-2061-4FD6-A841-70EC11EA05E0}"/>
+                <a16:creationId xmlns:a16="http://schemas.microsoft.com/office/drawing/2014/main" xmlns="" id="{E2B75C20-2061-4FD6-A841-70EC11EA05E0}"/>
               </a:ext>
             </a:extLst>
           </p:cNvPr>
@@ -2306,7 +2307,7 @@
           <p:cNvPr id="4" name="텍스트 개체 틀 3">
             <a:extLst>
               <a:ext uri="{FF2B5EF4-FFF2-40B4-BE49-F238E27FC236}">
-                <a16:creationId xmlns="" xmlns:a16="http://schemas.microsoft.com/office/drawing/2014/main" id="{DF5B4F06-483A-4B6D-B9A9-2EB3BEB4ABB7}"/>
+                <a16:creationId xmlns:a16="http://schemas.microsoft.com/office/drawing/2014/main" xmlns="" id="{DF5B4F06-483A-4B6D-B9A9-2EB3BEB4ABB7}"/>
               </a:ext>
             </a:extLst>
           </p:cNvPr>
@@ -2377,7 +2378,7 @@
           <p:cNvPr id="5" name="날짜 개체 틀 4">
             <a:extLst>
               <a:ext uri="{FF2B5EF4-FFF2-40B4-BE49-F238E27FC236}">
-                <a16:creationId xmlns="" xmlns:a16="http://schemas.microsoft.com/office/drawing/2014/main" id="{AD74E3E3-F6E1-48FF-BE1E-FABB7F3158C5}"/>
+                <a16:creationId xmlns:a16="http://schemas.microsoft.com/office/drawing/2014/main" xmlns="" id="{AD74E3E3-F6E1-48FF-BE1E-FABB7F3158C5}"/>
               </a:ext>
             </a:extLst>
           </p:cNvPr>
@@ -2396,7 +2397,7 @@
             <a:fld id="{243B3942-B8A6-4289-81E2-11C0B6F800A8}" type="datetimeFigureOut">
               <a:rPr lang="ko-KR" altLang="en-US" smtClean="0"/>
               <a:pPr/>
-              <a:t>2022-01-25</a:t>
+              <a:t>2022-01-28</a:t>
             </a:fld>
             <a:endParaRPr lang="ko-KR" altLang="en-US"/>
           </a:p>
@@ -2407,7 +2408,7 @@
           <p:cNvPr id="6" name="바닥글 개체 틀 5">
             <a:extLst>
               <a:ext uri="{FF2B5EF4-FFF2-40B4-BE49-F238E27FC236}">
-                <a16:creationId xmlns="" xmlns:a16="http://schemas.microsoft.com/office/drawing/2014/main" id="{B83C5046-F38F-471D-BC13-95AA82F9DF6D}"/>
+                <a16:creationId xmlns:a16="http://schemas.microsoft.com/office/drawing/2014/main" xmlns="" id="{B83C5046-F38F-471D-BC13-95AA82F9DF6D}"/>
               </a:ext>
             </a:extLst>
           </p:cNvPr>
@@ -2432,7 +2433,7 @@
           <p:cNvPr id="7" name="슬라이드 번호 개체 틀 6">
             <a:extLst>
               <a:ext uri="{FF2B5EF4-FFF2-40B4-BE49-F238E27FC236}">
-                <a16:creationId xmlns="" xmlns:a16="http://schemas.microsoft.com/office/drawing/2014/main" id="{7B8C0D77-255E-468F-ABF6-0D546282589B}"/>
+                <a16:creationId xmlns:a16="http://schemas.microsoft.com/office/drawing/2014/main" xmlns="" id="{7B8C0D77-255E-468F-ABF6-0D546282589B}"/>
               </a:ext>
             </a:extLst>
           </p:cNvPr>
@@ -2492,7 +2493,7 @@
           <p:cNvPr id="2" name="제목 1">
             <a:extLst>
               <a:ext uri="{FF2B5EF4-FFF2-40B4-BE49-F238E27FC236}">
-                <a16:creationId xmlns="" xmlns:a16="http://schemas.microsoft.com/office/drawing/2014/main" id="{ECCD92F8-DF1D-4232-96BC-6F74E8037720}"/>
+                <a16:creationId xmlns:a16="http://schemas.microsoft.com/office/drawing/2014/main" xmlns="" id="{ECCD92F8-DF1D-4232-96BC-6F74E8037720}"/>
               </a:ext>
             </a:extLst>
           </p:cNvPr>
@@ -2529,7 +2530,7 @@
           <p:cNvPr id="3" name="그림 개체 틀 2">
             <a:extLst>
               <a:ext uri="{FF2B5EF4-FFF2-40B4-BE49-F238E27FC236}">
-                <a16:creationId xmlns="" xmlns:a16="http://schemas.microsoft.com/office/drawing/2014/main" id="{A7EB5627-02C6-4CF1-B1CC-4140CF732AAD}"/>
+                <a16:creationId xmlns:a16="http://schemas.microsoft.com/office/drawing/2014/main" xmlns="" id="{A7EB5627-02C6-4CF1-B1CC-4140CF732AAD}"/>
               </a:ext>
             </a:extLst>
           </p:cNvPr>
@@ -2596,7 +2597,7 @@
           <p:cNvPr id="4" name="텍스트 개체 틀 3">
             <a:extLst>
               <a:ext uri="{FF2B5EF4-FFF2-40B4-BE49-F238E27FC236}">
-                <a16:creationId xmlns="" xmlns:a16="http://schemas.microsoft.com/office/drawing/2014/main" id="{A92455CF-E744-46F4-86A8-FCBDD634231A}"/>
+                <a16:creationId xmlns:a16="http://schemas.microsoft.com/office/drawing/2014/main" xmlns="" id="{A92455CF-E744-46F4-86A8-FCBDD634231A}"/>
               </a:ext>
             </a:extLst>
           </p:cNvPr>
@@ -2667,7 +2668,7 @@
           <p:cNvPr id="5" name="날짜 개체 틀 4">
             <a:extLst>
               <a:ext uri="{FF2B5EF4-FFF2-40B4-BE49-F238E27FC236}">
-                <a16:creationId xmlns="" xmlns:a16="http://schemas.microsoft.com/office/drawing/2014/main" id="{B1583142-95B4-4849-A6CE-313A891B2CC9}"/>
+                <a16:creationId xmlns:a16="http://schemas.microsoft.com/office/drawing/2014/main" xmlns="" id="{B1583142-95B4-4849-A6CE-313A891B2CC9}"/>
               </a:ext>
             </a:extLst>
           </p:cNvPr>
@@ -2686,7 +2687,7 @@
             <a:fld id="{243B3942-B8A6-4289-81E2-11C0B6F800A8}" type="datetimeFigureOut">
               <a:rPr lang="ko-KR" altLang="en-US" smtClean="0"/>
               <a:pPr/>
-              <a:t>2022-01-25</a:t>
+              <a:t>2022-01-28</a:t>
             </a:fld>
             <a:endParaRPr lang="ko-KR" altLang="en-US"/>
           </a:p>
@@ -2697,7 +2698,7 @@
           <p:cNvPr id="6" name="바닥글 개체 틀 5">
             <a:extLst>
               <a:ext uri="{FF2B5EF4-FFF2-40B4-BE49-F238E27FC236}">
-                <a16:creationId xmlns="" xmlns:a16="http://schemas.microsoft.com/office/drawing/2014/main" id="{60E8F465-A235-4BCE-92D4-8682E91EF74F}"/>
+                <a16:creationId xmlns:a16="http://schemas.microsoft.com/office/drawing/2014/main" xmlns="" id="{60E8F465-A235-4BCE-92D4-8682E91EF74F}"/>
               </a:ext>
             </a:extLst>
           </p:cNvPr>
@@ -2722,7 +2723,7 @@
           <p:cNvPr id="7" name="슬라이드 번호 개체 틀 6">
             <a:extLst>
               <a:ext uri="{FF2B5EF4-FFF2-40B4-BE49-F238E27FC236}">
-                <a16:creationId xmlns="" xmlns:a16="http://schemas.microsoft.com/office/drawing/2014/main" id="{8269BB9D-2373-41E8-B9A4-0CAA4AAE2BBC}"/>
+                <a16:creationId xmlns:a16="http://schemas.microsoft.com/office/drawing/2014/main" xmlns="" id="{8269BB9D-2373-41E8-B9A4-0CAA4AAE2BBC}"/>
               </a:ext>
             </a:extLst>
           </p:cNvPr>
@@ -2787,7 +2788,7 @@
           <p:cNvPr id="2" name="제목 개체 틀 1">
             <a:extLst>
               <a:ext uri="{FF2B5EF4-FFF2-40B4-BE49-F238E27FC236}">
-                <a16:creationId xmlns="" xmlns:a16="http://schemas.microsoft.com/office/drawing/2014/main" id="{4034BEA3-1151-433C-A100-670BE34AD457}"/>
+                <a16:creationId xmlns:a16="http://schemas.microsoft.com/office/drawing/2014/main" xmlns="" id="{4034BEA3-1151-433C-A100-670BE34AD457}"/>
               </a:ext>
             </a:extLst>
           </p:cNvPr>
@@ -2825,7 +2826,7 @@
           <p:cNvPr id="3" name="텍스트 개체 틀 2">
             <a:extLst>
               <a:ext uri="{FF2B5EF4-FFF2-40B4-BE49-F238E27FC236}">
-                <a16:creationId xmlns="" xmlns:a16="http://schemas.microsoft.com/office/drawing/2014/main" id="{A927C8D3-2F02-4C7D-9DD1-C0BCE3F3F720}"/>
+                <a16:creationId xmlns:a16="http://schemas.microsoft.com/office/drawing/2014/main" xmlns="" id="{A927C8D3-2F02-4C7D-9DD1-C0BCE3F3F720}"/>
               </a:ext>
             </a:extLst>
           </p:cNvPr>
@@ -2892,7 +2893,7 @@
           <p:cNvPr id="4" name="날짜 개체 틀 3">
             <a:extLst>
               <a:ext uri="{FF2B5EF4-FFF2-40B4-BE49-F238E27FC236}">
-                <a16:creationId xmlns="" xmlns:a16="http://schemas.microsoft.com/office/drawing/2014/main" id="{2A8C95A0-2D59-4D18-8F8C-2F393F0715DB}"/>
+                <a16:creationId xmlns:a16="http://schemas.microsoft.com/office/drawing/2014/main" xmlns="" id="{2A8C95A0-2D59-4D18-8F8C-2F393F0715DB}"/>
               </a:ext>
             </a:extLst>
           </p:cNvPr>
@@ -2929,7 +2930,7 @@
             <a:fld id="{243B3942-B8A6-4289-81E2-11C0B6F800A8}" type="datetimeFigureOut">
               <a:rPr lang="ko-KR" altLang="en-US" smtClean="0"/>
               <a:pPr/>
-              <a:t>2022-01-25</a:t>
+              <a:t>2022-01-28</a:t>
             </a:fld>
             <a:endParaRPr lang="ko-KR" altLang="en-US"/>
           </a:p>
@@ -2940,7 +2941,7 @@
           <p:cNvPr id="5" name="바닥글 개체 틀 4">
             <a:extLst>
               <a:ext uri="{FF2B5EF4-FFF2-40B4-BE49-F238E27FC236}">
-                <a16:creationId xmlns="" xmlns:a16="http://schemas.microsoft.com/office/drawing/2014/main" id="{1568CB7D-F4B8-40C1-AA57-58F975FDB4DF}"/>
+                <a16:creationId xmlns:a16="http://schemas.microsoft.com/office/drawing/2014/main" xmlns="" id="{1568CB7D-F4B8-40C1-AA57-58F975FDB4DF}"/>
               </a:ext>
             </a:extLst>
           </p:cNvPr>
@@ -2983,7 +2984,7 @@
           <p:cNvPr id="6" name="슬라이드 번호 개체 틀 5">
             <a:extLst>
               <a:ext uri="{FF2B5EF4-FFF2-40B4-BE49-F238E27FC236}">
-                <a16:creationId xmlns="" xmlns:a16="http://schemas.microsoft.com/office/drawing/2014/main" id="{2020A16C-380A-40ED-AC11-7C9891CFE414}"/>
+                <a16:creationId xmlns:a16="http://schemas.microsoft.com/office/drawing/2014/main" xmlns="" id="{2020A16C-380A-40ED-AC11-7C9891CFE414}"/>
               </a:ext>
             </a:extLst>
           </p:cNvPr>
@@ -3352,7 +3353,7 @@
           <p:cNvPr id="4" name="표 4">
             <a:extLst>
               <a:ext uri="{FF2B5EF4-FFF2-40B4-BE49-F238E27FC236}">
-                <a16:creationId xmlns="" xmlns:a16="http://schemas.microsoft.com/office/drawing/2014/main" id="{B305719E-D3E5-4E7E-B17F-23D2B8F0881C}"/>
+                <a16:creationId xmlns:a16="http://schemas.microsoft.com/office/drawing/2014/main" xmlns="" id="{B305719E-D3E5-4E7E-B17F-23D2B8F0881C}"/>
               </a:ext>
             </a:extLst>
           </p:cNvPr>
@@ -3381,21 +3382,21 @@
                 <a:gridCol w="2033729">
                   <a:extLst>
                     <a:ext uri="{9D8B030D-6E8A-4147-A177-3AD203B41FA5}">
-                      <a16:colId xmlns="" xmlns:a16="http://schemas.microsoft.com/office/drawing/2014/main" val="3571064474"/>
+                      <a16:colId xmlns:a16="http://schemas.microsoft.com/office/drawing/2014/main" xmlns="" val="3571064474"/>
                     </a:ext>
                   </a:extLst>
                 </a:gridCol>
                 <a:gridCol w="1557196">
                   <a:extLst>
                     <a:ext uri="{9D8B030D-6E8A-4147-A177-3AD203B41FA5}">
-                      <a16:colId xmlns="" xmlns:a16="http://schemas.microsoft.com/office/drawing/2014/main" val="4257211528"/>
+                      <a16:colId xmlns:a16="http://schemas.microsoft.com/office/drawing/2014/main" xmlns="" val="4257211528"/>
                     </a:ext>
                   </a:extLst>
                 </a:gridCol>
                 <a:gridCol w="1665838">
                   <a:extLst>
                     <a:ext uri="{9D8B030D-6E8A-4147-A177-3AD203B41FA5}">
-                      <a16:colId xmlns="" xmlns:a16="http://schemas.microsoft.com/office/drawing/2014/main" val="3023545236"/>
+                      <a16:colId xmlns:a16="http://schemas.microsoft.com/office/drawing/2014/main" xmlns="" val="3023545236"/>
                     </a:ext>
                   </a:extLst>
                 </a:gridCol>
@@ -3403,21 +3404,21 @@
                 <a:gridCol w="1738265">
                   <a:extLst>
                     <a:ext uri="{9D8B030D-6E8A-4147-A177-3AD203B41FA5}">
-                      <a16:colId xmlns="" xmlns:a16="http://schemas.microsoft.com/office/drawing/2014/main" val="2920563116"/>
+                      <a16:colId xmlns:a16="http://schemas.microsoft.com/office/drawing/2014/main" xmlns="" val="2920563116"/>
                     </a:ext>
                   </a:extLst>
                 </a:gridCol>
                 <a:gridCol w="1720158">
                   <a:extLst>
                     <a:ext uri="{9D8B030D-6E8A-4147-A177-3AD203B41FA5}">
-                      <a16:colId xmlns="" xmlns:a16="http://schemas.microsoft.com/office/drawing/2014/main" val="3475859244"/>
+                      <a16:colId xmlns:a16="http://schemas.microsoft.com/office/drawing/2014/main" xmlns="" val="3475859244"/>
                     </a:ext>
                   </a:extLst>
                 </a:gridCol>
                 <a:gridCol w="1602273">
                   <a:extLst>
                     <a:ext uri="{9D8B030D-6E8A-4147-A177-3AD203B41FA5}">
-                      <a16:colId xmlns="" xmlns:a16="http://schemas.microsoft.com/office/drawing/2014/main" val="3472189352"/>
+                      <a16:colId xmlns:a16="http://schemas.microsoft.com/office/drawing/2014/main" xmlns="" val="3472189352"/>
                     </a:ext>
                   </a:extLst>
                 </a:gridCol>
@@ -3980,7 +3981,7 @@
                 </a:tc>
                 <a:extLst>
                   <a:ext uri="{0D108BD9-81ED-4DB2-BD59-A6C34878D82A}">
-                    <a16:rowId xmlns="" xmlns:a16="http://schemas.microsoft.com/office/drawing/2014/main" val="243423754"/>
+                    <a16:rowId xmlns:a16="http://schemas.microsoft.com/office/drawing/2014/main" xmlns="" val="243423754"/>
                   </a:ext>
                 </a:extLst>
               </a:tr>
@@ -6451,7 +6452,7 @@
                 </a:tc>
                 <a:extLst>
                   <a:ext uri="{0D108BD9-81ED-4DB2-BD59-A6C34878D82A}">
-                    <a16:rowId xmlns="" xmlns:a16="http://schemas.microsoft.com/office/drawing/2014/main" val="3134473238"/>
+                    <a16:rowId xmlns:a16="http://schemas.microsoft.com/office/drawing/2014/main" xmlns="" val="3134473238"/>
                   </a:ext>
                 </a:extLst>
               </a:tr>
@@ -6464,7 +6465,7 @@
           <p:cNvPr id="6" name="직선 화살표 연결선 5">
             <a:extLst>
               <a:ext uri="{FF2B5EF4-FFF2-40B4-BE49-F238E27FC236}">
-                <a16:creationId xmlns="" xmlns:a16="http://schemas.microsoft.com/office/drawing/2014/main" id="{3F7B84A3-1AD0-4DF7-A6BC-4B5B198A72B9}"/>
+                <a16:creationId xmlns:a16="http://schemas.microsoft.com/office/drawing/2014/main" xmlns="" id="{3F7B84A3-1AD0-4DF7-A6BC-4B5B198A72B9}"/>
               </a:ext>
             </a:extLst>
           </p:cNvPr>
@@ -6511,7 +6512,7 @@
           <p:cNvPr id="7" name="직선 화살표 연결선 6">
             <a:extLst>
               <a:ext uri="{FF2B5EF4-FFF2-40B4-BE49-F238E27FC236}">
-                <a16:creationId xmlns="" xmlns:a16="http://schemas.microsoft.com/office/drawing/2014/main" id="{3992F012-AF65-4E39-8E9C-577F6F0B7BD2}"/>
+                <a16:creationId xmlns:a16="http://schemas.microsoft.com/office/drawing/2014/main" xmlns="" id="{3992F012-AF65-4E39-8E9C-577F6F0B7BD2}"/>
               </a:ext>
             </a:extLst>
           </p:cNvPr>
@@ -6558,7 +6559,7 @@
           <p:cNvPr id="14" name="TextBox 13">
             <a:extLst>
               <a:ext uri="{FF2B5EF4-FFF2-40B4-BE49-F238E27FC236}">
-                <a16:creationId xmlns="" xmlns:a16="http://schemas.microsoft.com/office/drawing/2014/main" id="{83A2AE63-3C59-4FEB-BBED-3D51275125E3}"/>
+                <a16:creationId xmlns:a16="http://schemas.microsoft.com/office/drawing/2014/main" xmlns="" id="{83A2AE63-3C59-4FEB-BBED-3D51275125E3}"/>
               </a:ext>
             </a:extLst>
           </p:cNvPr>
@@ -6607,7 +6608,7 @@
           <p:cNvPr id="16" name="TextBox 15">
             <a:extLst>
               <a:ext uri="{FF2B5EF4-FFF2-40B4-BE49-F238E27FC236}">
-                <a16:creationId xmlns="" xmlns:a16="http://schemas.microsoft.com/office/drawing/2014/main" id="{B5D51435-1C6A-443A-871F-F312D05722E2}"/>
+                <a16:creationId xmlns:a16="http://schemas.microsoft.com/office/drawing/2014/main" xmlns="" id="{B5D51435-1C6A-443A-871F-F312D05722E2}"/>
               </a:ext>
             </a:extLst>
           </p:cNvPr>
@@ -6656,7 +6657,7 @@
           <p:cNvPr id="19" name="직선 화살표 연결선 18">
             <a:extLst>
               <a:ext uri="{FF2B5EF4-FFF2-40B4-BE49-F238E27FC236}">
-                <a16:creationId xmlns="" xmlns:a16="http://schemas.microsoft.com/office/drawing/2014/main" id="{EC28C33C-129E-4506-9549-3759C91D42BE}"/>
+                <a16:creationId xmlns:a16="http://schemas.microsoft.com/office/drawing/2014/main" xmlns="" id="{EC28C33C-129E-4506-9549-3759C91D42BE}"/>
               </a:ext>
             </a:extLst>
           </p:cNvPr>
@@ -6703,7 +6704,7 @@
           <p:cNvPr id="20" name="TextBox 19">
             <a:extLst>
               <a:ext uri="{FF2B5EF4-FFF2-40B4-BE49-F238E27FC236}">
-                <a16:creationId xmlns="" xmlns:a16="http://schemas.microsoft.com/office/drawing/2014/main" id="{BDD2FA7E-1E88-4F78-ABF6-567824DD1ECE}"/>
+                <a16:creationId xmlns:a16="http://schemas.microsoft.com/office/drawing/2014/main" xmlns="" id="{BDD2FA7E-1E88-4F78-ABF6-567824DD1ECE}"/>
               </a:ext>
             </a:extLst>
           </p:cNvPr>
@@ -6752,7 +6753,7 @@
           <p:cNvPr id="21" name="직선 화살표 연결선 20">
             <a:extLst>
               <a:ext uri="{FF2B5EF4-FFF2-40B4-BE49-F238E27FC236}">
-                <a16:creationId xmlns="" xmlns:a16="http://schemas.microsoft.com/office/drawing/2014/main" id="{75322384-8370-42A2-9AA6-9103C9E005E6}"/>
+                <a16:creationId xmlns:a16="http://schemas.microsoft.com/office/drawing/2014/main" xmlns="" id="{75322384-8370-42A2-9AA6-9103C9E005E6}"/>
               </a:ext>
             </a:extLst>
           </p:cNvPr>
@@ -6799,7 +6800,7 @@
           <p:cNvPr id="23" name="직선 화살표 연결선 22">
             <a:extLst>
               <a:ext uri="{FF2B5EF4-FFF2-40B4-BE49-F238E27FC236}">
-                <a16:creationId xmlns="" xmlns:a16="http://schemas.microsoft.com/office/drawing/2014/main" id="{366CBA92-9226-4C4A-ACDD-433CD65941DE}"/>
+                <a16:creationId xmlns:a16="http://schemas.microsoft.com/office/drawing/2014/main" xmlns="" id="{366CBA92-9226-4C4A-ACDD-433CD65941DE}"/>
               </a:ext>
             </a:extLst>
           </p:cNvPr>
@@ -6846,7 +6847,7 @@
           <p:cNvPr id="25" name="TextBox 24">
             <a:extLst>
               <a:ext uri="{FF2B5EF4-FFF2-40B4-BE49-F238E27FC236}">
-                <a16:creationId xmlns="" xmlns:a16="http://schemas.microsoft.com/office/drawing/2014/main" id="{ED21C0EA-1B65-43C8-AAD0-87268DCF3FD2}"/>
+                <a16:creationId xmlns:a16="http://schemas.microsoft.com/office/drawing/2014/main" xmlns="" id="{ED21C0EA-1B65-43C8-AAD0-87268DCF3FD2}"/>
               </a:ext>
             </a:extLst>
           </p:cNvPr>
@@ -6929,7 +6930,7 @@
           <p:cNvPr id="56" name="직선 화살표 연결선 55">
             <a:extLst>
               <a:ext uri="{FF2B5EF4-FFF2-40B4-BE49-F238E27FC236}">
-                <a16:creationId xmlns="" xmlns:a16="http://schemas.microsoft.com/office/drawing/2014/main" id="{3992F012-AF65-4E39-8E9C-577F6F0B7BD2}"/>
+                <a16:creationId xmlns:a16="http://schemas.microsoft.com/office/drawing/2014/main" xmlns="" id="{3992F012-AF65-4E39-8E9C-577F6F0B7BD2}"/>
               </a:ext>
             </a:extLst>
           </p:cNvPr>
@@ -6976,7 +6977,7 @@
           <p:cNvPr id="61" name="직선 화살표 연결선 60">
             <a:extLst>
               <a:ext uri="{FF2B5EF4-FFF2-40B4-BE49-F238E27FC236}">
-                <a16:creationId xmlns="" xmlns:a16="http://schemas.microsoft.com/office/drawing/2014/main" id="{3992F012-AF65-4E39-8E9C-577F6F0B7BD2}"/>
+                <a16:creationId xmlns:a16="http://schemas.microsoft.com/office/drawing/2014/main" xmlns="" id="{3992F012-AF65-4E39-8E9C-577F6F0B7BD2}"/>
               </a:ext>
             </a:extLst>
           </p:cNvPr>
@@ -7023,7 +7024,7 @@
           <p:cNvPr id="65" name="직선 화살표 연결선 64">
             <a:extLst>
               <a:ext uri="{FF2B5EF4-FFF2-40B4-BE49-F238E27FC236}">
-                <a16:creationId xmlns="" xmlns:a16="http://schemas.microsoft.com/office/drawing/2014/main" id="{3992F012-AF65-4E39-8E9C-577F6F0B7BD2}"/>
+                <a16:creationId xmlns:a16="http://schemas.microsoft.com/office/drawing/2014/main" xmlns="" id="{3992F012-AF65-4E39-8E9C-577F6F0B7BD2}"/>
               </a:ext>
             </a:extLst>
           </p:cNvPr>
@@ -7070,7 +7071,7 @@
           <p:cNvPr id="70" name="직선 화살표 연결선 69">
             <a:extLst>
               <a:ext uri="{FF2B5EF4-FFF2-40B4-BE49-F238E27FC236}">
-                <a16:creationId xmlns="" xmlns:a16="http://schemas.microsoft.com/office/drawing/2014/main" id="{EC28C33C-129E-4506-9549-3759C91D42BE}"/>
+                <a16:creationId xmlns:a16="http://schemas.microsoft.com/office/drawing/2014/main" xmlns="" id="{EC28C33C-129E-4506-9549-3759C91D42BE}"/>
               </a:ext>
             </a:extLst>
           </p:cNvPr>
@@ -7117,7 +7118,7 @@
           <p:cNvPr id="71" name="직선 화살표 연결선 70">
             <a:extLst>
               <a:ext uri="{FF2B5EF4-FFF2-40B4-BE49-F238E27FC236}">
-                <a16:creationId xmlns="" xmlns:a16="http://schemas.microsoft.com/office/drawing/2014/main" id="{EC28C33C-129E-4506-9549-3759C91D42BE}"/>
+                <a16:creationId xmlns:a16="http://schemas.microsoft.com/office/drawing/2014/main" xmlns="" id="{EC28C33C-129E-4506-9549-3759C91D42BE}"/>
               </a:ext>
             </a:extLst>
           </p:cNvPr>
@@ -7164,7 +7165,7 @@
           <p:cNvPr id="72" name="직선 화살표 연결선 71">
             <a:extLst>
               <a:ext uri="{FF2B5EF4-FFF2-40B4-BE49-F238E27FC236}">
-                <a16:creationId xmlns="" xmlns:a16="http://schemas.microsoft.com/office/drawing/2014/main" id="{EC28C33C-129E-4506-9549-3759C91D42BE}"/>
+                <a16:creationId xmlns:a16="http://schemas.microsoft.com/office/drawing/2014/main" xmlns="" id="{EC28C33C-129E-4506-9549-3759C91D42BE}"/>
               </a:ext>
             </a:extLst>
           </p:cNvPr>
@@ -7211,7 +7212,7 @@
           <p:cNvPr id="73" name="TextBox 72">
             <a:extLst>
               <a:ext uri="{FF2B5EF4-FFF2-40B4-BE49-F238E27FC236}">
-                <a16:creationId xmlns="" xmlns:a16="http://schemas.microsoft.com/office/drawing/2014/main" id="{BDD2FA7E-1E88-4F78-ABF6-567824DD1ECE}"/>
+                <a16:creationId xmlns:a16="http://schemas.microsoft.com/office/drawing/2014/main" xmlns="" id="{BDD2FA7E-1E88-4F78-ABF6-567824DD1ECE}"/>
               </a:ext>
             </a:extLst>
           </p:cNvPr>
@@ -7260,7 +7261,7 @@
           <p:cNvPr id="74" name="TextBox 73">
             <a:extLst>
               <a:ext uri="{FF2B5EF4-FFF2-40B4-BE49-F238E27FC236}">
-                <a16:creationId xmlns="" xmlns:a16="http://schemas.microsoft.com/office/drawing/2014/main" id="{BDD2FA7E-1E88-4F78-ABF6-567824DD1ECE}"/>
+                <a16:creationId xmlns:a16="http://schemas.microsoft.com/office/drawing/2014/main" xmlns="" id="{BDD2FA7E-1E88-4F78-ABF6-567824DD1ECE}"/>
               </a:ext>
             </a:extLst>
           </p:cNvPr>
@@ -7333,7 +7334,7 @@
           <p:cNvPr id="75" name="직선 화살표 연결선 74">
             <a:extLst>
               <a:ext uri="{FF2B5EF4-FFF2-40B4-BE49-F238E27FC236}">
-                <a16:creationId xmlns="" xmlns:a16="http://schemas.microsoft.com/office/drawing/2014/main" id="{3F7B84A3-1AD0-4DF7-A6BC-4B5B198A72B9}"/>
+                <a16:creationId xmlns:a16="http://schemas.microsoft.com/office/drawing/2014/main" xmlns="" id="{3F7B84A3-1AD0-4DF7-A6BC-4B5B198A72B9}"/>
               </a:ext>
             </a:extLst>
           </p:cNvPr>
@@ -7380,7 +7381,7 @@
           <p:cNvPr id="76" name="직선 화살표 연결선 75">
             <a:extLst>
               <a:ext uri="{FF2B5EF4-FFF2-40B4-BE49-F238E27FC236}">
-                <a16:creationId xmlns="" xmlns:a16="http://schemas.microsoft.com/office/drawing/2014/main" id="{366CBA92-9226-4C4A-ACDD-433CD65941DE}"/>
+                <a16:creationId xmlns:a16="http://schemas.microsoft.com/office/drawing/2014/main" xmlns="" id="{366CBA92-9226-4C4A-ACDD-433CD65941DE}"/>
               </a:ext>
             </a:extLst>
           </p:cNvPr>
@@ -7427,7 +7428,7 @@
           <p:cNvPr id="77" name="직선 화살표 연결선 76">
             <a:extLst>
               <a:ext uri="{FF2B5EF4-FFF2-40B4-BE49-F238E27FC236}">
-                <a16:creationId xmlns="" xmlns:a16="http://schemas.microsoft.com/office/drawing/2014/main" id="{3992F012-AF65-4E39-8E9C-577F6F0B7BD2}"/>
+                <a16:creationId xmlns:a16="http://schemas.microsoft.com/office/drawing/2014/main" xmlns="" id="{3992F012-AF65-4E39-8E9C-577F6F0B7BD2}"/>
               </a:ext>
             </a:extLst>
           </p:cNvPr>
@@ -7474,7 +7475,7 @@
           <p:cNvPr id="80" name="직선 화살표 연결선 79">
             <a:extLst>
               <a:ext uri="{FF2B5EF4-FFF2-40B4-BE49-F238E27FC236}">
-                <a16:creationId xmlns="" xmlns:a16="http://schemas.microsoft.com/office/drawing/2014/main" id="{EC28C33C-129E-4506-9549-3759C91D42BE}"/>
+                <a16:creationId xmlns:a16="http://schemas.microsoft.com/office/drawing/2014/main" xmlns="" id="{EC28C33C-129E-4506-9549-3759C91D42BE}"/>
               </a:ext>
             </a:extLst>
           </p:cNvPr>
@@ -7521,7 +7522,7 @@
           <p:cNvPr id="81" name="직선 화살표 연결선 80">
             <a:extLst>
               <a:ext uri="{FF2B5EF4-FFF2-40B4-BE49-F238E27FC236}">
-                <a16:creationId xmlns="" xmlns:a16="http://schemas.microsoft.com/office/drawing/2014/main" id="{3992F012-AF65-4E39-8E9C-577F6F0B7BD2}"/>
+                <a16:creationId xmlns:a16="http://schemas.microsoft.com/office/drawing/2014/main" xmlns="" id="{3992F012-AF65-4E39-8E9C-577F6F0B7BD2}"/>
               </a:ext>
             </a:extLst>
           </p:cNvPr>
@@ -7568,7 +7569,7 @@
           <p:cNvPr id="82" name="직선 화살표 연결선 81">
             <a:extLst>
               <a:ext uri="{FF2B5EF4-FFF2-40B4-BE49-F238E27FC236}">
-                <a16:creationId xmlns="" xmlns:a16="http://schemas.microsoft.com/office/drawing/2014/main" id="{EC28C33C-129E-4506-9549-3759C91D42BE}"/>
+                <a16:creationId xmlns:a16="http://schemas.microsoft.com/office/drawing/2014/main" xmlns="" id="{EC28C33C-129E-4506-9549-3759C91D42BE}"/>
               </a:ext>
             </a:extLst>
           </p:cNvPr>
@@ -7615,7 +7616,7 @@
           <p:cNvPr id="83" name="TextBox 82">
             <a:extLst>
               <a:ext uri="{FF2B5EF4-FFF2-40B4-BE49-F238E27FC236}">
-                <a16:creationId xmlns="" xmlns:a16="http://schemas.microsoft.com/office/drawing/2014/main" id="{ED21C0EA-1B65-43C8-AAD0-87268DCF3FD2}"/>
+                <a16:creationId xmlns:a16="http://schemas.microsoft.com/office/drawing/2014/main" xmlns="" id="{ED21C0EA-1B65-43C8-AAD0-87268DCF3FD2}"/>
               </a:ext>
             </a:extLst>
           </p:cNvPr>
@@ -7679,7 +7680,7 @@
           <p:cNvPr id="84" name="TextBox 83">
             <a:extLst>
               <a:ext uri="{FF2B5EF4-FFF2-40B4-BE49-F238E27FC236}">
-                <a16:creationId xmlns="" xmlns:a16="http://schemas.microsoft.com/office/drawing/2014/main" id="{ED21C0EA-1B65-43C8-AAD0-87268DCF3FD2}"/>
+                <a16:creationId xmlns:a16="http://schemas.microsoft.com/office/drawing/2014/main" xmlns="" id="{ED21C0EA-1B65-43C8-AAD0-87268DCF3FD2}"/>
               </a:ext>
             </a:extLst>
           </p:cNvPr>
@@ -7743,7 +7744,7 @@
           <p:cNvPr id="85" name="직선 화살표 연결선 84">
             <a:extLst>
               <a:ext uri="{FF2B5EF4-FFF2-40B4-BE49-F238E27FC236}">
-                <a16:creationId xmlns="" xmlns:a16="http://schemas.microsoft.com/office/drawing/2014/main" id="{3992F012-AF65-4E39-8E9C-577F6F0B7BD2}"/>
+                <a16:creationId xmlns:a16="http://schemas.microsoft.com/office/drawing/2014/main" xmlns="" id="{3992F012-AF65-4E39-8E9C-577F6F0B7BD2}"/>
               </a:ext>
             </a:extLst>
           </p:cNvPr>
@@ -7790,7 +7791,7 @@
           <p:cNvPr id="86" name="TextBox 85">
             <a:extLst>
               <a:ext uri="{FF2B5EF4-FFF2-40B4-BE49-F238E27FC236}">
-                <a16:creationId xmlns="" xmlns:a16="http://schemas.microsoft.com/office/drawing/2014/main" id="{ED21C0EA-1B65-43C8-AAD0-87268DCF3FD2}"/>
+                <a16:creationId xmlns:a16="http://schemas.microsoft.com/office/drawing/2014/main" xmlns="" id="{ED21C0EA-1B65-43C8-AAD0-87268DCF3FD2}"/>
               </a:ext>
             </a:extLst>
           </p:cNvPr>
@@ -7854,7 +7855,7 @@
           <p:cNvPr id="87" name="직선 화살표 연결선 86">
             <a:extLst>
               <a:ext uri="{FF2B5EF4-FFF2-40B4-BE49-F238E27FC236}">
-                <a16:creationId xmlns="" xmlns:a16="http://schemas.microsoft.com/office/drawing/2014/main" id="{3992F012-AF65-4E39-8E9C-577F6F0B7BD2}"/>
+                <a16:creationId xmlns:a16="http://schemas.microsoft.com/office/drawing/2014/main" xmlns="" id="{3992F012-AF65-4E39-8E9C-577F6F0B7BD2}"/>
               </a:ext>
             </a:extLst>
           </p:cNvPr>
@@ -7901,7 +7902,7 @@
           <p:cNvPr id="88" name="TextBox 87">
             <a:extLst>
               <a:ext uri="{FF2B5EF4-FFF2-40B4-BE49-F238E27FC236}">
-                <a16:creationId xmlns="" xmlns:a16="http://schemas.microsoft.com/office/drawing/2014/main" id="{ED21C0EA-1B65-43C8-AAD0-87268DCF3FD2}"/>
+                <a16:creationId xmlns:a16="http://schemas.microsoft.com/office/drawing/2014/main" xmlns="" id="{ED21C0EA-1B65-43C8-AAD0-87268DCF3FD2}"/>
               </a:ext>
             </a:extLst>
           </p:cNvPr>
@@ -7965,7 +7966,7 @@
           <p:cNvPr id="89" name="직선 화살표 연결선 88">
             <a:extLst>
               <a:ext uri="{FF2B5EF4-FFF2-40B4-BE49-F238E27FC236}">
-                <a16:creationId xmlns="" xmlns:a16="http://schemas.microsoft.com/office/drawing/2014/main" id="{EC28C33C-129E-4506-9549-3759C91D42BE}"/>
+                <a16:creationId xmlns:a16="http://schemas.microsoft.com/office/drawing/2014/main" xmlns="" id="{EC28C33C-129E-4506-9549-3759C91D42BE}"/>
               </a:ext>
             </a:extLst>
           </p:cNvPr>
@@ -8012,7 +8013,7 @@
           <p:cNvPr id="90" name="직선 화살표 연결선 89">
             <a:extLst>
               <a:ext uri="{FF2B5EF4-FFF2-40B4-BE49-F238E27FC236}">
-                <a16:creationId xmlns="" xmlns:a16="http://schemas.microsoft.com/office/drawing/2014/main" id="{EC28C33C-129E-4506-9549-3759C91D42BE}"/>
+                <a16:creationId xmlns:a16="http://schemas.microsoft.com/office/drawing/2014/main" xmlns="" id="{EC28C33C-129E-4506-9549-3759C91D42BE}"/>
               </a:ext>
             </a:extLst>
           </p:cNvPr>
@@ -8059,7 +8060,7 @@
           <p:cNvPr id="91" name="TextBox 90">
             <a:extLst>
               <a:ext uri="{FF2B5EF4-FFF2-40B4-BE49-F238E27FC236}">
-                <a16:creationId xmlns="" xmlns:a16="http://schemas.microsoft.com/office/drawing/2014/main" id="{BDD2FA7E-1E88-4F78-ABF6-567824DD1ECE}"/>
+                <a16:creationId xmlns:a16="http://schemas.microsoft.com/office/drawing/2014/main" xmlns="" id="{BDD2FA7E-1E88-4F78-ABF6-567824DD1ECE}"/>
               </a:ext>
             </a:extLst>
           </p:cNvPr>
@@ -8135,7 +8136,7 @@
           <p:cNvPr id="92" name="직선 화살표 연결선 91">
             <a:extLst>
               <a:ext uri="{FF2B5EF4-FFF2-40B4-BE49-F238E27FC236}">
-                <a16:creationId xmlns="" xmlns:a16="http://schemas.microsoft.com/office/drawing/2014/main" id="{3F7B84A3-1AD0-4DF7-A6BC-4B5B198A72B9}"/>
+                <a16:creationId xmlns:a16="http://schemas.microsoft.com/office/drawing/2014/main" xmlns="" id="{3F7B84A3-1AD0-4DF7-A6BC-4B5B198A72B9}"/>
               </a:ext>
             </a:extLst>
           </p:cNvPr>
@@ -8182,7 +8183,7 @@
           <p:cNvPr id="93" name="직선 화살표 연결선 92">
             <a:extLst>
               <a:ext uri="{FF2B5EF4-FFF2-40B4-BE49-F238E27FC236}">
-                <a16:creationId xmlns="" xmlns:a16="http://schemas.microsoft.com/office/drawing/2014/main" id="{3F7B84A3-1AD0-4DF7-A6BC-4B5B198A72B9}"/>
+                <a16:creationId xmlns:a16="http://schemas.microsoft.com/office/drawing/2014/main" xmlns="" id="{3F7B84A3-1AD0-4DF7-A6BC-4B5B198A72B9}"/>
               </a:ext>
             </a:extLst>
           </p:cNvPr>
@@ -8229,7 +8230,7 @@
           <p:cNvPr id="95" name="직선 화살표 연결선 94">
             <a:extLst>
               <a:ext uri="{FF2B5EF4-FFF2-40B4-BE49-F238E27FC236}">
-                <a16:creationId xmlns="" xmlns:a16="http://schemas.microsoft.com/office/drawing/2014/main" id="{366CBA92-9226-4C4A-ACDD-433CD65941DE}"/>
+                <a16:creationId xmlns:a16="http://schemas.microsoft.com/office/drawing/2014/main" xmlns="" id="{366CBA92-9226-4C4A-ACDD-433CD65941DE}"/>
               </a:ext>
             </a:extLst>
           </p:cNvPr>
@@ -8276,7 +8277,7 @@
           <p:cNvPr id="98" name="직선 화살표 연결선 97">
             <a:extLst>
               <a:ext uri="{FF2B5EF4-FFF2-40B4-BE49-F238E27FC236}">
-                <a16:creationId xmlns="" xmlns:a16="http://schemas.microsoft.com/office/drawing/2014/main" id="{366CBA92-9226-4C4A-ACDD-433CD65941DE}"/>
+                <a16:creationId xmlns:a16="http://schemas.microsoft.com/office/drawing/2014/main" xmlns="" id="{366CBA92-9226-4C4A-ACDD-433CD65941DE}"/>
               </a:ext>
             </a:extLst>
           </p:cNvPr>
@@ -8323,7 +8324,7 @@
           <p:cNvPr id="99" name="직선 화살표 연결선 98">
             <a:extLst>
               <a:ext uri="{FF2B5EF4-FFF2-40B4-BE49-F238E27FC236}">
-                <a16:creationId xmlns="" xmlns:a16="http://schemas.microsoft.com/office/drawing/2014/main" id="{3F7B84A3-1AD0-4DF7-A6BC-4B5B198A72B9}"/>
+                <a16:creationId xmlns:a16="http://schemas.microsoft.com/office/drawing/2014/main" xmlns="" id="{3F7B84A3-1AD0-4DF7-A6BC-4B5B198A72B9}"/>
               </a:ext>
             </a:extLst>
           </p:cNvPr>
@@ -8370,7 +8371,7 @@
           <p:cNvPr id="101" name="직선 화살표 연결선 100">
             <a:extLst>
               <a:ext uri="{FF2B5EF4-FFF2-40B4-BE49-F238E27FC236}">
-                <a16:creationId xmlns="" xmlns:a16="http://schemas.microsoft.com/office/drawing/2014/main" id="{366CBA92-9226-4C4A-ACDD-433CD65941DE}"/>
+                <a16:creationId xmlns:a16="http://schemas.microsoft.com/office/drawing/2014/main" xmlns="" id="{366CBA92-9226-4C4A-ACDD-433CD65941DE}"/>
               </a:ext>
             </a:extLst>
           </p:cNvPr>
@@ -8417,7 +8418,7 @@
           <p:cNvPr id="103" name="직선 화살표 연결선 102">
             <a:extLst>
               <a:ext uri="{FF2B5EF4-FFF2-40B4-BE49-F238E27FC236}">
-                <a16:creationId xmlns="" xmlns:a16="http://schemas.microsoft.com/office/drawing/2014/main" id="{3992F012-AF65-4E39-8E9C-577F6F0B7BD2}"/>
+                <a16:creationId xmlns:a16="http://schemas.microsoft.com/office/drawing/2014/main" xmlns="" id="{3992F012-AF65-4E39-8E9C-577F6F0B7BD2}"/>
               </a:ext>
             </a:extLst>
           </p:cNvPr>
@@ -8464,7 +8465,7 @@
           <p:cNvPr id="104" name="TextBox 103">
             <a:extLst>
               <a:ext uri="{FF2B5EF4-FFF2-40B4-BE49-F238E27FC236}">
-                <a16:creationId xmlns="" xmlns:a16="http://schemas.microsoft.com/office/drawing/2014/main" id="{ED21C0EA-1B65-43C8-AAD0-87268DCF3FD2}"/>
+                <a16:creationId xmlns:a16="http://schemas.microsoft.com/office/drawing/2014/main" xmlns="" id="{ED21C0EA-1B65-43C8-AAD0-87268DCF3FD2}"/>
               </a:ext>
             </a:extLst>
           </p:cNvPr>
@@ -8548,7 +8549,7 @@
           <p:cNvPr id="105" name="직선 화살표 연결선 104">
             <a:extLst>
               <a:ext uri="{FF2B5EF4-FFF2-40B4-BE49-F238E27FC236}">
-                <a16:creationId xmlns="" xmlns:a16="http://schemas.microsoft.com/office/drawing/2014/main" id="{3992F012-AF65-4E39-8E9C-577F6F0B7BD2}"/>
+                <a16:creationId xmlns:a16="http://schemas.microsoft.com/office/drawing/2014/main" xmlns="" id="{3992F012-AF65-4E39-8E9C-577F6F0B7BD2}"/>
               </a:ext>
             </a:extLst>
           </p:cNvPr>
@@ -8595,7 +8596,7 @@
           <p:cNvPr id="106" name="직선 화살표 연결선 105">
             <a:extLst>
               <a:ext uri="{FF2B5EF4-FFF2-40B4-BE49-F238E27FC236}">
-                <a16:creationId xmlns="" xmlns:a16="http://schemas.microsoft.com/office/drawing/2014/main" id="{3992F012-AF65-4E39-8E9C-577F6F0B7BD2}"/>
+                <a16:creationId xmlns:a16="http://schemas.microsoft.com/office/drawing/2014/main" xmlns="" id="{3992F012-AF65-4E39-8E9C-577F6F0B7BD2}"/>
               </a:ext>
             </a:extLst>
           </p:cNvPr>
@@ -8642,7 +8643,7 @@
           <p:cNvPr id="107" name="직선 화살표 연결선 106">
             <a:extLst>
               <a:ext uri="{FF2B5EF4-FFF2-40B4-BE49-F238E27FC236}">
-                <a16:creationId xmlns="" xmlns:a16="http://schemas.microsoft.com/office/drawing/2014/main" id="{3992F012-AF65-4E39-8E9C-577F6F0B7BD2}"/>
+                <a16:creationId xmlns:a16="http://schemas.microsoft.com/office/drawing/2014/main" xmlns="" id="{3992F012-AF65-4E39-8E9C-577F6F0B7BD2}"/>
               </a:ext>
             </a:extLst>
           </p:cNvPr>
@@ -8689,7 +8690,7 @@
           <p:cNvPr id="110" name="직선 화살표 연결선 109">
             <a:extLst>
               <a:ext uri="{FF2B5EF4-FFF2-40B4-BE49-F238E27FC236}">
-                <a16:creationId xmlns="" xmlns:a16="http://schemas.microsoft.com/office/drawing/2014/main" id="{EC28C33C-129E-4506-9549-3759C91D42BE}"/>
+                <a16:creationId xmlns:a16="http://schemas.microsoft.com/office/drawing/2014/main" xmlns="" id="{EC28C33C-129E-4506-9549-3759C91D42BE}"/>
               </a:ext>
             </a:extLst>
           </p:cNvPr>
@@ -8736,7 +8737,7 @@
           <p:cNvPr id="111" name="직선 화살표 연결선 110">
             <a:extLst>
               <a:ext uri="{FF2B5EF4-FFF2-40B4-BE49-F238E27FC236}">
-                <a16:creationId xmlns="" xmlns:a16="http://schemas.microsoft.com/office/drawing/2014/main" id="{EC28C33C-129E-4506-9549-3759C91D42BE}"/>
+                <a16:creationId xmlns:a16="http://schemas.microsoft.com/office/drawing/2014/main" xmlns="" id="{EC28C33C-129E-4506-9549-3759C91D42BE}"/>
               </a:ext>
             </a:extLst>
           </p:cNvPr>
@@ -8783,7 +8784,7 @@
           <p:cNvPr id="112" name="직선 화살표 연결선 111">
             <a:extLst>
               <a:ext uri="{FF2B5EF4-FFF2-40B4-BE49-F238E27FC236}">
-                <a16:creationId xmlns="" xmlns:a16="http://schemas.microsoft.com/office/drawing/2014/main" id="{EC28C33C-129E-4506-9549-3759C91D42BE}"/>
+                <a16:creationId xmlns:a16="http://schemas.microsoft.com/office/drawing/2014/main" xmlns="" id="{EC28C33C-129E-4506-9549-3759C91D42BE}"/>
               </a:ext>
             </a:extLst>
           </p:cNvPr>
@@ -8830,7 +8831,7 @@
           <p:cNvPr id="113" name="직선 화살표 연결선 112">
             <a:extLst>
               <a:ext uri="{FF2B5EF4-FFF2-40B4-BE49-F238E27FC236}">
-                <a16:creationId xmlns="" xmlns:a16="http://schemas.microsoft.com/office/drawing/2014/main" id="{EC28C33C-129E-4506-9549-3759C91D42BE}"/>
+                <a16:creationId xmlns:a16="http://schemas.microsoft.com/office/drawing/2014/main" xmlns="" id="{EC28C33C-129E-4506-9549-3759C91D42BE}"/>
               </a:ext>
             </a:extLst>
           </p:cNvPr>
@@ -8877,7 +8878,7 @@
           <p:cNvPr id="115" name="TextBox 114">
             <a:extLst>
               <a:ext uri="{FF2B5EF4-FFF2-40B4-BE49-F238E27FC236}">
-                <a16:creationId xmlns="" xmlns:a16="http://schemas.microsoft.com/office/drawing/2014/main" id="{BDD2FA7E-1E88-4F78-ABF6-567824DD1ECE}"/>
+                <a16:creationId xmlns:a16="http://schemas.microsoft.com/office/drawing/2014/main" xmlns="" id="{BDD2FA7E-1E88-4F78-ABF6-567824DD1ECE}"/>
               </a:ext>
             </a:extLst>
           </p:cNvPr>
@@ -8934,7 +8935,7 @@
           <p:cNvPr id="116" name="TextBox 115">
             <a:extLst>
               <a:ext uri="{FF2B5EF4-FFF2-40B4-BE49-F238E27FC236}">
-                <a16:creationId xmlns="" xmlns:a16="http://schemas.microsoft.com/office/drawing/2014/main" id="{BDD2FA7E-1E88-4F78-ABF6-567824DD1ECE}"/>
+                <a16:creationId xmlns:a16="http://schemas.microsoft.com/office/drawing/2014/main" xmlns="" id="{BDD2FA7E-1E88-4F78-ABF6-567824DD1ECE}"/>
               </a:ext>
             </a:extLst>
           </p:cNvPr>
@@ -8991,7 +8992,7 @@
           <p:cNvPr id="117" name="TextBox 116">
             <a:extLst>
               <a:ext uri="{FF2B5EF4-FFF2-40B4-BE49-F238E27FC236}">
-                <a16:creationId xmlns="" xmlns:a16="http://schemas.microsoft.com/office/drawing/2014/main" id="{BDD2FA7E-1E88-4F78-ABF6-567824DD1ECE}"/>
+                <a16:creationId xmlns:a16="http://schemas.microsoft.com/office/drawing/2014/main" xmlns="" id="{BDD2FA7E-1E88-4F78-ABF6-567824DD1ECE}"/>
               </a:ext>
             </a:extLst>
           </p:cNvPr>
@@ -9048,7 +9049,7 @@
           <p:cNvPr id="118" name="TextBox 117">
             <a:extLst>
               <a:ext uri="{FF2B5EF4-FFF2-40B4-BE49-F238E27FC236}">
-                <a16:creationId xmlns="" xmlns:a16="http://schemas.microsoft.com/office/drawing/2014/main" id="{ED21C0EA-1B65-43C8-AAD0-87268DCF3FD2}"/>
+                <a16:creationId xmlns:a16="http://schemas.microsoft.com/office/drawing/2014/main" xmlns="" id="{ED21C0EA-1B65-43C8-AAD0-87268DCF3FD2}"/>
               </a:ext>
             </a:extLst>
           </p:cNvPr>
@@ -9132,7 +9133,7 @@
           <p:cNvPr id="119" name="TextBox 118">
             <a:extLst>
               <a:ext uri="{FF2B5EF4-FFF2-40B4-BE49-F238E27FC236}">
-                <a16:creationId xmlns="" xmlns:a16="http://schemas.microsoft.com/office/drawing/2014/main" id="{ED21C0EA-1B65-43C8-AAD0-87268DCF3FD2}"/>
+                <a16:creationId xmlns:a16="http://schemas.microsoft.com/office/drawing/2014/main" xmlns="" id="{ED21C0EA-1B65-43C8-AAD0-87268DCF3FD2}"/>
               </a:ext>
             </a:extLst>
           </p:cNvPr>
@@ -9216,7 +9217,7 @@
           <p:cNvPr id="120" name="TextBox 119">
             <a:extLst>
               <a:ext uri="{FF2B5EF4-FFF2-40B4-BE49-F238E27FC236}">
-                <a16:creationId xmlns="" xmlns:a16="http://schemas.microsoft.com/office/drawing/2014/main" id="{ED21C0EA-1B65-43C8-AAD0-87268DCF3FD2}"/>
+                <a16:creationId xmlns:a16="http://schemas.microsoft.com/office/drawing/2014/main" xmlns="" id="{ED21C0EA-1B65-43C8-AAD0-87268DCF3FD2}"/>
               </a:ext>
             </a:extLst>
           </p:cNvPr>
@@ -9300,7 +9301,7 @@
           <p:cNvPr id="121" name="TextBox 120">
             <a:extLst>
               <a:ext uri="{FF2B5EF4-FFF2-40B4-BE49-F238E27FC236}">
-                <a16:creationId xmlns="" xmlns:a16="http://schemas.microsoft.com/office/drawing/2014/main" id="{ED21C0EA-1B65-43C8-AAD0-87268DCF3FD2}"/>
+                <a16:creationId xmlns:a16="http://schemas.microsoft.com/office/drawing/2014/main" xmlns="" id="{ED21C0EA-1B65-43C8-AAD0-87268DCF3FD2}"/>
               </a:ext>
             </a:extLst>
           </p:cNvPr>
@@ -9384,7 +9385,7 @@
           <p:cNvPr id="122" name="TextBox 121">
             <a:extLst>
               <a:ext uri="{FF2B5EF4-FFF2-40B4-BE49-F238E27FC236}">
-                <a16:creationId xmlns="" xmlns:a16="http://schemas.microsoft.com/office/drawing/2014/main" id="{BDD2FA7E-1E88-4F78-ABF6-567824DD1ECE}"/>
+                <a16:creationId xmlns:a16="http://schemas.microsoft.com/office/drawing/2014/main" xmlns="" id="{BDD2FA7E-1E88-4F78-ABF6-567824DD1ECE}"/>
               </a:ext>
             </a:extLst>
           </p:cNvPr>
@@ -9441,7 +9442,7 @@
           <p:cNvPr id="123" name="TextBox 122">
             <a:extLst>
               <a:ext uri="{FF2B5EF4-FFF2-40B4-BE49-F238E27FC236}">
-                <a16:creationId xmlns="" xmlns:a16="http://schemas.microsoft.com/office/drawing/2014/main" id="{BDD2FA7E-1E88-4F78-ABF6-567824DD1ECE}"/>
+                <a16:creationId xmlns:a16="http://schemas.microsoft.com/office/drawing/2014/main" xmlns="" id="{BDD2FA7E-1E88-4F78-ABF6-567824DD1ECE}"/>
               </a:ext>
             </a:extLst>
           </p:cNvPr>
@@ -9562,7 +9563,7 @@
           <p:cNvPr id="124" name="직선 화살표 연결선 123">
             <a:extLst>
               <a:ext uri="{FF2B5EF4-FFF2-40B4-BE49-F238E27FC236}">
-                <a16:creationId xmlns="" xmlns:a16="http://schemas.microsoft.com/office/drawing/2014/main" id="{3992F012-AF65-4E39-8E9C-577F6F0B7BD2}"/>
+                <a16:creationId xmlns:a16="http://schemas.microsoft.com/office/drawing/2014/main" xmlns="" id="{3992F012-AF65-4E39-8E9C-577F6F0B7BD2}"/>
               </a:ext>
             </a:extLst>
           </p:cNvPr>
@@ -9609,7 +9610,7 @@
           <p:cNvPr id="126" name="직선 화살표 연결선 125">
             <a:extLst>
               <a:ext uri="{FF2B5EF4-FFF2-40B4-BE49-F238E27FC236}">
-                <a16:creationId xmlns="" xmlns:a16="http://schemas.microsoft.com/office/drawing/2014/main" id="{EC28C33C-129E-4506-9549-3759C91D42BE}"/>
+                <a16:creationId xmlns:a16="http://schemas.microsoft.com/office/drawing/2014/main" xmlns="" id="{EC28C33C-129E-4506-9549-3759C91D42BE}"/>
               </a:ext>
             </a:extLst>
           </p:cNvPr>
@@ -9656,7 +9657,7 @@
           <p:cNvPr id="128" name="직선 화살표 연결선 127">
             <a:extLst>
               <a:ext uri="{FF2B5EF4-FFF2-40B4-BE49-F238E27FC236}">
-                <a16:creationId xmlns="" xmlns:a16="http://schemas.microsoft.com/office/drawing/2014/main" id="{3992F012-AF65-4E39-8E9C-577F6F0B7BD2}"/>
+                <a16:creationId xmlns:a16="http://schemas.microsoft.com/office/drawing/2014/main" xmlns="" id="{3992F012-AF65-4E39-8E9C-577F6F0B7BD2}"/>
               </a:ext>
             </a:extLst>
           </p:cNvPr>
@@ -9703,7 +9704,7 @@
           <p:cNvPr id="129" name="직선 화살표 연결선 128">
             <a:extLst>
               <a:ext uri="{FF2B5EF4-FFF2-40B4-BE49-F238E27FC236}">
-                <a16:creationId xmlns="" xmlns:a16="http://schemas.microsoft.com/office/drawing/2014/main" id="{EC28C33C-129E-4506-9549-3759C91D42BE}"/>
+                <a16:creationId xmlns:a16="http://schemas.microsoft.com/office/drawing/2014/main" xmlns="" id="{EC28C33C-129E-4506-9549-3759C91D42BE}"/>
               </a:ext>
             </a:extLst>
           </p:cNvPr>
@@ -9750,7 +9751,7 @@
           <p:cNvPr id="130" name="직선 화살표 연결선 129">
             <a:extLst>
               <a:ext uri="{FF2B5EF4-FFF2-40B4-BE49-F238E27FC236}">
-                <a16:creationId xmlns="" xmlns:a16="http://schemas.microsoft.com/office/drawing/2014/main" id="{3992F012-AF65-4E39-8E9C-577F6F0B7BD2}"/>
+                <a16:creationId xmlns:a16="http://schemas.microsoft.com/office/drawing/2014/main" xmlns="" id="{3992F012-AF65-4E39-8E9C-577F6F0B7BD2}"/>
               </a:ext>
             </a:extLst>
           </p:cNvPr>
@@ -9797,7 +9798,7 @@
           <p:cNvPr id="131" name="직선 화살표 연결선 130">
             <a:extLst>
               <a:ext uri="{FF2B5EF4-FFF2-40B4-BE49-F238E27FC236}">
-                <a16:creationId xmlns="" xmlns:a16="http://schemas.microsoft.com/office/drawing/2014/main" id="{EC28C33C-129E-4506-9549-3759C91D42BE}"/>
+                <a16:creationId xmlns:a16="http://schemas.microsoft.com/office/drawing/2014/main" xmlns="" id="{EC28C33C-129E-4506-9549-3759C91D42BE}"/>
               </a:ext>
             </a:extLst>
           </p:cNvPr>
@@ -9844,7 +9845,7 @@
           <p:cNvPr id="132" name="직선 화살표 연결선 131">
             <a:extLst>
               <a:ext uri="{FF2B5EF4-FFF2-40B4-BE49-F238E27FC236}">
-                <a16:creationId xmlns="" xmlns:a16="http://schemas.microsoft.com/office/drawing/2014/main" id="{3992F012-AF65-4E39-8E9C-577F6F0B7BD2}"/>
+                <a16:creationId xmlns:a16="http://schemas.microsoft.com/office/drawing/2014/main" xmlns="" id="{3992F012-AF65-4E39-8E9C-577F6F0B7BD2}"/>
               </a:ext>
             </a:extLst>
           </p:cNvPr>
@@ -9891,7 +9892,7 @@
           <p:cNvPr id="133" name="직선 화살표 연결선 132">
             <a:extLst>
               <a:ext uri="{FF2B5EF4-FFF2-40B4-BE49-F238E27FC236}">
-                <a16:creationId xmlns="" xmlns:a16="http://schemas.microsoft.com/office/drawing/2014/main" id="{EC28C33C-129E-4506-9549-3759C91D42BE}"/>
+                <a16:creationId xmlns:a16="http://schemas.microsoft.com/office/drawing/2014/main" xmlns="" id="{EC28C33C-129E-4506-9549-3759C91D42BE}"/>
               </a:ext>
             </a:extLst>
           </p:cNvPr>
@@ -9938,7 +9939,7 @@
           <p:cNvPr id="134" name="TextBox 133">
             <a:extLst>
               <a:ext uri="{FF2B5EF4-FFF2-40B4-BE49-F238E27FC236}">
-                <a16:creationId xmlns="" xmlns:a16="http://schemas.microsoft.com/office/drawing/2014/main" id="{ED21C0EA-1B65-43C8-AAD0-87268DCF3FD2}"/>
+                <a16:creationId xmlns:a16="http://schemas.microsoft.com/office/drawing/2014/main" xmlns="" id="{ED21C0EA-1B65-43C8-AAD0-87268DCF3FD2}"/>
               </a:ext>
             </a:extLst>
           </p:cNvPr>
@@ -10022,7 +10023,7 @@
           <p:cNvPr id="135" name="TextBox 134">
             <a:extLst>
               <a:ext uri="{FF2B5EF4-FFF2-40B4-BE49-F238E27FC236}">
-                <a16:creationId xmlns="" xmlns:a16="http://schemas.microsoft.com/office/drawing/2014/main" id="{ED21C0EA-1B65-43C8-AAD0-87268DCF3FD2}"/>
+                <a16:creationId xmlns:a16="http://schemas.microsoft.com/office/drawing/2014/main" xmlns="" id="{ED21C0EA-1B65-43C8-AAD0-87268DCF3FD2}"/>
               </a:ext>
             </a:extLst>
           </p:cNvPr>
@@ -10086,7 +10087,7 @@
           <p:cNvPr id="136" name="TextBox 135">
             <a:extLst>
               <a:ext uri="{FF2B5EF4-FFF2-40B4-BE49-F238E27FC236}">
-                <a16:creationId xmlns="" xmlns:a16="http://schemas.microsoft.com/office/drawing/2014/main" id="{ED21C0EA-1B65-43C8-AAD0-87268DCF3FD2}"/>
+                <a16:creationId xmlns:a16="http://schemas.microsoft.com/office/drawing/2014/main" xmlns="" id="{ED21C0EA-1B65-43C8-AAD0-87268DCF3FD2}"/>
               </a:ext>
             </a:extLst>
           </p:cNvPr>
@@ -10150,7 +10151,7 @@
           <p:cNvPr id="137" name="TextBox 136">
             <a:extLst>
               <a:ext uri="{FF2B5EF4-FFF2-40B4-BE49-F238E27FC236}">
-                <a16:creationId xmlns="" xmlns:a16="http://schemas.microsoft.com/office/drawing/2014/main" id="{ED21C0EA-1B65-43C8-AAD0-87268DCF3FD2}"/>
+                <a16:creationId xmlns:a16="http://schemas.microsoft.com/office/drawing/2014/main" xmlns="" id="{ED21C0EA-1B65-43C8-AAD0-87268DCF3FD2}"/>
               </a:ext>
             </a:extLst>
           </p:cNvPr>
@@ -10214,7 +10215,7 @@
           <p:cNvPr id="138" name="TextBox 137">
             <a:extLst>
               <a:ext uri="{FF2B5EF4-FFF2-40B4-BE49-F238E27FC236}">
-                <a16:creationId xmlns="" xmlns:a16="http://schemas.microsoft.com/office/drawing/2014/main" id="{BDD2FA7E-1E88-4F78-ABF6-567824DD1ECE}"/>
+                <a16:creationId xmlns:a16="http://schemas.microsoft.com/office/drawing/2014/main" xmlns="" id="{BDD2FA7E-1E88-4F78-ABF6-567824DD1ECE}"/>
               </a:ext>
             </a:extLst>
           </p:cNvPr>
@@ -10290,7 +10291,7 @@
           <p:cNvPr id="139" name="직선 화살표 연결선 138">
             <a:extLst>
               <a:ext uri="{FF2B5EF4-FFF2-40B4-BE49-F238E27FC236}">
-                <a16:creationId xmlns="" xmlns:a16="http://schemas.microsoft.com/office/drawing/2014/main" id="{3F7B84A3-1AD0-4DF7-A6BC-4B5B198A72B9}"/>
+                <a16:creationId xmlns:a16="http://schemas.microsoft.com/office/drawing/2014/main" xmlns="" id="{3F7B84A3-1AD0-4DF7-A6BC-4B5B198A72B9}"/>
               </a:ext>
             </a:extLst>
           </p:cNvPr>
@@ -10367,7 +10368,7 @@
           <p:cNvPr id="4" name="표 4">
             <a:extLst>
               <a:ext uri="{FF2B5EF4-FFF2-40B4-BE49-F238E27FC236}">
-                <a16:creationId xmlns="" xmlns:a16="http://schemas.microsoft.com/office/drawing/2014/main" id="{B305719E-D3E5-4E7E-B17F-23D2B8F0881C}"/>
+                <a16:creationId xmlns:a16="http://schemas.microsoft.com/office/drawing/2014/main" xmlns="" id="{B305719E-D3E5-4E7E-B17F-23D2B8F0881C}"/>
               </a:ext>
             </a:extLst>
           </p:cNvPr>
@@ -10396,21 +10397,21 @@
                 <a:gridCol w="2033729">
                   <a:extLst>
                     <a:ext uri="{9D8B030D-6E8A-4147-A177-3AD203B41FA5}">
-                      <a16:colId xmlns="" xmlns:a16="http://schemas.microsoft.com/office/drawing/2014/main" val="3571064474"/>
+                      <a16:colId xmlns:a16="http://schemas.microsoft.com/office/drawing/2014/main" xmlns="" val="3571064474"/>
                     </a:ext>
                   </a:extLst>
                 </a:gridCol>
                 <a:gridCol w="1557196">
                   <a:extLst>
                     <a:ext uri="{9D8B030D-6E8A-4147-A177-3AD203B41FA5}">
-                      <a16:colId xmlns="" xmlns:a16="http://schemas.microsoft.com/office/drawing/2014/main" val="4257211528"/>
+                      <a16:colId xmlns:a16="http://schemas.microsoft.com/office/drawing/2014/main" xmlns="" val="4257211528"/>
                     </a:ext>
                   </a:extLst>
                 </a:gridCol>
                 <a:gridCol w="1665838">
                   <a:extLst>
                     <a:ext uri="{9D8B030D-6E8A-4147-A177-3AD203B41FA5}">
-                      <a16:colId xmlns="" xmlns:a16="http://schemas.microsoft.com/office/drawing/2014/main" val="3023545236"/>
+                      <a16:colId xmlns:a16="http://schemas.microsoft.com/office/drawing/2014/main" xmlns="" val="3023545236"/>
                     </a:ext>
                   </a:extLst>
                 </a:gridCol>
@@ -10418,21 +10419,21 @@
                 <a:gridCol w="1738265">
                   <a:extLst>
                     <a:ext uri="{9D8B030D-6E8A-4147-A177-3AD203B41FA5}">
-                      <a16:colId xmlns="" xmlns:a16="http://schemas.microsoft.com/office/drawing/2014/main" val="2920563116"/>
+                      <a16:colId xmlns:a16="http://schemas.microsoft.com/office/drawing/2014/main" xmlns="" val="2920563116"/>
                     </a:ext>
                   </a:extLst>
                 </a:gridCol>
                 <a:gridCol w="1720158">
                   <a:extLst>
                     <a:ext uri="{9D8B030D-6E8A-4147-A177-3AD203B41FA5}">
-                      <a16:colId xmlns="" xmlns:a16="http://schemas.microsoft.com/office/drawing/2014/main" val="3475859244"/>
+                      <a16:colId xmlns:a16="http://schemas.microsoft.com/office/drawing/2014/main" xmlns="" val="3475859244"/>
                     </a:ext>
                   </a:extLst>
                 </a:gridCol>
                 <a:gridCol w="1602273">
                   <a:extLst>
                     <a:ext uri="{9D8B030D-6E8A-4147-A177-3AD203B41FA5}">
-                      <a16:colId xmlns="" xmlns:a16="http://schemas.microsoft.com/office/drawing/2014/main" val="3472189352"/>
+                      <a16:colId xmlns:a16="http://schemas.microsoft.com/office/drawing/2014/main" xmlns="" val="3472189352"/>
                     </a:ext>
                   </a:extLst>
                 </a:gridCol>
@@ -10995,7 +10996,7 @@
                 </a:tc>
                 <a:extLst>
                   <a:ext uri="{0D108BD9-81ED-4DB2-BD59-A6C34878D82A}">
-                    <a16:rowId xmlns="" xmlns:a16="http://schemas.microsoft.com/office/drawing/2014/main" val="243423754"/>
+                    <a16:rowId xmlns:a16="http://schemas.microsoft.com/office/drawing/2014/main" xmlns="" val="243423754"/>
                   </a:ext>
                 </a:extLst>
               </a:tr>
@@ -13506,7 +13507,7 @@
                 </a:tc>
                 <a:extLst>
                   <a:ext uri="{0D108BD9-81ED-4DB2-BD59-A6C34878D82A}">
-                    <a16:rowId xmlns="" xmlns:a16="http://schemas.microsoft.com/office/drawing/2014/main" val="3134473238"/>
+                    <a16:rowId xmlns:a16="http://schemas.microsoft.com/office/drawing/2014/main" xmlns="" val="3134473238"/>
                   </a:ext>
                 </a:extLst>
               </a:tr>
@@ -13519,7 +13520,7 @@
           <p:cNvPr id="6" name="직선 화살표 연결선 5">
             <a:extLst>
               <a:ext uri="{FF2B5EF4-FFF2-40B4-BE49-F238E27FC236}">
-                <a16:creationId xmlns="" xmlns:a16="http://schemas.microsoft.com/office/drawing/2014/main" id="{3F7B84A3-1AD0-4DF7-A6BC-4B5B198A72B9}"/>
+                <a16:creationId xmlns:a16="http://schemas.microsoft.com/office/drawing/2014/main" xmlns="" id="{3F7B84A3-1AD0-4DF7-A6BC-4B5B198A72B9}"/>
               </a:ext>
             </a:extLst>
           </p:cNvPr>
@@ -13566,7 +13567,7 @@
           <p:cNvPr id="7" name="직선 화살표 연결선 6">
             <a:extLst>
               <a:ext uri="{FF2B5EF4-FFF2-40B4-BE49-F238E27FC236}">
-                <a16:creationId xmlns="" xmlns:a16="http://schemas.microsoft.com/office/drawing/2014/main" id="{3992F012-AF65-4E39-8E9C-577F6F0B7BD2}"/>
+                <a16:creationId xmlns:a16="http://schemas.microsoft.com/office/drawing/2014/main" xmlns="" id="{3992F012-AF65-4E39-8E9C-577F6F0B7BD2}"/>
               </a:ext>
             </a:extLst>
           </p:cNvPr>
@@ -13613,7 +13614,7 @@
           <p:cNvPr id="14" name="TextBox 13">
             <a:extLst>
               <a:ext uri="{FF2B5EF4-FFF2-40B4-BE49-F238E27FC236}">
-                <a16:creationId xmlns="" xmlns:a16="http://schemas.microsoft.com/office/drawing/2014/main" id="{83A2AE63-3C59-4FEB-BBED-3D51275125E3}"/>
+                <a16:creationId xmlns:a16="http://schemas.microsoft.com/office/drawing/2014/main" xmlns="" id="{83A2AE63-3C59-4FEB-BBED-3D51275125E3}"/>
               </a:ext>
             </a:extLst>
           </p:cNvPr>
@@ -13678,7 +13679,7 @@
           <p:cNvPr id="16" name="TextBox 15">
             <a:extLst>
               <a:ext uri="{FF2B5EF4-FFF2-40B4-BE49-F238E27FC236}">
-                <a16:creationId xmlns="" xmlns:a16="http://schemas.microsoft.com/office/drawing/2014/main" id="{B5D51435-1C6A-443A-871F-F312D05722E2}"/>
+                <a16:creationId xmlns:a16="http://schemas.microsoft.com/office/drawing/2014/main" xmlns="" id="{B5D51435-1C6A-443A-871F-F312D05722E2}"/>
               </a:ext>
             </a:extLst>
           </p:cNvPr>
@@ -13743,7 +13744,7 @@
           <p:cNvPr id="19" name="직선 화살표 연결선 18">
             <a:extLst>
               <a:ext uri="{FF2B5EF4-FFF2-40B4-BE49-F238E27FC236}">
-                <a16:creationId xmlns="" xmlns:a16="http://schemas.microsoft.com/office/drawing/2014/main" id="{EC28C33C-129E-4506-9549-3759C91D42BE}"/>
+                <a16:creationId xmlns:a16="http://schemas.microsoft.com/office/drawing/2014/main" xmlns="" id="{EC28C33C-129E-4506-9549-3759C91D42BE}"/>
               </a:ext>
             </a:extLst>
           </p:cNvPr>
@@ -13790,7 +13791,7 @@
           <p:cNvPr id="20" name="TextBox 19">
             <a:extLst>
               <a:ext uri="{FF2B5EF4-FFF2-40B4-BE49-F238E27FC236}">
-                <a16:creationId xmlns="" xmlns:a16="http://schemas.microsoft.com/office/drawing/2014/main" id="{BDD2FA7E-1E88-4F78-ABF6-567824DD1ECE}"/>
+                <a16:creationId xmlns:a16="http://schemas.microsoft.com/office/drawing/2014/main" xmlns="" id="{BDD2FA7E-1E88-4F78-ABF6-567824DD1ECE}"/>
               </a:ext>
             </a:extLst>
           </p:cNvPr>
@@ -13855,7 +13856,7 @@
           <p:cNvPr id="21" name="직선 화살표 연결선 20">
             <a:extLst>
               <a:ext uri="{FF2B5EF4-FFF2-40B4-BE49-F238E27FC236}">
-                <a16:creationId xmlns="" xmlns:a16="http://schemas.microsoft.com/office/drawing/2014/main" id="{75322384-8370-42A2-9AA6-9103C9E005E6}"/>
+                <a16:creationId xmlns:a16="http://schemas.microsoft.com/office/drawing/2014/main" xmlns="" id="{75322384-8370-42A2-9AA6-9103C9E005E6}"/>
               </a:ext>
             </a:extLst>
           </p:cNvPr>
@@ -13902,7 +13903,7 @@
           <p:cNvPr id="23" name="직선 화살표 연결선 22">
             <a:extLst>
               <a:ext uri="{FF2B5EF4-FFF2-40B4-BE49-F238E27FC236}">
-                <a16:creationId xmlns="" xmlns:a16="http://schemas.microsoft.com/office/drawing/2014/main" id="{366CBA92-9226-4C4A-ACDD-433CD65941DE}"/>
+                <a16:creationId xmlns:a16="http://schemas.microsoft.com/office/drawing/2014/main" xmlns="" id="{366CBA92-9226-4C4A-ACDD-433CD65941DE}"/>
               </a:ext>
             </a:extLst>
           </p:cNvPr>
@@ -13949,7 +13950,7 @@
           <p:cNvPr id="25" name="TextBox 24">
             <a:extLst>
               <a:ext uri="{FF2B5EF4-FFF2-40B4-BE49-F238E27FC236}">
-                <a16:creationId xmlns="" xmlns:a16="http://schemas.microsoft.com/office/drawing/2014/main" id="{ED21C0EA-1B65-43C8-AAD0-87268DCF3FD2}"/>
+                <a16:creationId xmlns:a16="http://schemas.microsoft.com/office/drawing/2014/main" xmlns="" id="{ED21C0EA-1B65-43C8-AAD0-87268DCF3FD2}"/>
               </a:ext>
             </a:extLst>
           </p:cNvPr>
@@ -14008,13 +14009,6 @@
               </a:rPr>
               <a:t>(“no”)</a:t>
             </a:r>
-            <a:endParaRPr lang="en-US" altLang="ko-KR" sz="1000" dirty="0" smtClean="0">
-              <a:solidFill>
-                <a:srgbClr val="70AD47">
-                  <a:lumMod val="75000"/>
-                </a:srgbClr>
-              </a:solidFill>
-            </a:endParaRPr>
           </a:p>
         </p:txBody>
       </p:sp>
@@ -14023,7 +14017,7 @@
           <p:cNvPr id="56" name="직선 화살표 연결선 55">
             <a:extLst>
               <a:ext uri="{FF2B5EF4-FFF2-40B4-BE49-F238E27FC236}">
-                <a16:creationId xmlns="" xmlns:a16="http://schemas.microsoft.com/office/drawing/2014/main" id="{3992F012-AF65-4E39-8E9C-577F6F0B7BD2}"/>
+                <a16:creationId xmlns:a16="http://schemas.microsoft.com/office/drawing/2014/main" xmlns="" id="{3992F012-AF65-4E39-8E9C-577F6F0B7BD2}"/>
               </a:ext>
             </a:extLst>
           </p:cNvPr>
@@ -14070,7 +14064,7 @@
           <p:cNvPr id="61" name="직선 화살표 연결선 60">
             <a:extLst>
               <a:ext uri="{FF2B5EF4-FFF2-40B4-BE49-F238E27FC236}">
-                <a16:creationId xmlns="" xmlns:a16="http://schemas.microsoft.com/office/drawing/2014/main" id="{3992F012-AF65-4E39-8E9C-577F6F0B7BD2}"/>
+                <a16:creationId xmlns:a16="http://schemas.microsoft.com/office/drawing/2014/main" xmlns="" id="{3992F012-AF65-4E39-8E9C-577F6F0B7BD2}"/>
               </a:ext>
             </a:extLst>
           </p:cNvPr>
@@ -14117,7 +14111,7 @@
           <p:cNvPr id="65" name="직선 화살표 연결선 64">
             <a:extLst>
               <a:ext uri="{FF2B5EF4-FFF2-40B4-BE49-F238E27FC236}">
-                <a16:creationId xmlns="" xmlns:a16="http://schemas.microsoft.com/office/drawing/2014/main" id="{3992F012-AF65-4E39-8E9C-577F6F0B7BD2}"/>
+                <a16:creationId xmlns:a16="http://schemas.microsoft.com/office/drawing/2014/main" xmlns="" id="{3992F012-AF65-4E39-8E9C-577F6F0B7BD2}"/>
               </a:ext>
             </a:extLst>
           </p:cNvPr>
@@ -14164,7 +14158,7 @@
           <p:cNvPr id="70" name="직선 화살표 연결선 69">
             <a:extLst>
               <a:ext uri="{FF2B5EF4-FFF2-40B4-BE49-F238E27FC236}">
-                <a16:creationId xmlns="" xmlns:a16="http://schemas.microsoft.com/office/drawing/2014/main" id="{EC28C33C-129E-4506-9549-3759C91D42BE}"/>
+                <a16:creationId xmlns:a16="http://schemas.microsoft.com/office/drawing/2014/main" xmlns="" id="{EC28C33C-129E-4506-9549-3759C91D42BE}"/>
               </a:ext>
             </a:extLst>
           </p:cNvPr>
@@ -14211,7 +14205,7 @@
           <p:cNvPr id="71" name="직선 화살표 연결선 70">
             <a:extLst>
               <a:ext uri="{FF2B5EF4-FFF2-40B4-BE49-F238E27FC236}">
-                <a16:creationId xmlns="" xmlns:a16="http://schemas.microsoft.com/office/drawing/2014/main" id="{EC28C33C-129E-4506-9549-3759C91D42BE}"/>
+                <a16:creationId xmlns:a16="http://schemas.microsoft.com/office/drawing/2014/main" xmlns="" id="{EC28C33C-129E-4506-9549-3759C91D42BE}"/>
               </a:ext>
             </a:extLst>
           </p:cNvPr>
@@ -14258,7 +14252,7 @@
           <p:cNvPr id="72" name="직선 화살표 연결선 71">
             <a:extLst>
               <a:ext uri="{FF2B5EF4-FFF2-40B4-BE49-F238E27FC236}">
-                <a16:creationId xmlns="" xmlns:a16="http://schemas.microsoft.com/office/drawing/2014/main" id="{EC28C33C-129E-4506-9549-3759C91D42BE}"/>
+                <a16:creationId xmlns:a16="http://schemas.microsoft.com/office/drawing/2014/main" xmlns="" id="{EC28C33C-129E-4506-9549-3759C91D42BE}"/>
               </a:ext>
             </a:extLst>
           </p:cNvPr>
@@ -14305,7 +14299,7 @@
           <p:cNvPr id="73" name="TextBox 72">
             <a:extLst>
               <a:ext uri="{FF2B5EF4-FFF2-40B4-BE49-F238E27FC236}">
-                <a16:creationId xmlns="" xmlns:a16="http://schemas.microsoft.com/office/drawing/2014/main" id="{BDD2FA7E-1E88-4F78-ABF6-567824DD1ECE}"/>
+                <a16:creationId xmlns:a16="http://schemas.microsoft.com/office/drawing/2014/main" xmlns="" id="{BDD2FA7E-1E88-4F78-ABF6-567824DD1ECE}"/>
               </a:ext>
             </a:extLst>
           </p:cNvPr>
@@ -14370,7 +14364,7 @@
           <p:cNvPr id="74" name="TextBox 73">
             <a:extLst>
               <a:ext uri="{FF2B5EF4-FFF2-40B4-BE49-F238E27FC236}">
-                <a16:creationId xmlns="" xmlns:a16="http://schemas.microsoft.com/office/drawing/2014/main" id="{BDD2FA7E-1E88-4F78-ABF6-567824DD1ECE}"/>
+                <a16:creationId xmlns:a16="http://schemas.microsoft.com/office/drawing/2014/main" xmlns="" id="{BDD2FA7E-1E88-4F78-ABF6-567824DD1ECE}"/>
               </a:ext>
             </a:extLst>
           </p:cNvPr>
@@ -14451,7 +14445,7 @@
           <p:cNvPr id="75" name="직선 화살표 연결선 74">
             <a:extLst>
               <a:ext uri="{FF2B5EF4-FFF2-40B4-BE49-F238E27FC236}">
-                <a16:creationId xmlns="" xmlns:a16="http://schemas.microsoft.com/office/drawing/2014/main" id="{3F7B84A3-1AD0-4DF7-A6BC-4B5B198A72B9}"/>
+                <a16:creationId xmlns:a16="http://schemas.microsoft.com/office/drawing/2014/main" xmlns="" id="{3F7B84A3-1AD0-4DF7-A6BC-4B5B198A72B9}"/>
               </a:ext>
             </a:extLst>
           </p:cNvPr>
@@ -14498,7 +14492,7 @@
           <p:cNvPr id="77" name="직선 화살표 연결선 76">
             <a:extLst>
               <a:ext uri="{FF2B5EF4-FFF2-40B4-BE49-F238E27FC236}">
-                <a16:creationId xmlns="" xmlns:a16="http://schemas.microsoft.com/office/drawing/2014/main" id="{3992F012-AF65-4E39-8E9C-577F6F0B7BD2}"/>
+                <a16:creationId xmlns:a16="http://schemas.microsoft.com/office/drawing/2014/main" xmlns="" id="{3992F012-AF65-4E39-8E9C-577F6F0B7BD2}"/>
               </a:ext>
             </a:extLst>
           </p:cNvPr>
@@ -14545,7 +14539,7 @@
           <p:cNvPr id="80" name="직선 화살표 연결선 79">
             <a:extLst>
               <a:ext uri="{FF2B5EF4-FFF2-40B4-BE49-F238E27FC236}">
-                <a16:creationId xmlns="" xmlns:a16="http://schemas.microsoft.com/office/drawing/2014/main" id="{EC28C33C-129E-4506-9549-3759C91D42BE}"/>
+                <a16:creationId xmlns:a16="http://schemas.microsoft.com/office/drawing/2014/main" xmlns="" id="{EC28C33C-129E-4506-9549-3759C91D42BE}"/>
               </a:ext>
             </a:extLst>
           </p:cNvPr>
@@ -14592,7 +14586,7 @@
           <p:cNvPr id="81" name="직선 화살표 연결선 80">
             <a:extLst>
               <a:ext uri="{FF2B5EF4-FFF2-40B4-BE49-F238E27FC236}">
-                <a16:creationId xmlns="" xmlns:a16="http://schemas.microsoft.com/office/drawing/2014/main" id="{3992F012-AF65-4E39-8E9C-577F6F0B7BD2}"/>
+                <a16:creationId xmlns:a16="http://schemas.microsoft.com/office/drawing/2014/main" xmlns="" id="{3992F012-AF65-4E39-8E9C-577F6F0B7BD2}"/>
               </a:ext>
             </a:extLst>
           </p:cNvPr>
@@ -14639,7 +14633,7 @@
           <p:cNvPr id="82" name="직선 화살표 연결선 81">
             <a:extLst>
               <a:ext uri="{FF2B5EF4-FFF2-40B4-BE49-F238E27FC236}">
-                <a16:creationId xmlns="" xmlns:a16="http://schemas.microsoft.com/office/drawing/2014/main" id="{EC28C33C-129E-4506-9549-3759C91D42BE}"/>
+                <a16:creationId xmlns:a16="http://schemas.microsoft.com/office/drawing/2014/main" xmlns="" id="{EC28C33C-129E-4506-9549-3759C91D42BE}"/>
               </a:ext>
             </a:extLst>
           </p:cNvPr>
@@ -14686,7 +14680,7 @@
           <p:cNvPr id="83" name="TextBox 82">
             <a:extLst>
               <a:ext uri="{FF2B5EF4-FFF2-40B4-BE49-F238E27FC236}">
-                <a16:creationId xmlns="" xmlns:a16="http://schemas.microsoft.com/office/drawing/2014/main" id="{ED21C0EA-1B65-43C8-AAD0-87268DCF3FD2}"/>
+                <a16:creationId xmlns:a16="http://schemas.microsoft.com/office/drawing/2014/main" xmlns="" id="{ED21C0EA-1B65-43C8-AAD0-87268DCF3FD2}"/>
               </a:ext>
             </a:extLst>
           </p:cNvPr>
@@ -14760,7 +14754,7 @@
           <p:cNvPr id="84" name="TextBox 83">
             <a:extLst>
               <a:ext uri="{FF2B5EF4-FFF2-40B4-BE49-F238E27FC236}">
-                <a16:creationId xmlns="" xmlns:a16="http://schemas.microsoft.com/office/drawing/2014/main" id="{ED21C0EA-1B65-43C8-AAD0-87268DCF3FD2}"/>
+                <a16:creationId xmlns:a16="http://schemas.microsoft.com/office/drawing/2014/main" xmlns="" id="{ED21C0EA-1B65-43C8-AAD0-87268DCF3FD2}"/>
               </a:ext>
             </a:extLst>
           </p:cNvPr>
@@ -14834,7 +14828,7 @@
           <p:cNvPr id="85" name="직선 화살표 연결선 84">
             <a:extLst>
               <a:ext uri="{FF2B5EF4-FFF2-40B4-BE49-F238E27FC236}">
-                <a16:creationId xmlns="" xmlns:a16="http://schemas.microsoft.com/office/drawing/2014/main" id="{3992F012-AF65-4E39-8E9C-577F6F0B7BD2}"/>
+                <a16:creationId xmlns:a16="http://schemas.microsoft.com/office/drawing/2014/main" xmlns="" id="{3992F012-AF65-4E39-8E9C-577F6F0B7BD2}"/>
               </a:ext>
             </a:extLst>
           </p:cNvPr>
@@ -14881,7 +14875,7 @@
           <p:cNvPr id="86" name="TextBox 85">
             <a:extLst>
               <a:ext uri="{FF2B5EF4-FFF2-40B4-BE49-F238E27FC236}">
-                <a16:creationId xmlns="" xmlns:a16="http://schemas.microsoft.com/office/drawing/2014/main" id="{ED21C0EA-1B65-43C8-AAD0-87268DCF3FD2}"/>
+                <a16:creationId xmlns:a16="http://schemas.microsoft.com/office/drawing/2014/main" xmlns="" id="{ED21C0EA-1B65-43C8-AAD0-87268DCF3FD2}"/>
               </a:ext>
             </a:extLst>
           </p:cNvPr>
@@ -14955,7 +14949,7 @@
           <p:cNvPr id="87" name="직선 화살표 연결선 86">
             <a:extLst>
               <a:ext uri="{FF2B5EF4-FFF2-40B4-BE49-F238E27FC236}">
-                <a16:creationId xmlns="" xmlns:a16="http://schemas.microsoft.com/office/drawing/2014/main" id="{3992F012-AF65-4E39-8E9C-577F6F0B7BD2}"/>
+                <a16:creationId xmlns:a16="http://schemas.microsoft.com/office/drawing/2014/main" xmlns="" id="{3992F012-AF65-4E39-8E9C-577F6F0B7BD2}"/>
               </a:ext>
             </a:extLst>
           </p:cNvPr>
@@ -15002,7 +14996,7 @@
           <p:cNvPr id="88" name="TextBox 87">
             <a:extLst>
               <a:ext uri="{FF2B5EF4-FFF2-40B4-BE49-F238E27FC236}">
-                <a16:creationId xmlns="" xmlns:a16="http://schemas.microsoft.com/office/drawing/2014/main" id="{ED21C0EA-1B65-43C8-AAD0-87268DCF3FD2}"/>
+                <a16:creationId xmlns:a16="http://schemas.microsoft.com/office/drawing/2014/main" xmlns="" id="{ED21C0EA-1B65-43C8-AAD0-87268DCF3FD2}"/>
               </a:ext>
             </a:extLst>
           </p:cNvPr>
@@ -15071,13 +15065,6 @@
               </a:rPr>
               <a:t>”)</a:t>
             </a:r>
-            <a:endParaRPr lang="en-US" altLang="ko-KR" sz="1000" dirty="0" smtClean="0">
-              <a:solidFill>
-                <a:srgbClr val="70AD47">
-                  <a:lumMod val="75000"/>
-                </a:srgbClr>
-              </a:solidFill>
-            </a:endParaRPr>
           </a:p>
         </p:txBody>
       </p:sp>
@@ -15086,7 +15073,7 @@
           <p:cNvPr id="89" name="직선 화살표 연결선 88">
             <a:extLst>
               <a:ext uri="{FF2B5EF4-FFF2-40B4-BE49-F238E27FC236}">
-                <a16:creationId xmlns="" xmlns:a16="http://schemas.microsoft.com/office/drawing/2014/main" id="{EC28C33C-129E-4506-9549-3759C91D42BE}"/>
+                <a16:creationId xmlns:a16="http://schemas.microsoft.com/office/drawing/2014/main" xmlns="" id="{EC28C33C-129E-4506-9549-3759C91D42BE}"/>
               </a:ext>
             </a:extLst>
           </p:cNvPr>
@@ -15133,7 +15120,7 @@
           <p:cNvPr id="90" name="직선 화살표 연결선 89">
             <a:extLst>
               <a:ext uri="{FF2B5EF4-FFF2-40B4-BE49-F238E27FC236}">
-                <a16:creationId xmlns="" xmlns:a16="http://schemas.microsoft.com/office/drawing/2014/main" id="{EC28C33C-129E-4506-9549-3759C91D42BE}"/>
+                <a16:creationId xmlns:a16="http://schemas.microsoft.com/office/drawing/2014/main" xmlns="" id="{EC28C33C-129E-4506-9549-3759C91D42BE}"/>
               </a:ext>
             </a:extLst>
           </p:cNvPr>
@@ -15180,7 +15167,7 @@
           <p:cNvPr id="93" name="직선 화살표 연결선 92">
             <a:extLst>
               <a:ext uri="{FF2B5EF4-FFF2-40B4-BE49-F238E27FC236}">
-                <a16:creationId xmlns="" xmlns:a16="http://schemas.microsoft.com/office/drawing/2014/main" id="{3F7B84A3-1AD0-4DF7-A6BC-4B5B198A72B9}"/>
+                <a16:creationId xmlns:a16="http://schemas.microsoft.com/office/drawing/2014/main" xmlns="" id="{3F7B84A3-1AD0-4DF7-A6BC-4B5B198A72B9}"/>
               </a:ext>
             </a:extLst>
           </p:cNvPr>
@@ -15227,7 +15214,7 @@
           <p:cNvPr id="95" name="직선 화살표 연결선 94">
             <a:extLst>
               <a:ext uri="{FF2B5EF4-FFF2-40B4-BE49-F238E27FC236}">
-                <a16:creationId xmlns="" xmlns:a16="http://schemas.microsoft.com/office/drawing/2014/main" id="{366CBA92-9226-4C4A-ACDD-433CD65941DE}"/>
+                <a16:creationId xmlns:a16="http://schemas.microsoft.com/office/drawing/2014/main" xmlns="" id="{366CBA92-9226-4C4A-ACDD-433CD65941DE}"/>
               </a:ext>
             </a:extLst>
           </p:cNvPr>
@@ -15274,7 +15261,7 @@
           <p:cNvPr id="98" name="직선 화살표 연결선 97">
             <a:extLst>
               <a:ext uri="{FF2B5EF4-FFF2-40B4-BE49-F238E27FC236}">
-                <a16:creationId xmlns="" xmlns:a16="http://schemas.microsoft.com/office/drawing/2014/main" id="{366CBA92-9226-4C4A-ACDD-433CD65941DE}"/>
+                <a16:creationId xmlns:a16="http://schemas.microsoft.com/office/drawing/2014/main" xmlns="" id="{366CBA92-9226-4C4A-ACDD-433CD65941DE}"/>
               </a:ext>
             </a:extLst>
           </p:cNvPr>
@@ -15321,7 +15308,7 @@
           <p:cNvPr id="99" name="직선 화살표 연결선 98">
             <a:extLst>
               <a:ext uri="{FF2B5EF4-FFF2-40B4-BE49-F238E27FC236}">
-                <a16:creationId xmlns="" xmlns:a16="http://schemas.microsoft.com/office/drawing/2014/main" id="{3F7B84A3-1AD0-4DF7-A6BC-4B5B198A72B9}"/>
+                <a16:creationId xmlns:a16="http://schemas.microsoft.com/office/drawing/2014/main" xmlns="" id="{3F7B84A3-1AD0-4DF7-A6BC-4B5B198A72B9}"/>
               </a:ext>
             </a:extLst>
           </p:cNvPr>
@@ -15368,7 +15355,7 @@
           <p:cNvPr id="101" name="직선 화살표 연결선 100">
             <a:extLst>
               <a:ext uri="{FF2B5EF4-FFF2-40B4-BE49-F238E27FC236}">
-                <a16:creationId xmlns="" xmlns:a16="http://schemas.microsoft.com/office/drawing/2014/main" id="{366CBA92-9226-4C4A-ACDD-433CD65941DE}"/>
+                <a16:creationId xmlns:a16="http://schemas.microsoft.com/office/drawing/2014/main" xmlns="" id="{366CBA92-9226-4C4A-ACDD-433CD65941DE}"/>
               </a:ext>
             </a:extLst>
           </p:cNvPr>
@@ -15415,7 +15402,7 @@
           <p:cNvPr id="103" name="직선 화살표 연결선 102">
             <a:extLst>
               <a:ext uri="{FF2B5EF4-FFF2-40B4-BE49-F238E27FC236}">
-                <a16:creationId xmlns="" xmlns:a16="http://schemas.microsoft.com/office/drawing/2014/main" id="{3992F012-AF65-4E39-8E9C-577F6F0B7BD2}"/>
+                <a16:creationId xmlns:a16="http://schemas.microsoft.com/office/drawing/2014/main" xmlns="" id="{3992F012-AF65-4E39-8E9C-577F6F0B7BD2}"/>
               </a:ext>
             </a:extLst>
           </p:cNvPr>
@@ -15462,7 +15449,7 @@
           <p:cNvPr id="104" name="TextBox 103">
             <a:extLst>
               <a:ext uri="{FF2B5EF4-FFF2-40B4-BE49-F238E27FC236}">
-                <a16:creationId xmlns="" xmlns:a16="http://schemas.microsoft.com/office/drawing/2014/main" id="{ED21C0EA-1B65-43C8-AAD0-87268DCF3FD2}"/>
+                <a16:creationId xmlns:a16="http://schemas.microsoft.com/office/drawing/2014/main" xmlns="" id="{ED21C0EA-1B65-43C8-AAD0-87268DCF3FD2}"/>
               </a:ext>
             </a:extLst>
           </p:cNvPr>
@@ -15556,7 +15543,7 @@
           <p:cNvPr id="110" name="직선 화살표 연결선 109">
             <a:extLst>
               <a:ext uri="{FF2B5EF4-FFF2-40B4-BE49-F238E27FC236}">
-                <a16:creationId xmlns="" xmlns:a16="http://schemas.microsoft.com/office/drawing/2014/main" id="{EC28C33C-129E-4506-9549-3759C91D42BE}"/>
+                <a16:creationId xmlns:a16="http://schemas.microsoft.com/office/drawing/2014/main" xmlns="" id="{EC28C33C-129E-4506-9549-3759C91D42BE}"/>
               </a:ext>
             </a:extLst>
           </p:cNvPr>
@@ -15603,7 +15590,7 @@
           <p:cNvPr id="111" name="직선 화살표 연결선 110">
             <a:extLst>
               <a:ext uri="{FF2B5EF4-FFF2-40B4-BE49-F238E27FC236}">
-                <a16:creationId xmlns="" xmlns:a16="http://schemas.microsoft.com/office/drawing/2014/main" id="{EC28C33C-129E-4506-9549-3759C91D42BE}"/>
+                <a16:creationId xmlns:a16="http://schemas.microsoft.com/office/drawing/2014/main" xmlns="" id="{EC28C33C-129E-4506-9549-3759C91D42BE}"/>
               </a:ext>
             </a:extLst>
           </p:cNvPr>
@@ -15650,7 +15637,7 @@
           <p:cNvPr id="112" name="직선 화살표 연결선 111">
             <a:extLst>
               <a:ext uri="{FF2B5EF4-FFF2-40B4-BE49-F238E27FC236}">
-                <a16:creationId xmlns="" xmlns:a16="http://schemas.microsoft.com/office/drawing/2014/main" id="{EC28C33C-129E-4506-9549-3759C91D42BE}"/>
+                <a16:creationId xmlns:a16="http://schemas.microsoft.com/office/drawing/2014/main" xmlns="" id="{EC28C33C-129E-4506-9549-3759C91D42BE}"/>
               </a:ext>
             </a:extLst>
           </p:cNvPr>
@@ -15697,7 +15684,7 @@
           <p:cNvPr id="113" name="직선 화살표 연결선 112">
             <a:extLst>
               <a:ext uri="{FF2B5EF4-FFF2-40B4-BE49-F238E27FC236}">
-                <a16:creationId xmlns="" xmlns:a16="http://schemas.microsoft.com/office/drawing/2014/main" id="{EC28C33C-129E-4506-9549-3759C91D42BE}"/>
+                <a16:creationId xmlns:a16="http://schemas.microsoft.com/office/drawing/2014/main" xmlns="" id="{EC28C33C-129E-4506-9549-3759C91D42BE}"/>
               </a:ext>
             </a:extLst>
           </p:cNvPr>
@@ -15744,7 +15731,7 @@
           <p:cNvPr id="115" name="TextBox 114">
             <a:extLst>
               <a:ext uri="{FF2B5EF4-FFF2-40B4-BE49-F238E27FC236}">
-                <a16:creationId xmlns="" xmlns:a16="http://schemas.microsoft.com/office/drawing/2014/main" id="{BDD2FA7E-1E88-4F78-ABF6-567824DD1ECE}"/>
+                <a16:creationId xmlns:a16="http://schemas.microsoft.com/office/drawing/2014/main" xmlns="" id="{BDD2FA7E-1E88-4F78-ABF6-567824DD1ECE}"/>
               </a:ext>
             </a:extLst>
           </p:cNvPr>
@@ -15801,7 +15788,7 @@
           <p:cNvPr id="116" name="TextBox 115">
             <a:extLst>
               <a:ext uri="{FF2B5EF4-FFF2-40B4-BE49-F238E27FC236}">
-                <a16:creationId xmlns="" xmlns:a16="http://schemas.microsoft.com/office/drawing/2014/main" id="{BDD2FA7E-1E88-4F78-ABF6-567824DD1ECE}"/>
+                <a16:creationId xmlns:a16="http://schemas.microsoft.com/office/drawing/2014/main" xmlns="" id="{BDD2FA7E-1E88-4F78-ABF6-567824DD1ECE}"/>
               </a:ext>
             </a:extLst>
           </p:cNvPr>
@@ -15858,7 +15845,7 @@
           <p:cNvPr id="117" name="TextBox 116">
             <a:extLst>
               <a:ext uri="{FF2B5EF4-FFF2-40B4-BE49-F238E27FC236}">
-                <a16:creationId xmlns="" xmlns:a16="http://schemas.microsoft.com/office/drawing/2014/main" id="{BDD2FA7E-1E88-4F78-ABF6-567824DD1ECE}"/>
+                <a16:creationId xmlns:a16="http://schemas.microsoft.com/office/drawing/2014/main" xmlns="" id="{BDD2FA7E-1E88-4F78-ABF6-567824DD1ECE}"/>
               </a:ext>
             </a:extLst>
           </p:cNvPr>
@@ -15915,7 +15902,7 @@
           <p:cNvPr id="122" name="TextBox 121">
             <a:extLst>
               <a:ext uri="{FF2B5EF4-FFF2-40B4-BE49-F238E27FC236}">
-                <a16:creationId xmlns="" xmlns:a16="http://schemas.microsoft.com/office/drawing/2014/main" id="{BDD2FA7E-1E88-4F78-ABF6-567824DD1ECE}"/>
+                <a16:creationId xmlns:a16="http://schemas.microsoft.com/office/drawing/2014/main" xmlns="" id="{BDD2FA7E-1E88-4F78-ABF6-567824DD1ECE}"/>
               </a:ext>
             </a:extLst>
           </p:cNvPr>
@@ -15972,7 +15959,7 @@
           <p:cNvPr id="123" name="TextBox 122">
             <a:extLst>
               <a:ext uri="{FF2B5EF4-FFF2-40B4-BE49-F238E27FC236}">
-                <a16:creationId xmlns="" xmlns:a16="http://schemas.microsoft.com/office/drawing/2014/main" id="{BDD2FA7E-1E88-4F78-ABF6-567824DD1ECE}"/>
+                <a16:creationId xmlns:a16="http://schemas.microsoft.com/office/drawing/2014/main" xmlns="" id="{BDD2FA7E-1E88-4F78-ABF6-567824DD1ECE}"/>
               </a:ext>
             </a:extLst>
           </p:cNvPr>
@@ -16020,7 +16007,7 @@
           <p:cNvPr id="124" name="직선 화살표 연결선 123">
             <a:extLst>
               <a:ext uri="{FF2B5EF4-FFF2-40B4-BE49-F238E27FC236}">
-                <a16:creationId xmlns="" xmlns:a16="http://schemas.microsoft.com/office/drawing/2014/main" id="{3992F012-AF65-4E39-8E9C-577F6F0B7BD2}"/>
+                <a16:creationId xmlns:a16="http://schemas.microsoft.com/office/drawing/2014/main" xmlns="" id="{3992F012-AF65-4E39-8E9C-577F6F0B7BD2}"/>
               </a:ext>
             </a:extLst>
           </p:cNvPr>
@@ -16067,7 +16054,7 @@
           <p:cNvPr id="126" name="직선 화살표 연결선 125">
             <a:extLst>
               <a:ext uri="{FF2B5EF4-FFF2-40B4-BE49-F238E27FC236}">
-                <a16:creationId xmlns="" xmlns:a16="http://schemas.microsoft.com/office/drawing/2014/main" id="{EC28C33C-129E-4506-9549-3759C91D42BE}"/>
+                <a16:creationId xmlns:a16="http://schemas.microsoft.com/office/drawing/2014/main" xmlns="" id="{EC28C33C-129E-4506-9549-3759C91D42BE}"/>
               </a:ext>
             </a:extLst>
           </p:cNvPr>
@@ -16114,7 +16101,7 @@
           <p:cNvPr id="128" name="직선 화살표 연결선 127">
             <a:extLst>
               <a:ext uri="{FF2B5EF4-FFF2-40B4-BE49-F238E27FC236}">
-                <a16:creationId xmlns="" xmlns:a16="http://schemas.microsoft.com/office/drawing/2014/main" id="{3992F012-AF65-4E39-8E9C-577F6F0B7BD2}"/>
+                <a16:creationId xmlns:a16="http://schemas.microsoft.com/office/drawing/2014/main" xmlns="" id="{3992F012-AF65-4E39-8E9C-577F6F0B7BD2}"/>
               </a:ext>
             </a:extLst>
           </p:cNvPr>
@@ -16161,7 +16148,7 @@
           <p:cNvPr id="129" name="직선 화살표 연결선 128">
             <a:extLst>
               <a:ext uri="{FF2B5EF4-FFF2-40B4-BE49-F238E27FC236}">
-                <a16:creationId xmlns="" xmlns:a16="http://schemas.microsoft.com/office/drawing/2014/main" id="{EC28C33C-129E-4506-9549-3759C91D42BE}"/>
+                <a16:creationId xmlns:a16="http://schemas.microsoft.com/office/drawing/2014/main" xmlns="" id="{EC28C33C-129E-4506-9549-3759C91D42BE}"/>
               </a:ext>
             </a:extLst>
           </p:cNvPr>
@@ -16208,7 +16195,7 @@
           <p:cNvPr id="130" name="직선 화살표 연결선 129">
             <a:extLst>
               <a:ext uri="{FF2B5EF4-FFF2-40B4-BE49-F238E27FC236}">
-                <a16:creationId xmlns="" xmlns:a16="http://schemas.microsoft.com/office/drawing/2014/main" id="{3992F012-AF65-4E39-8E9C-577F6F0B7BD2}"/>
+                <a16:creationId xmlns:a16="http://schemas.microsoft.com/office/drawing/2014/main" xmlns="" id="{3992F012-AF65-4E39-8E9C-577F6F0B7BD2}"/>
               </a:ext>
             </a:extLst>
           </p:cNvPr>
@@ -16255,7 +16242,7 @@
           <p:cNvPr id="131" name="직선 화살표 연결선 130">
             <a:extLst>
               <a:ext uri="{FF2B5EF4-FFF2-40B4-BE49-F238E27FC236}">
-                <a16:creationId xmlns="" xmlns:a16="http://schemas.microsoft.com/office/drawing/2014/main" id="{EC28C33C-129E-4506-9549-3759C91D42BE}"/>
+                <a16:creationId xmlns:a16="http://schemas.microsoft.com/office/drawing/2014/main" xmlns="" id="{EC28C33C-129E-4506-9549-3759C91D42BE}"/>
               </a:ext>
             </a:extLst>
           </p:cNvPr>
@@ -16302,7 +16289,7 @@
           <p:cNvPr id="132" name="직선 화살표 연결선 131">
             <a:extLst>
               <a:ext uri="{FF2B5EF4-FFF2-40B4-BE49-F238E27FC236}">
-                <a16:creationId xmlns="" xmlns:a16="http://schemas.microsoft.com/office/drawing/2014/main" id="{3992F012-AF65-4E39-8E9C-577F6F0B7BD2}"/>
+                <a16:creationId xmlns:a16="http://schemas.microsoft.com/office/drawing/2014/main" xmlns="" id="{3992F012-AF65-4E39-8E9C-577F6F0B7BD2}"/>
               </a:ext>
             </a:extLst>
           </p:cNvPr>
@@ -16349,7 +16336,7 @@
           <p:cNvPr id="133" name="직선 화살표 연결선 132">
             <a:extLst>
               <a:ext uri="{FF2B5EF4-FFF2-40B4-BE49-F238E27FC236}">
-                <a16:creationId xmlns="" xmlns:a16="http://schemas.microsoft.com/office/drawing/2014/main" id="{EC28C33C-129E-4506-9549-3759C91D42BE}"/>
+                <a16:creationId xmlns:a16="http://schemas.microsoft.com/office/drawing/2014/main" xmlns="" id="{EC28C33C-129E-4506-9549-3759C91D42BE}"/>
               </a:ext>
             </a:extLst>
           </p:cNvPr>
@@ -16396,7 +16383,7 @@
           <p:cNvPr id="138" name="TextBox 137">
             <a:extLst>
               <a:ext uri="{FF2B5EF4-FFF2-40B4-BE49-F238E27FC236}">
-                <a16:creationId xmlns="" xmlns:a16="http://schemas.microsoft.com/office/drawing/2014/main" id="{BDD2FA7E-1E88-4F78-ABF6-567824DD1ECE}"/>
+                <a16:creationId xmlns:a16="http://schemas.microsoft.com/office/drawing/2014/main" xmlns="" id="{BDD2FA7E-1E88-4F78-ABF6-567824DD1ECE}"/>
               </a:ext>
             </a:extLst>
           </p:cNvPr>
@@ -16443,18 +16430,7 @@
                   </a:prstClr>
                 </a:solidFill>
               </a:rPr>
-              <a:t>edirect</a:t>
-            </a:r>
-            <a:r>
-              <a:rPr lang="en-US" altLang="ko-KR" sz="1000" dirty="0" smtClean="0">
-                <a:solidFill>
-                  <a:prstClr val="black">
-                    <a:lumMod val="65000"/>
-                    <a:lumOff val="35000"/>
-                  </a:prstClr>
-                </a:solidFill>
-              </a:rPr>
-              <a:t>:/board/list</a:t>
+              <a:t>edirect:/board/list</a:t>
             </a:r>
             <a:endParaRPr lang="ko-KR" altLang="en-US" sz="1000" dirty="0">
               <a:solidFill>
@@ -16472,7 +16448,7 @@
           <p:cNvPr id="139" name="직선 화살표 연결선 138">
             <a:extLst>
               <a:ext uri="{FF2B5EF4-FFF2-40B4-BE49-F238E27FC236}">
-                <a16:creationId xmlns="" xmlns:a16="http://schemas.microsoft.com/office/drawing/2014/main" id="{3F7B84A3-1AD0-4DF7-A6BC-4B5B198A72B9}"/>
+                <a16:creationId xmlns:a16="http://schemas.microsoft.com/office/drawing/2014/main" xmlns="" id="{3F7B84A3-1AD0-4DF7-A6BC-4B5B198A72B9}"/>
               </a:ext>
             </a:extLst>
           </p:cNvPr>
@@ -16519,7 +16495,7 @@
           <p:cNvPr id="78" name="TextBox 77">
             <a:extLst>
               <a:ext uri="{FF2B5EF4-FFF2-40B4-BE49-F238E27FC236}">
-                <a16:creationId xmlns="" xmlns:a16="http://schemas.microsoft.com/office/drawing/2014/main" id="{83A2AE63-3C59-4FEB-BBED-3D51275125E3}"/>
+                <a16:creationId xmlns:a16="http://schemas.microsoft.com/office/drawing/2014/main" xmlns="" id="{83A2AE63-3C59-4FEB-BBED-3D51275125E3}"/>
               </a:ext>
             </a:extLst>
           </p:cNvPr>
@@ -16584,7 +16560,7 @@
           <p:cNvPr id="79" name="TextBox 78">
             <a:extLst>
               <a:ext uri="{FF2B5EF4-FFF2-40B4-BE49-F238E27FC236}">
-                <a16:creationId xmlns="" xmlns:a16="http://schemas.microsoft.com/office/drawing/2014/main" id="{83A2AE63-3C59-4FEB-BBED-3D51275125E3}"/>
+                <a16:creationId xmlns:a16="http://schemas.microsoft.com/office/drawing/2014/main" xmlns="" id="{83A2AE63-3C59-4FEB-BBED-3D51275125E3}"/>
               </a:ext>
             </a:extLst>
           </p:cNvPr>
@@ -16649,7 +16625,7 @@
           <p:cNvPr id="94" name="TextBox 93">
             <a:extLst>
               <a:ext uri="{FF2B5EF4-FFF2-40B4-BE49-F238E27FC236}">
-                <a16:creationId xmlns="" xmlns:a16="http://schemas.microsoft.com/office/drawing/2014/main" id="{83A2AE63-3C59-4FEB-BBED-3D51275125E3}"/>
+                <a16:creationId xmlns:a16="http://schemas.microsoft.com/office/drawing/2014/main" xmlns="" id="{83A2AE63-3C59-4FEB-BBED-3D51275125E3}"/>
               </a:ext>
             </a:extLst>
           </p:cNvPr>
@@ -16714,7 +16690,7 @@
           <p:cNvPr id="96" name="TextBox 95">
             <a:extLst>
               <a:ext uri="{FF2B5EF4-FFF2-40B4-BE49-F238E27FC236}">
-                <a16:creationId xmlns="" xmlns:a16="http://schemas.microsoft.com/office/drawing/2014/main" id="{83A2AE63-3C59-4FEB-BBED-3D51275125E3}"/>
+                <a16:creationId xmlns:a16="http://schemas.microsoft.com/office/drawing/2014/main" xmlns="" id="{83A2AE63-3C59-4FEB-BBED-3D51275125E3}"/>
               </a:ext>
             </a:extLst>
           </p:cNvPr>
@@ -16779,7 +16755,7 @@
           <p:cNvPr id="97" name="직선 화살표 연결선 96">
             <a:extLst>
               <a:ext uri="{FF2B5EF4-FFF2-40B4-BE49-F238E27FC236}">
-                <a16:creationId xmlns="" xmlns:a16="http://schemas.microsoft.com/office/drawing/2014/main" id="{3992F012-AF65-4E39-8E9C-577F6F0B7BD2}"/>
+                <a16:creationId xmlns:a16="http://schemas.microsoft.com/office/drawing/2014/main" xmlns="" id="{3992F012-AF65-4E39-8E9C-577F6F0B7BD2}"/>
               </a:ext>
             </a:extLst>
           </p:cNvPr>
@@ -16826,7 +16802,7 @@
           <p:cNvPr id="100" name="TextBox 99">
             <a:extLst>
               <a:ext uri="{FF2B5EF4-FFF2-40B4-BE49-F238E27FC236}">
-                <a16:creationId xmlns="" xmlns:a16="http://schemas.microsoft.com/office/drawing/2014/main" id="{ED21C0EA-1B65-43C8-AAD0-87268DCF3FD2}"/>
+                <a16:creationId xmlns:a16="http://schemas.microsoft.com/office/drawing/2014/main" xmlns="" id="{ED21C0EA-1B65-43C8-AAD0-87268DCF3FD2}"/>
               </a:ext>
             </a:extLst>
           </p:cNvPr>
@@ -16900,7 +16876,7 @@
           <p:cNvPr id="102" name="직선 화살표 연결선 101">
             <a:extLst>
               <a:ext uri="{FF2B5EF4-FFF2-40B4-BE49-F238E27FC236}">
-                <a16:creationId xmlns="" xmlns:a16="http://schemas.microsoft.com/office/drawing/2014/main" id="{3992F012-AF65-4E39-8E9C-577F6F0B7BD2}"/>
+                <a16:creationId xmlns:a16="http://schemas.microsoft.com/office/drawing/2014/main" xmlns="" id="{3992F012-AF65-4E39-8E9C-577F6F0B7BD2}"/>
               </a:ext>
             </a:extLst>
           </p:cNvPr>
@@ -16947,7 +16923,7 @@
           <p:cNvPr id="108" name="TextBox 107">
             <a:extLst>
               <a:ext uri="{FF2B5EF4-FFF2-40B4-BE49-F238E27FC236}">
-                <a16:creationId xmlns="" xmlns:a16="http://schemas.microsoft.com/office/drawing/2014/main" id="{ED21C0EA-1B65-43C8-AAD0-87268DCF3FD2}"/>
+                <a16:creationId xmlns:a16="http://schemas.microsoft.com/office/drawing/2014/main" xmlns="" id="{ED21C0EA-1B65-43C8-AAD0-87268DCF3FD2}"/>
               </a:ext>
             </a:extLst>
           </p:cNvPr>
@@ -17021,7 +16997,7 @@
           <p:cNvPr id="109" name="직선 화살표 연결선 108">
             <a:extLst>
               <a:ext uri="{FF2B5EF4-FFF2-40B4-BE49-F238E27FC236}">
-                <a16:creationId xmlns="" xmlns:a16="http://schemas.microsoft.com/office/drawing/2014/main" id="{3992F012-AF65-4E39-8E9C-577F6F0B7BD2}"/>
+                <a16:creationId xmlns:a16="http://schemas.microsoft.com/office/drawing/2014/main" xmlns="" id="{3992F012-AF65-4E39-8E9C-577F6F0B7BD2}"/>
               </a:ext>
             </a:extLst>
           </p:cNvPr>
@@ -17068,7 +17044,7 @@
           <p:cNvPr id="114" name="TextBox 113">
             <a:extLst>
               <a:ext uri="{FF2B5EF4-FFF2-40B4-BE49-F238E27FC236}">
-                <a16:creationId xmlns="" xmlns:a16="http://schemas.microsoft.com/office/drawing/2014/main" id="{ED21C0EA-1B65-43C8-AAD0-87268DCF3FD2}"/>
+                <a16:creationId xmlns:a16="http://schemas.microsoft.com/office/drawing/2014/main" xmlns="" id="{ED21C0EA-1B65-43C8-AAD0-87268DCF3FD2}"/>
               </a:ext>
             </a:extLst>
           </p:cNvPr>
@@ -17142,7 +17118,7 @@
           <p:cNvPr id="125" name="직선 화살표 연결선 124">
             <a:extLst>
               <a:ext uri="{FF2B5EF4-FFF2-40B4-BE49-F238E27FC236}">
-                <a16:creationId xmlns="" xmlns:a16="http://schemas.microsoft.com/office/drawing/2014/main" id="{3992F012-AF65-4E39-8E9C-577F6F0B7BD2}"/>
+                <a16:creationId xmlns:a16="http://schemas.microsoft.com/office/drawing/2014/main" xmlns="" id="{3992F012-AF65-4E39-8E9C-577F6F0B7BD2}"/>
               </a:ext>
             </a:extLst>
           </p:cNvPr>
@@ -17189,7 +17165,7 @@
           <p:cNvPr id="127" name="TextBox 126">
             <a:extLst>
               <a:ext uri="{FF2B5EF4-FFF2-40B4-BE49-F238E27FC236}">
-                <a16:creationId xmlns="" xmlns:a16="http://schemas.microsoft.com/office/drawing/2014/main" id="{ED21C0EA-1B65-43C8-AAD0-87268DCF3FD2}"/>
+                <a16:creationId xmlns:a16="http://schemas.microsoft.com/office/drawing/2014/main" xmlns="" id="{ED21C0EA-1B65-43C8-AAD0-87268DCF3FD2}"/>
               </a:ext>
             </a:extLst>
           </p:cNvPr>
@@ -17263,7 +17239,7 @@
           <p:cNvPr id="140" name="직선 화살표 연결선 139">
             <a:extLst>
               <a:ext uri="{FF2B5EF4-FFF2-40B4-BE49-F238E27FC236}">
-                <a16:creationId xmlns="" xmlns:a16="http://schemas.microsoft.com/office/drawing/2014/main" id="{EC28C33C-129E-4506-9549-3759C91D42BE}"/>
+                <a16:creationId xmlns:a16="http://schemas.microsoft.com/office/drawing/2014/main" xmlns="" id="{EC28C33C-129E-4506-9549-3759C91D42BE}"/>
               </a:ext>
             </a:extLst>
           </p:cNvPr>
@@ -17310,7 +17286,7 @@
           <p:cNvPr id="141" name="직선 화살표 연결선 140">
             <a:extLst>
               <a:ext uri="{FF2B5EF4-FFF2-40B4-BE49-F238E27FC236}">
-                <a16:creationId xmlns="" xmlns:a16="http://schemas.microsoft.com/office/drawing/2014/main" id="{EC28C33C-129E-4506-9549-3759C91D42BE}"/>
+                <a16:creationId xmlns:a16="http://schemas.microsoft.com/office/drawing/2014/main" xmlns="" id="{EC28C33C-129E-4506-9549-3759C91D42BE}"/>
               </a:ext>
             </a:extLst>
           </p:cNvPr>
@@ -17357,7 +17333,7 @@
           <p:cNvPr id="142" name="직선 화살표 연결선 141">
             <a:extLst>
               <a:ext uri="{FF2B5EF4-FFF2-40B4-BE49-F238E27FC236}">
-                <a16:creationId xmlns="" xmlns:a16="http://schemas.microsoft.com/office/drawing/2014/main" id="{EC28C33C-129E-4506-9549-3759C91D42BE}"/>
+                <a16:creationId xmlns:a16="http://schemas.microsoft.com/office/drawing/2014/main" xmlns="" id="{EC28C33C-129E-4506-9549-3759C91D42BE}"/>
               </a:ext>
             </a:extLst>
           </p:cNvPr>
@@ -17404,7 +17380,7 @@
           <p:cNvPr id="143" name="직선 화살표 연결선 142">
             <a:extLst>
               <a:ext uri="{FF2B5EF4-FFF2-40B4-BE49-F238E27FC236}">
-                <a16:creationId xmlns="" xmlns:a16="http://schemas.microsoft.com/office/drawing/2014/main" id="{EC28C33C-129E-4506-9549-3759C91D42BE}"/>
+                <a16:creationId xmlns:a16="http://schemas.microsoft.com/office/drawing/2014/main" xmlns="" id="{EC28C33C-129E-4506-9549-3759C91D42BE}"/>
               </a:ext>
             </a:extLst>
           </p:cNvPr>
@@ -17451,7 +17427,7 @@
           <p:cNvPr id="144" name="직선 화살표 연결선 143">
             <a:extLst>
               <a:ext uri="{FF2B5EF4-FFF2-40B4-BE49-F238E27FC236}">
-                <a16:creationId xmlns="" xmlns:a16="http://schemas.microsoft.com/office/drawing/2014/main" id="{75322384-8370-42A2-9AA6-9103C9E005E6}"/>
+                <a16:creationId xmlns:a16="http://schemas.microsoft.com/office/drawing/2014/main" xmlns="" id="{75322384-8370-42A2-9AA6-9103C9E005E6}"/>
               </a:ext>
             </a:extLst>
           </p:cNvPr>
@@ -17498,7 +17474,7 @@
           <p:cNvPr id="145" name="TextBox 144">
             <a:extLst>
               <a:ext uri="{FF2B5EF4-FFF2-40B4-BE49-F238E27FC236}">
-                <a16:creationId xmlns="" xmlns:a16="http://schemas.microsoft.com/office/drawing/2014/main" id="{BDD2FA7E-1E88-4F78-ABF6-567824DD1ECE}"/>
+                <a16:creationId xmlns:a16="http://schemas.microsoft.com/office/drawing/2014/main" xmlns="" id="{BDD2FA7E-1E88-4F78-ABF6-567824DD1ECE}"/>
               </a:ext>
             </a:extLst>
           </p:cNvPr>
@@ -17571,7 +17547,7 @@
           <p:cNvPr id="146" name="직선 화살표 연결선 145">
             <a:extLst>
               <a:ext uri="{FF2B5EF4-FFF2-40B4-BE49-F238E27FC236}">
-                <a16:creationId xmlns="" xmlns:a16="http://schemas.microsoft.com/office/drawing/2014/main" id="{366CBA92-9226-4C4A-ACDD-433CD65941DE}"/>
+                <a16:creationId xmlns:a16="http://schemas.microsoft.com/office/drawing/2014/main" xmlns="" id="{366CBA92-9226-4C4A-ACDD-433CD65941DE}"/>
               </a:ext>
             </a:extLst>
           </p:cNvPr>
@@ -17618,7 +17594,7 @@
           <p:cNvPr id="147" name="TextBox 146">
             <a:extLst>
               <a:ext uri="{FF2B5EF4-FFF2-40B4-BE49-F238E27FC236}">
-                <a16:creationId xmlns="" xmlns:a16="http://schemas.microsoft.com/office/drawing/2014/main" id="{ED21C0EA-1B65-43C8-AAD0-87268DCF3FD2}"/>
+                <a16:creationId xmlns:a16="http://schemas.microsoft.com/office/drawing/2014/main" xmlns="" id="{ED21C0EA-1B65-43C8-AAD0-87268DCF3FD2}"/>
               </a:ext>
             </a:extLst>
           </p:cNvPr>
@@ -17712,7 +17688,7 @@
           <p:cNvPr id="148" name="직선 화살표 연결선 147">
             <a:extLst>
               <a:ext uri="{FF2B5EF4-FFF2-40B4-BE49-F238E27FC236}">
-                <a16:creationId xmlns="" xmlns:a16="http://schemas.microsoft.com/office/drawing/2014/main" id="{3992F012-AF65-4E39-8E9C-577F6F0B7BD2}"/>
+                <a16:creationId xmlns:a16="http://schemas.microsoft.com/office/drawing/2014/main" xmlns="" id="{3992F012-AF65-4E39-8E9C-577F6F0B7BD2}"/>
               </a:ext>
             </a:extLst>
           </p:cNvPr>
@@ -17759,7 +17735,7 @@
           <p:cNvPr id="149" name="TextBox 148">
             <a:extLst>
               <a:ext uri="{FF2B5EF4-FFF2-40B4-BE49-F238E27FC236}">
-                <a16:creationId xmlns="" xmlns:a16="http://schemas.microsoft.com/office/drawing/2014/main" id="{ED21C0EA-1B65-43C8-AAD0-87268DCF3FD2}"/>
+                <a16:creationId xmlns:a16="http://schemas.microsoft.com/office/drawing/2014/main" xmlns="" id="{ED21C0EA-1B65-43C8-AAD0-87268DCF3FD2}"/>
               </a:ext>
             </a:extLst>
           </p:cNvPr>
@@ -17853,7 +17829,7 @@
           <p:cNvPr id="150" name="직선 화살표 연결선 149">
             <a:extLst>
               <a:ext uri="{FF2B5EF4-FFF2-40B4-BE49-F238E27FC236}">
-                <a16:creationId xmlns="" xmlns:a16="http://schemas.microsoft.com/office/drawing/2014/main" id="{3992F012-AF65-4E39-8E9C-577F6F0B7BD2}"/>
+                <a16:creationId xmlns:a16="http://schemas.microsoft.com/office/drawing/2014/main" xmlns="" id="{3992F012-AF65-4E39-8E9C-577F6F0B7BD2}"/>
               </a:ext>
             </a:extLst>
           </p:cNvPr>
@@ -17900,7 +17876,7 @@
           <p:cNvPr id="151" name="TextBox 150">
             <a:extLst>
               <a:ext uri="{FF2B5EF4-FFF2-40B4-BE49-F238E27FC236}">
-                <a16:creationId xmlns="" xmlns:a16="http://schemas.microsoft.com/office/drawing/2014/main" id="{ED21C0EA-1B65-43C8-AAD0-87268DCF3FD2}"/>
+                <a16:creationId xmlns:a16="http://schemas.microsoft.com/office/drawing/2014/main" xmlns="" id="{ED21C0EA-1B65-43C8-AAD0-87268DCF3FD2}"/>
               </a:ext>
             </a:extLst>
           </p:cNvPr>
@@ -17994,7 +17970,7 @@
           <p:cNvPr id="152" name="직선 화살표 연결선 151">
             <a:extLst>
               <a:ext uri="{FF2B5EF4-FFF2-40B4-BE49-F238E27FC236}">
-                <a16:creationId xmlns="" xmlns:a16="http://schemas.microsoft.com/office/drawing/2014/main" id="{3992F012-AF65-4E39-8E9C-577F6F0B7BD2}"/>
+                <a16:creationId xmlns:a16="http://schemas.microsoft.com/office/drawing/2014/main" xmlns="" id="{3992F012-AF65-4E39-8E9C-577F6F0B7BD2}"/>
               </a:ext>
             </a:extLst>
           </p:cNvPr>
@@ -18041,7 +18017,7 @@
           <p:cNvPr id="153" name="TextBox 152">
             <a:extLst>
               <a:ext uri="{FF2B5EF4-FFF2-40B4-BE49-F238E27FC236}">
-                <a16:creationId xmlns="" xmlns:a16="http://schemas.microsoft.com/office/drawing/2014/main" id="{ED21C0EA-1B65-43C8-AAD0-87268DCF3FD2}"/>
+                <a16:creationId xmlns:a16="http://schemas.microsoft.com/office/drawing/2014/main" xmlns="" id="{ED21C0EA-1B65-43C8-AAD0-87268DCF3FD2}"/>
               </a:ext>
             </a:extLst>
           </p:cNvPr>
@@ -18135,7 +18111,7 @@
           <p:cNvPr id="154" name="직선 화살표 연결선 153">
             <a:extLst>
               <a:ext uri="{FF2B5EF4-FFF2-40B4-BE49-F238E27FC236}">
-                <a16:creationId xmlns="" xmlns:a16="http://schemas.microsoft.com/office/drawing/2014/main" id="{EC28C33C-129E-4506-9549-3759C91D42BE}"/>
+                <a16:creationId xmlns:a16="http://schemas.microsoft.com/office/drawing/2014/main" xmlns="" id="{EC28C33C-129E-4506-9549-3759C91D42BE}"/>
               </a:ext>
             </a:extLst>
           </p:cNvPr>
@@ -18182,7 +18158,7 @@
           <p:cNvPr id="155" name="직선 화살표 연결선 154">
             <a:extLst>
               <a:ext uri="{FF2B5EF4-FFF2-40B4-BE49-F238E27FC236}">
-                <a16:creationId xmlns="" xmlns:a16="http://schemas.microsoft.com/office/drawing/2014/main" id="{EC28C33C-129E-4506-9549-3759C91D42BE}"/>
+                <a16:creationId xmlns:a16="http://schemas.microsoft.com/office/drawing/2014/main" xmlns="" id="{EC28C33C-129E-4506-9549-3759C91D42BE}"/>
               </a:ext>
             </a:extLst>
           </p:cNvPr>
@@ -18229,7 +18205,7 @@
           <p:cNvPr id="156" name="직선 화살표 연결선 155">
             <a:extLst>
               <a:ext uri="{FF2B5EF4-FFF2-40B4-BE49-F238E27FC236}">
-                <a16:creationId xmlns="" xmlns:a16="http://schemas.microsoft.com/office/drawing/2014/main" id="{EC28C33C-129E-4506-9549-3759C91D42BE}"/>
+                <a16:creationId xmlns:a16="http://schemas.microsoft.com/office/drawing/2014/main" xmlns="" id="{EC28C33C-129E-4506-9549-3759C91D42BE}"/>
               </a:ext>
             </a:extLst>
           </p:cNvPr>
@@ -18276,7 +18252,7 @@
           <p:cNvPr id="157" name="직선 화살표 연결선 156">
             <a:extLst>
               <a:ext uri="{FF2B5EF4-FFF2-40B4-BE49-F238E27FC236}">
-                <a16:creationId xmlns="" xmlns:a16="http://schemas.microsoft.com/office/drawing/2014/main" id="{EC28C33C-129E-4506-9549-3759C91D42BE}"/>
+                <a16:creationId xmlns:a16="http://schemas.microsoft.com/office/drawing/2014/main" xmlns="" id="{EC28C33C-129E-4506-9549-3759C91D42BE}"/>
               </a:ext>
             </a:extLst>
           </p:cNvPr>
@@ -18323,7 +18299,7 @@
           <p:cNvPr id="158" name="TextBox 157">
             <a:extLst>
               <a:ext uri="{FF2B5EF4-FFF2-40B4-BE49-F238E27FC236}">
-                <a16:creationId xmlns="" xmlns:a16="http://schemas.microsoft.com/office/drawing/2014/main" id="{BDD2FA7E-1E88-4F78-ABF6-567824DD1ECE}"/>
+                <a16:creationId xmlns:a16="http://schemas.microsoft.com/office/drawing/2014/main" xmlns="" id="{BDD2FA7E-1E88-4F78-ABF6-567824DD1ECE}"/>
               </a:ext>
             </a:extLst>
           </p:cNvPr>
@@ -18371,7 +18347,7 @@
           <p:cNvPr id="159" name="TextBox 158">
             <a:extLst>
               <a:ext uri="{FF2B5EF4-FFF2-40B4-BE49-F238E27FC236}">
-                <a16:creationId xmlns="" xmlns:a16="http://schemas.microsoft.com/office/drawing/2014/main" id="{BDD2FA7E-1E88-4F78-ABF6-567824DD1ECE}"/>
+                <a16:creationId xmlns:a16="http://schemas.microsoft.com/office/drawing/2014/main" xmlns="" id="{BDD2FA7E-1E88-4F78-ABF6-567824DD1ECE}"/>
               </a:ext>
             </a:extLst>
           </p:cNvPr>
@@ -18419,7 +18395,7 @@
           <p:cNvPr id="160" name="직선 화살표 연결선 159">
             <a:extLst>
               <a:ext uri="{FF2B5EF4-FFF2-40B4-BE49-F238E27FC236}">
-                <a16:creationId xmlns="" xmlns:a16="http://schemas.microsoft.com/office/drawing/2014/main" id="{3F7B84A3-1AD0-4DF7-A6BC-4B5B198A72B9}"/>
+                <a16:creationId xmlns:a16="http://schemas.microsoft.com/office/drawing/2014/main" xmlns="" id="{3F7B84A3-1AD0-4DF7-A6BC-4B5B198A72B9}"/>
               </a:ext>
             </a:extLst>
           </p:cNvPr>
@@ -18466,7 +18442,7 @@
           <p:cNvPr id="161" name="TextBox 160">
             <a:extLst>
               <a:ext uri="{FF2B5EF4-FFF2-40B4-BE49-F238E27FC236}">
-                <a16:creationId xmlns="" xmlns:a16="http://schemas.microsoft.com/office/drawing/2014/main" id="{ED21C0EA-1B65-43C8-AAD0-87268DCF3FD2}"/>
+                <a16:creationId xmlns:a16="http://schemas.microsoft.com/office/drawing/2014/main" xmlns="" id="{ED21C0EA-1B65-43C8-AAD0-87268DCF3FD2}"/>
               </a:ext>
             </a:extLst>
           </p:cNvPr>
@@ -18525,13 +18501,6 @@
               </a:rPr>
               <a:t>(“no”)</a:t>
             </a:r>
-            <a:endParaRPr lang="en-US" altLang="ko-KR" sz="1000" dirty="0" smtClean="0">
-              <a:solidFill>
-                <a:srgbClr val="70AD47">
-                  <a:lumMod val="75000"/>
-                </a:srgbClr>
-              </a:solidFill>
-            </a:endParaRPr>
           </a:p>
         </p:txBody>
       </p:sp>
@@ -18540,7 +18509,7 @@
           <p:cNvPr id="162" name="TextBox 161">
             <a:extLst>
               <a:ext uri="{FF2B5EF4-FFF2-40B4-BE49-F238E27FC236}">
-                <a16:creationId xmlns="" xmlns:a16="http://schemas.microsoft.com/office/drawing/2014/main" id="{ED21C0EA-1B65-43C8-AAD0-87268DCF3FD2}"/>
+                <a16:creationId xmlns:a16="http://schemas.microsoft.com/office/drawing/2014/main" xmlns="" id="{ED21C0EA-1B65-43C8-AAD0-87268DCF3FD2}"/>
               </a:ext>
             </a:extLst>
           </p:cNvPr>
@@ -18599,13 +18568,6 @@
               </a:rPr>
               <a:t>(“no”)</a:t>
             </a:r>
-            <a:endParaRPr lang="en-US" altLang="ko-KR" sz="1000" dirty="0" smtClean="0">
-              <a:solidFill>
-                <a:srgbClr val="70AD47">
-                  <a:lumMod val="75000"/>
-                </a:srgbClr>
-              </a:solidFill>
-            </a:endParaRPr>
           </a:p>
         </p:txBody>
       </p:sp>
@@ -18614,7 +18576,7 @@
           <p:cNvPr id="165" name="TextBox 164">
             <a:extLst>
               <a:ext uri="{FF2B5EF4-FFF2-40B4-BE49-F238E27FC236}">
-                <a16:creationId xmlns="" xmlns:a16="http://schemas.microsoft.com/office/drawing/2014/main" id="{ED21C0EA-1B65-43C8-AAD0-87268DCF3FD2}"/>
+                <a16:creationId xmlns:a16="http://schemas.microsoft.com/office/drawing/2014/main" xmlns="" id="{ED21C0EA-1B65-43C8-AAD0-87268DCF3FD2}"/>
               </a:ext>
             </a:extLst>
           </p:cNvPr>
@@ -18673,13 +18635,6 @@
               </a:rPr>
               <a:t>(“no”)</a:t>
             </a:r>
-            <a:endParaRPr lang="en-US" altLang="ko-KR" sz="1000" dirty="0" smtClean="0">
-              <a:solidFill>
-                <a:srgbClr val="70AD47">
-                  <a:lumMod val="75000"/>
-                </a:srgbClr>
-              </a:solidFill>
-            </a:endParaRPr>
           </a:p>
         </p:txBody>
       </p:sp>
@@ -18688,7 +18643,7 @@
           <p:cNvPr id="166" name="TextBox 165">
             <a:extLst>
               <a:ext uri="{FF2B5EF4-FFF2-40B4-BE49-F238E27FC236}">
-                <a16:creationId xmlns="" xmlns:a16="http://schemas.microsoft.com/office/drawing/2014/main" id="{ED21C0EA-1B65-43C8-AAD0-87268DCF3FD2}"/>
+                <a16:creationId xmlns:a16="http://schemas.microsoft.com/office/drawing/2014/main" xmlns="" id="{ED21C0EA-1B65-43C8-AAD0-87268DCF3FD2}"/>
               </a:ext>
             </a:extLst>
           </p:cNvPr>
@@ -18747,13 +18702,6 @@
               </a:rPr>
               <a:t>(“no”)</a:t>
             </a:r>
-            <a:endParaRPr lang="en-US" altLang="ko-KR" sz="1000" dirty="0" smtClean="0">
-              <a:solidFill>
-                <a:srgbClr val="70AD47">
-                  <a:lumMod val="75000"/>
-                </a:srgbClr>
-              </a:solidFill>
-            </a:endParaRPr>
           </a:p>
         </p:txBody>
       </p:sp>
@@ -18762,7 +18710,7 @@
           <p:cNvPr id="167" name="TextBox 166">
             <a:extLst>
               <a:ext uri="{FF2B5EF4-FFF2-40B4-BE49-F238E27FC236}">
-                <a16:creationId xmlns="" xmlns:a16="http://schemas.microsoft.com/office/drawing/2014/main" id="{ED21C0EA-1B65-43C8-AAD0-87268DCF3FD2}"/>
+                <a16:creationId xmlns:a16="http://schemas.microsoft.com/office/drawing/2014/main" xmlns="" id="{ED21C0EA-1B65-43C8-AAD0-87268DCF3FD2}"/>
               </a:ext>
             </a:extLst>
           </p:cNvPr>
@@ -18821,13 +18769,6 @@
               </a:rPr>
               <a:t>(“no”)</a:t>
             </a:r>
-            <a:endParaRPr lang="en-US" altLang="ko-KR" sz="1000" dirty="0" smtClean="0">
-              <a:solidFill>
-                <a:srgbClr val="70AD47">
-                  <a:lumMod val="75000"/>
-                </a:srgbClr>
-              </a:solidFill>
-            </a:endParaRPr>
           </a:p>
         </p:txBody>
       </p:sp>
@@ -18836,7 +18777,7 @@
           <p:cNvPr id="168" name="직선 화살표 연결선 167">
             <a:extLst>
               <a:ext uri="{FF2B5EF4-FFF2-40B4-BE49-F238E27FC236}">
-                <a16:creationId xmlns="" xmlns:a16="http://schemas.microsoft.com/office/drawing/2014/main" id="{EC28C33C-129E-4506-9549-3759C91D42BE}"/>
+                <a16:creationId xmlns:a16="http://schemas.microsoft.com/office/drawing/2014/main" xmlns="" id="{EC28C33C-129E-4506-9549-3759C91D42BE}"/>
               </a:ext>
             </a:extLst>
           </p:cNvPr>
@@ -18883,7 +18824,7 @@
           <p:cNvPr id="169" name="TextBox 168">
             <a:extLst>
               <a:ext uri="{FF2B5EF4-FFF2-40B4-BE49-F238E27FC236}">
-                <a16:creationId xmlns="" xmlns:a16="http://schemas.microsoft.com/office/drawing/2014/main" id="{BDD2FA7E-1E88-4F78-ABF6-567824DD1ECE}"/>
+                <a16:creationId xmlns:a16="http://schemas.microsoft.com/office/drawing/2014/main" xmlns="" id="{BDD2FA7E-1E88-4F78-ABF6-567824DD1ECE}"/>
               </a:ext>
             </a:extLst>
           </p:cNvPr>
@@ -18930,18 +18871,7 @@
                   </a:prstClr>
                 </a:solidFill>
               </a:rPr>
-              <a:t>edirect</a:t>
-            </a:r>
-            <a:r>
-              <a:rPr lang="en-US" altLang="ko-KR" sz="1000" dirty="0" smtClean="0">
-                <a:solidFill>
-                  <a:prstClr val="black">
-                    <a:lumMod val="65000"/>
-                    <a:lumOff val="35000"/>
-                  </a:prstClr>
-                </a:solidFill>
-              </a:rPr>
-              <a:t>:/board/list</a:t>
+              <a:t>edirect:/board/list</a:t>
             </a:r>
             <a:endParaRPr lang="ko-KR" altLang="en-US" sz="1000" dirty="0">
               <a:solidFill>
@@ -18959,7 +18889,7 @@
           <p:cNvPr id="170" name="직선 화살표 연결선 169">
             <a:extLst>
               <a:ext uri="{FF2B5EF4-FFF2-40B4-BE49-F238E27FC236}">
-                <a16:creationId xmlns="" xmlns:a16="http://schemas.microsoft.com/office/drawing/2014/main" id="{3F7B84A3-1AD0-4DF7-A6BC-4B5B198A72B9}"/>
+                <a16:creationId xmlns:a16="http://schemas.microsoft.com/office/drawing/2014/main" xmlns="" id="{3F7B84A3-1AD0-4DF7-A6BC-4B5B198A72B9}"/>
               </a:ext>
             </a:extLst>
           </p:cNvPr>
@@ -19036,7 +18966,7 @@
           <p:cNvPr id="4" name="표 4">
             <a:extLst>
               <a:ext uri="{FF2B5EF4-FFF2-40B4-BE49-F238E27FC236}">
-                <a16:creationId xmlns="" xmlns:a16="http://schemas.microsoft.com/office/drawing/2014/main" id="{B305719E-D3E5-4E7E-B17F-23D2B8F0881C}"/>
+                <a16:creationId xmlns:a16="http://schemas.microsoft.com/office/drawing/2014/main" xmlns="" id="{B305719E-D3E5-4E7E-B17F-23D2B8F0881C}"/>
               </a:ext>
             </a:extLst>
           </p:cNvPr>
@@ -19065,21 +18995,21 @@
                 <a:gridCol w="2033729">
                   <a:extLst>
                     <a:ext uri="{9D8B030D-6E8A-4147-A177-3AD203B41FA5}">
-                      <a16:colId xmlns="" xmlns:a16="http://schemas.microsoft.com/office/drawing/2014/main" val="3571064474"/>
+                      <a16:colId xmlns:a16="http://schemas.microsoft.com/office/drawing/2014/main" xmlns="" val="3571064474"/>
                     </a:ext>
                   </a:extLst>
                 </a:gridCol>
                 <a:gridCol w="1557196">
                   <a:extLst>
                     <a:ext uri="{9D8B030D-6E8A-4147-A177-3AD203B41FA5}">
-                      <a16:colId xmlns="" xmlns:a16="http://schemas.microsoft.com/office/drawing/2014/main" val="4257211528"/>
+                      <a16:colId xmlns:a16="http://schemas.microsoft.com/office/drawing/2014/main" xmlns="" val="4257211528"/>
                     </a:ext>
                   </a:extLst>
                 </a:gridCol>
                 <a:gridCol w="1665838">
                   <a:extLst>
                     <a:ext uri="{9D8B030D-6E8A-4147-A177-3AD203B41FA5}">
-                      <a16:colId xmlns="" xmlns:a16="http://schemas.microsoft.com/office/drawing/2014/main" val="3023545236"/>
+                      <a16:colId xmlns:a16="http://schemas.microsoft.com/office/drawing/2014/main" xmlns="" val="3023545236"/>
                     </a:ext>
                   </a:extLst>
                 </a:gridCol>
@@ -19087,21 +19017,21 @@
                 <a:gridCol w="1738265">
                   <a:extLst>
                     <a:ext uri="{9D8B030D-6E8A-4147-A177-3AD203B41FA5}">
-                      <a16:colId xmlns="" xmlns:a16="http://schemas.microsoft.com/office/drawing/2014/main" val="2920563116"/>
+                      <a16:colId xmlns:a16="http://schemas.microsoft.com/office/drawing/2014/main" xmlns="" val="2920563116"/>
                     </a:ext>
                   </a:extLst>
                 </a:gridCol>
                 <a:gridCol w="1720158">
                   <a:extLst>
                     <a:ext uri="{9D8B030D-6E8A-4147-A177-3AD203B41FA5}">
-                      <a16:colId xmlns="" xmlns:a16="http://schemas.microsoft.com/office/drawing/2014/main" val="3475859244"/>
+                      <a16:colId xmlns:a16="http://schemas.microsoft.com/office/drawing/2014/main" xmlns="" val="3475859244"/>
                     </a:ext>
                   </a:extLst>
                 </a:gridCol>
                 <a:gridCol w="1602273">
                   <a:extLst>
                     <a:ext uri="{9D8B030D-6E8A-4147-A177-3AD203B41FA5}">
-                      <a16:colId xmlns="" xmlns:a16="http://schemas.microsoft.com/office/drawing/2014/main" val="3472189352"/>
+                      <a16:colId xmlns:a16="http://schemas.microsoft.com/office/drawing/2014/main" xmlns="" val="3472189352"/>
                     </a:ext>
                   </a:extLst>
                 </a:gridCol>
@@ -19664,7 +19594,7 @@
                 </a:tc>
                 <a:extLst>
                   <a:ext uri="{0D108BD9-81ED-4DB2-BD59-A6C34878D82A}">
-                    <a16:rowId xmlns="" xmlns:a16="http://schemas.microsoft.com/office/drawing/2014/main" val="243423754"/>
+                    <a16:rowId xmlns:a16="http://schemas.microsoft.com/office/drawing/2014/main" xmlns="" val="243423754"/>
                   </a:ext>
                 </a:extLst>
               </a:tr>
@@ -20997,7 +20927,7 @@
                 </a:tc>
                 <a:extLst>
                   <a:ext uri="{0D108BD9-81ED-4DB2-BD59-A6C34878D82A}">
-                    <a16:rowId xmlns="" xmlns:a16="http://schemas.microsoft.com/office/drawing/2014/main" val="3134473238"/>
+                    <a16:rowId xmlns:a16="http://schemas.microsoft.com/office/drawing/2014/main" xmlns="" val="3134473238"/>
                   </a:ext>
                 </a:extLst>
               </a:tr>
@@ -21010,7 +20940,7 @@
           <p:cNvPr id="6" name="직선 화살표 연결선 5">
             <a:extLst>
               <a:ext uri="{FF2B5EF4-FFF2-40B4-BE49-F238E27FC236}">
-                <a16:creationId xmlns="" xmlns:a16="http://schemas.microsoft.com/office/drawing/2014/main" id="{3F7B84A3-1AD0-4DF7-A6BC-4B5B198A72B9}"/>
+                <a16:creationId xmlns:a16="http://schemas.microsoft.com/office/drawing/2014/main" xmlns="" id="{3F7B84A3-1AD0-4DF7-A6BC-4B5B198A72B9}"/>
               </a:ext>
             </a:extLst>
           </p:cNvPr>
@@ -21057,7 +20987,7 @@
           <p:cNvPr id="21" name="직선 화살표 연결선 20">
             <a:extLst>
               <a:ext uri="{FF2B5EF4-FFF2-40B4-BE49-F238E27FC236}">
-                <a16:creationId xmlns="" xmlns:a16="http://schemas.microsoft.com/office/drawing/2014/main" id="{75322384-8370-42A2-9AA6-9103C9E005E6}"/>
+                <a16:creationId xmlns:a16="http://schemas.microsoft.com/office/drawing/2014/main" xmlns="" id="{75322384-8370-42A2-9AA6-9103C9E005E6}"/>
               </a:ext>
             </a:extLst>
           </p:cNvPr>
@@ -21104,7 +21034,7 @@
           <p:cNvPr id="23" name="직선 화살표 연결선 22">
             <a:extLst>
               <a:ext uri="{FF2B5EF4-FFF2-40B4-BE49-F238E27FC236}">
-                <a16:creationId xmlns="" xmlns:a16="http://schemas.microsoft.com/office/drawing/2014/main" id="{366CBA92-9226-4C4A-ACDD-433CD65941DE}"/>
+                <a16:creationId xmlns:a16="http://schemas.microsoft.com/office/drawing/2014/main" xmlns="" id="{366CBA92-9226-4C4A-ACDD-433CD65941DE}"/>
               </a:ext>
             </a:extLst>
           </p:cNvPr>
@@ -21151,7 +21081,7 @@
           <p:cNvPr id="25" name="TextBox 24">
             <a:extLst>
               <a:ext uri="{FF2B5EF4-FFF2-40B4-BE49-F238E27FC236}">
-                <a16:creationId xmlns="" xmlns:a16="http://schemas.microsoft.com/office/drawing/2014/main" id="{ED21C0EA-1B65-43C8-AAD0-87268DCF3FD2}"/>
+                <a16:creationId xmlns:a16="http://schemas.microsoft.com/office/drawing/2014/main" xmlns="" id="{ED21C0EA-1B65-43C8-AAD0-87268DCF3FD2}"/>
               </a:ext>
             </a:extLst>
           </p:cNvPr>
@@ -21230,13 +21160,6 @@
               </a:rPr>
               <a:t>(title, content)</a:t>
             </a:r>
-            <a:endParaRPr lang="en-US" altLang="ko-KR" sz="1000" dirty="0" smtClean="0">
-              <a:solidFill>
-                <a:srgbClr val="70AD47">
-                  <a:lumMod val="75000"/>
-                </a:srgbClr>
-              </a:solidFill>
-            </a:endParaRPr>
           </a:p>
         </p:txBody>
       </p:sp>
@@ -21245,7 +21168,7 @@
           <p:cNvPr id="75" name="직선 화살표 연결선 74">
             <a:extLst>
               <a:ext uri="{FF2B5EF4-FFF2-40B4-BE49-F238E27FC236}">
-                <a16:creationId xmlns="" xmlns:a16="http://schemas.microsoft.com/office/drawing/2014/main" id="{3F7B84A3-1AD0-4DF7-A6BC-4B5B198A72B9}"/>
+                <a16:creationId xmlns:a16="http://schemas.microsoft.com/office/drawing/2014/main" xmlns="" id="{3F7B84A3-1AD0-4DF7-A6BC-4B5B198A72B9}"/>
               </a:ext>
             </a:extLst>
           </p:cNvPr>
@@ -21292,7 +21215,7 @@
           <p:cNvPr id="77" name="직선 화살표 연결선 76">
             <a:extLst>
               <a:ext uri="{FF2B5EF4-FFF2-40B4-BE49-F238E27FC236}">
-                <a16:creationId xmlns="" xmlns:a16="http://schemas.microsoft.com/office/drawing/2014/main" id="{3992F012-AF65-4E39-8E9C-577F6F0B7BD2}"/>
+                <a16:creationId xmlns:a16="http://schemas.microsoft.com/office/drawing/2014/main" xmlns="" id="{3992F012-AF65-4E39-8E9C-577F6F0B7BD2}"/>
               </a:ext>
             </a:extLst>
           </p:cNvPr>
@@ -21339,7 +21262,7 @@
           <p:cNvPr id="80" name="직선 화살표 연결선 79">
             <a:extLst>
               <a:ext uri="{FF2B5EF4-FFF2-40B4-BE49-F238E27FC236}">
-                <a16:creationId xmlns="" xmlns:a16="http://schemas.microsoft.com/office/drawing/2014/main" id="{EC28C33C-129E-4506-9549-3759C91D42BE}"/>
+                <a16:creationId xmlns:a16="http://schemas.microsoft.com/office/drawing/2014/main" xmlns="" id="{EC28C33C-129E-4506-9549-3759C91D42BE}"/>
               </a:ext>
             </a:extLst>
           </p:cNvPr>
@@ -21386,7 +21309,7 @@
           <p:cNvPr id="81" name="직선 화살표 연결선 80">
             <a:extLst>
               <a:ext uri="{FF2B5EF4-FFF2-40B4-BE49-F238E27FC236}">
-                <a16:creationId xmlns="" xmlns:a16="http://schemas.microsoft.com/office/drawing/2014/main" id="{3992F012-AF65-4E39-8E9C-577F6F0B7BD2}"/>
+                <a16:creationId xmlns:a16="http://schemas.microsoft.com/office/drawing/2014/main" xmlns="" id="{3992F012-AF65-4E39-8E9C-577F6F0B7BD2}"/>
               </a:ext>
             </a:extLst>
           </p:cNvPr>
@@ -21433,7 +21356,7 @@
           <p:cNvPr id="82" name="직선 화살표 연결선 81">
             <a:extLst>
               <a:ext uri="{FF2B5EF4-FFF2-40B4-BE49-F238E27FC236}">
-                <a16:creationId xmlns="" xmlns:a16="http://schemas.microsoft.com/office/drawing/2014/main" id="{EC28C33C-129E-4506-9549-3759C91D42BE}"/>
+                <a16:creationId xmlns:a16="http://schemas.microsoft.com/office/drawing/2014/main" xmlns="" id="{EC28C33C-129E-4506-9549-3759C91D42BE}"/>
               </a:ext>
             </a:extLst>
           </p:cNvPr>
@@ -21480,7 +21403,7 @@
           <p:cNvPr id="85" name="직선 화살표 연결선 84">
             <a:extLst>
               <a:ext uri="{FF2B5EF4-FFF2-40B4-BE49-F238E27FC236}">
-                <a16:creationId xmlns="" xmlns:a16="http://schemas.microsoft.com/office/drawing/2014/main" id="{3992F012-AF65-4E39-8E9C-577F6F0B7BD2}"/>
+                <a16:creationId xmlns:a16="http://schemas.microsoft.com/office/drawing/2014/main" xmlns="" id="{3992F012-AF65-4E39-8E9C-577F6F0B7BD2}"/>
               </a:ext>
             </a:extLst>
           </p:cNvPr>
@@ -21527,7 +21450,7 @@
           <p:cNvPr id="87" name="직선 화살표 연결선 86">
             <a:extLst>
               <a:ext uri="{FF2B5EF4-FFF2-40B4-BE49-F238E27FC236}">
-                <a16:creationId xmlns="" xmlns:a16="http://schemas.microsoft.com/office/drawing/2014/main" id="{3992F012-AF65-4E39-8E9C-577F6F0B7BD2}"/>
+                <a16:creationId xmlns:a16="http://schemas.microsoft.com/office/drawing/2014/main" xmlns="" id="{3992F012-AF65-4E39-8E9C-577F6F0B7BD2}"/>
               </a:ext>
             </a:extLst>
           </p:cNvPr>
@@ -21574,7 +21497,7 @@
           <p:cNvPr id="89" name="직선 화살표 연결선 88">
             <a:extLst>
               <a:ext uri="{FF2B5EF4-FFF2-40B4-BE49-F238E27FC236}">
-                <a16:creationId xmlns="" xmlns:a16="http://schemas.microsoft.com/office/drawing/2014/main" id="{EC28C33C-129E-4506-9549-3759C91D42BE}"/>
+                <a16:creationId xmlns:a16="http://schemas.microsoft.com/office/drawing/2014/main" xmlns="" id="{EC28C33C-129E-4506-9549-3759C91D42BE}"/>
               </a:ext>
             </a:extLst>
           </p:cNvPr>
@@ -21621,7 +21544,7 @@
           <p:cNvPr id="90" name="직선 화살표 연결선 89">
             <a:extLst>
               <a:ext uri="{FF2B5EF4-FFF2-40B4-BE49-F238E27FC236}">
-                <a16:creationId xmlns="" xmlns:a16="http://schemas.microsoft.com/office/drawing/2014/main" id="{EC28C33C-129E-4506-9549-3759C91D42BE}"/>
+                <a16:creationId xmlns:a16="http://schemas.microsoft.com/office/drawing/2014/main" xmlns="" id="{EC28C33C-129E-4506-9549-3759C91D42BE}"/>
               </a:ext>
             </a:extLst>
           </p:cNvPr>
@@ -21668,7 +21591,7 @@
           <p:cNvPr id="146" name="직선 화살표 연결선 145">
             <a:extLst>
               <a:ext uri="{FF2B5EF4-FFF2-40B4-BE49-F238E27FC236}">
-                <a16:creationId xmlns="" xmlns:a16="http://schemas.microsoft.com/office/drawing/2014/main" id="{366CBA92-9226-4C4A-ACDD-433CD65941DE}"/>
+                <a16:creationId xmlns:a16="http://schemas.microsoft.com/office/drawing/2014/main" xmlns="" id="{366CBA92-9226-4C4A-ACDD-433CD65941DE}"/>
               </a:ext>
             </a:extLst>
           </p:cNvPr>
@@ -21715,7 +21638,7 @@
           <p:cNvPr id="158" name="TextBox 157">
             <a:extLst>
               <a:ext uri="{FF2B5EF4-FFF2-40B4-BE49-F238E27FC236}">
-                <a16:creationId xmlns="" xmlns:a16="http://schemas.microsoft.com/office/drawing/2014/main" id="{BDD2FA7E-1E88-4F78-ABF6-567824DD1ECE}"/>
+                <a16:creationId xmlns:a16="http://schemas.microsoft.com/office/drawing/2014/main" xmlns="" id="{BDD2FA7E-1E88-4F78-ABF6-567824DD1ECE}"/>
               </a:ext>
             </a:extLst>
           </p:cNvPr>
@@ -21763,7 +21686,7 @@
           <p:cNvPr id="105" name="TextBox 104">
             <a:extLst>
               <a:ext uri="{FF2B5EF4-FFF2-40B4-BE49-F238E27FC236}">
-                <a16:creationId xmlns="" xmlns:a16="http://schemas.microsoft.com/office/drawing/2014/main" id="{BDD2FA7E-1E88-4F78-ABF6-567824DD1ECE}"/>
+                <a16:creationId xmlns:a16="http://schemas.microsoft.com/office/drawing/2014/main" xmlns="" id="{BDD2FA7E-1E88-4F78-ABF6-567824DD1ECE}"/>
               </a:ext>
             </a:extLst>
           </p:cNvPr>
@@ -21811,7 +21734,7 @@
           <p:cNvPr id="106" name="TextBox 105">
             <a:extLst>
               <a:ext uri="{FF2B5EF4-FFF2-40B4-BE49-F238E27FC236}">
-                <a16:creationId xmlns="" xmlns:a16="http://schemas.microsoft.com/office/drawing/2014/main" id="{ED21C0EA-1B65-43C8-AAD0-87268DCF3FD2}"/>
+                <a16:creationId xmlns:a16="http://schemas.microsoft.com/office/drawing/2014/main" xmlns="" id="{ED21C0EA-1B65-43C8-AAD0-87268DCF3FD2}"/>
               </a:ext>
             </a:extLst>
           </p:cNvPr>
@@ -21890,13 +21813,6 @@
               </a:rPr>
               <a:t>(title, content)</a:t>
             </a:r>
-            <a:endParaRPr lang="en-US" altLang="ko-KR" sz="1000" dirty="0" smtClean="0">
-              <a:solidFill>
-                <a:srgbClr val="70AD47">
-                  <a:lumMod val="75000"/>
-                </a:srgbClr>
-              </a:solidFill>
-            </a:endParaRPr>
           </a:p>
         </p:txBody>
       </p:sp>
@@ -21905,7 +21821,7 @@
           <p:cNvPr id="107" name="TextBox 106">
             <a:extLst>
               <a:ext uri="{FF2B5EF4-FFF2-40B4-BE49-F238E27FC236}">
-                <a16:creationId xmlns="" xmlns:a16="http://schemas.microsoft.com/office/drawing/2014/main" id="{ED21C0EA-1B65-43C8-AAD0-87268DCF3FD2}"/>
+                <a16:creationId xmlns:a16="http://schemas.microsoft.com/office/drawing/2014/main" xmlns="" id="{ED21C0EA-1B65-43C8-AAD0-87268DCF3FD2}"/>
               </a:ext>
             </a:extLst>
           </p:cNvPr>
@@ -21984,13 +21900,6 @@
               </a:rPr>
               <a:t>(title, content)</a:t>
             </a:r>
-            <a:endParaRPr lang="en-US" altLang="ko-KR" sz="1000" dirty="0" smtClean="0">
-              <a:solidFill>
-                <a:srgbClr val="70AD47">
-                  <a:lumMod val="75000"/>
-                </a:srgbClr>
-              </a:solidFill>
-            </a:endParaRPr>
           </a:p>
         </p:txBody>
       </p:sp>
@@ -21999,7 +21908,7 @@
           <p:cNvPr id="118" name="TextBox 117">
             <a:extLst>
               <a:ext uri="{FF2B5EF4-FFF2-40B4-BE49-F238E27FC236}">
-                <a16:creationId xmlns="" xmlns:a16="http://schemas.microsoft.com/office/drawing/2014/main" id="{ED21C0EA-1B65-43C8-AAD0-87268DCF3FD2}"/>
+                <a16:creationId xmlns:a16="http://schemas.microsoft.com/office/drawing/2014/main" xmlns="" id="{ED21C0EA-1B65-43C8-AAD0-87268DCF3FD2}"/>
               </a:ext>
             </a:extLst>
           </p:cNvPr>
@@ -22078,13 +21987,6 @@
               </a:rPr>
               <a:t>(title, content)</a:t>
             </a:r>
-            <a:endParaRPr lang="en-US" altLang="ko-KR" sz="1000" dirty="0" smtClean="0">
-              <a:solidFill>
-                <a:srgbClr val="70AD47">
-                  <a:lumMod val="75000"/>
-                </a:srgbClr>
-              </a:solidFill>
-            </a:endParaRPr>
           </a:p>
         </p:txBody>
       </p:sp>
@@ -22093,7 +21995,7 @@
           <p:cNvPr id="119" name="TextBox 118">
             <a:extLst>
               <a:ext uri="{FF2B5EF4-FFF2-40B4-BE49-F238E27FC236}">
-                <a16:creationId xmlns="" xmlns:a16="http://schemas.microsoft.com/office/drawing/2014/main" id="{ED21C0EA-1B65-43C8-AAD0-87268DCF3FD2}"/>
+                <a16:creationId xmlns:a16="http://schemas.microsoft.com/office/drawing/2014/main" xmlns="" id="{ED21C0EA-1B65-43C8-AAD0-87268DCF3FD2}"/>
               </a:ext>
             </a:extLst>
           </p:cNvPr>
@@ -22172,13 +22074,6 @@
               </a:rPr>
               <a:t>(title, content)</a:t>
             </a:r>
-            <a:endParaRPr lang="en-US" altLang="ko-KR" sz="1000" dirty="0" smtClean="0">
-              <a:solidFill>
-                <a:srgbClr val="70AD47">
-                  <a:lumMod val="75000"/>
-                </a:srgbClr>
-              </a:solidFill>
-            </a:endParaRPr>
           </a:p>
         </p:txBody>
       </p:sp>
@@ -22187,7 +22082,7 @@
           <p:cNvPr id="120" name="TextBox 119">
             <a:extLst>
               <a:ext uri="{FF2B5EF4-FFF2-40B4-BE49-F238E27FC236}">
-                <a16:creationId xmlns="" xmlns:a16="http://schemas.microsoft.com/office/drawing/2014/main" id="{BDD2FA7E-1E88-4F78-ABF6-567824DD1ECE}"/>
+                <a16:creationId xmlns:a16="http://schemas.microsoft.com/office/drawing/2014/main" xmlns="" id="{BDD2FA7E-1E88-4F78-ABF6-567824DD1ECE}"/>
               </a:ext>
             </a:extLst>
           </p:cNvPr>
@@ -22234,18 +22129,7 @@
                   </a:prstClr>
                 </a:solidFill>
               </a:rPr>
-              <a:t>edirect</a:t>
-            </a:r>
-            <a:r>
-              <a:rPr lang="en-US" altLang="ko-KR" sz="1000" dirty="0" smtClean="0">
-                <a:solidFill>
-                  <a:prstClr val="black">
-                    <a:lumMod val="65000"/>
-                    <a:lumOff val="35000"/>
-                  </a:prstClr>
-                </a:solidFill>
-              </a:rPr>
-              <a:t>:/board/list</a:t>
+              <a:t>edirect:/board/list</a:t>
             </a:r>
             <a:endParaRPr lang="ko-KR" altLang="en-US" sz="1000" dirty="0">
               <a:solidFill>
@@ -22263,7 +22147,7 @@
           <p:cNvPr id="121" name="직선 화살표 연결선 120">
             <a:extLst>
               <a:ext uri="{FF2B5EF4-FFF2-40B4-BE49-F238E27FC236}">
-                <a16:creationId xmlns="" xmlns:a16="http://schemas.microsoft.com/office/drawing/2014/main" id="{3F7B84A3-1AD0-4DF7-A6BC-4B5B198A72B9}"/>
+                <a16:creationId xmlns:a16="http://schemas.microsoft.com/office/drawing/2014/main" xmlns="" id="{3F7B84A3-1AD0-4DF7-A6BC-4B5B198A72B9}"/>
               </a:ext>
             </a:extLst>
           </p:cNvPr>
@@ -22309,6 +22193,3289 @@
     <p:extLst>
       <p:ext uri="{BB962C8B-B14F-4D97-AF65-F5344CB8AC3E}">
         <p14:creationId xmlns:p14="http://schemas.microsoft.com/office/powerpoint/2010/main" val="129500926"/>
+      </p:ext>
+    </p:extLst>
+  </p:cSld>
+  <p:clrMapOvr>
+    <a:masterClrMapping/>
+  </p:clrMapOvr>
+</p:sld>
+</file>
+
+<file path=ppt/slides/slide4.xml><?xml version="1.0" encoding="utf-8"?>
+<p:sld xmlns:a="http://schemas.openxmlformats.org/drawingml/2006/main" xmlns:r="http://schemas.openxmlformats.org/officeDocument/2006/relationships" xmlns:p="http://schemas.openxmlformats.org/presentationml/2006/main">
+  <p:cSld>
+    <p:spTree>
+      <p:nvGrpSpPr>
+        <p:cNvPr id="1" name=""/>
+        <p:cNvGrpSpPr/>
+        <p:nvPr/>
+      </p:nvGrpSpPr>
+      <p:grpSpPr>
+        <a:xfrm>
+          <a:off x="0" y="0"/>
+          <a:ext cx="0" cy="0"/>
+          <a:chOff x="0" y="0"/>
+          <a:chExt cx="0" cy="0"/>
+        </a:xfrm>
+      </p:grpSpPr>
+      <p:graphicFrame>
+        <p:nvGraphicFramePr>
+          <p:cNvPr id="4" name="표 4">
+            <a:extLst>
+              <a:ext uri="{FF2B5EF4-FFF2-40B4-BE49-F238E27FC236}">
+                <a16:creationId xmlns:a16="http://schemas.microsoft.com/office/drawing/2014/main" xmlns="" id="{B305719E-D3E5-4E7E-B17F-23D2B8F0881C}"/>
+              </a:ext>
+            </a:extLst>
+          </p:cNvPr>
+          <p:cNvGraphicFramePr>
+            <a:graphicFrameLocks noGrp="1"/>
+          </p:cNvGraphicFramePr>
+          <p:nvPr>
+            <p:extLst>
+              <p:ext uri="{D42A27DB-BD31-4B8C-83A1-F6EECF244321}">
+                <p14:modId xmlns:p14="http://schemas.microsoft.com/office/powerpoint/2010/main" val="3544945850"/>
+              </p:ext>
+            </p:extLst>
+          </p:nvPr>
+        </p:nvGraphicFramePr>
+        <p:xfrm>
+          <a:off x="99825" y="78467"/>
+          <a:ext cx="11992350" cy="6639344"/>
+        </p:xfrm>
+        <a:graphic>
+          <a:graphicData uri="http://schemas.openxmlformats.org/drawingml/2006/table">
+            <a:tbl>
+              <a:tblPr firstRow="1" bandRow="1">
+                <a:tableStyleId>{5C22544A-7EE6-4342-B048-85BDC9FD1C3A}</a:tableStyleId>
+              </a:tblPr>
+              <a:tblGrid>
+                <a:gridCol w="2033729">
+                  <a:extLst>
+                    <a:ext uri="{9D8B030D-6E8A-4147-A177-3AD203B41FA5}">
+                      <a16:colId xmlns:a16="http://schemas.microsoft.com/office/drawing/2014/main" xmlns="" val="3571064474"/>
+                    </a:ext>
+                  </a:extLst>
+                </a:gridCol>
+                <a:gridCol w="1557196">
+                  <a:extLst>
+                    <a:ext uri="{9D8B030D-6E8A-4147-A177-3AD203B41FA5}">
+                      <a16:colId xmlns:a16="http://schemas.microsoft.com/office/drawing/2014/main" xmlns="" val="4257211528"/>
+                    </a:ext>
+                  </a:extLst>
+                </a:gridCol>
+                <a:gridCol w="1665838">
+                  <a:extLst>
+                    <a:ext uri="{9D8B030D-6E8A-4147-A177-3AD203B41FA5}">
+                      <a16:colId xmlns:a16="http://schemas.microsoft.com/office/drawing/2014/main" xmlns="" val="3023545236"/>
+                    </a:ext>
+                  </a:extLst>
+                </a:gridCol>
+                <a:gridCol w="1674891"/>
+                <a:gridCol w="1738265">
+                  <a:extLst>
+                    <a:ext uri="{9D8B030D-6E8A-4147-A177-3AD203B41FA5}">
+                      <a16:colId xmlns:a16="http://schemas.microsoft.com/office/drawing/2014/main" xmlns="" val="2920563116"/>
+                    </a:ext>
+                  </a:extLst>
+                </a:gridCol>
+                <a:gridCol w="1720158">
+                  <a:extLst>
+                    <a:ext uri="{9D8B030D-6E8A-4147-A177-3AD203B41FA5}">
+                      <a16:colId xmlns:a16="http://schemas.microsoft.com/office/drawing/2014/main" xmlns="" val="3475859244"/>
+                    </a:ext>
+                  </a:extLst>
+                </a:gridCol>
+                <a:gridCol w="1602273">
+                  <a:extLst>
+                    <a:ext uri="{9D8B030D-6E8A-4147-A177-3AD203B41FA5}">
+                      <a16:colId xmlns:a16="http://schemas.microsoft.com/office/drawing/2014/main" xmlns="" val="3472189352"/>
+                    </a:ext>
+                  </a:extLst>
+                </a:gridCol>
+              </a:tblGrid>
+              <a:tr h="325201">
+                <a:tc gridSpan="7">
+                  <a:txBody>
+                    <a:bodyPr/>
+                    <a:lstStyle/>
+                    <a:p>
+                      <a:pPr algn="l" latinLnBrk="1"/>
+                      <a:r>
+                        <a:rPr lang="en-US" altLang="ko-KR" dirty="0" smtClean="0">
+                          <a:solidFill>
+                            <a:schemeClr val="tx1"/>
+                          </a:solidFill>
+                        </a:rPr>
+                        <a:t> * </a:t>
+                      </a:r>
+                      <a:r>
+                        <a:rPr lang="en-US" altLang="ko-KR" dirty="0" err="1" smtClean="0">
+                          <a:solidFill>
+                            <a:schemeClr val="tx1"/>
+                          </a:solidFill>
+                        </a:rPr>
+                        <a:t>api</a:t>
+                      </a:r>
+                      <a:r>
+                        <a:rPr lang="en-US" altLang="ko-KR" baseline="0" dirty="0" err="1" smtClean="0">
+                          <a:solidFill>
+                            <a:schemeClr val="tx1"/>
+                          </a:solidFill>
+                        </a:rPr>
+                        <a:t>.</a:t>
+                      </a:r>
+                      <a:r>
+                        <a:rPr lang="en-US" altLang="ko-KR" dirty="0" err="1" smtClean="0">
+                          <a:solidFill>
+                            <a:schemeClr val="tx1"/>
+                          </a:solidFill>
+                        </a:rPr>
+                        <a:t>guestbook</a:t>
+                      </a:r>
+                      <a:r>
+                        <a:rPr lang="en-US" altLang="ko-KR" dirty="0" smtClean="0">
+                          <a:solidFill>
+                            <a:schemeClr val="tx1"/>
+                          </a:solidFill>
+                        </a:rPr>
+                        <a:t> </a:t>
+                      </a:r>
+                      <a:r>
+                        <a:rPr lang="en-US" altLang="ko-KR" dirty="0" smtClean="0">
+                          <a:solidFill>
+                            <a:schemeClr val="tx1"/>
+                          </a:solidFill>
+                        </a:rPr>
+                        <a:t>diagram</a:t>
+                      </a:r>
+                      <a:endParaRPr lang="ko-KR" altLang="en-US" dirty="0">
+                        <a:solidFill>
+                          <a:schemeClr val="tx1"/>
+                        </a:solidFill>
+                      </a:endParaRPr>
+                    </a:p>
+                  </a:txBody>
+                  <a:tcPr>
+                    <a:noFill/>
+                  </a:tcPr>
+                </a:tc>
+                <a:tc hMerge="1">
+                  <a:txBody>
+                    <a:bodyPr/>
+                    <a:lstStyle/>
+                    <a:p>
+                      <a:pPr algn="ctr" latinLnBrk="1"/>
+                      <a:endParaRPr lang="ko-KR" altLang="en-US" dirty="0">
+                        <a:solidFill>
+                          <a:schemeClr val="tx1"/>
+                        </a:solidFill>
+                      </a:endParaRPr>
+                    </a:p>
+                  </a:txBody>
+                  <a:tcPr>
+                    <a:lnL w="12700" cap="flat" cmpd="sng" algn="ctr">
+                      <a:solidFill>
+                        <a:schemeClr val="tx1"/>
+                      </a:solidFill>
+                      <a:prstDash val="solid"/>
+                      <a:round/>
+                      <a:headEnd type="none" w="med" len="med"/>
+                      <a:tailEnd type="none" w="med" len="med"/>
+                    </a:lnL>
+                    <a:lnR w="12700" cap="flat" cmpd="sng" algn="ctr">
+                      <a:solidFill>
+                        <a:schemeClr val="tx1"/>
+                      </a:solidFill>
+                      <a:prstDash val="solid"/>
+                      <a:round/>
+                      <a:headEnd type="none" w="med" len="med"/>
+                      <a:tailEnd type="none" w="med" len="med"/>
+                    </a:lnR>
+                    <a:noFill/>
+                  </a:tcPr>
+                </a:tc>
+                <a:tc hMerge="1">
+                  <a:txBody>
+                    <a:bodyPr/>
+                    <a:lstStyle/>
+                    <a:p>
+                      <a:pPr algn="ctr" latinLnBrk="1"/>
+                      <a:endParaRPr lang="ko-KR" altLang="en-US" dirty="0">
+                        <a:solidFill>
+                          <a:schemeClr val="tx1"/>
+                        </a:solidFill>
+                      </a:endParaRPr>
+                    </a:p>
+                  </a:txBody>
+                  <a:tcPr>
+                    <a:lnL w="12700" cap="flat" cmpd="sng" algn="ctr">
+                      <a:solidFill>
+                        <a:schemeClr val="tx1"/>
+                      </a:solidFill>
+                      <a:prstDash val="solid"/>
+                      <a:round/>
+                      <a:headEnd type="none" w="med" len="med"/>
+                      <a:tailEnd type="none" w="med" len="med"/>
+                    </a:lnL>
+                    <a:lnR w="12700" cap="flat" cmpd="sng" algn="ctr">
+                      <a:solidFill>
+                        <a:schemeClr val="tx1"/>
+                      </a:solidFill>
+                      <a:prstDash val="solid"/>
+                      <a:round/>
+                      <a:headEnd type="none" w="med" len="med"/>
+                      <a:tailEnd type="none" w="med" len="med"/>
+                    </a:lnR>
+                    <a:noFill/>
+                  </a:tcPr>
+                </a:tc>
+                <a:tc hMerge="1">
+                  <a:txBody>
+                    <a:bodyPr/>
+                    <a:lstStyle/>
+                    <a:p>
+                      <a:pPr algn="ctr" latinLnBrk="1"/>
+                      <a:endParaRPr lang="ko-KR" altLang="en-US" dirty="0">
+                        <a:solidFill>
+                          <a:schemeClr val="tx1"/>
+                        </a:solidFill>
+                      </a:endParaRPr>
+                    </a:p>
+                  </a:txBody>
+                  <a:tcPr>
+                    <a:lnL w="12700" cap="flat" cmpd="sng" algn="ctr">
+                      <a:solidFill>
+                        <a:schemeClr val="tx1"/>
+                      </a:solidFill>
+                      <a:prstDash val="solid"/>
+                      <a:round/>
+                      <a:headEnd type="none" w="med" len="med"/>
+                      <a:tailEnd type="none" w="med" len="med"/>
+                    </a:lnL>
+                    <a:lnR w="12700" cap="flat" cmpd="sng" algn="ctr">
+                      <a:solidFill>
+                        <a:schemeClr val="tx1"/>
+                      </a:solidFill>
+                      <a:prstDash val="solid"/>
+                      <a:round/>
+                      <a:headEnd type="none" w="med" len="med"/>
+                      <a:tailEnd type="none" w="med" len="med"/>
+                    </a:lnR>
+                    <a:noFill/>
+                  </a:tcPr>
+                </a:tc>
+                <a:tc hMerge="1">
+                  <a:txBody>
+                    <a:bodyPr/>
+                    <a:lstStyle/>
+                    <a:p>
+                      <a:pPr algn="ctr" latinLnBrk="1"/>
+                      <a:endParaRPr lang="ko-KR" altLang="en-US" dirty="0">
+                        <a:solidFill>
+                          <a:schemeClr val="tx1"/>
+                        </a:solidFill>
+                      </a:endParaRPr>
+                    </a:p>
+                  </a:txBody>
+                  <a:tcPr>
+                    <a:lnL w="12700" cap="flat" cmpd="sng" algn="ctr">
+                      <a:solidFill>
+                        <a:schemeClr val="tx1"/>
+                      </a:solidFill>
+                      <a:prstDash val="solid"/>
+                      <a:round/>
+                      <a:headEnd type="none" w="med" len="med"/>
+                      <a:tailEnd type="none" w="med" len="med"/>
+                    </a:lnL>
+                    <a:lnR w="12700" cap="flat" cmpd="sng" algn="ctr">
+                      <a:solidFill>
+                        <a:schemeClr val="tx1"/>
+                      </a:solidFill>
+                      <a:prstDash val="solid"/>
+                      <a:round/>
+                      <a:headEnd type="none" w="med" len="med"/>
+                      <a:tailEnd type="none" w="med" len="med"/>
+                    </a:lnR>
+                    <a:noFill/>
+                  </a:tcPr>
+                </a:tc>
+                <a:tc hMerge="1">
+                  <a:txBody>
+                    <a:bodyPr/>
+                    <a:lstStyle/>
+                    <a:p>
+                      <a:pPr algn="ctr" latinLnBrk="1"/>
+                      <a:endParaRPr lang="ko-KR" altLang="en-US" dirty="0">
+                        <a:solidFill>
+                          <a:schemeClr val="tx1"/>
+                        </a:solidFill>
+                      </a:endParaRPr>
+                    </a:p>
+                  </a:txBody>
+                  <a:tcPr>
+                    <a:lnL w="12700" cap="flat" cmpd="sng" algn="ctr">
+                      <a:solidFill>
+                        <a:schemeClr val="tx1"/>
+                      </a:solidFill>
+                      <a:prstDash val="solid"/>
+                      <a:round/>
+                      <a:headEnd type="none" w="med" len="med"/>
+                      <a:tailEnd type="none" w="med" len="med"/>
+                    </a:lnL>
+                    <a:lnR w="12700" cap="flat" cmpd="sng" algn="ctr">
+                      <a:solidFill>
+                        <a:schemeClr val="tx1"/>
+                      </a:solidFill>
+                      <a:prstDash val="solid"/>
+                      <a:round/>
+                      <a:headEnd type="none" w="med" len="med"/>
+                      <a:tailEnd type="none" w="med" len="med"/>
+                    </a:lnR>
+                    <a:noFill/>
+                  </a:tcPr>
+                </a:tc>
+                <a:tc hMerge="1">
+                  <a:txBody>
+                    <a:bodyPr/>
+                    <a:lstStyle/>
+                    <a:p>
+                      <a:pPr algn="ctr" latinLnBrk="1"/>
+                      <a:endParaRPr lang="ko-KR" altLang="en-US" dirty="0">
+                        <a:solidFill>
+                          <a:schemeClr val="tx1"/>
+                        </a:solidFill>
+                      </a:endParaRPr>
+                    </a:p>
+                  </a:txBody>
+                  <a:tcPr>
+                    <a:lnL w="12700" cap="flat" cmpd="sng" algn="ctr">
+                      <a:solidFill>
+                        <a:schemeClr val="tx1"/>
+                      </a:solidFill>
+                      <a:prstDash val="solid"/>
+                      <a:round/>
+                      <a:headEnd type="none" w="med" len="med"/>
+                      <a:tailEnd type="none" w="med" len="med"/>
+                    </a:lnL>
+                    <a:noFill/>
+                  </a:tcPr>
+                </a:tc>
+              </a:tr>
+              <a:tr h="325201">
+                <a:tc>
+                  <a:txBody>
+                    <a:bodyPr/>
+                    <a:lstStyle/>
+                    <a:p>
+                      <a:pPr algn="ctr" latinLnBrk="1"/>
+                      <a:r>
+                        <a:rPr lang="en-US" altLang="ko-KR" b="1" dirty="0">
+                          <a:solidFill>
+                            <a:schemeClr val="tx1"/>
+                          </a:solidFill>
+                        </a:rPr>
+                        <a:t>client</a:t>
+                      </a:r>
+                      <a:endParaRPr lang="ko-KR" altLang="en-US" b="1" dirty="0">
+                        <a:solidFill>
+                          <a:schemeClr val="tx1"/>
+                        </a:solidFill>
+                      </a:endParaRPr>
+                    </a:p>
+                  </a:txBody>
+                  <a:tcPr>
+                    <a:lnR w="12700" cap="flat" cmpd="sng" algn="ctr">
+                      <a:solidFill>
+                        <a:schemeClr val="tx1"/>
+                      </a:solidFill>
+                      <a:prstDash val="solid"/>
+                      <a:round/>
+                      <a:headEnd type="none" w="med" len="med"/>
+                      <a:tailEnd type="none" w="med" len="med"/>
+                    </a:lnR>
+                    <a:solidFill>
+                      <a:schemeClr val="bg1">
+                        <a:lumMod val="85000"/>
+                      </a:schemeClr>
+                    </a:solidFill>
+                  </a:tcPr>
+                </a:tc>
+                <a:tc>
+                  <a:txBody>
+                    <a:bodyPr/>
+                    <a:lstStyle/>
+                    <a:p>
+                      <a:pPr algn="ctr" latinLnBrk="1"/>
+                      <a:r>
+                        <a:rPr lang="en-US" altLang="ko-KR" b="1" dirty="0" err="1">
+                          <a:solidFill>
+                            <a:schemeClr val="tx1"/>
+                          </a:solidFill>
+                        </a:rPr>
+                        <a:t>jsp</a:t>
+                      </a:r>
+                      <a:endParaRPr lang="ko-KR" altLang="en-US" b="1" dirty="0">
+                        <a:solidFill>
+                          <a:schemeClr val="tx1"/>
+                        </a:solidFill>
+                      </a:endParaRPr>
+                    </a:p>
+                  </a:txBody>
+                  <a:tcPr>
+                    <a:lnL w="12700" cap="flat" cmpd="sng" algn="ctr">
+                      <a:solidFill>
+                        <a:schemeClr val="tx1"/>
+                      </a:solidFill>
+                      <a:prstDash val="solid"/>
+                      <a:round/>
+                      <a:headEnd type="none" w="med" len="med"/>
+                      <a:tailEnd type="none" w="med" len="med"/>
+                    </a:lnL>
+                    <a:lnR w="12700" cap="flat" cmpd="sng" algn="ctr">
+                      <a:solidFill>
+                        <a:schemeClr val="tx1"/>
+                      </a:solidFill>
+                      <a:prstDash val="solid"/>
+                      <a:round/>
+                      <a:headEnd type="none" w="med" len="med"/>
+                      <a:tailEnd type="none" w="med" len="med"/>
+                    </a:lnR>
+                    <a:solidFill>
+                      <a:schemeClr val="bg1">
+                        <a:lumMod val="85000"/>
+                      </a:schemeClr>
+                    </a:solidFill>
+                  </a:tcPr>
+                </a:tc>
+                <a:tc>
+                  <a:txBody>
+                    <a:bodyPr/>
+                    <a:lstStyle/>
+                    <a:p>
+                      <a:pPr algn="ctr" latinLnBrk="1"/>
+                      <a:r>
+                        <a:rPr lang="en-US" altLang="ko-KR" b="1" dirty="0">
+                          <a:solidFill>
+                            <a:schemeClr val="tx1"/>
+                          </a:solidFill>
+                        </a:rPr>
+                        <a:t>controller</a:t>
+                      </a:r>
+                      <a:endParaRPr lang="ko-KR" altLang="en-US" b="1" dirty="0">
+                        <a:solidFill>
+                          <a:schemeClr val="tx1"/>
+                        </a:solidFill>
+                      </a:endParaRPr>
+                    </a:p>
+                  </a:txBody>
+                  <a:tcPr>
+                    <a:lnL w="12700" cap="flat" cmpd="sng" algn="ctr">
+                      <a:solidFill>
+                        <a:schemeClr val="tx1"/>
+                      </a:solidFill>
+                      <a:prstDash val="solid"/>
+                      <a:round/>
+                      <a:headEnd type="none" w="med" len="med"/>
+                      <a:tailEnd type="none" w="med" len="med"/>
+                    </a:lnL>
+                    <a:lnR w="12700" cap="flat" cmpd="sng" algn="ctr">
+                      <a:solidFill>
+                        <a:schemeClr val="tx1"/>
+                      </a:solidFill>
+                      <a:prstDash val="solid"/>
+                      <a:round/>
+                      <a:headEnd type="none" w="med" len="med"/>
+                      <a:tailEnd type="none" w="med" len="med"/>
+                    </a:lnR>
+                    <a:solidFill>
+                      <a:schemeClr val="bg1">
+                        <a:lumMod val="85000"/>
+                      </a:schemeClr>
+                    </a:solidFill>
+                  </a:tcPr>
+                </a:tc>
+                <a:tc>
+                  <a:txBody>
+                    <a:bodyPr/>
+                    <a:lstStyle/>
+                    <a:p>
+                      <a:pPr algn="ctr" latinLnBrk="1"/>
+                      <a:r>
+                        <a:rPr lang="en-US" altLang="ko-KR" b="1" dirty="0" smtClean="0">
+                          <a:solidFill>
+                            <a:schemeClr val="tx1"/>
+                          </a:solidFill>
+                        </a:rPr>
+                        <a:t>Service</a:t>
+                      </a:r>
+                      <a:endParaRPr lang="ko-KR" altLang="en-US" b="1" dirty="0">
+                        <a:solidFill>
+                          <a:schemeClr val="tx1"/>
+                        </a:solidFill>
+                      </a:endParaRPr>
+                    </a:p>
+                  </a:txBody>
+                  <a:tcPr>
+                    <a:lnL w="12700" cap="flat" cmpd="sng" algn="ctr">
+                      <a:solidFill>
+                        <a:schemeClr val="tx1"/>
+                      </a:solidFill>
+                      <a:prstDash val="solid"/>
+                      <a:round/>
+                      <a:headEnd type="none" w="med" len="med"/>
+                      <a:tailEnd type="none" w="med" len="med"/>
+                    </a:lnL>
+                    <a:lnR w="12700" cap="flat" cmpd="sng" algn="ctr">
+                      <a:solidFill>
+                        <a:schemeClr val="tx1"/>
+                      </a:solidFill>
+                      <a:prstDash val="solid"/>
+                      <a:round/>
+                      <a:headEnd type="none" w="med" len="med"/>
+                      <a:tailEnd type="none" w="med" len="med"/>
+                    </a:lnR>
+                    <a:solidFill>
+                      <a:schemeClr val="bg1">
+                        <a:lumMod val="85000"/>
+                      </a:schemeClr>
+                    </a:solidFill>
+                  </a:tcPr>
+                </a:tc>
+                <a:tc>
+                  <a:txBody>
+                    <a:bodyPr/>
+                    <a:lstStyle/>
+                    <a:p>
+                      <a:pPr algn="ctr" latinLnBrk="1"/>
+                      <a:r>
+                        <a:rPr lang="en-US" altLang="ko-KR" b="1" dirty="0">
+                          <a:solidFill>
+                            <a:schemeClr val="tx1"/>
+                          </a:solidFill>
+                        </a:rPr>
+                        <a:t>Dao</a:t>
+                      </a:r>
+                      <a:endParaRPr lang="ko-KR" altLang="en-US" b="1" dirty="0">
+                        <a:solidFill>
+                          <a:schemeClr val="tx1"/>
+                        </a:solidFill>
+                      </a:endParaRPr>
+                    </a:p>
+                  </a:txBody>
+                  <a:tcPr>
+                    <a:lnL w="12700" cap="flat" cmpd="sng" algn="ctr">
+                      <a:solidFill>
+                        <a:schemeClr val="tx1"/>
+                      </a:solidFill>
+                      <a:prstDash val="solid"/>
+                      <a:round/>
+                      <a:headEnd type="none" w="med" len="med"/>
+                      <a:tailEnd type="none" w="med" len="med"/>
+                    </a:lnL>
+                    <a:lnR w="12700" cap="flat" cmpd="sng" algn="ctr">
+                      <a:solidFill>
+                        <a:schemeClr val="tx1"/>
+                      </a:solidFill>
+                      <a:prstDash val="solid"/>
+                      <a:round/>
+                      <a:headEnd type="none" w="med" len="med"/>
+                      <a:tailEnd type="none" w="med" len="med"/>
+                    </a:lnR>
+                    <a:solidFill>
+                      <a:schemeClr val="bg1">
+                        <a:lumMod val="85000"/>
+                      </a:schemeClr>
+                    </a:solidFill>
+                  </a:tcPr>
+                </a:tc>
+                <a:tc>
+                  <a:txBody>
+                    <a:bodyPr/>
+                    <a:lstStyle/>
+                    <a:p>
+                      <a:pPr algn="ctr" latinLnBrk="1"/>
+                      <a:r>
+                        <a:rPr lang="en-US" altLang="ko-KR" b="1" dirty="0">
+                          <a:solidFill>
+                            <a:schemeClr val="tx1"/>
+                          </a:solidFill>
+                        </a:rPr>
+                        <a:t>(</a:t>
+                      </a:r>
+                      <a:r>
+                        <a:rPr lang="en-US" altLang="ko-KR" b="1" dirty="0" err="1">
+                          <a:solidFill>
+                            <a:schemeClr val="tx1"/>
+                          </a:solidFill>
+                        </a:rPr>
+                        <a:t>SqlSession</a:t>
+                      </a:r>
+                      <a:r>
+                        <a:rPr lang="en-US" altLang="ko-KR" b="1" dirty="0">
+                          <a:solidFill>
+                            <a:schemeClr val="tx1"/>
+                          </a:solidFill>
+                        </a:rPr>
+                        <a:t>)</a:t>
+                      </a:r>
+                      <a:endParaRPr lang="ko-KR" altLang="en-US" b="1" dirty="0">
+                        <a:solidFill>
+                          <a:schemeClr val="tx1"/>
+                        </a:solidFill>
+                      </a:endParaRPr>
+                    </a:p>
+                  </a:txBody>
+                  <a:tcPr>
+                    <a:lnL w="12700" cap="flat" cmpd="sng" algn="ctr">
+                      <a:solidFill>
+                        <a:schemeClr val="tx1"/>
+                      </a:solidFill>
+                      <a:prstDash val="solid"/>
+                      <a:round/>
+                      <a:headEnd type="none" w="med" len="med"/>
+                      <a:tailEnd type="none" w="med" len="med"/>
+                    </a:lnL>
+                    <a:lnR w="12700" cap="flat" cmpd="sng" algn="ctr">
+                      <a:solidFill>
+                        <a:schemeClr val="tx1"/>
+                      </a:solidFill>
+                      <a:prstDash val="solid"/>
+                      <a:round/>
+                      <a:headEnd type="none" w="med" len="med"/>
+                      <a:tailEnd type="none" w="med" len="med"/>
+                    </a:lnR>
+                    <a:solidFill>
+                      <a:schemeClr val="bg1">
+                        <a:lumMod val="85000"/>
+                      </a:schemeClr>
+                    </a:solidFill>
+                  </a:tcPr>
+                </a:tc>
+                <a:tc>
+                  <a:txBody>
+                    <a:bodyPr/>
+                    <a:lstStyle/>
+                    <a:p>
+                      <a:pPr algn="ctr" latinLnBrk="1"/>
+                      <a:r>
+                        <a:rPr lang="en-US" altLang="ko-KR" b="1" dirty="0">
+                          <a:solidFill>
+                            <a:schemeClr val="tx1"/>
+                          </a:solidFill>
+                        </a:rPr>
+                        <a:t>xml</a:t>
+                      </a:r>
+                      <a:endParaRPr lang="ko-KR" altLang="en-US" b="1" dirty="0">
+                        <a:solidFill>
+                          <a:schemeClr val="tx1"/>
+                        </a:solidFill>
+                      </a:endParaRPr>
+                    </a:p>
+                  </a:txBody>
+                  <a:tcPr>
+                    <a:lnL w="12700" cap="flat" cmpd="sng" algn="ctr">
+                      <a:solidFill>
+                        <a:schemeClr val="tx1"/>
+                      </a:solidFill>
+                      <a:prstDash val="solid"/>
+                      <a:round/>
+                      <a:headEnd type="none" w="med" len="med"/>
+                      <a:tailEnd type="none" w="med" len="med"/>
+                    </a:lnL>
+                    <a:solidFill>
+                      <a:schemeClr val="bg1">
+                        <a:lumMod val="85000"/>
+                      </a:schemeClr>
+                    </a:solidFill>
+                  </a:tcPr>
+                </a:tc>
+                <a:extLst>
+                  <a:ext uri="{0D108BD9-81ED-4DB2-BD59-A6C34878D82A}">
+                    <a16:rowId xmlns:a16="http://schemas.microsoft.com/office/drawing/2014/main" xmlns="" val="243423754"/>
+                  </a:ext>
+                </a:extLst>
+              </a:tr>
+              <a:tr h="5907824">
+                <a:tc>
+                  <a:txBody>
+                    <a:bodyPr/>
+                    <a:lstStyle/>
+                    <a:p>
+                      <a:pPr algn="l" latinLnBrk="1"/>
+                      <a:endParaRPr lang="en-US" altLang="ko-KR" sz="1000" dirty="0" smtClean="0">
+                        <a:solidFill>
+                          <a:schemeClr val="tx1"/>
+                        </a:solidFill>
+                      </a:endParaRPr>
+                    </a:p>
+                    <a:p>
+                      <a:pPr algn="l" latinLnBrk="1"/>
+                      <a:r>
+                        <a:rPr lang="ko-KR" altLang="en-US" sz="1000" dirty="0" smtClean="0">
+                          <a:solidFill>
+                            <a:schemeClr val="tx1"/>
+                          </a:solidFill>
+                        </a:rPr>
+                        <a:t>방명록 리스트 </a:t>
+                      </a:r>
+                      <a:r>
+                        <a:rPr lang="en-US" altLang="ko-KR" sz="1000" dirty="0" smtClean="0">
+                          <a:solidFill>
+                            <a:schemeClr val="tx1"/>
+                          </a:solidFill>
+                        </a:rPr>
+                        <a:t>&amp; </a:t>
+                      </a:r>
+                      <a:r>
+                        <a:rPr lang="ko-KR" altLang="en-US" sz="1000" dirty="0" smtClean="0">
+                          <a:solidFill>
+                            <a:schemeClr val="tx1"/>
+                          </a:solidFill>
+                        </a:rPr>
+                        <a:t>등록</a:t>
+                      </a:r>
+                      <a:endParaRPr lang="en-US" altLang="ko-KR" sz="1000" dirty="0">
+                        <a:solidFill>
+                          <a:schemeClr val="tx1"/>
+                        </a:solidFill>
+                      </a:endParaRPr>
+                    </a:p>
+                    <a:p>
+                      <a:pPr algn="l" latinLnBrk="1"/>
+                      <a:r>
+                        <a:rPr lang="en-US" altLang="ko-KR" sz="1000" dirty="0">
+                          <a:solidFill>
+                            <a:schemeClr val="tx1"/>
+                          </a:solidFill>
+                        </a:rPr>
+                        <a:t>/</a:t>
+                      </a:r>
+                      <a:r>
+                        <a:rPr lang="en-US" altLang="ko-KR" sz="1000" dirty="0" smtClean="0">
+                          <a:solidFill>
+                            <a:schemeClr val="tx1"/>
+                          </a:solidFill>
+                        </a:rPr>
+                        <a:t>mysite4/</a:t>
+                      </a:r>
+                      <a:r>
+                        <a:rPr lang="en-US" altLang="ko-KR" sz="1000" dirty="0" err="1" smtClean="0">
+                          <a:solidFill>
+                            <a:schemeClr val="tx1"/>
+                          </a:solidFill>
+                        </a:rPr>
+                        <a:t>api</a:t>
+                      </a:r>
+                      <a:r>
+                        <a:rPr lang="en-US" altLang="ko-KR" sz="1000" dirty="0" smtClean="0">
+                          <a:solidFill>
+                            <a:schemeClr val="tx1"/>
+                          </a:solidFill>
+                        </a:rPr>
+                        <a:t>/guest/</a:t>
+                      </a:r>
+                      <a:r>
+                        <a:rPr lang="en-US" altLang="ko-KR" sz="1000" dirty="0" err="1" smtClean="0">
+                          <a:solidFill>
+                            <a:schemeClr val="tx1"/>
+                          </a:solidFill>
+                        </a:rPr>
+                        <a:t>addList</a:t>
+                      </a:r>
+                      <a:endParaRPr lang="en-US" altLang="ko-KR" sz="1000" dirty="0" smtClean="0">
+                        <a:solidFill>
+                          <a:schemeClr val="tx1"/>
+                        </a:solidFill>
+                      </a:endParaRPr>
+                    </a:p>
+                    <a:p>
+                      <a:pPr algn="l" latinLnBrk="1"/>
+                      <a:endParaRPr lang="en-US" altLang="ko-KR" sz="1000" dirty="0" smtClean="0">
+                        <a:solidFill>
+                          <a:schemeClr val="tx1"/>
+                        </a:solidFill>
+                      </a:endParaRPr>
+                    </a:p>
+                    <a:p>
+                      <a:pPr algn="l" latinLnBrk="1"/>
+                      <a:endParaRPr lang="en-US" altLang="ko-KR" sz="1000" dirty="0" smtClean="0">
+                        <a:solidFill>
+                          <a:schemeClr val="tx1"/>
+                        </a:solidFill>
+                      </a:endParaRPr>
+                    </a:p>
+                    <a:p>
+                      <a:pPr algn="l" latinLnBrk="1"/>
+                      <a:endParaRPr lang="en-US" altLang="ko-KR" sz="1000" dirty="0" smtClean="0">
+                        <a:solidFill>
+                          <a:schemeClr val="tx1"/>
+                        </a:solidFill>
+                      </a:endParaRPr>
+                    </a:p>
+                    <a:p>
+                      <a:pPr algn="l" latinLnBrk="1"/>
+                      <a:endParaRPr lang="en-US" altLang="ko-KR" sz="1000" dirty="0" smtClean="0">
+                        <a:solidFill>
+                          <a:schemeClr val="tx1"/>
+                        </a:solidFill>
+                      </a:endParaRPr>
+                    </a:p>
+                    <a:p>
+                      <a:pPr algn="l" latinLnBrk="1"/>
+                      <a:r>
+                        <a:rPr lang="ko-KR" altLang="en-US" sz="1000" dirty="0" smtClean="0">
+                          <a:solidFill>
+                            <a:schemeClr val="tx1"/>
+                          </a:solidFill>
+                        </a:rPr>
+                        <a:t>    리스트가 없는 화면</a:t>
+                      </a:r>
+                      <a:endParaRPr lang="en-US" altLang="ko-KR" sz="1000" dirty="0">
+                        <a:solidFill>
+                          <a:schemeClr val="tx1"/>
+                        </a:solidFill>
+                      </a:endParaRPr>
+                    </a:p>
+                    <a:p>
+                      <a:pPr algn="l" latinLnBrk="1"/>
+                      <a:endParaRPr lang="en-US" altLang="ko-KR" sz="1000" dirty="0">
+                        <a:solidFill>
+                          <a:schemeClr val="tx1"/>
+                        </a:solidFill>
+                      </a:endParaRPr>
+                    </a:p>
+                    <a:p>
+                      <a:pPr algn="l" latinLnBrk="1"/>
+                      <a:endParaRPr lang="en-US" altLang="ko-KR" sz="1000" dirty="0">
+                        <a:solidFill>
+                          <a:schemeClr val="tx1"/>
+                        </a:solidFill>
+                      </a:endParaRPr>
+                    </a:p>
+                    <a:p>
+                      <a:pPr algn="l" latinLnBrk="1"/>
+                      <a:endParaRPr lang="en-US" altLang="ko-KR" sz="1000" dirty="0">
+                        <a:solidFill>
+                          <a:schemeClr val="tx1"/>
+                        </a:solidFill>
+                      </a:endParaRPr>
+                    </a:p>
+                    <a:p>
+                      <a:pPr algn="l" latinLnBrk="1"/>
+                      <a:endParaRPr lang="en-US" altLang="ko-KR" sz="1000" dirty="0" smtClean="0">
+                        <a:solidFill>
+                          <a:schemeClr val="tx1"/>
+                        </a:solidFill>
+                      </a:endParaRPr>
+                    </a:p>
+                    <a:p>
+                      <a:pPr algn="l" latinLnBrk="1"/>
+                      <a:endParaRPr lang="en-US" altLang="ko-KR" sz="1000" dirty="0">
+                        <a:solidFill>
+                          <a:schemeClr val="tx1"/>
+                        </a:solidFill>
+                      </a:endParaRPr>
+                    </a:p>
+                    <a:p>
+                      <a:pPr algn="l" latinLnBrk="1"/>
+                      <a:endParaRPr lang="en-US" altLang="ko-KR" sz="1000" dirty="0" smtClean="0">
+                        <a:solidFill>
+                          <a:schemeClr val="tx1"/>
+                        </a:solidFill>
+                      </a:endParaRPr>
+                    </a:p>
+                    <a:p>
+                      <a:pPr algn="l" latinLnBrk="1"/>
+                      <a:r>
+                        <a:rPr lang="ko-KR" altLang="en-US" sz="1000" dirty="0" smtClean="0">
+                          <a:solidFill>
+                            <a:schemeClr val="tx1"/>
+                          </a:solidFill>
+                        </a:rPr>
+                        <a:t>방명록 등록</a:t>
+                      </a:r>
+                      <a:endParaRPr lang="en-US" altLang="ko-KR" sz="1000" dirty="0" smtClean="0">
+                        <a:solidFill>
+                          <a:schemeClr val="tx1"/>
+                        </a:solidFill>
+                      </a:endParaRPr>
+                    </a:p>
+                    <a:p>
+                      <a:pPr algn="l" latinLnBrk="1"/>
+                      <a:r>
+                        <a:rPr lang="en-US" altLang="ko-KR" sz="1000" dirty="0" smtClean="0">
+                          <a:solidFill>
+                            <a:schemeClr val="tx1"/>
+                          </a:solidFill>
+                        </a:rPr>
+                        <a:t>/mysite4/</a:t>
+                      </a:r>
+                      <a:r>
+                        <a:rPr lang="en-US" altLang="ko-KR" sz="1000" dirty="0" err="1" smtClean="0">
+                          <a:solidFill>
+                            <a:schemeClr val="tx1"/>
+                          </a:solidFill>
+                        </a:rPr>
+                        <a:t>api</a:t>
+                      </a:r>
+                      <a:r>
+                        <a:rPr lang="en-US" altLang="ko-KR" sz="1000" dirty="0" smtClean="0">
+                          <a:solidFill>
+                            <a:schemeClr val="tx1"/>
+                          </a:solidFill>
+                        </a:rPr>
+                        <a:t>/guest/add</a:t>
+                      </a:r>
+                      <a:endParaRPr lang="en-US" altLang="ko-KR" sz="1000" dirty="0">
+                        <a:solidFill>
+                          <a:schemeClr val="tx1"/>
+                        </a:solidFill>
+                      </a:endParaRPr>
+                    </a:p>
+                    <a:p>
+                      <a:pPr algn="l" latinLnBrk="1"/>
+                      <a:endParaRPr lang="en-US" altLang="ko-KR" sz="1000" dirty="0">
+                        <a:solidFill>
+                          <a:schemeClr val="tx1"/>
+                        </a:solidFill>
+                      </a:endParaRPr>
+                    </a:p>
+                    <a:p>
+                      <a:pPr algn="l" latinLnBrk="1"/>
+                      <a:endParaRPr lang="en-US" altLang="ko-KR" sz="1000" dirty="0">
+                        <a:solidFill>
+                          <a:schemeClr val="tx1"/>
+                        </a:solidFill>
+                      </a:endParaRPr>
+                    </a:p>
+                    <a:p>
+                      <a:pPr algn="l" latinLnBrk="1"/>
+                      <a:endParaRPr lang="en-US" altLang="ko-KR" sz="1000" dirty="0">
+                        <a:solidFill>
+                          <a:schemeClr val="tx1"/>
+                        </a:solidFill>
+                      </a:endParaRPr>
+                    </a:p>
+                    <a:p>
+                      <a:pPr algn="l" latinLnBrk="1"/>
+                      <a:endParaRPr lang="ko-KR" altLang="en-US" sz="1000" dirty="0">
+                        <a:solidFill>
+                          <a:schemeClr val="tx1"/>
+                        </a:solidFill>
+                      </a:endParaRPr>
+                    </a:p>
+                  </a:txBody>
+                  <a:tcPr>
+                    <a:lnR w="12700" cap="flat" cmpd="sng" algn="ctr">
+                      <a:solidFill>
+                        <a:schemeClr val="tx1"/>
+                      </a:solidFill>
+                      <a:prstDash val="solid"/>
+                      <a:round/>
+                      <a:headEnd type="none" w="med" len="med"/>
+                      <a:tailEnd type="none" w="med" len="med"/>
+                    </a:lnR>
+                    <a:noFill/>
+                  </a:tcPr>
+                </a:tc>
+                <a:tc>
+                  <a:txBody>
+                    <a:bodyPr/>
+                    <a:lstStyle/>
+                    <a:p>
+                      <a:pPr algn="ctr" latinLnBrk="1"/>
+                      <a:endParaRPr lang="en-US" altLang="ko-KR" sz="1000" dirty="0">
+                        <a:solidFill>
+                          <a:schemeClr val="tx1"/>
+                        </a:solidFill>
+                      </a:endParaRPr>
+                    </a:p>
+                    <a:p>
+                      <a:pPr algn="ctr" latinLnBrk="1"/>
+                      <a:endParaRPr lang="en-US" altLang="ko-KR" sz="1000" dirty="0">
+                        <a:solidFill>
+                          <a:schemeClr val="tx1"/>
+                        </a:solidFill>
+                      </a:endParaRPr>
+                    </a:p>
+                    <a:p>
+                      <a:pPr algn="ctr" latinLnBrk="1"/>
+                      <a:r>
+                        <a:rPr lang="en-US" altLang="ko-KR" sz="1000" dirty="0" err="1">
+                          <a:solidFill>
+                            <a:schemeClr val="tx1"/>
+                          </a:solidFill>
+                        </a:rPr>
+                        <a:t>addList.jsp</a:t>
+                      </a:r>
+                      <a:endParaRPr lang="en-US" altLang="ko-KR" sz="1000" dirty="0">
+                        <a:solidFill>
+                          <a:schemeClr val="tx1"/>
+                        </a:solidFill>
+                      </a:endParaRPr>
+                    </a:p>
+                    <a:p>
+                      <a:pPr algn="ctr" latinLnBrk="1"/>
+                      <a:endParaRPr lang="en-US" altLang="ko-KR" sz="1000" dirty="0">
+                        <a:solidFill>
+                          <a:schemeClr val="tx1"/>
+                        </a:solidFill>
+                      </a:endParaRPr>
+                    </a:p>
+                    <a:p>
+                      <a:pPr algn="ctr" latinLnBrk="1"/>
+                      <a:endParaRPr lang="en-US" altLang="ko-KR" sz="1000" dirty="0">
+                        <a:solidFill>
+                          <a:schemeClr val="tx1"/>
+                        </a:solidFill>
+                      </a:endParaRPr>
+                    </a:p>
+                    <a:p>
+                      <a:pPr algn="ctr" latinLnBrk="1"/>
+                      <a:endParaRPr lang="en-US" altLang="ko-KR" sz="1000" dirty="0">
+                        <a:solidFill>
+                          <a:schemeClr val="tx1"/>
+                        </a:solidFill>
+                      </a:endParaRPr>
+                    </a:p>
+                    <a:p>
+                      <a:pPr algn="ctr" latinLnBrk="1"/>
+                      <a:endParaRPr lang="en-US" altLang="ko-KR" sz="1000" dirty="0">
+                        <a:solidFill>
+                          <a:schemeClr val="tx1"/>
+                        </a:solidFill>
+                      </a:endParaRPr>
+                    </a:p>
+                    <a:p>
+                      <a:pPr algn="ctr" latinLnBrk="1"/>
+                      <a:endParaRPr lang="en-US" altLang="ko-KR" sz="1000" dirty="0">
+                        <a:solidFill>
+                          <a:schemeClr val="tx1"/>
+                        </a:solidFill>
+                      </a:endParaRPr>
+                    </a:p>
+                    <a:p>
+                      <a:pPr algn="ctr" latinLnBrk="1"/>
+                      <a:endParaRPr lang="en-US" altLang="ko-KR" sz="1000" dirty="0">
+                        <a:solidFill>
+                          <a:schemeClr val="tx1"/>
+                        </a:solidFill>
+                      </a:endParaRPr>
+                    </a:p>
+                    <a:p>
+                      <a:pPr algn="ctr" latinLnBrk="1"/>
+                      <a:endParaRPr lang="en-US" altLang="ko-KR" sz="1000" dirty="0">
+                        <a:solidFill>
+                          <a:schemeClr val="tx1"/>
+                        </a:solidFill>
+                      </a:endParaRPr>
+                    </a:p>
+                    <a:p>
+                      <a:pPr algn="ctr" latinLnBrk="1"/>
+                      <a:endParaRPr lang="en-US" altLang="ko-KR" sz="1000" dirty="0">
+                        <a:solidFill>
+                          <a:schemeClr val="tx1"/>
+                        </a:solidFill>
+                      </a:endParaRPr>
+                    </a:p>
+                    <a:p>
+                      <a:pPr algn="ctr" latinLnBrk="1"/>
+                      <a:endParaRPr lang="en-US" altLang="ko-KR" sz="1000" dirty="0">
+                        <a:solidFill>
+                          <a:schemeClr val="tx1"/>
+                        </a:solidFill>
+                      </a:endParaRPr>
+                    </a:p>
+                    <a:p>
+                      <a:pPr algn="ctr" latinLnBrk="1"/>
+                      <a:endParaRPr lang="en-US" altLang="ko-KR" sz="1000" dirty="0">
+                        <a:solidFill>
+                          <a:schemeClr val="tx1"/>
+                        </a:solidFill>
+                      </a:endParaRPr>
+                    </a:p>
+                    <a:p>
+                      <a:pPr algn="ctr" latinLnBrk="1"/>
+                      <a:endParaRPr lang="en-US" altLang="ko-KR" sz="1000" dirty="0">
+                        <a:solidFill>
+                          <a:schemeClr val="tx1"/>
+                        </a:solidFill>
+                      </a:endParaRPr>
+                    </a:p>
+                    <a:p>
+                      <a:pPr algn="ctr" latinLnBrk="1"/>
+                      <a:endParaRPr lang="en-US" altLang="ko-KR" sz="1000" dirty="0">
+                        <a:solidFill>
+                          <a:schemeClr val="tx1"/>
+                        </a:solidFill>
+                      </a:endParaRPr>
+                    </a:p>
+                    <a:p>
+                      <a:pPr algn="ctr" latinLnBrk="1"/>
+                      <a:endParaRPr lang="en-US" altLang="ko-KR" sz="1000" dirty="0">
+                        <a:solidFill>
+                          <a:schemeClr val="tx1"/>
+                        </a:solidFill>
+                      </a:endParaRPr>
+                    </a:p>
+                    <a:p>
+                      <a:pPr algn="ctr" latinLnBrk="1"/>
+                      <a:endParaRPr lang="en-US" altLang="ko-KR" sz="1000" dirty="0" smtClean="0">
+                        <a:solidFill>
+                          <a:schemeClr val="tx1"/>
+                        </a:solidFill>
+                      </a:endParaRPr>
+                    </a:p>
+                    <a:p>
+                      <a:pPr algn="ctr" latinLnBrk="1"/>
+                      <a:endParaRPr lang="en-US" altLang="ko-KR" sz="1000" dirty="0" smtClean="0">
+                        <a:solidFill>
+                          <a:schemeClr val="tx1"/>
+                        </a:solidFill>
+                      </a:endParaRPr>
+                    </a:p>
+                    <a:p>
+                      <a:pPr algn="ctr" latinLnBrk="1"/>
+                      <a:endParaRPr lang="en-US" altLang="ko-KR" sz="1000" dirty="0" smtClean="0">
+                        <a:solidFill>
+                          <a:schemeClr val="tx1"/>
+                        </a:solidFill>
+                      </a:endParaRPr>
+                    </a:p>
+                    <a:p>
+                      <a:pPr algn="ctr" latinLnBrk="1"/>
+                      <a:endParaRPr lang="en-US" altLang="ko-KR" sz="1000" dirty="0" smtClean="0">
+                        <a:solidFill>
+                          <a:schemeClr val="tx1"/>
+                        </a:solidFill>
+                      </a:endParaRPr>
+                    </a:p>
+                    <a:p>
+                      <a:pPr algn="ctr" latinLnBrk="1"/>
+                      <a:endParaRPr lang="en-US" altLang="ko-KR" sz="1000" dirty="0" smtClean="0">
+                        <a:solidFill>
+                          <a:schemeClr val="tx1"/>
+                        </a:solidFill>
+                      </a:endParaRPr>
+                    </a:p>
+                    <a:p>
+                      <a:pPr algn="ctr" latinLnBrk="1"/>
+                      <a:endParaRPr lang="en-US" altLang="ko-KR" sz="1000" dirty="0" smtClean="0">
+                        <a:solidFill>
+                          <a:schemeClr val="tx1"/>
+                        </a:solidFill>
+                      </a:endParaRPr>
+                    </a:p>
+                    <a:p>
+                      <a:pPr algn="ctr" latinLnBrk="1"/>
+                      <a:endParaRPr lang="en-US" altLang="ko-KR" sz="1000" dirty="0" smtClean="0">
+                        <a:solidFill>
+                          <a:schemeClr val="tx1"/>
+                        </a:solidFill>
+                      </a:endParaRPr>
+                    </a:p>
+                    <a:p>
+                      <a:pPr algn="ctr" latinLnBrk="1"/>
+                      <a:endParaRPr lang="en-US" altLang="ko-KR" sz="1000" dirty="0" smtClean="0">
+                        <a:solidFill>
+                          <a:schemeClr val="tx1"/>
+                        </a:solidFill>
+                      </a:endParaRPr>
+                    </a:p>
+                    <a:p>
+                      <a:pPr algn="ctr" latinLnBrk="1"/>
+                      <a:endParaRPr lang="en-US" altLang="ko-KR" sz="1000" dirty="0" smtClean="0">
+                        <a:solidFill>
+                          <a:schemeClr val="tx1"/>
+                        </a:solidFill>
+                      </a:endParaRPr>
+                    </a:p>
+                    <a:p>
+                      <a:pPr algn="ctr" latinLnBrk="1"/>
+                      <a:endParaRPr lang="en-US" altLang="ko-KR" sz="1000" dirty="0" smtClean="0">
+                        <a:solidFill>
+                          <a:schemeClr val="tx1"/>
+                        </a:solidFill>
+                      </a:endParaRPr>
+                    </a:p>
+                    <a:p>
+                      <a:pPr algn="ctr" latinLnBrk="1"/>
+                      <a:endParaRPr lang="en-US" altLang="ko-KR" sz="1000" dirty="0" smtClean="0">
+                        <a:solidFill>
+                          <a:schemeClr val="tx1"/>
+                        </a:solidFill>
+                      </a:endParaRPr>
+                    </a:p>
+                    <a:p>
+                      <a:pPr algn="ctr" latinLnBrk="1"/>
+                      <a:endParaRPr lang="en-US" altLang="ko-KR" sz="1000" dirty="0" smtClean="0">
+                        <a:solidFill>
+                          <a:schemeClr val="tx1"/>
+                        </a:solidFill>
+                      </a:endParaRPr>
+                    </a:p>
+                    <a:p>
+                      <a:pPr algn="ctr" latinLnBrk="1"/>
+                      <a:endParaRPr lang="en-US" altLang="ko-KR" sz="1000" dirty="0" smtClean="0">
+                        <a:solidFill>
+                          <a:schemeClr val="tx1"/>
+                        </a:solidFill>
+                      </a:endParaRPr>
+                    </a:p>
+                    <a:p>
+                      <a:pPr algn="ctr" latinLnBrk="1"/>
+                      <a:endParaRPr lang="en-US" altLang="ko-KR" sz="1000" dirty="0" smtClean="0">
+                        <a:solidFill>
+                          <a:schemeClr val="tx1"/>
+                        </a:solidFill>
+                      </a:endParaRPr>
+                    </a:p>
+                    <a:p>
+                      <a:pPr algn="ctr" latinLnBrk="1"/>
+                      <a:endParaRPr lang="en-US" altLang="ko-KR" sz="1000" dirty="0" smtClean="0">
+                        <a:solidFill>
+                          <a:schemeClr val="tx1"/>
+                        </a:solidFill>
+                      </a:endParaRPr>
+                    </a:p>
+                    <a:p>
+                      <a:pPr algn="ctr" latinLnBrk="1"/>
+                      <a:endParaRPr lang="en-US" altLang="ko-KR" sz="1000" dirty="0" smtClean="0">
+                        <a:solidFill>
+                          <a:schemeClr val="tx1"/>
+                        </a:solidFill>
+                      </a:endParaRPr>
+                    </a:p>
+                    <a:p>
+                      <a:pPr algn="ctr" latinLnBrk="1"/>
+                      <a:endParaRPr lang="ko-KR" altLang="en-US" sz="1000" dirty="0">
+                        <a:solidFill>
+                          <a:schemeClr val="tx1"/>
+                        </a:solidFill>
+                      </a:endParaRPr>
+                    </a:p>
+                  </a:txBody>
+                  <a:tcPr>
+                    <a:lnL w="12700" cap="flat" cmpd="sng" algn="ctr">
+                      <a:solidFill>
+                        <a:schemeClr val="tx1"/>
+                      </a:solidFill>
+                      <a:prstDash val="solid"/>
+                      <a:round/>
+                      <a:headEnd type="none" w="med" len="med"/>
+                      <a:tailEnd type="none" w="med" len="med"/>
+                    </a:lnL>
+                    <a:lnR w="12700" cap="flat" cmpd="sng" algn="ctr">
+                      <a:solidFill>
+                        <a:schemeClr val="tx1"/>
+                      </a:solidFill>
+                      <a:prstDash val="solid"/>
+                      <a:round/>
+                      <a:headEnd type="none" w="med" len="med"/>
+                      <a:tailEnd type="none" w="med" len="med"/>
+                    </a:lnR>
+                    <a:noFill/>
+                  </a:tcPr>
+                </a:tc>
+                <a:tc>
+                  <a:txBody>
+                    <a:bodyPr/>
+                    <a:lstStyle/>
+                    <a:p>
+                      <a:pPr algn="ctr" latinLnBrk="1"/>
+                      <a:endParaRPr lang="en-US" altLang="ko-KR" sz="1000" dirty="0">
+                        <a:solidFill>
+                          <a:schemeClr val="tx1"/>
+                        </a:solidFill>
+                      </a:endParaRPr>
+                    </a:p>
+                    <a:p>
+                      <a:pPr algn="ctr" latinLnBrk="1"/>
+                      <a:r>
+                        <a:rPr lang="en-US" altLang="ko-KR" sz="1000" dirty="0" smtClean="0">
+                          <a:solidFill>
+                            <a:schemeClr val="tx1"/>
+                          </a:solidFill>
+                        </a:rPr>
+                        <a:t>(“/</a:t>
+                      </a:r>
+                      <a:r>
+                        <a:rPr lang="en-US" altLang="ko-KR" sz="1000" dirty="0" err="1" smtClean="0">
+                          <a:solidFill>
+                            <a:schemeClr val="tx1"/>
+                          </a:solidFill>
+                        </a:rPr>
+                        <a:t>addList</a:t>
+                      </a:r>
+                      <a:r>
+                        <a:rPr lang="en-US" altLang="ko-KR" sz="1000" dirty="0" smtClean="0">
+                          <a:solidFill>
+                            <a:schemeClr val="tx1"/>
+                          </a:solidFill>
+                        </a:rPr>
+                        <a:t>”)</a:t>
+                      </a:r>
+                      <a:endParaRPr lang="en-US" altLang="ko-KR" sz="1000" dirty="0">
+                        <a:solidFill>
+                          <a:schemeClr val="tx1"/>
+                        </a:solidFill>
+                      </a:endParaRPr>
+                    </a:p>
+                    <a:p>
+                      <a:pPr algn="ctr" latinLnBrk="1"/>
+                      <a:r>
+                        <a:rPr lang="en-US" altLang="ko-KR" sz="1000" dirty="0" err="1">
+                          <a:solidFill>
+                            <a:schemeClr val="tx1"/>
+                          </a:solidFill>
+                        </a:rPr>
+                        <a:t>addList</a:t>
+                      </a:r>
+                      <a:r>
+                        <a:rPr lang="en-US" altLang="ko-KR" sz="1000" dirty="0">
+                          <a:solidFill>
+                            <a:schemeClr val="tx1"/>
+                          </a:solidFill>
+                        </a:rPr>
+                        <a:t>()</a:t>
+                      </a:r>
+                    </a:p>
+                    <a:p>
+                      <a:pPr algn="ctr" latinLnBrk="1"/>
+                      <a:endParaRPr lang="en-US" altLang="ko-KR" sz="1000" dirty="0">
+                        <a:solidFill>
+                          <a:schemeClr val="tx1"/>
+                        </a:solidFill>
+                      </a:endParaRPr>
+                    </a:p>
+                    <a:p>
+                      <a:pPr algn="ctr" latinLnBrk="1"/>
+                      <a:endParaRPr lang="en-US" altLang="ko-KR" sz="1000" dirty="0">
+                        <a:solidFill>
+                          <a:schemeClr val="tx1"/>
+                        </a:solidFill>
+                      </a:endParaRPr>
+                    </a:p>
+                    <a:p>
+                      <a:pPr algn="ctr" latinLnBrk="1"/>
+                      <a:endParaRPr lang="en-US" altLang="ko-KR" sz="1000" dirty="0">
+                        <a:solidFill>
+                          <a:schemeClr val="tx1"/>
+                        </a:solidFill>
+                      </a:endParaRPr>
+                    </a:p>
+                    <a:p>
+                      <a:pPr algn="ctr" latinLnBrk="1"/>
+                      <a:r>
+                        <a:rPr lang="en-US" altLang="ko-KR" sz="1000" dirty="0" smtClean="0">
+                          <a:solidFill>
+                            <a:schemeClr val="tx1"/>
+                          </a:solidFill>
+                        </a:rPr>
+                        <a:t>(“/list”)</a:t>
+                      </a:r>
+                    </a:p>
+                    <a:p>
+                      <a:pPr algn="ctr" latinLnBrk="1"/>
+                      <a:r>
+                        <a:rPr lang="en-US" altLang="ko-KR" sz="1000" dirty="0" smtClean="0">
+                          <a:solidFill>
+                            <a:schemeClr val="tx1"/>
+                          </a:solidFill>
+                        </a:rPr>
+                        <a:t>list()</a:t>
+                      </a:r>
+                      <a:endParaRPr lang="en-US" altLang="ko-KR" sz="1000" dirty="0">
+                        <a:solidFill>
+                          <a:schemeClr val="tx1"/>
+                        </a:solidFill>
+                      </a:endParaRPr>
+                    </a:p>
+                    <a:p>
+                      <a:pPr algn="ctr" latinLnBrk="1"/>
+                      <a:endParaRPr lang="en-US" altLang="ko-KR" sz="1000" dirty="0">
+                        <a:solidFill>
+                          <a:schemeClr val="tx1"/>
+                        </a:solidFill>
+                      </a:endParaRPr>
+                    </a:p>
+                    <a:p>
+                      <a:pPr algn="ctr" latinLnBrk="1"/>
+                      <a:endParaRPr lang="en-US" altLang="ko-KR" sz="1000" dirty="0" smtClean="0">
+                        <a:solidFill>
+                          <a:schemeClr val="tx1"/>
+                        </a:solidFill>
+                      </a:endParaRPr>
+                    </a:p>
+                    <a:p>
+                      <a:pPr algn="ctr" latinLnBrk="1"/>
+                      <a:endParaRPr lang="en-US" altLang="ko-KR" sz="1000" dirty="0" smtClean="0">
+                        <a:solidFill>
+                          <a:schemeClr val="tx1"/>
+                        </a:solidFill>
+                      </a:endParaRPr>
+                    </a:p>
+                    <a:p>
+                      <a:pPr algn="ctr" latinLnBrk="1"/>
+                      <a:endParaRPr lang="en-US" altLang="ko-KR" sz="1000" dirty="0" smtClean="0">
+                        <a:solidFill>
+                          <a:schemeClr val="tx1"/>
+                        </a:solidFill>
+                      </a:endParaRPr>
+                    </a:p>
+                    <a:p>
+                      <a:pPr algn="ctr" latinLnBrk="1"/>
+                      <a:endParaRPr lang="en-US" altLang="ko-KR" sz="1000" dirty="0" smtClean="0">
+                        <a:solidFill>
+                          <a:schemeClr val="tx1"/>
+                        </a:solidFill>
+                      </a:endParaRPr>
+                    </a:p>
+                    <a:p>
+                      <a:pPr algn="ctr" latinLnBrk="1"/>
+                      <a:endParaRPr lang="en-US" altLang="ko-KR" sz="1000" dirty="0" smtClean="0">
+                        <a:solidFill>
+                          <a:schemeClr val="tx1"/>
+                        </a:solidFill>
+                      </a:endParaRPr>
+                    </a:p>
+                    <a:p>
+                      <a:pPr algn="ctr" latinLnBrk="1"/>
+                      <a:r>
+                        <a:rPr lang="en-US" altLang="ko-KR" sz="1000" dirty="0" smtClean="0">
+                          <a:solidFill>
+                            <a:schemeClr val="tx1"/>
+                          </a:solidFill>
+                        </a:rPr>
+                        <a:t>(“/insert”)</a:t>
+                      </a:r>
+                    </a:p>
+                    <a:p>
+                      <a:pPr algn="ctr" latinLnBrk="1"/>
+                      <a:r>
+                        <a:rPr lang="en-US" altLang="ko-KR" sz="1000" dirty="0" smtClean="0">
+                          <a:solidFill>
+                            <a:schemeClr val="tx1"/>
+                          </a:solidFill>
+                        </a:rPr>
+                        <a:t>insert()</a:t>
+                      </a:r>
+                    </a:p>
+                    <a:p>
+                      <a:pPr algn="ctr" latinLnBrk="1"/>
+                      <a:endParaRPr lang="en-US" altLang="ko-KR" sz="1000" dirty="0">
+                        <a:solidFill>
+                          <a:schemeClr val="tx1"/>
+                        </a:solidFill>
+                      </a:endParaRPr>
+                    </a:p>
+                  </a:txBody>
+                  <a:tcPr>
+                    <a:lnL w="12700" cap="flat" cmpd="sng" algn="ctr">
+                      <a:solidFill>
+                        <a:schemeClr val="tx1"/>
+                      </a:solidFill>
+                      <a:prstDash val="solid"/>
+                      <a:round/>
+                      <a:headEnd type="none" w="med" len="med"/>
+                      <a:tailEnd type="none" w="med" len="med"/>
+                    </a:lnL>
+                    <a:lnR w="12700" cap="flat" cmpd="sng" algn="ctr">
+                      <a:solidFill>
+                        <a:schemeClr val="tx1"/>
+                      </a:solidFill>
+                      <a:prstDash val="solid"/>
+                      <a:round/>
+                      <a:headEnd type="none" w="med" len="med"/>
+                      <a:tailEnd type="none" w="med" len="med"/>
+                    </a:lnR>
+                    <a:noFill/>
+                  </a:tcPr>
+                </a:tc>
+                <a:tc>
+                  <a:txBody>
+                    <a:bodyPr/>
+                    <a:lstStyle/>
+                    <a:p>
+                      <a:pPr algn="ctr" latinLnBrk="1"/>
+                      <a:endParaRPr lang="en-US" altLang="ko-KR" sz="1000" dirty="0" smtClean="0">
+                        <a:solidFill>
+                          <a:schemeClr val="tx1"/>
+                        </a:solidFill>
+                      </a:endParaRPr>
+                    </a:p>
+                    <a:p>
+                      <a:pPr algn="ctr" latinLnBrk="1"/>
+                      <a:endParaRPr lang="en-US" altLang="ko-KR" sz="1000" dirty="0" smtClean="0">
+                        <a:solidFill>
+                          <a:schemeClr val="tx1"/>
+                        </a:solidFill>
+                      </a:endParaRPr>
+                    </a:p>
+                    <a:p>
+                      <a:pPr algn="ctr" latinLnBrk="1"/>
+                      <a:endParaRPr lang="en-US" altLang="ko-KR" sz="1000" dirty="0" smtClean="0">
+                        <a:solidFill>
+                          <a:schemeClr val="tx1"/>
+                        </a:solidFill>
+                      </a:endParaRPr>
+                    </a:p>
+                    <a:p>
+                      <a:pPr algn="ctr" latinLnBrk="1"/>
+                      <a:endParaRPr lang="en-US" altLang="ko-KR" sz="1000" dirty="0" smtClean="0">
+                        <a:solidFill>
+                          <a:schemeClr val="tx1"/>
+                        </a:solidFill>
+                      </a:endParaRPr>
+                    </a:p>
+                    <a:p>
+                      <a:pPr algn="ctr" latinLnBrk="1"/>
+                      <a:endParaRPr lang="en-US" altLang="ko-KR" sz="1000" dirty="0" smtClean="0">
+                        <a:solidFill>
+                          <a:schemeClr val="tx1"/>
+                        </a:solidFill>
+                      </a:endParaRPr>
+                    </a:p>
+                    <a:p>
+                      <a:pPr algn="ctr" latinLnBrk="1"/>
+                      <a:endParaRPr lang="en-US" altLang="ko-KR" sz="1000" dirty="0" smtClean="0">
+                        <a:solidFill>
+                          <a:schemeClr val="tx1"/>
+                        </a:solidFill>
+                      </a:endParaRPr>
+                    </a:p>
+                    <a:p>
+                      <a:pPr algn="ctr" latinLnBrk="1"/>
+                      <a:endParaRPr lang="en-US" altLang="ko-KR" sz="1000" dirty="0" smtClean="0">
+                        <a:solidFill>
+                          <a:schemeClr val="tx1"/>
+                        </a:solidFill>
+                      </a:endParaRPr>
+                    </a:p>
+                    <a:p>
+                      <a:pPr algn="ctr" latinLnBrk="1"/>
+                      <a:r>
+                        <a:rPr lang="en-US" altLang="ko-KR" sz="1000" dirty="0" err="1" smtClean="0">
+                          <a:solidFill>
+                            <a:schemeClr val="tx1"/>
+                          </a:solidFill>
+                        </a:rPr>
+                        <a:t>getList</a:t>
+                      </a:r>
+                      <a:r>
+                        <a:rPr lang="en-US" altLang="ko-KR" sz="1000" dirty="0" smtClean="0">
+                          <a:solidFill>
+                            <a:schemeClr val="tx1"/>
+                          </a:solidFill>
+                        </a:rPr>
+                        <a:t>()</a:t>
+                      </a:r>
+                    </a:p>
+                    <a:p>
+                      <a:pPr algn="ctr" latinLnBrk="1"/>
+                      <a:endParaRPr lang="en-US" altLang="ko-KR" sz="1000" dirty="0" smtClean="0">
+                        <a:solidFill>
+                          <a:schemeClr val="tx1"/>
+                        </a:solidFill>
+                      </a:endParaRPr>
+                    </a:p>
+                    <a:p>
+                      <a:pPr algn="ctr" latinLnBrk="1"/>
+                      <a:endParaRPr lang="en-US" altLang="ko-KR" sz="1000" dirty="0" smtClean="0">
+                        <a:solidFill>
+                          <a:schemeClr val="tx1"/>
+                        </a:solidFill>
+                      </a:endParaRPr>
+                    </a:p>
+                    <a:p>
+                      <a:pPr algn="ctr" latinLnBrk="1"/>
+                      <a:endParaRPr lang="en-US" altLang="ko-KR" sz="1000" dirty="0" smtClean="0">
+                        <a:solidFill>
+                          <a:schemeClr val="tx1"/>
+                        </a:solidFill>
+                      </a:endParaRPr>
+                    </a:p>
+                    <a:p>
+                      <a:pPr algn="ctr" latinLnBrk="1"/>
+                      <a:endParaRPr lang="en-US" altLang="ko-KR" sz="1000" dirty="0" smtClean="0">
+                        <a:solidFill>
+                          <a:schemeClr val="tx1"/>
+                        </a:solidFill>
+                      </a:endParaRPr>
+                    </a:p>
+                    <a:p>
+                      <a:pPr algn="ctr" latinLnBrk="1"/>
+                      <a:endParaRPr lang="en-US" altLang="ko-KR" sz="1000" dirty="0" smtClean="0">
+                        <a:solidFill>
+                          <a:schemeClr val="tx1"/>
+                        </a:solidFill>
+                      </a:endParaRPr>
+                    </a:p>
+                    <a:p>
+                      <a:pPr algn="ctr" latinLnBrk="1"/>
+                      <a:endParaRPr lang="en-US" altLang="ko-KR" sz="1000" dirty="0" smtClean="0">
+                        <a:solidFill>
+                          <a:schemeClr val="tx1"/>
+                        </a:solidFill>
+                      </a:endParaRPr>
+                    </a:p>
+                    <a:p>
+                      <a:pPr algn="ctr" latinLnBrk="1"/>
+                      <a:r>
+                        <a:rPr lang="en-US" altLang="ko-KR" sz="1000" dirty="0" smtClean="0">
+                          <a:solidFill>
+                            <a:schemeClr val="tx1"/>
+                          </a:solidFill>
+                        </a:rPr>
+                        <a:t>insert()</a:t>
+                      </a:r>
+                      <a:endParaRPr lang="en-US" altLang="ko-KR" sz="1000" dirty="0" smtClean="0">
+                        <a:solidFill>
+                          <a:schemeClr val="tx1"/>
+                        </a:solidFill>
+                      </a:endParaRPr>
+                    </a:p>
+                    <a:p>
+                      <a:pPr algn="ctr" latinLnBrk="1"/>
+                      <a:endParaRPr lang="en-US" altLang="ko-KR" sz="1000" dirty="0" smtClean="0">
+                        <a:solidFill>
+                          <a:schemeClr val="tx1"/>
+                        </a:solidFill>
+                      </a:endParaRPr>
+                    </a:p>
+                  </a:txBody>
+                  <a:tcPr>
+                    <a:lnL w="12700" cap="flat" cmpd="sng" algn="ctr">
+                      <a:solidFill>
+                        <a:schemeClr val="tx1"/>
+                      </a:solidFill>
+                      <a:prstDash val="solid"/>
+                      <a:round/>
+                      <a:headEnd type="none" w="med" len="med"/>
+                      <a:tailEnd type="none" w="med" len="med"/>
+                    </a:lnL>
+                    <a:lnR w="12700" cap="flat" cmpd="sng" algn="ctr">
+                      <a:solidFill>
+                        <a:schemeClr val="tx1"/>
+                      </a:solidFill>
+                      <a:prstDash val="solid"/>
+                      <a:round/>
+                      <a:headEnd type="none" w="med" len="med"/>
+                      <a:tailEnd type="none" w="med" len="med"/>
+                    </a:lnR>
+                    <a:noFill/>
+                  </a:tcPr>
+                </a:tc>
+                <a:tc>
+                  <a:txBody>
+                    <a:bodyPr/>
+                    <a:lstStyle/>
+                    <a:p>
+                      <a:pPr algn="ctr" latinLnBrk="1"/>
+                      <a:endParaRPr lang="en-US" altLang="ko-KR" sz="1000" dirty="0" smtClean="0">
+                        <a:solidFill>
+                          <a:schemeClr val="tx1"/>
+                        </a:solidFill>
+                      </a:endParaRPr>
+                    </a:p>
+                    <a:p>
+                      <a:pPr algn="ctr" latinLnBrk="1"/>
+                      <a:endParaRPr lang="en-US" altLang="ko-KR" sz="1000" dirty="0" smtClean="0">
+                        <a:solidFill>
+                          <a:schemeClr val="tx1"/>
+                        </a:solidFill>
+                      </a:endParaRPr>
+                    </a:p>
+                    <a:p>
+                      <a:pPr algn="ctr" latinLnBrk="1"/>
+                      <a:endParaRPr lang="en-US" altLang="ko-KR" sz="1000" dirty="0" smtClean="0">
+                        <a:solidFill>
+                          <a:schemeClr val="tx1"/>
+                        </a:solidFill>
+                      </a:endParaRPr>
+                    </a:p>
+                    <a:p>
+                      <a:pPr algn="ctr" latinLnBrk="1"/>
+                      <a:endParaRPr lang="en-US" altLang="ko-KR" sz="1000" dirty="0" smtClean="0">
+                        <a:solidFill>
+                          <a:schemeClr val="tx1"/>
+                        </a:solidFill>
+                      </a:endParaRPr>
+                    </a:p>
+                    <a:p>
+                      <a:pPr algn="ctr" latinLnBrk="1"/>
+                      <a:endParaRPr lang="en-US" altLang="ko-KR" sz="1000" dirty="0" smtClean="0">
+                        <a:solidFill>
+                          <a:schemeClr val="tx1"/>
+                        </a:solidFill>
+                      </a:endParaRPr>
+                    </a:p>
+                    <a:p>
+                      <a:pPr algn="ctr" latinLnBrk="1"/>
+                      <a:endParaRPr lang="en-US" altLang="ko-KR" sz="1000" dirty="0" smtClean="0">
+                        <a:solidFill>
+                          <a:schemeClr val="tx1"/>
+                        </a:solidFill>
+                      </a:endParaRPr>
+                    </a:p>
+                    <a:p>
+                      <a:pPr algn="ctr" latinLnBrk="1"/>
+                      <a:endParaRPr lang="en-US" altLang="ko-KR" sz="1000" dirty="0">
+                        <a:solidFill>
+                          <a:schemeClr val="tx1"/>
+                        </a:solidFill>
+                      </a:endParaRPr>
+                    </a:p>
+                    <a:p>
+                      <a:pPr algn="ctr" latinLnBrk="1"/>
+                      <a:r>
+                        <a:rPr lang="en-US" altLang="ko-KR" sz="1000" dirty="0" err="1" smtClean="0">
+                          <a:solidFill>
+                            <a:schemeClr val="tx1"/>
+                          </a:solidFill>
+                        </a:rPr>
+                        <a:t>getList</a:t>
+                      </a:r>
+                      <a:r>
+                        <a:rPr lang="en-US" altLang="ko-KR" sz="1000" dirty="0" smtClean="0">
+                          <a:solidFill>
+                            <a:schemeClr val="tx1"/>
+                          </a:solidFill>
+                        </a:rPr>
+                        <a:t>()</a:t>
+                      </a:r>
+                    </a:p>
+                    <a:p>
+                      <a:pPr algn="ctr" latinLnBrk="1"/>
+                      <a:endParaRPr lang="en-US" altLang="ko-KR" sz="1000" dirty="0">
+                        <a:solidFill>
+                          <a:schemeClr val="tx1"/>
+                        </a:solidFill>
+                      </a:endParaRPr>
+                    </a:p>
+                    <a:p>
+                      <a:pPr algn="ctr" latinLnBrk="1"/>
+                      <a:endParaRPr lang="en-US" altLang="ko-KR" sz="1000" dirty="0">
+                        <a:solidFill>
+                          <a:schemeClr val="tx1"/>
+                        </a:solidFill>
+                      </a:endParaRPr>
+                    </a:p>
+                    <a:p>
+                      <a:pPr algn="ctr" latinLnBrk="1"/>
+                      <a:endParaRPr lang="en-US" altLang="ko-KR" sz="1000" dirty="0">
+                        <a:solidFill>
+                          <a:schemeClr val="tx1"/>
+                        </a:solidFill>
+                      </a:endParaRPr>
+                    </a:p>
+                    <a:p>
+                      <a:pPr algn="ctr" latinLnBrk="1"/>
+                      <a:endParaRPr lang="en-US" altLang="ko-KR" sz="1000" dirty="0">
+                        <a:solidFill>
+                          <a:schemeClr val="tx1"/>
+                        </a:solidFill>
+                      </a:endParaRPr>
+                    </a:p>
+                    <a:p>
+                      <a:pPr algn="ctr" latinLnBrk="1"/>
+                      <a:endParaRPr lang="en-US" altLang="ko-KR" sz="1000" dirty="0" smtClean="0">
+                        <a:solidFill>
+                          <a:schemeClr val="tx1"/>
+                        </a:solidFill>
+                      </a:endParaRPr>
+                    </a:p>
+                    <a:p>
+                      <a:pPr algn="ctr" latinLnBrk="1"/>
+                      <a:endParaRPr lang="en-US" altLang="ko-KR" sz="1000" dirty="0">
+                        <a:solidFill>
+                          <a:schemeClr val="tx1"/>
+                        </a:solidFill>
+                      </a:endParaRPr>
+                    </a:p>
+                    <a:p>
+                      <a:pPr algn="ctr" latinLnBrk="1"/>
+                      <a:r>
+                        <a:rPr lang="en-US" altLang="ko-KR" sz="1000" dirty="0" err="1" smtClean="0">
+                          <a:solidFill>
+                            <a:schemeClr val="tx1"/>
+                          </a:solidFill>
+                        </a:rPr>
+                        <a:t>guestInsert</a:t>
+                      </a:r>
+                      <a:r>
+                        <a:rPr lang="en-US" altLang="ko-KR" sz="1000" dirty="0" smtClean="0">
+                          <a:solidFill>
+                            <a:schemeClr val="tx1"/>
+                          </a:solidFill>
+                        </a:rPr>
+                        <a:t>()</a:t>
+                      </a:r>
+                      <a:endParaRPr lang="en-US" altLang="ko-KR" sz="1000" dirty="0">
+                        <a:solidFill>
+                          <a:schemeClr val="tx1"/>
+                        </a:solidFill>
+                      </a:endParaRPr>
+                    </a:p>
+                    <a:p>
+                      <a:pPr algn="ctr" latinLnBrk="1"/>
+                      <a:endParaRPr lang="en-US" altLang="ko-KR" sz="1000" dirty="0">
+                        <a:solidFill>
+                          <a:schemeClr val="tx1"/>
+                        </a:solidFill>
+                      </a:endParaRPr>
+                    </a:p>
+                  </a:txBody>
+                  <a:tcPr>
+                    <a:lnL w="12700" cap="flat" cmpd="sng" algn="ctr">
+                      <a:solidFill>
+                        <a:schemeClr val="tx1"/>
+                      </a:solidFill>
+                      <a:prstDash val="solid"/>
+                      <a:round/>
+                      <a:headEnd type="none" w="med" len="med"/>
+                      <a:tailEnd type="none" w="med" len="med"/>
+                    </a:lnL>
+                    <a:lnR w="12700" cap="flat" cmpd="sng" algn="ctr">
+                      <a:solidFill>
+                        <a:schemeClr val="tx1"/>
+                      </a:solidFill>
+                      <a:prstDash val="solid"/>
+                      <a:round/>
+                      <a:headEnd type="none" w="med" len="med"/>
+                      <a:tailEnd type="none" w="med" len="med"/>
+                    </a:lnR>
+                    <a:noFill/>
+                  </a:tcPr>
+                </a:tc>
+                <a:tc>
+                  <a:txBody>
+                    <a:bodyPr/>
+                    <a:lstStyle/>
+                    <a:p>
+                      <a:pPr algn="ctr" latinLnBrk="1"/>
+                      <a:endParaRPr lang="en-US" altLang="ko-KR" sz="1000" dirty="0" smtClean="0">
+                        <a:solidFill>
+                          <a:schemeClr val="tx1"/>
+                        </a:solidFill>
+                      </a:endParaRPr>
+                    </a:p>
+                    <a:p>
+                      <a:pPr algn="ctr" latinLnBrk="1"/>
+                      <a:endParaRPr lang="en-US" altLang="ko-KR" sz="1000" dirty="0" smtClean="0">
+                        <a:solidFill>
+                          <a:schemeClr val="tx1"/>
+                        </a:solidFill>
+                      </a:endParaRPr>
+                    </a:p>
+                    <a:p>
+                      <a:pPr algn="ctr" latinLnBrk="1"/>
+                      <a:endParaRPr lang="en-US" altLang="ko-KR" sz="1000" dirty="0" smtClean="0">
+                        <a:solidFill>
+                          <a:schemeClr val="tx1"/>
+                        </a:solidFill>
+                      </a:endParaRPr>
+                    </a:p>
+                    <a:p>
+                      <a:pPr algn="ctr" latinLnBrk="1"/>
+                      <a:endParaRPr lang="en-US" altLang="ko-KR" sz="1000" dirty="0" smtClean="0">
+                        <a:solidFill>
+                          <a:schemeClr val="tx1"/>
+                        </a:solidFill>
+                      </a:endParaRPr>
+                    </a:p>
+                    <a:p>
+                      <a:pPr algn="ctr" latinLnBrk="1"/>
+                      <a:endParaRPr lang="en-US" altLang="ko-KR" sz="1000" dirty="0" smtClean="0">
+                        <a:solidFill>
+                          <a:schemeClr val="tx1"/>
+                        </a:solidFill>
+                      </a:endParaRPr>
+                    </a:p>
+                    <a:p>
+                      <a:pPr algn="ctr" latinLnBrk="1"/>
+                      <a:endParaRPr lang="en-US" altLang="ko-KR" sz="1000" dirty="0" smtClean="0">
+                        <a:solidFill>
+                          <a:schemeClr val="tx1"/>
+                        </a:solidFill>
+                      </a:endParaRPr>
+                    </a:p>
+                    <a:p>
+                      <a:pPr algn="ctr" latinLnBrk="1"/>
+                      <a:endParaRPr lang="en-US" altLang="ko-KR" sz="1000" dirty="0">
+                        <a:solidFill>
+                          <a:schemeClr val="tx1"/>
+                        </a:solidFill>
+                      </a:endParaRPr>
+                    </a:p>
+                    <a:p>
+                      <a:pPr algn="ctr" latinLnBrk="1"/>
+                      <a:r>
+                        <a:rPr lang="en-US" altLang="ko-KR" sz="1000" dirty="0" err="1" smtClean="0">
+                          <a:solidFill>
+                            <a:schemeClr val="tx1"/>
+                          </a:solidFill>
+                        </a:rPr>
+                        <a:t>selectList</a:t>
+                      </a:r>
+                      <a:r>
+                        <a:rPr lang="en-US" altLang="ko-KR" sz="1000" dirty="0" smtClean="0">
+                          <a:solidFill>
+                            <a:schemeClr val="tx1"/>
+                          </a:solidFill>
+                        </a:rPr>
+                        <a:t>()</a:t>
+                      </a:r>
+                    </a:p>
+                    <a:p>
+                      <a:pPr algn="ctr" latinLnBrk="1"/>
+                      <a:endParaRPr lang="en-US" altLang="ko-KR" sz="1000" dirty="0" smtClean="0">
+                        <a:solidFill>
+                          <a:schemeClr val="tx1"/>
+                        </a:solidFill>
+                      </a:endParaRPr>
+                    </a:p>
+                    <a:p>
+                      <a:pPr algn="ctr" latinLnBrk="1"/>
+                      <a:endParaRPr lang="en-US" altLang="ko-KR" sz="1000" dirty="0">
+                        <a:solidFill>
+                          <a:schemeClr val="tx1"/>
+                        </a:solidFill>
+                      </a:endParaRPr>
+                    </a:p>
+                    <a:p>
+                      <a:pPr algn="ctr" latinLnBrk="1"/>
+                      <a:endParaRPr lang="en-US" altLang="ko-KR" sz="1000" dirty="0">
+                        <a:solidFill>
+                          <a:schemeClr val="tx1"/>
+                        </a:solidFill>
+                      </a:endParaRPr>
+                    </a:p>
+                    <a:p>
+                      <a:pPr algn="ctr" latinLnBrk="1"/>
+                      <a:endParaRPr lang="en-US" altLang="ko-KR" sz="1000" dirty="0">
+                        <a:solidFill>
+                          <a:schemeClr val="tx1"/>
+                        </a:solidFill>
+                      </a:endParaRPr>
+                    </a:p>
+                    <a:p>
+                      <a:pPr algn="ctr" latinLnBrk="1"/>
+                      <a:endParaRPr lang="en-US" altLang="ko-KR" sz="1000" dirty="0" smtClean="0">
+                        <a:solidFill>
+                          <a:schemeClr val="tx1"/>
+                        </a:solidFill>
+                      </a:endParaRPr>
+                    </a:p>
+                    <a:p>
+                      <a:pPr algn="ctr" latinLnBrk="1"/>
+                      <a:endParaRPr lang="en-US" altLang="ko-KR" sz="1000" dirty="0">
+                        <a:solidFill>
+                          <a:schemeClr val="tx1"/>
+                        </a:solidFill>
+                      </a:endParaRPr>
+                    </a:p>
+                    <a:p>
+                      <a:pPr algn="ctr" latinLnBrk="1"/>
+                      <a:r>
+                        <a:rPr lang="en-US" altLang="ko-KR" sz="1000" dirty="0" smtClean="0">
+                          <a:solidFill>
+                            <a:schemeClr val="tx1"/>
+                          </a:solidFill>
+                        </a:rPr>
+                        <a:t>insert()</a:t>
+                      </a:r>
+                      <a:endParaRPr lang="en-US" altLang="ko-KR" sz="1000" dirty="0">
+                        <a:solidFill>
+                          <a:schemeClr val="tx1"/>
+                        </a:solidFill>
+                      </a:endParaRPr>
+                    </a:p>
+                    <a:p>
+                      <a:pPr algn="ctr" latinLnBrk="1"/>
+                      <a:endParaRPr lang="en-US" altLang="ko-KR" sz="1000" dirty="0">
+                        <a:solidFill>
+                          <a:schemeClr val="tx1"/>
+                        </a:solidFill>
+                      </a:endParaRPr>
+                    </a:p>
+                  </a:txBody>
+                  <a:tcPr>
+                    <a:lnL w="12700" cap="flat" cmpd="sng" algn="ctr">
+                      <a:solidFill>
+                        <a:schemeClr val="tx1"/>
+                      </a:solidFill>
+                      <a:prstDash val="solid"/>
+                      <a:round/>
+                      <a:headEnd type="none" w="med" len="med"/>
+                      <a:tailEnd type="none" w="med" len="med"/>
+                    </a:lnL>
+                    <a:lnR w="12700" cap="flat" cmpd="sng" algn="ctr">
+                      <a:solidFill>
+                        <a:schemeClr val="tx1"/>
+                      </a:solidFill>
+                      <a:prstDash val="solid"/>
+                      <a:round/>
+                      <a:headEnd type="none" w="med" len="med"/>
+                      <a:tailEnd type="none" w="med" len="med"/>
+                    </a:lnR>
+                    <a:noFill/>
+                  </a:tcPr>
+                </a:tc>
+                <a:tc>
+                  <a:txBody>
+                    <a:bodyPr/>
+                    <a:lstStyle/>
+                    <a:p>
+                      <a:pPr algn="ctr" latinLnBrk="1"/>
+                      <a:endParaRPr lang="en-US" altLang="ko-KR" sz="1000" dirty="0" smtClean="0">
+                        <a:solidFill>
+                          <a:schemeClr val="tx1"/>
+                        </a:solidFill>
+                      </a:endParaRPr>
+                    </a:p>
+                    <a:p>
+                      <a:pPr algn="ctr" latinLnBrk="1"/>
+                      <a:endParaRPr lang="en-US" altLang="ko-KR" sz="1000" dirty="0" smtClean="0">
+                        <a:solidFill>
+                          <a:schemeClr val="tx1"/>
+                        </a:solidFill>
+                      </a:endParaRPr>
+                    </a:p>
+                    <a:p>
+                      <a:pPr algn="ctr" latinLnBrk="1"/>
+                      <a:endParaRPr lang="en-US" altLang="ko-KR" sz="1000" dirty="0" smtClean="0">
+                        <a:solidFill>
+                          <a:schemeClr val="tx1"/>
+                        </a:solidFill>
+                      </a:endParaRPr>
+                    </a:p>
+                    <a:p>
+                      <a:pPr algn="ctr" latinLnBrk="1"/>
+                      <a:endParaRPr lang="en-US" altLang="ko-KR" sz="1000" dirty="0" smtClean="0">
+                        <a:solidFill>
+                          <a:schemeClr val="tx1"/>
+                        </a:solidFill>
+                      </a:endParaRPr>
+                    </a:p>
+                    <a:p>
+                      <a:pPr algn="ctr" latinLnBrk="1"/>
+                      <a:endParaRPr lang="en-US" altLang="ko-KR" sz="1000" dirty="0" smtClean="0">
+                        <a:solidFill>
+                          <a:schemeClr val="tx1"/>
+                        </a:solidFill>
+                      </a:endParaRPr>
+                    </a:p>
+                    <a:p>
+                      <a:pPr algn="ctr" latinLnBrk="1"/>
+                      <a:endParaRPr lang="en-US" altLang="ko-KR" sz="1000" dirty="0" smtClean="0">
+                        <a:solidFill>
+                          <a:schemeClr val="tx1"/>
+                        </a:solidFill>
+                      </a:endParaRPr>
+                    </a:p>
+                    <a:p>
+                      <a:pPr algn="ctr" latinLnBrk="1"/>
+                      <a:endParaRPr lang="en-US" altLang="ko-KR" sz="1000" dirty="0">
+                        <a:solidFill>
+                          <a:schemeClr val="tx1"/>
+                        </a:solidFill>
+                      </a:endParaRPr>
+                    </a:p>
+                    <a:p>
+                      <a:pPr algn="ctr" latinLnBrk="1"/>
+                      <a:r>
+                        <a:rPr lang="en-US" altLang="ko-KR" sz="1000" dirty="0" err="1" smtClean="0">
+                          <a:solidFill>
+                            <a:schemeClr val="tx1"/>
+                          </a:solidFill>
+                        </a:rPr>
+                        <a:t>guest.getList</a:t>
+                      </a:r>
+                      <a:endParaRPr lang="en-US" altLang="ko-KR" sz="1000" dirty="0" smtClean="0">
+                        <a:solidFill>
+                          <a:schemeClr val="tx1"/>
+                        </a:solidFill>
+                      </a:endParaRPr>
+                    </a:p>
+                    <a:p>
+                      <a:pPr algn="ctr" latinLnBrk="1"/>
+                      <a:endParaRPr lang="en-US" altLang="ko-KR" sz="1000" dirty="0">
+                        <a:solidFill>
+                          <a:schemeClr val="tx1"/>
+                        </a:solidFill>
+                      </a:endParaRPr>
+                    </a:p>
+                    <a:p>
+                      <a:pPr algn="ctr" latinLnBrk="1"/>
+                      <a:endParaRPr lang="en-US" altLang="ko-KR" sz="1000" dirty="0">
+                        <a:solidFill>
+                          <a:schemeClr val="tx1"/>
+                        </a:solidFill>
+                      </a:endParaRPr>
+                    </a:p>
+                    <a:p>
+                      <a:pPr algn="ctr" latinLnBrk="1"/>
+                      <a:endParaRPr lang="en-US" altLang="ko-KR" sz="1000" dirty="0">
+                        <a:solidFill>
+                          <a:schemeClr val="tx1"/>
+                        </a:solidFill>
+                      </a:endParaRPr>
+                    </a:p>
+                    <a:p>
+                      <a:pPr algn="ctr" latinLnBrk="1"/>
+                      <a:endParaRPr lang="en-US" altLang="ko-KR" sz="1000" dirty="0" smtClean="0">
+                        <a:solidFill>
+                          <a:schemeClr val="tx1"/>
+                        </a:solidFill>
+                      </a:endParaRPr>
+                    </a:p>
+                    <a:p>
+                      <a:pPr algn="ctr" latinLnBrk="1"/>
+                      <a:endParaRPr lang="en-US" altLang="ko-KR" sz="1000" dirty="0">
+                        <a:solidFill>
+                          <a:schemeClr val="tx1"/>
+                        </a:solidFill>
+                      </a:endParaRPr>
+                    </a:p>
+                    <a:p>
+                      <a:pPr algn="ctr" latinLnBrk="1"/>
+                      <a:endParaRPr lang="en-US" altLang="ko-KR" sz="1000" dirty="0">
+                        <a:solidFill>
+                          <a:schemeClr val="tx1"/>
+                        </a:solidFill>
+                      </a:endParaRPr>
+                    </a:p>
+                    <a:p>
+                      <a:pPr algn="ctr" latinLnBrk="1"/>
+                      <a:r>
+                        <a:rPr lang="en-US" altLang="ko-KR" sz="1000" dirty="0" err="1" smtClean="0">
+                          <a:solidFill>
+                            <a:schemeClr val="tx1"/>
+                          </a:solidFill>
+                        </a:rPr>
+                        <a:t>guest.guestInsert</a:t>
+                      </a:r>
+                      <a:endParaRPr lang="en-US" altLang="ko-KR" sz="1000" dirty="0">
+                        <a:solidFill>
+                          <a:schemeClr val="tx1"/>
+                        </a:solidFill>
+                      </a:endParaRPr>
+                    </a:p>
+                  </a:txBody>
+                  <a:tcPr>
+                    <a:lnL w="12700" cap="flat" cmpd="sng" algn="ctr">
+                      <a:solidFill>
+                        <a:schemeClr val="tx1"/>
+                      </a:solidFill>
+                      <a:prstDash val="solid"/>
+                      <a:round/>
+                      <a:headEnd type="none" w="med" len="med"/>
+                      <a:tailEnd type="none" w="med" len="med"/>
+                    </a:lnL>
+                    <a:noFill/>
+                  </a:tcPr>
+                </a:tc>
+                <a:extLst>
+                  <a:ext uri="{0D108BD9-81ED-4DB2-BD59-A6C34878D82A}">
+                    <a16:rowId xmlns:a16="http://schemas.microsoft.com/office/drawing/2014/main" xmlns="" val="3134473238"/>
+                  </a:ext>
+                </a:extLst>
+              </a:tr>
+            </a:tbl>
+          </a:graphicData>
+        </a:graphic>
+      </p:graphicFrame>
+      <p:cxnSp>
+        <p:nvCxnSpPr>
+          <p:cNvPr id="6" name="직선 화살표 연결선 5">
+            <a:extLst>
+              <a:ext uri="{FF2B5EF4-FFF2-40B4-BE49-F238E27FC236}">
+                <a16:creationId xmlns:a16="http://schemas.microsoft.com/office/drawing/2014/main" xmlns="" id="{3F7B84A3-1AD0-4DF7-A6BC-4B5B198A72B9}"/>
+              </a:ext>
+            </a:extLst>
+          </p:cNvPr>
+          <p:cNvCxnSpPr>
+            <a:cxnSpLocks/>
+          </p:cNvCxnSpPr>
+          <p:nvPr/>
+        </p:nvCxnSpPr>
+        <p:spPr>
+          <a:xfrm>
+            <a:off x="1539089" y="1135234"/>
+            <a:ext cx="2680320" cy="0"/>
+          </a:xfrm>
+          <a:prstGeom prst="straightConnector1">
+            <a:avLst/>
+          </a:prstGeom>
+          <a:ln w="19050">
+            <a:solidFill>
+              <a:schemeClr val="accent6">
+                <a:lumMod val="60000"/>
+                <a:lumOff val="40000"/>
+              </a:schemeClr>
+            </a:solidFill>
+            <a:tailEnd type="triangle"/>
+          </a:ln>
+        </p:spPr>
+        <p:style>
+          <a:lnRef idx="1">
+            <a:schemeClr val="accent1"/>
+          </a:lnRef>
+          <a:fillRef idx="0">
+            <a:schemeClr val="accent1"/>
+          </a:fillRef>
+          <a:effectRef idx="0">
+            <a:schemeClr val="accent1"/>
+          </a:effectRef>
+          <a:fontRef idx="minor">
+            <a:schemeClr val="tx1"/>
+          </a:fontRef>
+        </p:style>
+      </p:cxnSp>
+      <p:cxnSp>
+        <p:nvCxnSpPr>
+          <p:cNvPr id="7" name="직선 화살표 연결선 6">
+            <a:extLst>
+              <a:ext uri="{FF2B5EF4-FFF2-40B4-BE49-F238E27FC236}">
+                <a16:creationId xmlns:a16="http://schemas.microsoft.com/office/drawing/2014/main" xmlns="" id="{3992F012-AF65-4E39-8E9C-577F6F0B7BD2}"/>
+              </a:ext>
+            </a:extLst>
+          </p:cNvPr>
+          <p:cNvCxnSpPr>
+            <a:cxnSpLocks/>
+          </p:cNvCxnSpPr>
+          <p:nvPr/>
+        </p:nvCxnSpPr>
+        <p:spPr>
+          <a:xfrm>
+            <a:off x="1616473" y="1866244"/>
+            <a:ext cx="2602936" cy="2751"/>
+          </a:xfrm>
+          <a:prstGeom prst="straightConnector1">
+            <a:avLst/>
+          </a:prstGeom>
+          <a:ln w="19050">
+            <a:solidFill>
+              <a:schemeClr val="accent6">
+                <a:lumMod val="60000"/>
+                <a:lumOff val="40000"/>
+              </a:schemeClr>
+            </a:solidFill>
+            <a:tailEnd type="triangle"/>
+          </a:ln>
+        </p:spPr>
+        <p:style>
+          <a:lnRef idx="1">
+            <a:schemeClr val="accent1"/>
+          </a:lnRef>
+          <a:fillRef idx="0">
+            <a:schemeClr val="accent1"/>
+          </a:fillRef>
+          <a:effectRef idx="0">
+            <a:schemeClr val="accent1"/>
+          </a:effectRef>
+          <a:fontRef idx="minor">
+            <a:schemeClr val="tx1"/>
+          </a:fontRef>
+        </p:style>
+      </p:cxnSp>
+      <p:sp>
+        <p:nvSpPr>
+          <p:cNvPr id="14" name="TextBox 13">
+            <a:extLst>
+              <a:ext uri="{FF2B5EF4-FFF2-40B4-BE49-F238E27FC236}">
+                <a16:creationId xmlns:a16="http://schemas.microsoft.com/office/drawing/2014/main" xmlns="" id="{83A2AE63-3C59-4FEB-BBED-3D51275125E3}"/>
+              </a:ext>
+            </a:extLst>
+          </p:cNvPr>
+          <p:cNvSpPr txBox="1"/>
+          <p:nvPr/>
+        </p:nvSpPr>
+        <p:spPr>
+          <a:xfrm>
+            <a:off x="9800414" y="2148400"/>
+            <a:ext cx="1158972" cy="153888"/>
+          </a:xfrm>
+          <a:prstGeom prst="rect">
+            <a:avLst/>
+          </a:prstGeom>
+          <a:solidFill>
+            <a:schemeClr val="accent2">
+              <a:lumMod val="20000"/>
+              <a:lumOff val="80000"/>
+            </a:schemeClr>
+          </a:solidFill>
+        </p:spPr>
+        <p:txBody>
+          <a:bodyPr wrap="none" lIns="0" tIns="0" rIns="0" bIns="0" rtlCol="0">
+            <a:spAutoFit/>
+          </a:bodyPr>
+          <a:lstStyle/>
+          <a:p>
+            <a:r>
+              <a:rPr lang="en-US" altLang="ko-KR" sz="1000" smtClean="0">
+                <a:solidFill>
+                  <a:schemeClr val="accent2"/>
+                </a:solidFill>
+              </a:rPr>
+              <a:t>List&lt;GuestBookVo&gt;</a:t>
+            </a:r>
+            <a:endParaRPr lang="ko-KR" altLang="en-US" sz="1000" dirty="0">
+              <a:solidFill>
+                <a:schemeClr val="accent2"/>
+              </a:solidFill>
+            </a:endParaRPr>
+          </a:p>
+        </p:txBody>
+      </p:sp>
+      <p:sp>
+        <p:nvSpPr>
+          <p:cNvPr id="16" name="TextBox 15">
+            <a:extLst>
+              <a:ext uri="{FF2B5EF4-FFF2-40B4-BE49-F238E27FC236}">
+                <a16:creationId xmlns:a16="http://schemas.microsoft.com/office/drawing/2014/main" xmlns="" id="{B5D51435-1C6A-443A-871F-F312D05722E2}"/>
+              </a:ext>
+            </a:extLst>
+          </p:cNvPr>
+          <p:cNvSpPr txBox="1"/>
+          <p:nvPr/>
+        </p:nvSpPr>
+        <p:spPr>
+          <a:xfrm>
+            <a:off x="8091800" y="2148400"/>
+            <a:ext cx="1158972" cy="153888"/>
+          </a:xfrm>
+          <a:prstGeom prst="rect">
+            <a:avLst/>
+          </a:prstGeom>
+          <a:solidFill>
+            <a:schemeClr val="accent2">
+              <a:lumMod val="20000"/>
+              <a:lumOff val="80000"/>
+            </a:schemeClr>
+          </a:solidFill>
+        </p:spPr>
+        <p:txBody>
+          <a:bodyPr wrap="none" lIns="0" tIns="0" rIns="0" bIns="0" rtlCol="0">
+            <a:spAutoFit/>
+          </a:bodyPr>
+          <a:lstStyle/>
+          <a:p>
+            <a:r>
+              <a:rPr lang="en-US" altLang="ko-KR" sz="1000" smtClean="0">
+                <a:solidFill>
+                  <a:schemeClr val="accent2"/>
+                </a:solidFill>
+              </a:rPr>
+              <a:t>List&lt;GuestBookVo&gt;</a:t>
+            </a:r>
+            <a:endParaRPr lang="ko-KR" altLang="en-US" sz="1000" dirty="0">
+              <a:solidFill>
+                <a:schemeClr val="accent2"/>
+              </a:solidFill>
+            </a:endParaRPr>
+          </a:p>
+        </p:txBody>
+      </p:sp>
+      <p:cxnSp>
+        <p:nvCxnSpPr>
+          <p:cNvPr id="19" name="직선 화살표 연결선 18">
+            <a:extLst>
+              <a:ext uri="{FF2B5EF4-FFF2-40B4-BE49-F238E27FC236}">
+                <a16:creationId xmlns:a16="http://schemas.microsoft.com/office/drawing/2014/main" xmlns="" id="{EC28C33C-129E-4506-9549-3759C91D42BE}"/>
+              </a:ext>
+            </a:extLst>
+          </p:cNvPr>
+          <p:cNvCxnSpPr>
+            <a:cxnSpLocks/>
+          </p:cNvCxnSpPr>
+          <p:nvPr/>
+        </p:nvCxnSpPr>
+        <p:spPr>
+          <a:xfrm flipH="1" flipV="1">
+            <a:off x="4727103" y="2112157"/>
+            <a:ext cx="1110838" cy="1406"/>
+          </a:xfrm>
+          <a:prstGeom prst="straightConnector1">
+            <a:avLst/>
+          </a:prstGeom>
+          <a:ln w="19050">
+            <a:solidFill>
+              <a:schemeClr val="accent2">
+                <a:lumMod val="60000"/>
+                <a:lumOff val="40000"/>
+              </a:schemeClr>
+            </a:solidFill>
+            <a:tailEnd type="triangle"/>
+          </a:ln>
+        </p:spPr>
+        <p:style>
+          <a:lnRef idx="1">
+            <a:schemeClr val="accent2"/>
+          </a:lnRef>
+          <a:fillRef idx="0">
+            <a:schemeClr val="accent2"/>
+          </a:fillRef>
+          <a:effectRef idx="0">
+            <a:schemeClr val="accent2"/>
+          </a:effectRef>
+          <a:fontRef idx="minor">
+            <a:schemeClr val="tx1"/>
+          </a:fontRef>
+        </p:style>
+      </p:cxnSp>
+      <p:sp>
+        <p:nvSpPr>
+          <p:cNvPr id="20" name="TextBox 19">
+            <a:extLst>
+              <a:ext uri="{FF2B5EF4-FFF2-40B4-BE49-F238E27FC236}">
+                <a16:creationId xmlns:a16="http://schemas.microsoft.com/office/drawing/2014/main" xmlns="" id="{BDD2FA7E-1E88-4F78-ABF6-567824DD1ECE}"/>
+              </a:ext>
+            </a:extLst>
+          </p:cNvPr>
+          <p:cNvSpPr txBox="1"/>
+          <p:nvPr/>
+        </p:nvSpPr>
+        <p:spPr>
+          <a:xfrm>
+            <a:off x="6423026" y="2142128"/>
+            <a:ext cx="1158972" cy="153888"/>
+          </a:xfrm>
+          <a:prstGeom prst="rect">
+            <a:avLst/>
+          </a:prstGeom>
+          <a:solidFill>
+            <a:schemeClr val="accent2">
+              <a:lumMod val="20000"/>
+              <a:lumOff val="80000"/>
+            </a:schemeClr>
+          </a:solidFill>
+        </p:spPr>
+        <p:txBody>
+          <a:bodyPr wrap="none" lIns="0" tIns="0" rIns="0" bIns="0" rtlCol="0">
+            <a:spAutoFit/>
+          </a:bodyPr>
+          <a:lstStyle/>
+          <a:p>
+            <a:r>
+              <a:rPr lang="en-US" altLang="ko-KR" sz="1000" dirty="0" smtClean="0">
+                <a:solidFill>
+                  <a:schemeClr val="accent2"/>
+                </a:solidFill>
+              </a:rPr>
+              <a:t>List&lt;</a:t>
+            </a:r>
+            <a:r>
+              <a:rPr lang="en-US" altLang="ko-KR" sz="1000" dirty="0" err="1" smtClean="0">
+                <a:solidFill>
+                  <a:schemeClr val="accent2"/>
+                </a:solidFill>
+              </a:rPr>
+              <a:t>GuestBookVo</a:t>
+            </a:r>
+            <a:r>
+              <a:rPr lang="en-US" altLang="ko-KR" sz="1000" dirty="0" smtClean="0">
+                <a:solidFill>
+                  <a:schemeClr val="accent2"/>
+                </a:solidFill>
+              </a:rPr>
+              <a:t>&gt;</a:t>
+            </a:r>
+            <a:endParaRPr lang="ko-KR" altLang="en-US" sz="1000" dirty="0">
+              <a:solidFill>
+                <a:schemeClr val="accent2"/>
+              </a:solidFill>
+            </a:endParaRPr>
+          </a:p>
+        </p:txBody>
+      </p:sp>
+      <p:cxnSp>
+        <p:nvCxnSpPr>
+          <p:cNvPr id="21" name="직선 화살표 연결선 20">
+            <a:extLst>
+              <a:ext uri="{FF2B5EF4-FFF2-40B4-BE49-F238E27FC236}">
+                <a16:creationId xmlns:a16="http://schemas.microsoft.com/office/drawing/2014/main" xmlns="" id="{75322384-8370-42A2-9AA6-9103C9E005E6}"/>
+              </a:ext>
+            </a:extLst>
+          </p:cNvPr>
+          <p:cNvCxnSpPr>
+            <a:cxnSpLocks/>
+          </p:cNvCxnSpPr>
+          <p:nvPr/>
+        </p:nvCxnSpPr>
+        <p:spPr>
+          <a:xfrm flipH="1">
+            <a:off x="3316734" y="1365520"/>
+            <a:ext cx="857482" cy="1407"/>
+          </a:xfrm>
+          <a:prstGeom prst="straightConnector1">
+            <a:avLst/>
+          </a:prstGeom>
+          <a:ln w="19050">
+            <a:solidFill>
+              <a:schemeClr val="accent2">
+                <a:lumMod val="60000"/>
+                <a:lumOff val="40000"/>
+              </a:schemeClr>
+            </a:solidFill>
+            <a:tailEnd type="triangle"/>
+          </a:ln>
+        </p:spPr>
+        <p:style>
+          <a:lnRef idx="1">
+            <a:schemeClr val="accent2"/>
+          </a:lnRef>
+          <a:fillRef idx="0">
+            <a:schemeClr val="accent2"/>
+          </a:fillRef>
+          <a:effectRef idx="0">
+            <a:schemeClr val="accent2"/>
+          </a:effectRef>
+          <a:fontRef idx="minor">
+            <a:schemeClr val="tx1"/>
+          </a:fontRef>
+        </p:style>
+      </p:cxnSp>
+      <p:cxnSp>
+        <p:nvCxnSpPr>
+          <p:cNvPr id="23" name="직선 화살표 연결선 22">
+            <a:extLst>
+              <a:ext uri="{FF2B5EF4-FFF2-40B4-BE49-F238E27FC236}">
+                <a16:creationId xmlns:a16="http://schemas.microsoft.com/office/drawing/2014/main" xmlns="" id="{366CBA92-9226-4C4A-ACDD-433CD65941DE}"/>
+              </a:ext>
+            </a:extLst>
+          </p:cNvPr>
+          <p:cNvCxnSpPr>
+            <a:cxnSpLocks/>
+          </p:cNvCxnSpPr>
+          <p:nvPr/>
+        </p:nvCxnSpPr>
+        <p:spPr>
+          <a:xfrm flipH="1">
+            <a:off x="1539089" y="1366927"/>
+            <a:ext cx="1032942" cy="431728"/>
+          </a:xfrm>
+          <a:prstGeom prst="straightConnector1">
+            <a:avLst/>
+          </a:prstGeom>
+          <a:ln w="19050">
+            <a:solidFill>
+              <a:schemeClr val="accent2">
+                <a:lumMod val="60000"/>
+                <a:lumOff val="40000"/>
+              </a:schemeClr>
+            </a:solidFill>
+            <a:tailEnd type="triangle"/>
+          </a:ln>
+        </p:spPr>
+        <p:style>
+          <a:lnRef idx="1">
+            <a:schemeClr val="accent2"/>
+          </a:lnRef>
+          <a:fillRef idx="0">
+            <a:schemeClr val="accent2"/>
+          </a:fillRef>
+          <a:effectRef idx="0">
+            <a:schemeClr val="accent2"/>
+          </a:effectRef>
+          <a:fontRef idx="minor">
+            <a:schemeClr val="tx1"/>
+          </a:fontRef>
+        </p:style>
+      </p:cxnSp>
+      <p:cxnSp>
+        <p:nvCxnSpPr>
+          <p:cNvPr id="56" name="직선 화살표 연결선 55">
+            <a:extLst>
+              <a:ext uri="{FF2B5EF4-FFF2-40B4-BE49-F238E27FC236}">
+                <a16:creationId xmlns:a16="http://schemas.microsoft.com/office/drawing/2014/main" xmlns="" id="{3992F012-AF65-4E39-8E9C-577F6F0B7BD2}"/>
+              </a:ext>
+            </a:extLst>
+          </p:cNvPr>
+          <p:cNvCxnSpPr>
+            <a:cxnSpLocks/>
+          </p:cNvCxnSpPr>
+          <p:nvPr/>
+        </p:nvCxnSpPr>
+        <p:spPr>
+          <a:xfrm>
+            <a:off x="6362579" y="1870865"/>
+            <a:ext cx="1195521" cy="11005"/>
+          </a:xfrm>
+          <a:prstGeom prst="straightConnector1">
+            <a:avLst/>
+          </a:prstGeom>
+          <a:ln w="19050">
+            <a:solidFill>
+              <a:schemeClr val="accent6">
+                <a:lumMod val="60000"/>
+                <a:lumOff val="40000"/>
+              </a:schemeClr>
+            </a:solidFill>
+            <a:tailEnd type="triangle"/>
+          </a:ln>
+        </p:spPr>
+        <p:style>
+          <a:lnRef idx="1">
+            <a:schemeClr val="accent1"/>
+          </a:lnRef>
+          <a:fillRef idx="0">
+            <a:schemeClr val="accent1"/>
+          </a:fillRef>
+          <a:effectRef idx="0">
+            <a:schemeClr val="accent1"/>
+          </a:effectRef>
+          <a:fontRef idx="minor">
+            <a:schemeClr val="tx1"/>
+          </a:fontRef>
+        </p:style>
+      </p:cxnSp>
+      <p:cxnSp>
+        <p:nvCxnSpPr>
+          <p:cNvPr id="61" name="직선 화살표 연결선 60">
+            <a:extLst>
+              <a:ext uri="{FF2B5EF4-FFF2-40B4-BE49-F238E27FC236}">
+                <a16:creationId xmlns:a16="http://schemas.microsoft.com/office/drawing/2014/main" xmlns="" id="{3992F012-AF65-4E39-8E9C-577F6F0B7BD2}"/>
+              </a:ext>
+            </a:extLst>
+          </p:cNvPr>
+          <p:cNvCxnSpPr>
+            <a:cxnSpLocks/>
+          </p:cNvCxnSpPr>
+          <p:nvPr/>
+        </p:nvCxnSpPr>
+        <p:spPr>
+          <a:xfrm>
+            <a:off x="8044201" y="1879918"/>
+            <a:ext cx="1195521" cy="11005"/>
+          </a:xfrm>
+          <a:prstGeom prst="straightConnector1">
+            <a:avLst/>
+          </a:prstGeom>
+          <a:ln w="19050">
+            <a:solidFill>
+              <a:schemeClr val="accent6">
+                <a:lumMod val="60000"/>
+                <a:lumOff val="40000"/>
+              </a:schemeClr>
+            </a:solidFill>
+            <a:tailEnd type="triangle"/>
+          </a:ln>
+        </p:spPr>
+        <p:style>
+          <a:lnRef idx="1">
+            <a:schemeClr val="accent1"/>
+          </a:lnRef>
+          <a:fillRef idx="0">
+            <a:schemeClr val="accent1"/>
+          </a:fillRef>
+          <a:effectRef idx="0">
+            <a:schemeClr val="accent1"/>
+          </a:effectRef>
+          <a:fontRef idx="minor">
+            <a:schemeClr val="tx1"/>
+          </a:fontRef>
+        </p:style>
+      </p:cxnSp>
+      <p:cxnSp>
+        <p:nvCxnSpPr>
+          <p:cNvPr id="65" name="직선 화살표 연결선 64">
+            <a:extLst>
+              <a:ext uri="{FF2B5EF4-FFF2-40B4-BE49-F238E27FC236}">
+                <a16:creationId xmlns:a16="http://schemas.microsoft.com/office/drawing/2014/main" xmlns="" id="{3992F012-AF65-4E39-8E9C-577F6F0B7BD2}"/>
+              </a:ext>
+            </a:extLst>
+          </p:cNvPr>
+          <p:cNvCxnSpPr>
+            <a:cxnSpLocks/>
+          </p:cNvCxnSpPr>
+          <p:nvPr/>
+        </p:nvCxnSpPr>
+        <p:spPr>
+          <a:xfrm>
+            <a:off x="9842651" y="1890923"/>
+            <a:ext cx="1072447" cy="11005"/>
+          </a:xfrm>
+          <a:prstGeom prst="straightConnector1">
+            <a:avLst/>
+          </a:prstGeom>
+          <a:ln w="19050">
+            <a:solidFill>
+              <a:schemeClr val="accent6">
+                <a:lumMod val="60000"/>
+                <a:lumOff val="40000"/>
+              </a:schemeClr>
+            </a:solidFill>
+            <a:tailEnd type="triangle"/>
+          </a:ln>
+        </p:spPr>
+        <p:style>
+          <a:lnRef idx="1">
+            <a:schemeClr val="accent1"/>
+          </a:lnRef>
+          <a:fillRef idx="0">
+            <a:schemeClr val="accent1"/>
+          </a:fillRef>
+          <a:effectRef idx="0">
+            <a:schemeClr val="accent1"/>
+          </a:effectRef>
+          <a:fontRef idx="minor">
+            <a:schemeClr val="tx1"/>
+          </a:fontRef>
+        </p:style>
+      </p:cxnSp>
+      <p:cxnSp>
+        <p:nvCxnSpPr>
+          <p:cNvPr id="70" name="직선 화살표 연결선 69">
+            <a:extLst>
+              <a:ext uri="{FF2B5EF4-FFF2-40B4-BE49-F238E27FC236}">
+                <a16:creationId xmlns:a16="http://schemas.microsoft.com/office/drawing/2014/main" xmlns="" id="{EC28C33C-129E-4506-9549-3759C91D42BE}"/>
+              </a:ext>
+            </a:extLst>
+          </p:cNvPr>
+          <p:cNvCxnSpPr>
+            <a:cxnSpLocks/>
+          </p:cNvCxnSpPr>
+          <p:nvPr/>
+        </p:nvCxnSpPr>
+        <p:spPr>
+          <a:xfrm flipH="1" flipV="1">
+            <a:off x="6404920" y="2110755"/>
+            <a:ext cx="1110838" cy="1406"/>
+          </a:xfrm>
+          <a:prstGeom prst="straightConnector1">
+            <a:avLst/>
+          </a:prstGeom>
+          <a:ln w="19050">
+            <a:solidFill>
+              <a:schemeClr val="accent2">
+                <a:lumMod val="60000"/>
+                <a:lumOff val="40000"/>
+              </a:schemeClr>
+            </a:solidFill>
+            <a:tailEnd type="triangle"/>
+          </a:ln>
+        </p:spPr>
+        <p:style>
+          <a:lnRef idx="1">
+            <a:schemeClr val="accent2"/>
+          </a:lnRef>
+          <a:fillRef idx="0">
+            <a:schemeClr val="accent2"/>
+          </a:fillRef>
+          <a:effectRef idx="0">
+            <a:schemeClr val="accent2"/>
+          </a:effectRef>
+          <a:fontRef idx="minor">
+            <a:schemeClr val="tx1"/>
+          </a:fontRef>
+        </p:style>
+      </p:cxnSp>
+      <p:cxnSp>
+        <p:nvCxnSpPr>
+          <p:cNvPr id="71" name="직선 화살표 연결선 70">
+            <a:extLst>
+              <a:ext uri="{FF2B5EF4-FFF2-40B4-BE49-F238E27FC236}">
+                <a16:creationId xmlns:a16="http://schemas.microsoft.com/office/drawing/2014/main" xmlns="" id="{EC28C33C-129E-4506-9549-3759C91D42BE}"/>
+              </a:ext>
+            </a:extLst>
+          </p:cNvPr>
+          <p:cNvCxnSpPr>
+            <a:cxnSpLocks/>
+          </p:cNvCxnSpPr>
+          <p:nvPr/>
+        </p:nvCxnSpPr>
+        <p:spPr>
+          <a:xfrm flipH="1" flipV="1">
+            <a:off x="8086542" y="2113563"/>
+            <a:ext cx="1110838" cy="1406"/>
+          </a:xfrm>
+          <a:prstGeom prst="straightConnector1">
+            <a:avLst/>
+          </a:prstGeom>
+          <a:ln w="19050">
+            <a:solidFill>
+              <a:schemeClr val="accent2">
+                <a:lumMod val="60000"/>
+                <a:lumOff val="40000"/>
+              </a:schemeClr>
+            </a:solidFill>
+            <a:tailEnd type="triangle"/>
+          </a:ln>
+        </p:spPr>
+        <p:style>
+          <a:lnRef idx="1">
+            <a:schemeClr val="accent2"/>
+          </a:lnRef>
+          <a:fillRef idx="0">
+            <a:schemeClr val="accent2"/>
+          </a:fillRef>
+          <a:effectRef idx="0">
+            <a:schemeClr val="accent2"/>
+          </a:effectRef>
+          <a:fontRef idx="minor">
+            <a:schemeClr val="tx1"/>
+          </a:fontRef>
+        </p:style>
+      </p:cxnSp>
+      <p:cxnSp>
+        <p:nvCxnSpPr>
+          <p:cNvPr id="72" name="직선 화살표 연결선 71">
+            <a:extLst>
+              <a:ext uri="{FF2B5EF4-FFF2-40B4-BE49-F238E27FC236}">
+                <a16:creationId xmlns:a16="http://schemas.microsoft.com/office/drawing/2014/main" xmlns="" id="{EC28C33C-129E-4506-9549-3759C91D42BE}"/>
+              </a:ext>
+            </a:extLst>
+          </p:cNvPr>
+          <p:cNvCxnSpPr>
+            <a:cxnSpLocks/>
+          </p:cNvCxnSpPr>
+          <p:nvPr/>
+        </p:nvCxnSpPr>
+        <p:spPr>
+          <a:xfrm flipH="1" flipV="1">
+            <a:off x="9783864" y="2109203"/>
+            <a:ext cx="1110838" cy="1406"/>
+          </a:xfrm>
+          <a:prstGeom prst="straightConnector1">
+            <a:avLst/>
+          </a:prstGeom>
+          <a:ln w="19050">
+            <a:solidFill>
+              <a:schemeClr val="accent2">
+                <a:lumMod val="60000"/>
+                <a:lumOff val="40000"/>
+              </a:schemeClr>
+            </a:solidFill>
+            <a:tailEnd type="triangle"/>
+          </a:ln>
+        </p:spPr>
+        <p:style>
+          <a:lnRef idx="1">
+            <a:schemeClr val="accent2"/>
+          </a:lnRef>
+          <a:fillRef idx="0">
+            <a:schemeClr val="accent2"/>
+          </a:fillRef>
+          <a:effectRef idx="0">
+            <a:schemeClr val="accent2"/>
+          </a:effectRef>
+          <a:fontRef idx="minor">
+            <a:schemeClr val="tx1"/>
+          </a:fontRef>
+        </p:style>
+      </p:cxnSp>
+      <p:sp>
+        <p:nvSpPr>
+          <p:cNvPr id="73" name="TextBox 72">
+            <a:extLst>
+              <a:ext uri="{FF2B5EF4-FFF2-40B4-BE49-F238E27FC236}">
+                <a16:creationId xmlns:a16="http://schemas.microsoft.com/office/drawing/2014/main" xmlns="" id="{BDD2FA7E-1E88-4F78-ABF6-567824DD1ECE}"/>
+              </a:ext>
+            </a:extLst>
+          </p:cNvPr>
+          <p:cNvSpPr txBox="1"/>
+          <p:nvPr/>
+        </p:nvSpPr>
+        <p:spPr>
+          <a:xfrm>
+            <a:off x="4748119" y="2137802"/>
+            <a:ext cx="1158972" cy="153888"/>
+          </a:xfrm>
+          <a:prstGeom prst="rect">
+            <a:avLst/>
+          </a:prstGeom>
+          <a:solidFill>
+            <a:schemeClr val="accent2">
+              <a:lumMod val="20000"/>
+              <a:lumOff val="80000"/>
+            </a:schemeClr>
+          </a:solidFill>
+        </p:spPr>
+        <p:txBody>
+          <a:bodyPr wrap="none" lIns="0" tIns="0" rIns="0" bIns="0" rtlCol="0">
+            <a:spAutoFit/>
+          </a:bodyPr>
+          <a:lstStyle/>
+          <a:p>
+            <a:r>
+              <a:rPr lang="en-US" altLang="ko-KR" sz="1000" dirty="0" smtClean="0">
+                <a:solidFill>
+                  <a:schemeClr val="accent2"/>
+                </a:solidFill>
+              </a:rPr>
+              <a:t>List&lt;</a:t>
+            </a:r>
+            <a:r>
+              <a:rPr lang="en-US" altLang="ko-KR" sz="1000" dirty="0" err="1" smtClean="0">
+                <a:solidFill>
+                  <a:schemeClr val="accent2"/>
+                </a:solidFill>
+              </a:rPr>
+              <a:t>GuestBookVo</a:t>
+            </a:r>
+            <a:r>
+              <a:rPr lang="en-US" altLang="ko-KR" sz="1000" dirty="0" smtClean="0">
+                <a:solidFill>
+                  <a:schemeClr val="accent2"/>
+                </a:solidFill>
+              </a:rPr>
+              <a:t>&gt;</a:t>
+            </a:r>
+            <a:endParaRPr lang="ko-KR" altLang="en-US" sz="1000" dirty="0">
+              <a:solidFill>
+                <a:schemeClr val="accent2"/>
+              </a:solidFill>
+            </a:endParaRPr>
+          </a:p>
+        </p:txBody>
+      </p:sp>
+      <p:cxnSp>
+        <p:nvCxnSpPr>
+          <p:cNvPr id="78" name="직선 화살표 연결선 77">
+            <a:extLst>
+              <a:ext uri="{FF2B5EF4-FFF2-40B4-BE49-F238E27FC236}">
+                <a16:creationId xmlns:a16="http://schemas.microsoft.com/office/drawing/2014/main" xmlns="" id="{3992F012-AF65-4E39-8E9C-577F6F0B7BD2}"/>
+              </a:ext>
+            </a:extLst>
+          </p:cNvPr>
+          <p:cNvCxnSpPr>
+            <a:cxnSpLocks/>
+          </p:cNvCxnSpPr>
+          <p:nvPr/>
+        </p:nvCxnSpPr>
+        <p:spPr>
+          <a:xfrm>
+            <a:off x="4835230" y="1858674"/>
+            <a:ext cx="1195521" cy="11005"/>
+          </a:xfrm>
+          <a:prstGeom prst="straightConnector1">
+            <a:avLst/>
+          </a:prstGeom>
+          <a:ln w="19050">
+            <a:solidFill>
+              <a:schemeClr val="accent6">
+                <a:lumMod val="60000"/>
+                <a:lumOff val="40000"/>
+              </a:schemeClr>
+            </a:solidFill>
+            <a:tailEnd type="triangle"/>
+          </a:ln>
+        </p:spPr>
+        <p:style>
+          <a:lnRef idx="1">
+            <a:schemeClr val="accent1"/>
+          </a:lnRef>
+          <a:fillRef idx="0">
+            <a:schemeClr val="accent1"/>
+          </a:fillRef>
+          <a:effectRef idx="0">
+            <a:schemeClr val="accent1"/>
+          </a:effectRef>
+          <a:fontRef idx="minor">
+            <a:schemeClr val="tx1"/>
+          </a:fontRef>
+        </p:style>
+      </p:cxnSp>
+      <p:sp>
+        <p:nvSpPr>
+          <p:cNvPr id="79" name="TextBox 78">
+            <a:extLst>
+              <a:ext uri="{FF2B5EF4-FFF2-40B4-BE49-F238E27FC236}">
+                <a16:creationId xmlns:a16="http://schemas.microsoft.com/office/drawing/2014/main" xmlns="" id="{ED21C0EA-1B65-43C8-AAD0-87268DCF3FD2}"/>
+              </a:ext>
+            </a:extLst>
+          </p:cNvPr>
+          <p:cNvSpPr txBox="1"/>
+          <p:nvPr/>
+        </p:nvSpPr>
+        <p:spPr>
+          <a:xfrm>
+            <a:off x="2679286" y="1524744"/>
+            <a:ext cx="577188" cy="307777"/>
+          </a:xfrm>
+          <a:prstGeom prst="rect">
+            <a:avLst/>
+          </a:prstGeom>
+          <a:solidFill>
+            <a:schemeClr val="accent6">
+              <a:lumMod val="20000"/>
+              <a:lumOff val="80000"/>
+            </a:schemeClr>
+          </a:solidFill>
+        </p:spPr>
+        <p:txBody>
+          <a:bodyPr wrap="square" lIns="0" tIns="0" rIns="0" bIns="0" rtlCol="0">
+            <a:spAutoFit/>
+          </a:bodyPr>
+          <a:lstStyle/>
+          <a:p>
+            <a:pPr algn="ctr"/>
+            <a:r>
+              <a:rPr lang="en-US" altLang="ko-KR" sz="1000" dirty="0" smtClean="0">
+                <a:solidFill>
+                  <a:srgbClr val="70AD47">
+                    <a:lumMod val="75000"/>
+                  </a:srgbClr>
+                </a:solidFill>
+              </a:rPr>
+              <a:t>ajax</a:t>
+            </a:r>
+            <a:r>
+              <a:rPr lang="ko-KR" altLang="en-US" sz="1000" dirty="0" smtClean="0">
+                <a:solidFill>
+                  <a:srgbClr val="70AD47">
+                    <a:lumMod val="75000"/>
+                  </a:srgbClr>
+                </a:solidFill>
+              </a:rPr>
+              <a:t>요청</a:t>
+            </a:r>
+            <a:endParaRPr lang="en-US" altLang="ko-KR" sz="1000" dirty="0" smtClean="0">
+              <a:solidFill>
+                <a:srgbClr val="70AD47">
+                  <a:lumMod val="75000"/>
+                </a:srgbClr>
+              </a:solidFill>
+            </a:endParaRPr>
+          </a:p>
+          <a:p>
+            <a:pPr algn="ctr"/>
+            <a:r>
+              <a:rPr lang="en-US" altLang="ko-KR" sz="1000" dirty="0" smtClean="0">
+                <a:solidFill>
+                  <a:srgbClr val="70AD47">
+                    <a:lumMod val="75000"/>
+                  </a:srgbClr>
+                </a:solidFill>
+              </a:rPr>
+              <a:t>data</a:t>
+            </a:r>
+            <a:endParaRPr lang="en-US" altLang="ko-KR" sz="1000" dirty="0" smtClean="0">
+              <a:solidFill>
+                <a:srgbClr val="70AD47">
+                  <a:lumMod val="75000"/>
+                </a:srgbClr>
+              </a:solidFill>
+            </a:endParaRPr>
+          </a:p>
+        </p:txBody>
+      </p:sp>
+      <p:cxnSp>
+        <p:nvCxnSpPr>
+          <p:cNvPr id="94" name="직선 화살표 연결선 93">
+            <a:extLst>
+              <a:ext uri="{FF2B5EF4-FFF2-40B4-BE49-F238E27FC236}">
+                <a16:creationId xmlns:a16="http://schemas.microsoft.com/office/drawing/2014/main" xmlns="" id="{EC28C33C-129E-4506-9549-3759C91D42BE}"/>
+              </a:ext>
+            </a:extLst>
+          </p:cNvPr>
+          <p:cNvCxnSpPr>
+            <a:cxnSpLocks/>
+          </p:cNvCxnSpPr>
+          <p:nvPr/>
+        </p:nvCxnSpPr>
+        <p:spPr>
+          <a:xfrm flipH="1" flipV="1">
+            <a:off x="1539089" y="2121958"/>
+            <a:ext cx="2680320" cy="1406"/>
+          </a:xfrm>
+          <a:prstGeom prst="straightConnector1">
+            <a:avLst/>
+          </a:prstGeom>
+          <a:ln w="19050">
+            <a:solidFill>
+              <a:schemeClr val="accent2">
+                <a:lumMod val="60000"/>
+                <a:lumOff val="40000"/>
+              </a:schemeClr>
+            </a:solidFill>
+            <a:tailEnd type="triangle"/>
+          </a:ln>
+        </p:spPr>
+        <p:style>
+          <a:lnRef idx="1">
+            <a:schemeClr val="accent2"/>
+          </a:lnRef>
+          <a:fillRef idx="0">
+            <a:schemeClr val="accent2"/>
+          </a:fillRef>
+          <a:effectRef idx="0">
+            <a:schemeClr val="accent2"/>
+          </a:effectRef>
+          <a:fontRef idx="minor">
+            <a:schemeClr val="tx1"/>
+          </a:fontRef>
+        </p:style>
+      </p:cxnSp>
+      <p:sp>
+        <p:nvSpPr>
+          <p:cNvPr id="96" name="TextBox 95">
+            <a:extLst>
+              <a:ext uri="{FF2B5EF4-FFF2-40B4-BE49-F238E27FC236}">
+                <a16:creationId xmlns:a16="http://schemas.microsoft.com/office/drawing/2014/main" xmlns="" id="{BDD2FA7E-1E88-4F78-ABF6-567824DD1ECE}"/>
+              </a:ext>
+            </a:extLst>
+          </p:cNvPr>
+          <p:cNvSpPr txBox="1"/>
+          <p:nvPr/>
+        </p:nvSpPr>
+        <p:spPr>
+          <a:xfrm>
+            <a:off x="2366485" y="2159881"/>
+            <a:ext cx="1102912" cy="461665"/>
+          </a:xfrm>
+          <a:prstGeom prst="rect">
+            <a:avLst/>
+          </a:prstGeom>
+          <a:solidFill>
+            <a:schemeClr val="accent2">
+              <a:lumMod val="20000"/>
+              <a:lumOff val="80000"/>
+            </a:schemeClr>
+          </a:solidFill>
+        </p:spPr>
+        <p:txBody>
+          <a:bodyPr wrap="square" lIns="0" tIns="0" rIns="0" bIns="0" rtlCol="0">
+            <a:spAutoFit/>
+          </a:bodyPr>
+          <a:lstStyle/>
+          <a:p>
+            <a:pPr algn="ctr"/>
+            <a:r>
+              <a:rPr lang="en-US" altLang="ko-KR" sz="1000" dirty="0" smtClean="0">
+                <a:solidFill>
+                  <a:schemeClr val="accent2"/>
+                </a:solidFill>
+              </a:rPr>
+              <a:t>@</a:t>
+            </a:r>
+            <a:r>
+              <a:rPr lang="en-US" altLang="ko-KR" sz="1000" dirty="0" err="1" smtClean="0">
+                <a:solidFill>
+                  <a:schemeClr val="accent2"/>
+                </a:solidFill>
+              </a:rPr>
+              <a:t>Responsebody</a:t>
+            </a:r>
+            <a:endParaRPr lang="en-US" altLang="ko-KR" sz="1000" dirty="0" smtClean="0">
+              <a:solidFill>
+                <a:schemeClr val="accent2"/>
+              </a:solidFill>
+            </a:endParaRPr>
+          </a:p>
+          <a:p>
+            <a:pPr algn="ctr"/>
+            <a:r>
+              <a:rPr lang="en-US" altLang="ko-KR" sz="1000" dirty="0" smtClean="0">
+                <a:solidFill>
+                  <a:schemeClr val="accent2"/>
+                </a:solidFill>
+              </a:rPr>
+              <a:t>data</a:t>
+            </a:r>
+          </a:p>
+          <a:p>
+            <a:pPr algn="ctr"/>
+            <a:r>
+              <a:rPr lang="en-US" altLang="ko-KR" sz="1000" dirty="0" smtClean="0">
+                <a:solidFill>
+                  <a:schemeClr val="accent2"/>
+                </a:solidFill>
+              </a:rPr>
+              <a:t>(</a:t>
+            </a:r>
+            <a:r>
+              <a:rPr lang="en-US" altLang="ko-KR" sz="1000" dirty="0" err="1" smtClean="0">
+                <a:solidFill>
+                  <a:schemeClr val="accent2"/>
+                </a:solidFill>
+              </a:rPr>
+              <a:t>json</a:t>
+            </a:r>
+            <a:r>
+              <a:rPr lang="en-US" altLang="ko-KR" sz="1000" dirty="0" smtClean="0">
+                <a:solidFill>
+                  <a:schemeClr val="accent2"/>
+                </a:solidFill>
+              </a:rPr>
+              <a:t>)</a:t>
+            </a:r>
+            <a:endParaRPr lang="ko-KR" altLang="en-US" sz="1000" dirty="0">
+              <a:solidFill>
+                <a:schemeClr val="accent2"/>
+              </a:solidFill>
+            </a:endParaRPr>
+          </a:p>
+        </p:txBody>
+      </p:sp>
+      <p:sp>
+        <p:nvSpPr>
+          <p:cNvPr id="97" name="TextBox 96">
+            <a:extLst>
+              <a:ext uri="{FF2B5EF4-FFF2-40B4-BE49-F238E27FC236}">
+                <a16:creationId xmlns:a16="http://schemas.microsoft.com/office/drawing/2014/main" xmlns="" id="{BDD2FA7E-1E88-4F78-ABF6-567824DD1ECE}"/>
+              </a:ext>
+            </a:extLst>
+          </p:cNvPr>
+          <p:cNvSpPr txBox="1"/>
+          <p:nvPr/>
+        </p:nvSpPr>
+        <p:spPr>
+          <a:xfrm>
+            <a:off x="436177" y="2169416"/>
+            <a:ext cx="1102912" cy="307777"/>
+          </a:xfrm>
+          <a:prstGeom prst="rect">
+            <a:avLst/>
+          </a:prstGeom>
+          <a:solidFill>
+            <a:schemeClr val="accent2">
+              <a:lumMod val="20000"/>
+              <a:lumOff val="80000"/>
+            </a:schemeClr>
+          </a:solidFill>
+        </p:spPr>
+        <p:txBody>
+          <a:bodyPr wrap="square" lIns="0" tIns="0" rIns="0" bIns="0" rtlCol="0">
+            <a:spAutoFit/>
+          </a:bodyPr>
+          <a:lstStyle/>
+          <a:p>
+            <a:pPr algn="ctr"/>
+            <a:r>
+              <a:rPr lang="en-US" altLang="ko-KR" sz="1000" dirty="0" smtClean="0">
+                <a:solidFill>
+                  <a:schemeClr val="accent2"/>
+                </a:solidFill>
+              </a:rPr>
+              <a:t>java script</a:t>
+            </a:r>
+          </a:p>
+          <a:p>
+            <a:pPr algn="ctr"/>
+            <a:r>
+              <a:rPr lang="en-US" altLang="ko-KR" sz="1000" dirty="0" err="1" smtClean="0">
+                <a:solidFill>
+                  <a:schemeClr val="accent2"/>
+                </a:solidFill>
+              </a:rPr>
+              <a:t>gList</a:t>
+            </a:r>
+            <a:endParaRPr lang="ko-KR" altLang="en-US" sz="1000" dirty="0">
+              <a:solidFill>
+                <a:schemeClr val="accent2"/>
+              </a:solidFill>
+            </a:endParaRPr>
+          </a:p>
+        </p:txBody>
+      </p:sp>
+    </p:spTree>
+    <p:extLst>
+      <p:ext uri="{BB962C8B-B14F-4D97-AF65-F5344CB8AC3E}">
+        <p14:creationId xmlns:p14="http://schemas.microsoft.com/office/powerpoint/2010/main" val="3672291575"/>
       </p:ext>
     </p:extLst>
   </p:cSld>
@@ -22607,7 +25774,7 @@
   <a:extraClrSchemeLst/>
   <a:extLst>
     <a:ext uri="{05A4C25C-085E-4340-85A3-A5531E510DB2}">
-      <thm15:themeFamily xmlns="" xmlns:thm15="http://schemas.microsoft.com/office/thememl/2012/main" name="Office Theme" id="{62F939B6-93AF-4DB8-9C6B-D6C7DFDC589F}" vid="{4A3C46E8-61CC-4603-A589-7422A47A8E4A}"/>
+      <thm15:themeFamily xmlns:thm15="http://schemas.microsoft.com/office/thememl/2012/main" xmlns="" name="Office Theme" id="{62F939B6-93AF-4DB8-9C6B-D6C7DFDC589F}" vid="{4A3C46E8-61CC-4603-A589-7422A47A8E4A}"/>
     </a:ext>
   </a:extLst>
 </a:theme>

--- a/mysite4_sequencediagram.pptx
+++ b/mysite4_sequencediagram.pptx
@@ -132,7 +132,7 @@
           <p:cNvPr id="2" name="제목 1">
             <a:extLst>
               <a:ext uri="{FF2B5EF4-FFF2-40B4-BE49-F238E27FC236}">
-                <a16:creationId xmlns:a16="http://schemas.microsoft.com/office/drawing/2014/main" xmlns="" id="{F5702221-1B25-4A64-9C6E-2C1D6B06EC08}"/>
+                <a16:creationId xmlns="" xmlns:a16="http://schemas.microsoft.com/office/drawing/2014/main" id="{F5702221-1B25-4A64-9C6E-2C1D6B06EC08}"/>
               </a:ext>
             </a:extLst>
           </p:cNvPr>
@@ -169,7 +169,7 @@
           <p:cNvPr id="3" name="부제목 2">
             <a:extLst>
               <a:ext uri="{FF2B5EF4-FFF2-40B4-BE49-F238E27FC236}">
-                <a16:creationId xmlns:a16="http://schemas.microsoft.com/office/drawing/2014/main" xmlns="" id="{911447ED-6BE9-405D-8D24-8BA1B05ECB89}"/>
+                <a16:creationId xmlns="" xmlns:a16="http://schemas.microsoft.com/office/drawing/2014/main" id="{911447ED-6BE9-405D-8D24-8BA1B05ECB89}"/>
               </a:ext>
             </a:extLst>
           </p:cNvPr>
@@ -239,7 +239,7 @@
           <p:cNvPr id="4" name="날짜 개체 틀 3">
             <a:extLst>
               <a:ext uri="{FF2B5EF4-FFF2-40B4-BE49-F238E27FC236}">
-                <a16:creationId xmlns:a16="http://schemas.microsoft.com/office/drawing/2014/main" xmlns="" id="{738314AB-B4D9-4ADF-9F49-3E64C5E571D7}"/>
+                <a16:creationId xmlns="" xmlns:a16="http://schemas.microsoft.com/office/drawing/2014/main" id="{738314AB-B4D9-4ADF-9F49-3E64C5E571D7}"/>
               </a:ext>
             </a:extLst>
           </p:cNvPr>
@@ -269,7 +269,7 @@
           <p:cNvPr id="5" name="바닥글 개체 틀 4">
             <a:extLst>
               <a:ext uri="{FF2B5EF4-FFF2-40B4-BE49-F238E27FC236}">
-                <a16:creationId xmlns:a16="http://schemas.microsoft.com/office/drawing/2014/main" xmlns="" id="{097A1181-B7D4-4FEF-AAB2-827300122B60}"/>
+                <a16:creationId xmlns="" xmlns:a16="http://schemas.microsoft.com/office/drawing/2014/main" id="{097A1181-B7D4-4FEF-AAB2-827300122B60}"/>
               </a:ext>
             </a:extLst>
           </p:cNvPr>
@@ -294,7 +294,7 @@
           <p:cNvPr id="6" name="슬라이드 번호 개체 틀 5">
             <a:extLst>
               <a:ext uri="{FF2B5EF4-FFF2-40B4-BE49-F238E27FC236}">
-                <a16:creationId xmlns:a16="http://schemas.microsoft.com/office/drawing/2014/main" xmlns="" id="{E46A5C1C-5160-4115-A600-60A00B87B49A}"/>
+                <a16:creationId xmlns="" xmlns:a16="http://schemas.microsoft.com/office/drawing/2014/main" id="{E46A5C1C-5160-4115-A600-60A00B87B49A}"/>
               </a:ext>
             </a:extLst>
           </p:cNvPr>
@@ -354,7 +354,7 @@
           <p:cNvPr id="2" name="제목 1">
             <a:extLst>
               <a:ext uri="{FF2B5EF4-FFF2-40B4-BE49-F238E27FC236}">
-                <a16:creationId xmlns:a16="http://schemas.microsoft.com/office/drawing/2014/main" xmlns="" id="{79C8F0D7-4B94-4EDF-A0DB-6F8CA3273F10}"/>
+                <a16:creationId xmlns="" xmlns:a16="http://schemas.microsoft.com/office/drawing/2014/main" id="{79C8F0D7-4B94-4EDF-A0DB-6F8CA3273F10}"/>
               </a:ext>
             </a:extLst>
           </p:cNvPr>
@@ -382,7 +382,7 @@
           <p:cNvPr id="3" name="세로 텍스트 개체 틀 2">
             <a:extLst>
               <a:ext uri="{FF2B5EF4-FFF2-40B4-BE49-F238E27FC236}">
-                <a16:creationId xmlns:a16="http://schemas.microsoft.com/office/drawing/2014/main" xmlns="" id="{7BF9988D-28F1-4C87-AD1F-15164F352F04}"/>
+                <a16:creationId xmlns="" xmlns:a16="http://schemas.microsoft.com/office/drawing/2014/main" id="{7BF9988D-28F1-4C87-AD1F-15164F352F04}"/>
               </a:ext>
             </a:extLst>
           </p:cNvPr>
@@ -439,7 +439,7 @@
           <p:cNvPr id="4" name="날짜 개체 틀 3">
             <a:extLst>
               <a:ext uri="{FF2B5EF4-FFF2-40B4-BE49-F238E27FC236}">
-                <a16:creationId xmlns:a16="http://schemas.microsoft.com/office/drawing/2014/main" xmlns="" id="{2EC54BBE-C766-4975-8CE3-95F05B680BBE}"/>
+                <a16:creationId xmlns="" xmlns:a16="http://schemas.microsoft.com/office/drawing/2014/main" id="{2EC54BBE-C766-4975-8CE3-95F05B680BBE}"/>
               </a:ext>
             </a:extLst>
           </p:cNvPr>
@@ -469,7 +469,7 @@
           <p:cNvPr id="5" name="바닥글 개체 틀 4">
             <a:extLst>
               <a:ext uri="{FF2B5EF4-FFF2-40B4-BE49-F238E27FC236}">
-                <a16:creationId xmlns:a16="http://schemas.microsoft.com/office/drawing/2014/main" xmlns="" id="{74F320A7-2EB4-492A-9EDD-CC1780B3FC78}"/>
+                <a16:creationId xmlns="" xmlns:a16="http://schemas.microsoft.com/office/drawing/2014/main" id="{74F320A7-2EB4-492A-9EDD-CC1780B3FC78}"/>
               </a:ext>
             </a:extLst>
           </p:cNvPr>
@@ -494,7 +494,7 @@
           <p:cNvPr id="6" name="슬라이드 번호 개체 틀 5">
             <a:extLst>
               <a:ext uri="{FF2B5EF4-FFF2-40B4-BE49-F238E27FC236}">
-                <a16:creationId xmlns:a16="http://schemas.microsoft.com/office/drawing/2014/main" xmlns="" id="{6882512E-7D80-4B7F-B981-6F541BCE1137}"/>
+                <a16:creationId xmlns="" xmlns:a16="http://schemas.microsoft.com/office/drawing/2014/main" id="{6882512E-7D80-4B7F-B981-6F541BCE1137}"/>
               </a:ext>
             </a:extLst>
           </p:cNvPr>
@@ -554,7 +554,7 @@
           <p:cNvPr id="2" name="세로 제목 1">
             <a:extLst>
               <a:ext uri="{FF2B5EF4-FFF2-40B4-BE49-F238E27FC236}">
-                <a16:creationId xmlns:a16="http://schemas.microsoft.com/office/drawing/2014/main" xmlns="" id="{8F8E37E2-DB2F-4D4A-9C4D-BDA69BE1E0C1}"/>
+                <a16:creationId xmlns="" xmlns:a16="http://schemas.microsoft.com/office/drawing/2014/main" id="{8F8E37E2-DB2F-4D4A-9C4D-BDA69BE1E0C1}"/>
               </a:ext>
             </a:extLst>
           </p:cNvPr>
@@ -587,7 +587,7 @@
           <p:cNvPr id="3" name="세로 텍스트 개체 틀 2">
             <a:extLst>
               <a:ext uri="{FF2B5EF4-FFF2-40B4-BE49-F238E27FC236}">
-                <a16:creationId xmlns:a16="http://schemas.microsoft.com/office/drawing/2014/main" xmlns="" id="{1F3BE048-B0C0-441F-994C-588471A67C33}"/>
+                <a16:creationId xmlns="" xmlns:a16="http://schemas.microsoft.com/office/drawing/2014/main" id="{1F3BE048-B0C0-441F-994C-588471A67C33}"/>
               </a:ext>
             </a:extLst>
           </p:cNvPr>
@@ -649,7 +649,7 @@
           <p:cNvPr id="4" name="날짜 개체 틀 3">
             <a:extLst>
               <a:ext uri="{FF2B5EF4-FFF2-40B4-BE49-F238E27FC236}">
-                <a16:creationId xmlns:a16="http://schemas.microsoft.com/office/drawing/2014/main" xmlns="" id="{6995F53F-D83D-44A9-A6FD-5452CCCE8DD8}"/>
+                <a16:creationId xmlns="" xmlns:a16="http://schemas.microsoft.com/office/drawing/2014/main" id="{6995F53F-D83D-44A9-A6FD-5452CCCE8DD8}"/>
               </a:ext>
             </a:extLst>
           </p:cNvPr>
@@ -679,7 +679,7 @@
           <p:cNvPr id="5" name="바닥글 개체 틀 4">
             <a:extLst>
               <a:ext uri="{FF2B5EF4-FFF2-40B4-BE49-F238E27FC236}">
-                <a16:creationId xmlns:a16="http://schemas.microsoft.com/office/drawing/2014/main" xmlns="" id="{8E79E324-0EFA-4708-A7FF-2036016C0B7C}"/>
+                <a16:creationId xmlns="" xmlns:a16="http://schemas.microsoft.com/office/drawing/2014/main" id="{8E79E324-0EFA-4708-A7FF-2036016C0B7C}"/>
               </a:ext>
             </a:extLst>
           </p:cNvPr>
@@ -704,7 +704,7 @@
           <p:cNvPr id="6" name="슬라이드 번호 개체 틀 5">
             <a:extLst>
               <a:ext uri="{FF2B5EF4-FFF2-40B4-BE49-F238E27FC236}">
-                <a16:creationId xmlns:a16="http://schemas.microsoft.com/office/drawing/2014/main" xmlns="" id="{4A4350D8-C216-4A08-A647-85B4BCE6AE1B}"/>
+                <a16:creationId xmlns="" xmlns:a16="http://schemas.microsoft.com/office/drawing/2014/main" id="{4A4350D8-C216-4A08-A647-85B4BCE6AE1B}"/>
               </a:ext>
             </a:extLst>
           </p:cNvPr>
@@ -764,7 +764,7 @@
           <p:cNvPr id="2" name="제목 1">
             <a:extLst>
               <a:ext uri="{FF2B5EF4-FFF2-40B4-BE49-F238E27FC236}">
-                <a16:creationId xmlns:a16="http://schemas.microsoft.com/office/drawing/2014/main" xmlns="" id="{24E74C6D-683C-47ED-A1F2-43AFB2B58A43}"/>
+                <a16:creationId xmlns="" xmlns:a16="http://schemas.microsoft.com/office/drawing/2014/main" id="{24E74C6D-683C-47ED-A1F2-43AFB2B58A43}"/>
               </a:ext>
             </a:extLst>
           </p:cNvPr>
@@ -792,7 +792,7 @@
           <p:cNvPr id="3" name="내용 개체 틀 2">
             <a:extLst>
               <a:ext uri="{FF2B5EF4-FFF2-40B4-BE49-F238E27FC236}">
-                <a16:creationId xmlns:a16="http://schemas.microsoft.com/office/drawing/2014/main" xmlns="" id="{7EFA6127-E2D6-47BB-B56A-6634BEFEEDBD}"/>
+                <a16:creationId xmlns="" xmlns:a16="http://schemas.microsoft.com/office/drawing/2014/main" id="{7EFA6127-E2D6-47BB-B56A-6634BEFEEDBD}"/>
               </a:ext>
             </a:extLst>
           </p:cNvPr>
@@ -849,7 +849,7 @@
           <p:cNvPr id="4" name="날짜 개체 틀 3">
             <a:extLst>
               <a:ext uri="{FF2B5EF4-FFF2-40B4-BE49-F238E27FC236}">
-                <a16:creationId xmlns:a16="http://schemas.microsoft.com/office/drawing/2014/main" xmlns="" id="{CCD89B4F-6A9D-4581-BFE0-AE0A2133F39A}"/>
+                <a16:creationId xmlns="" xmlns:a16="http://schemas.microsoft.com/office/drawing/2014/main" id="{CCD89B4F-6A9D-4581-BFE0-AE0A2133F39A}"/>
               </a:ext>
             </a:extLst>
           </p:cNvPr>
@@ -879,7 +879,7 @@
           <p:cNvPr id="5" name="바닥글 개체 틀 4">
             <a:extLst>
               <a:ext uri="{FF2B5EF4-FFF2-40B4-BE49-F238E27FC236}">
-                <a16:creationId xmlns:a16="http://schemas.microsoft.com/office/drawing/2014/main" xmlns="" id="{EE79017C-47E4-4EA0-97A7-833D02B4A627}"/>
+                <a16:creationId xmlns="" xmlns:a16="http://schemas.microsoft.com/office/drawing/2014/main" id="{EE79017C-47E4-4EA0-97A7-833D02B4A627}"/>
               </a:ext>
             </a:extLst>
           </p:cNvPr>
@@ -904,7 +904,7 @@
           <p:cNvPr id="6" name="슬라이드 번호 개체 틀 5">
             <a:extLst>
               <a:ext uri="{FF2B5EF4-FFF2-40B4-BE49-F238E27FC236}">
-                <a16:creationId xmlns:a16="http://schemas.microsoft.com/office/drawing/2014/main" xmlns="" id="{90EBDF02-FBA5-44E9-83BB-91A3FD2F9964}"/>
+                <a16:creationId xmlns="" xmlns:a16="http://schemas.microsoft.com/office/drawing/2014/main" id="{90EBDF02-FBA5-44E9-83BB-91A3FD2F9964}"/>
               </a:ext>
             </a:extLst>
           </p:cNvPr>
@@ -964,7 +964,7 @@
           <p:cNvPr id="2" name="제목 1">
             <a:extLst>
               <a:ext uri="{FF2B5EF4-FFF2-40B4-BE49-F238E27FC236}">
-                <a16:creationId xmlns:a16="http://schemas.microsoft.com/office/drawing/2014/main" xmlns="" id="{D864112A-07EF-4C9D-BB7D-F63BFED711FF}"/>
+                <a16:creationId xmlns="" xmlns:a16="http://schemas.microsoft.com/office/drawing/2014/main" id="{D864112A-07EF-4C9D-BB7D-F63BFED711FF}"/>
               </a:ext>
             </a:extLst>
           </p:cNvPr>
@@ -1001,7 +1001,7 @@
           <p:cNvPr id="3" name="텍스트 개체 틀 2">
             <a:extLst>
               <a:ext uri="{FF2B5EF4-FFF2-40B4-BE49-F238E27FC236}">
-                <a16:creationId xmlns:a16="http://schemas.microsoft.com/office/drawing/2014/main" xmlns="" id="{423DCC07-25B9-4B59-A6F0-E2E73571C431}"/>
+                <a16:creationId xmlns="" xmlns:a16="http://schemas.microsoft.com/office/drawing/2014/main" id="{423DCC07-25B9-4B59-A6F0-E2E73571C431}"/>
               </a:ext>
             </a:extLst>
           </p:cNvPr>
@@ -1126,7 +1126,7 @@
           <p:cNvPr id="4" name="날짜 개체 틀 3">
             <a:extLst>
               <a:ext uri="{FF2B5EF4-FFF2-40B4-BE49-F238E27FC236}">
-                <a16:creationId xmlns:a16="http://schemas.microsoft.com/office/drawing/2014/main" xmlns="" id="{5610BE1E-AF51-426B-9A1C-CFB9F73AD998}"/>
+                <a16:creationId xmlns="" xmlns:a16="http://schemas.microsoft.com/office/drawing/2014/main" id="{5610BE1E-AF51-426B-9A1C-CFB9F73AD998}"/>
               </a:ext>
             </a:extLst>
           </p:cNvPr>
@@ -1156,7 +1156,7 @@
           <p:cNvPr id="5" name="바닥글 개체 틀 4">
             <a:extLst>
               <a:ext uri="{FF2B5EF4-FFF2-40B4-BE49-F238E27FC236}">
-                <a16:creationId xmlns:a16="http://schemas.microsoft.com/office/drawing/2014/main" xmlns="" id="{C3ACEA83-9CBB-4724-9F0B-982F8C86E020}"/>
+                <a16:creationId xmlns="" xmlns:a16="http://schemas.microsoft.com/office/drawing/2014/main" id="{C3ACEA83-9CBB-4724-9F0B-982F8C86E020}"/>
               </a:ext>
             </a:extLst>
           </p:cNvPr>
@@ -1181,7 +1181,7 @@
           <p:cNvPr id="6" name="슬라이드 번호 개체 틀 5">
             <a:extLst>
               <a:ext uri="{FF2B5EF4-FFF2-40B4-BE49-F238E27FC236}">
-                <a16:creationId xmlns:a16="http://schemas.microsoft.com/office/drawing/2014/main" xmlns="" id="{230A7F0F-371C-4757-8D64-252BFF13753A}"/>
+                <a16:creationId xmlns="" xmlns:a16="http://schemas.microsoft.com/office/drawing/2014/main" id="{230A7F0F-371C-4757-8D64-252BFF13753A}"/>
               </a:ext>
             </a:extLst>
           </p:cNvPr>
@@ -1241,7 +1241,7 @@
           <p:cNvPr id="2" name="제목 1">
             <a:extLst>
               <a:ext uri="{FF2B5EF4-FFF2-40B4-BE49-F238E27FC236}">
-                <a16:creationId xmlns:a16="http://schemas.microsoft.com/office/drawing/2014/main" xmlns="" id="{BED9EBAB-4E06-4925-8E8C-FC66F29F4189}"/>
+                <a16:creationId xmlns="" xmlns:a16="http://schemas.microsoft.com/office/drawing/2014/main" id="{BED9EBAB-4E06-4925-8E8C-FC66F29F4189}"/>
               </a:ext>
             </a:extLst>
           </p:cNvPr>
@@ -1269,7 +1269,7 @@
           <p:cNvPr id="3" name="내용 개체 틀 2">
             <a:extLst>
               <a:ext uri="{FF2B5EF4-FFF2-40B4-BE49-F238E27FC236}">
-                <a16:creationId xmlns:a16="http://schemas.microsoft.com/office/drawing/2014/main" xmlns="" id="{E9A385E2-4863-4676-A3DC-789CB97FE418}"/>
+                <a16:creationId xmlns="" xmlns:a16="http://schemas.microsoft.com/office/drawing/2014/main" id="{E9A385E2-4863-4676-A3DC-789CB97FE418}"/>
               </a:ext>
             </a:extLst>
           </p:cNvPr>
@@ -1331,7 +1331,7 @@
           <p:cNvPr id="4" name="내용 개체 틀 3">
             <a:extLst>
               <a:ext uri="{FF2B5EF4-FFF2-40B4-BE49-F238E27FC236}">
-                <a16:creationId xmlns:a16="http://schemas.microsoft.com/office/drawing/2014/main" xmlns="" id="{9E4EAB6A-CCB0-47D9-A489-30D4D4E4C037}"/>
+                <a16:creationId xmlns="" xmlns:a16="http://schemas.microsoft.com/office/drawing/2014/main" id="{9E4EAB6A-CCB0-47D9-A489-30D4D4E4C037}"/>
               </a:ext>
             </a:extLst>
           </p:cNvPr>
@@ -1393,7 +1393,7 @@
           <p:cNvPr id="5" name="날짜 개체 틀 4">
             <a:extLst>
               <a:ext uri="{FF2B5EF4-FFF2-40B4-BE49-F238E27FC236}">
-                <a16:creationId xmlns:a16="http://schemas.microsoft.com/office/drawing/2014/main" xmlns="" id="{FBF785DC-59FE-43E2-BAAF-E9C40018F679}"/>
+                <a16:creationId xmlns="" xmlns:a16="http://schemas.microsoft.com/office/drawing/2014/main" id="{FBF785DC-59FE-43E2-BAAF-E9C40018F679}"/>
               </a:ext>
             </a:extLst>
           </p:cNvPr>
@@ -1423,7 +1423,7 @@
           <p:cNvPr id="6" name="바닥글 개체 틀 5">
             <a:extLst>
               <a:ext uri="{FF2B5EF4-FFF2-40B4-BE49-F238E27FC236}">
-                <a16:creationId xmlns:a16="http://schemas.microsoft.com/office/drawing/2014/main" xmlns="" id="{4AFAC3D6-A114-4F4F-ACD9-650EFAB379C4}"/>
+                <a16:creationId xmlns="" xmlns:a16="http://schemas.microsoft.com/office/drawing/2014/main" id="{4AFAC3D6-A114-4F4F-ACD9-650EFAB379C4}"/>
               </a:ext>
             </a:extLst>
           </p:cNvPr>
@@ -1448,7 +1448,7 @@
           <p:cNvPr id="7" name="슬라이드 번호 개체 틀 6">
             <a:extLst>
               <a:ext uri="{FF2B5EF4-FFF2-40B4-BE49-F238E27FC236}">
-                <a16:creationId xmlns:a16="http://schemas.microsoft.com/office/drawing/2014/main" xmlns="" id="{E5FC8471-F428-4141-94FE-C3F53B7CD0A0}"/>
+                <a16:creationId xmlns="" xmlns:a16="http://schemas.microsoft.com/office/drawing/2014/main" id="{E5FC8471-F428-4141-94FE-C3F53B7CD0A0}"/>
               </a:ext>
             </a:extLst>
           </p:cNvPr>
@@ -1508,7 +1508,7 @@
           <p:cNvPr id="2" name="제목 1">
             <a:extLst>
               <a:ext uri="{FF2B5EF4-FFF2-40B4-BE49-F238E27FC236}">
-                <a16:creationId xmlns:a16="http://schemas.microsoft.com/office/drawing/2014/main" xmlns="" id="{C2B588A5-C857-4B0C-ABFE-0D42CAA4EB48}"/>
+                <a16:creationId xmlns="" xmlns:a16="http://schemas.microsoft.com/office/drawing/2014/main" id="{C2B588A5-C857-4B0C-ABFE-0D42CAA4EB48}"/>
               </a:ext>
             </a:extLst>
           </p:cNvPr>
@@ -1541,7 +1541,7 @@
           <p:cNvPr id="3" name="텍스트 개체 틀 2">
             <a:extLst>
               <a:ext uri="{FF2B5EF4-FFF2-40B4-BE49-F238E27FC236}">
-                <a16:creationId xmlns:a16="http://schemas.microsoft.com/office/drawing/2014/main" xmlns="" id="{21FBC9E9-C918-4C87-99D6-15000E303DBA}"/>
+                <a16:creationId xmlns="" xmlns:a16="http://schemas.microsoft.com/office/drawing/2014/main" id="{21FBC9E9-C918-4C87-99D6-15000E303DBA}"/>
               </a:ext>
             </a:extLst>
           </p:cNvPr>
@@ -1612,7 +1612,7 @@
           <p:cNvPr id="4" name="내용 개체 틀 3">
             <a:extLst>
               <a:ext uri="{FF2B5EF4-FFF2-40B4-BE49-F238E27FC236}">
-                <a16:creationId xmlns:a16="http://schemas.microsoft.com/office/drawing/2014/main" xmlns="" id="{374B1FD0-231A-434D-ABBC-F9DDB06A5B9A}"/>
+                <a16:creationId xmlns="" xmlns:a16="http://schemas.microsoft.com/office/drawing/2014/main" id="{374B1FD0-231A-434D-ABBC-F9DDB06A5B9A}"/>
               </a:ext>
             </a:extLst>
           </p:cNvPr>
@@ -1674,7 +1674,7 @@
           <p:cNvPr id="5" name="텍스트 개체 틀 4">
             <a:extLst>
               <a:ext uri="{FF2B5EF4-FFF2-40B4-BE49-F238E27FC236}">
-                <a16:creationId xmlns:a16="http://schemas.microsoft.com/office/drawing/2014/main" xmlns="" id="{A0BC8C35-5F4B-454B-8514-E14ADC76FFC7}"/>
+                <a16:creationId xmlns="" xmlns:a16="http://schemas.microsoft.com/office/drawing/2014/main" id="{A0BC8C35-5F4B-454B-8514-E14ADC76FFC7}"/>
               </a:ext>
             </a:extLst>
           </p:cNvPr>
@@ -1745,7 +1745,7 @@
           <p:cNvPr id="6" name="내용 개체 틀 5">
             <a:extLst>
               <a:ext uri="{FF2B5EF4-FFF2-40B4-BE49-F238E27FC236}">
-                <a16:creationId xmlns:a16="http://schemas.microsoft.com/office/drawing/2014/main" xmlns="" id="{79328AE7-EF50-4499-A1F3-62930500266E}"/>
+                <a16:creationId xmlns="" xmlns:a16="http://schemas.microsoft.com/office/drawing/2014/main" id="{79328AE7-EF50-4499-A1F3-62930500266E}"/>
               </a:ext>
             </a:extLst>
           </p:cNvPr>
@@ -1807,7 +1807,7 @@
           <p:cNvPr id="7" name="날짜 개체 틀 6">
             <a:extLst>
               <a:ext uri="{FF2B5EF4-FFF2-40B4-BE49-F238E27FC236}">
-                <a16:creationId xmlns:a16="http://schemas.microsoft.com/office/drawing/2014/main" xmlns="" id="{F9B16250-31F9-479D-9C9B-478632D9F6E7}"/>
+                <a16:creationId xmlns="" xmlns:a16="http://schemas.microsoft.com/office/drawing/2014/main" id="{F9B16250-31F9-479D-9C9B-478632D9F6E7}"/>
               </a:ext>
             </a:extLst>
           </p:cNvPr>
@@ -1837,7 +1837,7 @@
           <p:cNvPr id="8" name="바닥글 개체 틀 7">
             <a:extLst>
               <a:ext uri="{FF2B5EF4-FFF2-40B4-BE49-F238E27FC236}">
-                <a16:creationId xmlns:a16="http://schemas.microsoft.com/office/drawing/2014/main" xmlns="" id="{4D9706F4-9648-4FEA-B88C-920126402DA4}"/>
+                <a16:creationId xmlns="" xmlns:a16="http://schemas.microsoft.com/office/drawing/2014/main" id="{4D9706F4-9648-4FEA-B88C-920126402DA4}"/>
               </a:ext>
             </a:extLst>
           </p:cNvPr>
@@ -1862,7 +1862,7 @@
           <p:cNvPr id="9" name="슬라이드 번호 개체 틀 8">
             <a:extLst>
               <a:ext uri="{FF2B5EF4-FFF2-40B4-BE49-F238E27FC236}">
-                <a16:creationId xmlns:a16="http://schemas.microsoft.com/office/drawing/2014/main" xmlns="" id="{3F39D328-C1B6-470C-8648-133984DDB0DD}"/>
+                <a16:creationId xmlns="" xmlns:a16="http://schemas.microsoft.com/office/drawing/2014/main" id="{3F39D328-C1B6-470C-8648-133984DDB0DD}"/>
               </a:ext>
             </a:extLst>
           </p:cNvPr>
@@ -1922,7 +1922,7 @@
           <p:cNvPr id="2" name="제목 1">
             <a:extLst>
               <a:ext uri="{FF2B5EF4-FFF2-40B4-BE49-F238E27FC236}">
-                <a16:creationId xmlns:a16="http://schemas.microsoft.com/office/drawing/2014/main" xmlns="" id="{3A82C244-8F83-4401-B067-00257912BFFB}"/>
+                <a16:creationId xmlns="" xmlns:a16="http://schemas.microsoft.com/office/drawing/2014/main" id="{3A82C244-8F83-4401-B067-00257912BFFB}"/>
               </a:ext>
             </a:extLst>
           </p:cNvPr>
@@ -1950,7 +1950,7 @@
           <p:cNvPr id="3" name="날짜 개체 틀 2">
             <a:extLst>
               <a:ext uri="{FF2B5EF4-FFF2-40B4-BE49-F238E27FC236}">
-                <a16:creationId xmlns:a16="http://schemas.microsoft.com/office/drawing/2014/main" xmlns="" id="{7BEA2879-4EA6-48C4-9777-21E651D146EB}"/>
+                <a16:creationId xmlns="" xmlns:a16="http://schemas.microsoft.com/office/drawing/2014/main" id="{7BEA2879-4EA6-48C4-9777-21E651D146EB}"/>
               </a:ext>
             </a:extLst>
           </p:cNvPr>
@@ -1980,7 +1980,7 @@
           <p:cNvPr id="4" name="바닥글 개체 틀 3">
             <a:extLst>
               <a:ext uri="{FF2B5EF4-FFF2-40B4-BE49-F238E27FC236}">
-                <a16:creationId xmlns:a16="http://schemas.microsoft.com/office/drawing/2014/main" xmlns="" id="{4DE09364-903A-4526-B11F-3B0648A677BE}"/>
+                <a16:creationId xmlns="" xmlns:a16="http://schemas.microsoft.com/office/drawing/2014/main" id="{4DE09364-903A-4526-B11F-3B0648A677BE}"/>
               </a:ext>
             </a:extLst>
           </p:cNvPr>
@@ -2005,7 +2005,7 @@
           <p:cNvPr id="5" name="슬라이드 번호 개체 틀 4">
             <a:extLst>
               <a:ext uri="{FF2B5EF4-FFF2-40B4-BE49-F238E27FC236}">
-                <a16:creationId xmlns:a16="http://schemas.microsoft.com/office/drawing/2014/main" xmlns="" id="{F4D515B8-6F88-4D02-9D9F-68B4D30790D5}"/>
+                <a16:creationId xmlns="" xmlns:a16="http://schemas.microsoft.com/office/drawing/2014/main" id="{F4D515B8-6F88-4D02-9D9F-68B4D30790D5}"/>
               </a:ext>
             </a:extLst>
           </p:cNvPr>
@@ -2065,7 +2065,7 @@
           <p:cNvPr id="2" name="날짜 개체 틀 1">
             <a:extLst>
               <a:ext uri="{FF2B5EF4-FFF2-40B4-BE49-F238E27FC236}">
-                <a16:creationId xmlns:a16="http://schemas.microsoft.com/office/drawing/2014/main" xmlns="" id="{432CBE9F-434C-4002-9CDA-B356D1850E65}"/>
+                <a16:creationId xmlns="" xmlns:a16="http://schemas.microsoft.com/office/drawing/2014/main" id="{432CBE9F-434C-4002-9CDA-B356D1850E65}"/>
               </a:ext>
             </a:extLst>
           </p:cNvPr>
@@ -2095,7 +2095,7 @@
           <p:cNvPr id="3" name="바닥글 개체 틀 2">
             <a:extLst>
               <a:ext uri="{FF2B5EF4-FFF2-40B4-BE49-F238E27FC236}">
-                <a16:creationId xmlns:a16="http://schemas.microsoft.com/office/drawing/2014/main" xmlns="" id="{E3724B7F-E3F0-4A21-9A88-51646DCC1B24}"/>
+                <a16:creationId xmlns="" xmlns:a16="http://schemas.microsoft.com/office/drawing/2014/main" id="{E3724B7F-E3F0-4A21-9A88-51646DCC1B24}"/>
               </a:ext>
             </a:extLst>
           </p:cNvPr>
@@ -2120,7 +2120,7 @@
           <p:cNvPr id="4" name="슬라이드 번호 개체 틀 3">
             <a:extLst>
               <a:ext uri="{FF2B5EF4-FFF2-40B4-BE49-F238E27FC236}">
-                <a16:creationId xmlns:a16="http://schemas.microsoft.com/office/drawing/2014/main" xmlns="" id="{A70E7EAA-420B-4248-AC5D-924D52274AAB}"/>
+                <a16:creationId xmlns="" xmlns:a16="http://schemas.microsoft.com/office/drawing/2014/main" id="{A70E7EAA-420B-4248-AC5D-924D52274AAB}"/>
               </a:ext>
             </a:extLst>
           </p:cNvPr>
@@ -2180,7 +2180,7 @@
           <p:cNvPr id="2" name="제목 1">
             <a:extLst>
               <a:ext uri="{FF2B5EF4-FFF2-40B4-BE49-F238E27FC236}">
-                <a16:creationId xmlns:a16="http://schemas.microsoft.com/office/drawing/2014/main" xmlns="" id="{EEEA59E5-7E86-4BCF-94FD-129E37773F11}"/>
+                <a16:creationId xmlns="" xmlns:a16="http://schemas.microsoft.com/office/drawing/2014/main" id="{EEEA59E5-7E86-4BCF-94FD-129E37773F11}"/>
               </a:ext>
             </a:extLst>
           </p:cNvPr>
@@ -2217,7 +2217,7 @@
           <p:cNvPr id="3" name="내용 개체 틀 2">
             <a:extLst>
               <a:ext uri="{FF2B5EF4-FFF2-40B4-BE49-F238E27FC236}">
-                <a16:creationId xmlns:a16="http://schemas.microsoft.com/office/drawing/2014/main" xmlns="" id="{E2B75C20-2061-4FD6-A841-70EC11EA05E0}"/>
+                <a16:creationId xmlns="" xmlns:a16="http://schemas.microsoft.com/office/drawing/2014/main" id="{E2B75C20-2061-4FD6-A841-70EC11EA05E0}"/>
               </a:ext>
             </a:extLst>
           </p:cNvPr>
@@ -2307,7 +2307,7 @@
           <p:cNvPr id="4" name="텍스트 개체 틀 3">
             <a:extLst>
               <a:ext uri="{FF2B5EF4-FFF2-40B4-BE49-F238E27FC236}">
-                <a16:creationId xmlns:a16="http://schemas.microsoft.com/office/drawing/2014/main" xmlns="" id="{DF5B4F06-483A-4B6D-B9A9-2EB3BEB4ABB7}"/>
+                <a16:creationId xmlns="" xmlns:a16="http://schemas.microsoft.com/office/drawing/2014/main" id="{DF5B4F06-483A-4B6D-B9A9-2EB3BEB4ABB7}"/>
               </a:ext>
             </a:extLst>
           </p:cNvPr>
@@ -2378,7 +2378,7 @@
           <p:cNvPr id="5" name="날짜 개체 틀 4">
             <a:extLst>
               <a:ext uri="{FF2B5EF4-FFF2-40B4-BE49-F238E27FC236}">
-                <a16:creationId xmlns:a16="http://schemas.microsoft.com/office/drawing/2014/main" xmlns="" id="{AD74E3E3-F6E1-48FF-BE1E-FABB7F3158C5}"/>
+                <a16:creationId xmlns="" xmlns:a16="http://schemas.microsoft.com/office/drawing/2014/main" id="{AD74E3E3-F6E1-48FF-BE1E-FABB7F3158C5}"/>
               </a:ext>
             </a:extLst>
           </p:cNvPr>
@@ -2408,7 +2408,7 @@
           <p:cNvPr id="6" name="바닥글 개체 틀 5">
             <a:extLst>
               <a:ext uri="{FF2B5EF4-FFF2-40B4-BE49-F238E27FC236}">
-                <a16:creationId xmlns:a16="http://schemas.microsoft.com/office/drawing/2014/main" xmlns="" id="{B83C5046-F38F-471D-BC13-95AA82F9DF6D}"/>
+                <a16:creationId xmlns="" xmlns:a16="http://schemas.microsoft.com/office/drawing/2014/main" id="{B83C5046-F38F-471D-BC13-95AA82F9DF6D}"/>
               </a:ext>
             </a:extLst>
           </p:cNvPr>
@@ -2433,7 +2433,7 @@
           <p:cNvPr id="7" name="슬라이드 번호 개체 틀 6">
             <a:extLst>
               <a:ext uri="{FF2B5EF4-FFF2-40B4-BE49-F238E27FC236}">
-                <a16:creationId xmlns:a16="http://schemas.microsoft.com/office/drawing/2014/main" xmlns="" id="{7B8C0D77-255E-468F-ABF6-0D546282589B}"/>
+                <a16:creationId xmlns="" xmlns:a16="http://schemas.microsoft.com/office/drawing/2014/main" id="{7B8C0D77-255E-468F-ABF6-0D546282589B}"/>
               </a:ext>
             </a:extLst>
           </p:cNvPr>
@@ -2493,7 +2493,7 @@
           <p:cNvPr id="2" name="제목 1">
             <a:extLst>
               <a:ext uri="{FF2B5EF4-FFF2-40B4-BE49-F238E27FC236}">
-                <a16:creationId xmlns:a16="http://schemas.microsoft.com/office/drawing/2014/main" xmlns="" id="{ECCD92F8-DF1D-4232-96BC-6F74E8037720}"/>
+                <a16:creationId xmlns="" xmlns:a16="http://schemas.microsoft.com/office/drawing/2014/main" id="{ECCD92F8-DF1D-4232-96BC-6F74E8037720}"/>
               </a:ext>
             </a:extLst>
           </p:cNvPr>
@@ -2530,7 +2530,7 @@
           <p:cNvPr id="3" name="그림 개체 틀 2">
             <a:extLst>
               <a:ext uri="{FF2B5EF4-FFF2-40B4-BE49-F238E27FC236}">
-                <a16:creationId xmlns:a16="http://schemas.microsoft.com/office/drawing/2014/main" xmlns="" id="{A7EB5627-02C6-4CF1-B1CC-4140CF732AAD}"/>
+                <a16:creationId xmlns="" xmlns:a16="http://schemas.microsoft.com/office/drawing/2014/main" id="{A7EB5627-02C6-4CF1-B1CC-4140CF732AAD}"/>
               </a:ext>
             </a:extLst>
           </p:cNvPr>
@@ -2597,7 +2597,7 @@
           <p:cNvPr id="4" name="텍스트 개체 틀 3">
             <a:extLst>
               <a:ext uri="{FF2B5EF4-FFF2-40B4-BE49-F238E27FC236}">
-                <a16:creationId xmlns:a16="http://schemas.microsoft.com/office/drawing/2014/main" xmlns="" id="{A92455CF-E744-46F4-86A8-FCBDD634231A}"/>
+                <a16:creationId xmlns="" xmlns:a16="http://schemas.microsoft.com/office/drawing/2014/main" id="{A92455CF-E744-46F4-86A8-FCBDD634231A}"/>
               </a:ext>
             </a:extLst>
           </p:cNvPr>
@@ -2668,7 +2668,7 @@
           <p:cNvPr id="5" name="날짜 개체 틀 4">
             <a:extLst>
               <a:ext uri="{FF2B5EF4-FFF2-40B4-BE49-F238E27FC236}">
-                <a16:creationId xmlns:a16="http://schemas.microsoft.com/office/drawing/2014/main" xmlns="" id="{B1583142-95B4-4849-A6CE-313A891B2CC9}"/>
+                <a16:creationId xmlns="" xmlns:a16="http://schemas.microsoft.com/office/drawing/2014/main" id="{B1583142-95B4-4849-A6CE-313A891B2CC9}"/>
               </a:ext>
             </a:extLst>
           </p:cNvPr>
@@ -2698,7 +2698,7 @@
           <p:cNvPr id="6" name="바닥글 개체 틀 5">
             <a:extLst>
               <a:ext uri="{FF2B5EF4-FFF2-40B4-BE49-F238E27FC236}">
-                <a16:creationId xmlns:a16="http://schemas.microsoft.com/office/drawing/2014/main" xmlns="" id="{60E8F465-A235-4BCE-92D4-8682E91EF74F}"/>
+                <a16:creationId xmlns="" xmlns:a16="http://schemas.microsoft.com/office/drawing/2014/main" id="{60E8F465-A235-4BCE-92D4-8682E91EF74F}"/>
               </a:ext>
             </a:extLst>
           </p:cNvPr>
@@ -2723,7 +2723,7 @@
           <p:cNvPr id="7" name="슬라이드 번호 개체 틀 6">
             <a:extLst>
               <a:ext uri="{FF2B5EF4-FFF2-40B4-BE49-F238E27FC236}">
-                <a16:creationId xmlns:a16="http://schemas.microsoft.com/office/drawing/2014/main" xmlns="" id="{8269BB9D-2373-41E8-B9A4-0CAA4AAE2BBC}"/>
+                <a16:creationId xmlns="" xmlns:a16="http://schemas.microsoft.com/office/drawing/2014/main" id="{8269BB9D-2373-41E8-B9A4-0CAA4AAE2BBC}"/>
               </a:ext>
             </a:extLst>
           </p:cNvPr>
@@ -2788,7 +2788,7 @@
           <p:cNvPr id="2" name="제목 개체 틀 1">
             <a:extLst>
               <a:ext uri="{FF2B5EF4-FFF2-40B4-BE49-F238E27FC236}">
-                <a16:creationId xmlns:a16="http://schemas.microsoft.com/office/drawing/2014/main" xmlns="" id="{4034BEA3-1151-433C-A100-670BE34AD457}"/>
+                <a16:creationId xmlns="" xmlns:a16="http://schemas.microsoft.com/office/drawing/2014/main" id="{4034BEA3-1151-433C-A100-670BE34AD457}"/>
               </a:ext>
             </a:extLst>
           </p:cNvPr>
@@ -2826,7 +2826,7 @@
           <p:cNvPr id="3" name="텍스트 개체 틀 2">
             <a:extLst>
               <a:ext uri="{FF2B5EF4-FFF2-40B4-BE49-F238E27FC236}">
-                <a16:creationId xmlns:a16="http://schemas.microsoft.com/office/drawing/2014/main" xmlns="" id="{A927C8D3-2F02-4C7D-9DD1-C0BCE3F3F720}"/>
+                <a16:creationId xmlns="" xmlns:a16="http://schemas.microsoft.com/office/drawing/2014/main" id="{A927C8D3-2F02-4C7D-9DD1-C0BCE3F3F720}"/>
               </a:ext>
             </a:extLst>
           </p:cNvPr>
@@ -2893,7 +2893,7 @@
           <p:cNvPr id="4" name="날짜 개체 틀 3">
             <a:extLst>
               <a:ext uri="{FF2B5EF4-FFF2-40B4-BE49-F238E27FC236}">
-                <a16:creationId xmlns:a16="http://schemas.microsoft.com/office/drawing/2014/main" xmlns="" id="{2A8C95A0-2D59-4D18-8F8C-2F393F0715DB}"/>
+                <a16:creationId xmlns="" xmlns:a16="http://schemas.microsoft.com/office/drawing/2014/main" id="{2A8C95A0-2D59-4D18-8F8C-2F393F0715DB}"/>
               </a:ext>
             </a:extLst>
           </p:cNvPr>
@@ -2941,7 +2941,7 @@
           <p:cNvPr id="5" name="바닥글 개체 틀 4">
             <a:extLst>
               <a:ext uri="{FF2B5EF4-FFF2-40B4-BE49-F238E27FC236}">
-                <a16:creationId xmlns:a16="http://schemas.microsoft.com/office/drawing/2014/main" xmlns="" id="{1568CB7D-F4B8-40C1-AA57-58F975FDB4DF}"/>
+                <a16:creationId xmlns="" xmlns:a16="http://schemas.microsoft.com/office/drawing/2014/main" id="{1568CB7D-F4B8-40C1-AA57-58F975FDB4DF}"/>
               </a:ext>
             </a:extLst>
           </p:cNvPr>
@@ -2984,7 +2984,7 @@
           <p:cNvPr id="6" name="슬라이드 번호 개체 틀 5">
             <a:extLst>
               <a:ext uri="{FF2B5EF4-FFF2-40B4-BE49-F238E27FC236}">
-                <a16:creationId xmlns:a16="http://schemas.microsoft.com/office/drawing/2014/main" xmlns="" id="{2020A16C-380A-40ED-AC11-7C9891CFE414}"/>
+                <a16:creationId xmlns="" xmlns:a16="http://schemas.microsoft.com/office/drawing/2014/main" id="{2020A16C-380A-40ED-AC11-7C9891CFE414}"/>
               </a:ext>
             </a:extLst>
           </p:cNvPr>
@@ -3353,7 +3353,7 @@
           <p:cNvPr id="4" name="표 4">
             <a:extLst>
               <a:ext uri="{FF2B5EF4-FFF2-40B4-BE49-F238E27FC236}">
-                <a16:creationId xmlns:a16="http://schemas.microsoft.com/office/drawing/2014/main" xmlns="" id="{B305719E-D3E5-4E7E-B17F-23D2B8F0881C}"/>
+                <a16:creationId xmlns="" xmlns:a16="http://schemas.microsoft.com/office/drawing/2014/main" id="{B305719E-D3E5-4E7E-B17F-23D2B8F0881C}"/>
               </a:ext>
             </a:extLst>
           </p:cNvPr>
@@ -3382,21 +3382,21 @@
                 <a:gridCol w="2033729">
                   <a:extLst>
                     <a:ext uri="{9D8B030D-6E8A-4147-A177-3AD203B41FA5}">
-                      <a16:colId xmlns:a16="http://schemas.microsoft.com/office/drawing/2014/main" xmlns="" val="3571064474"/>
+                      <a16:colId xmlns="" xmlns:a16="http://schemas.microsoft.com/office/drawing/2014/main" val="3571064474"/>
                     </a:ext>
                   </a:extLst>
                 </a:gridCol>
                 <a:gridCol w="1557196">
                   <a:extLst>
                     <a:ext uri="{9D8B030D-6E8A-4147-A177-3AD203B41FA5}">
-                      <a16:colId xmlns:a16="http://schemas.microsoft.com/office/drawing/2014/main" xmlns="" val="4257211528"/>
+                      <a16:colId xmlns="" xmlns:a16="http://schemas.microsoft.com/office/drawing/2014/main" val="4257211528"/>
                     </a:ext>
                   </a:extLst>
                 </a:gridCol>
                 <a:gridCol w="1665838">
                   <a:extLst>
                     <a:ext uri="{9D8B030D-6E8A-4147-A177-3AD203B41FA5}">
-                      <a16:colId xmlns:a16="http://schemas.microsoft.com/office/drawing/2014/main" xmlns="" val="3023545236"/>
+                      <a16:colId xmlns="" xmlns:a16="http://schemas.microsoft.com/office/drawing/2014/main" val="3023545236"/>
                     </a:ext>
                   </a:extLst>
                 </a:gridCol>
@@ -3404,21 +3404,21 @@
                 <a:gridCol w="1738265">
                   <a:extLst>
                     <a:ext uri="{9D8B030D-6E8A-4147-A177-3AD203B41FA5}">
-                      <a16:colId xmlns:a16="http://schemas.microsoft.com/office/drawing/2014/main" xmlns="" val="2920563116"/>
+                      <a16:colId xmlns="" xmlns:a16="http://schemas.microsoft.com/office/drawing/2014/main" val="2920563116"/>
                     </a:ext>
                   </a:extLst>
                 </a:gridCol>
                 <a:gridCol w="1720158">
                   <a:extLst>
                     <a:ext uri="{9D8B030D-6E8A-4147-A177-3AD203B41FA5}">
-                      <a16:colId xmlns:a16="http://schemas.microsoft.com/office/drawing/2014/main" xmlns="" val="3475859244"/>
+                      <a16:colId xmlns="" xmlns:a16="http://schemas.microsoft.com/office/drawing/2014/main" val="3475859244"/>
                     </a:ext>
                   </a:extLst>
                 </a:gridCol>
                 <a:gridCol w="1602273">
                   <a:extLst>
                     <a:ext uri="{9D8B030D-6E8A-4147-A177-3AD203B41FA5}">
-                      <a16:colId xmlns:a16="http://schemas.microsoft.com/office/drawing/2014/main" xmlns="" val="3472189352"/>
+                      <a16:colId xmlns="" xmlns:a16="http://schemas.microsoft.com/office/drawing/2014/main" val="3472189352"/>
                     </a:ext>
                   </a:extLst>
                 </a:gridCol>
@@ -3981,7 +3981,7 @@
                 </a:tc>
                 <a:extLst>
                   <a:ext uri="{0D108BD9-81ED-4DB2-BD59-A6C34878D82A}">
-                    <a16:rowId xmlns:a16="http://schemas.microsoft.com/office/drawing/2014/main" xmlns="" val="243423754"/>
+                    <a16:rowId xmlns="" xmlns:a16="http://schemas.microsoft.com/office/drawing/2014/main" val="243423754"/>
                   </a:ext>
                 </a:extLst>
               </a:tr>
@@ -6452,7 +6452,7 @@
                 </a:tc>
                 <a:extLst>
                   <a:ext uri="{0D108BD9-81ED-4DB2-BD59-A6C34878D82A}">
-                    <a16:rowId xmlns:a16="http://schemas.microsoft.com/office/drawing/2014/main" xmlns="" val="3134473238"/>
+                    <a16:rowId xmlns="" xmlns:a16="http://schemas.microsoft.com/office/drawing/2014/main" val="3134473238"/>
                   </a:ext>
                 </a:extLst>
               </a:tr>
@@ -6465,7 +6465,7 @@
           <p:cNvPr id="6" name="직선 화살표 연결선 5">
             <a:extLst>
               <a:ext uri="{FF2B5EF4-FFF2-40B4-BE49-F238E27FC236}">
-                <a16:creationId xmlns:a16="http://schemas.microsoft.com/office/drawing/2014/main" xmlns="" id="{3F7B84A3-1AD0-4DF7-A6BC-4B5B198A72B9}"/>
+                <a16:creationId xmlns="" xmlns:a16="http://schemas.microsoft.com/office/drawing/2014/main" id="{3F7B84A3-1AD0-4DF7-A6BC-4B5B198A72B9}"/>
               </a:ext>
             </a:extLst>
           </p:cNvPr>
@@ -6512,7 +6512,7 @@
           <p:cNvPr id="7" name="직선 화살표 연결선 6">
             <a:extLst>
               <a:ext uri="{FF2B5EF4-FFF2-40B4-BE49-F238E27FC236}">
-                <a16:creationId xmlns:a16="http://schemas.microsoft.com/office/drawing/2014/main" xmlns="" id="{3992F012-AF65-4E39-8E9C-577F6F0B7BD2}"/>
+                <a16:creationId xmlns="" xmlns:a16="http://schemas.microsoft.com/office/drawing/2014/main" id="{3992F012-AF65-4E39-8E9C-577F6F0B7BD2}"/>
               </a:ext>
             </a:extLst>
           </p:cNvPr>
@@ -6559,7 +6559,7 @@
           <p:cNvPr id="14" name="TextBox 13">
             <a:extLst>
               <a:ext uri="{FF2B5EF4-FFF2-40B4-BE49-F238E27FC236}">
-                <a16:creationId xmlns:a16="http://schemas.microsoft.com/office/drawing/2014/main" xmlns="" id="{83A2AE63-3C59-4FEB-BBED-3D51275125E3}"/>
+                <a16:creationId xmlns="" xmlns:a16="http://schemas.microsoft.com/office/drawing/2014/main" id="{83A2AE63-3C59-4FEB-BBED-3D51275125E3}"/>
               </a:ext>
             </a:extLst>
           </p:cNvPr>
@@ -6608,7 +6608,7 @@
           <p:cNvPr id="16" name="TextBox 15">
             <a:extLst>
               <a:ext uri="{FF2B5EF4-FFF2-40B4-BE49-F238E27FC236}">
-                <a16:creationId xmlns:a16="http://schemas.microsoft.com/office/drawing/2014/main" xmlns="" id="{B5D51435-1C6A-443A-871F-F312D05722E2}"/>
+                <a16:creationId xmlns="" xmlns:a16="http://schemas.microsoft.com/office/drawing/2014/main" id="{B5D51435-1C6A-443A-871F-F312D05722E2}"/>
               </a:ext>
             </a:extLst>
           </p:cNvPr>
@@ -6657,7 +6657,7 @@
           <p:cNvPr id="19" name="직선 화살표 연결선 18">
             <a:extLst>
               <a:ext uri="{FF2B5EF4-FFF2-40B4-BE49-F238E27FC236}">
-                <a16:creationId xmlns:a16="http://schemas.microsoft.com/office/drawing/2014/main" xmlns="" id="{EC28C33C-129E-4506-9549-3759C91D42BE}"/>
+                <a16:creationId xmlns="" xmlns:a16="http://schemas.microsoft.com/office/drawing/2014/main" id="{EC28C33C-129E-4506-9549-3759C91D42BE}"/>
               </a:ext>
             </a:extLst>
           </p:cNvPr>
@@ -6704,7 +6704,7 @@
           <p:cNvPr id="20" name="TextBox 19">
             <a:extLst>
               <a:ext uri="{FF2B5EF4-FFF2-40B4-BE49-F238E27FC236}">
-                <a16:creationId xmlns:a16="http://schemas.microsoft.com/office/drawing/2014/main" xmlns="" id="{BDD2FA7E-1E88-4F78-ABF6-567824DD1ECE}"/>
+                <a16:creationId xmlns="" xmlns:a16="http://schemas.microsoft.com/office/drawing/2014/main" id="{BDD2FA7E-1E88-4F78-ABF6-567824DD1ECE}"/>
               </a:ext>
             </a:extLst>
           </p:cNvPr>
@@ -6753,7 +6753,7 @@
           <p:cNvPr id="21" name="직선 화살표 연결선 20">
             <a:extLst>
               <a:ext uri="{FF2B5EF4-FFF2-40B4-BE49-F238E27FC236}">
-                <a16:creationId xmlns:a16="http://schemas.microsoft.com/office/drawing/2014/main" xmlns="" id="{75322384-8370-42A2-9AA6-9103C9E005E6}"/>
+                <a16:creationId xmlns="" xmlns:a16="http://schemas.microsoft.com/office/drawing/2014/main" id="{75322384-8370-42A2-9AA6-9103C9E005E6}"/>
               </a:ext>
             </a:extLst>
           </p:cNvPr>
@@ -6800,7 +6800,7 @@
           <p:cNvPr id="23" name="직선 화살표 연결선 22">
             <a:extLst>
               <a:ext uri="{FF2B5EF4-FFF2-40B4-BE49-F238E27FC236}">
-                <a16:creationId xmlns:a16="http://schemas.microsoft.com/office/drawing/2014/main" xmlns="" id="{366CBA92-9226-4C4A-ACDD-433CD65941DE}"/>
+                <a16:creationId xmlns="" xmlns:a16="http://schemas.microsoft.com/office/drawing/2014/main" id="{366CBA92-9226-4C4A-ACDD-433CD65941DE}"/>
               </a:ext>
             </a:extLst>
           </p:cNvPr>
@@ -6847,7 +6847,7 @@
           <p:cNvPr id="25" name="TextBox 24">
             <a:extLst>
               <a:ext uri="{FF2B5EF4-FFF2-40B4-BE49-F238E27FC236}">
-                <a16:creationId xmlns:a16="http://schemas.microsoft.com/office/drawing/2014/main" xmlns="" id="{ED21C0EA-1B65-43C8-AAD0-87268DCF3FD2}"/>
+                <a16:creationId xmlns="" xmlns:a16="http://schemas.microsoft.com/office/drawing/2014/main" id="{ED21C0EA-1B65-43C8-AAD0-87268DCF3FD2}"/>
               </a:ext>
             </a:extLst>
           </p:cNvPr>
@@ -6877,14 +6877,24 @@
           <a:p>
             <a:pPr algn="ctr"/>
             <a:r>
-              <a:rPr lang="en-US" altLang="ko-KR" sz="1000" smtClean="0">
+              <a:rPr lang="en-US" altLang="ko-KR" sz="1000" dirty="0" err="1" smtClean="0">
                 <a:solidFill>
                   <a:schemeClr val="accent6">
                     <a:lumMod val="75000"/>
                   </a:schemeClr>
                 </a:solidFill>
               </a:rPr>
-              <a:t>GuestbookVo </a:t>
+              <a:t>GuestbookVo</a:t>
+            </a:r>
+            <a:r>
+              <a:rPr lang="en-US" altLang="ko-KR" sz="1000" dirty="0" smtClean="0">
+                <a:solidFill>
+                  <a:schemeClr val="accent6">
+                    <a:lumMod val="75000"/>
+                  </a:schemeClr>
+                </a:solidFill>
+              </a:rPr>
+              <a:t> </a:t>
             </a:r>
             <a:r>
               <a:rPr lang="en-US" altLang="ko-KR" sz="1000" dirty="0" err="1" smtClean="0">
@@ -6930,7 +6940,7 @@
           <p:cNvPr id="56" name="직선 화살표 연결선 55">
             <a:extLst>
               <a:ext uri="{FF2B5EF4-FFF2-40B4-BE49-F238E27FC236}">
-                <a16:creationId xmlns:a16="http://schemas.microsoft.com/office/drawing/2014/main" xmlns="" id="{3992F012-AF65-4E39-8E9C-577F6F0B7BD2}"/>
+                <a16:creationId xmlns="" xmlns:a16="http://schemas.microsoft.com/office/drawing/2014/main" id="{3992F012-AF65-4E39-8E9C-577F6F0B7BD2}"/>
               </a:ext>
             </a:extLst>
           </p:cNvPr>
@@ -6977,7 +6987,7 @@
           <p:cNvPr id="61" name="직선 화살표 연결선 60">
             <a:extLst>
               <a:ext uri="{FF2B5EF4-FFF2-40B4-BE49-F238E27FC236}">
-                <a16:creationId xmlns:a16="http://schemas.microsoft.com/office/drawing/2014/main" xmlns="" id="{3992F012-AF65-4E39-8E9C-577F6F0B7BD2}"/>
+                <a16:creationId xmlns="" xmlns:a16="http://schemas.microsoft.com/office/drawing/2014/main" id="{3992F012-AF65-4E39-8E9C-577F6F0B7BD2}"/>
               </a:ext>
             </a:extLst>
           </p:cNvPr>
@@ -7024,7 +7034,7 @@
           <p:cNvPr id="65" name="직선 화살표 연결선 64">
             <a:extLst>
               <a:ext uri="{FF2B5EF4-FFF2-40B4-BE49-F238E27FC236}">
-                <a16:creationId xmlns:a16="http://schemas.microsoft.com/office/drawing/2014/main" xmlns="" id="{3992F012-AF65-4E39-8E9C-577F6F0B7BD2}"/>
+                <a16:creationId xmlns="" xmlns:a16="http://schemas.microsoft.com/office/drawing/2014/main" id="{3992F012-AF65-4E39-8E9C-577F6F0B7BD2}"/>
               </a:ext>
             </a:extLst>
           </p:cNvPr>
@@ -7071,7 +7081,7 @@
           <p:cNvPr id="70" name="직선 화살표 연결선 69">
             <a:extLst>
               <a:ext uri="{FF2B5EF4-FFF2-40B4-BE49-F238E27FC236}">
-                <a16:creationId xmlns:a16="http://schemas.microsoft.com/office/drawing/2014/main" xmlns="" id="{EC28C33C-129E-4506-9549-3759C91D42BE}"/>
+                <a16:creationId xmlns="" xmlns:a16="http://schemas.microsoft.com/office/drawing/2014/main" id="{EC28C33C-129E-4506-9549-3759C91D42BE}"/>
               </a:ext>
             </a:extLst>
           </p:cNvPr>
@@ -7118,7 +7128,7 @@
           <p:cNvPr id="71" name="직선 화살표 연결선 70">
             <a:extLst>
               <a:ext uri="{FF2B5EF4-FFF2-40B4-BE49-F238E27FC236}">
-                <a16:creationId xmlns:a16="http://schemas.microsoft.com/office/drawing/2014/main" xmlns="" id="{EC28C33C-129E-4506-9549-3759C91D42BE}"/>
+                <a16:creationId xmlns="" xmlns:a16="http://schemas.microsoft.com/office/drawing/2014/main" id="{EC28C33C-129E-4506-9549-3759C91D42BE}"/>
               </a:ext>
             </a:extLst>
           </p:cNvPr>
@@ -7165,7 +7175,7 @@
           <p:cNvPr id="72" name="직선 화살표 연결선 71">
             <a:extLst>
               <a:ext uri="{FF2B5EF4-FFF2-40B4-BE49-F238E27FC236}">
-                <a16:creationId xmlns:a16="http://schemas.microsoft.com/office/drawing/2014/main" xmlns="" id="{EC28C33C-129E-4506-9549-3759C91D42BE}"/>
+                <a16:creationId xmlns="" xmlns:a16="http://schemas.microsoft.com/office/drawing/2014/main" id="{EC28C33C-129E-4506-9549-3759C91D42BE}"/>
               </a:ext>
             </a:extLst>
           </p:cNvPr>
@@ -7212,7 +7222,7 @@
           <p:cNvPr id="73" name="TextBox 72">
             <a:extLst>
               <a:ext uri="{FF2B5EF4-FFF2-40B4-BE49-F238E27FC236}">
-                <a16:creationId xmlns:a16="http://schemas.microsoft.com/office/drawing/2014/main" xmlns="" id="{BDD2FA7E-1E88-4F78-ABF6-567824DD1ECE}"/>
+                <a16:creationId xmlns="" xmlns:a16="http://schemas.microsoft.com/office/drawing/2014/main" id="{BDD2FA7E-1E88-4F78-ABF6-567824DD1ECE}"/>
               </a:ext>
             </a:extLst>
           </p:cNvPr>
@@ -7261,7 +7271,7 @@
           <p:cNvPr id="74" name="TextBox 73">
             <a:extLst>
               <a:ext uri="{FF2B5EF4-FFF2-40B4-BE49-F238E27FC236}">
-                <a16:creationId xmlns:a16="http://schemas.microsoft.com/office/drawing/2014/main" xmlns="" id="{BDD2FA7E-1E88-4F78-ABF6-567824DD1ECE}"/>
+                <a16:creationId xmlns="" xmlns:a16="http://schemas.microsoft.com/office/drawing/2014/main" id="{BDD2FA7E-1E88-4F78-ABF6-567824DD1ECE}"/>
               </a:ext>
             </a:extLst>
           </p:cNvPr>
@@ -7334,7 +7344,7 @@
           <p:cNvPr id="75" name="직선 화살표 연결선 74">
             <a:extLst>
               <a:ext uri="{FF2B5EF4-FFF2-40B4-BE49-F238E27FC236}">
-                <a16:creationId xmlns:a16="http://schemas.microsoft.com/office/drawing/2014/main" xmlns="" id="{3F7B84A3-1AD0-4DF7-A6BC-4B5B198A72B9}"/>
+                <a16:creationId xmlns="" xmlns:a16="http://schemas.microsoft.com/office/drawing/2014/main" id="{3F7B84A3-1AD0-4DF7-A6BC-4B5B198A72B9}"/>
               </a:ext>
             </a:extLst>
           </p:cNvPr>
@@ -7381,7 +7391,7 @@
           <p:cNvPr id="76" name="직선 화살표 연결선 75">
             <a:extLst>
               <a:ext uri="{FF2B5EF4-FFF2-40B4-BE49-F238E27FC236}">
-                <a16:creationId xmlns:a16="http://schemas.microsoft.com/office/drawing/2014/main" xmlns="" id="{366CBA92-9226-4C4A-ACDD-433CD65941DE}"/>
+                <a16:creationId xmlns="" xmlns:a16="http://schemas.microsoft.com/office/drawing/2014/main" id="{366CBA92-9226-4C4A-ACDD-433CD65941DE}"/>
               </a:ext>
             </a:extLst>
           </p:cNvPr>
@@ -7428,7 +7438,7 @@
           <p:cNvPr id="77" name="직선 화살표 연결선 76">
             <a:extLst>
               <a:ext uri="{FF2B5EF4-FFF2-40B4-BE49-F238E27FC236}">
-                <a16:creationId xmlns:a16="http://schemas.microsoft.com/office/drawing/2014/main" xmlns="" id="{3992F012-AF65-4E39-8E9C-577F6F0B7BD2}"/>
+                <a16:creationId xmlns="" xmlns:a16="http://schemas.microsoft.com/office/drawing/2014/main" id="{3992F012-AF65-4E39-8E9C-577F6F0B7BD2}"/>
               </a:ext>
             </a:extLst>
           </p:cNvPr>
@@ -7475,7 +7485,7 @@
           <p:cNvPr id="80" name="직선 화살표 연결선 79">
             <a:extLst>
               <a:ext uri="{FF2B5EF4-FFF2-40B4-BE49-F238E27FC236}">
-                <a16:creationId xmlns:a16="http://schemas.microsoft.com/office/drawing/2014/main" xmlns="" id="{EC28C33C-129E-4506-9549-3759C91D42BE}"/>
+                <a16:creationId xmlns="" xmlns:a16="http://schemas.microsoft.com/office/drawing/2014/main" id="{EC28C33C-129E-4506-9549-3759C91D42BE}"/>
               </a:ext>
             </a:extLst>
           </p:cNvPr>
@@ -7522,7 +7532,7 @@
           <p:cNvPr id="81" name="직선 화살표 연결선 80">
             <a:extLst>
               <a:ext uri="{FF2B5EF4-FFF2-40B4-BE49-F238E27FC236}">
-                <a16:creationId xmlns:a16="http://schemas.microsoft.com/office/drawing/2014/main" xmlns="" id="{3992F012-AF65-4E39-8E9C-577F6F0B7BD2}"/>
+                <a16:creationId xmlns="" xmlns:a16="http://schemas.microsoft.com/office/drawing/2014/main" id="{3992F012-AF65-4E39-8E9C-577F6F0B7BD2}"/>
               </a:ext>
             </a:extLst>
           </p:cNvPr>
@@ -7569,7 +7579,7 @@
           <p:cNvPr id="82" name="직선 화살표 연결선 81">
             <a:extLst>
               <a:ext uri="{FF2B5EF4-FFF2-40B4-BE49-F238E27FC236}">
-                <a16:creationId xmlns:a16="http://schemas.microsoft.com/office/drawing/2014/main" xmlns="" id="{EC28C33C-129E-4506-9549-3759C91D42BE}"/>
+                <a16:creationId xmlns="" xmlns:a16="http://schemas.microsoft.com/office/drawing/2014/main" id="{EC28C33C-129E-4506-9549-3759C91D42BE}"/>
               </a:ext>
             </a:extLst>
           </p:cNvPr>
@@ -7616,7 +7626,7 @@
           <p:cNvPr id="83" name="TextBox 82">
             <a:extLst>
               <a:ext uri="{FF2B5EF4-FFF2-40B4-BE49-F238E27FC236}">
-                <a16:creationId xmlns:a16="http://schemas.microsoft.com/office/drawing/2014/main" xmlns="" id="{ED21C0EA-1B65-43C8-AAD0-87268DCF3FD2}"/>
+                <a16:creationId xmlns="" xmlns:a16="http://schemas.microsoft.com/office/drawing/2014/main" id="{ED21C0EA-1B65-43C8-AAD0-87268DCF3FD2}"/>
               </a:ext>
             </a:extLst>
           </p:cNvPr>
@@ -7680,7 +7690,7 @@
           <p:cNvPr id="84" name="TextBox 83">
             <a:extLst>
               <a:ext uri="{FF2B5EF4-FFF2-40B4-BE49-F238E27FC236}">
-                <a16:creationId xmlns:a16="http://schemas.microsoft.com/office/drawing/2014/main" xmlns="" id="{ED21C0EA-1B65-43C8-AAD0-87268DCF3FD2}"/>
+                <a16:creationId xmlns="" xmlns:a16="http://schemas.microsoft.com/office/drawing/2014/main" id="{ED21C0EA-1B65-43C8-AAD0-87268DCF3FD2}"/>
               </a:ext>
             </a:extLst>
           </p:cNvPr>
@@ -7744,7 +7754,7 @@
           <p:cNvPr id="85" name="직선 화살표 연결선 84">
             <a:extLst>
               <a:ext uri="{FF2B5EF4-FFF2-40B4-BE49-F238E27FC236}">
-                <a16:creationId xmlns:a16="http://schemas.microsoft.com/office/drawing/2014/main" xmlns="" id="{3992F012-AF65-4E39-8E9C-577F6F0B7BD2}"/>
+                <a16:creationId xmlns="" xmlns:a16="http://schemas.microsoft.com/office/drawing/2014/main" id="{3992F012-AF65-4E39-8E9C-577F6F0B7BD2}"/>
               </a:ext>
             </a:extLst>
           </p:cNvPr>
@@ -7791,7 +7801,7 @@
           <p:cNvPr id="86" name="TextBox 85">
             <a:extLst>
               <a:ext uri="{FF2B5EF4-FFF2-40B4-BE49-F238E27FC236}">
-                <a16:creationId xmlns:a16="http://schemas.microsoft.com/office/drawing/2014/main" xmlns="" id="{ED21C0EA-1B65-43C8-AAD0-87268DCF3FD2}"/>
+                <a16:creationId xmlns="" xmlns:a16="http://schemas.microsoft.com/office/drawing/2014/main" id="{ED21C0EA-1B65-43C8-AAD0-87268DCF3FD2}"/>
               </a:ext>
             </a:extLst>
           </p:cNvPr>
@@ -7855,7 +7865,7 @@
           <p:cNvPr id="87" name="직선 화살표 연결선 86">
             <a:extLst>
               <a:ext uri="{FF2B5EF4-FFF2-40B4-BE49-F238E27FC236}">
-                <a16:creationId xmlns:a16="http://schemas.microsoft.com/office/drawing/2014/main" xmlns="" id="{3992F012-AF65-4E39-8E9C-577F6F0B7BD2}"/>
+                <a16:creationId xmlns="" xmlns:a16="http://schemas.microsoft.com/office/drawing/2014/main" id="{3992F012-AF65-4E39-8E9C-577F6F0B7BD2}"/>
               </a:ext>
             </a:extLst>
           </p:cNvPr>
@@ -7902,7 +7912,7 @@
           <p:cNvPr id="88" name="TextBox 87">
             <a:extLst>
               <a:ext uri="{FF2B5EF4-FFF2-40B4-BE49-F238E27FC236}">
-                <a16:creationId xmlns:a16="http://schemas.microsoft.com/office/drawing/2014/main" xmlns="" id="{ED21C0EA-1B65-43C8-AAD0-87268DCF3FD2}"/>
+                <a16:creationId xmlns="" xmlns:a16="http://schemas.microsoft.com/office/drawing/2014/main" id="{ED21C0EA-1B65-43C8-AAD0-87268DCF3FD2}"/>
               </a:ext>
             </a:extLst>
           </p:cNvPr>
@@ -7966,7 +7976,7 @@
           <p:cNvPr id="89" name="직선 화살표 연결선 88">
             <a:extLst>
               <a:ext uri="{FF2B5EF4-FFF2-40B4-BE49-F238E27FC236}">
-                <a16:creationId xmlns:a16="http://schemas.microsoft.com/office/drawing/2014/main" xmlns="" id="{EC28C33C-129E-4506-9549-3759C91D42BE}"/>
+                <a16:creationId xmlns="" xmlns:a16="http://schemas.microsoft.com/office/drawing/2014/main" id="{EC28C33C-129E-4506-9549-3759C91D42BE}"/>
               </a:ext>
             </a:extLst>
           </p:cNvPr>
@@ -8013,7 +8023,7 @@
           <p:cNvPr id="90" name="직선 화살표 연결선 89">
             <a:extLst>
               <a:ext uri="{FF2B5EF4-FFF2-40B4-BE49-F238E27FC236}">
-                <a16:creationId xmlns:a16="http://schemas.microsoft.com/office/drawing/2014/main" xmlns="" id="{EC28C33C-129E-4506-9549-3759C91D42BE}"/>
+                <a16:creationId xmlns="" xmlns:a16="http://schemas.microsoft.com/office/drawing/2014/main" id="{EC28C33C-129E-4506-9549-3759C91D42BE}"/>
               </a:ext>
             </a:extLst>
           </p:cNvPr>
@@ -8060,7 +8070,7 @@
           <p:cNvPr id="91" name="TextBox 90">
             <a:extLst>
               <a:ext uri="{FF2B5EF4-FFF2-40B4-BE49-F238E27FC236}">
-                <a16:creationId xmlns:a16="http://schemas.microsoft.com/office/drawing/2014/main" xmlns="" id="{BDD2FA7E-1E88-4F78-ABF6-567824DD1ECE}"/>
+                <a16:creationId xmlns="" xmlns:a16="http://schemas.microsoft.com/office/drawing/2014/main" id="{BDD2FA7E-1E88-4F78-ABF6-567824DD1ECE}"/>
               </a:ext>
             </a:extLst>
           </p:cNvPr>
@@ -8136,7 +8146,7 @@
           <p:cNvPr id="92" name="직선 화살표 연결선 91">
             <a:extLst>
               <a:ext uri="{FF2B5EF4-FFF2-40B4-BE49-F238E27FC236}">
-                <a16:creationId xmlns:a16="http://schemas.microsoft.com/office/drawing/2014/main" xmlns="" id="{3F7B84A3-1AD0-4DF7-A6BC-4B5B198A72B9}"/>
+                <a16:creationId xmlns="" xmlns:a16="http://schemas.microsoft.com/office/drawing/2014/main" id="{3F7B84A3-1AD0-4DF7-A6BC-4B5B198A72B9}"/>
               </a:ext>
             </a:extLst>
           </p:cNvPr>
@@ -8183,7 +8193,7 @@
           <p:cNvPr id="93" name="직선 화살표 연결선 92">
             <a:extLst>
               <a:ext uri="{FF2B5EF4-FFF2-40B4-BE49-F238E27FC236}">
-                <a16:creationId xmlns:a16="http://schemas.microsoft.com/office/drawing/2014/main" xmlns="" id="{3F7B84A3-1AD0-4DF7-A6BC-4B5B198A72B9}"/>
+                <a16:creationId xmlns="" xmlns:a16="http://schemas.microsoft.com/office/drawing/2014/main" id="{3F7B84A3-1AD0-4DF7-A6BC-4B5B198A72B9}"/>
               </a:ext>
             </a:extLst>
           </p:cNvPr>
@@ -8230,7 +8240,7 @@
           <p:cNvPr id="95" name="직선 화살표 연결선 94">
             <a:extLst>
               <a:ext uri="{FF2B5EF4-FFF2-40B4-BE49-F238E27FC236}">
-                <a16:creationId xmlns:a16="http://schemas.microsoft.com/office/drawing/2014/main" xmlns="" id="{366CBA92-9226-4C4A-ACDD-433CD65941DE}"/>
+                <a16:creationId xmlns="" xmlns:a16="http://schemas.microsoft.com/office/drawing/2014/main" id="{366CBA92-9226-4C4A-ACDD-433CD65941DE}"/>
               </a:ext>
             </a:extLst>
           </p:cNvPr>
@@ -8277,7 +8287,7 @@
           <p:cNvPr id="98" name="직선 화살표 연결선 97">
             <a:extLst>
               <a:ext uri="{FF2B5EF4-FFF2-40B4-BE49-F238E27FC236}">
-                <a16:creationId xmlns:a16="http://schemas.microsoft.com/office/drawing/2014/main" xmlns="" id="{366CBA92-9226-4C4A-ACDD-433CD65941DE}"/>
+                <a16:creationId xmlns="" xmlns:a16="http://schemas.microsoft.com/office/drawing/2014/main" id="{366CBA92-9226-4C4A-ACDD-433CD65941DE}"/>
               </a:ext>
             </a:extLst>
           </p:cNvPr>
@@ -8324,7 +8334,7 @@
           <p:cNvPr id="99" name="직선 화살표 연결선 98">
             <a:extLst>
               <a:ext uri="{FF2B5EF4-FFF2-40B4-BE49-F238E27FC236}">
-                <a16:creationId xmlns:a16="http://schemas.microsoft.com/office/drawing/2014/main" xmlns="" id="{3F7B84A3-1AD0-4DF7-A6BC-4B5B198A72B9}"/>
+                <a16:creationId xmlns="" xmlns:a16="http://schemas.microsoft.com/office/drawing/2014/main" id="{3F7B84A3-1AD0-4DF7-A6BC-4B5B198A72B9}"/>
               </a:ext>
             </a:extLst>
           </p:cNvPr>
@@ -8371,7 +8381,7 @@
           <p:cNvPr id="101" name="직선 화살표 연결선 100">
             <a:extLst>
               <a:ext uri="{FF2B5EF4-FFF2-40B4-BE49-F238E27FC236}">
-                <a16:creationId xmlns:a16="http://schemas.microsoft.com/office/drawing/2014/main" xmlns="" id="{366CBA92-9226-4C4A-ACDD-433CD65941DE}"/>
+                <a16:creationId xmlns="" xmlns:a16="http://schemas.microsoft.com/office/drawing/2014/main" id="{366CBA92-9226-4C4A-ACDD-433CD65941DE}"/>
               </a:ext>
             </a:extLst>
           </p:cNvPr>
@@ -8418,7 +8428,7 @@
           <p:cNvPr id="103" name="직선 화살표 연결선 102">
             <a:extLst>
               <a:ext uri="{FF2B5EF4-FFF2-40B4-BE49-F238E27FC236}">
-                <a16:creationId xmlns:a16="http://schemas.microsoft.com/office/drawing/2014/main" xmlns="" id="{3992F012-AF65-4E39-8E9C-577F6F0B7BD2}"/>
+                <a16:creationId xmlns="" xmlns:a16="http://schemas.microsoft.com/office/drawing/2014/main" id="{3992F012-AF65-4E39-8E9C-577F6F0B7BD2}"/>
               </a:ext>
             </a:extLst>
           </p:cNvPr>
@@ -8465,7 +8475,7 @@
           <p:cNvPr id="104" name="TextBox 103">
             <a:extLst>
               <a:ext uri="{FF2B5EF4-FFF2-40B4-BE49-F238E27FC236}">
-                <a16:creationId xmlns:a16="http://schemas.microsoft.com/office/drawing/2014/main" xmlns="" id="{ED21C0EA-1B65-43C8-AAD0-87268DCF3FD2}"/>
+                <a16:creationId xmlns="" xmlns:a16="http://schemas.microsoft.com/office/drawing/2014/main" id="{ED21C0EA-1B65-43C8-AAD0-87268DCF3FD2}"/>
               </a:ext>
             </a:extLst>
           </p:cNvPr>
@@ -8549,7 +8559,7 @@
           <p:cNvPr id="105" name="직선 화살표 연결선 104">
             <a:extLst>
               <a:ext uri="{FF2B5EF4-FFF2-40B4-BE49-F238E27FC236}">
-                <a16:creationId xmlns:a16="http://schemas.microsoft.com/office/drawing/2014/main" xmlns="" id="{3992F012-AF65-4E39-8E9C-577F6F0B7BD2}"/>
+                <a16:creationId xmlns="" xmlns:a16="http://schemas.microsoft.com/office/drawing/2014/main" id="{3992F012-AF65-4E39-8E9C-577F6F0B7BD2}"/>
               </a:ext>
             </a:extLst>
           </p:cNvPr>
@@ -8596,7 +8606,7 @@
           <p:cNvPr id="106" name="직선 화살표 연결선 105">
             <a:extLst>
               <a:ext uri="{FF2B5EF4-FFF2-40B4-BE49-F238E27FC236}">
-                <a16:creationId xmlns:a16="http://schemas.microsoft.com/office/drawing/2014/main" xmlns="" id="{3992F012-AF65-4E39-8E9C-577F6F0B7BD2}"/>
+                <a16:creationId xmlns="" xmlns:a16="http://schemas.microsoft.com/office/drawing/2014/main" id="{3992F012-AF65-4E39-8E9C-577F6F0B7BD2}"/>
               </a:ext>
             </a:extLst>
           </p:cNvPr>
@@ -8643,7 +8653,7 @@
           <p:cNvPr id="107" name="직선 화살표 연결선 106">
             <a:extLst>
               <a:ext uri="{FF2B5EF4-FFF2-40B4-BE49-F238E27FC236}">
-                <a16:creationId xmlns:a16="http://schemas.microsoft.com/office/drawing/2014/main" xmlns="" id="{3992F012-AF65-4E39-8E9C-577F6F0B7BD2}"/>
+                <a16:creationId xmlns="" xmlns:a16="http://schemas.microsoft.com/office/drawing/2014/main" id="{3992F012-AF65-4E39-8E9C-577F6F0B7BD2}"/>
               </a:ext>
             </a:extLst>
           </p:cNvPr>
@@ -8690,7 +8700,7 @@
           <p:cNvPr id="110" name="직선 화살표 연결선 109">
             <a:extLst>
               <a:ext uri="{FF2B5EF4-FFF2-40B4-BE49-F238E27FC236}">
-                <a16:creationId xmlns:a16="http://schemas.microsoft.com/office/drawing/2014/main" xmlns="" id="{EC28C33C-129E-4506-9549-3759C91D42BE}"/>
+                <a16:creationId xmlns="" xmlns:a16="http://schemas.microsoft.com/office/drawing/2014/main" id="{EC28C33C-129E-4506-9549-3759C91D42BE}"/>
               </a:ext>
             </a:extLst>
           </p:cNvPr>
@@ -8737,7 +8747,7 @@
           <p:cNvPr id="111" name="직선 화살표 연결선 110">
             <a:extLst>
               <a:ext uri="{FF2B5EF4-FFF2-40B4-BE49-F238E27FC236}">
-                <a16:creationId xmlns:a16="http://schemas.microsoft.com/office/drawing/2014/main" xmlns="" id="{EC28C33C-129E-4506-9549-3759C91D42BE}"/>
+                <a16:creationId xmlns="" xmlns:a16="http://schemas.microsoft.com/office/drawing/2014/main" id="{EC28C33C-129E-4506-9549-3759C91D42BE}"/>
               </a:ext>
             </a:extLst>
           </p:cNvPr>
@@ -8784,7 +8794,7 @@
           <p:cNvPr id="112" name="직선 화살표 연결선 111">
             <a:extLst>
               <a:ext uri="{FF2B5EF4-FFF2-40B4-BE49-F238E27FC236}">
-                <a16:creationId xmlns:a16="http://schemas.microsoft.com/office/drawing/2014/main" xmlns="" id="{EC28C33C-129E-4506-9549-3759C91D42BE}"/>
+                <a16:creationId xmlns="" xmlns:a16="http://schemas.microsoft.com/office/drawing/2014/main" id="{EC28C33C-129E-4506-9549-3759C91D42BE}"/>
               </a:ext>
             </a:extLst>
           </p:cNvPr>
@@ -8831,7 +8841,7 @@
           <p:cNvPr id="113" name="직선 화살표 연결선 112">
             <a:extLst>
               <a:ext uri="{FF2B5EF4-FFF2-40B4-BE49-F238E27FC236}">
-                <a16:creationId xmlns:a16="http://schemas.microsoft.com/office/drawing/2014/main" xmlns="" id="{EC28C33C-129E-4506-9549-3759C91D42BE}"/>
+                <a16:creationId xmlns="" xmlns:a16="http://schemas.microsoft.com/office/drawing/2014/main" id="{EC28C33C-129E-4506-9549-3759C91D42BE}"/>
               </a:ext>
             </a:extLst>
           </p:cNvPr>
@@ -8878,7 +8888,7 @@
           <p:cNvPr id="115" name="TextBox 114">
             <a:extLst>
               <a:ext uri="{FF2B5EF4-FFF2-40B4-BE49-F238E27FC236}">
-                <a16:creationId xmlns:a16="http://schemas.microsoft.com/office/drawing/2014/main" xmlns="" id="{BDD2FA7E-1E88-4F78-ABF6-567824DD1ECE}"/>
+                <a16:creationId xmlns="" xmlns:a16="http://schemas.microsoft.com/office/drawing/2014/main" id="{BDD2FA7E-1E88-4F78-ABF6-567824DD1ECE}"/>
               </a:ext>
             </a:extLst>
           </p:cNvPr>
@@ -8935,7 +8945,7 @@
           <p:cNvPr id="116" name="TextBox 115">
             <a:extLst>
               <a:ext uri="{FF2B5EF4-FFF2-40B4-BE49-F238E27FC236}">
-                <a16:creationId xmlns:a16="http://schemas.microsoft.com/office/drawing/2014/main" xmlns="" id="{BDD2FA7E-1E88-4F78-ABF6-567824DD1ECE}"/>
+                <a16:creationId xmlns="" xmlns:a16="http://schemas.microsoft.com/office/drawing/2014/main" id="{BDD2FA7E-1E88-4F78-ABF6-567824DD1ECE}"/>
               </a:ext>
             </a:extLst>
           </p:cNvPr>
@@ -8992,7 +9002,7 @@
           <p:cNvPr id="117" name="TextBox 116">
             <a:extLst>
               <a:ext uri="{FF2B5EF4-FFF2-40B4-BE49-F238E27FC236}">
-                <a16:creationId xmlns:a16="http://schemas.microsoft.com/office/drawing/2014/main" xmlns="" id="{BDD2FA7E-1E88-4F78-ABF6-567824DD1ECE}"/>
+                <a16:creationId xmlns="" xmlns:a16="http://schemas.microsoft.com/office/drawing/2014/main" id="{BDD2FA7E-1E88-4F78-ABF6-567824DD1ECE}"/>
               </a:ext>
             </a:extLst>
           </p:cNvPr>
@@ -9049,7 +9059,7 @@
           <p:cNvPr id="118" name="TextBox 117">
             <a:extLst>
               <a:ext uri="{FF2B5EF4-FFF2-40B4-BE49-F238E27FC236}">
-                <a16:creationId xmlns:a16="http://schemas.microsoft.com/office/drawing/2014/main" xmlns="" id="{ED21C0EA-1B65-43C8-AAD0-87268DCF3FD2}"/>
+                <a16:creationId xmlns="" xmlns:a16="http://schemas.microsoft.com/office/drawing/2014/main" id="{ED21C0EA-1B65-43C8-AAD0-87268DCF3FD2}"/>
               </a:ext>
             </a:extLst>
           </p:cNvPr>
@@ -9133,7 +9143,7 @@
           <p:cNvPr id="119" name="TextBox 118">
             <a:extLst>
               <a:ext uri="{FF2B5EF4-FFF2-40B4-BE49-F238E27FC236}">
-                <a16:creationId xmlns:a16="http://schemas.microsoft.com/office/drawing/2014/main" xmlns="" id="{ED21C0EA-1B65-43C8-AAD0-87268DCF3FD2}"/>
+                <a16:creationId xmlns="" xmlns:a16="http://schemas.microsoft.com/office/drawing/2014/main" id="{ED21C0EA-1B65-43C8-AAD0-87268DCF3FD2}"/>
               </a:ext>
             </a:extLst>
           </p:cNvPr>
@@ -9217,7 +9227,7 @@
           <p:cNvPr id="120" name="TextBox 119">
             <a:extLst>
               <a:ext uri="{FF2B5EF4-FFF2-40B4-BE49-F238E27FC236}">
-                <a16:creationId xmlns:a16="http://schemas.microsoft.com/office/drawing/2014/main" xmlns="" id="{ED21C0EA-1B65-43C8-AAD0-87268DCF3FD2}"/>
+                <a16:creationId xmlns="" xmlns:a16="http://schemas.microsoft.com/office/drawing/2014/main" id="{ED21C0EA-1B65-43C8-AAD0-87268DCF3FD2}"/>
               </a:ext>
             </a:extLst>
           </p:cNvPr>
@@ -9301,7 +9311,7 @@
           <p:cNvPr id="121" name="TextBox 120">
             <a:extLst>
               <a:ext uri="{FF2B5EF4-FFF2-40B4-BE49-F238E27FC236}">
-                <a16:creationId xmlns:a16="http://schemas.microsoft.com/office/drawing/2014/main" xmlns="" id="{ED21C0EA-1B65-43C8-AAD0-87268DCF3FD2}"/>
+                <a16:creationId xmlns="" xmlns:a16="http://schemas.microsoft.com/office/drawing/2014/main" id="{ED21C0EA-1B65-43C8-AAD0-87268DCF3FD2}"/>
               </a:ext>
             </a:extLst>
           </p:cNvPr>
@@ -9385,7 +9395,7 @@
           <p:cNvPr id="122" name="TextBox 121">
             <a:extLst>
               <a:ext uri="{FF2B5EF4-FFF2-40B4-BE49-F238E27FC236}">
-                <a16:creationId xmlns:a16="http://schemas.microsoft.com/office/drawing/2014/main" xmlns="" id="{BDD2FA7E-1E88-4F78-ABF6-567824DD1ECE}"/>
+                <a16:creationId xmlns="" xmlns:a16="http://schemas.microsoft.com/office/drawing/2014/main" id="{BDD2FA7E-1E88-4F78-ABF6-567824DD1ECE}"/>
               </a:ext>
             </a:extLst>
           </p:cNvPr>
@@ -9442,7 +9452,7 @@
           <p:cNvPr id="123" name="TextBox 122">
             <a:extLst>
               <a:ext uri="{FF2B5EF4-FFF2-40B4-BE49-F238E27FC236}">
-                <a16:creationId xmlns:a16="http://schemas.microsoft.com/office/drawing/2014/main" xmlns="" id="{BDD2FA7E-1E88-4F78-ABF6-567824DD1ECE}"/>
+                <a16:creationId xmlns="" xmlns:a16="http://schemas.microsoft.com/office/drawing/2014/main" id="{BDD2FA7E-1E88-4F78-ABF6-567824DD1ECE}"/>
               </a:ext>
             </a:extLst>
           </p:cNvPr>
@@ -9563,7 +9573,7 @@
           <p:cNvPr id="124" name="직선 화살표 연결선 123">
             <a:extLst>
               <a:ext uri="{FF2B5EF4-FFF2-40B4-BE49-F238E27FC236}">
-                <a16:creationId xmlns:a16="http://schemas.microsoft.com/office/drawing/2014/main" xmlns="" id="{3992F012-AF65-4E39-8E9C-577F6F0B7BD2}"/>
+                <a16:creationId xmlns="" xmlns:a16="http://schemas.microsoft.com/office/drawing/2014/main" id="{3992F012-AF65-4E39-8E9C-577F6F0B7BD2}"/>
               </a:ext>
             </a:extLst>
           </p:cNvPr>
@@ -9610,7 +9620,7 @@
           <p:cNvPr id="126" name="직선 화살표 연결선 125">
             <a:extLst>
               <a:ext uri="{FF2B5EF4-FFF2-40B4-BE49-F238E27FC236}">
-                <a16:creationId xmlns:a16="http://schemas.microsoft.com/office/drawing/2014/main" xmlns="" id="{EC28C33C-129E-4506-9549-3759C91D42BE}"/>
+                <a16:creationId xmlns="" xmlns:a16="http://schemas.microsoft.com/office/drawing/2014/main" id="{EC28C33C-129E-4506-9549-3759C91D42BE}"/>
               </a:ext>
             </a:extLst>
           </p:cNvPr>
@@ -9657,7 +9667,7 @@
           <p:cNvPr id="128" name="직선 화살표 연결선 127">
             <a:extLst>
               <a:ext uri="{FF2B5EF4-FFF2-40B4-BE49-F238E27FC236}">
-                <a16:creationId xmlns:a16="http://schemas.microsoft.com/office/drawing/2014/main" xmlns="" id="{3992F012-AF65-4E39-8E9C-577F6F0B7BD2}"/>
+                <a16:creationId xmlns="" xmlns:a16="http://schemas.microsoft.com/office/drawing/2014/main" id="{3992F012-AF65-4E39-8E9C-577F6F0B7BD2}"/>
               </a:ext>
             </a:extLst>
           </p:cNvPr>
@@ -9704,7 +9714,7 @@
           <p:cNvPr id="129" name="직선 화살표 연결선 128">
             <a:extLst>
               <a:ext uri="{FF2B5EF4-FFF2-40B4-BE49-F238E27FC236}">
-                <a16:creationId xmlns:a16="http://schemas.microsoft.com/office/drawing/2014/main" xmlns="" id="{EC28C33C-129E-4506-9549-3759C91D42BE}"/>
+                <a16:creationId xmlns="" xmlns:a16="http://schemas.microsoft.com/office/drawing/2014/main" id="{EC28C33C-129E-4506-9549-3759C91D42BE}"/>
               </a:ext>
             </a:extLst>
           </p:cNvPr>
@@ -9751,7 +9761,7 @@
           <p:cNvPr id="130" name="직선 화살표 연결선 129">
             <a:extLst>
               <a:ext uri="{FF2B5EF4-FFF2-40B4-BE49-F238E27FC236}">
-                <a16:creationId xmlns:a16="http://schemas.microsoft.com/office/drawing/2014/main" xmlns="" id="{3992F012-AF65-4E39-8E9C-577F6F0B7BD2}"/>
+                <a16:creationId xmlns="" xmlns:a16="http://schemas.microsoft.com/office/drawing/2014/main" id="{3992F012-AF65-4E39-8E9C-577F6F0B7BD2}"/>
               </a:ext>
             </a:extLst>
           </p:cNvPr>
@@ -9798,7 +9808,7 @@
           <p:cNvPr id="131" name="직선 화살표 연결선 130">
             <a:extLst>
               <a:ext uri="{FF2B5EF4-FFF2-40B4-BE49-F238E27FC236}">
-                <a16:creationId xmlns:a16="http://schemas.microsoft.com/office/drawing/2014/main" xmlns="" id="{EC28C33C-129E-4506-9549-3759C91D42BE}"/>
+                <a16:creationId xmlns="" xmlns:a16="http://schemas.microsoft.com/office/drawing/2014/main" id="{EC28C33C-129E-4506-9549-3759C91D42BE}"/>
               </a:ext>
             </a:extLst>
           </p:cNvPr>
@@ -9845,7 +9855,7 @@
           <p:cNvPr id="132" name="직선 화살표 연결선 131">
             <a:extLst>
               <a:ext uri="{FF2B5EF4-FFF2-40B4-BE49-F238E27FC236}">
-                <a16:creationId xmlns:a16="http://schemas.microsoft.com/office/drawing/2014/main" xmlns="" id="{3992F012-AF65-4E39-8E9C-577F6F0B7BD2}"/>
+                <a16:creationId xmlns="" xmlns:a16="http://schemas.microsoft.com/office/drawing/2014/main" id="{3992F012-AF65-4E39-8E9C-577F6F0B7BD2}"/>
               </a:ext>
             </a:extLst>
           </p:cNvPr>
@@ -9892,7 +9902,7 @@
           <p:cNvPr id="133" name="직선 화살표 연결선 132">
             <a:extLst>
               <a:ext uri="{FF2B5EF4-FFF2-40B4-BE49-F238E27FC236}">
-                <a16:creationId xmlns:a16="http://schemas.microsoft.com/office/drawing/2014/main" xmlns="" id="{EC28C33C-129E-4506-9549-3759C91D42BE}"/>
+                <a16:creationId xmlns="" xmlns:a16="http://schemas.microsoft.com/office/drawing/2014/main" id="{EC28C33C-129E-4506-9549-3759C91D42BE}"/>
               </a:ext>
             </a:extLst>
           </p:cNvPr>
@@ -9939,7 +9949,7 @@
           <p:cNvPr id="134" name="TextBox 133">
             <a:extLst>
               <a:ext uri="{FF2B5EF4-FFF2-40B4-BE49-F238E27FC236}">
-                <a16:creationId xmlns:a16="http://schemas.microsoft.com/office/drawing/2014/main" xmlns="" id="{ED21C0EA-1B65-43C8-AAD0-87268DCF3FD2}"/>
+                <a16:creationId xmlns="" xmlns:a16="http://schemas.microsoft.com/office/drawing/2014/main" id="{ED21C0EA-1B65-43C8-AAD0-87268DCF3FD2}"/>
               </a:ext>
             </a:extLst>
           </p:cNvPr>
@@ -10023,7 +10033,7 @@
           <p:cNvPr id="135" name="TextBox 134">
             <a:extLst>
               <a:ext uri="{FF2B5EF4-FFF2-40B4-BE49-F238E27FC236}">
-                <a16:creationId xmlns:a16="http://schemas.microsoft.com/office/drawing/2014/main" xmlns="" id="{ED21C0EA-1B65-43C8-AAD0-87268DCF3FD2}"/>
+                <a16:creationId xmlns="" xmlns:a16="http://schemas.microsoft.com/office/drawing/2014/main" id="{ED21C0EA-1B65-43C8-AAD0-87268DCF3FD2}"/>
               </a:ext>
             </a:extLst>
           </p:cNvPr>
@@ -10087,7 +10097,7 @@
           <p:cNvPr id="136" name="TextBox 135">
             <a:extLst>
               <a:ext uri="{FF2B5EF4-FFF2-40B4-BE49-F238E27FC236}">
-                <a16:creationId xmlns:a16="http://schemas.microsoft.com/office/drawing/2014/main" xmlns="" id="{ED21C0EA-1B65-43C8-AAD0-87268DCF3FD2}"/>
+                <a16:creationId xmlns="" xmlns:a16="http://schemas.microsoft.com/office/drawing/2014/main" id="{ED21C0EA-1B65-43C8-AAD0-87268DCF3FD2}"/>
               </a:ext>
             </a:extLst>
           </p:cNvPr>
@@ -10151,7 +10161,7 @@
           <p:cNvPr id="137" name="TextBox 136">
             <a:extLst>
               <a:ext uri="{FF2B5EF4-FFF2-40B4-BE49-F238E27FC236}">
-                <a16:creationId xmlns:a16="http://schemas.microsoft.com/office/drawing/2014/main" xmlns="" id="{ED21C0EA-1B65-43C8-AAD0-87268DCF3FD2}"/>
+                <a16:creationId xmlns="" xmlns:a16="http://schemas.microsoft.com/office/drawing/2014/main" id="{ED21C0EA-1B65-43C8-AAD0-87268DCF3FD2}"/>
               </a:ext>
             </a:extLst>
           </p:cNvPr>
@@ -10215,7 +10225,7 @@
           <p:cNvPr id="138" name="TextBox 137">
             <a:extLst>
               <a:ext uri="{FF2B5EF4-FFF2-40B4-BE49-F238E27FC236}">
-                <a16:creationId xmlns:a16="http://schemas.microsoft.com/office/drawing/2014/main" xmlns="" id="{BDD2FA7E-1E88-4F78-ABF6-567824DD1ECE}"/>
+                <a16:creationId xmlns="" xmlns:a16="http://schemas.microsoft.com/office/drawing/2014/main" id="{BDD2FA7E-1E88-4F78-ABF6-567824DD1ECE}"/>
               </a:ext>
             </a:extLst>
           </p:cNvPr>
@@ -10291,7 +10301,7 @@
           <p:cNvPr id="139" name="직선 화살표 연결선 138">
             <a:extLst>
               <a:ext uri="{FF2B5EF4-FFF2-40B4-BE49-F238E27FC236}">
-                <a16:creationId xmlns:a16="http://schemas.microsoft.com/office/drawing/2014/main" xmlns="" id="{3F7B84A3-1AD0-4DF7-A6BC-4B5B198A72B9}"/>
+                <a16:creationId xmlns="" xmlns:a16="http://schemas.microsoft.com/office/drawing/2014/main" id="{3F7B84A3-1AD0-4DF7-A6BC-4B5B198A72B9}"/>
               </a:ext>
             </a:extLst>
           </p:cNvPr>
@@ -10368,7 +10378,7 @@
           <p:cNvPr id="4" name="표 4">
             <a:extLst>
               <a:ext uri="{FF2B5EF4-FFF2-40B4-BE49-F238E27FC236}">
-                <a16:creationId xmlns:a16="http://schemas.microsoft.com/office/drawing/2014/main" xmlns="" id="{B305719E-D3E5-4E7E-B17F-23D2B8F0881C}"/>
+                <a16:creationId xmlns="" xmlns:a16="http://schemas.microsoft.com/office/drawing/2014/main" id="{B305719E-D3E5-4E7E-B17F-23D2B8F0881C}"/>
               </a:ext>
             </a:extLst>
           </p:cNvPr>
@@ -10397,21 +10407,21 @@
                 <a:gridCol w="2033729">
                   <a:extLst>
                     <a:ext uri="{9D8B030D-6E8A-4147-A177-3AD203B41FA5}">
-                      <a16:colId xmlns:a16="http://schemas.microsoft.com/office/drawing/2014/main" xmlns="" val="3571064474"/>
+                      <a16:colId xmlns="" xmlns:a16="http://schemas.microsoft.com/office/drawing/2014/main" val="3571064474"/>
                     </a:ext>
                   </a:extLst>
                 </a:gridCol>
                 <a:gridCol w="1557196">
                   <a:extLst>
                     <a:ext uri="{9D8B030D-6E8A-4147-A177-3AD203B41FA5}">
-                      <a16:colId xmlns:a16="http://schemas.microsoft.com/office/drawing/2014/main" xmlns="" val="4257211528"/>
+                      <a16:colId xmlns="" xmlns:a16="http://schemas.microsoft.com/office/drawing/2014/main" val="4257211528"/>
                     </a:ext>
                   </a:extLst>
                 </a:gridCol>
                 <a:gridCol w="1665838">
                   <a:extLst>
                     <a:ext uri="{9D8B030D-6E8A-4147-A177-3AD203B41FA5}">
-                      <a16:colId xmlns:a16="http://schemas.microsoft.com/office/drawing/2014/main" xmlns="" val="3023545236"/>
+                      <a16:colId xmlns="" xmlns:a16="http://schemas.microsoft.com/office/drawing/2014/main" val="3023545236"/>
                     </a:ext>
                   </a:extLst>
                 </a:gridCol>
@@ -10419,21 +10429,21 @@
                 <a:gridCol w="1738265">
                   <a:extLst>
                     <a:ext uri="{9D8B030D-6E8A-4147-A177-3AD203B41FA5}">
-                      <a16:colId xmlns:a16="http://schemas.microsoft.com/office/drawing/2014/main" xmlns="" val="2920563116"/>
+                      <a16:colId xmlns="" xmlns:a16="http://schemas.microsoft.com/office/drawing/2014/main" val="2920563116"/>
                     </a:ext>
                   </a:extLst>
                 </a:gridCol>
                 <a:gridCol w="1720158">
                   <a:extLst>
                     <a:ext uri="{9D8B030D-6E8A-4147-A177-3AD203B41FA5}">
-                      <a16:colId xmlns:a16="http://schemas.microsoft.com/office/drawing/2014/main" xmlns="" val="3475859244"/>
+                      <a16:colId xmlns="" xmlns:a16="http://schemas.microsoft.com/office/drawing/2014/main" val="3475859244"/>
                     </a:ext>
                   </a:extLst>
                 </a:gridCol>
                 <a:gridCol w="1602273">
                   <a:extLst>
                     <a:ext uri="{9D8B030D-6E8A-4147-A177-3AD203B41FA5}">
-                      <a16:colId xmlns:a16="http://schemas.microsoft.com/office/drawing/2014/main" xmlns="" val="3472189352"/>
+                      <a16:colId xmlns="" xmlns:a16="http://schemas.microsoft.com/office/drawing/2014/main" val="3472189352"/>
                     </a:ext>
                   </a:extLst>
                 </a:gridCol>
@@ -10996,7 +11006,7 @@
                 </a:tc>
                 <a:extLst>
                   <a:ext uri="{0D108BD9-81ED-4DB2-BD59-A6C34878D82A}">
-                    <a16:rowId xmlns:a16="http://schemas.microsoft.com/office/drawing/2014/main" xmlns="" val="243423754"/>
+                    <a16:rowId xmlns="" xmlns:a16="http://schemas.microsoft.com/office/drawing/2014/main" val="243423754"/>
                   </a:ext>
                 </a:extLst>
               </a:tr>
@@ -13507,7 +13517,7 @@
                 </a:tc>
                 <a:extLst>
                   <a:ext uri="{0D108BD9-81ED-4DB2-BD59-A6C34878D82A}">
-                    <a16:rowId xmlns:a16="http://schemas.microsoft.com/office/drawing/2014/main" xmlns="" val="3134473238"/>
+                    <a16:rowId xmlns="" xmlns:a16="http://schemas.microsoft.com/office/drawing/2014/main" val="3134473238"/>
                   </a:ext>
                 </a:extLst>
               </a:tr>
@@ -13520,7 +13530,7 @@
           <p:cNvPr id="6" name="직선 화살표 연결선 5">
             <a:extLst>
               <a:ext uri="{FF2B5EF4-FFF2-40B4-BE49-F238E27FC236}">
-                <a16:creationId xmlns:a16="http://schemas.microsoft.com/office/drawing/2014/main" xmlns="" id="{3F7B84A3-1AD0-4DF7-A6BC-4B5B198A72B9}"/>
+                <a16:creationId xmlns="" xmlns:a16="http://schemas.microsoft.com/office/drawing/2014/main" id="{3F7B84A3-1AD0-4DF7-A6BC-4B5B198A72B9}"/>
               </a:ext>
             </a:extLst>
           </p:cNvPr>
@@ -13567,7 +13577,7 @@
           <p:cNvPr id="7" name="직선 화살표 연결선 6">
             <a:extLst>
               <a:ext uri="{FF2B5EF4-FFF2-40B4-BE49-F238E27FC236}">
-                <a16:creationId xmlns:a16="http://schemas.microsoft.com/office/drawing/2014/main" xmlns="" id="{3992F012-AF65-4E39-8E9C-577F6F0B7BD2}"/>
+                <a16:creationId xmlns="" xmlns:a16="http://schemas.microsoft.com/office/drawing/2014/main" id="{3992F012-AF65-4E39-8E9C-577F6F0B7BD2}"/>
               </a:ext>
             </a:extLst>
           </p:cNvPr>
@@ -13614,7 +13624,7 @@
           <p:cNvPr id="14" name="TextBox 13">
             <a:extLst>
               <a:ext uri="{FF2B5EF4-FFF2-40B4-BE49-F238E27FC236}">
-                <a16:creationId xmlns:a16="http://schemas.microsoft.com/office/drawing/2014/main" xmlns="" id="{83A2AE63-3C59-4FEB-BBED-3D51275125E3}"/>
+                <a16:creationId xmlns="" xmlns:a16="http://schemas.microsoft.com/office/drawing/2014/main" id="{83A2AE63-3C59-4FEB-BBED-3D51275125E3}"/>
               </a:ext>
             </a:extLst>
           </p:cNvPr>
@@ -13679,7 +13689,7 @@
           <p:cNvPr id="16" name="TextBox 15">
             <a:extLst>
               <a:ext uri="{FF2B5EF4-FFF2-40B4-BE49-F238E27FC236}">
-                <a16:creationId xmlns:a16="http://schemas.microsoft.com/office/drawing/2014/main" xmlns="" id="{B5D51435-1C6A-443A-871F-F312D05722E2}"/>
+                <a16:creationId xmlns="" xmlns:a16="http://schemas.microsoft.com/office/drawing/2014/main" id="{B5D51435-1C6A-443A-871F-F312D05722E2}"/>
               </a:ext>
             </a:extLst>
           </p:cNvPr>
@@ -13744,7 +13754,7 @@
           <p:cNvPr id="19" name="직선 화살표 연결선 18">
             <a:extLst>
               <a:ext uri="{FF2B5EF4-FFF2-40B4-BE49-F238E27FC236}">
-                <a16:creationId xmlns:a16="http://schemas.microsoft.com/office/drawing/2014/main" xmlns="" id="{EC28C33C-129E-4506-9549-3759C91D42BE}"/>
+                <a16:creationId xmlns="" xmlns:a16="http://schemas.microsoft.com/office/drawing/2014/main" id="{EC28C33C-129E-4506-9549-3759C91D42BE}"/>
               </a:ext>
             </a:extLst>
           </p:cNvPr>
@@ -13791,7 +13801,7 @@
           <p:cNvPr id="20" name="TextBox 19">
             <a:extLst>
               <a:ext uri="{FF2B5EF4-FFF2-40B4-BE49-F238E27FC236}">
-                <a16:creationId xmlns:a16="http://schemas.microsoft.com/office/drawing/2014/main" xmlns="" id="{BDD2FA7E-1E88-4F78-ABF6-567824DD1ECE}"/>
+                <a16:creationId xmlns="" xmlns:a16="http://schemas.microsoft.com/office/drawing/2014/main" id="{BDD2FA7E-1E88-4F78-ABF6-567824DD1ECE}"/>
               </a:ext>
             </a:extLst>
           </p:cNvPr>
@@ -13856,7 +13866,7 @@
           <p:cNvPr id="21" name="직선 화살표 연결선 20">
             <a:extLst>
               <a:ext uri="{FF2B5EF4-FFF2-40B4-BE49-F238E27FC236}">
-                <a16:creationId xmlns:a16="http://schemas.microsoft.com/office/drawing/2014/main" xmlns="" id="{75322384-8370-42A2-9AA6-9103C9E005E6}"/>
+                <a16:creationId xmlns="" xmlns:a16="http://schemas.microsoft.com/office/drawing/2014/main" id="{75322384-8370-42A2-9AA6-9103C9E005E6}"/>
               </a:ext>
             </a:extLst>
           </p:cNvPr>
@@ -13903,7 +13913,7 @@
           <p:cNvPr id="23" name="직선 화살표 연결선 22">
             <a:extLst>
               <a:ext uri="{FF2B5EF4-FFF2-40B4-BE49-F238E27FC236}">
-                <a16:creationId xmlns:a16="http://schemas.microsoft.com/office/drawing/2014/main" xmlns="" id="{366CBA92-9226-4C4A-ACDD-433CD65941DE}"/>
+                <a16:creationId xmlns="" xmlns:a16="http://schemas.microsoft.com/office/drawing/2014/main" id="{366CBA92-9226-4C4A-ACDD-433CD65941DE}"/>
               </a:ext>
             </a:extLst>
           </p:cNvPr>
@@ -13950,7 +13960,7 @@
           <p:cNvPr id="25" name="TextBox 24">
             <a:extLst>
               <a:ext uri="{FF2B5EF4-FFF2-40B4-BE49-F238E27FC236}">
-                <a16:creationId xmlns:a16="http://schemas.microsoft.com/office/drawing/2014/main" xmlns="" id="{ED21C0EA-1B65-43C8-AAD0-87268DCF3FD2}"/>
+                <a16:creationId xmlns="" xmlns:a16="http://schemas.microsoft.com/office/drawing/2014/main" id="{ED21C0EA-1B65-43C8-AAD0-87268DCF3FD2}"/>
               </a:ext>
             </a:extLst>
           </p:cNvPr>
@@ -14017,7 +14027,7 @@
           <p:cNvPr id="56" name="직선 화살표 연결선 55">
             <a:extLst>
               <a:ext uri="{FF2B5EF4-FFF2-40B4-BE49-F238E27FC236}">
-                <a16:creationId xmlns:a16="http://schemas.microsoft.com/office/drawing/2014/main" xmlns="" id="{3992F012-AF65-4E39-8E9C-577F6F0B7BD2}"/>
+                <a16:creationId xmlns="" xmlns:a16="http://schemas.microsoft.com/office/drawing/2014/main" id="{3992F012-AF65-4E39-8E9C-577F6F0B7BD2}"/>
               </a:ext>
             </a:extLst>
           </p:cNvPr>
@@ -14064,7 +14074,7 @@
           <p:cNvPr id="61" name="직선 화살표 연결선 60">
             <a:extLst>
               <a:ext uri="{FF2B5EF4-FFF2-40B4-BE49-F238E27FC236}">
-                <a16:creationId xmlns:a16="http://schemas.microsoft.com/office/drawing/2014/main" xmlns="" id="{3992F012-AF65-4E39-8E9C-577F6F0B7BD2}"/>
+                <a16:creationId xmlns="" xmlns:a16="http://schemas.microsoft.com/office/drawing/2014/main" id="{3992F012-AF65-4E39-8E9C-577F6F0B7BD2}"/>
               </a:ext>
             </a:extLst>
           </p:cNvPr>
@@ -14111,7 +14121,7 @@
           <p:cNvPr id="65" name="직선 화살표 연결선 64">
             <a:extLst>
               <a:ext uri="{FF2B5EF4-FFF2-40B4-BE49-F238E27FC236}">
-                <a16:creationId xmlns:a16="http://schemas.microsoft.com/office/drawing/2014/main" xmlns="" id="{3992F012-AF65-4E39-8E9C-577F6F0B7BD2}"/>
+                <a16:creationId xmlns="" xmlns:a16="http://schemas.microsoft.com/office/drawing/2014/main" id="{3992F012-AF65-4E39-8E9C-577F6F0B7BD2}"/>
               </a:ext>
             </a:extLst>
           </p:cNvPr>
@@ -14158,7 +14168,7 @@
           <p:cNvPr id="70" name="직선 화살표 연결선 69">
             <a:extLst>
               <a:ext uri="{FF2B5EF4-FFF2-40B4-BE49-F238E27FC236}">
-                <a16:creationId xmlns:a16="http://schemas.microsoft.com/office/drawing/2014/main" xmlns="" id="{EC28C33C-129E-4506-9549-3759C91D42BE}"/>
+                <a16:creationId xmlns="" xmlns:a16="http://schemas.microsoft.com/office/drawing/2014/main" id="{EC28C33C-129E-4506-9549-3759C91D42BE}"/>
               </a:ext>
             </a:extLst>
           </p:cNvPr>
@@ -14205,7 +14215,7 @@
           <p:cNvPr id="71" name="직선 화살표 연결선 70">
             <a:extLst>
               <a:ext uri="{FF2B5EF4-FFF2-40B4-BE49-F238E27FC236}">
-                <a16:creationId xmlns:a16="http://schemas.microsoft.com/office/drawing/2014/main" xmlns="" id="{EC28C33C-129E-4506-9549-3759C91D42BE}"/>
+                <a16:creationId xmlns="" xmlns:a16="http://schemas.microsoft.com/office/drawing/2014/main" id="{EC28C33C-129E-4506-9549-3759C91D42BE}"/>
               </a:ext>
             </a:extLst>
           </p:cNvPr>
@@ -14252,7 +14262,7 @@
           <p:cNvPr id="72" name="직선 화살표 연결선 71">
             <a:extLst>
               <a:ext uri="{FF2B5EF4-FFF2-40B4-BE49-F238E27FC236}">
-                <a16:creationId xmlns:a16="http://schemas.microsoft.com/office/drawing/2014/main" xmlns="" id="{EC28C33C-129E-4506-9549-3759C91D42BE}"/>
+                <a16:creationId xmlns="" xmlns:a16="http://schemas.microsoft.com/office/drawing/2014/main" id="{EC28C33C-129E-4506-9549-3759C91D42BE}"/>
               </a:ext>
             </a:extLst>
           </p:cNvPr>
@@ -14299,7 +14309,7 @@
           <p:cNvPr id="73" name="TextBox 72">
             <a:extLst>
               <a:ext uri="{FF2B5EF4-FFF2-40B4-BE49-F238E27FC236}">
-                <a16:creationId xmlns:a16="http://schemas.microsoft.com/office/drawing/2014/main" xmlns="" id="{BDD2FA7E-1E88-4F78-ABF6-567824DD1ECE}"/>
+                <a16:creationId xmlns="" xmlns:a16="http://schemas.microsoft.com/office/drawing/2014/main" id="{BDD2FA7E-1E88-4F78-ABF6-567824DD1ECE}"/>
               </a:ext>
             </a:extLst>
           </p:cNvPr>
@@ -14364,7 +14374,7 @@
           <p:cNvPr id="74" name="TextBox 73">
             <a:extLst>
               <a:ext uri="{FF2B5EF4-FFF2-40B4-BE49-F238E27FC236}">
-                <a16:creationId xmlns:a16="http://schemas.microsoft.com/office/drawing/2014/main" xmlns="" id="{BDD2FA7E-1E88-4F78-ABF6-567824DD1ECE}"/>
+                <a16:creationId xmlns="" xmlns:a16="http://schemas.microsoft.com/office/drawing/2014/main" id="{BDD2FA7E-1E88-4F78-ABF6-567824DD1ECE}"/>
               </a:ext>
             </a:extLst>
           </p:cNvPr>
@@ -14445,7 +14455,7 @@
           <p:cNvPr id="75" name="직선 화살표 연결선 74">
             <a:extLst>
               <a:ext uri="{FF2B5EF4-FFF2-40B4-BE49-F238E27FC236}">
-                <a16:creationId xmlns:a16="http://schemas.microsoft.com/office/drawing/2014/main" xmlns="" id="{3F7B84A3-1AD0-4DF7-A6BC-4B5B198A72B9}"/>
+                <a16:creationId xmlns="" xmlns:a16="http://schemas.microsoft.com/office/drawing/2014/main" id="{3F7B84A3-1AD0-4DF7-A6BC-4B5B198A72B9}"/>
               </a:ext>
             </a:extLst>
           </p:cNvPr>
@@ -14492,7 +14502,7 @@
           <p:cNvPr id="77" name="직선 화살표 연결선 76">
             <a:extLst>
               <a:ext uri="{FF2B5EF4-FFF2-40B4-BE49-F238E27FC236}">
-                <a16:creationId xmlns:a16="http://schemas.microsoft.com/office/drawing/2014/main" xmlns="" id="{3992F012-AF65-4E39-8E9C-577F6F0B7BD2}"/>
+                <a16:creationId xmlns="" xmlns:a16="http://schemas.microsoft.com/office/drawing/2014/main" id="{3992F012-AF65-4E39-8E9C-577F6F0B7BD2}"/>
               </a:ext>
             </a:extLst>
           </p:cNvPr>
@@ -14539,7 +14549,7 @@
           <p:cNvPr id="80" name="직선 화살표 연결선 79">
             <a:extLst>
               <a:ext uri="{FF2B5EF4-FFF2-40B4-BE49-F238E27FC236}">
-                <a16:creationId xmlns:a16="http://schemas.microsoft.com/office/drawing/2014/main" xmlns="" id="{EC28C33C-129E-4506-9549-3759C91D42BE}"/>
+                <a16:creationId xmlns="" xmlns:a16="http://schemas.microsoft.com/office/drawing/2014/main" id="{EC28C33C-129E-4506-9549-3759C91D42BE}"/>
               </a:ext>
             </a:extLst>
           </p:cNvPr>
@@ -14586,7 +14596,7 @@
           <p:cNvPr id="81" name="직선 화살표 연결선 80">
             <a:extLst>
               <a:ext uri="{FF2B5EF4-FFF2-40B4-BE49-F238E27FC236}">
-                <a16:creationId xmlns:a16="http://schemas.microsoft.com/office/drawing/2014/main" xmlns="" id="{3992F012-AF65-4E39-8E9C-577F6F0B7BD2}"/>
+                <a16:creationId xmlns="" xmlns:a16="http://schemas.microsoft.com/office/drawing/2014/main" id="{3992F012-AF65-4E39-8E9C-577F6F0B7BD2}"/>
               </a:ext>
             </a:extLst>
           </p:cNvPr>
@@ -14633,7 +14643,7 @@
           <p:cNvPr id="82" name="직선 화살표 연결선 81">
             <a:extLst>
               <a:ext uri="{FF2B5EF4-FFF2-40B4-BE49-F238E27FC236}">
-                <a16:creationId xmlns:a16="http://schemas.microsoft.com/office/drawing/2014/main" xmlns="" id="{EC28C33C-129E-4506-9549-3759C91D42BE}"/>
+                <a16:creationId xmlns="" xmlns:a16="http://schemas.microsoft.com/office/drawing/2014/main" id="{EC28C33C-129E-4506-9549-3759C91D42BE}"/>
               </a:ext>
             </a:extLst>
           </p:cNvPr>
@@ -14680,7 +14690,7 @@
           <p:cNvPr id="83" name="TextBox 82">
             <a:extLst>
               <a:ext uri="{FF2B5EF4-FFF2-40B4-BE49-F238E27FC236}">
-                <a16:creationId xmlns:a16="http://schemas.microsoft.com/office/drawing/2014/main" xmlns="" id="{ED21C0EA-1B65-43C8-AAD0-87268DCF3FD2}"/>
+                <a16:creationId xmlns="" xmlns:a16="http://schemas.microsoft.com/office/drawing/2014/main" id="{ED21C0EA-1B65-43C8-AAD0-87268DCF3FD2}"/>
               </a:ext>
             </a:extLst>
           </p:cNvPr>
@@ -14754,7 +14764,7 @@
           <p:cNvPr id="84" name="TextBox 83">
             <a:extLst>
               <a:ext uri="{FF2B5EF4-FFF2-40B4-BE49-F238E27FC236}">
-                <a16:creationId xmlns:a16="http://schemas.microsoft.com/office/drawing/2014/main" xmlns="" id="{ED21C0EA-1B65-43C8-AAD0-87268DCF3FD2}"/>
+                <a16:creationId xmlns="" xmlns:a16="http://schemas.microsoft.com/office/drawing/2014/main" id="{ED21C0EA-1B65-43C8-AAD0-87268DCF3FD2}"/>
               </a:ext>
             </a:extLst>
           </p:cNvPr>
@@ -14828,7 +14838,7 @@
           <p:cNvPr id="85" name="직선 화살표 연결선 84">
             <a:extLst>
               <a:ext uri="{FF2B5EF4-FFF2-40B4-BE49-F238E27FC236}">
-                <a16:creationId xmlns:a16="http://schemas.microsoft.com/office/drawing/2014/main" xmlns="" id="{3992F012-AF65-4E39-8E9C-577F6F0B7BD2}"/>
+                <a16:creationId xmlns="" xmlns:a16="http://schemas.microsoft.com/office/drawing/2014/main" id="{3992F012-AF65-4E39-8E9C-577F6F0B7BD2}"/>
               </a:ext>
             </a:extLst>
           </p:cNvPr>
@@ -14875,7 +14885,7 @@
           <p:cNvPr id="86" name="TextBox 85">
             <a:extLst>
               <a:ext uri="{FF2B5EF4-FFF2-40B4-BE49-F238E27FC236}">
-                <a16:creationId xmlns:a16="http://schemas.microsoft.com/office/drawing/2014/main" xmlns="" id="{ED21C0EA-1B65-43C8-AAD0-87268DCF3FD2}"/>
+                <a16:creationId xmlns="" xmlns:a16="http://schemas.microsoft.com/office/drawing/2014/main" id="{ED21C0EA-1B65-43C8-AAD0-87268DCF3FD2}"/>
               </a:ext>
             </a:extLst>
           </p:cNvPr>
@@ -14949,7 +14959,7 @@
           <p:cNvPr id="87" name="직선 화살표 연결선 86">
             <a:extLst>
               <a:ext uri="{FF2B5EF4-FFF2-40B4-BE49-F238E27FC236}">
-                <a16:creationId xmlns:a16="http://schemas.microsoft.com/office/drawing/2014/main" xmlns="" id="{3992F012-AF65-4E39-8E9C-577F6F0B7BD2}"/>
+                <a16:creationId xmlns="" xmlns:a16="http://schemas.microsoft.com/office/drawing/2014/main" id="{3992F012-AF65-4E39-8E9C-577F6F0B7BD2}"/>
               </a:ext>
             </a:extLst>
           </p:cNvPr>
@@ -14996,7 +15006,7 @@
           <p:cNvPr id="88" name="TextBox 87">
             <a:extLst>
               <a:ext uri="{FF2B5EF4-FFF2-40B4-BE49-F238E27FC236}">
-                <a16:creationId xmlns:a16="http://schemas.microsoft.com/office/drawing/2014/main" xmlns="" id="{ED21C0EA-1B65-43C8-AAD0-87268DCF3FD2}"/>
+                <a16:creationId xmlns="" xmlns:a16="http://schemas.microsoft.com/office/drawing/2014/main" id="{ED21C0EA-1B65-43C8-AAD0-87268DCF3FD2}"/>
               </a:ext>
             </a:extLst>
           </p:cNvPr>
@@ -15073,7 +15083,7 @@
           <p:cNvPr id="89" name="직선 화살표 연결선 88">
             <a:extLst>
               <a:ext uri="{FF2B5EF4-FFF2-40B4-BE49-F238E27FC236}">
-                <a16:creationId xmlns:a16="http://schemas.microsoft.com/office/drawing/2014/main" xmlns="" id="{EC28C33C-129E-4506-9549-3759C91D42BE}"/>
+                <a16:creationId xmlns="" xmlns:a16="http://schemas.microsoft.com/office/drawing/2014/main" id="{EC28C33C-129E-4506-9549-3759C91D42BE}"/>
               </a:ext>
             </a:extLst>
           </p:cNvPr>
@@ -15120,7 +15130,7 @@
           <p:cNvPr id="90" name="직선 화살표 연결선 89">
             <a:extLst>
               <a:ext uri="{FF2B5EF4-FFF2-40B4-BE49-F238E27FC236}">
-                <a16:creationId xmlns:a16="http://schemas.microsoft.com/office/drawing/2014/main" xmlns="" id="{EC28C33C-129E-4506-9549-3759C91D42BE}"/>
+                <a16:creationId xmlns="" xmlns:a16="http://schemas.microsoft.com/office/drawing/2014/main" id="{EC28C33C-129E-4506-9549-3759C91D42BE}"/>
               </a:ext>
             </a:extLst>
           </p:cNvPr>
@@ -15167,7 +15177,7 @@
           <p:cNvPr id="93" name="직선 화살표 연결선 92">
             <a:extLst>
               <a:ext uri="{FF2B5EF4-FFF2-40B4-BE49-F238E27FC236}">
-                <a16:creationId xmlns:a16="http://schemas.microsoft.com/office/drawing/2014/main" xmlns="" id="{3F7B84A3-1AD0-4DF7-A6BC-4B5B198A72B9}"/>
+                <a16:creationId xmlns="" xmlns:a16="http://schemas.microsoft.com/office/drawing/2014/main" id="{3F7B84A3-1AD0-4DF7-A6BC-4B5B198A72B9}"/>
               </a:ext>
             </a:extLst>
           </p:cNvPr>
@@ -15214,7 +15224,7 @@
           <p:cNvPr id="95" name="직선 화살표 연결선 94">
             <a:extLst>
               <a:ext uri="{FF2B5EF4-FFF2-40B4-BE49-F238E27FC236}">
-                <a16:creationId xmlns:a16="http://schemas.microsoft.com/office/drawing/2014/main" xmlns="" id="{366CBA92-9226-4C4A-ACDD-433CD65941DE}"/>
+                <a16:creationId xmlns="" xmlns:a16="http://schemas.microsoft.com/office/drawing/2014/main" id="{366CBA92-9226-4C4A-ACDD-433CD65941DE}"/>
               </a:ext>
             </a:extLst>
           </p:cNvPr>
@@ -15261,7 +15271,7 @@
           <p:cNvPr id="98" name="직선 화살표 연결선 97">
             <a:extLst>
               <a:ext uri="{FF2B5EF4-FFF2-40B4-BE49-F238E27FC236}">
-                <a16:creationId xmlns:a16="http://schemas.microsoft.com/office/drawing/2014/main" xmlns="" id="{366CBA92-9226-4C4A-ACDD-433CD65941DE}"/>
+                <a16:creationId xmlns="" xmlns:a16="http://schemas.microsoft.com/office/drawing/2014/main" id="{366CBA92-9226-4C4A-ACDD-433CD65941DE}"/>
               </a:ext>
             </a:extLst>
           </p:cNvPr>
@@ -15308,7 +15318,7 @@
           <p:cNvPr id="99" name="직선 화살표 연결선 98">
             <a:extLst>
               <a:ext uri="{FF2B5EF4-FFF2-40B4-BE49-F238E27FC236}">
-                <a16:creationId xmlns:a16="http://schemas.microsoft.com/office/drawing/2014/main" xmlns="" id="{3F7B84A3-1AD0-4DF7-A6BC-4B5B198A72B9}"/>
+                <a16:creationId xmlns="" xmlns:a16="http://schemas.microsoft.com/office/drawing/2014/main" id="{3F7B84A3-1AD0-4DF7-A6BC-4B5B198A72B9}"/>
               </a:ext>
             </a:extLst>
           </p:cNvPr>
@@ -15355,7 +15365,7 @@
           <p:cNvPr id="101" name="직선 화살표 연결선 100">
             <a:extLst>
               <a:ext uri="{FF2B5EF4-FFF2-40B4-BE49-F238E27FC236}">
-                <a16:creationId xmlns:a16="http://schemas.microsoft.com/office/drawing/2014/main" xmlns="" id="{366CBA92-9226-4C4A-ACDD-433CD65941DE}"/>
+                <a16:creationId xmlns="" xmlns:a16="http://schemas.microsoft.com/office/drawing/2014/main" id="{366CBA92-9226-4C4A-ACDD-433CD65941DE}"/>
               </a:ext>
             </a:extLst>
           </p:cNvPr>
@@ -15402,7 +15412,7 @@
           <p:cNvPr id="103" name="직선 화살표 연결선 102">
             <a:extLst>
               <a:ext uri="{FF2B5EF4-FFF2-40B4-BE49-F238E27FC236}">
-                <a16:creationId xmlns:a16="http://schemas.microsoft.com/office/drawing/2014/main" xmlns="" id="{3992F012-AF65-4E39-8E9C-577F6F0B7BD2}"/>
+                <a16:creationId xmlns="" xmlns:a16="http://schemas.microsoft.com/office/drawing/2014/main" id="{3992F012-AF65-4E39-8E9C-577F6F0B7BD2}"/>
               </a:ext>
             </a:extLst>
           </p:cNvPr>
@@ -15449,7 +15459,7 @@
           <p:cNvPr id="104" name="TextBox 103">
             <a:extLst>
               <a:ext uri="{FF2B5EF4-FFF2-40B4-BE49-F238E27FC236}">
-                <a16:creationId xmlns:a16="http://schemas.microsoft.com/office/drawing/2014/main" xmlns="" id="{ED21C0EA-1B65-43C8-AAD0-87268DCF3FD2}"/>
+                <a16:creationId xmlns="" xmlns:a16="http://schemas.microsoft.com/office/drawing/2014/main" id="{ED21C0EA-1B65-43C8-AAD0-87268DCF3FD2}"/>
               </a:ext>
             </a:extLst>
           </p:cNvPr>
@@ -15543,7 +15553,7 @@
           <p:cNvPr id="110" name="직선 화살표 연결선 109">
             <a:extLst>
               <a:ext uri="{FF2B5EF4-FFF2-40B4-BE49-F238E27FC236}">
-                <a16:creationId xmlns:a16="http://schemas.microsoft.com/office/drawing/2014/main" xmlns="" id="{EC28C33C-129E-4506-9549-3759C91D42BE}"/>
+                <a16:creationId xmlns="" xmlns:a16="http://schemas.microsoft.com/office/drawing/2014/main" id="{EC28C33C-129E-4506-9549-3759C91D42BE}"/>
               </a:ext>
             </a:extLst>
           </p:cNvPr>
@@ -15590,7 +15600,7 @@
           <p:cNvPr id="111" name="직선 화살표 연결선 110">
             <a:extLst>
               <a:ext uri="{FF2B5EF4-FFF2-40B4-BE49-F238E27FC236}">
-                <a16:creationId xmlns:a16="http://schemas.microsoft.com/office/drawing/2014/main" xmlns="" id="{EC28C33C-129E-4506-9549-3759C91D42BE}"/>
+                <a16:creationId xmlns="" xmlns:a16="http://schemas.microsoft.com/office/drawing/2014/main" id="{EC28C33C-129E-4506-9549-3759C91D42BE}"/>
               </a:ext>
             </a:extLst>
           </p:cNvPr>
@@ -15637,7 +15647,7 @@
           <p:cNvPr id="112" name="직선 화살표 연결선 111">
             <a:extLst>
               <a:ext uri="{FF2B5EF4-FFF2-40B4-BE49-F238E27FC236}">
-                <a16:creationId xmlns:a16="http://schemas.microsoft.com/office/drawing/2014/main" xmlns="" id="{EC28C33C-129E-4506-9549-3759C91D42BE}"/>
+                <a16:creationId xmlns="" xmlns:a16="http://schemas.microsoft.com/office/drawing/2014/main" id="{EC28C33C-129E-4506-9549-3759C91D42BE}"/>
               </a:ext>
             </a:extLst>
           </p:cNvPr>
@@ -15684,7 +15694,7 @@
           <p:cNvPr id="113" name="직선 화살표 연결선 112">
             <a:extLst>
               <a:ext uri="{FF2B5EF4-FFF2-40B4-BE49-F238E27FC236}">
-                <a16:creationId xmlns:a16="http://schemas.microsoft.com/office/drawing/2014/main" xmlns="" id="{EC28C33C-129E-4506-9549-3759C91D42BE}"/>
+                <a16:creationId xmlns="" xmlns:a16="http://schemas.microsoft.com/office/drawing/2014/main" id="{EC28C33C-129E-4506-9549-3759C91D42BE}"/>
               </a:ext>
             </a:extLst>
           </p:cNvPr>
@@ -15731,7 +15741,7 @@
           <p:cNvPr id="115" name="TextBox 114">
             <a:extLst>
               <a:ext uri="{FF2B5EF4-FFF2-40B4-BE49-F238E27FC236}">
-                <a16:creationId xmlns:a16="http://schemas.microsoft.com/office/drawing/2014/main" xmlns="" id="{BDD2FA7E-1E88-4F78-ABF6-567824DD1ECE}"/>
+                <a16:creationId xmlns="" xmlns:a16="http://schemas.microsoft.com/office/drawing/2014/main" id="{BDD2FA7E-1E88-4F78-ABF6-567824DD1ECE}"/>
               </a:ext>
             </a:extLst>
           </p:cNvPr>
@@ -15788,7 +15798,7 @@
           <p:cNvPr id="116" name="TextBox 115">
             <a:extLst>
               <a:ext uri="{FF2B5EF4-FFF2-40B4-BE49-F238E27FC236}">
-                <a16:creationId xmlns:a16="http://schemas.microsoft.com/office/drawing/2014/main" xmlns="" id="{BDD2FA7E-1E88-4F78-ABF6-567824DD1ECE}"/>
+                <a16:creationId xmlns="" xmlns:a16="http://schemas.microsoft.com/office/drawing/2014/main" id="{BDD2FA7E-1E88-4F78-ABF6-567824DD1ECE}"/>
               </a:ext>
             </a:extLst>
           </p:cNvPr>
@@ -15845,7 +15855,7 @@
           <p:cNvPr id="117" name="TextBox 116">
             <a:extLst>
               <a:ext uri="{FF2B5EF4-FFF2-40B4-BE49-F238E27FC236}">
-                <a16:creationId xmlns:a16="http://schemas.microsoft.com/office/drawing/2014/main" xmlns="" id="{BDD2FA7E-1E88-4F78-ABF6-567824DD1ECE}"/>
+                <a16:creationId xmlns="" xmlns:a16="http://schemas.microsoft.com/office/drawing/2014/main" id="{BDD2FA7E-1E88-4F78-ABF6-567824DD1ECE}"/>
               </a:ext>
             </a:extLst>
           </p:cNvPr>
@@ -15902,7 +15912,7 @@
           <p:cNvPr id="122" name="TextBox 121">
             <a:extLst>
               <a:ext uri="{FF2B5EF4-FFF2-40B4-BE49-F238E27FC236}">
-                <a16:creationId xmlns:a16="http://schemas.microsoft.com/office/drawing/2014/main" xmlns="" id="{BDD2FA7E-1E88-4F78-ABF6-567824DD1ECE}"/>
+                <a16:creationId xmlns="" xmlns:a16="http://schemas.microsoft.com/office/drawing/2014/main" id="{BDD2FA7E-1E88-4F78-ABF6-567824DD1ECE}"/>
               </a:ext>
             </a:extLst>
           </p:cNvPr>
@@ -15959,7 +15969,7 @@
           <p:cNvPr id="123" name="TextBox 122">
             <a:extLst>
               <a:ext uri="{FF2B5EF4-FFF2-40B4-BE49-F238E27FC236}">
-                <a16:creationId xmlns:a16="http://schemas.microsoft.com/office/drawing/2014/main" xmlns="" id="{BDD2FA7E-1E88-4F78-ABF6-567824DD1ECE}"/>
+                <a16:creationId xmlns="" xmlns:a16="http://schemas.microsoft.com/office/drawing/2014/main" id="{BDD2FA7E-1E88-4F78-ABF6-567824DD1ECE}"/>
               </a:ext>
             </a:extLst>
           </p:cNvPr>
@@ -16007,7 +16017,7 @@
           <p:cNvPr id="124" name="직선 화살표 연결선 123">
             <a:extLst>
               <a:ext uri="{FF2B5EF4-FFF2-40B4-BE49-F238E27FC236}">
-                <a16:creationId xmlns:a16="http://schemas.microsoft.com/office/drawing/2014/main" xmlns="" id="{3992F012-AF65-4E39-8E9C-577F6F0B7BD2}"/>
+                <a16:creationId xmlns="" xmlns:a16="http://schemas.microsoft.com/office/drawing/2014/main" id="{3992F012-AF65-4E39-8E9C-577F6F0B7BD2}"/>
               </a:ext>
             </a:extLst>
           </p:cNvPr>
@@ -16054,7 +16064,7 @@
           <p:cNvPr id="126" name="직선 화살표 연결선 125">
             <a:extLst>
               <a:ext uri="{FF2B5EF4-FFF2-40B4-BE49-F238E27FC236}">
-                <a16:creationId xmlns:a16="http://schemas.microsoft.com/office/drawing/2014/main" xmlns="" id="{EC28C33C-129E-4506-9549-3759C91D42BE}"/>
+                <a16:creationId xmlns="" xmlns:a16="http://schemas.microsoft.com/office/drawing/2014/main" id="{EC28C33C-129E-4506-9549-3759C91D42BE}"/>
               </a:ext>
             </a:extLst>
           </p:cNvPr>
@@ -16101,7 +16111,7 @@
           <p:cNvPr id="128" name="직선 화살표 연결선 127">
             <a:extLst>
               <a:ext uri="{FF2B5EF4-FFF2-40B4-BE49-F238E27FC236}">
-                <a16:creationId xmlns:a16="http://schemas.microsoft.com/office/drawing/2014/main" xmlns="" id="{3992F012-AF65-4E39-8E9C-577F6F0B7BD2}"/>
+                <a16:creationId xmlns="" xmlns:a16="http://schemas.microsoft.com/office/drawing/2014/main" id="{3992F012-AF65-4E39-8E9C-577F6F0B7BD2}"/>
               </a:ext>
             </a:extLst>
           </p:cNvPr>
@@ -16148,7 +16158,7 @@
           <p:cNvPr id="129" name="직선 화살표 연결선 128">
             <a:extLst>
               <a:ext uri="{FF2B5EF4-FFF2-40B4-BE49-F238E27FC236}">
-                <a16:creationId xmlns:a16="http://schemas.microsoft.com/office/drawing/2014/main" xmlns="" id="{EC28C33C-129E-4506-9549-3759C91D42BE}"/>
+                <a16:creationId xmlns="" xmlns:a16="http://schemas.microsoft.com/office/drawing/2014/main" id="{EC28C33C-129E-4506-9549-3759C91D42BE}"/>
               </a:ext>
             </a:extLst>
           </p:cNvPr>
@@ -16195,7 +16205,7 @@
           <p:cNvPr id="130" name="직선 화살표 연결선 129">
             <a:extLst>
               <a:ext uri="{FF2B5EF4-FFF2-40B4-BE49-F238E27FC236}">
-                <a16:creationId xmlns:a16="http://schemas.microsoft.com/office/drawing/2014/main" xmlns="" id="{3992F012-AF65-4E39-8E9C-577F6F0B7BD2}"/>
+                <a16:creationId xmlns="" xmlns:a16="http://schemas.microsoft.com/office/drawing/2014/main" id="{3992F012-AF65-4E39-8E9C-577F6F0B7BD2}"/>
               </a:ext>
             </a:extLst>
           </p:cNvPr>
@@ -16242,7 +16252,7 @@
           <p:cNvPr id="131" name="직선 화살표 연결선 130">
             <a:extLst>
               <a:ext uri="{FF2B5EF4-FFF2-40B4-BE49-F238E27FC236}">
-                <a16:creationId xmlns:a16="http://schemas.microsoft.com/office/drawing/2014/main" xmlns="" id="{EC28C33C-129E-4506-9549-3759C91D42BE}"/>
+                <a16:creationId xmlns="" xmlns:a16="http://schemas.microsoft.com/office/drawing/2014/main" id="{EC28C33C-129E-4506-9549-3759C91D42BE}"/>
               </a:ext>
             </a:extLst>
           </p:cNvPr>
@@ -16289,7 +16299,7 @@
           <p:cNvPr id="132" name="직선 화살표 연결선 131">
             <a:extLst>
               <a:ext uri="{FF2B5EF4-FFF2-40B4-BE49-F238E27FC236}">
-                <a16:creationId xmlns:a16="http://schemas.microsoft.com/office/drawing/2014/main" xmlns="" id="{3992F012-AF65-4E39-8E9C-577F6F0B7BD2}"/>
+                <a16:creationId xmlns="" xmlns:a16="http://schemas.microsoft.com/office/drawing/2014/main" id="{3992F012-AF65-4E39-8E9C-577F6F0B7BD2}"/>
               </a:ext>
             </a:extLst>
           </p:cNvPr>
@@ -16336,7 +16346,7 @@
           <p:cNvPr id="133" name="직선 화살표 연결선 132">
             <a:extLst>
               <a:ext uri="{FF2B5EF4-FFF2-40B4-BE49-F238E27FC236}">
-                <a16:creationId xmlns:a16="http://schemas.microsoft.com/office/drawing/2014/main" xmlns="" id="{EC28C33C-129E-4506-9549-3759C91D42BE}"/>
+                <a16:creationId xmlns="" xmlns:a16="http://schemas.microsoft.com/office/drawing/2014/main" id="{EC28C33C-129E-4506-9549-3759C91D42BE}"/>
               </a:ext>
             </a:extLst>
           </p:cNvPr>
@@ -16383,7 +16393,7 @@
           <p:cNvPr id="138" name="TextBox 137">
             <a:extLst>
               <a:ext uri="{FF2B5EF4-FFF2-40B4-BE49-F238E27FC236}">
-                <a16:creationId xmlns:a16="http://schemas.microsoft.com/office/drawing/2014/main" xmlns="" id="{BDD2FA7E-1E88-4F78-ABF6-567824DD1ECE}"/>
+                <a16:creationId xmlns="" xmlns:a16="http://schemas.microsoft.com/office/drawing/2014/main" id="{BDD2FA7E-1E88-4F78-ABF6-567824DD1ECE}"/>
               </a:ext>
             </a:extLst>
           </p:cNvPr>
@@ -16448,7 +16458,7 @@
           <p:cNvPr id="139" name="직선 화살표 연결선 138">
             <a:extLst>
               <a:ext uri="{FF2B5EF4-FFF2-40B4-BE49-F238E27FC236}">
-                <a16:creationId xmlns:a16="http://schemas.microsoft.com/office/drawing/2014/main" xmlns="" id="{3F7B84A3-1AD0-4DF7-A6BC-4B5B198A72B9}"/>
+                <a16:creationId xmlns="" xmlns:a16="http://schemas.microsoft.com/office/drawing/2014/main" id="{3F7B84A3-1AD0-4DF7-A6BC-4B5B198A72B9}"/>
               </a:ext>
             </a:extLst>
           </p:cNvPr>
@@ -16495,7 +16505,7 @@
           <p:cNvPr id="78" name="TextBox 77">
             <a:extLst>
               <a:ext uri="{FF2B5EF4-FFF2-40B4-BE49-F238E27FC236}">
-                <a16:creationId xmlns:a16="http://schemas.microsoft.com/office/drawing/2014/main" xmlns="" id="{83A2AE63-3C59-4FEB-BBED-3D51275125E3}"/>
+                <a16:creationId xmlns="" xmlns:a16="http://schemas.microsoft.com/office/drawing/2014/main" id="{83A2AE63-3C59-4FEB-BBED-3D51275125E3}"/>
               </a:ext>
             </a:extLst>
           </p:cNvPr>
@@ -16560,7 +16570,7 @@
           <p:cNvPr id="79" name="TextBox 78">
             <a:extLst>
               <a:ext uri="{FF2B5EF4-FFF2-40B4-BE49-F238E27FC236}">
-                <a16:creationId xmlns:a16="http://schemas.microsoft.com/office/drawing/2014/main" xmlns="" id="{83A2AE63-3C59-4FEB-BBED-3D51275125E3}"/>
+                <a16:creationId xmlns="" xmlns:a16="http://schemas.microsoft.com/office/drawing/2014/main" id="{83A2AE63-3C59-4FEB-BBED-3D51275125E3}"/>
               </a:ext>
             </a:extLst>
           </p:cNvPr>
@@ -16625,7 +16635,7 @@
           <p:cNvPr id="94" name="TextBox 93">
             <a:extLst>
               <a:ext uri="{FF2B5EF4-FFF2-40B4-BE49-F238E27FC236}">
-                <a16:creationId xmlns:a16="http://schemas.microsoft.com/office/drawing/2014/main" xmlns="" id="{83A2AE63-3C59-4FEB-BBED-3D51275125E3}"/>
+                <a16:creationId xmlns="" xmlns:a16="http://schemas.microsoft.com/office/drawing/2014/main" id="{83A2AE63-3C59-4FEB-BBED-3D51275125E3}"/>
               </a:ext>
             </a:extLst>
           </p:cNvPr>
@@ -16690,7 +16700,7 @@
           <p:cNvPr id="96" name="TextBox 95">
             <a:extLst>
               <a:ext uri="{FF2B5EF4-FFF2-40B4-BE49-F238E27FC236}">
-                <a16:creationId xmlns:a16="http://schemas.microsoft.com/office/drawing/2014/main" xmlns="" id="{83A2AE63-3C59-4FEB-BBED-3D51275125E3}"/>
+                <a16:creationId xmlns="" xmlns:a16="http://schemas.microsoft.com/office/drawing/2014/main" id="{83A2AE63-3C59-4FEB-BBED-3D51275125E3}"/>
               </a:ext>
             </a:extLst>
           </p:cNvPr>
@@ -16755,7 +16765,7 @@
           <p:cNvPr id="97" name="직선 화살표 연결선 96">
             <a:extLst>
               <a:ext uri="{FF2B5EF4-FFF2-40B4-BE49-F238E27FC236}">
-                <a16:creationId xmlns:a16="http://schemas.microsoft.com/office/drawing/2014/main" xmlns="" id="{3992F012-AF65-4E39-8E9C-577F6F0B7BD2}"/>
+                <a16:creationId xmlns="" xmlns:a16="http://schemas.microsoft.com/office/drawing/2014/main" id="{3992F012-AF65-4E39-8E9C-577F6F0B7BD2}"/>
               </a:ext>
             </a:extLst>
           </p:cNvPr>
@@ -16802,7 +16812,7 @@
           <p:cNvPr id="100" name="TextBox 99">
             <a:extLst>
               <a:ext uri="{FF2B5EF4-FFF2-40B4-BE49-F238E27FC236}">
-                <a16:creationId xmlns:a16="http://schemas.microsoft.com/office/drawing/2014/main" xmlns="" id="{ED21C0EA-1B65-43C8-AAD0-87268DCF3FD2}"/>
+                <a16:creationId xmlns="" xmlns:a16="http://schemas.microsoft.com/office/drawing/2014/main" id="{ED21C0EA-1B65-43C8-AAD0-87268DCF3FD2}"/>
               </a:ext>
             </a:extLst>
           </p:cNvPr>
@@ -16876,7 +16886,7 @@
           <p:cNvPr id="102" name="직선 화살표 연결선 101">
             <a:extLst>
               <a:ext uri="{FF2B5EF4-FFF2-40B4-BE49-F238E27FC236}">
-                <a16:creationId xmlns:a16="http://schemas.microsoft.com/office/drawing/2014/main" xmlns="" id="{3992F012-AF65-4E39-8E9C-577F6F0B7BD2}"/>
+                <a16:creationId xmlns="" xmlns:a16="http://schemas.microsoft.com/office/drawing/2014/main" id="{3992F012-AF65-4E39-8E9C-577F6F0B7BD2}"/>
               </a:ext>
             </a:extLst>
           </p:cNvPr>
@@ -16923,7 +16933,7 @@
           <p:cNvPr id="108" name="TextBox 107">
             <a:extLst>
               <a:ext uri="{FF2B5EF4-FFF2-40B4-BE49-F238E27FC236}">
-                <a16:creationId xmlns:a16="http://schemas.microsoft.com/office/drawing/2014/main" xmlns="" id="{ED21C0EA-1B65-43C8-AAD0-87268DCF3FD2}"/>
+                <a16:creationId xmlns="" xmlns:a16="http://schemas.microsoft.com/office/drawing/2014/main" id="{ED21C0EA-1B65-43C8-AAD0-87268DCF3FD2}"/>
               </a:ext>
             </a:extLst>
           </p:cNvPr>
@@ -16997,7 +17007,7 @@
           <p:cNvPr id="109" name="직선 화살표 연결선 108">
             <a:extLst>
               <a:ext uri="{FF2B5EF4-FFF2-40B4-BE49-F238E27FC236}">
-                <a16:creationId xmlns:a16="http://schemas.microsoft.com/office/drawing/2014/main" xmlns="" id="{3992F012-AF65-4E39-8E9C-577F6F0B7BD2}"/>
+                <a16:creationId xmlns="" xmlns:a16="http://schemas.microsoft.com/office/drawing/2014/main" id="{3992F012-AF65-4E39-8E9C-577F6F0B7BD2}"/>
               </a:ext>
             </a:extLst>
           </p:cNvPr>
@@ -17044,7 +17054,7 @@
           <p:cNvPr id="114" name="TextBox 113">
             <a:extLst>
               <a:ext uri="{FF2B5EF4-FFF2-40B4-BE49-F238E27FC236}">
-                <a16:creationId xmlns:a16="http://schemas.microsoft.com/office/drawing/2014/main" xmlns="" id="{ED21C0EA-1B65-43C8-AAD0-87268DCF3FD2}"/>
+                <a16:creationId xmlns="" xmlns:a16="http://schemas.microsoft.com/office/drawing/2014/main" id="{ED21C0EA-1B65-43C8-AAD0-87268DCF3FD2}"/>
               </a:ext>
             </a:extLst>
           </p:cNvPr>
@@ -17118,7 +17128,7 @@
           <p:cNvPr id="125" name="직선 화살표 연결선 124">
             <a:extLst>
               <a:ext uri="{FF2B5EF4-FFF2-40B4-BE49-F238E27FC236}">
-                <a16:creationId xmlns:a16="http://schemas.microsoft.com/office/drawing/2014/main" xmlns="" id="{3992F012-AF65-4E39-8E9C-577F6F0B7BD2}"/>
+                <a16:creationId xmlns="" xmlns:a16="http://schemas.microsoft.com/office/drawing/2014/main" id="{3992F012-AF65-4E39-8E9C-577F6F0B7BD2}"/>
               </a:ext>
             </a:extLst>
           </p:cNvPr>
@@ -17165,7 +17175,7 @@
           <p:cNvPr id="127" name="TextBox 126">
             <a:extLst>
               <a:ext uri="{FF2B5EF4-FFF2-40B4-BE49-F238E27FC236}">
-                <a16:creationId xmlns:a16="http://schemas.microsoft.com/office/drawing/2014/main" xmlns="" id="{ED21C0EA-1B65-43C8-AAD0-87268DCF3FD2}"/>
+                <a16:creationId xmlns="" xmlns:a16="http://schemas.microsoft.com/office/drawing/2014/main" id="{ED21C0EA-1B65-43C8-AAD0-87268DCF3FD2}"/>
               </a:ext>
             </a:extLst>
           </p:cNvPr>
@@ -17239,7 +17249,7 @@
           <p:cNvPr id="140" name="직선 화살표 연결선 139">
             <a:extLst>
               <a:ext uri="{FF2B5EF4-FFF2-40B4-BE49-F238E27FC236}">
-                <a16:creationId xmlns:a16="http://schemas.microsoft.com/office/drawing/2014/main" xmlns="" id="{EC28C33C-129E-4506-9549-3759C91D42BE}"/>
+                <a16:creationId xmlns="" xmlns:a16="http://schemas.microsoft.com/office/drawing/2014/main" id="{EC28C33C-129E-4506-9549-3759C91D42BE}"/>
               </a:ext>
             </a:extLst>
           </p:cNvPr>
@@ -17286,7 +17296,7 @@
           <p:cNvPr id="141" name="직선 화살표 연결선 140">
             <a:extLst>
               <a:ext uri="{FF2B5EF4-FFF2-40B4-BE49-F238E27FC236}">
-                <a16:creationId xmlns:a16="http://schemas.microsoft.com/office/drawing/2014/main" xmlns="" id="{EC28C33C-129E-4506-9549-3759C91D42BE}"/>
+                <a16:creationId xmlns="" xmlns:a16="http://schemas.microsoft.com/office/drawing/2014/main" id="{EC28C33C-129E-4506-9549-3759C91D42BE}"/>
               </a:ext>
             </a:extLst>
           </p:cNvPr>
@@ -17333,7 +17343,7 @@
           <p:cNvPr id="142" name="직선 화살표 연결선 141">
             <a:extLst>
               <a:ext uri="{FF2B5EF4-FFF2-40B4-BE49-F238E27FC236}">
-                <a16:creationId xmlns:a16="http://schemas.microsoft.com/office/drawing/2014/main" xmlns="" id="{EC28C33C-129E-4506-9549-3759C91D42BE}"/>
+                <a16:creationId xmlns="" xmlns:a16="http://schemas.microsoft.com/office/drawing/2014/main" id="{EC28C33C-129E-4506-9549-3759C91D42BE}"/>
               </a:ext>
             </a:extLst>
           </p:cNvPr>
@@ -17380,7 +17390,7 @@
           <p:cNvPr id="143" name="직선 화살표 연결선 142">
             <a:extLst>
               <a:ext uri="{FF2B5EF4-FFF2-40B4-BE49-F238E27FC236}">
-                <a16:creationId xmlns:a16="http://schemas.microsoft.com/office/drawing/2014/main" xmlns="" id="{EC28C33C-129E-4506-9549-3759C91D42BE}"/>
+                <a16:creationId xmlns="" xmlns:a16="http://schemas.microsoft.com/office/drawing/2014/main" id="{EC28C33C-129E-4506-9549-3759C91D42BE}"/>
               </a:ext>
             </a:extLst>
           </p:cNvPr>
@@ -17427,7 +17437,7 @@
           <p:cNvPr id="144" name="직선 화살표 연결선 143">
             <a:extLst>
               <a:ext uri="{FF2B5EF4-FFF2-40B4-BE49-F238E27FC236}">
-                <a16:creationId xmlns:a16="http://schemas.microsoft.com/office/drawing/2014/main" xmlns="" id="{75322384-8370-42A2-9AA6-9103C9E005E6}"/>
+                <a16:creationId xmlns="" xmlns:a16="http://schemas.microsoft.com/office/drawing/2014/main" id="{75322384-8370-42A2-9AA6-9103C9E005E6}"/>
               </a:ext>
             </a:extLst>
           </p:cNvPr>
@@ -17474,7 +17484,7 @@
           <p:cNvPr id="145" name="TextBox 144">
             <a:extLst>
               <a:ext uri="{FF2B5EF4-FFF2-40B4-BE49-F238E27FC236}">
-                <a16:creationId xmlns:a16="http://schemas.microsoft.com/office/drawing/2014/main" xmlns="" id="{BDD2FA7E-1E88-4F78-ABF6-567824DD1ECE}"/>
+                <a16:creationId xmlns="" xmlns:a16="http://schemas.microsoft.com/office/drawing/2014/main" id="{BDD2FA7E-1E88-4F78-ABF6-567824DD1ECE}"/>
               </a:ext>
             </a:extLst>
           </p:cNvPr>
@@ -17547,7 +17557,7 @@
           <p:cNvPr id="146" name="직선 화살표 연결선 145">
             <a:extLst>
               <a:ext uri="{FF2B5EF4-FFF2-40B4-BE49-F238E27FC236}">
-                <a16:creationId xmlns:a16="http://schemas.microsoft.com/office/drawing/2014/main" xmlns="" id="{366CBA92-9226-4C4A-ACDD-433CD65941DE}"/>
+                <a16:creationId xmlns="" xmlns:a16="http://schemas.microsoft.com/office/drawing/2014/main" id="{366CBA92-9226-4C4A-ACDD-433CD65941DE}"/>
               </a:ext>
             </a:extLst>
           </p:cNvPr>
@@ -17594,7 +17604,7 @@
           <p:cNvPr id="147" name="TextBox 146">
             <a:extLst>
               <a:ext uri="{FF2B5EF4-FFF2-40B4-BE49-F238E27FC236}">
-                <a16:creationId xmlns:a16="http://schemas.microsoft.com/office/drawing/2014/main" xmlns="" id="{ED21C0EA-1B65-43C8-AAD0-87268DCF3FD2}"/>
+                <a16:creationId xmlns="" xmlns:a16="http://schemas.microsoft.com/office/drawing/2014/main" id="{ED21C0EA-1B65-43C8-AAD0-87268DCF3FD2}"/>
               </a:ext>
             </a:extLst>
           </p:cNvPr>
@@ -17688,7 +17698,7 @@
           <p:cNvPr id="148" name="직선 화살표 연결선 147">
             <a:extLst>
               <a:ext uri="{FF2B5EF4-FFF2-40B4-BE49-F238E27FC236}">
-                <a16:creationId xmlns:a16="http://schemas.microsoft.com/office/drawing/2014/main" xmlns="" id="{3992F012-AF65-4E39-8E9C-577F6F0B7BD2}"/>
+                <a16:creationId xmlns="" xmlns:a16="http://schemas.microsoft.com/office/drawing/2014/main" id="{3992F012-AF65-4E39-8E9C-577F6F0B7BD2}"/>
               </a:ext>
             </a:extLst>
           </p:cNvPr>
@@ -17735,7 +17745,7 @@
           <p:cNvPr id="149" name="TextBox 148">
             <a:extLst>
               <a:ext uri="{FF2B5EF4-FFF2-40B4-BE49-F238E27FC236}">
-                <a16:creationId xmlns:a16="http://schemas.microsoft.com/office/drawing/2014/main" xmlns="" id="{ED21C0EA-1B65-43C8-AAD0-87268DCF3FD2}"/>
+                <a16:creationId xmlns="" xmlns:a16="http://schemas.microsoft.com/office/drawing/2014/main" id="{ED21C0EA-1B65-43C8-AAD0-87268DCF3FD2}"/>
               </a:ext>
             </a:extLst>
           </p:cNvPr>
@@ -17829,7 +17839,7 @@
           <p:cNvPr id="150" name="직선 화살표 연결선 149">
             <a:extLst>
               <a:ext uri="{FF2B5EF4-FFF2-40B4-BE49-F238E27FC236}">
-                <a16:creationId xmlns:a16="http://schemas.microsoft.com/office/drawing/2014/main" xmlns="" id="{3992F012-AF65-4E39-8E9C-577F6F0B7BD2}"/>
+                <a16:creationId xmlns="" xmlns:a16="http://schemas.microsoft.com/office/drawing/2014/main" id="{3992F012-AF65-4E39-8E9C-577F6F0B7BD2}"/>
               </a:ext>
             </a:extLst>
           </p:cNvPr>
@@ -17876,7 +17886,7 @@
           <p:cNvPr id="151" name="TextBox 150">
             <a:extLst>
               <a:ext uri="{FF2B5EF4-FFF2-40B4-BE49-F238E27FC236}">
-                <a16:creationId xmlns:a16="http://schemas.microsoft.com/office/drawing/2014/main" xmlns="" id="{ED21C0EA-1B65-43C8-AAD0-87268DCF3FD2}"/>
+                <a16:creationId xmlns="" xmlns:a16="http://schemas.microsoft.com/office/drawing/2014/main" id="{ED21C0EA-1B65-43C8-AAD0-87268DCF3FD2}"/>
               </a:ext>
             </a:extLst>
           </p:cNvPr>
@@ -17970,7 +17980,7 @@
           <p:cNvPr id="152" name="직선 화살표 연결선 151">
             <a:extLst>
               <a:ext uri="{FF2B5EF4-FFF2-40B4-BE49-F238E27FC236}">
-                <a16:creationId xmlns:a16="http://schemas.microsoft.com/office/drawing/2014/main" xmlns="" id="{3992F012-AF65-4E39-8E9C-577F6F0B7BD2}"/>
+                <a16:creationId xmlns="" xmlns:a16="http://schemas.microsoft.com/office/drawing/2014/main" id="{3992F012-AF65-4E39-8E9C-577F6F0B7BD2}"/>
               </a:ext>
             </a:extLst>
           </p:cNvPr>
@@ -18017,7 +18027,7 @@
           <p:cNvPr id="153" name="TextBox 152">
             <a:extLst>
               <a:ext uri="{FF2B5EF4-FFF2-40B4-BE49-F238E27FC236}">
-                <a16:creationId xmlns:a16="http://schemas.microsoft.com/office/drawing/2014/main" xmlns="" id="{ED21C0EA-1B65-43C8-AAD0-87268DCF3FD2}"/>
+                <a16:creationId xmlns="" xmlns:a16="http://schemas.microsoft.com/office/drawing/2014/main" id="{ED21C0EA-1B65-43C8-AAD0-87268DCF3FD2}"/>
               </a:ext>
             </a:extLst>
           </p:cNvPr>
@@ -18111,7 +18121,7 @@
           <p:cNvPr id="154" name="직선 화살표 연결선 153">
             <a:extLst>
               <a:ext uri="{FF2B5EF4-FFF2-40B4-BE49-F238E27FC236}">
-                <a16:creationId xmlns:a16="http://schemas.microsoft.com/office/drawing/2014/main" xmlns="" id="{EC28C33C-129E-4506-9549-3759C91D42BE}"/>
+                <a16:creationId xmlns="" xmlns:a16="http://schemas.microsoft.com/office/drawing/2014/main" id="{EC28C33C-129E-4506-9549-3759C91D42BE}"/>
               </a:ext>
             </a:extLst>
           </p:cNvPr>
@@ -18158,7 +18168,7 @@
           <p:cNvPr id="155" name="직선 화살표 연결선 154">
             <a:extLst>
               <a:ext uri="{FF2B5EF4-FFF2-40B4-BE49-F238E27FC236}">
-                <a16:creationId xmlns:a16="http://schemas.microsoft.com/office/drawing/2014/main" xmlns="" id="{EC28C33C-129E-4506-9549-3759C91D42BE}"/>
+                <a16:creationId xmlns="" xmlns:a16="http://schemas.microsoft.com/office/drawing/2014/main" id="{EC28C33C-129E-4506-9549-3759C91D42BE}"/>
               </a:ext>
             </a:extLst>
           </p:cNvPr>
@@ -18205,7 +18215,7 @@
           <p:cNvPr id="156" name="직선 화살표 연결선 155">
             <a:extLst>
               <a:ext uri="{FF2B5EF4-FFF2-40B4-BE49-F238E27FC236}">
-                <a16:creationId xmlns:a16="http://schemas.microsoft.com/office/drawing/2014/main" xmlns="" id="{EC28C33C-129E-4506-9549-3759C91D42BE}"/>
+                <a16:creationId xmlns="" xmlns:a16="http://schemas.microsoft.com/office/drawing/2014/main" id="{EC28C33C-129E-4506-9549-3759C91D42BE}"/>
               </a:ext>
             </a:extLst>
           </p:cNvPr>
@@ -18252,7 +18262,7 @@
           <p:cNvPr id="157" name="직선 화살표 연결선 156">
             <a:extLst>
               <a:ext uri="{FF2B5EF4-FFF2-40B4-BE49-F238E27FC236}">
-                <a16:creationId xmlns:a16="http://schemas.microsoft.com/office/drawing/2014/main" xmlns="" id="{EC28C33C-129E-4506-9549-3759C91D42BE}"/>
+                <a16:creationId xmlns="" xmlns:a16="http://schemas.microsoft.com/office/drawing/2014/main" id="{EC28C33C-129E-4506-9549-3759C91D42BE}"/>
               </a:ext>
             </a:extLst>
           </p:cNvPr>
@@ -18299,7 +18309,7 @@
           <p:cNvPr id="158" name="TextBox 157">
             <a:extLst>
               <a:ext uri="{FF2B5EF4-FFF2-40B4-BE49-F238E27FC236}">
-                <a16:creationId xmlns:a16="http://schemas.microsoft.com/office/drawing/2014/main" xmlns="" id="{BDD2FA7E-1E88-4F78-ABF6-567824DD1ECE}"/>
+                <a16:creationId xmlns="" xmlns:a16="http://schemas.microsoft.com/office/drawing/2014/main" id="{BDD2FA7E-1E88-4F78-ABF6-567824DD1ECE}"/>
               </a:ext>
             </a:extLst>
           </p:cNvPr>
@@ -18347,7 +18357,7 @@
           <p:cNvPr id="159" name="TextBox 158">
             <a:extLst>
               <a:ext uri="{FF2B5EF4-FFF2-40B4-BE49-F238E27FC236}">
-                <a16:creationId xmlns:a16="http://schemas.microsoft.com/office/drawing/2014/main" xmlns="" id="{BDD2FA7E-1E88-4F78-ABF6-567824DD1ECE}"/>
+                <a16:creationId xmlns="" xmlns:a16="http://schemas.microsoft.com/office/drawing/2014/main" id="{BDD2FA7E-1E88-4F78-ABF6-567824DD1ECE}"/>
               </a:ext>
             </a:extLst>
           </p:cNvPr>
@@ -18395,7 +18405,7 @@
           <p:cNvPr id="160" name="직선 화살표 연결선 159">
             <a:extLst>
               <a:ext uri="{FF2B5EF4-FFF2-40B4-BE49-F238E27FC236}">
-                <a16:creationId xmlns:a16="http://schemas.microsoft.com/office/drawing/2014/main" xmlns="" id="{3F7B84A3-1AD0-4DF7-A6BC-4B5B198A72B9}"/>
+                <a16:creationId xmlns="" xmlns:a16="http://schemas.microsoft.com/office/drawing/2014/main" id="{3F7B84A3-1AD0-4DF7-A6BC-4B5B198A72B9}"/>
               </a:ext>
             </a:extLst>
           </p:cNvPr>
@@ -18442,7 +18452,7 @@
           <p:cNvPr id="161" name="TextBox 160">
             <a:extLst>
               <a:ext uri="{FF2B5EF4-FFF2-40B4-BE49-F238E27FC236}">
-                <a16:creationId xmlns:a16="http://schemas.microsoft.com/office/drawing/2014/main" xmlns="" id="{ED21C0EA-1B65-43C8-AAD0-87268DCF3FD2}"/>
+                <a16:creationId xmlns="" xmlns:a16="http://schemas.microsoft.com/office/drawing/2014/main" id="{ED21C0EA-1B65-43C8-AAD0-87268DCF3FD2}"/>
               </a:ext>
             </a:extLst>
           </p:cNvPr>
@@ -18509,7 +18519,7 @@
           <p:cNvPr id="162" name="TextBox 161">
             <a:extLst>
               <a:ext uri="{FF2B5EF4-FFF2-40B4-BE49-F238E27FC236}">
-                <a16:creationId xmlns:a16="http://schemas.microsoft.com/office/drawing/2014/main" xmlns="" id="{ED21C0EA-1B65-43C8-AAD0-87268DCF3FD2}"/>
+                <a16:creationId xmlns="" xmlns:a16="http://schemas.microsoft.com/office/drawing/2014/main" id="{ED21C0EA-1B65-43C8-AAD0-87268DCF3FD2}"/>
               </a:ext>
             </a:extLst>
           </p:cNvPr>
@@ -18576,7 +18586,7 @@
           <p:cNvPr id="165" name="TextBox 164">
             <a:extLst>
               <a:ext uri="{FF2B5EF4-FFF2-40B4-BE49-F238E27FC236}">
-                <a16:creationId xmlns:a16="http://schemas.microsoft.com/office/drawing/2014/main" xmlns="" id="{ED21C0EA-1B65-43C8-AAD0-87268DCF3FD2}"/>
+                <a16:creationId xmlns="" xmlns:a16="http://schemas.microsoft.com/office/drawing/2014/main" id="{ED21C0EA-1B65-43C8-AAD0-87268DCF3FD2}"/>
               </a:ext>
             </a:extLst>
           </p:cNvPr>
@@ -18643,7 +18653,7 @@
           <p:cNvPr id="166" name="TextBox 165">
             <a:extLst>
               <a:ext uri="{FF2B5EF4-FFF2-40B4-BE49-F238E27FC236}">
-                <a16:creationId xmlns:a16="http://schemas.microsoft.com/office/drawing/2014/main" xmlns="" id="{ED21C0EA-1B65-43C8-AAD0-87268DCF3FD2}"/>
+                <a16:creationId xmlns="" xmlns:a16="http://schemas.microsoft.com/office/drawing/2014/main" id="{ED21C0EA-1B65-43C8-AAD0-87268DCF3FD2}"/>
               </a:ext>
             </a:extLst>
           </p:cNvPr>
@@ -18710,7 +18720,7 @@
           <p:cNvPr id="167" name="TextBox 166">
             <a:extLst>
               <a:ext uri="{FF2B5EF4-FFF2-40B4-BE49-F238E27FC236}">
-                <a16:creationId xmlns:a16="http://schemas.microsoft.com/office/drawing/2014/main" xmlns="" id="{ED21C0EA-1B65-43C8-AAD0-87268DCF3FD2}"/>
+                <a16:creationId xmlns="" xmlns:a16="http://schemas.microsoft.com/office/drawing/2014/main" id="{ED21C0EA-1B65-43C8-AAD0-87268DCF3FD2}"/>
               </a:ext>
             </a:extLst>
           </p:cNvPr>
@@ -18777,7 +18787,7 @@
           <p:cNvPr id="168" name="직선 화살표 연결선 167">
             <a:extLst>
               <a:ext uri="{FF2B5EF4-FFF2-40B4-BE49-F238E27FC236}">
-                <a16:creationId xmlns:a16="http://schemas.microsoft.com/office/drawing/2014/main" xmlns="" id="{EC28C33C-129E-4506-9549-3759C91D42BE}"/>
+                <a16:creationId xmlns="" xmlns:a16="http://schemas.microsoft.com/office/drawing/2014/main" id="{EC28C33C-129E-4506-9549-3759C91D42BE}"/>
               </a:ext>
             </a:extLst>
           </p:cNvPr>
@@ -18824,7 +18834,7 @@
           <p:cNvPr id="169" name="TextBox 168">
             <a:extLst>
               <a:ext uri="{FF2B5EF4-FFF2-40B4-BE49-F238E27FC236}">
-                <a16:creationId xmlns:a16="http://schemas.microsoft.com/office/drawing/2014/main" xmlns="" id="{BDD2FA7E-1E88-4F78-ABF6-567824DD1ECE}"/>
+                <a16:creationId xmlns="" xmlns:a16="http://schemas.microsoft.com/office/drawing/2014/main" id="{BDD2FA7E-1E88-4F78-ABF6-567824DD1ECE}"/>
               </a:ext>
             </a:extLst>
           </p:cNvPr>
@@ -18889,7 +18899,7 @@
           <p:cNvPr id="170" name="직선 화살표 연결선 169">
             <a:extLst>
               <a:ext uri="{FF2B5EF4-FFF2-40B4-BE49-F238E27FC236}">
-                <a16:creationId xmlns:a16="http://schemas.microsoft.com/office/drawing/2014/main" xmlns="" id="{3F7B84A3-1AD0-4DF7-A6BC-4B5B198A72B9}"/>
+                <a16:creationId xmlns="" xmlns:a16="http://schemas.microsoft.com/office/drawing/2014/main" id="{3F7B84A3-1AD0-4DF7-A6BC-4B5B198A72B9}"/>
               </a:ext>
             </a:extLst>
           </p:cNvPr>
@@ -18966,7 +18976,7 @@
           <p:cNvPr id="4" name="표 4">
             <a:extLst>
               <a:ext uri="{FF2B5EF4-FFF2-40B4-BE49-F238E27FC236}">
-                <a16:creationId xmlns:a16="http://schemas.microsoft.com/office/drawing/2014/main" xmlns="" id="{B305719E-D3E5-4E7E-B17F-23D2B8F0881C}"/>
+                <a16:creationId xmlns="" xmlns:a16="http://schemas.microsoft.com/office/drawing/2014/main" id="{B305719E-D3E5-4E7E-B17F-23D2B8F0881C}"/>
               </a:ext>
             </a:extLst>
           </p:cNvPr>
@@ -18995,21 +19005,21 @@
                 <a:gridCol w="2033729">
                   <a:extLst>
                     <a:ext uri="{9D8B030D-6E8A-4147-A177-3AD203B41FA5}">
-                      <a16:colId xmlns:a16="http://schemas.microsoft.com/office/drawing/2014/main" xmlns="" val="3571064474"/>
+                      <a16:colId xmlns="" xmlns:a16="http://schemas.microsoft.com/office/drawing/2014/main" val="3571064474"/>
                     </a:ext>
                   </a:extLst>
                 </a:gridCol>
                 <a:gridCol w="1557196">
                   <a:extLst>
                     <a:ext uri="{9D8B030D-6E8A-4147-A177-3AD203B41FA5}">
-                      <a16:colId xmlns:a16="http://schemas.microsoft.com/office/drawing/2014/main" xmlns="" val="4257211528"/>
+                      <a16:colId xmlns="" xmlns:a16="http://schemas.microsoft.com/office/drawing/2014/main" val="4257211528"/>
                     </a:ext>
                   </a:extLst>
                 </a:gridCol>
                 <a:gridCol w="1665838">
                   <a:extLst>
                     <a:ext uri="{9D8B030D-6E8A-4147-A177-3AD203B41FA5}">
-                      <a16:colId xmlns:a16="http://schemas.microsoft.com/office/drawing/2014/main" xmlns="" val="3023545236"/>
+                      <a16:colId xmlns="" xmlns:a16="http://schemas.microsoft.com/office/drawing/2014/main" val="3023545236"/>
                     </a:ext>
                   </a:extLst>
                 </a:gridCol>
@@ -19017,21 +19027,21 @@
                 <a:gridCol w="1738265">
                   <a:extLst>
                     <a:ext uri="{9D8B030D-6E8A-4147-A177-3AD203B41FA5}">
-                      <a16:colId xmlns:a16="http://schemas.microsoft.com/office/drawing/2014/main" xmlns="" val="2920563116"/>
+                      <a16:colId xmlns="" xmlns:a16="http://schemas.microsoft.com/office/drawing/2014/main" val="2920563116"/>
                     </a:ext>
                   </a:extLst>
                 </a:gridCol>
                 <a:gridCol w="1720158">
                   <a:extLst>
                     <a:ext uri="{9D8B030D-6E8A-4147-A177-3AD203B41FA5}">
-                      <a16:colId xmlns:a16="http://schemas.microsoft.com/office/drawing/2014/main" xmlns="" val="3475859244"/>
+                      <a16:colId xmlns="" xmlns:a16="http://schemas.microsoft.com/office/drawing/2014/main" val="3475859244"/>
                     </a:ext>
                   </a:extLst>
                 </a:gridCol>
                 <a:gridCol w="1602273">
                   <a:extLst>
                     <a:ext uri="{9D8B030D-6E8A-4147-A177-3AD203B41FA5}">
-                      <a16:colId xmlns:a16="http://schemas.microsoft.com/office/drawing/2014/main" xmlns="" val="3472189352"/>
+                      <a16:colId xmlns="" xmlns:a16="http://schemas.microsoft.com/office/drawing/2014/main" val="3472189352"/>
                     </a:ext>
                   </a:extLst>
                 </a:gridCol>
@@ -19594,7 +19604,7 @@
                 </a:tc>
                 <a:extLst>
                   <a:ext uri="{0D108BD9-81ED-4DB2-BD59-A6C34878D82A}">
-                    <a16:rowId xmlns:a16="http://schemas.microsoft.com/office/drawing/2014/main" xmlns="" val="243423754"/>
+                    <a16:rowId xmlns="" xmlns:a16="http://schemas.microsoft.com/office/drawing/2014/main" val="243423754"/>
                   </a:ext>
                 </a:extLst>
               </a:tr>
@@ -20927,7 +20937,7 @@
                 </a:tc>
                 <a:extLst>
                   <a:ext uri="{0D108BD9-81ED-4DB2-BD59-A6C34878D82A}">
-                    <a16:rowId xmlns:a16="http://schemas.microsoft.com/office/drawing/2014/main" xmlns="" val="3134473238"/>
+                    <a16:rowId xmlns="" xmlns:a16="http://schemas.microsoft.com/office/drawing/2014/main" val="3134473238"/>
                   </a:ext>
                 </a:extLst>
               </a:tr>
@@ -20940,7 +20950,7 @@
           <p:cNvPr id="6" name="직선 화살표 연결선 5">
             <a:extLst>
               <a:ext uri="{FF2B5EF4-FFF2-40B4-BE49-F238E27FC236}">
-                <a16:creationId xmlns:a16="http://schemas.microsoft.com/office/drawing/2014/main" xmlns="" id="{3F7B84A3-1AD0-4DF7-A6BC-4B5B198A72B9}"/>
+                <a16:creationId xmlns="" xmlns:a16="http://schemas.microsoft.com/office/drawing/2014/main" id="{3F7B84A3-1AD0-4DF7-A6BC-4B5B198A72B9}"/>
               </a:ext>
             </a:extLst>
           </p:cNvPr>
@@ -20987,7 +20997,7 @@
           <p:cNvPr id="21" name="직선 화살표 연결선 20">
             <a:extLst>
               <a:ext uri="{FF2B5EF4-FFF2-40B4-BE49-F238E27FC236}">
-                <a16:creationId xmlns:a16="http://schemas.microsoft.com/office/drawing/2014/main" xmlns="" id="{75322384-8370-42A2-9AA6-9103C9E005E6}"/>
+                <a16:creationId xmlns="" xmlns:a16="http://schemas.microsoft.com/office/drawing/2014/main" id="{75322384-8370-42A2-9AA6-9103C9E005E6}"/>
               </a:ext>
             </a:extLst>
           </p:cNvPr>
@@ -21034,7 +21044,7 @@
           <p:cNvPr id="23" name="직선 화살표 연결선 22">
             <a:extLst>
               <a:ext uri="{FF2B5EF4-FFF2-40B4-BE49-F238E27FC236}">
-                <a16:creationId xmlns:a16="http://schemas.microsoft.com/office/drawing/2014/main" xmlns="" id="{366CBA92-9226-4C4A-ACDD-433CD65941DE}"/>
+                <a16:creationId xmlns="" xmlns:a16="http://schemas.microsoft.com/office/drawing/2014/main" id="{366CBA92-9226-4C4A-ACDD-433CD65941DE}"/>
               </a:ext>
             </a:extLst>
           </p:cNvPr>
@@ -21081,7 +21091,7 @@
           <p:cNvPr id="25" name="TextBox 24">
             <a:extLst>
               <a:ext uri="{FF2B5EF4-FFF2-40B4-BE49-F238E27FC236}">
-                <a16:creationId xmlns:a16="http://schemas.microsoft.com/office/drawing/2014/main" xmlns="" id="{ED21C0EA-1B65-43C8-AAD0-87268DCF3FD2}"/>
+                <a16:creationId xmlns="" xmlns:a16="http://schemas.microsoft.com/office/drawing/2014/main" id="{ED21C0EA-1B65-43C8-AAD0-87268DCF3FD2}"/>
               </a:ext>
             </a:extLst>
           </p:cNvPr>
@@ -21168,7 +21178,7 @@
           <p:cNvPr id="75" name="직선 화살표 연결선 74">
             <a:extLst>
               <a:ext uri="{FF2B5EF4-FFF2-40B4-BE49-F238E27FC236}">
-                <a16:creationId xmlns:a16="http://schemas.microsoft.com/office/drawing/2014/main" xmlns="" id="{3F7B84A3-1AD0-4DF7-A6BC-4B5B198A72B9}"/>
+                <a16:creationId xmlns="" xmlns:a16="http://schemas.microsoft.com/office/drawing/2014/main" id="{3F7B84A3-1AD0-4DF7-A6BC-4B5B198A72B9}"/>
               </a:ext>
             </a:extLst>
           </p:cNvPr>
@@ -21215,7 +21225,7 @@
           <p:cNvPr id="77" name="직선 화살표 연결선 76">
             <a:extLst>
               <a:ext uri="{FF2B5EF4-FFF2-40B4-BE49-F238E27FC236}">
-                <a16:creationId xmlns:a16="http://schemas.microsoft.com/office/drawing/2014/main" xmlns="" id="{3992F012-AF65-4E39-8E9C-577F6F0B7BD2}"/>
+                <a16:creationId xmlns="" xmlns:a16="http://schemas.microsoft.com/office/drawing/2014/main" id="{3992F012-AF65-4E39-8E9C-577F6F0B7BD2}"/>
               </a:ext>
             </a:extLst>
           </p:cNvPr>
@@ -21262,7 +21272,7 @@
           <p:cNvPr id="80" name="직선 화살표 연결선 79">
             <a:extLst>
               <a:ext uri="{FF2B5EF4-FFF2-40B4-BE49-F238E27FC236}">
-                <a16:creationId xmlns:a16="http://schemas.microsoft.com/office/drawing/2014/main" xmlns="" id="{EC28C33C-129E-4506-9549-3759C91D42BE}"/>
+                <a16:creationId xmlns="" xmlns:a16="http://schemas.microsoft.com/office/drawing/2014/main" id="{EC28C33C-129E-4506-9549-3759C91D42BE}"/>
               </a:ext>
             </a:extLst>
           </p:cNvPr>
@@ -21309,7 +21319,7 @@
           <p:cNvPr id="81" name="직선 화살표 연결선 80">
             <a:extLst>
               <a:ext uri="{FF2B5EF4-FFF2-40B4-BE49-F238E27FC236}">
-                <a16:creationId xmlns:a16="http://schemas.microsoft.com/office/drawing/2014/main" xmlns="" id="{3992F012-AF65-4E39-8E9C-577F6F0B7BD2}"/>
+                <a16:creationId xmlns="" xmlns:a16="http://schemas.microsoft.com/office/drawing/2014/main" id="{3992F012-AF65-4E39-8E9C-577F6F0B7BD2}"/>
               </a:ext>
             </a:extLst>
           </p:cNvPr>
@@ -21356,7 +21366,7 @@
           <p:cNvPr id="82" name="직선 화살표 연결선 81">
             <a:extLst>
               <a:ext uri="{FF2B5EF4-FFF2-40B4-BE49-F238E27FC236}">
-                <a16:creationId xmlns:a16="http://schemas.microsoft.com/office/drawing/2014/main" xmlns="" id="{EC28C33C-129E-4506-9549-3759C91D42BE}"/>
+                <a16:creationId xmlns="" xmlns:a16="http://schemas.microsoft.com/office/drawing/2014/main" id="{EC28C33C-129E-4506-9549-3759C91D42BE}"/>
               </a:ext>
             </a:extLst>
           </p:cNvPr>
@@ -21403,7 +21413,7 @@
           <p:cNvPr id="85" name="직선 화살표 연결선 84">
             <a:extLst>
               <a:ext uri="{FF2B5EF4-FFF2-40B4-BE49-F238E27FC236}">
-                <a16:creationId xmlns:a16="http://schemas.microsoft.com/office/drawing/2014/main" xmlns="" id="{3992F012-AF65-4E39-8E9C-577F6F0B7BD2}"/>
+                <a16:creationId xmlns="" xmlns:a16="http://schemas.microsoft.com/office/drawing/2014/main" id="{3992F012-AF65-4E39-8E9C-577F6F0B7BD2}"/>
               </a:ext>
             </a:extLst>
           </p:cNvPr>
@@ -21450,7 +21460,7 @@
           <p:cNvPr id="87" name="직선 화살표 연결선 86">
             <a:extLst>
               <a:ext uri="{FF2B5EF4-FFF2-40B4-BE49-F238E27FC236}">
-                <a16:creationId xmlns:a16="http://schemas.microsoft.com/office/drawing/2014/main" xmlns="" id="{3992F012-AF65-4E39-8E9C-577F6F0B7BD2}"/>
+                <a16:creationId xmlns="" xmlns:a16="http://schemas.microsoft.com/office/drawing/2014/main" id="{3992F012-AF65-4E39-8E9C-577F6F0B7BD2}"/>
               </a:ext>
             </a:extLst>
           </p:cNvPr>
@@ -21497,7 +21507,7 @@
           <p:cNvPr id="89" name="직선 화살표 연결선 88">
             <a:extLst>
               <a:ext uri="{FF2B5EF4-FFF2-40B4-BE49-F238E27FC236}">
-                <a16:creationId xmlns:a16="http://schemas.microsoft.com/office/drawing/2014/main" xmlns="" id="{EC28C33C-129E-4506-9549-3759C91D42BE}"/>
+                <a16:creationId xmlns="" xmlns:a16="http://schemas.microsoft.com/office/drawing/2014/main" id="{EC28C33C-129E-4506-9549-3759C91D42BE}"/>
               </a:ext>
             </a:extLst>
           </p:cNvPr>
@@ -21544,7 +21554,7 @@
           <p:cNvPr id="90" name="직선 화살표 연결선 89">
             <a:extLst>
               <a:ext uri="{FF2B5EF4-FFF2-40B4-BE49-F238E27FC236}">
-                <a16:creationId xmlns:a16="http://schemas.microsoft.com/office/drawing/2014/main" xmlns="" id="{EC28C33C-129E-4506-9549-3759C91D42BE}"/>
+                <a16:creationId xmlns="" xmlns:a16="http://schemas.microsoft.com/office/drawing/2014/main" id="{EC28C33C-129E-4506-9549-3759C91D42BE}"/>
               </a:ext>
             </a:extLst>
           </p:cNvPr>
@@ -21591,7 +21601,7 @@
           <p:cNvPr id="146" name="직선 화살표 연결선 145">
             <a:extLst>
               <a:ext uri="{FF2B5EF4-FFF2-40B4-BE49-F238E27FC236}">
-                <a16:creationId xmlns:a16="http://schemas.microsoft.com/office/drawing/2014/main" xmlns="" id="{366CBA92-9226-4C4A-ACDD-433CD65941DE}"/>
+                <a16:creationId xmlns="" xmlns:a16="http://schemas.microsoft.com/office/drawing/2014/main" id="{366CBA92-9226-4C4A-ACDD-433CD65941DE}"/>
               </a:ext>
             </a:extLst>
           </p:cNvPr>
@@ -21638,7 +21648,7 @@
           <p:cNvPr id="158" name="TextBox 157">
             <a:extLst>
               <a:ext uri="{FF2B5EF4-FFF2-40B4-BE49-F238E27FC236}">
-                <a16:creationId xmlns:a16="http://schemas.microsoft.com/office/drawing/2014/main" xmlns="" id="{BDD2FA7E-1E88-4F78-ABF6-567824DD1ECE}"/>
+                <a16:creationId xmlns="" xmlns:a16="http://schemas.microsoft.com/office/drawing/2014/main" id="{BDD2FA7E-1E88-4F78-ABF6-567824DD1ECE}"/>
               </a:ext>
             </a:extLst>
           </p:cNvPr>
@@ -21686,7 +21696,7 @@
           <p:cNvPr id="105" name="TextBox 104">
             <a:extLst>
               <a:ext uri="{FF2B5EF4-FFF2-40B4-BE49-F238E27FC236}">
-                <a16:creationId xmlns:a16="http://schemas.microsoft.com/office/drawing/2014/main" xmlns="" id="{BDD2FA7E-1E88-4F78-ABF6-567824DD1ECE}"/>
+                <a16:creationId xmlns="" xmlns:a16="http://schemas.microsoft.com/office/drawing/2014/main" id="{BDD2FA7E-1E88-4F78-ABF6-567824DD1ECE}"/>
               </a:ext>
             </a:extLst>
           </p:cNvPr>
@@ -21734,7 +21744,7 @@
           <p:cNvPr id="106" name="TextBox 105">
             <a:extLst>
               <a:ext uri="{FF2B5EF4-FFF2-40B4-BE49-F238E27FC236}">
-                <a16:creationId xmlns:a16="http://schemas.microsoft.com/office/drawing/2014/main" xmlns="" id="{ED21C0EA-1B65-43C8-AAD0-87268DCF3FD2}"/>
+                <a16:creationId xmlns="" xmlns:a16="http://schemas.microsoft.com/office/drawing/2014/main" id="{ED21C0EA-1B65-43C8-AAD0-87268DCF3FD2}"/>
               </a:ext>
             </a:extLst>
           </p:cNvPr>
@@ -21821,7 +21831,7 @@
           <p:cNvPr id="107" name="TextBox 106">
             <a:extLst>
               <a:ext uri="{FF2B5EF4-FFF2-40B4-BE49-F238E27FC236}">
-                <a16:creationId xmlns:a16="http://schemas.microsoft.com/office/drawing/2014/main" xmlns="" id="{ED21C0EA-1B65-43C8-AAD0-87268DCF3FD2}"/>
+                <a16:creationId xmlns="" xmlns:a16="http://schemas.microsoft.com/office/drawing/2014/main" id="{ED21C0EA-1B65-43C8-AAD0-87268DCF3FD2}"/>
               </a:ext>
             </a:extLst>
           </p:cNvPr>
@@ -21908,7 +21918,7 @@
           <p:cNvPr id="118" name="TextBox 117">
             <a:extLst>
               <a:ext uri="{FF2B5EF4-FFF2-40B4-BE49-F238E27FC236}">
-                <a16:creationId xmlns:a16="http://schemas.microsoft.com/office/drawing/2014/main" xmlns="" id="{ED21C0EA-1B65-43C8-AAD0-87268DCF3FD2}"/>
+                <a16:creationId xmlns="" xmlns:a16="http://schemas.microsoft.com/office/drawing/2014/main" id="{ED21C0EA-1B65-43C8-AAD0-87268DCF3FD2}"/>
               </a:ext>
             </a:extLst>
           </p:cNvPr>
@@ -21995,7 +22005,7 @@
           <p:cNvPr id="119" name="TextBox 118">
             <a:extLst>
               <a:ext uri="{FF2B5EF4-FFF2-40B4-BE49-F238E27FC236}">
-                <a16:creationId xmlns:a16="http://schemas.microsoft.com/office/drawing/2014/main" xmlns="" id="{ED21C0EA-1B65-43C8-AAD0-87268DCF3FD2}"/>
+                <a16:creationId xmlns="" xmlns:a16="http://schemas.microsoft.com/office/drawing/2014/main" id="{ED21C0EA-1B65-43C8-AAD0-87268DCF3FD2}"/>
               </a:ext>
             </a:extLst>
           </p:cNvPr>
@@ -22082,7 +22092,7 @@
           <p:cNvPr id="120" name="TextBox 119">
             <a:extLst>
               <a:ext uri="{FF2B5EF4-FFF2-40B4-BE49-F238E27FC236}">
-                <a16:creationId xmlns:a16="http://schemas.microsoft.com/office/drawing/2014/main" xmlns="" id="{BDD2FA7E-1E88-4F78-ABF6-567824DD1ECE}"/>
+                <a16:creationId xmlns="" xmlns:a16="http://schemas.microsoft.com/office/drawing/2014/main" id="{BDD2FA7E-1E88-4F78-ABF6-567824DD1ECE}"/>
               </a:ext>
             </a:extLst>
           </p:cNvPr>
@@ -22147,7 +22157,7 @@
           <p:cNvPr id="121" name="직선 화살표 연결선 120">
             <a:extLst>
               <a:ext uri="{FF2B5EF4-FFF2-40B4-BE49-F238E27FC236}">
-                <a16:creationId xmlns:a16="http://schemas.microsoft.com/office/drawing/2014/main" xmlns="" id="{3F7B84A3-1AD0-4DF7-A6BC-4B5B198A72B9}"/>
+                <a16:creationId xmlns="" xmlns:a16="http://schemas.microsoft.com/office/drawing/2014/main" id="{3F7B84A3-1AD0-4DF7-A6BC-4B5B198A72B9}"/>
               </a:ext>
             </a:extLst>
           </p:cNvPr>
@@ -22224,7 +22234,7 @@
           <p:cNvPr id="4" name="표 4">
             <a:extLst>
               <a:ext uri="{FF2B5EF4-FFF2-40B4-BE49-F238E27FC236}">
-                <a16:creationId xmlns:a16="http://schemas.microsoft.com/office/drawing/2014/main" xmlns="" id="{B305719E-D3E5-4E7E-B17F-23D2B8F0881C}"/>
+                <a16:creationId xmlns="" xmlns:a16="http://schemas.microsoft.com/office/drawing/2014/main" id="{B305719E-D3E5-4E7E-B17F-23D2B8F0881C}"/>
               </a:ext>
             </a:extLst>
           </p:cNvPr>
@@ -22234,7 +22244,7 @@
           <p:nvPr>
             <p:extLst>
               <p:ext uri="{D42A27DB-BD31-4B8C-83A1-F6EECF244321}">
-                <p14:modId xmlns:p14="http://schemas.microsoft.com/office/powerpoint/2010/main" val="3544945850"/>
+                <p14:modId xmlns:p14="http://schemas.microsoft.com/office/powerpoint/2010/main" val="1846327644"/>
               </p:ext>
             </p:extLst>
           </p:nvPr>
@@ -22253,21 +22263,21 @@
                 <a:gridCol w="2033729">
                   <a:extLst>
                     <a:ext uri="{9D8B030D-6E8A-4147-A177-3AD203B41FA5}">
-                      <a16:colId xmlns:a16="http://schemas.microsoft.com/office/drawing/2014/main" xmlns="" val="3571064474"/>
+                      <a16:colId xmlns="" xmlns:a16="http://schemas.microsoft.com/office/drawing/2014/main" val="3571064474"/>
                     </a:ext>
                   </a:extLst>
                 </a:gridCol>
                 <a:gridCol w="1557196">
                   <a:extLst>
                     <a:ext uri="{9D8B030D-6E8A-4147-A177-3AD203B41FA5}">
-                      <a16:colId xmlns:a16="http://schemas.microsoft.com/office/drawing/2014/main" xmlns="" val="4257211528"/>
+                      <a16:colId xmlns="" xmlns:a16="http://schemas.microsoft.com/office/drawing/2014/main" val="4257211528"/>
                     </a:ext>
                   </a:extLst>
                 </a:gridCol>
                 <a:gridCol w="1665838">
                   <a:extLst>
                     <a:ext uri="{9D8B030D-6E8A-4147-A177-3AD203B41FA5}">
-                      <a16:colId xmlns:a16="http://schemas.microsoft.com/office/drawing/2014/main" xmlns="" val="3023545236"/>
+                      <a16:colId xmlns="" xmlns:a16="http://schemas.microsoft.com/office/drawing/2014/main" val="3023545236"/>
                     </a:ext>
                   </a:extLst>
                 </a:gridCol>
@@ -22275,21 +22285,21 @@
                 <a:gridCol w="1738265">
                   <a:extLst>
                     <a:ext uri="{9D8B030D-6E8A-4147-A177-3AD203B41FA5}">
-                      <a16:colId xmlns:a16="http://schemas.microsoft.com/office/drawing/2014/main" xmlns="" val="2920563116"/>
+                      <a16:colId xmlns="" xmlns:a16="http://schemas.microsoft.com/office/drawing/2014/main" val="2920563116"/>
                     </a:ext>
                   </a:extLst>
                 </a:gridCol>
                 <a:gridCol w="1720158">
                   <a:extLst>
                     <a:ext uri="{9D8B030D-6E8A-4147-A177-3AD203B41FA5}">
-                      <a16:colId xmlns:a16="http://schemas.microsoft.com/office/drawing/2014/main" xmlns="" val="3475859244"/>
+                      <a16:colId xmlns="" xmlns:a16="http://schemas.microsoft.com/office/drawing/2014/main" val="3475859244"/>
                     </a:ext>
                   </a:extLst>
                 </a:gridCol>
                 <a:gridCol w="1602273">
                   <a:extLst>
                     <a:ext uri="{9D8B030D-6E8A-4147-A177-3AD203B41FA5}">
-                      <a16:colId xmlns:a16="http://schemas.microsoft.com/office/drawing/2014/main" xmlns="" val="3472189352"/>
+                      <a16:colId xmlns="" xmlns:a16="http://schemas.microsoft.com/office/drawing/2014/main" val="3472189352"/>
                     </a:ext>
                   </a:extLst>
                 </a:gridCol>
@@ -22339,15 +22349,7 @@
                             <a:schemeClr val="tx1"/>
                           </a:solidFill>
                         </a:rPr>
-                        <a:t> </a:t>
-                      </a:r>
-                      <a:r>
-                        <a:rPr lang="en-US" altLang="ko-KR" dirty="0" smtClean="0">
-                          <a:solidFill>
-                            <a:schemeClr val="tx1"/>
-                          </a:solidFill>
-                        </a:rPr>
-                        <a:t>diagram</a:t>
+                        <a:t> diagram</a:t>
                       </a:r>
                       <a:endParaRPr lang="ko-KR" altLang="en-US" dirty="0">
                         <a:solidFill>
@@ -22892,7 +22894,7 @@
                 </a:tc>
                 <a:extLst>
                   <a:ext uri="{0D108BD9-81ED-4DB2-BD59-A6C34878D82A}">
-                    <a16:rowId xmlns:a16="http://schemas.microsoft.com/office/drawing/2014/main" xmlns="" val="243423754"/>
+                    <a16:rowId xmlns="" xmlns:a16="http://schemas.microsoft.com/office/drawing/2014/main" val="243423754"/>
                   </a:ext>
                 </a:extLst>
               </a:tr>
@@ -23071,6 +23073,14 @@
                     </a:p>
                     <a:p>
                       <a:pPr algn="l" latinLnBrk="1"/>
+                      <a:endParaRPr lang="en-US" altLang="ko-KR" sz="1000" dirty="0" smtClean="0">
+                        <a:solidFill>
+                          <a:schemeClr val="tx1"/>
+                        </a:solidFill>
+                      </a:endParaRPr>
+                    </a:p>
+                    <a:p>
+                      <a:pPr algn="l" latinLnBrk="1"/>
                       <a:endParaRPr lang="en-US" altLang="ko-KR" sz="1000" dirty="0">
                         <a:solidFill>
                           <a:schemeClr val="tx1"/>
@@ -23642,6 +23652,14 @@
                     </a:p>
                     <a:p>
                       <a:pPr algn="ctr" latinLnBrk="1"/>
+                      <a:endParaRPr lang="en-US" altLang="ko-KR" sz="1000" dirty="0" smtClean="0">
+                        <a:solidFill>
+                          <a:schemeClr val="tx1"/>
+                        </a:solidFill>
+                      </a:endParaRPr>
+                    </a:p>
+                    <a:p>
+                      <a:pPr algn="ctr" latinLnBrk="1"/>
                       <a:r>
                         <a:rPr lang="en-US" altLang="ko-KR" sz="1000" dirty="0" smtClean="0">
                           <a:solidFill>
@@ -23822,6 +23840,14 @@
                     </a:p>
                     <a:p>
                       <a:pPr algn="ctr" latinLnBrk="1"/>
+                      <a:endParaRPr lang="en-US" altLang="ko-KR" sz="1000" dirty="0" smtClean="0">
+                        <a:solidFill>
+                          <a:schemeClr val="tx1"/>
+                        </a:solidFill>
+                      </a:endParaRPr>
+                    </a:p>
+                    <a:p>
+                      <a:pPr algn="ctr" latinLnBrk="1"/>
                       <a:r>
                         <a:rPr lang="en-US" altLang="ko-KR" sz="1000" dirty="0" smtClean="0">
                           <a:solidFill>
@@ -23830,11 +23856,6 @@
                         </a:rPr>
                         <a:t>insert()</a:t>
                       </a:r>
-                      <a:endParaRPr lang="en-US" altLang="ko-KR" sz="1000" dirty="0" smtClean="0">
-                        <a:solidFill>
-                          <a:schemeClr val="tx1"/>
-                        </a:solidFill>
-                      </a:endParaRPr>
                     </a:p>
                     <a:p>
                       <a:pPr algn="ctr" latinLnBrk="1"/>
@@ -23988,6 +24009,14 @@
                     </a:p>
                     <a:p>
                       <a:pPr algn="ctr" latinLnBrk="1"/>
+                      <a:endParaRPr lang="en-US" altLang="ko-KR" sz="1000" dirty="0" smtClean="0">
+                        <a:solidFill>
+                          <a:schemeClr val="tx1"/>
+                        </a:solidFill>
+                      </a:endParaRPr>
+                    </a:p>
+                    <a:p>
+                      <a:pPr algn="ctr" latinLnBrk="1"/>
                       <a:endParaRPr lang="en-US" altLang="ko-KR" sz="1000" dirty="0">
                         <a:solidFill>
                           <a:schemeClr val="tx1"/>
@@ -24170,6 +24199,14 @@
                     </a:p>
                     <a:p>
                       <a:pPr algn="ctr" latinLnBrk="1"/>
+                      <a:endParaRPr lang="en-US" altLang="ko-KR" sz="1000" dirty="0" smtClean="0">
+                        <a:solidFill>
+                          <a:schemeClr val="tx1"/>
+                        </a:solidFill>
+                      </a:endParaRPr>
+                    </a:p>
+                    <a:p>
+                      <a:pPr algn="ctr" latinLnBrk="1"/>
                       <a:endParaRPr lang="en-US" altLang="ko-KR" sz="1000" dirty="0">
                         <a:solidFill>
                           <a:schemeClr val="tx1"/>
@@ -24333,6 +24370,14 @@
                     </a:p>
                     <a:p>
                       <a:pPr algn="ctr" latinLnBrk="1"/>
+                      <a:endParaRPr lang="en-US" altLang="ko-KR" sz="1000" dirty="0" smtClean="0">
+                        <a:solidFill>
+                          <a:schemeClr val="tx1"/>
+                        </a:solidFill>
+                      </a:endParaRPr>
+                    </a:p>
+                    <a:p>
+                      <a:pPr algn="ctr" latinLnBrk="1"/>
                       <a:endParaRPr lang="en-US" altLang="ko-KR" sz="1000" dirty="0">
                         <a:solidFill>
                           <a:schemeClr val="tx1"/>
@@ -24379,7 +24424,7 @@
                 </a:tc>
                 <a:extLst>
                   <a:ext uri="{0D108BD9-81ED-4DB2-BD59-A6C34878D82A}">
-                    <a16:rowId xmlns:a16="http://schemas.microsoft.com/office/drawing/2014/main" xmlns="" val="3134473238"/>
+                    <a16:rowId xmlns="" xmlns:a16="http://schemas.microsoft.com/office/drawing/2014/main" val="3134473238"/>
                   </a:ext>
                 </a:extLst>
               </a:tr>
@@ -24392,7 +24437,7 @@
           <p:cNvPr id="6" name="직선 화살표 연결선 5">
             <a:extLst>
               <a:ext uri="{FF2B5EF4-FFF2-40B4-BE49-F238E27FC236}">
-                <a16:creationId xmlns:a16="http://schemas.microsoft.com/office/drawing/2014/main" xmlns="" id="{3F7B84A3-1AD0-4DF7-A6BC-4B5B198A72B9}"/>
+                <a16:creationId xmlns="" xmlns:a16="http://schemas.microsoft.com/office/drawing/2014/main" id="{3F7B84A3-1AD0-4DF7-A6BC-4B5B198A72B9}"/>
               </a:ext>
             </a:extLst>
           </p:cNvPr>
@@ -24439,7 +24484,7 @@
           <p:cNvPr id="7" name="직선 화살표 연결선 6">
             <a:extLst>
               <a:ext uri="{FF2B5EF4-FFF2-40B4-BE49-F238E27FC236}">
-                <a16:creationId xmlns:a16="http://schemas.microsoft.com/office/drawing/2014/main" xmlns="" id="{3992F012-AF65-4E39-8E9C-577F6F0B7BD2}"/>
+                <a16:creationId xmlns="" xmlns:a16="http://schemas.microsoft.com/office/drawing/2014/main" id="{3992F012-AF65-4E39-8E9C-577F6F0B7BD2}"/>
               </a:ext>
             </a:extLst>
           </p:cNvPr>
@@ -24486,7 +24531,7 @@
           <p:cNvPr id="14" name="TextBox 13">
             <a:extLst>
               <a:ext uri="{FF2B5EF4-FFF2-40B4-BE49-F238E27FC236}">
-                <a16:creationId xmlns:a16="http://schemas.microsoft.com/office/drawing/2014/main" xmlns="" id="{83A2AE63-3C59-4FEB-BBED-3D51275125E3}"/>
+                <a16:creationId xmlns="" xmlns:a16="http://schemas.microsoft.com/office/drawing/2014/main" id="{83A2AE63-3C59-4FEB-BBED-3D51275125E3}"/>
               </a:ext>
             </a:extLst>
           </p:cNvPr>
@@ -24535,7 +24580,7 @@
           <p:cNvPr id="16" name="TextBox 15">
             <a:extLst>
               <a:ext uri="{FF2B5EF4-FFF2-40B4-BE49-F238E27FC236}">
-                <a16:creationId xmlns:a16="http://schemas.microsoft.com/office/drawing/2014/main" xmlns="" id="{B5D51435-1C6A-443A-871F-F312D05722E2}"/>
+                <a16:creationId xmlns="" xmlns:a16="http://schemas.microsoft.com/office/drawing/2014/main" id="{B5D51435-1C6A-443A-871F-F312D05722E2}"/>
               </a:ext>
             </a:extLst>
           </p:cNvPr>
@@ -24584,7 +24629,7 @@
           <p:cNvPr id="19" name="직선 화살표 연결선 18">
             <a:extLst>
               <a:ext uri="{FF2B5EF4-FFF2-40B4-BE49-F238E27FC236}">
-                <a16:creationId xmlns:a16="http://schemas.microsoft.com/office/drawing/2014/main" xmlns="" id="{EC28C33C-129E-4506-9549-3759C91D42BE}"/>
+                <a16:creationId xmlns="" xmlns:a16="http://schemas.microsoft.com/office/drawing/2014/main" id="{EC28C33C-129E-4506-9549-3759C91D42BE}"/>
               </a:ext>
             </a:extLst>
           </p:cNvPr>
@@ -24631,7 +24676,7 @@
           <p:cNvPr id="20" name="TextBox 19">
             <a:extLst>
               <a:ext uri="{FF2B5EF4-FFF2-40B4-BE49-F238E27FC236}">
-                <a16:creationId xmlns:a16="http://schemas.microsoft.com/office/drawing/2014/main" xmlns="" id="{BDD2FA7E-1E88-4F78-ABF6-567824DD1ECE}"/>
+                <a16:creationId xmlns="" xmlns:a16="http://schemas.microsoft.com/office/drawing/2014/main" id="{BDD2FA7E-1E88-4F78-ABF6-567824DD1ECE}"/>
               </a:ext>
             </a:extLst>
           </p:cNvPr>
@@ -24696,7 +24741,7 @@
           <p:cNvPr id="21" name="직선 화살표 연결선 20">
             <a:extLst>
               <a:ext uri="{FF2B5EF4-FFF2-40B4-BE49-F238E27FC236}">
-                <a16:creationId xmlns:a16="http://schemas.microsoft.com/office/drawing/2014/main" xmlns="" id="{75322384-8370-42A2-9AA6-9103C9E005E6}"/>
+                <a16:creationId xmlns="" xmlns:a16="http://schemas.microsoft.com/office/drawing/2014/main" id="{75322384-8370-42A2-9AA6-9103C9E005E6}"/>
               </a:ext>
             </a:extLst>
           </p:cNvPr>
@@ -24743,7 +24788,7 @@
           <p:cNvPr id="23" name="직선 화살표 연결선 22">
             <a:extLst>
               <a:ext uri="{FF2B5EF4-FFF2-40B4-BE49-F238E27FC236}">
-                <a16:creationId xmlns:a16="http://schemas.microsoft.com/office/drawing/2014/main" xmlns="" id="{366CBA92-9226-4C4A-ACDD-433CD65941DE}"/>
+                <a16:creationId xmlns="" xmlns:a16="http://schemas.microsoft.com/office/drawing/2014/main" id="{366CBA92-9226-4C4A-ACDD-433CD65941DE}"/>
               </a:ext>
             </a:extLst>
           </p:cNvPr>
@@ -24790,7 +24835,7 @@
           <p:cNvPr id="56" name="직선 화살표 연결선 55">
             <a:extLst>
               <a:ext uri="{FF2B5EF4-FFF2-40B4-BE49-F238E27FC236}">
-                <a16:creationId xmlns:a16="http://schemas.microsoft.com/office/drawing/2014/main" xmlns="" id="{3992F012-AF65-4E39-8E9C-577F6F0B7BD2}"/>
+                <a16:creationId xmlns="" xmlns:a16="http://schemas.microsoft.com/office/drawing/2014/main" id="{3992F012-AF65-4E39-8E9C-577F6F0B7BD2}"/>
               </a:ext>
             </a:extLst>
           </p:cNvPr>
@@ -24837,7 +24882,7 @@
           <p:cNvPr id="61" name="직선 화살표 연결선 60">
             <a:extLst>
               <a:ext uri="{FF2B5EF4-FFF2-40B4-BE49-F238E27FC236}">
-                <a16:creationId xmlns:a16="http://schemas.microsoft.com/office/drawing/2014/main" xmlns="" id="{3992F012-AF65-4E39-8E9C-577F6F0B7BD2}"/>
+                <a16:creationId xmlns="" xmlns:a16="http://schemas.microsoft.com/office/drawing/2014/main" id="{3992F012-AF65-4E39-8E9C-577F6F0B7BD2}"/>
               </a:ext>
             </a:extLst>
           </p:cNvPr>
@@ -24884,7 +24929,7 @@
           <p:cNvPr id="65" name="직선 화살표 연결선 64">
             <a:extLst>
               <a:ext uri="{FF2B5EF4-FFF2-40B4-BE49-F238E27FC236}">
-                <a16:creationId xmlns:a16="http://schemas.microsoft.com/office/drawing/2014/main" xmlns="" id="{3992F012-AF65-4E39-8E9C-577F6F0B7BD2}"/>
+                <a16:creationId xmlns="" xmlns:a16="http://schemas.microsoft.com/office/drawing/2014/main" id="{3992F012-AF65-4E39-8E9C-577F6F0B7BD2}"/>
               </a:ext>
             </a:extLst>
           </p:cNvPr>
@@ -24931,7 +24976,7 @@
           <p:cNvPr id="70" name="직선 화살표 연결선 69">
             <a:extLst>
               <a:ext uri="{FF2B5EF4-FFF2-40B4-BE49-F238E27FC236}">
-                <a16:creationId xmlns:a16="http://schemas.microsoft.com/office/drawing/2014/main" xmlns="" id="{EC28C33C-129E-4506-9549-3759C91D42BE}"/>
+                <a16:creationId xmlns="" xmlns:a16="http://schemas.microsoft.com/office/drawing/2014/main" id="{EC28C33C-129E-4506-9549-3759C91D42BE}"/>
               </a:ext>
             </a:extLst>
           </p:cNvPr>
@@ -24978,7 +25023,7 @@
           <p:cNvPr id="71" name="직선 화살표 연결선 70">
             <a:extLst>
               <a:ext uri="{FF2B5EF4-FFF2-40B4-BE49-F238E27FC236}">
-                <a16:creationId xmlns:a16="http://schemas.microsoft.com/office/drawing/2014/main" xmlns="" id="{EC28C33C-129E-4506-9549-3759C91D42BE}"/>
+                <a16:creationId xmlns="" xmlns:a16="http://schemas.microsoft.com/office/drawing/2014/main" id="{EC28C33C-129E-4506-9549-3759C91D42BE}"/>
               </a:ext>
             </a:extLst>
           </p:cNvPr>
@@ -25025,7 +25070,7 @@
           <p:cNvPr id="72" name="직선 화살표 연결선 71">
             <a:extLst>
               <a:ext uri="{FF2B5EF4-FFF2-40B4-BE49-F238E27FC236}">
-                <a16:creationId xmlns:a16="http://schemas.microsoft.com/office/drawing/2014/main" xmlns="" id="{EC28C33C-129E-4506-9549-3759C91D42BE}"/>
+                <a16:creationId xmlns="" xmlns:a16="http://schemas.microsoft.com/office/drawing/2014/main" id="{EC28C33C-129E-4506-9549-3759C91D42BE}"/>
               </a:ext>
             </a:extLst>
           </p:cNvPr>
@@ -25072,7 +25117,7 @@
           <p:cNvPr id="73" name="TextBox 72">
             <a:extLst>
               <a:ext uri="{FF2B5EF4-FFF2-40B4-BE49-F238E27FC236}">
-                <a16:creationId xmlns:a16="http://schemas.microsoft.com/office/drawing/2014/main" xmlns="" id="{BDD2FA7E-1E88-4F78-ABF6-567824DD1ECE}"/>
+                <a16:creationId xmlns="" xmlns:a16="http://schemas.microsoft.com/office/drawing/2014/main" id="{BDD2FA7E-1E88-4F78-ABF6-567824DD1ECE}"/>
               </a:ext>
             </a:extLst>
           </p:cNvPr>
@@ -25137,7 +25182,7 @@
           <p:cNvPr id="78" name="직선 화살표 연결선 77">
             <a:extLst>
               <a:ext uri="{FF2B5EF4-FFF2-40B4-BE49-F238E27FC236}">
-                <a16:creationId xmlns:a16="http://schemas.microsoft.com/office/drawing/2014/main" xmlns="" id="{3992F012-AF65-4E39-8E9C-577F6F0B7BD2}"/>
+                <a16:creationId xmlns="" xmlns:a16="http://schemas.microsoft.com/office/drawing/2014/main" id="{3992F012-AF65-4E39-8E9C-577F6F0B7BD2}"/>
               </a:ext>
             </a:extLst>
           </p:cNvPr>
@@ -25184,7 +25229,7 @@
           <p:cNvPr id="79" name="TextBox 78">
             <a:extLst>
               <a:ext uri="{FF2B5EF4-FFF2-40B4-BE49-F238E27FC236}">
-                <a16:creationId xmlns:a16="http://schemas.microsoft.com/office/drawing/2014/main" xmlns="" id="{ED21C0EA-1B65-43C8-AAD0-87268DCF3FD2}"/>
+                <a16:creationId xmlns="" xmlns:a16="http://schemas.microsoft.com/office/drawing/2014/main" id="{ED21C0EA-1B65-43C8-AAD0-87268DCF3FD2}"/>
               </a:ext>
             </a:extLst>
           </p:cNvPr>
@@ -25253,13 +25298,6 @@
               </a:rPr>
               <a:t>data</a:t>
             </a:r>
-            <a:endParaRPr lang="en-US" altLang="ko-KR" sz="1000" dirty="0" smtClean="0">
-              <a:solidFill>
-                <a:srgbClr val="70AD47">
-                  <a:lumMod val="75000"/>
-                </a:srgbClr>
-              </a:solidFill>
-            </a:endParaRPr>
           </a:p>
         </p:txBody>
       </p:sp>
@@ -25268,7 +25306,7 @@
           <p:cNvPr id="94" name="직선 화살표 연결선 93">
             <a:extLst>
               <a:ext uri="{FF2B5EF4-FFF2-40B4-BE49-F238E27FC236}">
-                <a16:creationId xmlns:a16="http://schemas.microsoft.com/office/drawing/2014/main" xmlns="" id="{EC28C33C-129E-4506-9549-3759C91D42BE}"/>
+                <a16:creationId xmlns="" xmlns:a16="http://schemas.microsoft.com/office/drawing/2014/main" id="{EC28C33C-129E-4506-9549-3759C91D42BE}"/>
               </a:ext>
             </a:extLst>
           </p:cNvPr>
@@ -25315,7 +25353,7 @@
           <p:cNvPr id="96" name="TextBox 95">
             <a:extLst>
               <a:ext uri="{FF2B5EF4-FFF2-40B4-BE49-F238E27FC236}">
-                <a16:creationId xmlns:a16="http://schemas.microsoft.com/office/drawing/2014/main" xmlns="" id="{BDD2FA7E-1E88-4F78-ABF6-567824DD1ECE}"/>
+                <a16:creationId xmlns="" xmlns:a16="http://schemas.microsoft.com/office/drawing/2014/main" id="{BDD2FA7E-1E88-4F78-ABF6-567824DD1ECE}"/>
               </a:ext>
             </a:extLst>
           </p:cNvPr>
@@ -25416,7 +25454,7 @@
           <p:cNvPr id="97" name="TextBox 96">
             <a:extLst>
               <a:ext uri="{FF2B5EF4-FFF2-40B4-BE49-F238E27FC236}">
-                <a16:creationId xmlns:a16="http://schemas.microsoft.com/office/drawing/2014/main" xmlns="" id="{BDD2FA7E-1E88-4F78-ABF6-567824DD1ECE}"/>
+                <a16:creationId xmlns="" xmlns:a16="http://schemas.microsoft.com/office/drawing/2014/main" id="{BDD2FA7E-1E88-4F78-ABF6-567824DD1ECE}"/>
               </a:ext>
             </a:extLst>
           </p:cNvPr>
@@ -25463,6 +25501,290 @@
                 </a:solidFill>
               </a:rPr>
               <a:t>gList</a:t>
+            </a:r>
+            <a:endParaRPr lang="ko-KR" altLang="en-US" sz="1000" dirty="0">
+              <a:solidFill>
+                <a:schemeClr val="accent2"/>
+              </a:solidFill>
+            </a:endParaRPr>
+          </a:p>
+        </p:txBody>
+      </p:sp>
+      <p:cxnSp>
+        <p:nvCxnSpPr>
+          <p:cNvPr id="24" name="직선 화살표 연결선 23">
+            <a:extLst>
+              <a:ext uri="{FF2B5EF4-FFF2-40B4-BE49-F238E27FC236}">
+                <a16:creationId xmlns="" xmlns:a16="http://schemas.microsoft.com/office/drawing/2014/main" id="{3992F012-AF65-4E39-8E9C-577F6F0B7BD2}"/>
+              </a:ext>
+            </a:extLst>
+          </p:cNvPr>
+          <p:cNvCxnSpPr>
+            <a:cxnSpLocks/>
+          </p:cNvCxnSpPr>
+          <p:nvPr/>
+        </p:nvCxnSpPr>
+        <p:spPr>
+          <a:xfrm>
+            <a:off x="1571280" y="3202669"/>
+            <a:ext cx="2602936" cy="2751"/>
+          </a:xfrm>
+          <a:prstGeom prst="straightConnector1">
+            <a:avLst/>
+          </a:prstGeom>
+          <a:ln w="19050">
+            <a:solidFill>
+              <a:schemeClr val="accent6">
+                <a:lumMod val="60000"/>
+                <a:lumOff val="40000"/>
+              </a:schemeClr>
+            </a:solidFill>
+            <a:tailEnd type="triangle"/>
+          </a:ln>
+        </p:spPr>
+        <p:style>
+          <a:lnRef idx="1">
+            <a:schemeClr val="accent1"/>
+          </a:lnRef>
+          <a:fillRef idx="0">
+            <a:schemeClr val="accent1"/>
+          </a:fillRef>
+          <a:effectRef idx="0">
+            <a:schemeClr val="accent1"/>
+          </a:effectRef>
+          <a:fontRef idx="minor">
+            <a:schemeClr val="tx1"/>
+          </a:fontRef>
+        </p:style>
+      </p:cxnSp>
+      <p:sp>
+        <p:nvSpPr>
+          <p:cNvPr id="25" name="TextBox 24">
+            <a:extLst>
+              <a:ext uri="{FF2B5EF4-FFF2-40B4-BE49-F238E27FC236}">
+                <a16:creationId xmlns="" xmlns:a16="http://schemas.microsoft.com/office/drawing/2014/main" id="{ED21C0EA-1B65-43C8-AAD0-87268DCF3FD2}"/>
+              </a:ext>
+            </a:extLst>
+          </p:cNvPr>
+          <p:cNvSpPr txBox="1"/>
+          <p:nvPr/>
+        </p:nvSpPr>
+        <p:spPr>
+          <a:xfrm>
+            <a:off x="2098587" y="2849152"/>
+            <a:ext cx="1646888" cy="307777"/>
+          </a:xfrm>
+          <a:prstGeom prst="rect">
+            <a:avLst/>
+          </a:prstGeom>
+          <a:solidFill>
+            <a:schemeClr val="accent6">
+              <a:lumMod val="20000"/>
+              <a:lumOff val="80000"/>
+            </a:schemeClr>
+          </a:solidFill>
+        </p:spPr>
+        <p:txBody>
+          <a:bodyPr wrap="square" lIns="0" tIns="0" rIns="0" bIns="0" rtlCol="0">
+            <a:spAutoFit/>
+          </a:bodyPr>
+          <a:lstStyle/>
+          <a:p>
+            <a:pPr algn="ctr"/>
+            <a:r>
+              <a:rPr lang="en-US" altLang="ko-KR" sz="1000" dirty="0" err="1" smtClean="0">
+                <a:solidFill>
+                  <a:schemeClr val="accent6">
+                    <a:lumMod val="75000"/>
+                  </a:schemeClr>
+                </a:solidFill>
+              </a:rPr>
+              <a:t>GuestbookVo</a:t>
+            </a:r>
+            <a:r>
+              <a:rPr lang="en-US" altLang="ko-KR" sz="1000" dirty="0" smtClean="0">
+                <a:solidFill>
+                  <a:schemeClr val="accent6">
+                    <a:lumMod val="75000"/>
+                  </a:schemeClr>
+                </a:solidFill>
+              </a:rPr>
+              <a:t> </a:t>
+            </a:r>
+            <a:r>
+              <a:rPr lang="en-US" altLang="ko-KR" sz="1000" dirty="0" err="1" smtClean="0">
+                <a:solidFill>
+                  <a:schemeClr val="accent6">
+                    <a:lumMod val="75000"/>
+                  </a:schemeClr>
+                </a:solidFill>
+              </a:rPr>
+              <a:t>vo</a:t>
+            </a:r>
+            <a:r>
+              <a:rPr lang="en-US" altLang="ko-KR" sz="1000" dirty="0" smtClean="0">
+                <a:solidFill>
+                  <a:schemeClr val="accent6">
+                    <a:lumMod val="75000"/>
+                  </a:schemeClr>
+                </a:solidFill>
+              </a:rPr>
+              <a:t>(</a:t>
+            </a:r>
+            <a:r>
+              <a:rPr lang="ko-KR" altLang="en-US" sz="1000" dirty="0" err="1" smtClean="0">
+                <a:solidFill>
+                  <a:schemeClr val="accent6">
+                    <a:lumMod val="75000"/>
+                  </a:schemeClr>
+                </a:solidFill>
+              </a:rPr>
+              <a:t>파라미터</a:t>
+            </a:r>
+            <a:r>
+              <a:rPr lang="en-US" altLang="ko-KR" sz="1000" dirty="0" smtClean="0">
+                <a:solidFill>
+                  <a:schemeClr val="accent6">
+                    <a:lumMod val="75000"/>
+                  </a:schemeClr>
+                </a:solidFill>
+              </a:rPr>
+              <a:t>)</a:t>
+            </a:r>
+            <a:endParaRPr lang="en-US" altLang="ko-KR" sz="1000" dirty="0" smtClean="0">
+              <a:solidFill>
+                <a:schemeClr val="accent6">
+                  <a:lumMod val="75000"/>
+                </a:schemeClr>
+              </a:solidFill>
+            </a:endParaRPr>
+          </a:p>
+          <a:p>
+            <a:r>
+              <a:rPr lang="en-US" altLang="ko-KR" sz="1000" dirty="0" smtClean="0">
+                <a:solidFill>
+                  <a:schemeClr val="accent6">
+                    <a:lumMod val="75000"/>
+                  </a:schemeClr>
+                </a:solidFill>
+              </a:rPr>
+              <a:t>(name, password, content)</a:t>
+            </a:r>
+            <a:endParaRPr lang="ko-KR" altLang="en-US" sz="1000" dirty="0">
+              <a:solidFill>
+                <a:schemeClr val="accent6">
+                  <a:lumMod val="75000"/>
+                </a:schemeClr>
+              </a:solidFill>
+            </a:endParaRPr>
+          </a:p>
+        </p:txBody>
+      </p:sp>
+      <p:sp>
+        <p:nvSpPr>
+          <p:cNvPr id="27" name="TextBox 26">
+            <a:extLst>
+              <a:ext uri="{FF2B5EF4-FFF2-40B4-BE49-F238E27FC236}">
+                <a16:creationId xmlns="" xmlns:a16="http://schemas.microsoft.com/office/drawing/2014/main" id="{BDD2FA7E-1E88-4F78-ABF6-567824DD1ECE}"/>
+              </a:ext>
+            </a:extLst>
+          </p:cNvPr>
+          <p:cNvSpPr txBox="1"/>
+          <p:nvPr/>
+        </p:nvSpPr>
+        <p:spPr>
+          <a:xfrm>
+            <a:off x="4255744" y="4338391"/>
+            <a:ext cx="2386216" cy="307777"/>
+          </a:xfrm>
+          <a:prstGeom prst="rect">
+            <a:avLst/>
+          </a:prstGeom>
+          <a:solidFill>
+            <a:schemeClr val="accent2">
+              <a:lumMod val="20000"/>
+              <a:lumOff val="80000"/>
+            </a:schemeClr>
+          </a:solidFill>
+        </p:spPr>
+        <p:txBody>
+          <a:bodyPr wrap="square" lIns="0" tIns="0" rIns="0" bIns="0" rtlCol="0">
+            <a:spAutoFit/>
+          </a:bodyPr>
+          <a:lstStyle/>
+          <a:p>
+            <a:pPr algn="ctr"/>
+            <a:r>
+              <a:rPr lang="en-US" altLang="ko-KR" sz="1000" dirty="0" err="1" smtClean="0">
+                <a:solidFill>
+                  <a:schemeClr val="accent2"/>
+                </a:solidFill>
+              </a:rPr>
+              <a:t>Guest</a:t>
+            </a:r>
+            <a:r>
+              <a:rPr lang="en-US" altLang="ko-KR" sz="1000" dirty="0" err="1" smtClean="0">
+                <a:solidFill>
+                  <a:schemeClr val="accent2"/>
+                </a:solidFill>
+              </a:rPr>
+              <a:t>b</a:t>
+            </a:r>
+            <a:r>
+              <a:rPr lang="en-US" altLang="ko-KR" sz="1000" dirty="0" err="1" smtClean="0">
+                <a:solidFill>
+                  <a:schemeClr val="accent2"/>
+                </a:solidFill>
+              </a:rPr>
+              <a:t>ookVo</a:t>
+            </a:r>
+            <a:r>
+              <a:rPr lang="en-US" altLang="ko-KR" sz="1000" dirty="0" smtClean="0">
+                <a:solidFill>
+                  <a:schemeClr val="accent2"/>
+                </a:solidFill>
+              </a:rPr>
+              <a:t> </a:t>
+            </a:r>
+            <a:r>
+              <a:rPr lang="en-US" altLang="ko-KR" sz="1000" dirty="0" err="1" smtClean="0">
+                <a:solidFill>
+                  <a:schemeClr val="accent2"/>
+                </a:solidFill>
+              </a:rPr>
+              <a:t>vo</a:t>
+            </a:r>
+            <a:endParaRPr lang="en-US" altLang="ko-KR" sz="1000" dirty="0" smtClean="0">
+              <a:solidFill>
+                <a:schemeClr val="accent2"/>
+              </a:solidFill>
+            </a:endParaRPr>
+          </a:p>
+          <a:p>
+            <a:pPr algn="ctr"/>
+            <a:r>
+              <a:rPr lang="en-US" altLang="ko-KR" sz="1000" dirty="0" smtClean="0">
+                <a:solidFill>
+                  <a:schemeClr val="accent2"/>
+                </a:solidFill>
+              </a:rPr>
+              <a:t>(no, name, password, content, </a:t>
+            </a:r>
+            <a:r>
+              <a:rPr lang="en-US" altLang="ko-KR" sz="1000" dirty="0" err="1" smtClean="0">
+                <a:solidFill>
+                  <a:schemeClr val="accent2"/>
+                </a:solidFill>
+              </a:rPr>
+              <a:t>regDate</a:t>
+            </a:r>
+            <a:r>
+              <a:rPr lang="en-US" altLang="ko-KR" sz="1000" dirty="0">
+                <a:solidFill>
+                  <a:schemeClr val="accent2"/>
+                </a:solidFill>
+              </a:rPr>
+              <a:t>)</a:t>
             </a:r>
             <a:endParaRPr lang="ko-KR" altLang="en-US" sz="1000" dirty="0">
               <a:solidFill>
@@ -25774,7 +26096,7 @@
   <a:extraClrSchemeLst/>
   <a:extLst>
     <a:ext uri="{05A4C25C-085E-4340-85A3-A5531E510DB2}">
-      <thm15:themeFamily xmlns:thm15="http://schemas.microsoft.com/office/thememl/2012/main" xmlns="" name="Office Theme" id="{62F939B6-93AF-4DB8-9C6B-D6C7DFDC589F}" vid="{4A3C46E8-61CC-4603-A589-7422A47A8E4A}"/>
+      <thm15:themeFamily xmlns="" xmlns:thm15="http://schemas.microsoft.com/office/thememl/2012/main" name="Office Theme" id="{62F939B6-93AF-4DB8-9C6B-D6C7DFDC589F}" vid="{4A3C46E8-61CC-4603-A589-7422A47A8E4A}"/>
     </a:ext>
   </a:extLst>
 </a:theme>

--- a/mysite4_sequencediagram.pptx
+++ b/mysite4_sequencediagram.pptx
@@ -132,7 +132,7 @@
           <p:cNvPr id="2" name="제목 1">
             <a:extLst>
               <a:ext uri="{FF2B5EF4-FFF2-40B4-BE49-F238E27FC236}">
-                <a16:creationId xmlns="" xmlns:a16="http://schemas.microsoft.com/office/drawing/2014/main" id="{F5702221-1B25-4A64-9C6E-2C1D6B06EC08}"/>
+                <a16:creationId xmlns:a16="http://schemas.microsoft.com/office/drawing/2014/main" xmlns="" id="{F5702221-1B25-4A64-9C6E-2C1D6B06EC08}"/>
               </a:ext>
             </a:extLst>
           </p:cNvPr>
@@ -169,7 +169,7 @@
           <p:cNvPr id="3" name="부제목 2">
             <a:extLst>
               <a:ext uri="{FF2B5EF4-FFF2-40B4-BE49-F238E27FC236}">
-                <a16:creationId xmlns="" xmlns:a16="http://schemas.microsoft.com/office/drawing/2014/main" id="{911447ED-6BE9-405D-8D24-8BA1B05ECB89}"/>
+                <a16:creationId xmlns:a16="http://schemas.microsoft.com/office/drawing/2014/main" xmlns="" id="{911447ED-6BE9-405D-8D24-8BA1B05ECB89}"/>
               </a:ext>
             </a:extLst>
           </p:cNvPr>
@@ -239,7 +239,7 @@
           <p:cNvPr id="4" name="날짜 개체 틀 3">
             <a:extLst>
               <a:ext uri="{FF2B5EF4-FFF2-40B4-BE49-F238E27FC236}">
-                <a16:creationId xmlns="" xmlns:a16="http://schemas.microsoft.com/office/drawing/2014/main" id="{738314AB-B4D9-4ADF-9F49-3E64C5E571D7}"/>
+                <a16:creationId xmlns:a16="http://schemas.microsoft.com/office/drawing/2014/main" xmlns="" id="{738314AB-B4D9-4ADF-9F49-3E64C5E571D7}"/>
               </a:ext>
             </a:extLst>
           </p:cNvPr>
@@ -258,7 +258,7 @@
             <a:fld id="{243B3942-B8A6-4289-81E2-11C0B6F800A8}" type="datetimeFigureOut">
               <a:rPr lang="ko-KR" altLang="en-US" smtClean="0"/>
               <a:pPr/>
-              <a:t>2022-01-28</a:t>
+              <a:t>2022-01-29</a:t>
             </a:fld>
             <a:endParaRPr lang="ko-KR" altLang="en-US"/>
           </a:p>
@@ -269,7 +269,7 @@
           <p:cNvPr id="5" name="바닥글 개체 틀 4">
             <a:extLst>
               <a:ext uri="{FF2B5EF4-FFF2-40B4-BE49-F238E27FC236}">
-                <a16:creationId xmlns="" xmlns:a16="http://schemas.microsoft.com/office/drawing/2014/main" id="{097A1181-B7D4-4FEF-AAB2-827300122B60}"/>
+                <a16:creationId xmlns:a16="http://schemas.microsoft.com/office/drawing/2014/main" xmlns="" id="{097A1181-B7D4-4FEF-AAB2-827300122B60}"/>
               </a:ext>
             </a:extLst>
           </p:cNvPr>
@@ -294,7 +294,7 @@
           <p:cNvPr id="6" name="슬라이드 번호 개체 틀 5">
             <a:extLst>
               <a:ext uri="{FF2B5EF4-FFF2-40B4-BE49-F238E27FC236}">
-                <a16:creationId xmlns="" xmlns:a16="http://schemas.microsoft.com/office/drawing/2014/main" id="{E46A5C1C-5160-4115-A600-60A00B87B49A}"/>
+                <a16:creationId xmlns:a16="http://schemas.microsoft.com/office/drawing/2014/main" xmlns="" id="{E46A5C1C-5160-4115-A600-60A00B87B49A}"/>
               </a:ext>
             </a:extLst>
           </p:cNvPr>
@@ -354,7 +354,7 @@
           <p:cNvPr id="2" name="제목 1">
             <a:extLst>
               <a:ext uri="{FF2B5EF4-FFF2-40B4-BE49-F238E27FC236}">
-                <a16:creationId xmlns="" xmlns:a16="http://schemas.microsoft.com/office/drawing/2014/main" id="{79C8F0D7-4B94-4EDF-A0DB-6F8CA3273F10}"/>
+                <a16:creationId xmlns:a16="http://schemas.microsoft.com/office/drawing/2014/main" xmlns="" id="{79C8F0D7-4B94-4EDF-A0DB-6F8CA3273F10}"/>
               </a:ext>
             </a:extLst>
           </p:cNvPr>
@@ -382,7 +382,7 @@
           <p:cNvPr id="3" name="세로 텍스트 개체 틀 2">
             <a:extLst>
               <a:ext uri="{FF2B5EF4-FFF2-40B4-BE49-F238E27FC236}">
-                <a16:creationId xmlns="" xmlns:a16="http://schemas.microsoft.com/office/drawing/2014/main" id="{7BF9988D-28F1-4C87-AD1F-15164F352F04}"/>
+                <a16:creationId xmlns:a16="http://schemas.microsoft.com/office/drawing/2014/main" xmlns="" id="{7BF9988D-28F1-4C87-AD1F-15164F352F04}"/>
               </a:ext>
             </a:extLst>
           </p:cNvPr>
@@ -439,7 +439,7 @@
           <p:cNvPr id="4" name="날짜 개체 틀 3">
             <a:extLst>
               <a:ext uri="{FF2B5EF4-FFF2-40B4-BE49-F238E27FC236}">
-                <a16:creationId xmlns="" xmlns:a16="http://schemas.microsoft.com/office/drawing/2014/main" id="{2EC54BBE-C766-4975-8CE3-95F05B680BBE}"/>
+                <a16:creationId xmlns:a16="http://schemas.microsoft.com/office/drawing/2014/main" xmlns="" id="{2EC54BBE-C766-4975-8CE3-95F05B680BBE}"/>
               </a:ext>
             </a:extLst>
           </p:cNvPr>
@@ -458,7 +458,7 @@
             <a:fld id="{243B3942-B8A6-4289-81E2-11C0B6F800A8}" type="datetimeFigureOut">
               <a:rPr lang="ko-KR" altLang="en-US" smtClean="0"/>
               <a:pPr/>
-              <a:t>2022-01-28</a:t>
+              <a:t>2022-01-29</a:t>
             </a:fld>
             <a:endParaRPr lang="ko-KR" altLang="en-US"/>
           </a:p>
@@ -469,7 +469,7 @@
           <p:cNvPr id="5" name="바닥글 개체 틀 4">
             <a:extLst>
               <a:ext uri="{FF2B5EF4-FFF2-40B4-BE49-F238E27FC236}">
-                <a16:creationId xmlns="" xmlns:a16="http://schemas.microsoft.com/office/drawing/2014/main" id="{74F320A7-2EB4-492A-9EDD-CC1780B3FC78}"/>
+                <a16:creationId xmlns:a16="http://schemas.microsoft.com/office/drawing/2014/main" xmlns="" id="{74F320A7-2EB4-492A-9EDD-CC1780B3FC78}"/>
               </a:ext>
             </a:extLst>
           </p:cNvPr>
@@ -494,7 +494,7 @@
           <p:cNvPr id="6" name="슬라이드 번호 개체 틀 5">
             <a:extLst>
               <a:ext uri="{FF2B5EF4-FFF2-40B4-BE49-F238E27FC236}">
-                <a16:creationId xmlns="" xmlns:a16="http://schemas.microsoft.com/office/drawing/2014/main" id="{6882512E-7D80-4B7F-B981-6F541BCE1137}"/>
+                <a16:creationId xmlns:a16="http://schemas.microsoft.com/office/drawing/2014/main" xmlns="" id="{6882512E-7D80-4B7F-B981-6F541BCE1137}"/>
               </a:ext>
             </a:extLst>
           </p:cNvPr>
@@ -554,7 +554,7 @@
           <p:cNvPr id="2" name="세로 제목 1">
             <a:extLst>
               <a:ext uri="{FF2B5EF4-FFF2-40B4-BE49-F238E27FC236}">
-                <a16:creationId xmlns="" xmlns:a16="http://schemas.microsoft.com/office/drawing/2014/main" id="{8F8E37E2-DB2F-4D4A-9C4D-BDA69BE1E0C1}"/>
+                <a16:creationId xmlns:a16="http://schemas.microsoft.com/office/drawing/2014/main" xmlns="" id="{8F8E37E2-DB2F-4D4A-9C4D-BDA69BE1E0C1}"/>
               </a:ext>
             </a:extLst>
           </p:cNvPr>
@@ -587,7 +587,7 @@
           <p:cNvPr id="3" name="세로 텍스트 개체 틀 2">
             <a:extLst>
               <a:ext uri="{FF2B5EF4-FFF2-40B4-BE49-F238E27FC236}">
-                <a16:creationId xmlns="" xmlns:a16="http://schemas.microsoft.com/office/drawing/2014/main" id="{1F3BE048-B0C0-441F-994C-588471A67C33}"/>
+                <a16:creationId xmlns:a16="http://schemas.microsoft.com/office/drawing/2014/main" xmlns="" id="{1F3BE048-B0C0-441F-994C-588471A67C33}"/>
               </a:ext>
             </a:extLst>
           </p:cNvPr>
@@ -649,7 +649,7 @@
           <p:cNvPr id="4" name="날짜 개체 틀 3">
             <a:extLst>
               <a:ext uri="{FF2B5EF4-FFF2-40B4-BE49-F238E27FC236}">
-                <a16:creationId xmlns="" xmlns:a16="http://schemas.microsoft.com/office/drawing/2014/main" id="{6995F53F-D83D-44A9-A6FD-5452CCCE8DD8}"/>
+                <a16:creationId xmlns:a16="http://schemas.microsoft.com/office/drawing/2014/main" xmlns="" id="{6995F53F-D83D-44A9-A6FD-5452CCCE8DD8}"/>
               </a:ext>
             </a:extLst>
           </p:cNvPr>
@@ -668,7 +668,7 @@
             <a:fld id="{243B3942-B8A6-4289-81E2-11C0B6F800A8}" type="datetimeFigureOut">
               <a:rPr lang="ko-KR" altLang="en-US" smtClean="0"/>
               <a:pPr/>
-              <a:t>2022-01-28</a:t>
+              <a:t>2022-01-29</a:t>
             </a:fld>
             <a:endParaRPr lang="ko-KR" altLang="en-US"/>
           </a:p>
@@ -679,7 +679,7 @@
           <p:cNvPr id="5" name="바닥글 개체 틀 4">
             <a:extLst>
               <a:ext uri="{FF2B5EF4-FFF2-40B4-BE49-F238E27FC236}">
-                <a16:creationId xmlns="" xmlns:a16="http://schemas.microsoft.com/office/drawing/2014/main" id="{8E79E324-0EFA-4708-A7FF-2036016C0B7C}"/>
+                <a16:creationId xmlns:a16="http://schemas.microsoft.com/office/drawing/2014/main" xmlns="" id="{8E79E324-0EFA-4708-A7FF-2036016C0B7C}"/>
               </a:ext>
             </a:extLst>
           </p:cNvPr>
@@ -704,7 +704,7 @@
           <p:cNvPr id="6" name="슬라이드 번호 개체 틀 5">
             <a:extLst>
               <a:ext uri="{FF2B5EF4-FFF2-40B4-BE49-F238E27FC236}">
-                <a16:creationId xmlns="" xmlns:a16="http://schemas.microsoft.com/office/drawing/2014/main" id="{4A4350D8-C216-4A08-A647-85B4BCE6AE1B}"/>
+                <a16:creationId xmlns:a16="http://schemas.microsoft.com/office/drawing/2014/main" xmlns="" id="{4A4350D8-C216-4A08-A647-85B4BCE6AE1B}"/>
               </a:ext>
             </a:extLst>
           </p:cNvPr>
@@ -764,7 +764,7 @@
           <p:cNvPr id="2" name="제목 1">
             <a:extLst>
               <a:ext uri="{FF2B5EF4-FFF2-40B4-BE49-F238E27FC236}">
-                <a16:creationId xmlns="" xmlns:a16="http://schemas.microsoft.com/office/drawing/2014/main" id="{24E74C6D-683C-47ED-A1F2-43AFB2B58A43}"/>
+                <a16:creationId xmlns:a16="http://schemas.microsoft.com/office/drawing/2014/main" xmlns="" id="{24E74C6D-683C-47ED-A1F2-43AFB2B58A43}"/>
               </a:ext>
             </a:extLst>
           </p:cNvPr>
@@ -792,7 +792,7 @@
           <p:cNvPr id="3" name="내용 개체 틀 2">
             <a:extLst>
               <a:ext uri="{FF2B5EF4-FFF2-40B4-BE49-F238E27FC236}">
-                <a16:creationId xmlns="" xmlns:a16="http://schemas.microsoft.com/office/drawing/2014/main" id="{7EFA6127-E2D6-47BB-B56A-6634BEFEEDBD}"/>
+                <a16:creationId xmlns:a16="http://schemas.microsoft.com/office/drawing/2014/main" xmlns="" id="{7EFA6127-E2D6-47BB-B56A-6634BEFEEDBD}"/>
               </a:ext>
             </a:extLst>
           </p:cNvPr>
@@ -849,7 +849,7 @@
           <p:cNvPr id="4" name="날짜 개체 틀 3">
             <a:extLst>
               <a:ext uri="{FF2B5EF4-FFF2-40B4-BE49-F238E27FC236}">
-                <a16:creationId xmlns="" xmlns:a16="http://schemas.microsoft.com/office/drawing/2014/main" id="{CCD89B4F-6A9D-4581-BFE0-AE0A2133F39A}"/>
+                <a16:creationId xmlns:a16="http://schemas.microsoft.com/office/drawing/2014/main" xmlns="" id="{CCD89B4F-6A9D-4581-BFE0-AE0A2133F39A}"/>
               </a:ext>
             </a:extLst>
           </p:cNvPr>
@@ -868,7 +868,7 @@
             <a:fld id="{243B3942-B8A6-4289-81E2-11C0B6F800A8}" type="datetimeFigureOut">
               <a:rPr lang="ko-KR" altLang="en-US" smtClean="0"/>
               <a:pPr/>
-              <a:t>2022-01-28</a:t>
+              <a:t>2022-01-29</a:t>
             </a:fld>
             <a:endParaRPr lang="ko-KR" altLang="en-US"/>
           </a:p>
@@ -879,7 +879,7 @@
           <p:cNvPr id="5" name="바닥글 개체 틀 4">
             <a:extLst>
               <a:ext uri="{FF2B5EF4-FFF2-40B4-BE49-F238E27FC236}">
-                <a16:creationId xmlns="" xmlns:a16="http://schemas.microsoft.com/office/drawing/2014/main" id="{EE79017C-47E4-4EA0-97A7-833D02B4A627}"/>
+                <a16:creationId xmlns:a16="http://schemas.microsoft.com/office/drawing/2014/main" xmlns="" id="{EE79017C-47E4-4EA0-97A7-833D02B4A627}"/>
               </a:ext>
             </a:extLst>
           </p:cNvPr>
@@ -904,7 +904,7 @@
           <p:cNvPr id="6" name="슬라이드 번호 개체 틀 5">
             <a:extLst>
               <a:ext uri="{FF2B5EF4-FFF2-40B4-BE49-F238E27FC236}">
-                <a16:creationId xmlns="" xmlns:a16="http://schemas.microsoft.com/office/drawing/2014/main" id="{90EBDF02-FBA5-44E9-83BB-91A3FD2F9964}"/>
+                <a16:creationId xmlns:a16="http://schemas.microsoft.com/office/drawing/2014/main" xmlns="" id="{90EBDF02-FBA5-44E9-83BB-91A3FD2F9964}"/>
               </a:ext>
             </a:extLst>
           </p:cNvPr>
@@ -964,7 +964,7 @@
           <p:cNvPr id="2" name="제목 1">
             <a:extLst>
               <a:ext uri="{FF2B5EF4-FFF2-40B4-BE49-F238E27FC236}">
-                <a16:creationId xmlns="" xmlns:a16="http://schemas.microsoft.com/office/drawing/2014/main" id="{D864112A-07EF-4C9D-BB7D-F63BFED711FF}"/>
+                <a16:creationId xmlns:a16="http://schemas.microsoft.com/office/drawing/2014/main" xmlns="" id="{D864112A-07EF-4C9D-BB7D-F63BFED711FF}"/>
               </a:ext>
             </a:extLst>
           </p:cNvPr>
@@ -1001,7 +1001,7 @@
           <p:cNvPr id="3" name="텍스트 개체 틀 2">
             <a:extLst>
               <a:ext uri="{FF2B5EF4-FFF2-40B4-BE49-F238E27FC236}">
-                <a16:creationId xmlns="" xmlns:a16="http://schemas.microsoft.com/office/drawing/2014/main" id="{423DCC07-25B9-4B59-A6F0-E2E73571C431}"/>
+                <a16:creationId xmlns:a16="http://schemas.microsoft.com/office/drawing/2014/main" xmlns="" id="{423DCC07-25B9-4B59-A6F0-E2E73571C431}"/>
               </a:ext>
             </a:extLst>
           </p:cNvPr>
@@ -1126,7 +1126,7 @@
           <p:cNvPr id="4" name="날짜 개체 틀 3">
             <a:extLst>
               <a:ext uri="{FF2B5EF4-FFF2-40B4-BE49-F238E27FC236}">
-                <a16:creationId xmlns="" xmlns:a16="http://schemas.microsoft.com/office/drawing/2014/main" id="{5610BE1E-AF51-426B-9A1C-CFB9F73AD998}"/>
+                <a16:creationId xmlns:a16="http://schemas.microsoft.com/office/drawing/2014/main" xmlns="" id="{5610BE1E-AF51-426B-9A1C-CFB9F73AD998}"/>
               </a:ext>
             </a:extLst>
           </p:cNvPr>
@@ -1145,7 +1145,7 @@
             <a:fld id="{243B3942-B8A6-4289-81E2-11C0B6F800A8}" type="datetimeFigureOut">
               <a:rPr lang="ko-KR" altLang="en-US" smtClean="0"/>
               <a:pPr/>
-              <a:t>2022-01-28</a:t>
+              <a:t>2022-01-29</a:t>
             </a:fld>
             <a:endParaRPr lang="ko-KR" altLang="en-US"/>
           </a:p>
@@ -1156,7 +1156,7 @@
           <p:cNvPr id="5" name="바닥글 개체 틀 4">
             <a:extLst>
               <a:ext uri="{FF2B5EF4-FFF2-40B4-BE49-F238E27FC236}">
-                <a16:creationId xmlns="" xmlns:a16="http://schemas.microsoft.com/office/drawing/2014/main" id="{C3ACEA83-9CBB-4724-9F0B-982F8C86E020}"/>
+                <a16:creationId xmlns:a16="http://schemas.microsoft.com/office/drawing/2014/main" xmlns="" id="{C3ACEA83-9CBB-4724-9F0B-982F8C86E020}"/>
               </a:ext>
             </a:extLst>
           </p:cNvPr>
@@ -1181,7 +1181,7 @@
           <p:cNvPr id="6" name="슬라이드 번호 개체 틀 5">
             <a:extLst>
               <a:ext uri="{FF2B5EF4-FFF2-40B4-BE49-F238E27FC236}">
-                <a16:creationId xmlns="" xmlns:a16="http://schemas.microsoft.com/office/drawing/2014/main" id="{230A7F0F-371C-4757-8D64-252BFF13753A}"/>
+                <a16:creationId xmlns:a16="http://schemas.microsoft.com/office/drawing/2014/main" xmlns="" id="{230A7F0F-371C-4757-8D64-252BFF13753A}"/>
               </a:ext>
             </a:extLst>
           </p:cNvPr>
@@ -1241,7 +1241,7 @@
           <p:cNvPr id="2" name="제목 1">
             <a:extLst>
               <a:ext uri="{FF2B5EF4-FFF2-40B4-BE49-F238E27FC236}">
-                <a16:creationId xmlns="" xmlns:a16="http://schemas.microsoft.com/office/drawing/2014/main" id="{BED9EBAB-4E06-4925-8E8C-FC66F29F4189}"/>
+                <a16:creationId xmlns:a16="http://schemas.microsoft.com/office/drawing/2014/main" xmlns="" id="{BED9EBAB-4E06-4925-8E8C-FC66F29F4189}"/>
               </a:ext>
             </a:extLst>
           </p:cNvPr>
@@ -1269,7 +1269,7 @@
           <p:cNvPr id="3" name="내용 개체 틀 2">
             <a:extLst>
               <a:ext uri="{FF2B5EF4-FFF2-40B4-BE49-F238E27FC236}">
-                <a16:creationId xmlns="" xmlns:a16="http://schemas.microsoft.com/office/drawing/2014/main" id="{E9A385E2-4863-4676-A3DC-789CB97FE418}"/>
+                <a16:creationId xmlns:a16="http://schemas.microsoft.com/office/drawing/2014/main" xmlns="" id="{E9A385E2-4863-4676-A3DC-789CB97FE418}"/>
               </a:ext>
             </a:extLst>
           </p:cNvPr>
@@ -1331,7 +1331,7 @@
           <p:cNvPr id="4" name="내용 개체 틀 3">
             <a:extLst>
               <a:ext uri="{FF2B5EF4-FFF2-40B4-BE49-F238E27FC236}">
-                <a16:creationId xmlns="" xmlns:a16="http://schemas.microsoft.com/office/drawing/2014/main" id="{9E4EAB6A-CCB0-47D9-A489-30D4D4E4C037}"/>
+                <a16:creationId xmlns:a16="http://schemas.microsoft.com/office/drawing/2014/main" xmlns="" id="{9E4EAB6A-CCB0-47D9-A489-30D4D4E4C037}"/>
               </a:ext>
             </a:extLst>
           </p:cNvPr>
@@ -1393,7 +1393,7 @@
           <p:cNvPr id="5" name="날짜 개체 틀 4">
             <a:extLst>
               <a:ext uri="{FF2B5EF4-FFF2-40B4-BE49-F238E27FC236}">
-                <a16:creationId xmlns="" xmlns:a16="http://schemas.microsoft.com/office/drawing/2014/main" id="{FBF785DC-59FE-43E2-BAAF-E9C40018F679}"/>
+                <a16:creationId xmlns:a16="http://schemas.microsoft.com/office/drawing/2014/main" xmlns="" id="{FBF785DC-59FE-43E2-BAAF-E9C40018F679}"/>
               </a:ext>
             </a:extLst>
           </p:cNvPr>
@@ -1412,7 +1412,7 @@
             <a:fld id="{243B3942-B8A6-4289-81E2-11C0B6F800A8}" type="datetimeFigureOut">
               <a:rPr lang="ko-KR" altLang="en-US" smtClean="0"/>
               <a:pPr/>
-              <a:t>2022-01-28</a:t>
+              <a:t>2022-01-29</a:t>
             </a:fld>
             <a:endParaRPr lang="ko-KR" altLang="en-US"/>
           </a:p>
@@ -1423,7 +1423,7 @@
           <p:cNvPr id="6" name="바닥글 개체 틀 5">
             <a:extLst>
               <a:ext uri="{FF2B5EF4-FFF2-40B4-BE49-F238E27FC236}">
-                <a16:creationId xmlns="" xmlns:a16="http://schemas.microsoft.com/office/drawing/2014/main" id="{4AFAC3D6-A114-4F4F-ACD9-650EFAB379C4}"/>
+                <a16:creationId xmlns:a16="http://schemas.microsoft.com/office/drawing/2014/main" xmlns="" id="{4AFAC3D6-A114-4F4F-ACD9-650EFAB379C4}"/>
               </a:ext>
             </a:extLst>
           </p:cNvPr>
@@ -1448,7 +1448,7 @@
           <p:cNvPr id="7" name="슬라이드 번호 개체 틀 6">
             <a:extLst>
               <a:ext uri="{FF2B5EF4-FFF2-40B4-BE49-F238E27FC236}">
-                <a16:creationId xmlns="" xmlns:a16="http://schemas.microsoft.com/office/drawing/2014/main" id="{E5FC8471-F428-4141-94FE-C3F53B7CD0A0}"/>
+                <a16:creationId xmlns:a16="http://schemas.microsoft.com/office/drawing/2014/main" xmlns="" id="{E5FC8471-F428-4141-94FE-C3F53B7CD0A0}"/>
               </a:ext>
             </a:extLst>
           </p:cNvPr>
@@ -1508,7 +1508,7 @@
           <p:cNvPr id="2" name="제목 1">
             <a:extLst>
               <a:ext uri="{FF2B5EF4-FFF2-40B4-BE49-F238E27FC236}">
-                <a16:creationId xmlns="" xmlns:a16="http://schemas.microsoft.com/office/drawing/2014/main" id="{C2B588A5-C857-4B0C-ABFE-0D42CAA4EB48}"/>
+                <a16:creationId xmlns:a16="http://schemas.microsoft.com/office/drawing/2014/main" xmlns="" id="{C2B588A5-C857-4B0C-ABFE-0D42CAA4EB48}"/>
               </a:ext>
             </a:extLst>
           </p:cNvPr>
@@ -1541,7 +1541,7 @@
           <p:cNvPr id="3" name="텍스트 개체 틀 2">
             <a:extLst>
               <a:ext uri="{FF2B5EF4-FFF2-40B4-BE49-F238E27FC236}">
-                <a16:creationId xmlns="" xmlns:a16="http://schemas.microsoft.com/office/drawing/2014/main" id="{21FBC9E9-C918-4C87-99D6-15000E303DBA}"/>
+                <a16:creationId xmlns:a16="http://schemas.microsoft.com/office/drawing/2014/main" xmlns="" id="{21FBC9E9-C918-4C87-99D6-15000E303DBA}"/>
               </a:ext>
             </a:extLst>
           </p:cNvPr>
@@ -1612,7 +1612,7 @@
           <p:cNvPr id="4" name="내용 개체 틀 3">
             <a:extLst>
               <a:ext uri="{FF2B5EF4-FFF2-40B4-BE49-F238E27FC236}">
-                <a16:creationId xmlns="" xmlns:a16="http://schemas.microsoft.com/office/drawing/2014/main" id="{374B1FD0-231A-434D-ABBC-F9DDB06A5B9A}"/>
+                <a16:creationId xmlns:a16="http://schemas.microsoft.com/office/drawing/2014/main" xmlns="" id="{374B1FD0-231A-434D-ABBC-F9DDB06A5B9A}"/>
               </a:ext>
             </a:extLst>
           </p:cNvPr>
@@ -1674,7 +1674,7 @@
           <p:cNvPr id="5" name="텍스트 개체 틀 4">
             <a:extLst>
               <a:ext uri="{FF2B5EF4-FFF2-40B4-BE49-F238E27FC236}">
-                <a16:creationId xmlns="" xmlns:a16="http://schemas.microsoft.com/office/drawing/2014/main" id="{A0BC8C35-5F4B-454B-8514-E14ADC76FFC7}"/>
+                <a16:creationId xmlns:a16="http://schemas.microsoft.com/office/drawing/2014/main" xmlns="" id="{A0BC8C35-5F4B-454B-8514-E14ADC76FFC7}"/>
               </a:ext>
             </a:extLst>
           </p:cNvPr>
@@ -1745,7 +1745,7 @@
           <p:cNvPr id="6" name="내용 개체 틀 5">
             <a:extLst>
               <a:ext uri="{FF2B5EF4-FFF2-40B4-BE49-F238E27FC236}">
-                <a16:creationId xmlns="" xmlns:a16="http://schemas.microsoft.com/office/drawing/2014/main" id="{79328AE7-EF50-4499-A1F3-62930500266E}"/>
+                <a16:creationId xmlns:a16="http://schemas.microsoft.com/office/drawing/2014/main" xmlns="" id="{79328AE7-EF50-4499-A1F3-62930500266E}"/>
               </a:ext>
             </a:extLst>
           </p:cNvPr>
@@ -1807,7 +1807,7 @@
           <p:cNvPr id="7" name="날짜 개체 틀 6">
             <a:extLst>
               <a:ext uri="{FF2B5EF4-FFF2-40B4-BE49-F238E27FC236}">
-                <a16:creationId xmlns="" xmlns:a16="http://schemas.microsoft.com/office/drawing/2014/main" id="{F9B16250-31F9-479D-9C9B-478632D9F6E7}"/>
+                <a16:creationId xmlns:a16="http://schemas.microsoft.com/office/drawing/2014/main" xmlns="" id="{F9B16250-31F9-479D-9C9B-478632D9F6E7}"/>
               </a:ext>
             </a:extLst>
           </p:cNvPr>
@@ -1826,7 +1826,7 @@
             <a:fld id="{243B3942-B8A6-4289-81E2-11C0B6F800A8}" type="datetimeFigureOut">
               <a:rPr lang="ko-KR" altLang="en-US" smtClean="0"/>
               <a:pPr/>
-              <a:t>2022-01-28</a:t>
+              <a:t>2022-01-29</a:t>
             </a:fld>
             <a:endParaRPr lang="ko-KR" altLang="en-US"/>
           </a:p>
@@ -1837,7 +1837,7 @@
           <p:cNvPr id="8" name="바닥글 개체 틀 7">
             <a:extLst>
               <a:ext uri="{FF2B5EF4-FFF2-40B4-BE49-F238E27FC236}">
-                <a16:creationId xmlns="" xmlns:a16="http://schemas.microsoft.com/office/drawing/2014/main" id="{4D9706F4-9648-4FEA-B88C-920126402DA4}"/>
+                <a16:creationId xmlns:a16="http://schemas.microsoft.com/office/drawing/2014/main" xmlns="" id="{4D9706F4-9648-4FEA-B88C-920126402DA4}"/>
               </a:ext>
             </a:extLst>
           </p:cNvPr>
@@ -1862,7 +1862,7 @@
           <p:cNvPr id="9" name="슬라이드 번호 개체 틀 8">
             <a:extLst>
               <a:ext uri="{FF2B5EF4-FFF2-40B4-BE49-F238E27FC236}">
-                <a16:creationId xmlns="" xmlns:a16="http://schemas.microsoft.com/office/drawing/2014/main" id="{3F39D328-C1B6-470C-8648-133984DDB0DD}"/>
+                <a16:creationId xmlns:a16="http://schemas.microsoft.com/office/drawing/2014/main" xmlns="" id="{3F39D328-C1B6-470C-8648-133984DDB0DD}"/>
               </a:ext>
             </a:extLst>
           </p:cNvPr>
@@ -1922,7 +1922,7 @@
           <p:cNvPr id="2" name="제목 1">
             <a:extLst>
               <a:ext uri="{FF2B5EF4-FFF2-40B4-BE49-F238E27FC236}">
-                <a16:creationId xmlns="" xmlns:a16="http://schemas.microsoft.com/office/drawing/2014/main" id="{3A82C244-8F83-4401-B067-00257912BFFB}"/>
+                <a16:creationId xmlns:a16="http://schemas.microsoft.com/office/drawing/2014/main" xmlns="" id="{3A82C244-8F83-4401-B067-00257912BFFB}"/>
               </a:ext>
             </a:extLst>
           </p:cNvPr>
@@ -1950,7 +1950,7 @@
           <p:cNvPr id="3" name="날짜 개체 틀 2">
             <a:extLst>
               <a:ext uri="{FF2B5EF4-FFF2-40B4-BE49-F238E27FC236}">
-                <a16:creationId xmlns="" xmlns:a16="http://schemas.microsoft.com/office/drawing/2014/main" id="{7BEA2879-4EA6-48C4-9777-21E651D146EB}"/>
+                <a16:creationId xmlns:a16="http://schemas.microsoft.com/office/drawing/2014/main" xmlns="" id="{7BEA2879-4EA6-48C4-9777-21E651D146EB}"/>
               </a:ext>
             </a:extLst>
           </p:cNvPr>
@@ -1969,7 +1969,7 @@
             <a:fld id="{243B3942-B8A6-4289-81E2-11C0B6F800A8}" type="datetimeFigureOut">
               <a:rPr lang="ko-KR" altLang="en-US" smtClean="0"/>
               <a:pPr/>
-              <a:t>2022-01-28</a:t>
+              <a:t>2022-01-29</a:t>
             </a:fld>
             <a:endParaRPr lang="ko-KR" altLang="en-US"/>
           </a:p>
@@ -1980,7 +1980,7 @@
           <p:cNvPr id="4" name="바닥글 개체 틀 3">
             <a:extLst>
               <a:ext uri="{FF2B5EF4-FFF2-40B4-BE49-F238E27FC236}">
-                <a16:creationId xmlns="" xmlns:a16="http://schemas.microsoft.com/office/drawing/2014/main" id="{4DE09364-903A-4526-B11F-3B0648A677BE}"/>
+                <a16:creationId xmlns:a16="http://schemas.microsoft.com/office/drawing/2014/main" xmlns="" id="{4DE09364-903A-4526-B11F-3B0648A677BE}"/>
               </a:ext>
             </a:extLst>
           </p:cNvPr>
@@ -2005,7 +2005,7 @@
           <p:cNvPr id="5" name="슬라이드 번호 개체 틀 4">
             <a:extLst>
               <a:ext uri="{FF2B5EF4-FFF2-40B4-BE49-F238E27FC236}">
-                <a16:creationId xmlns="" xmlns:a16="http://schemas.microsoft.com/office/drawing/2014/main" id="{F4D515B8-6F88-4D02-9D9F-68B4D30790D5}"/>
+                <a16:creationId xmlns:a16="http://schemas.microsoft.com/office/drawing/2014/main" xmlns="" id="{F4D515B8-6F88-4D02-9D9F-68B4D30790D5}"/>
               </a:ext>
             </a:extLst>
           </p:cNvPr>
@@ -2065,7 +2065,7 @@
           <p:cNvPr id="2" name="날짜 개체 틀 1">
             <a:extLst>
               <a:ext uri="{FF2B5EF4-FFF2-40B4-BE49-F238E27FC236}">
-                <a16:creationId xmlns="" xmlns:a16="http://schemas.microsoft.com/office/drawing/2014/main" id="{432CBE9F-434C-4002-9CDA-B356D1850E65}"/>
+                <a16:creationId xmlns:a16="http://schemas.microsoft.com/office/drawing/2014/main" xmlns="" id="{432CBE9F-434C-4002-9CDA-B356D1850E65}"/>
               </a:ext>
             </a:extLst>
           </p:cNvPr>
@@ -2084,7 +2084,7 @@
             <a:fld id="{243B3942-B8A6-4289-81E2-11C0B6F800A8}" type="datetimeFigureOut">
               <a:rPr lang="ko-KR" altLang="en-US" smtClean="0"/>
               <a:pPr/>
-              <a:t>2022-01-28</a:t>
+              <a:t>2022-01-29</a:t>
             </a:fld>
             <a:endParaRPr lang="ko-KR" altLang="en-US"/>
           </a:p>
@@ -2095,7 +2095,7 @@
           <p:cNvPr id="3" name="바닥글 개체 틀 2">
             <a:extLst>
               <a:ext uri="{FF2B5EF4-FFF2-40B4-BE49-F238E27FC236}">
-                <a16:creationId xmlns="" xmlns:a16="http://schemas.microsoft.com/office/drawing/2014/main" id="{E3724B7F-E3F0-4A21-9A88-51646DCC1B24}"/>
+                <a16:creationId xmlns:a16="http://schemas.microsoft.com/office/drawing/2014/main" xmlns="" id="{E3724B7F-E3F0-4A21-9A88-51646DCC1B24}"/>
               </a:ext>
             </a:extLst>
           </p:cNvPr>
@@ -2120,7 +2120,7 @@
           <p:cNvPr id="4" name="슬라이드 번호 개체 틀 3">
             <a:extLst>
               <a:ext uri="{FF2B5EF4-FFF2-40B4-BE49-F238E27FC236}">
-                <a16:creationId xmlns="" xmlns:a16="http://schemas.microsoft.com/office/drawing/2014/main" id="{A70E7EAA-420B-4248-AC5D-924D52274AAB}"/>
+                <a16:creationId xmlns:a16="http://schemas.microsoft.com/office/drawing/2014/main" xmlns="" id="{A70E7EAA-420B-4248-AC5D-924D52274AAB}"/>
               </a:ext>
             </a:extLst>
           </p:cNvPr>
@@ -2180,7 +2180,7 @@
           <p:cNvPr id="2" name="제목 1">
             <a:extLst>
               <a:ext uri="{FF2B5EF4-FFF2-40B4-BE49-F238E27FC236}">
-                <a16:creationId xmlns="" xmlns:a16="http://schemas.microsoft.com/office/drawing/2014/main" id="{EEEA59E5-7E86-4BCF-94FD-129E37773F11}"/>
+                <a16:creationId xmlns:a16="http://schemas.microsoft.com/office/drawing/2014/main" xmlns="" id="{EEEA59E5-7E86-4BCF-94FD-129E37773F11}"/>
               </a:ext>
             </a:extLst>
           </p:cNvPr>
@@ -2217,7 +2217,7 @@
           <p:cNvPr id="3" name="내용 개체 틀 2">
             <a:extLst>
               <a:ext uri="{FF2B5EF4-FFF2-40B4-BE49-F238E27FC236}">
-                <a16:creationId xmlns="" xmlns:a16="http://schemas.microsoft.com/office/drawing/2014/main" id="{E2B75C20-2061-4FD6-A841-70EC11EA05E0}"/>
+                <a16:creationId xmlns:a16="http://schemas.microsoft.com/office/drawing/2014/main" xmlns="" id="{E2B75C20-2061-4FD6-A841-70EC11EA05E0}"/>
               </a:ext>
             </a:extLst>
           </p:cNvPr>
@@ -2307,7 +2307,7 @@
           <p:cNvPr id="4" name="텍스트 개체 틀 3">
             <a:extLst>
               <a:ext uri="{FF2B5EF4-FFF2-40B4-BE49-F238E27FC236}">
-                <a16:creationId xmlns="" xmlns:a16="http://schemas.microsoft.com/office/drawing/2014/main" id="{DF5B4F06-483A-4B6D-B9A9-2EB3BEB4ABB7}"/>
+                <a16:creationId xmlns:a16="http://schemas.microsoft.com/office/drawing/2014/main" xmlns="" id="{DF5B4F06-483A-4B6D-B9A9-2EB3BEB4ABB7}"/>
               </a:ext>
             </a:extLst>
           </p:cNvPr>
@@ -2378,7 +2378,7 @@
           <p:cNvPr id="5" name="날짜 개체 틀 4">
             <a:extLst>
               <a:ext uri="{FF2B5EF4-FFF2-40B4-BE49-F238E27FC236}">
-                <a16:creationId xmlns="" xmlns:a16="http://schemas.microsoft.com/office/drawing/2014/main" id="{AD74E3E3-F6E1-48FF-BE1E-FABB7F3158C5}"/>
+                <a16:creationId xmlns:a16="http://schemas.microsoft.com/office/drawing/2014/main" xmlns="" id="{AD74E3E3-F6E1-48FF-BE1E-FABB7F3158C5}"/>
               </a:ext>
             </a:extLst>
           </p:cNvPr>
@@ -2397,7 +2397,7 @@
             <a:fld id="{243B3942-B8A6-4289-81E2-11C0B6F800A8}" type="datetimeFigureOut">
               <a:rPr lang="ko-KR" altLang="en-US" smtClean="0"/>
               <a:pPr/>
-              <a:t>2022-01-28</a:t>
+              <a:t>2022-01-29</a:t>
             </a:fld>
             <a:endParaRPr lang="ko-KR" altLang="en-US"/>
           </a:p>
@@ -2408,7 +2408,7 @@
           <p:cNvPr id="6" name="바닥글 개체 틀 5">
             <a:extLst>
               <a:ext uri="{FF2B5EF4-FFF2-40B4-BE49-F238E27FC236}">
-                <a16:creationId xmlns="" xmlns:a16="http://schemas.microsoft.com/office/drawing/2014/main" id="{B83C5046-F38F-471D-BC13-95AA82F9DF6D}"/>
+                <a16:creationId xmlns:a16="http://schemas.microsoft.com/office/drawing/2014/main" xmlns="" id="{B83C5046-F38F-471D-BC13-95AA82F9DF6D}"/>
               </a:ext>
             </a:extLst>
           </p:cNvPr>
@@ -2433,7 +2433,7 @@
           <p:cNvPr id="7" name="슬라이드 번호 개체 틀 6">
             <a:extLst>
               <a:ext uri="{FF2B5EF4-FFF2-40B4-BE49-F238E27FC236}">
-                <a16:creationId xmlns="" xmlns:a16="http://schemas.microsoft.com/office/drawing/2014/main" id="{7B8C0D77-255E-468F-ABF6-0D546282589B}"/>
+                <a16:creationId xmlns:a16="http://schemas.microsoft.com/office/drawing/2014/main" xmlns="" id="{7B8C0D77-255E-468F-ABF6-0D546282589B}"/>
               </a:ext>
             </a:extLst>
           </p:cNvPr>
@@ -2493,7 +2493,7 @@
           <p:cNvPr id="2" name="제목 1">
             <a:extLst>
               <a:ext uri="{FF2B5EF4-FFF2-40B4-BE49-F238E27FC236}">
-                <a16:creationId xmlns="" xmlns:a16="http://schemas.microsoft.com/office/drawing/2014/main" id="{ECCD92F8-DF1D-4232-96BC-6F74E8037720}"/>
+                <a16:creationId xmlns:a16="http://schemas.microsoft.com/office/drawing/2014/main" xmlns="" id="{ECCD92F8-DF1D-4232-96BC-6F74E8037720}"/>
               </a:ext>
             </a:extLst>
           </p:cNvPr>
@@ -2530,7 +2530,7 @@
           <p:cNvPr id="3" name="그림 개체 틀 2">
             <a:extLst>
               <a:ext uri="{FF2B5EF4-FFF2-40B4-BE49-F238E27FC236}">
-                <a16:creationId xmlns="" xmlns:a16="http://schemas.microsoft.com/office/drawing/2014/main" id="{A7EB5627-02C6-4CF1-B1CC-4140CF732AAD}"/>
+                <a16:creationId xmlns:a16="http://schemas.microsoft.com/office/drawing/2014/main" xmlns="" id="{A7EB5627-02C6-4CF1-B1CC-4140CF732AAD}"/>
               </a:ext>
             </a:extLst>
           </p:cNvPr>
@@ -2597,7 +2597,7 @@
           <p:cNvPr id="4" name="텍스트 개체 틀 3">
             <a:extLst>
               <a:ext uri="{FF2B5EF4-FFF2-40B4-BE49-F238E27FC236}">
-                <a16:creationId xmlns="" xmlns:a16="http://schemas.microsoft.com/office/drawing/2014/main" id="{A92455CF-E744-46F4-86A8-FCBDD634231A}"/>
+                <a16:creationId xmlns:a16="http://schemas.microsoft.com/office/drawing/2014/main" xmlns="" id="{A92455CF-E744-46F4-86A8-FCBDD634231A}"/>
               </a:ext>
             </a:extLst>
           </p:cNvPr>
@@ -2668,7 +2668,7 @@
           <p:cNvPr id="5" name="날짜 개체 틀 4">
             <a:extLst>
               <a:ext uri="{FF2B5EF4-FFF2-40B4-BE49-F238E27FC236}">
-                <a16:creationId xmlns="" xmlns:a16="http://schemas.microsoft.com/office/drawing/2014/main" id="{B1583142-95B4-4849-A6CE-313A891B2CC9}"/>
+                <a16:creationId xmlns:a16="http://schemas.microsoft.com/office/drawing/2014/main" xmlns="" id="{B1583142-95B4-4849-A6CE-313A891B2CC9}"/>
               </a:ext>
             </a:extLst>
           </p:cNvPr>
@@ -2687,7 +2687,7 @@
             <a:fld id="{243B3942-B8A6-4289-81E2-11C0B6F800A8}" type="datetimeFigureOut">
               <a:rPr lang="ko-KR" altLang="en-US" smtClean="0"/>
               <a:pPr/>
-              <a:t>2022-01-28</a:t>
+              <a:t>2022-01-29</a:t>
             </a:fld>
             <a:endParaRPr lang="ko-KR" altLang="en-US"/>
           </a:p>
@@ -2698,7 +2698,7 @@
           <p:cNvPr id="6" name="바닥글 개체 틀 5">
             <a:extLst>
               <a:ext uri="{FF2B5EF4-FFF2-40B4-BE49-F238E27FC236}">
-                <a16:creationId xmlns="" xmlns:a16="http://schemas.microsoft.com/office/drawing/2014/main" id="{60E8F465-A235-4BCE-92D4-8682E91EF74F}"/>
+                <a16:creationId xmlns:a16="http://schemas.microsoft.com/office/drawing/2014/main" xmlns="" id="{60E8F465-A235-4BCE-92D4-8682E91EF74F}"/>
               </a:ext>
             </a:extLst>
           </p:cNvPr>
@@ -2723,7 +2723,7 @@
           <p:cNvPr id="7" name="슬라이드 번호 개체 틀 6">
             <a:extLst>
               <a:ext uri="{FF2B5EF4-FFF2-40B4-BE49-F238E27FC236}">
-                <a16:creationId xmlns="" xmlns:a16="http://schemas.microsoft.com/office/drawing/2014/main" id="{8269BB9D-2373-41E8-B9A4-0CAA4AAE2BBC}"/>
+                <a16:creationId xmlns:a16="http://schemas.microsoft.com/office/drawing/2014/main" xmlns="" id="{8269BB9D-2373-41E8-B9A4-0CAA4AAE2BBC}"/>
               </a:ext>
             </a:extLst>
           </p:cNvPr>
@@ -2788,7 +2788,7 @@
           <p:cNvPr id="2" name="제목 개체 틀 1">
             <a:extLst>
               <a:ext uri="{FF2B5EF4-FFF2-40B4-BE49-F238E27FC236}">
-                <a16:creationId xmlns="" xmlns:a16="http://schemas.microsoft.com/office/drawing/2014/main" id="{4034BEA3-1151-433C-A100-670BE34AD457}"/>
+                <a16:creationId xmlns:a16="http://schemas.microsoft.com/office/drawing/2014/main" xmlns="" id="{4034BEA3-1151-433C-A100-670BE34AD457}"/>
               </a:ext>
             </a:extLst>
           </p:cNvPr>
@@ -2826,7 +2826,7 @@
           <p:cNvPr id="3" name="텍스트 개체 틀 2">
             <a:extLst>
               <a:ext uri="{FF2B5EF4-FFF2-40B4-BE49-F238E27FC236}">
-                <a16:creationId xmlns="" xmlns:a16="http://schemas.microsoft.com/office/drawing/2014/main" id="{A927C8D3-2F02-4C7D-9DD1-C0BCE3F3F720}"/>
+                <a16:creationId xmlns:a16="http://schemas.microsoft.com/office/drawing/2014/main" xmlns="" id="{A927C8D3-2F02-4C7D-9DD1-C0BCE3F3F720}"/>
               </a:ext>
             </a:extLst>
           </p:cNvPr>
@@ -2893,7 +2893,7 @@
           <p:cNvPr id="4" name="날짜 개체 틀 3">
             <a:extLst>
               <a:ext uri="{FF2B5EF4-FFF2-40B4-BE49-F238E27FC236}">
-                <a16:creationId xmlns="" xmlns:a16="http://schemas.microsoft.com/office/drawing/2014/main" id="{2A8C95A0-2D59-4D18-8F8C-2F393F0715DB}"/>
+                <a16:creationId xmlns:a16="http://schemas.microsoft.com/office/drawing/2014/main" xmlns="" id="{2A8C95A0-2D59-4D18-8F8C-2F393F0715DB}"/>
               </a:ext>
             </a:extLst>
           </p:cNvPr>
@@ -2930,7 +2930,7 @@
             <a:fld id="{243B3942-B8A6-4289-81E2-11C0B6F800A8}" type="datetimeFigureOut">
               <a:rPr lang="ko-KR" altLang="en-US" smtClean="0"/>
               <a:pPr/>
-              <a:t>2022-01-28</a:t>
+              <a:t>2022-01-29</a:t>
             </a:fld>
             <a:endParaRPr lang="ko-KR" altLang="en-US"/>
           </a:p>
@@ -2941,7 +2941,7 @@
           <p:cNvPr id="5" name="바닥글 개체 틀 4">
             <a:extLst>
               <a:ext uri="{FF2B5EF4-FFF2-40B4-BE49-F238E27FC236}">
-                <a16:creationId xmlns="" xmlns:a16="http://schemas.microsoft.com/office/drawing/2014/main" id="{1568CB7D-F4B8-40C1-AA57-58F975FDB4DF}"/>
+                <a16:creationId xmlns:a16="http://schemas.microsoft.com/office/drawing/2014/main" xmlns="" id="{1568CB7D-F4B8-40C1-AA57-58F975FDB4DF}"/>
               </a:ext>
             </a:extLst>
           </p:cNvPr>
@@ -2984,7 +2984,7 @@
           <p:cNvPr id="6" name="슬라이드 번호 개체 틀 5">
             <a:extLst>
               <a:ext uri="{FF2B5EF4-FFF2-40B4-BE49-F238E27FC236}">
-                <a16:creationId xmlns="" xmlns:a16="http://schemas.microsoft.com/office/drawing/2014/main" id="{2020A16C-380A-40ED-AC11-7C9891CFE414}"/>
+                <a16:creationId xmlns:a16="http://schemas.microsoft.com/office/drawing/2014/main" xmlns="" id="{2020A16C-380A-40ED-AC11-7C9891CFE414}"/>
               </a:ext>
             </a:extLst>
           </p:cNvPr>
@@ -3353,7 +3353,7 @@
           <p:cNvPr id="4" name="표 4">
             <a:extLst>
               <a:ext uri="{FF2B5EF4-FFF2-40B4-BE49-F238E27FC236}">
-                <a16:creationId xmlns="" xmlns:a16="http://schemas.microsoft.com/office/drawing/2014/main" id="{B305719E-D3E5-4E7E-B17F-23D2B8F0881C}"/>
+                <a16:creationId xmlns:a16="http://schemas.microsoft.com/office/drawing/2014/main" xmlns="" id="{B305719E-D3E5-4E7E-B17F-23D2B8F0881C}"/>
               </a:ext>
             </a:extLst>
           </p:cNvPr>
@@ -3382,21 +3382,21 @@
                 <a:gridCol w="2033729">
                   <a:extLst>
                     <a:ext uri="{9D8B030D-6E8A-4147-A177-3AD203B41FA5}">
-                      <a16:colId xmlns="" xmlns:a16="http://schemas.microsoft.com/office/drawing/2014/main" val="3571064474"/>
+                      <a16:colId xmlns:a16="http://schemas.microsoft.com/office/drawing/2014/main" xmlns="" val="3571064474"/>
                     </a:ext>
                   </a:extLst>
                 </a:gridCol>
                 <a:gridCol w="1557196">
                   <a:extLst>
                     <a:ext uri="{9D8B030D-6E8A-4147-A177-3AD203B41FA5}">
-                      <a16:colId xmlns="" xmlns:a16="http://schemas.microsoft.com/office/drawing/2014/main" val="4257211528"/>
+                      <a16:colId xmlns:a16="http://schemas.microsoft.com/office/drawing/2014/main" xmlns="" val="4257211528"/>
                     </a:ext>
                   </a:extLst>
                 </a:gridCol>
                 <a:gridCol w="1665838">
                   <a:extLst>
                     <a:ext uri="{9D8B030D-6E8A-4147-A177-3AD203B41FA5}">
-                      <a16:colId xmlns="" xmlns:a16="http://schemas.microsoft.com/office/drawing/2014/main" val="3023545236"/>
+                      <a16:colId xmlns:a16="http://schemas.microsoft.com/office/drawing/2014/main" xmlns="" val="3023545236"/>
                     </a:ext>
                   </a:extLst>
                 </a:gridCol>
@@ -3404,21 +3404,21 @@
                 <a:gridCol w="1738265">
                   <a:extLst>
                     <a:ext uri="{9D8B030D-6E8A-4147-A177-3AD203B41FA5}">
-                      <a16:colId xmlns="" xmlns:a16="http://schemas.microsoft.com/office/drawing/2014/main" val="2920563116"/>
+                      <a16:colId xmlns:a16="http://schemas.microsoft.com/office/drawing/2014/main" xmlns="" val="2920563116"/>
                     </a:ext>
                   </a:extLst>
                 </a:gridCol>
                 <a:gridCol w="1720158">
                   <a:extLst>
                     <a:ext uri="{9D8B030D-6E8A-4147-A177-3AD203B41FA5}">
-                      <a16:colId xmlns="" xmlns:a16="http://schemas.microsoft.com/office/drawing/2014/main" val="3475859244"/>
+                      <a16:colId xmlns:a16="http://schemas.microsoft.com/office/drawing/2014/main" xmlns="" val="3475859244"/>
                     </a:ext>
                   </a:extLst>
                 </a:gridCol>
                 <a:gridCol w="1602273">
                   <a:extLst>
                     <a:ext uri="{9D8B030D-6E8A-4147-A177-3AD203B41FA5}">
-                      <a16:colId xmlns="" xmlns:a16="http://schemas.microsoft.com/office/drawing/2014/main" val="3472189352"/>
+                      <a16:colId xmlns:a16="http://schemas.microsoft.com/office/drawing/2014/main" xmlns="" val="3472189352"/>
                     </a:ext>
                   </a:extLst>
                 </a:gridCol>
@@ -3981,7 +3981,7 @@
                 </a:tc>
                 <a:extLst>
                   <a:ext uri="{0D108BD9-81ED-4DB2-BD59-A6C34878D82A}">
-                    <a16:rowId xmlns="" xmlns:a16="http://schemas.microsoft.com/office/drawing/2014/main" val="243423754"/>
+                    <a16:rowId xmlns:a16="http://schemas.microsoft.com/office/drawing/2014/main" xmlns="" val="243423754"/>
                   </a:ext>
                 </a:extLst>
               </a:tr>
@@ -6452,7 +6452,7 @@
                 </a:tc>
                 <a:extLst>
                   <a:ext uri="{0D108BD9-81ED-4DB2-BD59-A6C34878D82A}">
-                    <a16:rowId xmlns="" xmlns:a16="http://schemas.microsoft.com/office/drawing/2014/main" val="3134473238"/>
+                    <a16:rowId xmlns:a16="http://schemas.microsoft.com/office/drawing/2014/main" xmlns="" val="3134473238"/>
                   </a:ext>
                 </a:extLst>
               </a:tr>
@@ -6465,7 +6465,7 @@
           <p:cNvPr id="6" name="직선 화살표 연결선 5">
             <a:extLst>
               <a:ext uri="{FF2B5EF4-FFF2-40B4-BE49-F238E27FC236}">
-                <a16:creationId xmlns="" xmlns:a16="http://schemas.microsoft.com/office/drawing/2014/main" id="{3F7B84A3-1AD0-4DF7-A6BC-4B5B198A72B9}"/>
+                <a16:creationId xmlns:a16="http://schemas.microsoft.com/office/drawing/2014/main" xmlns="" id="{3F7B84A3-1AD0-4DF7-A6BC-4B5B198A72B9}"/>
               </a:ext>
             </a:extLst>
           </p:cNvPr>
@@ -6512,7 +6512,7 @@
           <p:cNvPr id="7" name="직선 화살표 연결선 6">
             <a:extLst>
               <a:ext uri="{FF2B5EF4-FFF2-40B4-BE49-F238E27FC236}">
-                <a16:creationId xmlns="" xmlns:a16="http://schemas.microsoft.com/office/drawing/2014/main" id="{3992F012-AF65-4E39-8E9C-577F6F0B7BD2}"/>
+                <a16:creationId xmlns:a16="http://schemas.microsoft.com/office/drawing/2014/main" xmlns="" id="{3992F012-AF65-4E39-8E9C-577F6F0B7BD2}"/>
               </a:ext>
             </a:extLst>
           </p:cNvPr>
@@ -6559,7 +6559,7 @@
           <p:cNvPr id="14" name="TextBox 13">
             <a:extLst>
               <a:ext uri="{FF2B5EF4-FFF2-40B4-BE49-F238E27FC236}">
-                <a16:creationId xmlns="" xmlns:a16="http://schemas.microsoft.com/office/drawing/2014/main" id="{83A2AE63-3C59-4FEB-BBED-3D51275125E3}"/>
+                <a16:creationId xmlns:a16="http://schemas.microsoft.com/office/drawing/2014/main" xmlns="" id="{83A2AE63-3C59-4FEB-BBED-3D51275125E3}"/>
               </a:ext>
             </a:extLst>
           </p:cNvPr>
@@ -6608,7 +6608,7 @@
           <p:cNvPr id="16" name="TextBox 15">
             <a:extLst>
               <a:ext uri="{FF2B5EF4-FFF2-40B4-BE49-F238E27FC236}">
-                <a16:creationId xmlns="" xmlns:a16="http://schemas.microsoft.com/office/drawing/2014/main" id="{B5D51435-1C6A-443A-871F-F312D05722E2}"/>
+                <a16:creationId xmlns:a16="http://schemas.microsoft.com/office/drawing/2014/main" xmlns="" id="{B5D51435-1C6A-443A-871F-F312D05722E2}"/>
               </a:ext>
             </a:extLst>
           </p:cNvPr>
@@ -6657,7 +6657,7 @@
           <p:cNvPr id="19" name="직선 화살표 연결선 18">
             <a:extLst>
               <a:ext uri="{FF2B5EF4-FFF2-40B4-BE49-F238E27FC236}">
-                <a16:creationId xmlns="" xmlns:a16="http://schemas.microsoft.com/office/drawing/2014/main" id="{EC28C33C-129E-4506-9549-3759C91D42BE}"/>
+                <a16:creationId xmlns:a16="http://schemas.microsoft.com/office/drawing/2014/main" xmlns="" id="{EC28C33C-129E-4506-9549-3759C91D42BE}"/>
               </a:ext>
             </a:extLst>
           </p:cNvPr>
@@ -6704,7 +6704,7 @@
           <p:cNvPr id="20" name="TextBox 19">
             <a:extLst>
               <a:ext uri="{FF2B5EF4-FFF2-40B4-BE49-F238E27FC236}">
-                <a16:creationId xmlns="" xmlns:a16="http://schemas.microsoft.com/office/drawing/2014/main" id="{BDD2FA7E-1E88-4F78-ABF6-567824DD1ECE}"/>
+                <a16:creationId xmlns:a16="http://schemas.microsoft.com/office/drawing/2014/main" xmlns="" id="{BDD2FA7E-1E88-4F78-ABF6-567824DD1ECE}"/>
               </a:ext>
             </a:extLst>
           </p:cNvPr>
@@ -6753,7 +6753,7 @@
           <p:cNvPr id="21" name="직선 화살표 연결선 20">
             <a:extLst>
               <a:ext uri="{FF2B5EF4-FFF2-40B4-BE49-F238E27FC236}">
-                <a16:creationId xmlns="" xmlns:a16="http://schemas.microsoft.com/office/drawing/2014/main" id="{75322384-8370-42A2-9AA6-9103C9E005E6}"/>
+                <a16:creationId xmlns:a16="http://schemas.microsoft.com/office/drawing/2014/main" xmlns="" id="{75322384-8370-42A2-9AA6-9103C9E005E6}"/>
               </a:ext>
             </a:extLst>
           </p:cNvPr>
@@ -6800,7 +6800,7 @@
           <p:cNvPr id="23" name="직선 화살표 연결선 22">
             <a:extLst>
               <a:ext uri="{FF2B5EF4-FFF2-40B4-BE49-F238E27FC236}">
-                <a16:creationId xmlns="" xmlns:a16="http://schemas.microsoft.com/office/drawing/2014/main" id="{366CBA92-9226-4C4A-ACDD-433CD65941DE}"/>
+                <a16:creationId xmlns:a16="http://schemas.microsoft.com/office/drawing/2014/main" xmlns="" id="{366CBA92-9226-4C4A-ACDD-433CD65941DE}"/>
               </a:ext>
             </a:extLst>
           </p:cNvPr>
@@ -6847,7 +6847,7 @@
           <p:cNvPr id="25" name="TextBox 24">
             <a:extLst>
               <a:ext uri="{FF2B5EF4-FFF2-40B4-BE49-F238E27FC236}">
-                <a16:creationId xmlns="" xmlns:a16="http://schemas.microsoft.com/office/drawing/2014/main" id="{ED21C0EA-1B65-43C8-AAD0-87268DCF3FD2}"/>
+                <a16:creationId xmlns:a16="http://schemas.microsoft.com/office/drawing/2014/main" xmlns="" id="{ED21C0EA-1B65-43C8-AAD0-87268DCF3FD2}"/>
               </a:ext>
             </a:extLst>
           </p:cNvPr>
@@ -6940,7 +6940,7 @@
           <p:cNvPr id="56" name="직선 화살표 연결선 55">
             <a:extLst>
               <a:ext uri="{FF2B5EF4-FFF2-40B4-BE49-F238E27FC236}">
-                <a16:creationId xmlns="" xmlns:a16="http://schemas.microsoft.com/office/drawing/2014/main" id="{3992F012-AF65-4E39-8E9C-577F6F0B7BD2}"/>
+                <a16:creationId xmlns:a16="http://schemas.microsoft.com/office/drawing/2014/main" xmlns="" id="{3992F012-AF65-4E39-8E9C-577F6F0B7BD2}"/>
               </a:ext>
             </a:extLst>
           </p:cNvPr>
@@ -6987,7 +6987,7 @@
           <p:cNvPr id="61" name="직선 화살표 연결선 60">
             <a:extLst>
               <a:ext uri="{FF2B5EF4-FFF2-40B4-BE49-F238E27FC236}">
-                <a16:creationId xmlns="" xmlns:a16="http://schemas.microsoft.com/office/drawing/2014/main" id="{3992F012-AF65-4E39-8E9C-577F6F0B7BD2}"/>
+                <a16:creationId xmlns:a16="http://schemas.microsoft.com/office/drawing/2014/main" xmlns="" id="{3992F012-AF65-4E39-8E9C-577F6F0B7BD2}"/>
               </a:ext>
             </a:extLst>
           </p:cNvPr>
@@ -7034,7 +7034,7 @@
           <p:cNvPr id="65" name="직선 화살표 연결선 64">
             <a:extLst>
               <a:ext uri="{FF2B5EF4-FFF2-40B4-BE49-F238E27FC236}">
-                <a16:creationId xmlns="" xmlns:a16="http://schemas.microsoft.com/office/drawing/2014/main" id="{3992F012-AF65-4E39-8E9C-577F6F0B7BD2}"/>
+                <a16:creationId xmlns:a16="http://schemas.microsoft.com/office/drawing/2014/main" xmlns="" id="{3992F012-AF65-4E39-8E9C-577F6F0B7BD2}"/>
               </a:ext>
             </a:extLst>
           </p:cNvPr>
@@ -7081,7 +7081,7 @@
           <p:cNvPr id="70" name="직선 화살표 연결선 69">
             <a:extLst>
               <a:ext uri="{FF2B5EF4-FFF2-40B4-BE49-F238E27FC236}">
-                <a16:creationId xmlns="" xmlns:a16="http://schemas.microsoft.com/office/drawing/2014/main" id="{EC28C33C-129E-4506-9549-3759C91D42BE}"/>
+                <a16:creationId xmlns:a16="http://schemas.microsoft.com/office/drawing/2014/main" xmlns="" id="{EC28C33C-129E-4506-9549-3759C91D42BE}"/>
               </a:ext>
             </a:extLst>
           </p:cNvPr>
@@ -7128,7 +7128,7 @@
           <p:cNvPr id="71" name="직선 화살표 연결선 70">
             <a:extLst>
               <a:ext uri="{FF2B5EF4-FFF2-40B4-BE49-F238E27FC236}">
-                <a16:creationId xmlns="" xmlns:a16="http://schemas.microsoft.com/office/drawing/2014/main" id="{EC28C33C-129E-4506-9549-3759C91D42BE}"/>
+                <a16:creationId xmlns:a16="http://schemas.microsoft.com/office/drawing/2014/main" xmlns="" id="{EC28C33C-129E-4506-9549-3759C91D42BE}"/>
               </a:ext>
             </a:extLst>
           </p:cNvPr>
@@ -7175,7 +7175,7 @@
           <p:cNvPr id="72" name="직선 화살표 연결선 71">
             <a:extLst>
               <a:ext uri="{FF2B5EF4-FFF2-40B4-BE49-F238E27FC236}">
-                <a16:creationId xmlns="" xmlns:a16="http://schemas.microsoft.com/office/drawing/2014/main" id="{EC28C33C-129E-4506-9549-3759C91D42BE}"/>
+                <a16:creationId xmlns:a16="http://schemas.microsoft.com/office/drawing/2014/main" xmlns="" id="{EC28C33C-129E-4506-9549-3759C91D42BE}"/>
               </a:ext>
             </a:extLst>
           </p:cNvPr>
@@ -7222,7 +7222,7 @@
           <p:cNvPr id="73" name="TextBox 72">
             <a:extLst>
               <a:ext uri="{FF2B5EF4-FFF2-40B4-BE49-F238E27FC236}">
-                <a16:creationId xmlns="" xmlns:a16="http://schemas.microsoft.com/office/drawing/2014/main" id="{BDD2FA7E-1E88-4F78-ABF6-567824DD1ECE}"/>
+                <a16:creationId xmlns:a16="http://schemas.microsoft.com/office/drawing/2014/main" xmlns="" id="{BDD2FA7E-1E88-4F78-ABF6-567824DD1ECE}"/>
               </a:ext>
             </a:extLst>
           </p:cNvPr>
@@ -7271,7 +7271,7 @@
           <p:cNvPr id="74" name="TextBox 73">
             <a:extLst>
               <a:ext uri="{FF2B5EF4-FFF2-40B4-BE49-F238E27FC236}">
-                <a16:creationId xmlns="" xmlns:a16="http://schemas.microsoft.com/office/drawing/2014/main" id="{BDD2FA7E-1E88-4F78-ABF6-567824DD1ECE}"/>
+                <a16:creationId xmlns:a16="http://schemas.microsoft.com/office/drawing/2014/main" xmlns="" id="{BDD2FA7E-1E88-4F78-ABF6-567824DD1ECE}"/>
               </a:ext>
             </a:extLst>
           </p:cNvPr>
@@ -7344,7 +7344,7 @@
           <p:cNvPr id="75" name="직선 화살표 연결선 74">
             <a:extLst>
               <a:ext uri="{FF2B5EF4-FFF2-40B4-BE49-F238E27FC236}">
-                <a16:creationId xmlns="" xmlns:a16="http://schemas.microsoft.com/office/drawing/2014/main" id="{3F7B84A3-1AD0-4DF7-A6BC-4B5B198A72B9}"/>
+                <a16:creationId xmlns:a16="http://schemas.microsoft.com/office/drawing/2014/main" xmlns="" id="{3F7B84A3-1AD0-4DF7-A6BC-4B5B198A72B9}"/>
               </a:ext>
             </a:extLst>
           </p:cNvPr>
@@ -7391,7 +7391,7 @@
           <p:cNvPr id="76" name="직선 화살표 연결선 75">
             <a:extLst>
               <a:ext uri="{FF2B5EF4-FFF2-40B4-BE49-F238E27FC236}">
-                <a16:creationId xmlns="" xmlns:a16="http://schemas.microsoft.com/office/drawing/2014/main" id="{366CBA92-9226-4C4A-ACDD-433CD65941DE}"/>
+                <a16:creationId xmlns:a16="http://schemas.microsoft.com/office/drawing/2014/main" xmlns="" id="{366CBA92-9226-4C4A-ACDD-433CD65941DE}"/>
               </a:ext>
             </a:extLst>
           </p:cNvPr>
@@ -7438,7 +7438,7 @@
           <p:cNvPr id="77" name="직선 화살표 연결선 76">
             <a:extLst>
               <a:ext uri="{FF2B5EF4-FFF2-40B4-BE49-F238E27FC236}">
-                <a16:creationId xmlns="" xmlns:a16="http://schemas.microsoft.com/office/drawing/2014/main" id="{3992F012-AF65-4E39-8E9C-577F6F0B7BD2}"/>
+                <a16:creationId xmlns:a16="http://schemas.microsoft.com/office/drawing/2014/main" xmlns="" id="{3992F012-AF65-4E39-8E9C-577F6F0B7BD2}"/>
               </a:ext>
             </a:extLst>
           </p:cNvPr>
@@ -7485,7 +7485,7 @@
           <p:cNvPr id="80" name="직선 화살표 연결선 79">
             <a:extLst>
               <a:ext uri="{FF2B5EF4-FFF2-40B4-BE49-F238E27FC236}">
-                <a16:creationId xmlns="" xmlns:a16="http://schemas.microsoft.com/office/drawing/2014/main" id="{EC28C33C-129E-4506-9549-3759C91D42BE}"/>
+                <a16:creationId xmlns:a16="http://schemas.microsoft.com/office/drawing/2014/main" xmlns="" id="{EC28C33C-129E-4506-9549-3759C91D42BE}"/>
               </a:ext>
             </a:extLst>
           </p:cNvPr>
@@ -7532,7 +7532,7 @@
           <p:cNvPr id="81" name="직선 화살표 연결선 80">
             <a:extLst>
               <a:ext uri="{FF2B5EF4-FFF2-40B4-BE49-F238E27FC236}">
-                <a16:creationId xmlns="" xmlns:a16="http://schemas.microsoft.com/office/drawing/2014/main" id="{3992F012-AF65-4E39-8E9C-577F6F0B7BD2}"/>
+                <a16:creationId xmlns:a16="http://schemas.microsoft.com/office/drawing/2014/main" xmlns="" id="{3992F012-AF65-4E39-8E9C-577F6F0B7BD2}"/>
               </a:ext>
             </a:extLst>
           </p:cNvPr>
@@ -7579,7 +7579,7 @@
           <p:cNvPr id="82" name="직선 화살표 연결선 81">
             <a:extLst>
               <a:ext uri="{FF2B5EF4-FFF2-40B4-BE49-F238E27FC236}">
-                <a16:creationId xmlns="" xmlns:a16="http://schemas.microsoft.com/office/drawing/2014/main" id="{EC28C33C-129E-4506-9549-3759C91D42BE}"/>
+                <a16:creationId xmlns:a16="http://schemas.microsoft.com/office/drawing/2014/main" xmlns="" id="{EC28C33C-129E-4506-9549-3759C91D42BE}"/>
               </a:ext>
             </a:extLst>
           </p:cNvPr>
@@ -7626,7 +7626,7 @@
           <p:cNvPr id="83" name="TextBox 82">
             <a:extLst>
               <a:ext uri="{FF2B5EF4-FFF2-40B4-BE49-F238E27FC236}">
-                <a16:creationId xmlns="" xmlns:a16="http://schemas.microsoft.com/office/drawing/2014/main" id="{ED21C0EA-1B65-43C8-AAD0-87268DCF3FD2}"/>
+                <a16:creationId xmlns:a16="http://schemas.microsoft.com/office/drawing/2014/main" xmlns="" id="{ED21C0EA-1B65-43C8-AAD0-87268DCF3FD2}"/>
               </a:ext>
             </a:extLst>
           </p:cNvPr>
@@ -7690,7 +7690,7 @@
           <p:cNvPr id="84" name="TextBox 83">
             <a:extLst>
               <a:ext uri="{FF2B5EF4-FFF2-40B4-BE49-F238E27FC236}">
-                <a16:creationId xmlns="" xmlns:a16="http://schemas.microsoft.com/office/drawing/2014/main" id="{ED21C0EA-1B65-43C8-AAD0-87268DCF3FD2}"/>
+                <a16:creationId xmlns:a16="http://schemas.microsoft.com/office/drawing/2014/main" xmlns="" id="{ED21C0EA-1B65-43C8-AAD0-87268DCF3FD2}"/>
               </a:ext>
             </a:extLst>
           </p:cNvPr>
@@ -7754,7 +7754,7 @@
           <p:cNvPr id="85" name="직선 화살표 연결선 84">
             <a:extLst>
               <a:ext uri="{FF2B5EF4-FFF2-40B4-BE49-F238E27FC236}">
-                <a16:creationId xmlns="" xmlns:a16="http://schemas.microsoft.com/office/drawing/2014/main" id="{3992F012-AF65-4E39-8E9C-577F6F0B7BD2}"/>
+                <a16:creationId xmlns:a16="http://schemas.microsoft.com/office/drawing/2014/main" xmlns="" id="{3992F012-AF65-4E39-8E9C-577F6F0B7BD2}"/>
               </a:ext>
             </a:extLst>
           </p:cNvPr>
@@ -7801,7 +7801,7 @@
           <p:cNvPr id="86" name="TextBox 85">
             <a:extLst>
               <a:ext uri="{FF2B5EF4-FFF2-40B4-BE49-F238E27FC236}">
-                <a16:creationId xmlns="" xmlns:a16="http://schemas.microsoft.com/office/drawing/2014/main" id="{ED21C0EA-1B65-43C8-AAD0-87268DCF3FD2}"/>
+                <a16:creationId xmlns:a16="http://schemas.microsoft.com/office/drawing/2014/main" xmlns="" id="{ED21C0EA-1B65-43C8-AAD0-87268DCF3FD2}"/>
               </a:ext>
             </a:extLst>
           </p:cNvPr>
@@ -7865,7 +7865,7 @@
           <p:cNvPr id="87" name="직선 화살표 연결선 86">
             <a:extLst>
               <a:ext uri="{FF2B5EF4-FFF2-40B4-BE49-F238E27FC236}">
-                <a16:creationId xmlns="" xmlns:a16="http://schemas.microsoft.com/office/drawing/2014/main" id="{3992F012-AF65-4E39-8E9C-577F6F0B7BD2}"/>
+                <a16:creationId xmlns:a16="http://schemas.microsoft.com/office/drawing/2014/main" xmlns="" id="{3992F012-AF65-4E39-8E9C-577F6F0B7BD2}"/>
               </a:ext>
             </a:extLst>
           </p:cNvPr>
@@ -7912,7 +7912,7 @@
           <p:cNvPr id="88" name="TextBox 87">
             <a:extLst>
               <a:ext uri="{FF2B5EF4-FFF2-40B4-BE49-F238E27FC236}">
-                <a16:creationId xmlns="" xmlns:a16="http://schemas.microsoft.com/office/drawing/2014/main" id="{ED21C0EA-1B65-43C8-AAD0-87268DCF3FD2}"/>
+                <a16:creationId xmlns:a16="http://schemas.microsoft.com/office/drawing/2014/main" xmlns="" id="{ED21C0EA-1B65-43C8-AAD0-87268DCF3FD2}"/>
               </a:ext>
             </a:extLst>
           </p:cNvPr>
@@ -7976,7 +7976,7 @@
           <p:cNvPr id="89" name="직선 화살표 연결선 88">
             <a:extLst>
               <a:ext uri="{FF2B5EF4-FFF2-40B4-BE49-F238E27FC236}">
-                <a16:creationId xmlns="" xmlns:a16="http://schemas.microsoft.com/office/drawing/2014/main" id="{EC28C33C-129E-4506-9549-3759C91D42BE}"/>
+                <a16:creationId xmlns:a16="http://schemas.microsoft.com/office/drawing/2014/main" xmlns="" id="{EC28C33C-129E-4506-9549-3759C91D42BE}"/>
               </a:ext>
             </a:extLst>
           </p:cNvPr>
@@ -8023,7 +8023,7 @@
           <p:cNvPr id="90" name="직선 화살표 연결선 89">
             <a:extLst>
               <a:ext uri="{FF2B5EF4-FFF2-40B4-BE49-F238E27FC236}">
-                <a16:creationId xmlns="" xmlns:a16="http://schemas.microsoft.com/office/drawing/2014/main" id="{EC28C33C-129E-4506-9549-3759C91D42BE}"/>
+                <a16:creationId xmlns:a16="http://schemas.microsoft.com/office/drawing/2014/main" xmlns="" id="{EC28C33C-129E-4506-9549-3759C91D42BE}"/>
               </a:ext>
             </a:extLst>
           </p:cNvPr>
@@ -8070,7 +8070,7 @@
           <p:cNvPr id="91" name="TextBox 90">
             <a:extLst>
               <a:ext uri="{FF2B5EF4-FFF2-40B4-BE49-F238E27FC236}">
-                <a16:creationId xmlns="" xmlns:a16="http://schemas.microsoft.com/office/drawing/2014/main" id="{BDD2FA7E-1E88-4F78-ABF6-567824DD1ECE}"/>
+                <a16:creationId xmlns:a16="http://schemas.microsoft.com/office/drawing/2014/main" xmlns="" id="{BDD2FA7E-1E88-4F78-ABF6-567824DD1ECE}"/>
               </a:ext>
             </a:extLst>
           </p:cNvPr>
@@ -8146,7 +8146,7 @@
           <p:cNvPr id="92" name="직선 화살표 연결선 91">
             <a:extLst>
               <a:ext uri="{FF2B5EF4-FFF2-40B4-BE49-F238E27FC236}">
-                <a16:creationId xmlns="" xmlns:a16="http://schemas.microsoft.com/office/drawing/2014/main" id="{3F7B84A3-1AD0-4DF7-A6BC-4B5B198A72B9}"/>
+                <a16:creationId xmlns:a16="http://schemas.microsoft.com/office/drawing/2014/main" xmlns="" id="{3F7B84A3-1AD0-4DF7-A6BC-4B5B198A72B9}"/>
               </a:ext>
             </a:extLst>
           </p:cNvPr>
@@ -8193,7 +8193,7 @@
           <p:cNvPr id="93" name="직선 화살표 연결선 92">
             <a:extLst>
               <a:ext uri="{FF2B5EF4-FFF2-40B4-BE49-F238E27FC236}">
-                <a16:creationId xmlns="" xmlns:a16="http://schemas.microsoft.com/office/drawing/2014/main" id="{3F7B84A3-1AD0-4DF7-A6BC-4B5B198A72B9}"/>
+                <a16:creationId xmlns:a16="http://schemas.microsoft.com/office/drawing/2014/main" xmlns="" id="{3F7B84A3-1AD0-4DF7-A6BC-4B5B198A72B9}"/>
               </a:ext>
             </a:extLst>
           </p:cNvPr>
@@ -8240,7 +8240,7 @@
           <p:cNvPr id="95" name="직선 화살표 연결선 94">
             <a:extLst>
               <a:ext uri="{FF2B5EF4-FFF2-40B4-BE49-F238E27FC236}">
-                <a16:creationId xmlns="" xmlns:a16="http://schemas.microsoft.com/office/drawing/2014/main" id="{366CBA92-9226-4C4A-ACDD-433CD65941DE}"/>
+                <a16:creationId xmlns:a16="http://schemas.microsoft.com/office/drawing/2014/main" xmlns="" id="{366CBA92-9226-4C4A-ACDD-433CD65941DE}"/>
               </a:ext>
             </a:extLst>
           </p:cNvPr>
@@ -8287,7 +8287,7 @@
           <p:cNvPr id="98" name="직선 화살표 연결선 97">
             <a:extLst>
               <a:ext uri="{FF2B5EF4-FFF2-40B4-BE49-F238E27FC236}">
-                <a16:creationId xmlns="" xmlns:a16="http://schemas.microsoft.com/office/drawing/2014/main" id="{366CBA92-9226-4C4A-ACDD-433CD65941DE}"/>
+                <a16:creationId xmlns:a16="http://schemas.microsoft.com/office/drawing/2014/main" xmlns="" id="{366CBA92-9226-4C4A-ACDD-433CD65941DE}"/>
               </a:ext>
             </a:extLst>
           </p:cNvPr>
@@ -8334,7 +8334,7 @@
           <p:cNvPr id="99" name="직선 화살표 연결선 98">
             <a:extLst>
               <a:ext uri="{FF2B5EF4-FFF2-40B4-BE49-F238E27FC236}">
-                <a16:creationId xmlns="" xmlns:a16="http://schemas.microsoft.com/office/drawing/2014/main" id="{3F7B84A3-1AD0-4DF7-A6BC-4B5B198A72B9}"/>
+                <a16:creationId xmlns:a16="http://schemas.microsoft.com/office/drawing/2014/main" xmlns="" id="{3F7B84A3-1AD0-4DF7-A6BC-4B5B198A72B9}"/>
               </a:ext>
             </a:extLst>
           </p:cNvPr>
@@ -8381,7 +8381,7 @@
           <p:cNvPr id="101" name="직선 화살표 연결선 100">
             <a:extLst>
               <a:ext uri="{FF2B5EF4-FFF2-40B4-BE49-F238E27FC236}">
-                <a16:creationId xmlns="" xmlns:a16="http://schemas.microsoft.com/office/drawing/2014/main" id="{366CBA92-9226-4C4A-ACDD-433CD65941DE}"/>
+                <a16:creationId xmlns:a16="http://schemas.microsoft.com/office/drawing/2014/main" xmlns="" id="{366CBA92-9226-4C4A-ACDD-433CD65941DE}"/>
               </a:ext>
             </a:extLst>
           </p:cNvPr>
@@ -8428,7 +8428,7 @@
           <p:cNvPr id="103" name="직선 화살표 연결선 102">
             <a:extLst>
               <a:ext uri="{FF2B5EF4-FFF2-40B4-BE49-F238E27FC236}">
-                <a16:creationId xmlns="" xmlns:a16="http://schemas.microsoft.com/office/drawing/2014/main" id="{3992F012-AF65-4E39-8E9C-577F6F0B7BD2}"/>
+                <a16:creationId xmlns:a16="http://schemas.microsoft.com/office/drawing/2014/main" xmlns="" id="{3992F012-AF65-4E39-8E9C-577F6F0B7BD2}"/>
               </a:ext>
             </a:extLst>
           </p:cNvPr>
@@ -8475,7 +8475,7 @@
           <p:cNvPr id="104" name="TextBox 103">
             <a:extLst>
               <a:ext uri="{FF2B5EF4-FFF2-40B4-BE49-F238E27FC236}">
-                <a16:creationId xmlns="" xmlns:a16="http://schemas.microsoft.com/office/drawing/2014/main" id="{ED21C0EA-1B65-43C8-AAD0-87268DCF3FD2}"/>
+                <a16:creationId xmlns:a16="http://schemas.microsoft.com/office/drawing/2014/main" xmlns="" id="{ED21C0EA-1B65-43C8-AAD0-87268DCF3FD2}"/>
               </a:ext>
             </a:extLst>
           </p:cNvPr>
@@ -8559,7 +8559,7 @@
           <p:cNvPr id="105" name="직선 화살표 연결선 104">
             <a:extLst>
               <a:ext uri="{FF2B5EF4-FFF2-40B4-BE49-F238E27FC236}">
-                <a16:creationId xmlns="" xmlns:a16="http://schemas.microsoft.com/office/drawing/2014/main" id="{3992F012-AF65-4E39-8E9C-577F6F0B7BD2}"/>
+                <a16:creationId xmlns:a16="http://schemas.microsoft.com/office/drawing/2014/main" xmlns="" id="{3992F012-AF65-4E39-8E9C-577F6F0B7BD2}"/>
               </a:ext>
             </a:extLst>
           </p:cNvPr>
@@ -8606,7 +8606,7 @@
           <p:cNvPr id="106" name="직선 화살표 연결선 105">
             <a:extLst>
               <a:ext uri="{FF2B5EF4-FFF2-40B4-BE49-F238E27FC236}">
-                <a16:creationId xmlns="" xmlns:a16="http://schemas.microsoft.com/office/drawing/2014/main" id="{3992F012-AF65-4E39-8E9C-577F6F0B7BD2}"/>
+                <a16:creationId xmlns:a16="http://schemas.microsoft.com/office/drawing/2014/main" xmlns="" id="{3992F012-AF65-4E39-8E9C-577F6F0B7BD2}"/>
               </a:ext>
             </a:extLst>
           </p:cNvPr>
@@ -8653,7 +8653,7 @@
           <p:cNvPr id="107" name="직선 화살표 연결선 106">
             <a:extLst>
               <a:ext uri="{FF2B5EF4-FFF2-40B4-BE49-F238E27FC236}">
-                <a16:creationId xmlns="" xmlns:a16="http://schemas.microsoft.com/office/drawing/2014/main" id="{3992F012-AF65-4E39-8E9C-577F6F0B7BD2}"/>
+                <a16:creationId xmlns:a16="http://schemas.microsoft.com/office/drawing/2014/main" xmlns="" id="{3992F012-AF65-4E39-8E9C-577F6F0B7BD2}"/>
               </a:ext>
             </a:extLst>
           </p:cNvPr>
@@ -8700,7 +8700,7 @@
           <p:cNvPr id="110" name="직선 화살표 연결선 109">
             <a:extLst>
               <a:ext uri="{FF2B5EF4-FFF2-40B4-BE49-F238E27FC236}">
-                <a16:creationId xmlns="" xmlns:a16="http://schemas.microsoft.com/office/drawing/2014/main" id="{EC28C33C-129E-4506-9549-3759C91D42BE}"/>
+                <a16:creationId xmlns:a16="http://schemas.microsoft.com/office/drawing/2014/main" xmlns="" id="{EC28C33C-129E-4506-9549-3759C91D42BE}"/>
               </a:ext>
             </a:extLst>
           </p:cNvPr>
@@ -8747,7 +8747,7 @@
           <p:cNvPr id="111" name="직선 화살표 연결선 110">
             <a:extLst>
               <a:ext uri="{FF2B5EF4-FFF2-40B4-BE49-F238E27FC236}">
-                <a16:creationId xmlns="" xmlns:a16="http://schemas.microsoft.com/office/drawing/2014/main" id="{EC28C33C-129E-4506-9549-3759C91D42BE}"/>
+                <a16:creationId xmlns:a16="http://schemas.microsoft.com/office/drawing/2014/main" xmlns="" id="{EC28C33C-129E-4506-9549-3759C91D42BE}"/>
               </a:ext>
             </a:extLst>
           </p:cNvPr>
@@ -8794,7 +8794,7 @@
           <p:cNvPr id="112" name="직선 화살표 연결선 111">
             <a:extLst>
               <a:ext uri="{FF2B5EF4-FFF2-40B4-BE49-F238E27FC236}">
-                <a16:creationId xmlns="" xmlns:a16="http://schemas.microsoft.com/office/drawing/2014/main" id="{EC28C33C-129E-4506-9549-3759C91D42BE}"/>
+                <a16:creationId xmlns:a16="http://schemas.microsoft.com/office/drawing/2014/main" xmlns="" id="{EC28C33C-129E-4506-9549-3759C91D42BE}"/>
               </a:ext>
             </a:extLst>
           </p:cNvPr>
@@ -8841,7 +8841,7 @@
           <p:cNvPr id="113" name="직선 화살표 연결선 112">
             <a:extLst>
               <a:ext uri="{FF2B5EF4-FFF2-40B4-BE49-F238E27FC236}">
-                <a16:creationId xmlns="" xmlns:a16="http://schemas.microsoft.com/office/drawing/2014/main" id="{EC28C33C-129E-4506-9549-3759C91D42BE}"/>
+                <a16:creationId xmlns:a16="http://schemas.microsoft.com/office/drawing/2014/main" xmlns="" id="{EC28C33C-129E-4506-9549-3759C91D42BE}"/>
               </a:ext>
             </a:extLst>
           </p:cNvPr>
@@ -8888,7 +8888,7 @@
           <p:cNvPr id="115" name="TextBox 114">
             <a:extLst>
               <a:ext uri="{FF2B5EF4-FFF2-40B4-BE49-F238E27FC236}">
-                <a16:creationId xmlns="" xmlns:a16="http://schemas.microsoft.com/office/drawing/2014/main" id="{BDD2FA7E-1E88-4F78-ABF6-567824DD1ECE}"/>
+                <a16:creationId xmlns:a16="http://schemas.microsoft.com/office/drawing/2014/main" xmlns="" id="{BDD2FA7E-1E88-4F78-ABF6-567824DD1ECE}"/>
               </a:ext>
             </a:extLst>
           </p:cNvPr>
@@ -8945,7 +8945,7 @@
           <p:cNvPr id="116" name="TextBox 115">
             <a:extLst>
               <a:ext uri="{FF2B5EF4-FFF2-40B4-BE49-F238E27FC236}">
-                <a16:creationId xmlns="" xmlns:a16="http://schemas.microsoft.com/office/drawing/2014/main" id="{BDD2FA7E-1E88-4F78-ABF6-567824DD1ECE}"/>
+                <a16:creationId xmlns:a16="http://schemas.microsoft.com/office/drawing/2014/main" xmlns="" id="{BDD2FA7E-1E88-4F78-ABF6-567824DD1ECE}"/>
               </a:ext>
             </a:extLst>
           </p:cNvPr>
@@ -9002,7 +9002,7 @@
           <p:cNvPr id="117" name="TextBox 116">
             <a:extLst>
               <a:ext uri="{FF2B5EF4-FFF2-40B4-BE49-F238E27FC236}">
-                <a16:creationId xmlns="" xmlns:a16="http://schemas.microsoft.com/office/drawing/2014/main" id="{BDD2FA7E-1E88-4F78-ABF6-567824DD1ECE}"/>
+                <a16:creationId xmlns:a16="http://schemas.microsoft.com/office/drawing/2014/main" xmlns="" id="{BDD2FA7E-1E88-4F78-ABF6-567824DD1ECE}"/>
               </a:ext>
             </a:extLst>
           </p:cNvPr>
@@ -9059,7 +9059,7 @@
           <p:cNvPr id="118" name="TextBox 117">
             <a:extLst>
               <a:ext uri="{FF2B5EF4-FFF2-40B4-BE49-F238E27FC236}">
-                <a16:creationId xmlns="" xmlns:a16="http://schemas.microsoft.com/office/drawing/2014/main" id="{ED21C0EA-1B65-43C8-AAD0-87268DCF3FD2}"/>
+                <a16:creationId xmlns:a16="http://schemas.microsoft.com/office/drawing/2014/main" xmlns="" id="{ED21C0EA-1B65-43C8-AAD0-87268DCF3FD2}"/>
               </a:ext>
             </a:extLst>
           </p:cNvPr>
@@ -9143,7 +9143,7 @@
           <p:cNvPr id="119" name="TextBox 118">
             <a:extLst>
               <a:ext uri="{FF2B5EF4-FFF2-40B4-BE49-F238E27FC236}">
-                <a16:creationId xmlns="" xmlns:a16="http://schemas.microsoft.com/office/drawing/2014/main" id="{ED21C0EA-1B65-43C8-AAD0-87268DCF3FD2}"/>
+                <a16:creationId xmlns:a16="http://schemas.microsoft.com/office/drawing/2014/main" xmlns="" id="{ED21C0EA-1B65-43C8-AAD0-87268DCF3FD2}"/>
               </a:ext>
             </a:extLst>
           </p:cNvPr>
@@ -9227,7 +9227,7 @@
           <p:cNvPr id="120" name="TextBox 119">
             <a:extLst>
               <a:ext uri="{FF2B5EF4-FFF2-40B4-BE49-F238E27FC236}">
-                <a16:creationId xmlns="" xmlns:a16="http://schemas.microsoft.com/office/drawing/2014/main" id="{ED21C0EA-1B65-43C8-AAD0-87268DCF3FD2}"/>
+                <a16:creationId xmlns:a16="http://schemas.microsoft.com/office/drawing/2014/main" xmlns="" id="{ED21C0EA-1B65-43C8-AAD0-87268DCF3FD2}"/>
               </a:ext>
             </a:extLst>
           </p:cNvPr>
@@ -9311,7 +9311,7 @@
           <p:cNvPr id="121" name="TextBox 120">
             <a:extLst>
               <a:ext uri="{FF2B5EF4-FFF2-40B4-BE49-F238E27FC236}">
-                <a16:creationId xmlns="" xmlns:a16="http://schemas.microsoft.com/office/drawing/2014/main" id="{ED21C0EA-1B65-43C8-AAD0-87268DCF3FD2}"/>
+                <a16:creationId xmlns:a16="http://schemas.microsoft.com/office/drawing/2014/main" xmlns="" id="{ED21C0EA-1B65-43C8-AAD0-87268DCF3FD2}"/>
               </a:ext>
             </a:extLst>
           </p:cNvPr>
@@ -9395,7 +9395,7 @@
           <p:cNvPr id="122" name="TextBox 121">
             <a:extLst>
               <a:ext uri="{FF2B5EF4-FFF2-40B4-BE49-F238E27FC236}">
-                <a16:creationId xmlns="" xmlns:a16="http://schemas.microsoft.com/office/drawing/2014/main" id="{BDD2FA7E-1E88-4F78-ABF6-567824DD1ECE}"/>
+                <a16:creationId xmlns:a16="http://schemas.microsoft.com/office/drawing/2014/main" xmlns="" id="{BDD2FA7E-1E88-4F78-ABF6-567824DD1ECE}"/>
               </a:ext>
             </a:extLst>
           </p:cNvPr>
@@ -9452,7 +9452,7 @@
           <p:cNvPr id="123" name="TextBox 122">
             <a:extLst>
               <a:ext uri="{FF2B5EF4-FFF2-40B4-BE49-F238E27FC236}">
-                <a16:creationId xmlns="" xmlns:a16="http://schemas.microsoft.com/office/drawing/2014/main" id="{BDD2FA7E-1E88-4F78-ABF6-567824DD1ECE}"/>
+                <a16:creationId xmlns:a16="http://schemas.microsoft.com/office/drawing/2014/main" xmlns="" id="{BDD2FA7E-1E88-4F78-ABF6-567824DD1ECE}"/>
               </a:ext>
             </a:extLst>
           </p:cNvPr>
@@ -9573,7 +9573,7 @@
           <p:cNvPr id="124" name="직선 화살표 연결선 123">
             <a:extLst>
               <a:ext uri="{FF2B5EF4-FFF2-40B4-BE49-F238E27FC236}">
-                <a16:creationId xmlns="" xmlns:a16="http://schemas.microsoft.com/office/drawing/2014/main" id="{3992F012-AF65-4E39-8E9C-577F6F0B7BD2}"/>
+                <a16:creationId xmlns:a16="http://schemas.microsoft.com/office/drawing/2014/main" xmlns="" id="{3992F012-AF65-4E39-8E9C-577F6F0B7BD2}"/>
               </a:ext>
             </a:extLst>
           </p:cNvPr>
@@ -9620,7 +9620,7 @@
           <p:cNvPr id="126" name="직선 화살표 연결선 125">
             <a:extLst>
               <a:ext uri="{FF2B5EF4-FFF2-40B4-BE49-F238E27FC236}">
-                <a16:creationId xmlns="" xmlns:a16="http://schemas.microsoft.com/office/drawing/2014/main" id="{EC28C33C-129E-4506-9549-3759C91D42BE}"/>
+                <a16:creationId xmlns:a16="http://schemas.microsoft.com/office/drawing/2014/main" xmlns="" id="{EC28C33C-129E-4506-9549-3759C91D42BE}"/>
               </a:ext>
             </a:extLst>
           </p:cNvPr>
@@ -9667,7 +9667,7 @@
           <p:cNvPr id="128" name="직선 화살표 연결선 127">
             <a:extLst>
               <a:ext uri="{FF2B5EF4-FFF2-40B4-BE49-F238E27FC236}">
-                <a16:creationId xmlns="" xmlns:a16="http://schemas.microsoft.com/office/drawing/2014/main" id="{3992F012-AF65-4E39-8E9C-577F6F0B7BD2}"/>
+                <a16:creationId xmlns:a16="http://schemas.microsoft.com/office/drawing/2014/main" xmlns="" id="{3992F012-AF65-4E39-8E9C-577F6F0B7BD2}"/>
               </a:ext>
             </a:extLst>
           </p:cNvPr>
@@ -9714,7 +9714,7 @@
           <p:cNvPr id="129" name="직선 화살표 연결선 128">
             <a:extLst>
               <a:ext uri="{FF2B5EF4-FFF2-40B4-BE49-F238E27FC236}">
-                <a16:creationId xmlns="" xmlns:a16="http://schemas.microsoft.com/office/drawing/2014/main" id="{EC28C33C-129E-4506-9549-3759C91D42BE}"/>
+                <a16:creationId xmlns:a16="http://schemas.microsoft.com/office/drawing/2014/main" xmlns="" id="{EC28C33C-129E-4506-9549-3759C91D42BE}"/>
               </a:ext>
             </a:extLst>
           </p:cNvPr>
@@ -9761,7 +9761,7 @@
           <p:cNvPr id="130" name="직선 화살표 연결선 129">
             <a:extLst>
               <a:ext uri="{FF2B5EF4-FFF2-40B4-BE49-F238E27FC236}">
-                <a16:creationId xmlns="" xmlns:a16="http://schemas.microsoft.com/office/drawing/2014/main" id="{3992F012-AF65-4E39-8E9C-577F6F0B7BD2}"/>
+                <a16:creationId xmlns:a16="http://schemas.microsoft.com/office/drawing/2014/main" xmlns="" id="{3992F012-AF65-4E39-8E9C-577F6F0B7BD2}"/>
               </a:ext>
             </a:extLst>
           </p:cNvPr>
@@ -9808,7 +9808,7 @@
           <p:cNvPr id="131" name="직선 화살표 연결선 130">
             <a:extLst>
               <a:ext uri="{FF2B5EF4-FFF2-40B4-BE49-F238E27FC236}">
-                <a16:creationId xmlns="" xmlns:a16="http://schemas.microsoft.com/office/drawing/2014/main" id="{EC28C33C-129E-4506-9549-3759C91D42BE}"/>
+                <a16:creationId xmlns:a16="http://schemas.microsoft.com/office/drawing/2014/main" xmlns="" id="{EC28C33C-129E-4506-9549-3759C91D42BE}"/>
               </a:ext>
             </a:extLst>
           </p:cNvPr>
@@ -9855,7 +9855,7 @@
           <p:cNvPr id="132" name="직선 화살표 연결선 131">
             <a:extLst>
               <a:ext uri="{FF2B5EF4-FFF2-40B4-BE49-F238E27FC236}">
-                <a16:creationId xmlns="" xmlns:a16="http://schemas.microsoft.com/office/drawing/2014/main" id="{3992F012-AF65-4E39-8E9C-577F6F0B7BD2}"/>
+                <a16:creationId xmlns:a16="http://schemas.microsoft.com/office/drawing/2014/main" xmlns="" id="{3992F012-AF65-4E39-8E9C-577F6F0B7BD2}"/>
               </a:ext>
             </a:extLst>
           </p:cNvPr>
@@ -9902,7 +9902,7 @@
           <p:cNvPr id="133" name="직선 화살표 연결선 132">
             <a:extLst>
               <a:ext uri="{FF2B5EF4-FFF2-40B4-BE49-F238E27FC236}">
-                <a16:creationId xmlns="" xmlns:a16="http://schemas.microsoft.com/office/drawing/2014/main" id="{EC28C33C-129E-4506-9549-3759C91D42BE}"/>
+                <a16:creationId xmlns:a16="http://schemas.microsoft.com/office/drawing/2014/main" xmlns="" id="{EC28C33C-129E-4506-9549-3759C91D42BE}"/>
               </a:ext>
             </a:extLst>
           </p:cNvPr>
@@ -9949,7 +9949,7 @@
           <p:cNvPr id="134" name="TextBox 133">
             <a:extLst>
               <a:ext uri="{FF2B5EF4-FFF2-40B4-BE49-F238E27FC236}">
-                <a16:creationId xmlns="" xmlns:a16="http://schemas.microsoft.com/office/drawing/2014/main" id="{ED21C0EA-1B65-43C8-AAD0-87268DCF3FD2}"/>
+                <a16:creationId xmlns:a16="http://schemas.microsoft.com/office/drawing/2014/main" xmlns="" id="{ED21C0EA-1B65-43C8-AAD0-87268DCF3FD2}"/>
               </a:ext>
             </a:extLst>
           </p:cNvPr>
@@ -10033,7 +10033,7 @@
           <p:cNvPr id="135" name="TextBox 134">
             <a:extLst>
               <a:ext uri="{FF2B5EF4-FFF2-40B4-BE49-F238E27FC236}">
-                <a16:creationId xmlns="" xmlns:a16="http://schemas.microsoft.com/office/drawing/2014/main" id="{ED21C0EA-1B65-43C8-AAD0-87268DCF3FD2}"/>
+                <a16:creationId xmlns:a16="http://schemas.microsoft.com/office/drawing/2014/main" xmlns="" id="{ED21C0EA-1B65-43C8-AAD0-87268DCF3FD2}"/>
               </a:ext>
             </a:extLst>
           </p:cNvPr>
@@ -10097,7 +10097,7 @@
           <p:cNvPr id="136" name="TextBox 135">
             <a:extLst>
               <a:ext uri="{FF2B5EF4-FFF2-40B4-BE49-F238E27FC236}">
-                <a16:creationId xmlns="" xmlns:a16="http://schemas.microsoft.com/office/drawing/2014/main" id="{ED21C0EA-1B65-43C8-AAD0-87268DCF3FD2}"/>
+                <a16:creationId xmlns:a16="http://schemas.microsoft.com/office/drawing/2014/main" xmlns="" id="{ED21C0EA-1B65-43C8-AAD0-87268DCF3FD2}"/>
               </a:ext>
             </a:extLst>
           </p:cNvPr>
@@ -10161,7 +10161,7 @@
           <p:cNvPr id="137" name="TextBox 136">
             <a:extLst>
               <a:ext uri="{FF2B5EF4-FFF2-40B4-BE49-F238E27FC236}">
-                <a16:creationId xmlns="" xmlns:a16="http://schemas.microsoft.com/office/drawing/2014/main" id="{ED21C0EA-1B65-43C8-AAD0-87268DCF3FD2}"/>
+                <a16:creationId xmlns:a16="http://schemas.microsoft.com/office/drawing/2014/main" xmlns="" id="{ED21C0EA-1B65-43C8-AAD0-87268DCF3FD2}"/>
               </a:ext>
             </a:extLst>
           </p:cNvPr>
@@ -10225,7 +10225,7 @@
           <p:cNvPr id="138" name="TextBox 137">
             <a:extLst>
               <a:ext uri="{FF2B5EF4-FFF2-40B4-BE49-F238E27FC236}">
-                <a16:creationId xmlns="" xmlns:a16="http://schemas.microsoft.com/office/drawing/2014/main" id="{BDD2FA7E-1E88-4F78-ABF6-567824DD1ECE}"/>
+                <a16:creationId xmlns:a16="http://schemas.microsoft.com/office/drawing/2014/main" xmlns="" id="{BDD2FA7E-1E88-4F78-ABF6-567824DD1ECE}"/>
               </a:ext>
             </a:extLst>
           </p:cNvPr>
@@ -10301,7 +10301,7 @@
           <p:cNvPr id="139" name="직선 화살표 연결선 138">
             <a:extLst>
               <a:ext uri="{FF2B5EF4-FFF2-40B4-BE49-F238E27FC236}">
-                <a16:creationId xmlns="" xmlns:a16="http://schemas.microsoft.com/office/drawing/2014/main" id="{3F7B84A3-1AD0-4DF7-A6BC-4B5B198A72B9}"/>
+                <a16:creationId xmlns:a16="http://schemas.microsoft.com/office/drawing/2014/main" xmlns="" id="{3F7B84A3-1AD0-4DF7-A6BC-4B5B198A72B9}"/>
               </a:ext>
             </a:extLst>
           </p:cNvPr>
@@ -10378,7 +10378,7 @@
           <p:cNvPr id="4" name="표 4">
             <a:extLst>
               <a:ext uri="{FF2B5EF4-FFF2-40B4-BE49-F238E27FC236}">
-                <a16:creationId xmlns="" xmlns:a16="http://schemas.microsoft.com/office/drawing/2014/main" id="{B305719E-D3E5-4E7E-B17F-23D2B8F0881C}"/>
+                <a16:creationId xmlns:a16="http://schemas.microsoft.com/office/drawing/2014/main" xmlns="" id="{B305719E-D3E5-4E7E-B17F-23D2B8F0881C}"/>
               </a:ext>
             </a:extLst>
           </p:cNvPr>
@@ -10407,21 +10407,21 @@
                 <a:gridCol w="2033729">
                   <a:extLst>
                     <a:ext uri="{9D8B030D-6E8A-4147-A177-3AD203B41FA5}">
-                      <a16:colId xmlns="" xmlns:a16="http://schemas.microsoft.com/office/drawing/2014/main" val="3571064474"/>
+                      <a16:colId xmlns:a16="http://schemas.microsoft.com/office/drawing/2014/main" xmlns="" val="3571064474"/>
                     </a:ext>
                   </a:extLst>
                 </a:gridCol>
                 <a:gridCol w="1557196">
                   <a:extLst>
                     <a:ext uri="{9D8B030D-6E8A-4147-A177-3AD203B41FA5}">
-                      <a16:colId xmlns="" xmlns:a16="http://schemas.microsoft.com/office/drawing/2014/main" val="4257211528"/>
+                      <a16:colId xmlns:a16="http://schemas.microsoft.com/office/drawing/2014/main" xmlns="" val="4257211528"/>
                     </a:ext>
                   </a:extLst>
                 </a:gridCol>
                 <a:gridCol w="1665838">
                   <a:extLst>
                     <a:ext uri="{9D8B030D-6E8A-4147-A177-3AD203B41FA5}">
-                      <a16:colId xmlns="" xmlns:a16="http://schemas.microsoft.com/office/drawing/2014/main" val="3023545236"/>
+                      <a16:colId xmlns:a16="http://schemas.microsoft.com/office/drawing/2014/main" xmlns="" val="3023545236"/>
                     </a:ext>
                   </a:extLst>
                 </a:gridCol>
@@ -10429,21 +10429,21 @@
                 <a:gridCol w="1738265">
                   <a:extLst>
                     <a:ext uri="{9D8B030D-6E8A-4147-A177-3AD203B41FA5}">
-                      <a16:colId xmlns="" xmlns:a16="http://schemas.microsoft.com/office/drawing/2014/main" val="2920563116"/>
+                      <a16:colId xmlns:a16="http://schemas.microsoft.com/office/drawing/2014/main" xmlns="" val="2920563116"/>
                     </a:ext>
                   </a:extLst>
                 </a:gridCol>
                 <a:gridCol w="1720158">
                   <a:extLst>
                     <a:ext uri="{9D8B030D-6E8A-4147-A177-3AD203B41FA5}">
-                      <a16:colId xmlns="" xmlns:a16="http://schemas.microsoft.com/office/drawing/2014/main" val="3475859244"/>
+                      <a16:colId xmlns:a16="http://schemas.microsoft.com/office/drawing/2014/main" xmlns="" val="3475859244"/>
                     </a:ext>
                   </a:extLst>
                 </a:gridCol>
                 <a:gridCol w="1602273">
                   <a:extLst>
                     <a:ext uri="{9D8B030D-6E8A-4147-A177-3AD203B41FA5}">
-                      <a16:colId xmlns="" xmlns:a16="http://schemas.microsoft.com/office/drawing/2014/main" val="3472189352"/>
+                      <a16:colId xmlns:a16="http://schemas.microsoft.com/office/drawing/2014/main" xmlns="" val="3472189352"/>
                     </a:ext>
                   </a:extLst>
                 </a:gridCol>
@@ -11006,7 +11006,7 @@
                 </a:tc>
                 <a:extLst>
                   <a:ext uri="{0D108BD9-81ED-4DB2-BD59-A6C34878D82A}">
-                    <a16:rowId xmlns="" xmlns:a16="http://schemas.microsoft.com/office/drawing/2014/main" val="243423754"/>
+                    <a16:rowId xmlns:a16="http://schemas.microsoft.com/office/drawing/2014/main" xmlns="" val="243423754"/>
                   </a:ext>
                 </a:extLst>
               </a:tr>
@@ -13517,7 +13517,7 @@
                 </a:tc>
                 <a:extLst>
                   <a:ext uri="{0D108BD9-81ED-4DB2-BD59-A6C34878D82A}">
-                    <a16:rowId xmlns="" xmlns:a16="http://schemas.microsoft.com/office/drawing/2014/main" val="3134473238"/>
+                    <a16:rowId xmlns:a16="http://schemas.microsoft.com/office/drawing/2014/main" xmlns="" val="3134473238"/>
                   </a:ext>
                 </a:extLst>
               </a:tr>
@@ -13530,7 +13530,7 @@
           <p:cNvPr id="6" name="직선 화살표 연결선 5">
             <a:extLst>
               <a:ext uri="{FF2B5EF4-FFF2-40B4-BE49-F238E27FC236}">
-                <a16:creationId xmlns="" xmlns:a16="http://schemas.microsoft.com/office/drawing/2014/main" id="{3F7B84A3-1AD0-4DF7-A6BC-4B5B198A72B9}"/>
+                <a16:creationId xmlns:a16="http://schemas.microsoft.com/office/drawing/2014/main" xmlns="" id="{3F7B84A3-1AD0-4DF7-A6BC-4B5B198A72B9}"/>
               </a:ext>
             </a:extLst>
           </p:cNvPr>
@@ -13577,7 +13577,7 @@
           <p:cNvPr id="7" name="직선 화살표 연결선 6">
             <a:extLst>
               <a:ext uri="{FF2B5EF4-FFF2-40B4-BE49-F238E27FC236}">
-                <a16:creationId xmlns="" xmlns:a16="http://schemas.microsoft.com/office/drawing/2014/main" id="{3992F012-AF65-4E39-8E9C-577F6F0B7BD2}"/>
+                <a16:creationId xmlns:a16="http://schemas.microsoft.com/office/drawing/2014/main" xmlns="" id="{3992F012-AF65-4E39-8E9C-577F6F0B7BD2}"/>
               </a:ext>
             </a:extLst>
           </p:cNvPr>
@@ -13624,7 +13624,7 @@
           <p:cNvPr id="14" name="TextBox 13">
             <a:extLst>
               <a:ext uri="{FF2B5EF4-FFF2-40B4-BE49-F238E27FC236}">
-                <a16:creationId xmlns="" xmlns:a16="http://schemas.microsoft.com/office/drawing/2014/main" id="{83A2AE63-3C59-4FEB-BBED-3D51275125E3}"/>
+                <a16:creationId xmlns:a16="http://schemas.microsoft.com/office/drawing/2014/main" xmlns="" id="{83A2AE63-3C59-4FEB-BBED-3D51275125E3}"/>
               </a:ext>
             </a:extLst>
           </p:cNvPr>
@@ -13689,7 +13689,7 @@
           <p:cNvPr id="16" name="TextBox 15">
             <a:extLst>
               <a:ext uri="{FF2B5EF4-FFF2-40B4-BE49-F238E27FC236}">
-                <a16:creationId xmlns="" xmlns:a16="http://schemas.microsoft.com/office/drawing/2014/main" id="{B5D51435-1C6A-443A-871F-F312D05722E2}"/>
+                <a16:creationId xmlns:a16="http://schemas.microsoft.com/office/drawing/2014/main" xmlns="" id="{B5D51435-1C6A-443A-871F-F312D05722E2}"/>
               </a:ext>
             </a:extLst>
           </p:cNvPr>
@@ -13754,7 +13754,7 @@
           <p:cNvPr id="19" name="직선 화살표 연결선 18">
             <a:extLst>
               <a:ext uri="{FF2B5EF4-FFF2-40B4-BE49-F238E27FC236}">
-                <a16:creationId xmlns="" xmlns:a16="http://schemas.microsoft.com/office/drawing/2014/main" id="{EC28C33C-129E-4506-9549-3759C91D42BE}"/>
+                <a16:creationId xmlns:a16="http://schemas.microsoft.com/office/drawing/2014/main" xmlns="" id="{EC28C33C-129E-4506-9549-3759C91D42BE}"/>
               </a:ext>
             </a:extLst>
           </p:cNvPr>
@@ -13801,7 +13801,7 @@
           <p:cNvPr id="20" name="TextBox 19">
             <a:extLst>
               <a:ext uri="{FF2B5EF4-FFF2-40B4-BE49-F238E27FC236}">
-                <a16:creationId xmlns="" xmlns:a16="http://schemas.microsoft.com/office/drawing/2014/main" id="{BDD2FA7E-1E88-4F78-ABF6-567824DD1ECE}"/>
+                <a16:creationId xmlns:a16="http://schemas.microsoft.com/office/drawing/2014/main" xmlns="" id="{BDD2FA7E-1E88-4F78-ABF6-567824DD1ECE}"/>
               </a:ext>
             </a:extLst>
           </p:cNvPr>
@@ -13866,7 +13866,7 @@
           <p:cNvPr id="21" name="직선 화살표 연결선 20">
             <a:extLst>
               <a:ext uri="{FF2B5EF4-FFF2-40B4-BE49-F238E27FC236}">
-                <a16:creationId xmlns="" xmlns:a16="http://schemas.microsoft.com/office/drawing/2014/main" id="{75322384-8370-42A2-9AA6-9103C9E005E6}"/>
+                <a16:creationId xmlns:a16="http://schemas.microsoft.com/office/drawing/2014/main" xmlns="" id="{75322384-8370-42A2-9AA6-9103C9E005E6}"/>
               </a:ext>
             </a:extLst>
           </p:cNvPr>
@@ -13913,7 +13913,7 @@
           <p:cNvPr id="23" name="직선 화살표 연결선 22">
             <a:extLst>
               <a:ext uri="{FF2B5EF4-FFF2-40B4-BE49-F238E27FC236}">
-                <a16:creationId xmlns="" xmlns:a16="http://schemas.microsoft.com/office/drawing/2014/main" id="{366CBA92-9226-4C4A-ACDD-433CD65941DE}"/>
+                <a16:creationId xmlns:a16="http://schemas.microsoft.com/office/drawing/2014/main" xmlns="" id="{366CBA92-9226-4C4A-ACDD-433CD65941DE}"/>
               </a:ext>
             </a:extLst>
           </p:cNvPr>
@@ -13960,7 +13960,7 @@
           <p:cNvPr id="25" name="TextBox 24">
             <a:extLst>
               <a:ext uri="{FF2B5EF4-FFF2-40B4-BE49-F238E27FC236}">
-                <a16:creationId xmlns="" xmlns:a16="http://schemas.microsoft.com/office/drawing/2014/main" id="{ED21C0EA-1B65-43C8-AAD0-87268DCF3FD2}"/>
+                <a16:creationId xmlns:a16="http://schemas.microsoft.com/office/drawing/2014/main" xmlns="" id="{ED21C0EA-1B65-43C8-AAD0-87268DCF3FD2}"/>
               </a:ext>
             </a:extLst>
           </p:cNvPr>
@@ -14027,7 +14027,7 @@
           <p:cNvPr id="56" name="직선 화살표 연결선 55">
             <a:extLst>
               <a:ext uri="{FF2B5EF4-FFF2-40B4-BE49-F238E27FC236}">
-                <a16:creationId xmlns="" xmlns:a16="http://schemas.microsoft.com/office/drawing/2014/main" id="{3992F012-AF65-4E39-8E9C-577F6F0B7BD2}"/>
+                <a16:creationId xmlns:a16="http://schemas.microsoft.com/office/drawing/2014/main" xmlns="" id="{3992F012-AF65-4E39-8E9C-577F6F0B7BD2}"/>
               </a:ext>
             </a:extLst>
           </p:cNvPr>
@@ -14074,7 +14074,7 @@
           <p:cNvPr id="61" name="직선 화살표 연결선 60">
             <a:extLst>
               <a:ext uri="{FF2B5EF4-FFF2-40B4-BE49-F238E27FC236}">
-                <a16:creationId xmlns="" xmlns:a16="http://schemas.microsoft.com/office/drawing/2014/main" id="{3992F012-AF65-4E39-8E9C-577F6F0B7BD2}"/>
+                <a16:creationId xmlns:a16="http://schemas.microsoft.com/office/drawing/2014/main" xmlns="" id="{3992F012-AF65-4E39-8E9C-577F6F0B7BD2}"/>
               </a:ext>
             </a:extLst>
           </p:cNvPr>
@@ -14121,7 +14121,7 @@
           <p:cNvPr id="65" name="직선 화살표 연결선 64">
             <a:extLst>
               <a:ext uri="{FF2B5EF4-FFF2-40B4-BE49-F238E27FC236}">
-                <a16:creationId xmlns="" xmlns:a16="http://schemas.microsoft.com/office/drawing/2014/main" id="{3992F012-AF65-4E39-8E9C-577F6F0B7BD2}"/>
+                <a16:creationId xmlns:a16="http://schemas.microsoft.com/office/drawing/2014/main" xmlns="" id="{3992F012-AF65-4E39-8E9C-577F6F0B7BD2}"/>
               </a:ext>
             </a:extLst>
           </p:cNvPr>
@@ -14168,7 +14168,7 @@
           <p:cNvPr id="70" name="직선 화살표 연결선 69">
             <a:extLst>
               <a:ext uri="{FF2B5EF4-FFF2-40B4-BE49-F238E27FC236}">
-                <a16:creationId xmlns="" xmlns:a16="http://schemas.microsoft.com/office/drawing/2014/main" id="{EC28C33C-129E-4506-9549-3759C91D42BE}"/>
+                <a16:creationId xmlns:a16="http://schemas.microsoft.com/office/drawing/2014/main" xmlns="" id="{EC28C33C-129E-4506-9549-3759C91D42BE}"/>
               </a:ext>
             </a:extLst>
           </p:cNvPr>
@@ -14215,7 +14215,7 @@
           <p:cNvPr id="71" name="직선 화살표 연결선 70">
             <a:extLst>
               <a:ext uri="{FF2B5EF4-FFF2-40B4-BE49-F238E27FC236}">
-                <a16:creationId xmlns="" xmlns:a16="http://schemas.microsoft.com/office/drawing/2014/main" id="{EC28C33C-129E-4506-9549-3759C91D42BE}"/>
+                <a16:creationId xmlns:a16="http://schemas.microsoft.com/office/drawing/2014/main" xmlns="" id="{EC28C33C-129E-4506-9549-3759C91D42BE}"/>
               </a:ext>
             </a:extLst>
           </p:cNvPr>
@@ -14262,7 +14262,7 @@
           <p:cNvPr id="72" name="직선 화살표 연결선 71">
             <a:extLst>
               <a:ext uri="{FF2B5EF4-FFF2-40B4-BE49-F238E27FC236}">
-                <a16:creationId xmlns="" xmlns:a16="http://schemas.microsoft.com/office/drawing/2014/main" id="{EC28C33C-129E-4506-9549-3759C91D42BE}"/>
+                <a16:creationId xmlns:a16="http://schemas.microsoft.com/office/drawing/2014/main" xmlns="" id="{EC28C33C-129E-4506-9549-3759C91D42BE}"/>
               </a:ext>
             </a:extLst>
           </p:cNvPr>
@@ -14309,7 +14309,7 @@
           <p:cNvPr id="73" name="TextBox 72">
             <a:extLst>
               <a:ext uri="{FF2B5EF4-FFF2-40B4-BE49-F238E27FC236}">
-                <a16:creationId xmlns="" xmlns:a16="http://schemas.microsoft.com/office/drawing/2014/main" id="{BDD2FA7E-1E88-4F78-ABF6-567824DD1ECE}"/>
+                <a16:creationId xmlns:a16="http://schemas.microsoft.com/office/drawing/2014/main" xmlns="" id="{BDD2FA7E-1E88-4F78-ABF6-567824DD1ECE}"/>
               </a:ext>
             </a:extLst>
           </p:cNvPr>
@@ -14374,7 +14374,7 @@
           <p:cNvPr id="74" name="TextBox 73">
             <a:extLst>
               <a:ext uri="{FF2B5EF4-FFF2-40B4-BE49-F238E27FC236}">
-                <a16:creationId xmlns="" xmlns:a16="http://schemas.microsoft.com/office/drawing/2014/main" id="{BDD2FA7E-1E88-4F78-ABF6-567824DD1ECE}"/>
+                <a16:creationId xmlns:a16="http://schemas.microsoft.com/office/drawing/2014/main" xmlns="" id="{BDD2FA7E-1E88-4F78-ABF6-567824DD1ECE}"/>
               </a:ext>
             </a:extLst>
           </p:cNvPr>
@@ -14455,7 +14455,7 @@
           <p:cNvPr id="75" name="직선 화살표 연결선 74">
             <a:extLst>
               <a:ext uri="{FF2B5EF4-FFF2-40B4-BE49-F238E27FC236}">
-                <a16:creationId xmlns="" xmlns:a16="http://schemas.microsoft.com/office/drawing/2014/main" id="{3F7B84A3-1AD0-4DF7-A6BC-4B5B198A72B9}"/>
+                <a16:creationId xmlns:a16="http://schemas.microsoft.com/office/drawing/2014/main" xmlns="" id="{3F7B84A3-1AD0-4DF7-A6BC-4B5B198A72B9}"/>
               </a:ext>
             </a:extLst>
           </p:cNvPr>
@@ -14502,7 +14502,7 @@
           <p:cNvPr id="77" name="직선 화살표 연결선 76">
             <a:extLst>
               <a:ext uri="{FF2B5EF4-FFF2-40B4-BE49-F238E27FC236}">
-                <a16:creationId xmlns="" xmlns:a16="http://schemas.microsoft.com/office/drawing/2014/main" id="{3992F012-AF65-4E39-8E9C-577F6F0B7BD2}"/>
+                <a16:creationId xmlns:a16="http://schemas.microsoft.com/office/drawing/2014/main" xmlns="" id="{3992F012-AF65-4E39-8E9C-577F6F0B7BD2}"/>
               </a:ext>
             </a:extLst>
           </p:cNvPr>
@@ -14549,7 +14549,7 @@
           <p:cNvPr id="80" name="직선 화살표 연결선 79">
             <a:extLst>
               <a:ext uri="{FF2B5EF4-FFF2-40B4-BE49-F238E27FC236}">
-                <a16:creationId xmlns="" xmlns:a16="http://schemas.microsoft.com/office/drawing/2014/main" id="{EC28C33C-129E-4506-9549-3759C91D42BE}"/>
+                <a16:creationId xmlns:a16="http://schemas.microsoft.com/office/drawing/2014/main" xmlns="" id="{EC28C33C-129E-4506-9549-3759C91D42BE}"/>
               </a:ext>
             </a:extLst>
           </p:cNvPr>
@@ -14596,7 +14596,7 @@
           <p:cNvPr id="81" name="직선 화살표 연결선 80">
             <a:extLst>
               <a:ext uri="{FF2B5EF4-FFF2-40B4-BE49-F238E27FC236}">
-                <a16:creationId xmlns="" xmlns:a16="http://schemas.microsoft.com/office/drawing/2014/main" id="{3992F012-AF65-4E39-8E9C-577F6F0B7BD2}"/>
+                <a16:creationId xmlns:a16="http://schemas.microsoft.com/office/drawing/2014/main" xmlns="" id="{3992F012-AF65-4E39-8E9C-577F6F0B7BD2}"/>
               </a:ext>
             </a:extLst>
           </p:cNvPr>
@@ -14643,7 +14643,7 @@
           <p:cNvPr id="82" name="직선 화살표 연결선 81">
             <a:extLst>
               <a:ext uri="{FF2B5EF4-FFF2-40B4-BE49-F238E27FC236}">
-                <a16:creationId xmlns="" xmlns:a16="http://schemas.microsoft.com/office/drawing/2014/main" id="{EC28C33C-129E-4506-9549-3759C91D42BE}"/>
+                <a16:creationId xmlns:a16="http://schemas.microsoft.com/office/drawing/2014/main" xmlns="" id="{EC28C33C-129E-4506-9549-3759C91D42BE}"/>
               </a:ext>
             </a:extLst>
           </p:cNvPr>
@@ -14690,7 +14690,7 @@
           <p:cNvPr id="83" name="TextBox 82">
             <a:extLst>
               <a:ext uri="{FF2B5EF4-FFF2-40B4-BE49-F238E27FC236}">
-                <a16:creationId xmlns="" xmlns:a16="http://schemas.microsoft.com/office/drawing/2014/main" id="{ED21C0EA-1B65-43C8-AAD0-87268DCF3FD2}"/>
+                <a16:creationId xmlns:a16="http://schemas.microsoft.com/office/drawing/2014/main" xmlns="" id="{ED21C0EA-1B65-43C8-AAD0-87268DCF3FD2}"/>
               </a:ext>
             </a:extLst>
           </p:cNvPr>
@@ -14764,7 +14764,7 @@
           <p:cNvPr id="84" name="TextBox 83">
             <a:extLst>
               <a:ext uri="{FF2B5EF4-FFF2-40B4-BE49-F238E27FC236}">
-                <a16:creationId xmlns="" xmlns:a16="http://schemas.microsoft.com/office/drawing/2014/main" id="{ED21C0EA-1B65-43C8-AAD0-87268DCF3FD2}"/>
+                <a16:creationId xmlns:a16="http://schemas.microsoft.com/office/drawing/2014/main" xmlns="" id="{ED21C0EA-1B65-43C8-AAD0-87268DCF3FD2}"/>
               </a:ext>
             </a:extLst>
           </p:cNvPr>
@@ -14838,7 +14838,7 @@
           <p:cNvPr id="85" name="직선 화살표 연결선 84">
             <a:extLst>
               <a:ext uri="{FF2B5EF4-FFF2-40B4-BE49-F238E27FC236}">
-                <a16:creationId xmlns="" xmlns:a16="http://schemas.microsoft.com/office/drawing/2014/main" id="{3992F012-AF65-4E39-8E9C-577F6F0B7BD2}"/>
+                <a16:creationId xmlns:a16="http://schemas.microsoft.com/office/drawing/2014/main" xmlns="" id="{3992F012-AF65-4E39-8E9C-577F6F0B7BD2}"/>
               </a:ext>
             </a:extLst>
           </p:cNvPr>
@@ -14885,7 +14885,7 @@
           <p:cNvPr id="86" name="TextBox 85">
             <a:extLst>
               <a:ext uri="{FF2B5EF4-FFF2-40B4-BE49-F238E27FC236}">
-                <a16:creationId xmlns="" xmlns:a16="http://schemas.microsoft.com/office/drawing/2014/main" id="{ED21C0EA-1B65-43C8-AAD0-87268DCF3FD2}"/>
+                <a16:creationId xmlns:a16="http://schemas.microsoft.com/office/drawing/2014/main" xmlns="" id="{ED21C0EA-1B65-43C8-AAD0-87268DCF3FD2}"/>
               </a:ext>
             </a:extLst>
           </p:cNvPr>
@@ -14959,7 +14959,7 @@
           <p:cNvPr id="87" name="직선 화살표 연결선 86">
             <a:extLst>
               <a:ext uri="{FF2B5EF4-FFF2-40B4-BE49-F238E27FC236}">
-                <a16:creationId xmlns="" xmlns:a16="http://schemas.microsoft.com/office/drawing/2014/main" id="{3992F012-AF65-4E39-8E9C-577F6F0B7BD2}"/>
+                <a16:creationId xmlns:a16="http://schemas.microsoft.com/office/drawing/2014/main" xmlns="" id="{3992F012-AF65-4E39-8E9C-577F6F0B7BD2}"/>
               </a:ext>
             </a:extLst>
           </p:cNvPr>
@@ -15006,7 +15006,7 @@
           <p:cNvPr id="88" name="TextBox 87">
             <a:extLst>
               <a:ext uri="{FF2B5EF4-FFF2-40B4-BE49-F238E27FC236}">
-                <a16:creationId xmlns="" xmlns:a16="http://schemas.microsoft.com/office/drawing/2014/main" id="{ED21C0EA-1B65-43C8-AAD0-87268DCF3FD2}"/>
+                <a16:creationId xmlns:a16="http://schemas.microsoft.com/office/drawing/2014/main" xmlns="" id="{ED21C0EA-1B65-43C8-AAD0-87268DCF3FD2}"/>
               </a:ext>
             </a:extLst>
           </p:cNvPr>
@@ -15083,7 +15083,7 @@
           <p:cNvPr id="89" name="직선 화살표 연결선 88">
             <a:extLst>
               <a:ext uri="{FF2B5EF4-FFF2-40B4-BE49-F238E27FC236}">
-                <a16:creationId xmlns="" xmlns:a16="http://schemas.microsoft.com/office/drawing/2014/main" id="{EC28C33C-129E-4506-9549-3759C91D42BE}"/>
+                <a16:creationId xmlns:a16="http://schemas.microsoft.com/office/drawing/2014/main" xmlns="" id="{EC28C33C-129E-4506-9549-3759C91D42BE}"/>
               </a:ext>
             </a:extLst>
           </p:cNvPr>
@@ -15130,7 +15130,7 @@
           <p:cNvPr id="90" name="직선 화살표 연결선 89">
             <a:extLst>
               <a:ext uri="{FF2B5EF4-FFF2-40B4-BE49-F238E27FC236}">
-                <a16:creationId xmlns="" xmlns:a16="http://schemas.microsoft.com/office/drawing/2014/main" id="{EC28C33C-129E-4506-9549-3759C91D42BE}"/>
+                <a16:creationId xmlns:a16="http://schemas.microsoft.com/office/drawing/2014/main" xmlns="" id="{EC28C33C-129E-4506-9549-3759C91D42BE}"/>
               </a:ext>
             </a:extLst>
           </p:cNvPr>
@@ -15177,7 +15177,7 @@
           <p:cNvPr id="93" name="직선 화살표 연결선 92">
             <a:extLst>
               <a:ext uri="{FF2B5EF4-FFF2-40B4-BE49-F238E27FC236}">
-                <a16:creationId xmlns="" xmlns:a16="http://schemas.microsoft.com/office/drawing/2014/main" id="{3F7B84A3-1AD0-4DF7-A6BC-4B5B198A72B9}"/>
+                <a16:creationId xmlns:a16="http://schemas.microsoft.com/office/drawing/2014/main" xmlns="" id="{3F7B84A3-1AD0-4DF7-A6BC-4B5B198A72B9}"/>
               </a:ext>
             </a:extLst>
           </p:cNvPr>
@@ -15224,7 +15224,7 @@
           <p:cNvPr id="95" name="직선 화살표 연결선 94">
             <a:extLst>
               <a:ext uri="{FF2B5EF4-FFF2-40B4-BE49-F238E27FC236}">
-                <a16:creationId xmlns="" xmlns:a16="http://schemas.microsoft.com/office/drawing/2014/main" id="{366CBA92-9226-4C4A-ACDD-433CD65941DE}"/>
+                <a16:creationId xmlns:a16="http://schemas.microsoft.com/office/drawing/2014/main" xmlns="" id="{366CBA92-9226-4C4A-ACDD-433CD65941DE}"/>
               </a:ext>
             </a:extLst>
           </p:cNvPr>
@@ -15271,7 +15271,7 @@
           <p:cNvPr id="98" name="직선 화살표 연결선 97">
             <a:extLst>
               <a:ext uri="{FF2B5EF4-FFF2-40B4-BE49-F238E27FC236}">
-                <a16:creationId xmlns="" xmlns:a16="http://schemas.microsoft.com/office/drawing/2014/main" id="{366CBA92-9226-4C4A-ACDD-433CD65941DE}"/>
+                <a16:creationId xmlns:a16="http://schemas.microsoft.com/office/drawing/2014/main" xmlns="" id="{366CBA92-9226-4C4A-ACDD-433CD65941DE}"/>
               </a:ext>
             </a:extLst>
           </p:cNvPr>
@@ -15318,7 +15318,7 @@
           <p:cNvPr id="99" name="직선 화살표 연결선 98">
             <a:extLst>
               <a:ext uri="{FF2B5EF4-FFF2-40B4-BE49-F238E27FC236}">
-                <a16:creationId xmlns="" xmlns:a16="http://schemas.microsoft.com/office/drawing/2014/main" id="{3F7B84A3-1AD0-4DF7-A6BC-4B5B198A72B9}"/>
+                <a16:creationId xmlns:a16="http://schemas.microsoft.com/office/drawing/2014/main" xmlns="" id="{3F7B84A3-1AD0-4DF7-A6BC-4B5B198A72B9}"/>
               </a:ext>
             </a:extLst>
           </p:cNvPr>
@@ -15365,7 +15365,7 @@
           <p:cNvPr id="101" name="직선 화살표 연결선 100">
             <a:extLst>
               <a:ext uri="{FF2B5EF4-FFF2-40B4-BE49-F238E27FC236}">
-                <a16:creationId xmlns="" xmlns:a16="http://schemas.microsoft.com/office/drawing/2014/main" id="{366CBA92-9226-4C4A-ACDD-433CD65941DE}"/>
+                <a16:creationId xmlns:a16="http://schemas.microsoft.com/office/drawing/2014/main" xmlns="" id="{366CBA92-9226-4C4A-ACDD-433CD65941DE}"/>
               </a:ext>
             </a:extLst>
           </p:cNvPr>
@@ -15412,7 +15412,7 @@
           <p:cNvPr id="103" name="직선 화살표 연결선 102">
             <a:extLst>
               <a:ext uri="{FF2B5EF4-FFF2-40B4-BE49-F238E27FC236}">
-                <a16:creationId xmlns="" xmlns:a16="http://schemas.microsoft.com/office/drawing/2014/main" id="{3992F012-AF65-4E39-8E9C-577F6F0B7BD2}"/>
+                <a16:creationId xmlns:a16="http://schemas.microsoft.com/office/drawing/2014/main" xmlns="" id="{3992F012-AF65-4E39-8E9C-577F6F0B7BD2}"/>
               </a:ext>
             </a:extLst>
           </p:cNvPr>
@@ -15459,7 +15459,7 @@
           <p:cNvPr id="104" name="TextBox 103">
             <a:extLst>
               <a:ext uri="{FF2B5EF4-FFF2-40B4-BE49-F238E27FC236}">
-                <a16:creationId xmlns="" xmlns:a16="http://schemas.microsoft.com/office/drawing/2014/main" id="{ED21C0EA-1B65-43C8-AAD0-87268DCF3FD2}"/>
+                <a16:creationId xmlns:a16="http://schemas.microsoft.com/office/drawing/2014/main" xmlns="" id="{ED21C0EA-1B65-43C8-AAD0-87268DCF3FD2}"/>
               </a:ext>
             </a:extLst>
           </p:cNvPr>
@@ -15553,7 +15553,7 @@
           <p:cNvPr id="110" name="직선 화살표 연결선 109">
             <a:extLst>
               <a:ext uri="{FF2B5EF4-FFF2-40B4-BE49-F238E27FC236}">
-                <a16:creationId xmlns="" xmlns:a16="http://schemas.microsoft.com/office/drawing/2014/main" id="{EC28C33C-129E-4506-9549-3759C91D42BE}"/>
+                <a16:creationId xmlns:a16="http://schemas.microsoft.com/office/drawing/2014/main" xmlns="" id="{EC28C33C-129E-4506-9549-3759C91D42BE}"/>
               </a:ext>
             </a:extLst>
           </p:cNvPr>
@@ -15600,7 +15600,7 @@
           <p:cNvPr id="111" name="직선 화살표 연결선 110">
             <a:extLst>
               <a:ext uri="{FF2B5EF4-FFF2-40B4-BE49-F238E27FC236}">
-                <a16:creationId xmlns="" xmlns:a16="http://schemas.microsoft.com/office/drawing/2014/main" id="{EC28C33C-129E-4506-9549-3759C91D42BE}"/>
+                <a16:creationId xmlns:a16="http://schemas.microsoft.com/office/drawing/2014/main" xmlns="" id="{EC28C33C-129E-4506-9549-3759C91D42BE}"/>
               </a:ext>
             </a:extLst>
           </p:cNvPr>
@@ -15647,7 +15647,7 @@
           <p:cNvPr id="112" name="직선 화살표 연결선 111">
             <a:extLst>
               <a:ext uri="{FF2B5EF4-FFF2-40B4-BE49-F238E27FC236}">
-                <a16:creationId xmlns="" xmlns:a16="http://schemas.microsoft.com/office/drawing/2014/main" id="{EC28C33C-129E-4506-9549-3759C91D42BE}"/>
+                <a16:creationId xmlns:a16="http://schemas.microsoft.com/office/drawing/2014/main" xmlns="" id="{EC28C33C-129E-4506-9549-3759C91D42BE}"/>
               </a:ext>
             </a:extLst>
           </p:cNvPr>
@@ -15694,7 +15694,7 @@
           <p:cNvPr id="113" name="직선 화살표 연결선 112">
             <a:extLst>
               <a:ext uri="{FF2B5EF4-FFF2-40B4-BE49-F238E27FC236}">
-                <a16:creationId xmlns="" xmlns:a16="http://schemas.microsoft.com/office/drawing/2014/main" id="{EC28C33C-129E-4506-9549-3759C91D42BE}"/>
+                <a16:creationId xmlns:a16="http://schemas.microsoft.com/office/drawing/2014/main" xmlns="" id="{EC28C33C-129E-4506-9549-3759C91D42BE}"/>
               </a:ext>
             </a:extLst>
           </p:cNvPr>
@@ -15741,7 +15741,7 @@
           <p:cNvPr id="115" name="TextBox 114">
             <a:extLst>
               <a:ext uri="{FF2B5EF4-FFF2-40B4-BE49-F238E27FC236}">
-                <a16:creationId xmlns="" xmlns:a16="http://schemas.microsoft.com/office/drawing/2014/main" id="{BDD2FA7E-1E88-4F78-ABF6-567824DD1ECE}"/>
+                <a16:creationId xmlns:a16="http://schemas.microsoft.com/office/drawing/2014/main" xmlns="" id="{BDD2FA7E-1E88-4F78-ABF6-567824DD1ECE}"/>
               </a:ext>
             </a:extLst>
           </p:cNvPr>
@@ -15798,7 +15798,7 @@
           <p:cNvPr id="116" name="TextBox 115">
             <a:extLst>
               <a:ext uri="{FF2B5EF4-FFF2-40B4-BE49-F238E27FC236}">
-                <a16:creationId xmlns="" xmlns:a16="http://schemas.microsoft.com/office/drawing/2014/main" id="{BDD2FA7E-1E88-4F78-ABF6-567824DD1ECE}"/>
+                <a16:creationId xmlns:a16="http://schemas.microsoft.com/office/drawing/2014/main" xmlns="" id="{BDD2FA7E-1E88-4F78-ABF6-567824DD1ECE}"/>
               </a:ext>
             </a:extLst>
           </p:cNvPr>
@@ -15855,7 +15855,7 @@
           <p:cNvPr id="117" name="TextBox 116">
             <a:extLst>
               <a:ext uri="{FF2B5EF4-FFF2-40B4-BE49-F238E27FC236}">
-                <a16:creationId xmlns="" xmlns:a16="http://schemas.microsoft.com/office/drawing/2014/main" id="{BDD2FA7E-1E88-4F78-ABF6-567824DD1ECE}"/>
+                <a16:creationId xmlns:a16="http://schemas.microsoft.com/office/drawing/2014/main" xmlns="" id="{BDD2FA7E-1E88-4F78-ABF6-567824DD1ECE}"/>
               </a:ext>
             </a:extLst>
           </p:cNvPr>
@@ -15912,7 +15912,7 @@
           <p:cNvPr id="122" name="TextBox 121">
             <a:extLst>
               <a:ext uri="{FF2B5EF4-FFF2-40B4-BE49-F238E27FC236}">
-                <a16:creationId xmlns="" xmlns:a16="http://schemas.microsoft.com/office/drawing/2014/main" id="{BDD2FA7E-1E88-4F78-ABF6-567824DD1ECE}"/>
+                <a16:creationId xmlns:a16="http://schemas.microsoft.com/office/drawing/2014/main" xmlns="" id="{BDD2FA7E-1E88-4F78-ABF6-567824DD1ECE}"/>
               </a:ext>
             </a:extLst>
           </p:cNvPr>
@@ -15969,7 +15969,7 @@
           <p:cNvPr id="123" name="TextBox 122">
             <a:extLst>
               <a:ext uri="{FF2B5EF4-FFF2-40B4-BE49-F238E27FC236}">
-                <a16:creationId xmlns="" xmlns:a16="http://schemas.microsoft.com/office/drawing/2014/main" id="{BDD2FA7E-1E88-4F78-ABF6-567824DD1ECE}"/>
+                <a16:creationId xmlns:a16="http://schemas.microsoft.com/office/drawing/2014/main" xmlns="" id="{BDD2FA7E-1E88-4F78-ABF6-567824DD1ECE}"/>
               </a:ext>
             </a:extLst>
           </p:cNvPr>
@@ -16017,7 +16017,7 @@
           <p:cNvPr id="124" name="직선 화살표 연결선 123">
             <a:extLst>
               <a:ext uri="{FF2B5EF4-FFF2-40B4-BE49-F238E27FC236}">
-                <a16:creationId xmlns="" xmlns:a16="http://schemas.microsoft.com/office/drawing/2014/main" id="{3992F012-AF65-4E39-8E9C-577F6F0B7BD2}"/>
+                <a16:creationId xmlns:a16="http://schemas.microsoft.com/office/drawing/2014/main" xmlns="" id="{3992F012-AF65-4E39-8E9C-577F6F0B7BD2}"/>
               </a:ext>
             </a:extLst>
           </p:cNvPr>
@@ -16064,7 +16064,7 @@
           <p:cNvPr id="126" name="직선 화살표 연결선 125">
             <a:extLst>
               <a:ext uri="{FF2B5EF4-FFF2-40B4-BE49-F238E27FC236}">
-                <a16:creationId xmlns="" xmlns:a16="http://schemas.microsoft.com/office/drawing/2014/main" id="{EC28C33C-129E-4506-9549-3759C91D42BE}"/>
+                <a16:creationId xmlns:a16="http://schemas.microsoft.com/office/drawing/2014/main" xmlns="" id="{EC28C33C-129E-4506-9549-3759C91D42BE}"/>
               </a:ext>
             </a:extLst>
           </p:cNvPr>
@@ -16111,7 +16111,7 @@
           <p:cNvPr id="128" name="직선 화살표 연결선 127">
             <a:extLst>
               <a:ext uri="{FF2B5EF4-FFF2-40B4-BE49-F238E27FC236}">
-                <a16:creationId xmlns="" xmlns:a16="http://schemas.microsoft.com/office/drawing/2014/main" id="{3992F012-AF65-4E39-8E9C-577F6F0B7BD2}"/>
+                <a16:creationId xmlns:a16="http://schemas.microsoft.com/office/drawing/2014/main" xmlns="" id="{3992F012-AF65-4E39-8E9C-577F6F0B7BD2}"/>
               </a:ext>
             </a:extLst>
           </p:cNvPr>
@@ -16158,7 +16158,7 @@
           <p:cNvPr id="129" name="직선 화살표 연결선 128">
             <a:extLst>
               <a:ext uri="{FF2B5EF4-FFF2-40B4-BE49-F238E27FC236}">
-                <a16:creationId xmlns="" xmlns:a16="http://schemas.microsoft.com/office/drawing/2014/main" id="{EC28C33C-129E-4506-9549-3759C91D42BE}"/>
+                <a16:creationId xmlns:a16="http://schemas.microsoft.com/office/drawing/2014/main" xmlns="" id="{EC28C33C-129E-4506-9549-3759C91D42BE}"/>
               </a:ext>
             </a:extLst>
           </p:cNvPr>
@@ -16205,7 +16205,7 @@
           <p:cNvPr id="130" name="직선 화살표 연결선 129">
             <a:extLst>
               <a:ext uri="{FF2B5EF4-FFF2-40B4-BE49-F238E27FC236}">
-                <a16:creationId xmlns="" xmlns:a16="http://schemas.microsoft.com/office/drawing/2014/main" id="{3992F012-AF65-4E39-8E9C-577F6F0B7BD2}"/>
+                <a16:creationId xmlns:a16="http://schemas.microsoft.com/office/drawing/2014/main" xmlns="" id="{3992F012-AF65-4E39-8E9C-577F6F0B7BD2}"/>
               </a:ext>
             </a:extLst>
           </p:cNvPr>
@@ -16252,7 +16252,7 @@
           <p:cNvPr id="131" name="직선 화살표 연결선 130">
             <a:extLst>
               <a:ext uri="{FF2B5EF4-FFF2-40B4-BE49-F238E27FC236}">
-                <a16:creationId xmlns="" xmlns:a16="http://schemas.microsoft.com/office/drawing/2014/main" id="{EC28C33C-129E-4506-9549-3759C91D42BE}"/>
+                <a16:creationId xmlns:a16="http://schemas.microsoft.com/office/drawing/2014/main" xmlns="" id="{EC28C33C-129E-4506-9549-3759C91D42BE}"/>
               </a:ext>
             </a:extLst>
           </p:cNvPr>
@@ -16299,7 +16299,7 @@
           <p:cNvPr id="132" name="직선 화살표 연결선 131">
             <a:extLst>
               <a:ext uri="{FF2B5EF4-FFF2-40B4-BE49-F238E27FC236}">
-                <a16:creationId xmlns="" xmlns:a16="http://schemas.microsoft.com/office/drawing/2014/main" id="{3992F012-AF65-4E39-8E9C-577F6F0B7BD2}"/>
+                <a16:creationId xmlns:a16="http://schemas.microsoft.com/office/drawing/2014/main" xmlns="" id="{3992F012-AF65-4E39-8E9C-577F6F0B7BD2}"/>
               </a:ext>
             </a:extLst>
           </p:cNvPr>
@@ -16346,7 +16346,7 @@
           <p:cNvPr id="133" name="직선 화살표 연결선 132">
             <a:extLst>
               <a:ext uri="{FF2B5EF4-FFF2-40B4-BE49-F238E27FC236}">
-                <a16:creationId xmlns="" xmlns:a16="http://schemas.microsoft.com/office/drawing/2014/main" id="{EC28C33C-129E-4506-9549-3759C91D42BE}"/>
+                <a16:creationId xmlns:a16="http://schemas.microsoft.com/office/drawing/2014/main" xmlns="" id="{EC28C33C-129E-4506-9549-3759C91D42BE}"/>
               </a:ext>
             </a:extLst>
           </p:cNvPr>
@@ -16393,7 +16393,7 @@
           <p:cNvPr id="138" name="TextBox 137">
             <a:extLst>
               <a:ext uri="{FF2B5EF4-FFF2-40B4-BE49-F238E27FC236}">
-                <a16:creationId xmlns="" xmlns:a16="http://schemas.microsoft.com/office/drawing/2014/main" id="{BDD2FA7E-1E88-4F78-ABF6-567824DD1ECE}"/>
+                <a16:creationId xmlns:a16="http://schemas.microsoft.com/office/drawing/2014/main" xmlns="" id="{BDD2FA7E-1E88-4F78-ABF6-567824DD1ECE}"/>
               </a:ext>
             </a:extLst>
           </p:cNvPr>
@@ -16458,7 +16458,7 @@
           <p:cNvPr id="139" name="직선 화살표 연결선 138">
             <a:extLst>
               <a:ext uri="{FF2B5EF4-FFF2-40B4-BE49-F238E27FC236}">
-                <a16:creationId xmlns="" xmlns:a16="http://schemas.microsoft.com/office/drawing/2014/main" id="{3F7B84A3-1AD0-4DF7-A6BC-4B5B198A72B9}"/>
+                <a16:creationId xmlns:a16="http://schemas.microsoft.com/office/drawing/2014/main" xmlns="" id="{3F7B84A3-1AD0-4DF7-A6BC-4B5B198A72B9}"/>
               </a:ext>
             </a:extLst>
           </p:cNvPr>
@@ -16505,7 +16505,7 @@
           <p:cNvPr id="78" name="TextBox 77">
             <a:extLst>
               <a:ext uri="{FF2B5EF4-FFF2-40B4-BE49-F238E27FC236}">
-                <a16:creationId xmlns="" xmlns:a16="http://schemas.microsoft.com/office/drawing/2014/main" id="{83A2AE63-3C59-4FEB-BBED-3D51275125E3}"/>
+                <a16:creationId xmlns:a16="http://schemas.microsoft.com/office/drawing/2014/main" xmlns="" id="{83A2AE63-3C59-4FEB-BBED-3D51275125E3}"/>
               </a:ext>
             </a:extLst>
           </p:cNvPr>
@@ -16570,7 +16570,7 @@
           <p:cNvPr id="79" name="TextBox 78">
             <a:extLst>
               <a:ext uri="{FF2B5EF4-FFF2-40B4-BE49-F238E27FC236}">
-                <a16:creationId xmlns="" xmlns:a16="http://schemas.microsoft.com/office/drawing/2014/main" id="{83A2AE63-3C59-4FEB-BBED-3D51275125E3}"/>
+                <a16:creationId xmlns:a16="http://schemas.microsoft.com/office/drawing/2014/main" xmlns="" id="{83A2AE63-3C59-4FEB-BBED-3D51275125E3}"/>
               </a:ext>
             </a:extLst>
           </p:cNvPr>
@@ -16635,7 +16635,7 @@
           <p:cNvPr id="94" name="TextBox 93">
             <a:extLst>
               <a:ext uri="{FF2B5EF4-FFF2-40B4-BE49-F238E27FC236}">
-                <a16:creationId xmlns="" xmlns:a16="http://schemas.microsoft.com/office/drawing/2014/main" id="{83A2AE63-3C59-4FEB-BBED-3D51275125E3}"/>
+                <a16:creationId xmlns:a16="http://schemas.microsoft.com/office/drawing/2014/main" xmlns="" id="{83A2AE63-3C59-4FEB-BBED-3D51275125E3}"/>
               </a:ext>
             </a:extLst>
           </p:cNvPr>
@@ -16700,7 +16700,7 @@
           <p:cNvPr id="96" name="TextBox 95">
             <a:extLst>
               <a:ext uri="{FF2B5EF4-FFF2-40B4-BE49-F238E27FC236}">
-                <a16:creationId xmlns="" xmlns:a16="http://schemas.microsoft.com/office/drawing/2014/main" id="{83A2AE63-3C59-4FEB-BBED-3D51275125E3}"/>
+                <a16:creationId xmlns:a16="http://schemas.microsoft.com/office/drawing/2014/main" xmlns="" id="{83A2AE63-3C59-4FEB-BBED-3D51275125E3}"/>
               </a:ext>
             </a:extLst>
           </p:cNvPr>
@@ -16765,7 +16765,7 @@
           <p:cNvPr id="97" name="직선 화살표 연결선 96">
             <a:extLst>
               <a:ext uri="{FF2B5EF4-FFF2-40B4-BE49-F238E27FC236}">
-                <a16:creationId xmlns="" xmlns:a16="http://schemas.microsoft.com/office/drawing/2014/main" id="{3992F012-AF65-4E39-8E9C-577F6F0B7BD2}"/>
+                <a16:creationId xmlns:a16="http://schemas.microsoft.com/office/drawing/2014/main" xmlns="" id="{3992F012-AF65-4E39-8E9C-577F6F0B7BD2}"/>
               </a:ext>
             </a:extLst>
           </p:cNvPr>
@@ -16812,7 +16812,7 @@
           <p:cNvPr id="100" name="TextBox 99">
             <a:extLst>
               <a:ext uri="{FF2B5EF4-FFF2-40B4-BE49-F238E27FC236}">
-                <a16:creationId xmlns="" xmlns:a16="http://schemas.microsoft.com/office/drawing/2014/main" id="{ED21C0EA-1B65-43C8-AAD0-87268DCF3FD2}"/>
+                <a16:creationId xmlns:a16="http://schemas.microsoft.com/office/drawing/2014/main" xmlns="" id="{ED21C0EA-1B65-43C8-AAD0-87268DCF3FD2}"/>
               </a:ext>
             </a:extLst>
           </p:cNvPr>
@@ -16886,7 +16886,7 @@
           <p:cNvPr id="102" name="직선 화살표 연결선 101">
             <a:extLst>
               <a:ext uri="{FF2B5EF4-FFF2-40B4-BE49-F238E27FC236}">
-                <a16:creationId xmlns="" xmlns:a16="http://schemas.microsoft.com/office/drawing/2014/main" id="{3992F012-AF65-4E39-8E9C-577F6F0B7BD2}"/>
+                <a16:creationId xmlns:a16="http://schemas.microsoft.com/office/drawing/2014/main" xmlns="" id="{3992F012-AF65-4E39-8E9C-577F6F0B7BD2}"/>
               </a:ext>
             </a:extLst>
           </p:cNvPr>
@@ -16933,7 +16933,7 @@
           <p:cNvPr id="108" name="TextBox 107">
             <a:extLst>
               <a:ext uri="{FF2B5EF4-FFF2-40B4-BE49-F238E27FC236}">
-                <a16:creationId xmlns="" xmlns:a16="http://schemas.microsoft.com/office/drawing/2014/main" id="{ED21C0EA-1B65-43C8-AAD0-87268DCF3FD2}"/>
+                <a16:creationId xmlns:a16="http://schemas.microsoft.com/office/drawing/2014/main" xmlns="" id="{ED21C0EA-1B65-43C8-AAD0-87268DCF3FD2}"/>
               </a:ext>
             </a:extLst>
           </p:cNvPr>
@@ -17007,7 +17007,7 @@
           <p:cNvPr id="109" name="직선 화살표 연결선 108">
             <a:extLst>
               <a:ext uri="{FF2B5EF4-FFF2-40B4-BE49-F238E27FC236}">
-                <a16:creationId xmlns="" xmlns:a16="http://schemas.microsoft.com/office/drawing/2014/main" id="{3992F012-AF65-4E39-8E9C-577F6F0B7BD2}"/>
+                <a16:creationId xmlns:a16="http://schemas.microsoft.com/office/drawing/2014/main" xmlns="" id="{3992F012-AF65-4E39-8E9C-577F6F0B7BD2}"/>
               </a:ext>
             </a:extLst>
           </p:cNvPr>
@@ -17054,7 +17054,7 @@
           <p:cNvPr id="114" name="TextBox 113">
             <a:extLst>
               <a:ext uri="{FF2B5EF4-FFF2-40B4-BE49-F238E27FC236}">
-                <a16:creationId xmlns="" xmlns:a16="http://schemas.microsoft.com/office/drawing/2014/main" id="{ED21C0EA-1B65-43C8-AAD0-87268DCF3FD2}"/>
+                <a16:creationId xmlns:a16="http://schemas.microsoft.com/office/drawing/2014/main" xmlns="" id="{ED21C0EA-1B65-43C8-AAD0-87268DCF3FD2}"/>
               </a:ext>
             </a:extLst>
           </p:cNvPr>
@@ -17128,7 +17128,7 @@
           <p:cNvPr id="125" name="직선 화살표 연결선 124">
             <a:extLst>
               <a:ext uri="{FF2B5EF4-FFF2-40B4-BE49-F238E27FC236}">
-                <a16:creationId xmlns="" xmlns:a16="http://schemas.microsoft.com/office/drawing/2014/main" id="{3992F012-AF65-4E39-8E9C-577F6F0B7BD2}"/>
+                <a16:creationId xmlns:a16="http://schemas.microsoft.com/office/drawing/2014/main" xmlns="" id="{3992F012-AF65-4E39-8E9C-577F6F0B7BD2}"/>
               </a:ext>
             </a:extLst>
           </p:cNvPr>
@@ -17175,7 +17175,7 @@
           <p:cNvPr id="127" name="TextBox 126">
             <a:extLst>
               <a:ext uri="{FF2B5EF4-FFF2-40B4-BE49-F238E27FC236}">
-                <a16:creationId xmlns="" xmlns:a16="http://schemas.microsoft.com/office/drawing/2014/main" id="{ED21C0EA-1B65-43C8-AAD0-87268DCF3FD2}"/>
+                <a16:creationId xmlns:a16="http://schemas.microsoft.com/office/drawing/2014/main" xmlns="" id="{ED21C0EA-1B65-43C8-AAD0-87268DCF3FD2}"/>
               </a:ext>
             </a:extLst>
           </p:cNvPr>
@@ -17249,7 +17249,7 @@
           <p:cNvPr id="140" name="직선 화살표 연결선 139">
             <a:extLst>
               <a:ext uri="{FF2B5EF4-FFF2-40B4-BE49-F238E27FC236}">
-                <a16:creationId xmlns="" xmlns:a16="http://schemas.microsoft.com/office/drawing/2014/main" id="{EC28C33C-129E-4506-9549-3759C91D42BE}"/>
+                <a16:creationId xmlns:a16="http://schemas.microsoft.com/office/drawing/2014/main" xmlns="" id="{EC28C33C-129E-4506-9549-3759C91D42BE}"/>
               </a:ext>
             </a:extLst>
           </p:cNvPr>
@@ -17296,7 +17296,7 @@
           <p:cNvPr id="141" name="직선 화살표 연결선 140">
             <a:extLst>
               <a:ext uri="{FF2B5EF4-FFF2-40B4-BE49-F238E27FC236}">
-                <a16:creationId xmlns="" xmlns:a16="http://schemas.microsoft.com/office/drawing/2014/main" id="{EC28C33C-129E-4506-9549-3759C91D42BE}"/>
+                <a16:creationId xmlns:a16="http://schemas.microsoft.com/office/drawing/2014/main" xmlns="" id="{EC28C33C-129E-4506-9549-3759C91D42BE}"/>
               </a:ext>
             </a:extLst>
           </p:cNvPr>
@@ -17343,7 +17343,7 @@
           <p:cNvPr id="142" name="직선 화살표 연결선 141">
             <a:extLst>
               <a:ext uri="{FF2B5EF4-FFF2-40B4-BE49-F238E27FC236}">
-                <a16:creationId xmlns="" xmlns:a16="http://schemas.microsoft.com/office/drawing/2014/main" id="{EC28C33C-129E-4506-9549-3759C91D42BE}"/>
+                <a16:creationId xmlns:a16="http://schemas.microsoft.com/office/drawing/2014/main" xmlns="" id="{EC28C33C-129E-4506-9549-3759C91D42BE}"/>
               </a:ext>
             </a:extLst>
           </p:cNvPr>
@@ -17390,7 +17390,7 @@
           <p:cNvPr id="143" name="직선 화살표 연결선 142">
             <a:extLst>
               <a:ext uri="{FF2B5EF4-FFF2-40B4-BE49-F238E27FC236}">
-                <a16:creationId xmlns="" xmlns:a16="http://schemas.microsoft.com/office/drawing/2014/main" id="{EC28C33C-129E-4506-9549-3759C91D42BE}"/>
+                <a16:creationId xmlns:a16="http://schemas.microsoft.com/office/drawing/2014/main" xmlns="" id="{EC28C33C-129E-4506-9549-3759C91D42BE}"/>
               </a:ext>
             </a:extLst>
           </p:cNvPr>
@@ -17437,7 +17437,7 @@
           <p:cNvPr id="144" name="직선 화살표 연결선 143">
             <a:extLst>
               <a:ext uri="{FF2B5EF4-FFF2-40B4-BE49-F238E27FC236}">
-                <a16:creationId xmlns="" xmlns:a16="http://schemas.microsoft.com/office/drawing/2014/main" id="{75322384-8370-42A2-9AA6-9103C9E005E6}"/>
+                <a16:creationId xmlns:a16="http://schemas.microsoft.com/office/drawing/2014/main" xmlns="" id="{75322384-8370-42A2-9AA6-9103C9E005E6}"/>
               </a:ext>
             </a:extLst>
           </p:cNvPr>
@@ -17484,7 +17484,7 @@
           <p:cNvPr id="145" name="TextBox 144">
             <a:extLst>
               <a:ext uri="{FF2B5EF4-FFF2-40B4-BE49-F238E27FC236}">
-                <a16:creationId xmlns="" xmlns:a16="http://schemas.microsoft.com/office/drawing/2014/main" id="{BDD2FA7E-1E88-4F78-ABF6-567824DD1ECE}"/>
+                <a16:creationId xmlns:a16="http://schemas.microsoft.com/office/drawing/2014/main" xmlns="" id="{BDD2FA7E-1E88-4F78-ABF6-567824DD1ECE}"/>
               </a:ext>
             </a:extLst>
           </p:cNvPr>
@@ -17557,7 +17557,7 @@
           <p:cNvPr id="146" name="직선 화살표 연결선 145">
             <a:extLst>
               <a:ext uri="{FF2B5EF4-FFF2-40B4-BE49-F238E27FC236}">
-                <a16:creationId xmlns="" xmlns:a16="http://schemas.microsoft.com/office/drawing/2014/main" id="{366CBA92-9226-4C4A-ACDD-433CD65941DE}"/>
+                <a16:creationId xmlns:a16="http://schemas.microsoft.com/office/drawing/2014/main" xmlns="" id="{366CBA92-9226-4C4A-ACDD-433CD65941DE}"/>
               </a:ext>
             </a:extLst>
           </p:cNvPr>
@@ -17604,7 +17604,7 @@
           <p:cNvPr id="147" name="TextBox 146">
             <a:extLst>
               <a:ext uri="{FF2B5EF4-FFF2-40B4-BE49-F238E27FC236}">
-                <a16:creationId xmlns="" xmlns:a16="http://schemas.microsoft.com/office/drawing/2014/main" id="{ED21C0EA-1B65-43C8-AAD0-87268DCF3FD2}"/>
+                <a16:creationId xmlns:a16="http://schemas.microsoft.com/office/drawing/2014/main" xmlns="" id="{ED21C0EA-1B65-43C8-AAD0-87268DCF3FD2}"/>
               </a:ext>
             </a:extLst>
           </p:cNvPr>
@@ -17698,7 +17698,7 @@
           <p:cNvPr id="148" name="직선 화살표 연결선 147">
             <a:extLst>
               <a:ext uri="{FF2B5EF4-FFF2-40B4-BE49-F238E27FC236}">
-                <a16:creationId xmlns="" xmlns:a16="http://schemas.microsoft.com/office/drawing/2014/main" id="{3992F012-AF65-4E39-8E9C-577F6F0B7BD2}"/>
+                <a16:creationId xmlns:a16="http://schemas.microsoft.com/office/drawing/2014/main" xmlns="" id="{3992F012-AF65-4E39-8E9C-577F6F0B7BD2}"/>
               </a:ext>
             </a:extLst>
           </p:cNvPr>
@@ -17745,7 +17745,7 @@
           <p:cNvPr id="149" name="TextBox 148">
             <a:extLst>
               <a:ext uri="{FF2B5EF4-FFF2-40B4-BE49-F238E27FC236}">
-                <a16:creationId xmlns="" xmlns:a16="http://schemas.microsoft.com/office/drawing/2014/main" id="{ED21C0EA-1B65-43C8-AAD0-87268DCF3FD2}"/>
+                <a16:creationId xmlns:a16="http://schemas.microsoft.com/office/drawing/2014/main" xmlns="" id="{ED21C0EA-1B65-43C8-AAD0-87268DCF3FD2}"/>
               </a:ext>
             </a:extLst>
           </p:cNvPr>
@@ -17839,7 +17839,7 @@
           <p:cNvPr id="150" name="직선 화살표 연결선 149">
             <a:extLst>
               <a:ext uri="{FF2B5EF4-FFF2-40B4-BE49-F238E27FC236}">
-                <a16:creationId xmlns="" xmlns:a16="http://schemas.microsoft.com/office/drawing/2014/main" id="{3992F012-AF65-4E39-8E9C-577F6F0B7BD2}"/>
+                <a16:creationId xmlns:a16="http://schemas.microsoft.com/office/drawing/2014/main" xmlns="" id="{3992F012-AF65-4E39-8E9C-577F6F0B7BD2}"/>
               </a:ext>
             </a:extLst>
           </p:cNvPr>
@@ -17886,7 +17886,7 @@
           <p:cNvPr id="151" name="TextBox 150">
             <a:extLst>
               <a:ext uri="{FF2B5EF4-FFF2-40B4-BE49-F238E27FC236}">
-                <a16:creationId xmlns="" xmlns:a16="http://schemas.microsoft.com/office/drawing/2014/main" id="{ED21C0EA-1B65-43C8-AAD0-87268DCF3FD2}"/>
+                <a16:creationId xmlns:a16="http://schemas.microsoft.com/office/drawing/2014/main" xmlns="" id="{ED21C0EA-1B65-43C8-AAD0-87268DCF3FD2}"/>
               </a:ext>
             </a:extLst>
           </p:cNvPr>
@@ -17980,7 +17980,7 @@
           <p:cNvPr id="152" name="직선 화살표 연결선 151">
             <a:extLst>
               <a:ext uri="{FF2B5EF4-FFF2-40B4-BE49-F238E27FC236}">
-                <a16:creationId xmlns="" xmlns:a16="http://schemas.microsoft.com/office/drawing/2014/main" id="{3992F012-AF65-4E39-8E9C-577F6F0B7BD2}"/>
+                <a16:creationId xmlns:a16="http://schemas.microsoft.com/office/drawing/2014/main" xmlns="" id="{3992F012-AF65-4E39-8E9C-577F6F0B7BD2}"/>
               </a:ext>
             </a:extLst>
           </p:cNvPr>
@@ -18027,7 +18027,7 @@
           <p:cNvPr id="153" name="TextBox 152">
             <a:extLst>
               <a:ext uri="{FF2B5EF4-FFF2-40B4-BE49-F238E27FC236}">
-                <a16:creationId xmlns="" xmlns:a16="http://schemas.microsoft.com/office/drawing/2014/main" id="{ED21C0EA-1B65-43C8-AAD0-87268DCF3FD2}"/>
+                <a16:creationId xmlns:a16="http://schemas.microsoft.com/office/drawing/2014/main" xmlns="" id="{ED21C0EA-1B65-43C8-AAD0-87268DCF3FD2}"/>
               </a:ext>
             </a:extLst>
           </p:cNvPr>
@@ -18121,7 +18121,7 @@
           <p:cNvPr id="154" name="직선 화살표 연결선 153">
             <a:extLst>
               <a:ext uri="{FF2B5EF4-FFF2-40B4-BE49-F238E27FC236}">
-                <a16:creationId xmlns="" xmlns:a16="http://schemas.microsoft.com/office/drawing/2014/main" id="{EC28C33C-129E-4506-9549-3759C91D42BE}"/>
+                <a16:creationId xmlns:a16="http://schemas.microsoft.com/office/drawing/2014/main" xmlns="" id="{EC28C33C-129E-4506-9549-3759C91D42BE}"/>
               </a:ext>
             </a:extLst>
           </p:cNvPr>
@@ -18168,7 +18168,7 @@
           <p:cNvPr id="155" name="직선 화살표 연결선 154">
             <a:extLst>
               <a:ext uri="{FF2B5EF4-FFF2-40B4-BE49-F238E27FC236}">
-                <a16:creationId xmlns="" xmlns:a16="http://schemas.microsoft.com/office/drawing/2014/main" id="{EC28C33C-129E-4506-9549-3759C91D42BE}"/>
+                <a16:creationId xmlns:a16="http://schemas.microsoft.com/office/drawing/2014/main" xmlns="" id="{EC28C33C-129E-4506-9549-3759C91D42BE}"/>
               </a:ext>
             </a:extLst>
           </p:cNvPr>
@@ -18215,7 +18215,7 @@
           <p:cNvPr id="156" name="직선 화살표 연결선 155">
             <a:extLst>
               <a:ext uri="{FF2B5EF4-FFF2-40B4-BE49-F238E27FC236}">
-                <a16:creationId xmlns="" xmlns:a16="http://schemas.microsoft.com/office/drawing/2014/main" id="{EC28C33C-129E-4506-9549-3759C91D42BE}"/>
+                <a16:creationId xmlns:a16="http://schemas.microsoft.com/office/drawing/2014/main" xmlns="" id="{EC28C33C-129E-4506-9549-3759C91D42BE}"/>
               </a:ext>
             </a:extLst>
           </p:cNvPr>
@@ -18262,7 +18262,7 @@
           <p:cNvPr id="157" name="직선 화살표 연결선 156">
             <a:extLst>
               <a:ext uri="{FF2B5EF4-FFF2-40B4-BE49-F238E27FC236}">
-                <a16:creationId xmlns="" xmlns:a16="http://schemas.microsoft.com/office/drawing/2014/main" id="{EC28C33C-129E-4506-9549-3759C91D42BE}"/>
+                <a16:creationId xmlns:a16="http://schemas.microsoft.com/office/drawing/2014/main" xmlns="" id="{EC28C33C-129E-4506-9549-3759C91D42BE}"/>
               </a:ext>
             </a:extLst>
           </p:cNvPr>
@@ -18309,7 +18309,7 @@
           <p:cNvPr id="158" name="TextBox 157">
             <a:extLst>
               <a:ext uri="{FF2B5EF4-FFF2-40B4-BE49-F238E27FC236}">
-                <a16:creationId xmlns="" xmlns:a16="http://schemas.microsoft.com/office/drawing/2014/main" id="{BDD2FA7E-1E88-4F78-ABF6-567824DD1ECE}"/>
+                <a16:creationId xmlns:a16="http://schemas.microsoft.com/office/drawing/2014/main" xmlns="" id="{BDD2FA7E-1E88-4F78-ABF6-567824DD1ECE}"/>
               </a:ext>
             </a:extLst>
           </p:cNvPr>
@@ -18357,7 +18357,7 @@
           <p:cNvPr id="159" name="TextBox 158">
             <a:extLst>
               <a:ext uri="{FF2B5EF4-FFF2-40B4-BE49-F238E27FC236}">
-                <a16:creationId xmlns="" xmlns:a16="http://schemas.microsoft.com/office/drawing/2014/main" id="{BDD2FA7E-1E88-4F78-ABF6-567824DD1ECE}"/>
+                <a16:creationId xmlns:a16="http://schemas.microsoft.com/office/drawing/2014/main" xmlns="" id="{BDD2FA7E-1E88-4F78-ABF6-567824DD1ECE}"/>
               </a:ext>
             </a:extLst>
           </p:cNvPr>
@@ -18405,7 +18405,7 @@
           <p:cNvPr id="160" name="직선 화살표 연결선 159">
             <a:extLst>
               <a:ext uri="{FF2B5EF4-FFF2-40B4-BE49-F238E27FC236}">
-                <a16:creationId xmlns="" xmlns:a16="http://schemas.microsoft.com/office/drawing/2014/main" id="{3F7B84A3-1AD0-4DF7-A6BC-4B5B198A72B9}"/>
+                <a16:creationId xmlns:a16="http://schemas.microsoft.com/office/drawing/2014/main" xmlns="" id="{3F7B84A3-1AD0-4DF7-A6BC-4B5B198A72B9}"/>
               </a:ext>
             </a:extLst>
           </p:cNvPr>
@@ -18452,7 +18452,7 @@
           <p:cNvPr id="161" name="TextBox 160">
             <a:extLst>
               <a:ext uri="{FF2B5EF4-FFF2-40B4-BE49-F238E27FC236}">
-                <a16:creationId xmlns="" xmlns:a16="http://schemas.microsoft.com/office/drawing/2014/main" id="{ED21C0EA-1B65-43C8-AAD0-87268DCF3FD2}"/>
+                <a16:creationId xmlns:a16="http://schemas.microsoft.com/office/drawing/2014/main" xmlns="" id="{ED21C0EA-1B65-43C8-AAD0-87268DCF3FD2}"/>
               </a:ext>
             </a:extLst>
           </p:cNvPr>
@@ -18519,7 +18519,7 @@
           <p:cNvPr id="162" name="TextBox 161">
             <a:extLst>
               <a:ext uri="{FF2B5EF4-FFF2-40B4-BE49-F238E27FC236}">
-                <a16:creationId xmlns="" xmlns:a16="http://schemas.microsoft.com/office/drawing/2014/main" id="{ED21C0EA-1B65-43C8-AAD0-87268DCF3FD2}"/>
+                <a16:creationId xmlns:a16="http://schemas.microsoft.com/office/drawing/2014/main" xmlns="" id="{ED21C0EA-1B65-43C8-AAD0-87268DCF3FD2}"/>
               </a:ext>
             </a:extLst>
           </p:cNvPr>
@@ -18586,7 +18586,7 @@
           <p:cNvPr id="165" name="TextBox 164">
             <a:extLst>
               <a:ext uri="{FF2B5EF4-FFF2-40B4-BE49-F238E27FC236}">
-                <a16:creationId xmlns="" xmlns:a16="http://schemas.microsoft.com/office/drawing/2014/main" id="{ED21C0EA-1B65-43C8-AAD0-87268DCF3FD2}"/>
+                <a16:creationId xmlns:a16="http://schemas.microsoft.com/office/drawing/2014/main" xmlns="" id="{ED21C0EA-1B65-43C8-AAD0-87268DCF3FD2}"/>
               </a:ext>
             </a:extLst>
           </p:cNvPr>
@@ -18653,7 +18653,7 @@
           <p:cNvPr id="166" name="TextBox 165">
             <a:extLst>
               <a:ext uri="{FF2B5EF4-FFF2-40B4-BE49-F238E27FC236}">
-                <a16:creationId xmlns="" xmlns:a16="http://schemas.microsoft.com/office/drawing/2014/main" id="{ED21C0EA-1B65-43C8-AAD0-87268DCF3FD2}"/>
+                <a16:creationId xmlns:a16="http://schemas.microsoft.com/office/drawing/2014/main" xmlns="" id="{ED21C0EA-1B65-43C8-AAD0-87268DCF3FD2}"/>
               </a:ext>
             </a:extLst>
           </p:cNvPr>
@@ -18720,7 +18720,7 @@
           <p:cNvPr id="167" name="TextBox 166">
             <a:extLst>
               <a:ext uri="{FF2B5EF4-FFF2-40B4-BE49-F238E27FC236}">
-                <a16:creationId xmlns="" xmlns:a16="http://schemas.microsoft.com/office/drawing/2014/main" id="{ED21C0EA-1B65-43C8-AAD0-87268DCF3FD2}"/>
+                <a16:creationId xmlns:a16="http://schemas.microsoft.com/office/drawing/2014/main" xmlns="" id="{ED21C0EA-1B65-43C8-AAD0-87268DCF3FD2}"/>
               </a:ext>
             </a:extLst>
           </p:cNvPr>
@@ -18787,7 +18787,7 @@
           <p:cNvPr id="168" name="직선 화살표 연결선 167">
             <a:extLst>
               <a:ext uri="{FF2B5EF4-FFF2-40B4-BE49-F238E27FC236}">
-                <a16:creationId xmlns="" xmlns:a16="http://schemas.microsoft.com/office/drawing/2014/main" id="{EC28C33C-129E-4506-9549-3759C91D42BE}"/>
+                <a16:creationId xmlns:a16="http://schemas.microsoft.com/office/drawing/2014/main" xmlns="" id="{EC28C33C-129E-4506-9549-3759C91D42BE}"/>
               </a:ext>
             </a:extLst>
           </p:cNvPr>
@@ -18834,7 +18834,7 @@
           <p:cNvPr id="169" name="TextBox 168">
             <a:extLst>
               <a:ext uri="{FF2B5EF4-FFF2-40B4-BE49-F238E27FC236}">
-                <a16:creationId xmlns="" xmlns:a16="http://schemas.microsoft.com/office/drawing/2014/main" id="{BDD2FA7E-1E88-4F78-ABF6-567824DD1ECE}"/>
+                <a16:creationId xmlns:a16="http://schemas.microsoft.com/office/drawing/2014/main" xmlns="" id="{BDD2FA7E-1E88-4F78-ABF6-567824DD1ECE}"/>
               </a:ext>
             </a:extLst>
           </p:cNvPr>
@@ -18899,7 +18899,7 @@
           <p:cNvPr id="170" name="직선 화살표 연결선 169">
             <a:extLst>
               <a:ext uri="{FF2B5EF4-FFF2-40B4-BE49-F238E27FC236}">
-                <a16:creationId xmlns="" xmlns:a16="http://schemas.microsoft.com/office/drawing/2014/main" id="{3F7B84A3-1AD0-4DF7-A6BC-4B5B198A72B9}"/>
+                <a16:creationId xmlns:a16="http://schemas.microsoft.com/office/drawing/2014/main" xmlns="" id="{3F7B84A3-1AD0-4DF7-A6BC-4B5B198A72B9}"/>
               </a:ext>
             </a:extLst>
           </p:cNvPr>
@@ -18976,7 +18976,7 @@
           <p:cNvPr id="4" name="표 4">
             <a:extLst>
               <a:ext uri="{FF2B5EF4-FFF2-40B4-BE49-F238E27FC236}">
-                <a16:creationId xmlns="" xmlns:a16="http://schemas.microsoft.com/office/drawing/2014/main" id="{B305719E-D3E5-4E7E-B17F-23D2B8F0881C}"/>
+                <a16:creationId xmlns:a16="http://schemas.microsoft.com/office/drawing/2014/main" xmlns="" id="{B305719E-D3E5-4E7E-B17F-23D2B8F0881C}"/>
               </a:ext>
             </a:extLst>
           </p:cNvPr>
@@ -19005,21 +19005,21 @@
                 <a:gridCol w="2033729">
                   <a:extLst>
                     <a:ext uri="{9D8B030D-6E8A-4147-A177-3AD203B41FA5}">
-                      <a16:colId xmlns="" xmlns:a16="http://schemas.microsoft.com/office/drawing/2014/main" val="3571064474"/>
+                      <a16:colId xmlns:a16="http://schemas.microsoft.com/office/drawing/2014/main" xmlns="" val="3571064474"/>
                     </a:ext>
                   </a:extLst>
                 </a:gridCol>
                 <a:gridCol w="1557196">
                   <a:extLst>
                     <a:ext uri="{9D8B030D-6E8A-4147-A177-3AD203B41FA5}">
-                      <a16:colId xmlns="" xmlns:a16="http://schemas.microsoft.com/office/drawing/2014/main" val="4257211528"/>
+                      <a16:colId xmlns:a16="http://schemas.microsoft.com/office/drawing/2014/main" xmlns="" val="4257211528"/>
                     </a:ext>
                   </a:extLst>
                 </a:gridCol>
                 <a:gridCol w="1665838">
                   <a:extLst>
                     <a:ext uri="{9D8B030D-6E8A-4147-A177-3AD203B41FA5}">
-                      <a16:colId xmlns="" xmlns:a16="http://schemas.microsoft.com/office/drawing/2014/main" val="3023545236"/>
+                      <a16:colId xmlns:a16="http://schemas.microsoft.com/office/drawing/2014/main" xmlns="" val="3023545236"/>
                     </a:ext>
                   </a:extLst>
                 </a:gridCol>
@@ -19027,21 +19027,21 @@
                 <a:gridCol w="1738265">
                   <a:extLst>
                     <a:ext uri="{9D8B030D-6E8A-4147-A177-3AD203B41FA5}">
-                      <a16:colId xmlns="" xmlns:a16="http://schemas.microsoft.com/office/drawing/2014/main" val="2920563116"/>
+                      <a16:colId xmlns:a16="http://schemas.microsoft.com/office/drawing/2014/main" xmlns="" val="2920563116"/>
                     </a:ext>
                   </a:extLst>
                 </a:gridCol>
                 <a:gridCol w="1720158">
                   <a:extLst>
                     <a:ext uri="{9D8B030D-6E8A-4147-A177-3AD203B41FA5}">
-                      <a16:colId xmlns="" xmlns:a16="http://schemas.microsoft.com/office/drawing/2014/main" val="3475859244"/>
+                      <a16:colId xmlns:a16="http://schemas.microsoft.com/office/drawing/2014/main" xmlns="" val="3475859244"/>
                     </a:ext>
                   </a:extLst>
                 </a:gridCol>
                 <a:gridCol w="1602273">
                   <a:extLst>
                     <a:ext uri="{9D8B030D-6E8A-4147-A177-3AD203B41FA5}">
-                      <a16:colId xmlns="" xmlns:a16="http://schemas.microsoft.com/office/drawing/2014/main" val="3472189352"/>
+                      <a16:colId xmlns:a16="http://schemas.microsoft.com/office/drawing/2014/main" xmlns="" val="3472189352"/>
                     </a:ext>
                   </a:extLst>
                 </a:gridCol>
@@ -19604,7 +19604,7 @@
                 </a:tc>
                 <a:extLst>
                   <a:ext uri="{0D108BD9-81ED-4DB2-BD59-A6C34878D82A}">
-                    <a16:rowId xmlns="" xmlns:a16="http://schemas.microsoft.com/office/drawing/2014/main" val="243423754"/>
+                    <a16:rowId xmlns:a16="http://schemas.microsoft.com/office/drawing/2014/main" xmlns="" val="243423754"/>
                   </a:ext>
                 </a:extLst>
               </a:tr>
@@ -20937,7 +20937,7 @@
                 </a:tc>
                 <a:extLst>
                   <a:ext uri="{0D108BD9-81ED-4DB2-BD59-A6C34878D82A}">
-                    <a16:rowId xmlns="" xmlns:a16="http://schemas.microsoft.com/office/drawing/2014/main" val="3134473238"/>
+                    <a16:rowId xmlns:a16="http://schemas.microsoft.com/office/drawing/2014/main" xmlns="" val="3134473238"/>
                   </a:ext>
                 </a:extLst>
               </a:tr>
@@ -20950,7 +20950,7 @@
           <p:cNvPr id="6" name="직선 화살표 연결선 5">
             <a:extLst>
               <a:ext uri="{FF2B5EF4-FFF2-40B4-BE49-F238E27FC236}">
-                <a16:creationId xmlns="" xmlns:a16="http://schemas.microsoft.com/office/drawing/2014/main" id="{3F7B84A3-1AD0-4DF7-A6BC-4B5B198A72B9}"/>
+                <a16:creationId xmlns:a16="http://schemas.microsoft.com/office/drawing/2014/main" xmlns="" id="{3F7B84A3-1AD0-4DF7-A6BC-4B5B198A72B9}"/>
               </a:ext>
             </a:extLst>
           </p:cNvPr>
@@ -20997,7 +20997,7 @@
           <p:cNvPr id="21" name="직선 화살표 연결선 20">
             <a:extLst>
               <a:ext uri="{FF2B5EF4-FFF2-40B4-BE49-F238E27FC236}">
-                <a16:creationId xmlns="" xmlns:a16="http://schemas.microsoft.com/office/drawing/2014/main" id="{75322384-8370-42A2-9AA6-9103C9E005E6}"/>
+                <a16:creationId xmlns:a16="http://schemas.microsoft.com/office/drawing/2014/main" xmlns="" id="{75322384-8370-42A2-9AA6-9103C9E005E6}"/>
               </a:ext>
             </a:extLst>
           </p:cNvPr>
@@ -21044,7 +21044,7 @@
           <p:cNvPr id="23" name="직선 화살표 연결선 22">
             <a:extLst>
               <a:ext uri="{FF2B5EF4-FFF2-40B4-BE49-F238E27FC236}">
-                <a16:creationId xmlns="" xmlns:a16="http://schemas.microsoft.com/office/drawing/2014/main" id="{366CBA92-9226-4C4A-ACDD-433CD65941DE}"/>
+                <a16:creationId xmlns:a16="http://schemas.microsoft.com/office/drawing/2014/main" xmlns="" id="{366CBA92-9226-4C4A-ACDD-433CD65941DE}"/>
               </a:ext>
             </a:extLst>
           </p:cNvPr>
@@ -21091,7 +21091,7 @@
           <p:cNvPr id="25" name="TextBox 24">
             <a:extLst>
               <a:ext uri="{FF2B5EF4-FFF2-40B4-BE49-F238E27FC236}">
-                <a16:creationId xmlns="" xmlns:a16="http://schemas.microsoft.com/office/drawing/2014/main" id="{ED21C0EA-1B65-43C8-AAD0-87268DCF3FD2}"/>
+                <a16:creationId xmlns:a16="http://schemas.microsoft.com/office/drawing/2014/main" xmlns="" id="{ED21C0EA-1B65-43C8-AAD0-87268DCF3FD2}"/>
               </a:ext>
             </a:extLst>
           </p:cNvPr>
@@ -21178,7 +21178,7 @@
           <p:cNvPr id="75" name="직선 화살표 연결선 74">
             <a:extLst>
               <a:ext uri="{FF2B5EF4-FFF2-40B4-BE49-F238E27FC236}">
-                <a16:creationId xmlns="" xmlns:a16="http://schemas.microsoft.com/office/drawing/2014/main" id="{3F7B84A3-1AD0-4DF7-A6BC-4B5B198A72B9}"/>
+                <a16:creationId xmlns:a16="http://schemas.microsoft.com/office/drawing/2014/main" xmlns="" id="{3F7B84A3-1AD0-4DF7-A6BC-4B5B198A72B9}"/>
               </a:ext>
             </a:extLst>
           </p:cNvPr>
@@ -21225,7 +21225,7 @@
           <p:cNvPr id="77" name="직선 화살표 연결선 76">
             <a:extLst>
               <a:ext uri="{FF2B5EF4-FFF2-40B4-BE49-F238E27FC236}">
-                <a16:creationId xmlns="" xmlns:a16="http://schemas.microsoft.com/office/drawing/2014/main" id="{3992F012-AF65-4E39-8E9C-577F6F0B7BD2}"/>
+                <a16:creationId xmlns:a16="http://schemas.microsoft.com/office/drawing/2014/main" xmlns="" id="{3992F012-AF65-4E39-8E9C-577F6F0B7BD2}"/>
               </a:ext>
             </a:extLst>
           </p:cNvPr>
@@ -21272,7 +21272,7 @@
           <p:cNvPr id="80" name="직선 화살표 연결선 79">
             <a:extLst>
               <a:ext uri="{FF2B5EF4-FFF2-40B4-BE49-F238E27FC236}">
-                <a16:creationId xmlns="" xmlns:a16="http://schemas.microsoft.com/office/drawing/2014/main" id="{EC28C33C-129E-4506-9549-3759C91D42BE}"/>
+                <a16:creationId xmlns:a16="http://schemas.microsoft.com/office/drawing/2014/main" xmlns="" id="{EC28C33C-129E-4506-9549-3759C91D42BE}"/>
               </a:ext>
             </a:extLst>
           </p:cNvPr>
@@ -21319,7 +21319,7 @@
           <p:cNvPr id="81" name="직선 화살표 연결선 80">
             <a:extLst>
               <a:ext uri="{FF2B5EF4-FFF2-40B4-BE49-F238E27FC236}">
-                <a16:creationId xmlns="" xmlns:a16="http://schemas.microsoft.com/office/drawing/2014/main" id="{3992F012-AF65-4E39-8E9C-577F6F0B7BD2}"/>
+                <a16:creationId xmlns:a16="http://schemas.microsoft.com/office/drawing/2014/main" xmlns="" id="{3992F012-AF65-4E39-8E9C-577F6F0B7BD2}"/>
               </a:ext>
             </a:extLst>
           </p:cNvPr>
@@ -21366,7 +21366,7 @@
           <p:cNvPr id="82" name="직선 화살표 연결선 81">
             <a:extLst>
               <a:ext uri="{FF2B5EF4-FFF2-40B4-BE49-F238E27FC236}">
-                <a16:creationId xmlns="" xmlns:a16="http://schemas.microsoft.com/office/drawing/2014/main" id="{EC28C33C-129E-4506-9549-3759C91D42BE}"/>
+                <a16:creationId xmlns:a16="http://schemas.microsoft.com/office/drawing/2014/main" xmlns="" id="{EC28C33C-129E-4506-9549-3759C91D42BE}"/>
               </a:ext>
             </a:extLst>
           </p:cNvPr>
@@ -21413,7 +21413,7 @@
           <p:cNvPr id="85" name="직선 화살표 연결선 84">
             <a:extLst>
               <a:ext uri="{FF2B5EF4-FFF2-40B4-BE49-F238E27FC236}">
-                <a16:creationId xmlns="" xmlns:a16="http://schemas.microsoft.com/office/drawing/2014/main" id="{3992F012-AF65-4E39-8E9C-577F6F0B7BD2}"/>
+                <a16:creationId xmlns:a16="http://schemas.microsoft.com/office/drawing/2014/main" xmlns="" id="{3992F012-AF65-4E39-8E9C-577F6F0B7BD2}"/>
               </a:ext>
             </a:extLst>
           </p:cNvPr>
@@ -21460,7 +21460,7 @@
           <p:cNvPr id="87" name="직선 화살표 연결선 86">
             <a:extLst>
               <a:ext uri="{FF2B5EF4-FFF2-40B4-BE49-F238E27FC236}">
-                <a16:creationId xmlns="" xmlns:a16="http://schemas.microsoft.com/office/drawing/2014/main" id="{3992F012-AF65-4E39-8E9C-577F6F0B7BD2}"/>
+                <a16:creationId xmlns:a16="http://schemas.microsoft.com/office/drawing/2014/main" xmlns="" id="{3992F012-AF65-4E39-8E9C-577F6F0B7BD2}"/>
               </a:ext>
             </a:extLst>
           </p:cNvPr>
@@ -21507,7 +21507,7 @@
           <p:cNvPr id="89" name="직선 화살표 연결선 88">
             <a:extLst>
               <a:ext uri="{FF2B5EF4-FFF2-40B4-BE49-F238E27FC236}">
-                <a16:creationId xmlns="" xmlns:a16="http://schemas.microsoft.com/office/drawing/2014/main" id="{EC28C33C-129E-4506-9549-3759C91D42BE}"/>
+                <a16:creationId xmlns:a16="http://schemas.microsoft.com/office/drawing/2014/main" xmlns="" id="{EC28C33C-129E-4506-9549-3759C91D42BE}"/>
               </a:ext>
             </a:extLst>
           </p:cNvPr>
@@ -21554,7 +21554,7 @@
           <p:cNvPr id="90" name="직선 화살표 연결선 89">
             <a:extLst>
               <a:ext uri="{FF2B5EF4-FFF2-40B4-BE49-F238E27FC236}">
-                <a16:creationId xmlns="" xmlns:a16="http://schemas.microsoft.com/office/drawing/2014/main" id="{EC28C33C-129E-4506-9549-3759C91D42BE}"/>
+                <a16:creationId xmlns:a16="http://schemas.microsoft.com/office/drawing/2014/main" xmlns="" id="{EC28C33C-129E-4506-9549-3759C91D42BE}"/>
               </a:ext>
             </a:extLst>
           </p:cNvPr>
@@ -21601,7 +21601,7 @@
           <p:cNvPr id="146" name="직선 화살표 연결선 145">
             <a:extLst>
               <a:ext uri="{FF2B5EF4-FFF2-40B4-BE49-F238E27FC236}">
-                <a16:creationId xmlns="" xmlns:a16="http://schemas.microsoft.com/office/drawing/2014/main" id="{366CBA92-9226-4C4A-ACDD-433CD65941DE}"/>
+                <a16:creationId xmlns:a16="http://schemas.microsoft.com/office/drawing/2014/main" xmlns="" id="{366CBA92-9226-4C4A-ACDD-433CD65941DE}"/>
               </a:ext>
             </a:extLst>
           </p:cNvPr>
@@ -21648,7 +21648,7 @@
           <p:cNvPr id="158" name="TextBox 157">
             <a:extLst>
               <a:ext uri="{FF2B5EF4-FFF2-40B4-BE49-F238E27FC236}">
-                <a16:creationId xmlns="" xmlns:a16="http://schemas.microsoft.com/office/drawing/2014/main" id="{BDD2FA7E-1E88-4F78-ABF6-567824DD1ECE}"/>
+                <a16:creationId xmlns:a16="http://schemas.microsoft.com/office/drawing/2014/main" xmlns="" id="{BDD2FA7E-1E88-4F78-ABF6-567824DD1ECE}"/>
               </a:ext>
             </a:extLst>
           </p:cNvPr>
@@ -21696,7 +21696,7 @@
           <p:cNvPr id="105" name="TextBox 104">
             <a:extLst>
               <a:ext uri="{FF2B5EF4-FFF2-40B4-BE49-F238E27FC236}">
-                <a16:creationId xmlns="" xmlns:a16="http://schemas.microsoft.com/office/drawing/2014/main" id="{BDD2FA7E-1E88-4F78-ABF6-567824DD1ECE}"/>
+                <a16:creationId xmlns:a16="http://schemas.microsoft.com/office/drawing/2014/main" xmlns="" id="{BDD2FA7E-1E88-4F78-ABF6-567824DD1ECE}"/>
               </a:ext>
             </a:extLst>
           </p:cNvPr>
@@ -21744,7 +21744,7 @@
           <p:cNvPr id="106" name="TextBox 105">
             <a:extLst>
               <a:ext uri="{FF2B5EF4-FFF2-40B4-BE49-F238E27FC236}">
-                <a16:creationId xmlns="" xmlns:a16="http://schemas.microsoft.com/office/drawing/2014/main" id="{ED21C0EA-1B65-43C8-AAD0-87268DCF3FD2}"/>
+                <a16:creationId xmlns:a16="http://schemas.microsoft.com/office/drawing/2014/main" xmlns="" id="{ED21C0EA-1B65-43C8-AAD0-87268DCF3FD2}"/>
               </a:ext>
             </a:extLst>
           </p:cNvPr>
@@ -21831,7 +21831,7 @@
           <p:cNvPr id="107" name="TextBox 106">
             <a:extLst>
               <a:ext uri="{FF2B5EF4-FFF2-40B4-BE49-F238E27FC236}">
-                <a16:creationId xmlns="" xmlns:a16="http://schemas.microsoft.com/office/drawing/2014/main" id="{ED21C0EA-1B65-43C8-AAD0-87268DCF3FD2}"/>
+                <a16:creationId xmlns:a16="http://schemas.microsoft.com/office/drawing/2014/main" xmlns="" id="{ED21C0EA-1B65-43C8-AAD0-87268DCF3FD2}"/>
               </a:ext>
             </a:extLst>
           </p:cNvPr>
@@ -21918,7 +21918,7 @@
           <p:cNvPr id="118" name="TextBox 117">
             <a:extLst>
               <a:ext uri="{FF2B5EF4-FFF2-40B4-BE49-F238E27FC236}">
-                <a16:creationId xmlns="" xmlns:a16="http://schemas.microsoft.com/office/drawing/2014/main" id="{ED21C0EA-1B65-43C8-AAD0-87268DCF3FD2}"/>
+                <a16:creationId xmlns:a16="http://schemas.microsoft.com/office/drawing/2014/main" xmlns="" id="{ED21C0EA-1B65-43C8-AAD0-87268DCF3FD2}"/>
               </a:ext>
             </a:extLst>
           </p:cNvPr>
@@ -22005,7 +22005,7 @@
           <p:cNvPr id="119" name="TextBox 118">
             <a:extLst>
               <a:ext uri="{FF2B5EF4-FFF2-40B4-BE49-F238E27FC236}">
-                <a16:creationId xmlns="" xmlns:a16="http://schemas.microsoft.com/office/drawing/2014/main" id="{ED21C0EA-1B65-43C8-AAD0-87268DCF3FD2}"/>
+                <a16:creationId xmlns:a16="http://schemas.microsoft.com/office/drawing/2014/main" xmlns="" id="{ED21C0EA-1B65-43C8-AAD0-87268DCF3FD2}"/>
               </a:ext>
             </a:extLst>
           </p:cNvPr>
@@ -22092,7 +22092,7 @@
           <p:cNvPr id="120" name="TextBox 119">
             <a:extLst>
               <a:ext uri="{FF2B5EF4-FFF2-40B4-BE49-F238E27FC236}">
-                <a16:creationId xmlns="" xmlns:a16="http://schemas.microsoft.com/office/drawing/2014/main" id="{BDD2FA7E-1E88-4F78-ABF6-567824DD1ECE}"/>
+                <a16:creationId xmlns:a16="http://schemas.microsoft.com/office/drawing/2014/main" xmlns="" id="{BDD2FA7E-1E88-4F78-ABF6-567824DD1ECE}"/>
               </a:ext>
             </a:extLst>
           </p:cNvPr>
@@ -22157,7 +22157,7 @@
           <p:cNvPr id="121" name="직선 화살표 연결선 120">
             <a:extLst>
               <a:ext uri="{FF2B5EF4-FFF2-40B4-BE49-F238E27FC236}">
-                <a16:creationId xmlns="" xmlns:a16="http://schemas.microsoft.com/office/drawing/2014/main" id="{3F7B84A3-1AD0-4DF7-A6BC-4B5B198A72B9}"/>
+                <a16:creationId xmlns:a16="http://schemas.microsoft.com/office/drawing/2014/main" xmlns="" id="{3F7B84A3-1AD0-4DF7-A6BC-4B5B198A72B9}"/>
               </a:ext>
             </a:extLst>
           </p:cNvPr>
@@ -22234,7 +22234,7 @@
           <p:cNvPr id="4" name="표 4">
             <a:extLst>
               <a:ext uri="{FF2B5EF4-FFF2-40B4-BE49-F238E27FC236}">
-                <a16:creationId xmlns="" xmlns:a16="http://schemas.microsoft.com/office/drawing/2014/main" id="{B305719E-D3E5-4E7E-B17F-23D2B8F0881C}"/>
+                <a16:creationId xmlns:a16="http://schemas.microsoft.com/office/drawing/2014/main" xmlns="" id="{B305719E-D3E5-4E7E-B17F-23D2B8F0881C}"/>
               </a:ext>
             </a:extLst>
           </p:cNvPr>
@@ -22244,7 +22244,7 @@
           <p:nvPr>
             <p:extLst>
               <p:ext uri="{D42A27DB-BD31-4B8C-83A1-F6EECF244321}">
-                <p14:modId xmlns:p14="http://schemas.microsoft.com/office/powerpoint/2010/main" val="1846327644"/>
+                <p14:modId xmlns:p14="http://schemas.microsoft.com/office/powerpoint/2010/main" val="4130848564"/>
               </p:ext>
             </p:extLst>
           </p:nvPr>
@@ -22263,21 +22263,21 @@
                 <a:gridCol w="2033729">
                   <a:extLst>
                     <a:ext uri="{9D8B030D-6E8A-4147-A177-3AD203B41FA5}">
-                      <a16:colId xmlns="" xmlns:a16="http://schemas.microsoft.com/office/drawing/2014/main" val="3571064474"/>
+                      <a16:colId xmlns:a16="http://schemas.microsoft.com/office/drawing/2014/main" xmlns="" val="3571064474"/>
                     </a:ext>
                   </a:extLst>
                 </a:gridCol>
                 <a:gridCol w="1557196">
                   <a:extLst>
                     <a:ext uri="{9D8B030D-6E8A-4147-A177-3AD203B41FA5}">
-                      <a16:colId xmlns="" xmlns:a16="http://schemas.microsoft.com/office/drawing/2014/main" val="4257211528"/>
+                      <a16:colId xmlns:a16="http://schemas.microsoft.com/office/drawing/2014/main" xmlns="" val="4257211528"/>
                     </a:ext>
                   </a:extLst>
                 </a:gridCol>
                 <a:gridCol w="1665838">
                   <a:extLst>
                     <a:ext uri="{9D8B030D-6E8A-4147-A177-3AD203B41FA5}">
-                      <a16:colId xmlns="" xmlns:a16="http://schemas.microsoft.com/office/drawing/2014/main" val="3023545236"/>
+                      <a16:colId xmlns:a16="http://schemas.microsoft.com/office/drawing/2014/main" xmlns="" val="3023545236"/>
                     </a:ext>
                   </a:extLst>
                 </a:gridCol>
@@ -22285,21 +22285,21 @@
                 <a:gridCol w="1738265">
                   <a:extLst>
                     <a:ext uri="{9D8B030D-6E8A-4147-A177-3AD203B41FA5}">
-                      <a16:colId xmlns="" xmlns:a16="http://schemas.microsoft.com/office/drawing/2014/main" val="2920563116"/>
+                      <a16:colId xmlns:a16="http://schemas.microsoft.com/office/drawing/2014/main" xmlns="" val="2920563116"/>
                     </a:ext>
                   </a:extLst>
                 </a:gridCol>
                 <a:gridCol w="1720158">
                   <a:extLst>
                     <a:ext uri="{9D8B030D-6E8A-4147-A177-3AD203B41FA5}">
-                      <a16:colId xmlns="" xmlns:a16="http://schemas.microsoft.com/office/drawing/2014/main" val="3475859244"/>
+                      <a16:colId xmlns:a16="http://schemas.microsoft.com/office/drawing/2014/main" xmlns="" val="3475859244"/>
                     </a:ext>
                   </a:extLst>
                 </a:gridCol>
                 <a:gridCol w="1602273">
                   <a:extLst>
                     <a:ext uri="{9D8B030D-6E8A-4147-A177-3AD203B41FA5}">
-                      <a16:colId xmlns="" xmlns:a16="http://schemas.microsoft.com/office/drawing/2014/main" val="3472189352"/>
+                      <a16:colId xmlns:a16="http://schemas.microsoft.com/office/drawing/2014/main" xmlns="" val="3472189352"/>
                     </a:ext>
                   </a:extLst>
                 </a:gridCol>
@@ -22894,7 +22894,7 @@
                 </a:tc>
                 <a:extLst>
                   <a:ext uri="{0D108BD9-81ED-4DB2-BD59-A6C34878D82A}">
-                    <a16:rowId xmlns="" xmlns:a16="http://schemas.microsoft.com/office/drawing/2014/main" val="243423754"/>
+                    <a16:rowId xmlns:a16="http://schemas.microsoft.com/office/drawing/2014/main" xmlns="" val="243423754"/>
                   </a:ext>
                 </a:extLst>
               </a:tr>
@@ -23666,8 +23666,13 @@
                             <a:schemeClr val="tx1"/>
                           </a:solidFill>
                         </a:rPr>
-                        <a:t>(“/insert”)</a:t>
+                        <a:t>(“/add”)</a:t>
                       </a:r>
+                      <a:endParaRPr lang="en-US" altLang="ko-KR" sz="1000" dirty="0" smtClean="0">
+                        <a:solidFill>
+                          <a:schemeClr val="tx1"/>
+                        </a:solidFill>
+                      </a:endParaRPr>
                     </a:p>
                     <a:p>
                       <a:pPr algn="ctr" latinLnBrk="1"/>
@@ -23677,8 +23682,13 @@
                             <a:schemeClr val="tx1"/>
                           </a:solidFill>
                         </a:rPr>
-                        <a:t>insert()</a:t>
+                        <a:t>add()</a:t>
                       </a:r>
+                      <a:endParaRPr lang="en-US" altLang="ko-KR" sz="1000" dirty="0" smtClean="0">
+                        <a:solidFill>
+                          <a:schemeClr val="tx1"/>
+                        </a:solidFill>
+                      </a:endParaRPr>
                     </a:p>
                     <a:p>
                       <a:pPr algn="ctr" latinLnBrk="1"/>
@@ -23848,14 +23858,35 @@
                     </a:p>
                     <a:p>
                       <a:pPr algn="ctr" latinLnBrk="1"/>
+                      <a:endParaRPr lang="en-US" altLang="ko-KR" sz="1000" dirty="0" smtClean="0">
+                        <a:solidFill>
+                          <a:schemeClr val="tx1"/>
+                        </a:solidFill>
+                      </a:endParaRPr>
+                    </a:p>
+                    <a:p>
+                      <a:pPr algn="ctr" latinLnBrk="1"/>
+                      <a:r>
+                        <a:rPr lang="en-US" altLang="ko-KR" sz="1000" dirty="0" err="1" smtClean="0">
+                          <a:solidFill>
+                            <a:schemeClr val="tx1"/>
+                          </a:solidFill>
+                        </a:rPr>
+                        <a:t>addresult</a:t>
+                      </a:r>
                       <a:r>
                         <a:rPr lang="en-US" altLang="ko-KR" sz="1000" dirty="0" smtClean="0">
                           <a:solidFill>
                             <a:schemeClr val="tx1"/>
                           </a:solidFill>
                         </a:rPr>
-                        <a:t>insert()</a:t>
+                        <a:t>()</a:t>
                       </a:r>
+                      <a:endParaRPr lang="en-US" altLang="ko-KR" sz="1000" dirty="0" smtClean="0">
+                        <a:solidFill>
+                          <a:schemeClr val="tx1"/>
+                        </a:solidFill>
+                      </a:endParaRPr>
                     </a:p>
                     <a:p>
                       <a:pPr algn="ctr" latinLnBrk="1"/>
@@ -24017,7 +24048,15 @@
                     </a:p>
                     <a:p>
                       <a:pPr algn="ctr" latinLnBrk="1"/>
-                      <a:endParaRPr lang="en-US" altLang="ko-KR" sz="1000" dirty="0">
+                      <a:endParaRPr lang="en-US" altLang="ko-KR" sz="1000" dirty="0" smtClean="0">
+                        <a:solidFill>
+                          <a:schemeClr val="tx1"/>
+                        </a:solidFill>
+                      </a:endParaRPr>
+                    </a:p>
+                    <a:p>
+                      <a:pPr algn="ctr" latinLnBrk="1"/>
+                      <a:endParaRPr lang="en-US" altLang="ko-KR" sz="1000" dirty="0" smtClean="0">
                         <a:solidFill>
                           <a:schemeClr val="tx1"/>
                         </a:solidFill>
@@ -24031,7 +24070,74 @@
                             <a:schemeClr val="tx1"/>
                           </a:solidFill>
                         </a:rPr>
-                        <a:t>guestInsert</a:t>
+                        <a:t>addSelectKey</a:t>
+                      </a:r>
+                      <a:r>
+                        <a:rPr lang="en-US" altLang="ko-KR" sz="1000" dirty="0" smtClean="0">
+                          <a:solidFill>
+                            <a:schemeClr val="tx1"/>
+                          </a:solidFill>
+                        </a:rPr>
+                        <a:t>()</a:t>
+                      </a:r>
+                    </a:p>
+                    <a:p>
+                      <a:pPr algn="ctr" latinLnBrk="1"/>
+                      <a:endParaRPr lang="en-US" altLang="ko-KR" sz="1000" dirty="0" smtClean="0">
+                        <a:solidFill>
+                          <a:schemeClr val="tx1"/>
+                        </a:solidFill>
+                      </a:endParaRPr>
+                    </a:p>
+                    <a:p>
+                      <a:pPr algn="ctr" latinLnBrk="1"/>
+                      <a:endParaRPr lang="en-US" altLang="ko-KR" sz="1000" dirty="0" smtClean="0">
+                        <a:solidFill>
+                          <a:schemeClr val="tx1"/>
+                        </a:solidFill>
+                      </a:endParaRPr>
+                    </a:p>
+                    <a:p>
+                      <a:pPr algn="ctr" latinLnBrk="1"/>
+                      <a:endParaRPr lang="en-US" altLang="ko-KR" sz="1000" dirty="0" smtClean="0">
+                        <a:solidFill>
+                          <a:schemeClr val="tx1"/>
+                        </a:solidFill>
+                      </a:endParaRPr>
+                    </a:p>
+                    <a:p>
+                      <a:pPr algn="ctr" latinLnBrk="1"/>
+                      <a:endParaRPr lang="en-US" altLang="ko-KR" sz="1000" dirty="0" smtClean="0">
+                        <a:solidFill>
+                          <a:schemeClr val="tx1"/>
+                        </a:solidFill>
+                      </a:endParaRPr>
+                    </a:p>
+                    <a:p>
+                      <a:pPr algn="ctr" latinLnBrk="1"/>
+                      <a:endParaRPr lang="en-US" altLang="ko-KR" sz="1000" dirty="0" smtClean="0">
+                        <a:solidFill>
+                          <a:schemeClr val="tx1"/>
+                        </a:solidFill>
+                      </a:endParaRPr>
+                    </a:p>
+                    <a:p>
+                      <a:pPr algn="ctr" latinLnBrk="1"/>
+                      <a:endParaRPr lang="en-US" altLang="ko-KR" sz="1000" dirty="0">
+                        <a:solidFill>
+                          <a:schemeClr val="tx1"/>
+                        </a:solidFill>
+                      </a:endParaRPr>
+                    </a:p>
+                    <a:p>
+                      <a:pPr algn="ctr" latinLnBrk="1"/>
+                      <a:r>
+                        <a:rPr lang="en-US" altLang="ko-KR" sz="1000" dirty="0" err="1" smtClean="0">
+                          <a:solidFill>
+                            <a:schemeClr val="tx1"/>
+                          </a:solidFill>
+                        </a:rPr>
+                        <a:t>getGuest</a:t>
                       </a:r>
                       <a:r>
                         <a:rPr lang="en-US" altLang="ko-KR" sz="1000" dirty="0" smtClean="0">
@@ -24207,6 +24313,14 @@
                     </a:p>
                     <a:p>
                       <a:pPr algn="ctr" latinLnBrk="1"/>
+                      <a:endParaRPr lang="en-US" altLang="ko-KR" sz="1000" dirty="0" smtClean="0">
+                        <a:solidFill>
+                          <a:schemeClr val="tx1"/>
+                        </a:solidFill>
+                      </a:endParaRPr>
+                    </a:p>
+                    <a:p>
+                      <a:pPr algn="ctr" latinLnBrk="1"/>
                       <a:endParaRPr lang="en-US" altLang="ko-KR" sz="1000" dirty="0">
                         <a:solidFill>
                           <a:schemeClr val="tx1"/>
@@ -24231,6 +24345,70 @@
                     </a:p>
                     <a:p>
                       <a:pPr algn="ctr" latinLnBrk="1"/>
+                      <a:endParaRPr lang="en-US" altLang="ko-KR" sz="1000" dirty="0" smtClean="0">
+                        <a:solidFill>
+                          <a:schemeClr val="tx1"/>
+                        </a:solidFill>
+                      </a:endParaRPr>
+                    </a:p>
+                    <a:p>
+                      <a:pPr algn="ctr" latinLnBrk="1"/>
+                      <a:endParaRPr lang="en-US" altLang="ko-KR" sz="1000" dirty="0" smtClean="0">
+                        <a:solidFill>
+                          <a:schemeClr val="tx1"/>
+                        </a:solidFill>
+                      </a:endParaRPr>
+                    </a:p>
+                    <a:p>
+                      <a:pPr algn="ctr" latinLnBrk="1"/>
+                      <a:endParaRPr lang="en-US" altLang="ko-KR" sz="1000" dirty="0" smtClean="0">
+                        <a:solidFill>
+                          <a:schemeClr val="tx1"/>
+                        </a:solidFill>
+                      </a:endParaRPr>
+                    </a:p>
+                    <a:p>
+                      <a:pPr algn="ctr" latinLnBrk="1"/>
+                      <a:endParaRPr lang="en-US" altLang="ko-KR" sz="1000" dirty="0" smtClean="0">
+                        <a:solidFill>
+                          <a:schemeClr val="tx1"/>
+                        </a:solidFill>
+                      </a:endParaRPr>
+                    </a:p>
+                    <a:p>
+                      <a:pPr algn="ctr" latinLnBrk="1"/>
+                      <a:endParaRPr lang="en-US" altLang="ko-KR" sz="1000" dirty="0" smtClean="0">
+                        <a:solidFill>
+                          <a:schemeClr val="tx1"/>
+                        </a:solidFill>
+                      </a:endParaRPr>
+                    </a:p>
+                    <a:p>
+                      <a:pPr algn="ctr" latinLnBrk="1"/>
+                      <a:endParaRPr lang="en-US" altLang="ko-KR" sz="1000" dirty="0" smtClean="0">
+                        <a:solidFill>
+                          <a:schemeClr val="tx1"/>
+                        </a:solidFill>
+                      </a:endParaRPr>
+                    </a:p>
+                    <a:p>
+                      <a:pPr algn="ctr" latinLnBrk="1"/>
+                      <a:r>
+                        <a:rPr lang="en-US" altLang="ko-KR" sz="1000" dirty="0" err="1" smtClean="0">
+                          <a:solidFill>
+                            <a:schemeClr val="tx1"/>
+                          </a:solidFill>
+                        </a:rPr>
+                        <a:t>selectOne</a:t>
+                      </a:r>
+                      <a:r>
+                        <a:rPr lang="en-US" altLang="ko-KR" sz="1000" dirty="0" smtClean="0">
+                          <a:solidFill>
+                            <a:schemeClr val="tx1"/>
+                          </a:solidFill>
+                        </a:rPr>
+                        <a:t>()</a:t>
+                      </a:r>
                       <a:endParaRPr lang="en-US" altLang="ko-KR" sz="1000" dirty="0">
                         <a:solidFill>
                           <a:schemeClr val="tx1"/>
@@ -24378,6 +24556,14 @@
                     </a:p>
                     <a:p>
                       <a:pPr algn="ctr" latinLnBrk="1"/>
+                      <a:endParaRPr lang="en-US" altLang="ko-KR" sz="1000" dirty="0" smtClean="0">
+                        <a:solidFill>
+                          <a:schemeClr val="tx1"/>
+                        </a:solidFill>
+                      </a:endParaRPr>
+                    </a:p>
+                    <a:p>
+                      <a:pPr algn="ctr" latinLnBrk="1"/>
                       <a:endParaRPr lang="en-US" altLang="ko-KR" sz="1000" dirty="0">
                         <a:solidFill>
                           <a:schemeClr val="tx1"/>
@@ -24400,7 +24586,71 @@
                             <a:schemeClr val="tx1"/>
                           </a:solidFill>
                         </a:rPr>
-                        <a:t>guest.guestInsert</a:t>
+                        <a:t>guest.addSelect</a:t>
+                      </a:r>
+                      <a:endParaRPr lang="en-US" altLang="ko-KR" sz="1000" dirty="0" smtClean="0">
+                        <a:solidFill>
+                          <a:schemeClr val="tx1"/>
+                        </a:solidFill>
+                      </a:endParaRPr>
+                    </a:p>
+                    <a:p>
+                      <a:pPr algn="ctr" latinLnBrk="1"/>
+                      <a:endParaRPr lang="en-US" altLang="ko-KR" sz="1000" dirty="0" smtClean="0">
+                        <a:solidFill>
+                          <a:schemeClr val="tx1"/>
+                        </a:solidFill>
+                      </a:endParaRPr>
+                    </a:p>
+                    <a:p>
+                      <a:pPr algn="ctr" latinLnBrk="1"/>
+                      <a:endParaRPr lang="en-US" altLang="ko-KR" sz="1000" dirty="0" smtClean="0">
+                        <a:solidFill>
+                          <a:schemeClr val="tx1"/>
+                        </a:solidFill>
+                      </a:endParaRPr>
+                    </a:p>
+                    <a:p>
+                      <a:pPr algn="ctr" latinLnBrk="1"/>
+                      <a:endParaRPr lang="en-US" altLang="ko-KR" sz="1000" dirty="0" smtClean="0">
+                        <a:solidFill>
+                          <a:schemeClr val="tx1"/>
+                        </a:solidFill>
+                      </a:endParaRPr>
+                    </a:p>
+                    <a:p>
+                      <a:pPr algn="ctr" latinLnBrk="1"/>
+                      <a:endParaRPr lang="en-US" altLang="ko-KR" sz="1000" dirty="0" smtClean="0">
+                        <a:solidFill>
+                          <a:schemeClr val="tx1"/>
+                        </a:solidFill>
+                      </a:endParaRPr>
+                    </a:p>
+                    <a:p>
+                      <a:pPr algn="ctr" latinLnBrk="1"/>
+                      <a:endParaRPr lang="en-US" altLang="ko-KR" sz="1000" dirty="0" smtClean="0">
+                        <a:solidFill>
+                          <a:schemeClr val="tx1"/>
+                        </a:solidFill>
+                      </a:endParaRPr>
+                    </a:p>
+                    <a:p>
+                      <a:pPr algn="ctr" latinLnBrk="1"/>
+                      <a:endParaRPr lang="en-US" altLang="ko-KR" sz="1000" dirty="0" smtClean="0">
+                        <a:solidFill>
+                          <a:schemeClr val="tx1"/>
+                        </a:solidFill>
+                      </a:endParaRPr>
+                    </a:p>
+                    <a:p>
+                      <a:pPr algn="ctr" latinLnBrk="1"/>
+                      <a:r>
+                        <a:rPr lang="en-US" altLang="ko-KR" sz="1000" dirty="0" err="1" smtClean="0">
+                          <a:solidFill>
+                            <a:schemeClr val="tx1"/>
+                          </a:solidFill>
+                        </a:rPr>
+                        <a:t>guest.getGuest</a:t>
                       </a:r>
                       <a:endParaRPr lang="en-US" altLang="ko-KR" sz="1000" dirty="0">
                         <a:solidFill>
@@ -24424,7 +24674,7 @@
                 </a:tc>
                 <a:extLst>
                   <a:ext uri="{0D108BD9-81ED-4DB2-BD59-A6C34878D82A}">
-                    <a16:rowId xmlns="" xmlns:a16="http://schemas.microsoft.com/office/drawing/2014/main" val="3134473238"/>
+                    <a16:rowId xmlns:a16="http://schemas.microsoft.com/office/drawing/2014/main" xmlns="" val="3134473238"/>
                   </a:ext>
                 </a:extLst>
               </a:tr>
@@ -24437,7 +24687,7 @@
           <p:cNvPr id="6" name="직선 화살표 연결선 5">
             <a:extLst>
               <a:ext uri="{FF2B5EF4-FFF2-40B4-BE49-F238E27FC236}">
-                <a16:creationId xmlns="" xmlns:a16="http://schemas.microsoft.com/office/drawing/2014/main" id="{3F7B84A3-1AD0-4DF7-A6BC-4B5B198A72B9}"/>
+                <a16:creationId xmlns:a16="http://schemas.microsoft.com/office/drawing/2014/main" xmlns="" id="{3F7B84A3-1AD0-4DF7-A6BC-4B5B198A72B9}"/>
               </a:ext>
             </a:extLst>
           </p:cNvPr>
@@ -24484,7 +24734,7 @@
           <p:cNvPr id="7" name="직선 화살표 연결선 6">
             <a:extLst>
               <a:ext uri="{FF2B5EF4-FFF2-40B4-BE49-F238E27FC236}">
-                <a16:creationId xmlns="" xmlns:a16="http://schemas.microsoft.com/office/drawing/2014/main" id="{3992F012-AF65-4E39-8E9C-577F6F0B7BD2}"/>
+                <a16:creationId xmlns:a16="http://schemas.microsoft.com/office/drawing/2014/main" xmlns="" id="{3992F012-AF65-4E39-8E9C-577F6F0B7BD2}"/>
               </a:ext>
             </a:extLst>
           </p:cNvPr>
@@ -24531,7 +24781,7 @@
           <p:cNvPr id="14" name="TextBox 13">
             <a:extLst>
               <a:ext uri="{FF2B5EF4-FFF2-40B4-BE49-F238E27FC236}">
-                <a16:creationId xmlns="" xmlns:a16="http://schemas.microsoft.com/office/drawing/2014/main" id="{83A2AE63-3C59-4FEB-BBED-3D51275125E3}"/>
+                <a16:creationId xmlns:a16="http://schemas.microsoft.com/office/drawing/2014/main" xmlns="" id="{83A2AE63-3C59-4FEB-BBED-3D51275125E3}"/>
               </a:ext>
             </a:extLst>
           </p:cNvPr>
@@ -24560,12 +24810,28 @@
           <a:lstStyle/>
           <a:p>
             <a:r>
-              <a:rPr lang="en-US" altLang="ko-KR" sz="1000" smtClean="0">
+              <a:rPr lang="en-US" altLang="ko-KR" sz="1000" dirty="0" smtClean="0">
                 <a:solidFill>
                   <a:schemeClr val="accent2"/>
                 </a:solidFill>
               </a:rPr>
-              <a:t>List&lt;GuestBookVo&gt;</a:t>
+              <a:t>List&lt;</a:t>
+            </a:r>
+            <a:r>
+              <a:rPr lang="en-US" altLang="ko-KR" sz="1000" dirty="0" err="1" smtClean="0">
+                <a:solidFill>
+                  <a:schemeClr val="accent2"/>
+                </a:solidFill>
+              </a:rPr>
+              <a:t>GuestBookVo</a:t>
+            </a:r>
+            <a:r>
+              <a:rPr lang="en-US" altLang="ko-KR" sz="1000" dirty="0" smtClean="0">
+                <a:solidFill>
+                  <a:schemeClr val="accent2"/>
+                </a:solidFill>
+              </a:rPr>
+              <a:t>&gt;</a:t>
             </a:r>
             <a:endParaRPr lang="ko-KR" altLang="en-US" sz="1000" dirty="0">
               <a:solidFill>
@@ -24580,7 +24846,7 @@
           <p:cNvPr id="16" name="TextBox 15">
             <a:extLst>
               <a:ext uri="{FF2B5EF4-FFF2-40B4-BE49-F238E27FC236}">
-                <a16:creationId xmlns="" xmlns:a16="http://schemas.microsoft.com/office/drawing/2014/main" id="{B5D51435-1C6A-443A-871F-F312D05722E2}"/>
+                <a16:creationId xmlns:a16="http://schemas.microsoft.com/office/drawing/2014/main" xmlns="" id="{B5D51435-1C6A-443A-871F-F312D05722E2}"/>
               </a:ext>
             </a:extLst>
           </p:cNvPr>
@@ -24629,7 +24895,7 @@
           <p:cNvPr id="19" name="직선 화살표 연결선 18">
             <a:extLst>
               <a:ext uri="{FF2B5EF4-FFF2-40B4-BE49-F238E27FC236}">
-                <a16:creationId xmlns="" xmlns:a16="http://schemas.microsoft.com/office/drawing/2014/main" id="{EC28C33C-129E-4506-9549-3759C91D42BE}"/>
+                <a16:creationId xmlns:a16="http://schemas.microsoft.com/office/drawing/2014/main" xmlns="" id="{EC28C33C-129E-4506-9549-3759C91D42BE}"/>
               </a:ext>
             </a:extLst>
           </p:cNvPr>
@@ -24676,7 +24942,7 @@
           <p:cNvPr id="20" name="TextBox 19">
             <a:extLst>
               <a:ext uri="{FF2B5EF4-FFF2-40B4-BE49-F238E27FC236}">
-                <a16:creationId xmlns="" xmlns:a16="http://schemas.microsoft.com/office/drawing/2014/main" id="{BDD2FA7E-1E88-4F78-ABF6-567824DD1ECE}"/>
+                <a16:creationId xmlns:a16="http://schemas.microsoft.com/office/drawing/2014/main" xmlns="" id="{BDD2FA7E-1E88-4F78-ABF6-567824DD1ECE}"/>
               </a:ext>
             </a:extLst>
           </p:cNvPr>
@@ -24741,7 +25007,7 @@
           <p:cNvPr id="21" name="직선 화살표 연결선 20">
             <a:extLst>
               <a:ext uri="{FF2B5EF4-FFF2-40B4-BE49-F238E27FC236}">
-                <a16:creationId xmlns="" xmlns:a16="http://schemas.microsoft.com/office/drawing/2014/main" id="{75322384-8370-42A2-9AA6-9103C9E005E6}"/>
+                <a16:creationId xmlns:a16="http://schemas.microsoft.com/office/drawing/2014/main" xmlns="" id="{75322384-8370-42A2-9AA6-9103C9E005E6}"/>
               </a:ext>
             </a:extLst>
           </p:cNvPr>
@@ -24788,7 +25054,7 @@
           <p:cNvPr id="23" name="직선 화살표 연결선 22">
             <a:extLst>
               <a:ext uri="{FF2B5EF4-FFF2-40B4-BE49-F238E27FC236}">
-                <a16:creationId xmlns="" xmlns:a16="http://schemas.microsoft.com/office/drawing/2014/main" id="{366CBA92-9226-4C4A-ACDD-433CD65941DE}"/>
+                <a16:creationId xmlns:a16="http://schemas.microsoft.com/office/drawing/2014/main" xmlns="" id="{366CBA92-9226-4C4A-ACDD-433CD65941DE}"/>
               </a:ext>
             </a:extLst>
           </p:cNvPr>
@@ -24835,7 +25101,7 @@
           <p:cNvPr id="56" name="직선 화살표 연결선 55">
             <a:extLst>
               <a:ext uri="{FF2B5EF4-FFF2-40B4-BE49-F238E27FC236}">
-                <a16:creationId xmlns="" xmlns:a16="http://schemas.microsoft.com/office/drawing/2014/main" id="{3992F012-AF65-4E39-8E9C-577F6F0B7BD2}"/>
+                <a16:creationId xmlns:a16="http://schemas.microsoft.com/office/drawing/2014/main" xmlns="" id="{3992F012-AF65-4E39-8E9C-577F6F0B7BD2}"/>
               </a:ext>
             </a:extLst>
           </p:cNvPr>
@@ -24882,7 +25148,7 @@
           <p:cNvPr id="61" name="직선 화살표 연결선 60">
             <a:extLst>
               <a:ext uri="{FF2B5EF4-FFF2-40B4-BE49-F238E27FC236}">
-                <a16:creationId xmlns="" xmlns:a16="http://schemas.microsoft.com/office/drawing/2014/main" id="{3992F012-AF65-4E39-8E9C-577F6F0B7BD2}"/>
+                <a16:creationId xmlns:a16="http://schemas.microsoft.com/office/drawing/2014/main" xmlns="" id="{3992F012-AF65-4E39-8E9C-577F6F0B7BD2}"/>
               </a:ext>
             </a:extLst>
           </p:cNvPr>
@@ -24929,7 +25195,7 @@
           <p:cNvPr id="65" name="직선 화살표 연결선 64">
             <a:extLst>
               <a:ext uri="{FF2B5EF4-FFF2-40B4-BE49-F238E27FC236}">
-                <a16:creationId xmlns="" xmlns:a16="http://schemas.microsoft.com/office/drawing/2014/main" id="{3992F012-AF65-4E39-8E9C-577F6F0B7BD2}"/>
+                <a16:creationId xmlns:a16="http://schemas.microsoft.com/office/drawing/2014/main" xmlns="" id="{3992F012-AF65-4E39-8E9C-577F6F0B7BD2}"/>
               </a:ext>
             </a:extLst>
           </p:cNvPr>
@@ -24976,7 +25242,7 @@
           <p:cNvPr id="70" name="직선 화살표 연결선 69">
             <a:extLst>
               <a:ext uri="{FF2B5EF4-FFF2-40B4-BE49-F238E27FC236}">
-                <a16:creationId xmlns="" xmlns:a16="http://schemas.microsoft.com/office/drawing/2014/main" id="{EC28C33C-129E-4506-9549-3759C91D42BE}"/>
+                <a16:creationId xmlns:a16="http://schemas.microsoft.com/office/drawing/2014/main" xmlns="" id="{EC28C33C-129E-4506-9549-3759C91D42BE}"/>
               </a:ext>
             </a:extLst>
           </p:cNvPr>
@@ -25023,7 +25289,7 @@
           <p:cNvPr id="71" name="직선 화살표 연결선 70">
             <a:extLst>
               <a:ext uri="{FF2B5EF4-FFF2-40B4-BE49-F238E27FC236}">
-                <a16:creationId xmlns="" xmlns:a16="http://schemas.microsoft.com/office/drawing/2014/main" id="{EC28C33C-129E-4506-9549-3759C91D42BE}"/>
+                <a16:creationId xmlns:a16="http://schemas.microsoft.com/office/drawing/2014/main" xmlns="" id="{EC28C33C-129E-4506-9549-3759C91D42BE}"/>
               </a:ext>
             </a:extLst>
           </p:cNvPr>
@@ -25070,7 +25336,7 @@
           <p:cNvPr id="72" name="직선 화살표 연결선 71">
             <a:extLst>
               <a:ext uri="{FF2B5EF4-FFF2-40B4-BE49-F238E27FC236}">
-                <a16:creationId xmlns="" xmlns:a16="http://schemas.microsoft.com/office/drawing/2014/main" id="{EC28C33C-129E-4506-9549-3759C91D42BE}"/>
+                <a16:creationId xmlns:a16="http://schemas.microsoft.com/office/drawing/2014/main" xmlns="" id="{EC28C33C-129E-4506-9549-3759C91D42BE}"/>
               </a:ext>
             </a:extLst>
           </p:cNvPr>
@@ -25117,7 +25383,7 @@
           <p:cNvPr id="73" name="TextBox 72">
             <a:extLst>
               <a:ext uri="{FF2B5EF4-FFF2-40B4-BE49-F238E27FC236}">
-                <a16:creationId xmlns="" xmlns:a16="http://schemas.microsoft.com/office/drawing/2014/main" id="{BDD2FA7E-1E88-4F78-ABF6-567824DD1ECE}"/>
+                <a16:creationId xmlns:a16="http://schemas.microsoft.com/office/drawing/2014/main" xmlns="" id="{BDD2FA7E-1E88-4F78-ABF6-567824DD1ECE}"/>
               </a:ext>
             </a:extLst>
           </p:cNvPr>
@@ -25126,7 +25392,7 @@
         </p:nvSpPr>
         <p:spPr>
           <a:xfrm>
-            <a:off x="4748119" y="2137802"/>
+            <a:off x="4748119" y="2146855"/>
             <a:ext cx="1158972" cy="153888"/>
           </a:xfrm>
           <a:prstGeom prst="rect">
@@ -25182,7 +25448,7 @@
           <p:cNvPr id="78" name="직선 화살표 연결선 77">
             <a:extLst>
               <a:ext uri="{FF2B5EF4-FFF2-40B4-BE49-F238E27FC236}">
-                <a16:creationId xmlns="" xmlns:a16="http://schemas.microsoft.com/office/drawing/2014/main" id="{3992F012-AF65-4E39-8E9C-577F6F0B7BD2}"/>
+                <a16:creationId xmlns:a16="http://schemas.microsoft.com/office/drawing/2014/main" xmlns="" id="{3992F012-AF65-4E39-8E9C-577F6F0B7BD2}"/>
               </a:ext>
             </a:extLst>
           </p:cNvPr>
@@ -25229,7 +25495,7 @@
           <p:cNvPr id="79" name="TextBox 78">
             <a:extLst>
               <a:ext uri="{FF2B5EF4-FFF2-40B4-BE49-F238E27FC236}">
-                <a16:creationId xmlns="" xmlns:a16="http://schemas.microsoft.com/office/drawing/2014/main" id="{ED21C0EA-1B65-43C8-AAD0-87268DCF3FD2}"/>
+                <a16:creationId xmlns:a16="http://schemas.microsoft.com/office/drawing/2014/main" xmlns="" id="{ED21C0EA-1B65-43C8-AAD0-87268DCF3FD2}"/>
               </a:ext>
             </a:extLst>
           </p:cNvPr>
@@ -25306,7 +25572,7 @@
           <p:cNvPr id="94" name="직선 화살표 연결선 93">
             <a:extLst>
               <a:ext uri="{FF2B5EF4-FFF2-40B4-BE49-F238E27FC236}">
-                <a16:creationId xmlns="" xmlns:a16="http://schemas.microsoft.com/office/drawing/2014/main" id="{EC28C33C-129E-4506-9549-3759C91D42BE}"/>
+                <a16:creationId xmlns:a16="http://schemas.microsoft.com/office/drawing/2014/main" xmlns="" id="{EC28C33C-129E-4506-9549-3759C91D42BE}"/>
               </a:ext>
             </a:extLst>
           </p:cNvPr>
@@ -25353,7 +25619,7 @@
           <p:cNvPr id="96" name="TextBox 95">
             <a:extLst>
               <a:ext uri="{FF2B5EF4-FFF2-40B4-BE49-F238E27FC236}">
-                <a16:creationId xmlns="" xmlns:a16="http://schemas.microsoft.com/office/drawing/2014/main" id="{BDD2FA7E-1E88-4F78-ABF6-567824DD1ECE}"/>
+                <a16:creationId xmlns:a16="http://schemas.microsoft.com/office/drawing/2014/main" xmlns="" id="{BDD2FA7E-1E88-4F78-ABF6-567824DD1ECE}"/>
               </a:ext>
             </a:extLst>
           </p:cNvPr>
@@ -25396,7 +25662,7 @@
                   <a:schemeClr val="accent2"/>
                 </a:solidFill>
               </a:rPr>
-              <a:t>Responsebody</a:t>
+              <a:t>ResponseBody</a:t>
             </a:r>
             <a:endParaRPr lang="en-US" altLang="ko-KR" sz="1000" dirty="0" smtClean="0">
               <a:solidFill>
@@ -25454,7 +25720,7 @@
           <p:cNvPr id="97" name="TextBox 96">
             <a:extLst>
               <a:ext uri="{FF2B5EF4-FFF2-40B4-BE49-F238E27FC236}">
-                <a16:creationId xmlns="" xmlns:a16="http://schemas.microsoft.com/office/drawing/2014/main" id="{BDD2FA7E-1E88-4F78-ABF6-567824DD1ECE}"/>
+                <a16:creationId xmlns:a16="http://schemas.microsoft.com/office/drawing/2014/main" xmlns="" id="{BDD2FA7E-1E88-4F78-ABF6-567824DD1ECE}"/>
               </a:ext>
             </a:extLst>
           </p:cNvPr>
@@ -25515,7 +25781,7 @@
           <p:cNvPr id="24" name="직선 화살표 연결선 23">
             <a:extLst>
               <a:ext uri="{FF2B5EF4-FFF2-40B4-BE49-F238E27FC236}">
-                <a16:creationId xmlns="" xmlns:a16="http://schemas.microsoft.com/office/drawing/2014/main" id="{3992F012-AF65-4E39-8E9C-577F6F0B7BD2}"/>
+                <a16:creationId xmlns:a16="http://schemas.microsoft.com/office/drawing/2014/main" xmlns="" id="{3992F012-AF65-4E39-8E9C-577F6F0B7BD2}"/>
               </a:ext>
             </a:extLst>
           </p:cNvPr>
@@ -25562,7 +25828,7 @@
           <p:cNvPr id="25" name="TextBox 24">
             <a:extLst>
               <a:ext uri="{FF2B5EF4-FFF2-40B4-BE49-F238E27FC236}">
-                <a16:creationId xmlns="" xmlns:a16="http://schemas.microsoft.com/office/drawing/2014/main" id="{ED21C0EA-1B65-43C8-AAD0-87268DCF3FD2}"/>
+                <a16:creationId xmlns:a16="http://schemas.microsoft.com/office/drawing/2014/main" xmlns="" id="{ED21C0EA-1B65-43C8-AAD0-87268DCF3FD2}"/>
               </a:ext>
             </a:extLst>
           </p:cNvPr>
@@ -25651,13 +25917,6 @@
               </a:rPr>
               <a:t>)</a:t>
             </a:r>
-            <a:endParaRPr lang="en-US" altLang="ko-KR" sz="1000" dirty="0" smtClean="0">
-              <a:solidFill>
-                <a:schemeClr val="accent6">
-                  <a:lumMod val="75000"/>
-                </a:schemeClr>
-              </a:solidFill>
-            </a:endParaRPr>
           </a:p>
           <a:p>
             <a:r>
@@ -25680,12 +25939,200 @@
           </a:p>
         </p:txBody>
       </p:sp>
+      <p:cxnSp>
+        <p:nvCxnSpPr>
+          <p:cNvPr id="26" name="직선 화살표 연결선 25">
+            <a:extLst>
+              <a:ext uri="{FF2B5EF4-FFF2-40B4-BE49-F238E27FC236}">
+                <a16:creationId xmlns:a16="http://schemas.microsoft.com/office/drawing/2014/main" xmlns="" id="{3992F012-AF65-4E39-8E9C-577F6F0B7BD2}"/>
+              </a:ext>
+            </a:extLst>
+          </p:cNvPr>
+          <p:cNvCxnSpPr>
+            <a:cxnSpLocks/>
+          </p:cNvCxnSpPr>
+          <p:nvPr/>
+        </p:nvCxnSpPr>
+        <p:spPr>
+          <a:xfrm>
+            <a:off x="4727103" y="3166977"/>
+            <a:ext cx="1319509" cy="11005"/>
+          </a:xfrm>
+          <a:prstGeom prst="straightConnector1">
+            <a:avLst/>
+          </a:prstGeom>
+          <a:ln w="19050">
+            <a:solidFill>
+              <a:schemeClr val="accent6">
+                <a:lumMod val="60000"/>
+                <a:lumOff val="40000"/>
+              </a:schemeClr>
+            </a:solidFill>
+            <a:tailEnd type="triangle"/>
+          </a:ln>
+        </p:spPr>
+        <p:style>
+          <a:lnRef idx="1">
+            <a:schemeClr val="accent1"/>
+          </a:lnRef>
+          <a:fillRef idx="0">
+            <a:schemeClr val="accent1"/>
+          </a:fillRef>
+          <a:effectRef idx="0">
+            <a:schemeClr val="accent1"/>
+          </a:effectRef>
+          <a:fontRef idx="minor">
+            <a:schemeClr val="tx1"/>
+          </a:fontRef>
+        </p:style>
+      </p:cxnSp>
+      <p:cxnSp>
+        <p:nvCxnSpPr>
+          <p:cNvPr id="29" name="직선 화살표 연결선 28">
+            <a:extLst>
+              <a:ext uri="{FF2B5EF4-FFF2-40B4-BE49-F238E27FC236}">
+                <a16:creationId xmlns:a16="http://schemas.microsoft.com/office/drawing/2014/main" xmlns="" id="{3992F012-AF65-4E39-8E9C-577F6F0B7BD2}"/>
+              </a:ext>
+            </a:extLst>
+          </p:cNvPr>
+          <p:cNvCxnSpPr>
+            <a:cxnSpLocks/>
+          </p:cNvCxnSpPr>
+          <p:nvPr/>
+        </p:nvCxnSpPr>
+        <p:spPr>
+          <a:xfrm>
+            <a:off x="6521381" y="3177025"/>
+            <a:ext cx="984329" cy="11005"/>
+          </a:xfrm>
+          <a:prstGeom prst="straightConnector1">
+            <a:avLst/>
+          </a:prstGeom>
+          <a:ln w="19050">
+            <a:solidFill>
+              <a:schemeClr val="accent6">
+                <a:lumMod val="60000"/>
+                <a:lumOff val="40000"/>
+              </a:schemeClr>
+            </a:solidFill>
+            <a:tailEnd type="triangle"/>
+          </a:ln>
+        </p:spPr>
+        <p:style>
+          <a:lnRef idx="1">
+            <a:schemeClr val="accent1"/>
+          </a:lnRef>
+          <a:fillRef idx="0">
+            <a:schemeClr val="accent1"/>
+          </a:fillRef>
+          <a:effectRef idx="0">
+            <a:schemeClr val="accent1"/>
+          </a:effectRef>
+          <a:fontRef idx="minor">
+            <a:schemeClr val="tx1"/>
+          </a:fontRef>
+        </p:style>
+      </p:cxnSp>
+      <p:cxnSp>
+        <p:nvCxnSpPr>
+          <p:cNvPr id="31" name="직선 화살표 연결선 30">
+            <a:extLst>
+              <a:ext uri="{FF2B5EF4-FFF2-40B4-BE49-F238E27FC236}">
+                <a16:creationId xmlns:a16="http://schemas.microsoft.com/office/drawing/2014/main" xmlns="" id="{3992F012-AF65-4E39-8E9C-577F6F0B7BD2}"/>
+              </a:ext>
+            </a:extLst>
+          </p:cNvPr>
+          <p:cNvCxnSpPr>
+            <a:cxnSpLocks/>
+          </p:cNvCxnSpPr>
+          <p:nvPr/>
+        </p:nvCxnSpPr>
+        <p:spPr>
+          <a:xfrm>
+            <a:off x="8289894" y="3188030"/>
+            <a:ext cx="1105318" cy="5502"/>
+          </a:xfrm>
+          <a:prstGeom prst="straightConnector1">
+            <a:avLst/>
+          </a:prstGeom>
+          <a:ln w="19050">
+            <a:solidFill>
+              <a:schemeClr val="accent6">
+                <a:lumMod val="60000"/>
+                <a:lumOff val="40000"/>
+              </a:schemeClr>
+            </a:solidFill>
+            <a:tailEnd type="triangle"/>
+          </a:ln>
+        </p:spPr>
+        <p:style>
+          <a:lnRef idx="1">
+            <a:schemeClr val="accent1"/>
+          </a:lnRef>
+          <a:fillRef idx="0">
+            <a:schemeClr val="accent1"/>
+          </a:fillRef>
+          <a:effectRef idx="0">
+            <a:schemeClr val="accent1"/>
+          </a:effectRef>
+          <a:fontRef idx="minor">
+            <a:schemeClr val="tx1"/>
+          </a:fontRef>
+        </p:style>
+      </p:cxnSp>
+      <p:cxnSp>
+        <p:nvCxnSpPr>
+          <p:cNvPr id="33" name="직선 화살표 연결선 32">
+            <a:extLst>
+              <a:ext uri="{FF2B5EF4-FFF2-40B4-BE49-F238E27FC236}">
+                <a16:creationId xmlns:a16="http://schemas.microsoft.com/office/drawing/2014/main" xmlns="" id="{3992F012-AF65-4E39-8E9C-577F6F0B7BD2}"/>
+              </a:ext>
+            </a:extLst>
+          </p:cNvPr>
+          <p:cNvCxnSpPr>
+            <a:cxnSpLocks/>
+          </p:cNvCxnSpPr>
+          <p:nvPr/>
+        </p:nvCxnSpPr>
+        <p:spPr>
+          <a:xfrm>
+            <a:off x="9813876" y="3188030"/>
+            <a:ext cx="1105318" cy="5502"/>
+          </a:xfrm>
+          <a:prstGeom prst="straightConnector1">
+            <a:avLst/>
+          </a:prstGeom>
+          <a:ln w="19050">
+            <a:solidFill>
+              <a:schemeClr val="accent6">
+                <a:lumMod val="60000"/>
+                <a:lumOff val="40000"/>
+              </a:schemeClr>
+            </a:solidFill>
+            <a:tailEnd type="triangle"/>
+          </a:ln>
+        </p:spPr>
+        <p:style>
+          <a:lnRef idx="1">
+            <a:schemeClr val="accent1"/>
+          </a:lnRef>
+          <a:fillRef idx="0">
+            <a:schemeClr val="accent1"/>
+          </a:fillRef>
+          <a:effectRef idx="0">
+            <a:schemeClr val="accent1"/>
+          </a:effectRef>
+          <a:fontRef idx="minor">
+            <a:schemeClr val="tx1"/>
+          </a:fontRef>
+        </p:style>
+      </p:cxnSp>
       <p:sp>
         <p:nvSpPr>
-          <p:cNvPr id="27" name="TextBox 26">
-            <a:extLst>
-              <a:ext uri="{FF2B5EF4-FFF2-40B4-BE49-F238E27FC236}">
-                <a16:creationId xmlns="" xmlns:a16="http://schemas.microsoft.com/office/drawing/2014/main" id="{BDD2FA7E-1E88-4F78-ABF6-567824DD1ECE}"/>
+          <p:cNvPr id="34" name="TextBox 33">
+            <a:extLst>
+              <a:ext uri="{FF2B5EF4-FFF2-40B4-BE49-F238E27FC236}">
+                <a16:creationId xmlns:a16="http://schemas.microsoft.com/office/drawing/2014/main" xmlns="" id="{ED21C0EA-1B65-43C8-AAD0-87268DCF3FD2}"/>
               </a:ext>
             </a:extLst>
           </p:cNvPr>
@@ -25694,8 +26141,1727 @@
         </p:nvSpPr>
         <p:spPr>
           <a:xfrm>
-            <a:off x="4255744" y="4338391"/>
-            <a:ext cx="2386216" cy="307777"/>
+            <a:off x="4981948" y="2976336"/>
+            <a:ext cx="831986" cy="153888"/>
+          </a:xfrm>
+          <a:prstGeom prst="rect">
+            <a:avLst/>
+          </a:prstGeom>
+          <a:solidFill>
+            <a:schemeClr val="accent6">
+              <a:lumMod val="20000"/>
+              <a:lumOff val="80000"/>
+            </a:schemeClr>
+          </a:solidFill>
+        </p:spPr>
+        <p:txBody>
+          <a:bodyPr wrap="square" lIns="0" tIns="0" rIns="0" bIns="0" rtlCol="0">
+            <a:spAutoFit/>
+          </a:bodyPr>
+          <a:lstStyle/>
+          <a:p>
+            <a:pPr algn="ctr"/>
+            <a:r>
+              <a:rPr lang="en-US" altLang="ko-KR" sz="1000" dirty="0" smtClean="0">
+                <a:solidFill>
+                  <a:srgbClr val="70AD47">
+                    <a:lumMod val="75000"/>
+                  </a:srgbClr>
+                </a:solidFill>
+              </a:rPr>
+              <a:t>Guestbook </a:t>
+            </a:r>
+            <a:r>
+              <a:rPr lang="en-US" altLang="ko-KR" sz="1000" dirty="0" err="1" smtClean="0">
+                <a:solidFill>
+                  <a:srgbClr val="70AD47">
+                    <a:lumMod val="75000"/>
+                  </a:srgbClr>
+                </a:solidFill>
+              </a:rPr>
+              <a:t>vo</a:t>
+            </a:r>
+            <a:endParaRPr lang="en-US" altLang="ko-KR" sz="1000" dirty="0" smtClean="0">
+              <a:solidFill>
+                <a:srgbClr val="70AD47">
+                  <a:lumMod val="75000"/>
+                </a:srgbClr>
+              </a:solidFill>
+            </a:endParaRPr>
+          </a:p>
+        </p:txBody>
+      </p:sp>
+      <p:sp>
+        <p:nvSpPr>
+          <p:cNvPr id="35" name="TextBox 34">
+            <a:extLst>
+              <a:ext uri="{FF2B5EF4-FFF2-40B4-BE49-F238E27FC236}">
+                <a16:creationId xmlns:a16="http://schemas.microsoft.com/office/drawing/2014/main" xmlns="" id="{ED21C0EA-1B65-43C8-AAD0-87268DCF3FD2}"/>
+              </a:ext>
+            </a:extLst>
+          </p:cNvPr>
+          <p:cNvSpPr txBox="1"/>
+          <p:nvPr/>
+        </p:nvSpPr>
+        <p:spPr>
+          <a:xfrm>
+            <a:off x="6586519" y="2988409"/>
+            <a:ext cx="831986" cy="153888"/>
+          </a:xfrm>
+          <a:prstGeom prst="rect">
+            <a:avLst/>
+          </a:prstGeom>
+          <a:solidFill>
+            <a:schemeClr val="accent6">
+              <a:lumMod val="20000"/>
+              <a:lumOff val="80000"/>
+            </a:schemeClr>
+          </a:solidFill>
+        </p:spPr>
+        <p:txBody>
+          <a:bodyPr wrap="square" lIns="0" tIns="0" rIns="0" bIns="0" rtlCol="0">
+            <a:spAutoFit/>
+          </a:bodyPr>
+          <a:lstStyle/>
+          <a:p>
+            <a:pPr algn="ctr"/>
+            <a:r>
+              <a:rPr lang="en-US" altLang="ko-KR" sz="1000" dirty="0" smtClean="0">
+                <a:solidFill>
+                  <a:srgbClr val="70AD47">
+                    <a:lumMod val="75000"/>
+                  </a:srgbClr>
+                </a:solidFill>
+              </a:rPr>
+              <a:t>Guestbook </a:t>
+            </a:r>
+            <a:r>
+              <a:rPr lang="en-US" altLang="ko-KR" sz="1000" dirty="0" err="1" smtClean="0">
+                <a:solidFill>
+                  <a:srgbClr val="70AD47">
+                    <a:lumMod val="75000"/>
+                  </a:srgbClr>
+                </a:solidFill>
+              </a:rPr>
+              <a:t>vo</a:t>
+            </a:r>
+            <a:endParaRPr lang="en-US" altLang="ko-KR" sz="1000" dirty="0" smtClean="0">
+              <a:solidFill>
+                <a:srgbClr val="70AD47">
+                  <a:lumMod val="75000"/>
+                </a:srgbClr>
+              </a:solidFill>
+            </a:endParaRPr>
+          </a:p>
+        </p:txBody>
+      </p:sp>
+      <p:sp>
+        <p:nvSpPr>
+          <p:cNvPr id="36" name="TextBox 35">
+            <a:extLst>
+              <a:ext uri="{FF2B5EF4-FFF2-40B4-BE49-F238E27FC236}">
+                <a16:creationId xmlns:a16="http://schemas.microsoft.com/office/drawing/2014/main" xmlns="" id="{ED21C0EA-1B65-43C8-AAD0-87268DCF3FD2}"/>
+              </a:ext>
+            </a:extLst>
+          </p:cNvPr>
+          <p:cNvSpPr txBox="1"/>
+          <p:nvPr/>
+        </p:nvSpPr>
+        <p:spPr>
+          <a:xfrm>
+            <a:off x="8386368" y="2990434"/>
+            <a:ext cx="831986" cy="153888"/>
+          </a:xfrm>
+          <a:prstGeom prst="rect">
+            <a:avLst/>
+          </a:prstGeom>
+          <a:solidFill>
+            <a:schemeClr val="accent6">
+              <a:lumMod val="20000"/>
+              <a:lumOff val="80000"/>
+            </a:schemeClr>
+          </a:solidFill>
+        </p:spPr>
+        <p:txBody>
+          <a:bodyPr wrap="square" lIns="0" tIns="0" rIns="0" bIns="0" rtlCol="0">
+            <a:spAutoFit/>
+          </a:bodyPr>
+          <a:lstStyle/>
+          <a:p>
+            <a:pPr algn="ctr"/>
+            <a:r>
+              <a:rPr lang="en-US" altLang="ko-KR" sz="1000" dirty="0" smtClean="0">
+                <a:solidFill>
+                  <a:srgbClr val="70AD47">
+                    <a:lumMod val="75000"/>
+                  </a:srgbClr>
+                </a:solidFill>
+              </a:rPr>
+              <a:t>Guestbook </a:t>
+            </a:r>
+            <a:r>
+              <a:rPr lang="en-US" altLang="ko-KR" sz="1000" dirty="0" err="1" smtClean="0">
+                <a:solidFill>
+                  <a:srgbClr val="70AD47">
+                    <a:lumMod val="75000"/>
+                  </a:srgbClr>
+                </a:solidFill>
+              </a:rPr>
+              <a:t>vo</a:t>
+            </a:r>
+            <a:endParaRPr lang="en-US" altLang="ko-KR" sz="1000" dirty="0" smtClean="0">
+              <a:solidFill>
+                <a:srgbClr val="70AD47">
+                  <a:lumMod val="75000"/>
+                </a:srgbClr>
+              </a:solidFill>
+            </a:endParaRPr>
+          </a:p>
+        </p:txBody>
+      </p:sp>
+      <p:sp>
+        <p:nvSpPr>
+          <p:cNvPr id="37" name="TextBox 36">
+            <a:extLst>
+              <a:ext uri="{FF2B5EF4-FFF2-40B4-BE49-F238E27FC236}">
+                <a16:creationId xmlns:a16="http://schemas.microsoft.com/office/drawing/2014/main" xmlns="" id="{ED21C0EA-1B65-43C8-AAD0-87268DCF3FD2}"/>
+              </a:ext>
+            </a:extLst>
+          </p:cNvPr>
+          <p:cNvSpPr txBox="1"/>
+          <p:nvPr/>
+        </p:nvSpPr>
+        <p:spPr>
+          <a:xfrm>
+            <a:off x="9923715" y="3001623"/>
+            <a:ext cx="831986" cy="153888"/>
+          </a:xfrm>
+          <a:prstGeom prst="rect">
+            <a:avLst/>
+          </a:prstGeom>
+          <a:solidFill>
+            <a:schemeClr val="accent6">
+              <a:lumMod val="20000"/>
+              <a:lumOff val="80000"/>
+            </a:schemeClr>
+          </a:solidFill>
+        </p:spPr>
+        <p:txBody>
+          <a:bodyPr wrap="square" lIns="0" tIns="0" rIns="0" bIns="0" rtlCol="0">
+            <a:spAutoFit/>
+          </a:bodyPr>
+          <a:lstStyle/>
+          <a:p>
+            <a:pPr algn="ctr"/>
+            <a:r>
+              <a:rPr lang="en-US" altLang="ko-KR" sz="1000" dirty="0" smtClean="0">
+                <a:solidFill>
+                  <a:srgbClr val="70AD47">
+                    <a:lumMod val="75000"/>
+                  </a:srgbClr>
+                </a:solidFill>
+              </a:rPr>
+              <a:t>Guestbook </a:t>
+            </a:r>
+            <a:r>
+              <a:rPr lang="en-US" altLang="ko-KR" sz="1000" dirty="0" err="1" smtClean="0">
+                <a:solidFill>
+                  <a:srgbClr val="70AD47">
+                    <a:lumMod val="75000"/>
+                  </a:srgbClr>
+                </a:solidFill>
+              </a:rPr>
+              <a:t>vo</a:t>
+            </a:r>
+            <a:endParaRPr lang="en-US" altLang="ko-KR" sz="1000" dirty="0" smtClean="0">
+              <a:solidFill>
+                <a:srgbClr val="70AD47">
+                  <a:lumMod val="75000"/>
+                </a:srgbClr>
+              </a:solidFill>
+            </a:endParaRPr>
+          </a:p>
+        </p:txBody>
+      </p:sp>
+      <p:cxnSp>
+        <p:nvCxnSpPr>
+          <p:cNvPr id="38" name="직선 화살표 연결선 37">
+            <a:extLst>
+              <a:ext uri="{FF2B5EF4-FFF2-40B4-BE49-F238E27FC236}">
+                <a16:creationId xmlns:a16="http://schemas.microsoft.com/office/drawing/2014/main" xmlns="" id="{EC28C33C-129E-4506-9549-3759C91D42BE}"/>
+              </a:ext>
+            </a:extLst>
+          </p:cNvPr>
+          <p:cNvCxnSpPr>
+            <a:cxnSpLocks/>
+          </p:cNvCxnSpPr>
+          <p:nvPr/>
+        </p:nvCxnSpPr>
+        <p:spPr>
+          <a:xfrm flipH="1" flipV="1">
+            <a:off x="9824481" y="3526021"/>
+            <a:ext cx="1110838" cy="1406"/>
+          </a:xfrm>
+          <a:prstGeom prst="straightConnector1">
+            <a:avLst/>
+          </a:prstGeom>
+          <a:ln w="19050">
+            <a:solidFill>
+              <a:schemeClr val="accent2">
+                <a:lumMod val="60000"/>
+                <a:lumOff val="40000"/>
+              </a:schemeClr>
+            </a:solidFill>
+            <a:tailEnd type="triangle"/>
+          </a:ln>
+        </p:spPr>
+        <p:style>
+          <a:lnRef idx="1">
+            <a:schemeClr val="accent2"/>
+          </a:lnRef>
+          <a:fillRef idx="0">
+            <a:schemeClr val="accent2"/>
+          </a:fillRef>
+          <a:effectRef idx="0">
+            <a:schemeClr val="accent2"/>
+          </a:effectRef>
+          <a:fontRef idx="minor">
+            <a:schemeClr val="tx1"/>
+          </a:fontRef>
+        </p:style>
+      </p:cxnSp>
+      <p:sp>
+        <p:nvSpPr>
+          <p:cNvPr id="39" name="TextBox 38">
+            <a:extLst>
+              <a:ext uri="{FF2B5EF4-FFF2-40B4-BE49-F238E27FC236}">
+                <a16:creationId xmlns:a16="http://schemas.microsoft.com/office/drawing/2014/main" xmlns="" id="{83A2AE63-3C59-4FEB-BBED-3D51275125E3}"/>
+              </a:ext>
+            </a:extLst>
+          </p:cNvPr>
+          <p:cNvSpPr txBox="1"/>
+          <p:nvPr/>
+        </p:nvSpPr>
+        <p:spPr>
+          <a:xfrm>
+            <a:off x="9807923" y="3575268"/>
+            <a:ext cx="1282402" cy="461665"/>
+          </a:xfrm>
+          <a:prstGeom prst="rect">
+            <a:avLst/>
+          </a:prstGeom>
+          <a:solidFill>
+            <a:schemeClr val="accent2">
+              <a:lumMod val="20000"/>
+              <a:lumOff val="80000"/>
+            </a:schemeClr>
+          </a:solidFill>
+        </p:spPr>
+        <p:txBody>
+          <a:bodyPr wrap="none" lIns="0" tIns="0" rIns="0" bIns="0" rtlCol="0">
+            <a:spAutoFit/>
+          </a:bodyPr>
+          <a:lstStyle/>
+          <a:p>
+            <a:pPr algn="ctr"/>
+            <a:r>
+              <a:rPr lang="en-US" altLang="ko-KR" sz="1000" dirty="0" err="1" smtClean="0">
+                <a:solidFill>
+                  <a:schemeClr val="accent2"/>
+                </a:solidFill>
+              </a:rPr>
+              <a:t>GuestbookVo</a:t>
+            </a:r>
+            <a:r>
+              <a:rPr lang="en-US" altLang="ko-KR" sz="1000" dirty="0" smtClean="0">
+                <a:solidFill>
+                  <a:schemeClr val="accent2"/>
+                </a:solidFill>
+              </a:rPr>
+              <a:t> </a:t>
+            </a:r>
+            <a:r>
+              <a:rPr lang="en-US" altLang="ko-KR" sz="1000" dirty="0" err="1" smtClean="0">
+                <a:solidFill>
+                  <a:schemeClr val="accent2"/>
+                </a:solidFill>
+              </a:rPr>
+              <a:t>vo</a:t>
+            </a:r>
+            <a:endParaRPr lang="en-US" altLang="ko-KR" sz="1000" dirty="0" smtClean="0">
+              <a:solidFill>
+                <a:schemeClr val="accent2"/>
+              </a:solidFill>
+            </a:endParaRPr>
+          </a:p>
+          <a:p>
+            <a:pPr algn="ctr"/>
+            <a:r>
+              <a:rPr lang="en-US" altLang="ko-KR" sz="1000" dirty="0" smtClean="0">
+                <a:solidFill>
+                  <a:schemeClr val="accent2"/>
+                </a:solidFill>
+              </a:rPr>
+              <a:t>(no, name, password, </a:t>
+            </a:r>
+          </a:p>
+          <a:p>
+            <a:pPr algn="ctr"/>
+            <a:r>
+              <a:rPr lang="en-US" altLang="ko-KR" sz="1000" dirty="0" smtClean="0">
+                <a:solidFill>
+                  <a:schemeClr val="accent2"/>
+                </a:solidFill>
+              </a:rPr>
+              <a:t>content)</a:t>
+            </a:r>
+            <a:endParaRPr lang="ko-KR" altLang="en-US" sz="1000" dirty="0">
+              <a:solidFill>
+                <a:schemeClr val="accent2"/>
+              </a:solidFill>
+            </a:endParaRPr>
+          </a:p>
+        </p:txBody>
+      </p:sp>
+      <p:cxnSp>
+        <p:nvCxnSpPr>
+          <p:cNvPr id="40" name="직선 화살표 연결선 39">
+            <a:extLst>
+              <a:ext uri="{FF2B5EF4-FFF2-40B4-BE49-F238E27FC236}">
+                <a16:creationId xmlns:a16="http://schemas.microsoft.com/office/drawing/2014/main" xmlns="" id="{EC28C33C-129E-4506-9549-3759C91D42BE}"/>
+              </a:ext>
+            </a:extLst>
+          </p:cNvPr>
+          <p:cNvCxnSpPr>
+            <a:cxnSpLocks/>
+          </p:cNvCxnSpPr>
+          <p:nvPr/>
+        </p:nvCxnSpPr>
+        <p:spPr>
+          <a:xfrm flipH="1" flipV="1">
+            <a:off x="8289894" y="3524615"/>
+            <a:ext cx="1110838" cy="1406"/>
+          </a:xfrm>
+          <a:prstGeom prst="straightConnector1">
+            <a:avLst/>
+          </a:prstGeom>
+          <a:ln w="19050">
+            <a:solidFill>
+              <a:schemeClr val="accent2">
+                <a:lumMod val="60000"/>
+                <a:lumOff val="40000"/>
+              </a:schemeClr>
+            </a:solidFill>
+            <a:tailEnd type="triangle"/>
+          </a:ln>
+        </p:spPr>
+        <p:style>
+          <a:lnRef idx="1">
+            <a:schemeClr val="accent2"/>
+          </a:lnRef>
+          <a:fillRef idx="0">
+            <a:schemeClr val="accent2"/>
+          </a:fillRef>
+          <a:effectRef idx="0">
+            <a:schemeClr val="accent2"/>
+          </a:effectRef>
+          <a:fontRef idx="minor">
+            <a:schemeClr val="tx1"/>
+          </a:fontRef>
+        </p:style>
+      </p:cxnSp>
+      <p:sp>
+        <p:nvSpPr>
+          <p:cNvPr id="41" name="TextBox 40">
+            <a:extLst>
+              <a:ext uri="{FF2B5EF4-FFF2-40B4-BE49-F238E27FC236}">
+                <a16:creationId xmlns:a16="http://schemas.microsoft.com/office/drawing/2014/main" xmlns="" id="{83A2AE63-3C59-4FEB-BBED-3D51275125E3}"/>
+              </a:ext>
+            </a:extLst>
+          </p:cNvPr>
+          <p:cNvSpPr txBox="1"/>
+          <p:nvPr/>
+        </p:nvSpPr>
+        <p:spPr>
+          <a:xfrm>
+            <a:off x="8273336" y="3573862"/>
+            <a:ext cx="1282402" cy="461665"/>
+          </a:xfrm>
+          <a:prstGeom prst="rect">
+            <a:avLst/>
+          </a:prstGeom>
+          <a:solidFill>
+            <a:schemeClr val="accent2">
+              <a:lumMod val="20000"/>
+              <a:lumOff val="80000"/>
+            </a:schemeClr>
+          </a:solidFill>
+        </p:spPr>
+        <p:txBody>
+          <a:bodyPr wrap="none" lIns="0" tIns="0" rIns="0" bIns="0" rtlCol="0">
+            <a:spAutoFit/>
+          </a:bodyPr>
+          <a:lstStyle/>
+          <a:p>
+            <a:pPr algn="ctr"/>
+            <a:r>
+              <a:rPr lang="en-US" altLang="ko-KR" sz="1000" dirty="0" err="1" smtClean="0">
+                <a:solidFill>
+                  <a:schemeClr val="accent2"/>
+                </a:solidFill>
+              </a:rPr>
+              <a:t>GuestbookVo</a:t>
+            </a:r>
+            <a:r>
+              <a:rPr lang="en-US" altLang="ko-KR" sz="1000" dirty="0" smtClean="0">
+                <a:solidFill>
+                  <a:schemeClr val="accent2"/>
+                </a:solidFill>
+              </a:rPr>
+              <a:t> </a:t>
+            </a:r>
+            <a:r>
+              <a:rPr lang="en-US" altLang="ko-KR" sz="1000" dirty="0" err="1" smtClean="0">
+                <a:solidFill>
+                  <a:schemeClr val="accent2"/>
+                </a:solidFill>
+              </a:rPr>
+              <a:t>vo</a:t>
+            </a:r>
+            <a:endParaRPr lang="en-US" altLang="ko-KR" sz="1000" dirty="0" smtClean="0">
+              <a:solidFill>
+                <a:schemeClr val="accent2"/>
+              </a:solidFill>
+            </a:endParaRPr>
+          </a:p>
+          <a:p>
+            <a:pPr algn="ctr"/>
+            <a:r>
+              <a:rPr lang="en-US" altLang="ko-KR" sz="1000" dirty="0" smtClean="0">
+                <a:solidFill>
+                  <a:schemeClr val="accent2"/>
+                </a:solidFill>
+              </a:rPr>
+              <a:t>(no, name, password, </a:t>
+            </a:r>
+          </a:p>
+          <a:p>
+            <a:pPr algn="ctr"/>
+            <a:r>
+              <a:rPr lang="en-US" altLang="ko-KR" sz="1000" dirty="0" smtClean="0">
+                <a:solidFill>
+                  <a:schemeClr val="accent2"/>
+                </a:solidFill>
+              </a:rPr>
+              <a:t>content)</a:t>
+            </a:r>
+            <a:endParaRPr lang="ko-KR" altLang="en-US" sz="1000" dirty="0">
+              <a:solidFill>
+                <a:schemeClr val="accent2"/>
+              </a:solidFill>
+            </a:endParaRPr>
+          </a:p>
+        </p:txBody>
+      </p:sp>
+      <p:cxnSp>
+        <p:nvCxnSpPr>
+          <p:cNvPr id="42" name="직선 화살표 연결선 41">
+            <a:extLst>
+              <a:ext uri="{FF2B5EF4-FFF2-40B4-BE49-F238E27FC236}">
+                <a16:creationId xmlns:a16="http://schemas.microsoft.com/office/drawing/2014/main" xmlns="" id="{EC28C33C-129E-4506-9549-3759C91D42BE}"/>
+              </a:ext>
+            </a:extLst>
+          </p:cNvPr>
+          <p:cNvCxnSpPr>
+            <a:cxnSpLocks/>
+          </p:cNvCxnSpPr>
+          <p:nvPr/>
+        </p:nvCxnSpPr>
+        <p:spPr>
+          <a:xfrm flipH="1" flipV="1">
+            <a:off x="6447262" y="3523209"/>
+            <a:ext cx="1110838" cy="1406"/>
+          </a:xfrm>
+          <a:prstGeom prst="straightConnector1">
+            <a:avLst/>
+          </a:prstGeom>
+          <a:ln w="19050">
+            <a:solidFill>
+              <a:schemeClr val="accent2">
+                <a:lumMod val="60000"/>
+                <a:lumOff val="40000"/>
+              </a:schemeClr>
+            </a:solidFill>
+            <a:tailEnd type="triangle"/>
+          </a:ln>
+        </p:spPr>
+        <p:style>
+          <a:lnRef idx="1">
+            <a:schemeClr val="accent2"/>
+          </a:lnRef>
+          <a:fillRef idx="0">
+            <a:schemeClr val="accent2"/>
+          </a:fillRef>
+          <a:effectRef idx="0">
+            <a:schemeClr val="accent2"/>
+          </a:effectRef>
+          <a:fontRef idx="minor">
+            <a:schemeClr val="tx1"/>
+          </a:fontRef>
+        </p:style>
+      </p:cxnSp>
+      <p:sp>
+        <p:nvSpPr>
+          <p:cNvPr id="43" name="TextBox 42">
+            <a:extLst>
+              <a:ext uri="{FF2B5EF4-FFF2-40B4-BE49-F238E27FC236}">
+                <a16:creationId xmlns:a16="http://schemas.microsoft.com/office/drawing/2014/main" xmlns="" id="{83A2AE63-3C59-4FEB-BBED-3D51275125E3}"/>
+              </a:ext>
+            </a:extLst>
+          </p:cNvPr>
+          <p:cNvSpPr txBox="1"/>
+          <p:nvPr/>
+        </p:nvSpPr>
+        <p:spPr>
+          <a:xfrm>
+            <a:off x="6430704" y="3572456"/>
+            <a:ext cx="1282402" cy="461665"/>
+          </a:xfrm>
+          <a:prstGeom prst="rect">
+            <a:avLst/>
+          </a:prstGeom>
+          <a:solidFill>
+            <a:schemeClr val="accent2">
+              <a:lumMod val="20000"/>
+              <a:lumOff val="80000"/>
+            </a:schemeClr>
+          </a:solidFill>
+        </p:spPr>
+        <p:txBody>
+          <a:bodyPr wrap="none" lIns="0" tIns="0" rIns="0" bIns="0" rtlCol="0">
+            <a:spAutoFit/>
+          </a:bodyPr>
+          <a:lstStyle/>
+          <a:p>
+            <a:pPr algn="ctr"/>
+            <a:r>
+              <a:rPr lang="en-US" altLang="ko-KR" sz="1000" dirty="0" err="1" smtClean="0">
+                <a:solidFill>
+                  <a:schemeClr val="accent2"/>
+                </a:solidFill>
+              </a:rPr>
+              <a:t>GuestbookVo</a:t>
+            </a:r>
+            <a:r>
+              <a:rPr lang="en-US" altLang="ko-KR" sz="1000" dirty="0" smtClean="0">
+                <a:solidFill>
+                  <a:schemeClr val="accent2"/>
+                </a:solidFill>
+              </a:rPr>
+              <a:t> </a:t>
+            </a:r>
+            <a:r>
+              <a:rPr lang="en-US" altLang="ko-KR" sz="1000" dirty="0" err="1" smtClean="0">
+                <a:solidFill>
+                  <a:schemeClr val="accent2"/>
+                </a:solidFill>
+              </a:rPr>
+              <a:t>vo</a:t>
+            </a:r>
+            <a:endParaRPr lang="en-US" altLang="ko-KR" sz="1000" dirty="0" smtClean="0">
+              <a:solidFill>
+                <a:schemeClr val="accent2"/>
+              </a:solidFill>
+            </a:endParaRPr>
+          </a:p>
+          <a:p>
+            <a:pPr algn="ctr"/>
+            <a:r>
+              <a:rPr lang="en-US" altLang="ko-KR" sz="1000" dirty="0" smtClean="0">
+                <a:solidFill>
+                  <a:schemeClr val="accent2"/>
+                </a:solidFill>
+              </a:rPr>
+              <a:t>(no, name, password, </a:t>
+            </a:r>
+          </a:p>
+          <a:p>
+            <a:pPr algn="ctr"/>
+            <a:r>
+              <a:rPr lang="en-US" altLang="ko-KR" sz="1000" dirty="0" smtClean="0">
+                <a:solidFill>
+                  <a:schemeClr val="accent2"/>
+                </a:solidFill>
+              </a:rPr>
+              <a:t>content)</a:t>
+            </a:r>
+            <a:endParaRPr lang="ko-KR" altLang="en-US" sz="1000" dirty="0">
+              <a:solidFill>
+                <a:schemeClr val="accent2"/>
+              </a:solidFill>
+            </a:endParaRPr>
+          </a:p>
+        </p:txBody>
+      </p:sp>
+      <p:cxnSp>
+        <p:nvCxnSpPr>
+          <p:cNvPr id="44" name="직선 화살표 연결선 43">
+            <a:extLst>
+              <a:ext uri="{FF2B5EF4-FFF2-40B4-BE49-F238E27FC236}">
+                <a16:creationId xmlns:a16="http://schemas.microsoft.com/office/drawing/2014/main" xmlns="" id="{3992F012-AF65-4E39-8E9C-577F6F0B7BD2}"/>
+              </a:ext>
+            </a:extLst>
+          </p:cNvPr>
+          <p:cNvCxnSpPr>
+            <a:cxnSpLocks/>
+          </p:cNvCxnSpPr>
+          <p:nvPr/>
+        </p:nvCxnSpPr>
+        <p:spPr>
+          <a:xfrm>
+            <a:off x="6573771" y="4342634"/>
+            <a:ext cx="984329" cy="11005"/>
+          </a:xfrm>
+          <a:prstGeom prst="straightConnector1">
+            <a:avLst/>
+          </a:prstGeom>
+          <a:ln w="19050">
+            <a:solidFill>
+              <a:schemeClr val="accent6">
+                <a:lumMod val="60000"/>
+                <a:lumOff val="40000"/>
+              </a:schemeClr>
+            </a:solidFill>
+            <a:tailEnd type="triangle"/>
+          </a:ln>
+        </p:spPr>
+        <p:style>
+          <a:lnRef idx="1">
+            <a:schemeClr val="accent1"/>
+          </a:lnRef>
+          <a:fillRef idx="0">
+            <a:schemeClr val="accent1"/>
+          </a:fillRef>
+          <a:effectRef idx="0">
+            <a:schemeClr val="accent1"/>
+          </a:effectRef>
+          <a:fontRef idx="minor">
+            <a:schemeClr val="tx1"/>
+          </a:fontRef>
+        </p:style>
+      </p:cxnSp>
+      <p:cxnSp>
+        <p:nvCxnSpPr>
+          <p:cNvPr id="45" name="직선 화살표 연결선 44">
+            <a:extLst>
+              <a:ext uri="{FF2B5EF4-FFF2-40B4-BE49-F238E27FC236}">
+                <a16:creationId xmlns:a16="http://schemas.microsoft.com/office/drawing/2014/main" xmlns="" id="{3992F012-AF65-4E39-8E9C-577F6F0B7BD2}"/>
+              </a:ext>
+            </a:extLst>
+          </p:cNvPr>
+          <p:cNvCxnSpPr>
+            <a:cxnSpLocks/>
+          </p:cNvCxnSpPr>
+          <p:nvPr/>
+        </p:nvCxnSpPr>
+        <p:spPr>
+          <a:xfrm>
+            <a:off x="8273336" y="4341677"/>
+            <a:ext cx="984329" cy="11005"/>
+          </a:xfrm>
+          <a:prstGeom prst="straightConnector1">
+            <a:avLst/>
+          </a:prstGeom>
+          <a:ln w="19050">
+            <a:solidFill>
+              <a:schemeClr val="accent6">
+                <a:lumMod val="60000"/>
+                <a:lumOff val="40000"/>
+              </a:schemeClr>
+            </a:solidFill>
+            <a:tailEnd type="triangle"/>
+          </a:ln>
+        </p:spPr>
+        <p:style>
+          <a:lnRef idx="1">
+            <a:schemeClr val="accent1"/>
+          </a:lnRef>
+          <a:fillRef idx="0">
+            <a:schemeClr val="accent1"/>
+          </a:fillRef>
+          <a:effectRef idx="0">
+            <a:schemeClr val="accent1"/>
+          </a:effectRef>
+          <a:fontRef idx="minor">
+            <a:schemeClr val="tx1"/>
+          </a:fontRef>
+        </p:style>
+      </p:cxnSp>
+      <p:cxnSp>
+        <p:nvCxnSpPr>
+          <p:cNvPr id="46" name="직선 화살표 연결선 45">
+            <a:extLst>
+              <a:ext uri="{FF2B5EF4-FFF2-40B4-BE49-F238E27FC236}">
+                <a16:creationId xmlns:a16="http://schemas.microsoft.com/office/drawing/2014/main" xmlns="" id="{3992F012-AF65-4E39-8E9C-577F6F0B7BD2}"/>
+              </a:ext>
+            </a:extLst>
+          </p:cNvPr>
+          <p:cNvCxnSpPr>
+            <a:cxnSpLocks/>
+          </p:cNvCxnSpPr>
+          <p:nvPr/>
+        </p:nvCxnSpPr>
+        <p:spPr>
+          <a:xfrm>
+            <a:off x="9945461" y="4340720"/>
+            <a:ext cx="984329" cy="11005"/>
+          </a:xfrm>
+          <a:prstGeom prst="straightConnector1">
+            <a:avLst/>
+          </a:prstGeom>
+          <a:ln w="19050">
+            <a:solidFill>
+              <a:schemeClr val="accent6">
+                <a:lumMod val="60000"/>
+                <a:lumOff val="40000"/>
+              </a:schemeClr>
+            </a:solidFill>
+            <a:tailEnd type="triangle"/>
+          </a:ln>
+        </p:spPr>
+        <p:style>
+          <a:lnRef idx="1">
+            <a:schemeClr val="accent1"/>
+          </a:lnRef>
+          <a:fillRef idx="0">
+            <a:schemeClr val="accent1"/>
+          </a:fillRef>
+          <a:effectRef idx="0">
+            <a:schemeClr val="accent1"/>
+          </a:effectRef>
+          <a:fontRef idx="minor">
+            <a:schemeClr val="tx1"/>
+          </a:fontRef>
+        </p:style>
+      </p:cxnSp>
+      <p:sp>
+        <p:nvSpPr>
+          <p:cNvPr id="47" name="TextBox 46">
+            <a:extLst>
+              <a:ext uri="{FF2B5EF4-FFF2-40B4-BE49-F238E27FC236}">
+                <a16:creationId xmlns:a16="http://schemas.microsoft.com/office/drawing/2014/main" xmlns="" id="{ED21C0EA-1B65-43C8-AAD0-87268DCF3FD2}"/>
+              </a:ext>
+            </a:extLst>
+          </p:cNvPr>
+          <p:cNvSpPr txBox="1"/>
+          <p:nvPr/>
+        </p:nvSpPr>
+        <p:spPr>
+          <a:xfrm>
+            <a:off x="6432051" y="4156688"/>
+            <a:ext cx="1219420" cy="153888"/>
+          </a:xfrm>
+          <a:prstGeom prst="rect">
+            <a:avLst/>
+          </a:prstGeom>
+          <a:solidFill>
+            <a:schemeClr val="accent6">
+              <a:lumMod val="20000"/>
+              <a:lumOff val="80000"/>
+            </a:schemeClr>
+          </a:solidFill>
+        </p:spPr>
+        <p:txBody>
+          <a:bodyPr wrap="square" lIns="0" tIns="0" rIns="0" bIns="0" rtlCol="0">
+            <a:spAutoFit/>
+          </a:bodyPr>
+          <a:lstStyle/>
+          <a:p>
+            <a:pPr algn="ctr"/>
+            <a:r>
+              <a:rPr lang="en-US" altLang="ko-KR" sz="1000" dirty="0" err="1" smtClean="0">
+                <a:solidFill>
+                  <a:srgbClr val="70AD47">
+                    <a:lumMod val="75000"/>
+                  </a:srgbClr>
+                </a:solidFill>
+              </a:rPr>
+              <a:t>int</a:t>
+            </a:r>
+            <a:r>
+              <a:rPr lang="en-US" altLang="ko-KR" sz="1000" dirty="0" smtClean="0">
+                <a:solidFill>
+                  <a:srgbClr val="70AD47">
+                    <a:lumMod val="75000"/>
+                  </a:srgbClr>
+                </a:solidFill>
+              </a:rPr>
+              <a:t> no= </a:t>
+            </a:r>
+            <a:r>
+              <a:rPr lang="en-US" altLang="ko-KR" sz="1000" dirty="0" err="1" smtClean="0">
+                <a:solidFill>
+                  <a:srgbClr val="70AD47">
+                    <a:lumMod val="75000"/>
+                  </a:srgbClr>
+                </a:solidFill>
+              </a:rPr>
+              <a:t>vo.getNo</a:t>
+            </a:r>
+            <a:r>
+              <a:rPr lang="en-US" altLang="ko-KR" sz="1000" dirty="0" smtClean="0">
+                <a:solidFill>
+                  <a:srgbClr val="70AD47">
+                    <a:lumMod val="75000"/>
+                  </a:srgbClr>
+                </a:solidFill>
+              </a:rPr>
+              <a:t>()</a:t>
+            </a:r>
+          </a:p>
+        </p:txBody>
+      </p:sp>
+      <p:sp>
+        <p:nvSpPr>
+          <p:cNvPr id="48" name="TextBox 47">
+            <a:extLst>
+              <a:ext uri="{FF2B5EF4-FFF2-40B4-BE49-F238E27FC236}">
+                <a16:creationId xmlns:a16="http://schemas.microsoft.com/office/drawing/2014/main" xmlns="" id="{ED21C0EA-1B65-43C8-AAD0-87268DCF3FD2}"/>
+              </a:ext>
+            </a:extLst>
+          </p:cNvPr>
+          <p:cNvSpPr txBox="1"/>
+          <p:nvPr/>
+        </p:nvSpPr>
+        <p:spPr>
+          <a:xfrm>
+            <a:off x="8091800" y="4156688"/>
+            <a:ext cx="1219420" cy="153888"/>
+          </a:xfrm>
+          <a:prstGeom prst="rect">
+            <a:avLst/>
+          </a:prstGeom>
+          <a:solidFill>
+            <a:schemeClr val="accent6">
+              <a:lumMod val="20000"/>
+              <a:lumOff val="80000"/>
+            </a:schemeClr>
+          </a:solidFill>
+        </p:spPr>
+        <p:txBody>
+          <a:bodyPr wrap="square" lIns="0" tIns="0" rIns="0" bIns="0" rtlCol="0">
+            <a:spAutoFit/>
+          </a:bodyPr>
+          <a:lstStyle/>
+          <a:p>
+            <a:pPr algn="ctr"/>
+            <a:r>
+              <a:rPr lang="en-US" altLang="ko-KR" sz="1000" dirty="0" err="1" smtClean="0">
+                <a:solidFill>
+                  <a:srgbClr val="70AD47">
+                    <a:lumMod val="75000"/>
+                  </a:srgbClr>
+                </a:solidFill>
+              </a:rPr>
+              <a:t>int</a:t>
+            </a:r>
+            <a:r>
+              <a:rPr lang="en-US" altLang="ko-KR" sz="1000" dirty="0" smtClean="0">
+                <a:solidFill>
+                  <a:srgbClr val="70AD47">
+                    <a:lumMod val="75000"/>
+                  </a:srgbClr>
+                </a:solidFill>
+              </a:rPr>
+              <a:t> no= </a:t>
+            </a:r>
+            <a:r>
+              <a:rPr lang="en-US" altLang="ko-KR" sz="1000" dirty="0" err="1" smtClean="0">
+                <a:solidFill>
+                  <a:srgbClr val="70AD47">
+                    <a:lumMod val="75000"/>
+                  </a:srgbClr>
+                </a:solidFill>
+              </a:rPr>
+              <a:t>vo.getNo</a:t>
+            </a:r>
+            <a:r>
+              <a:rPr lang="en-US" altLang="ko-KR" sz="1000" dirty="0" smtClean="0">
+                <a:solidFill>
+                  <a:srgbClr val="70AD47">
+                    <a:lumMod val="75000"/>
+                  </a:srgbClr>
+                </a:solidFill>
+              </a:rPr>
+              <a:t>()</a:t>
+            </a:r>
+          </a:p>
+        </p:txBody>
+      </p:sp>
+      <p:sp>
+        <p:nvSpPr>
+          <p:cNvPr id="49" name="TextBox 48">
+            <a:extLst>
+              <a:ext uri="{FF2B5EF4-FFF2-40B4-BE49-F238E27FC236}">
+                <a16:creationId xmlns:a16="http://schemas.microsoft.com/office/drawing/2014/main" xmlns="" id="{ED21C0EA-1B65-43C8-AAD0-87268DCF3FD2}"/>
+              </a:ext>
+            </a:extLst>
+          </p:cNvPr>
+          <p:cNvSpPr txBox="1"/>
+          <p:nvPr/>
+        </p:nvSpPr>
+        <p:spPr>
+          <a:xfrm>
+            <a:off x="9827915" y="4156688"/>
+            <a:ext cx="1219420" cy="153888"/>
+          </a:xfrm>
+          <a:prstGeom prst="rect">
+            <a:avLst/>
+          </a:prstGeom>
+          <a:solidFill>
+            <a:schemeClr val="accent6">
+              <a:lumMod val="20000"/>
+              <a:lumOff val="80000"/>
+            </a:schemeClr>
+          </a:solidFill>
+        </p:spPr>
+        <p:txBody>
+          <a:bodyPr wrap="square" lIns="0" tIns="0" rIns="0" bIns="0" rtlCol="0">
+            <a:spAutoFit/>
+          </a:bodyPr>
+          <a:lstStyle/>
+          <a:p>
+            <a:pPr algn="ctr"/>
+            <a:r>
+              <a:rPr lang="en-US" altLang="ko-KR" sz="1000" dirty="0" err="1" smtClean="0">
+                <a:solidFill>
+                  <a:srgbClr val="70AD47">
+                    <a:lumMod val="75000"/>
+                  </a:srgbClr>
+                </a:solidFill>
+              </a:rPr>
+              <a:t>int</a:t>
+            </a:r>
+            <a:r>
+              <a:rPr lang="en-US" altLang="ko-KR" sz="1000" dirty="0" smtClean="0">
+                <a:solidFill>
+                  <a:srgbClr val="70AD47">
+                    <a:lumMod val="75000"/>
+                  </a:srgbClr>
+                </a:solidFill>
+              </a:rPr>
+              <a:t> no= </a:t>
+            </a:r>
+            <a:r>
+              <a:rPr lang="en-US" altLang="ko-KR" sz="1000" dirty="0" err="1" smtClean="0">
+                <a:solidFill>
+                  <a:srgbClr val="70AD47">
+                    <a:lumMod val="75000"/>
+                  </a:srgbClr>
+                </a:solidFill>
+              </a:rPr>
+              <a:t>vo.getNo</a:t>
+            </a:r>
+            <a:r>
+              <a:rPr lang="en-US" altLang="ko-KR" sz="1000" dirty="0" smtClean="0">
+                <a:solidFill>
+                  <a:srgbClr val="70AD47">
+                    <a:lumMod val="75000"/>
+                  </a:srgbClr>
+                </a:solidFill>
+              </a:rPr>
+              <a:t>()</a:t>
+            </a:r>
+          </a:p>
+        </p:txBody>
+      </p:sp>
+      <p:sp>
+        <p:nvSpPr>
+          <p:cNvPr id="50" name="TextBox 49">
+            <a:extLst>
+              <a:ext uri="{FF2B5EF4-FFF2-40B4-BE49-F238E27FC236}">
+                <a16:creationId xmlns:a16="http://schemas.microsoft.com/office/drawing/2014/main" xmlns="" id="{83A2AE63-3C59-4FEB-BBED-3D51275125E3}"/>
+              </a:ext>
+            </a:extLst>
+          </p:cNvPr>
+          <p:cNvSpPr txBox="1"/>
+          <p:nvPr/>
+        </p:nvSpPr>
+        <p:spPr>
+          <a:xfrm>
+            <a:off x="9793556" y="4633471"/>
+            <a:ext cx="1282402" cy="461665"/>
+          </a:xfrm>
+          <a:prstGeom prst="rect">
+            <a:avLst/>
+          </a:prstGeom>
+          <a:solidFill>
+            <a:schemeClr val="accent2">
+              <a:lumMod val="20000"/>
+              <a:lumOff val="80000"/>
+            </a:schemeClr>
+          </a:solidFill>
+        </p:spPr>
+        <p:txBody>
+          <a:bodyPr wrap="none" lIns="0" tIns="0" rIns="0" bIns="0" rtlCol="0">
+            <a:spAutoFit/>
+          </a:bodyPr>
+          <a:lstStyle/>
+          <a:p>
+            <a:pPr algn="ctr"/>
+            <a:r>
+              <a:rPr lang="en-US" altLang="ko-KR" sz="1000" dirty="0" err="1" smtClean="0">
+                <a:solidFill>
+                  <a:schemeClr val="accent2"/>
+                </a:solidFill>
+              </a:rPr>
+              <a:t>GuestbookVo</a:t>
+            </a:r>
+            <a:r>
+              <a:rPr lang="en-US" altLang="ko-KR" sz="1000" dirty="0" smtClean="0">
+                <a:solidFill>
+                  <a:schemeClr val="accent2"/>
+                </a:solidFill>
+              </a:rPr>
+              <a:t> </a:t>
+            </a:r>
+            <a:r>
+              <a:rPr lang="en-US" altLang="ko-KR" sz="1000" dirty="0" err="1" smtClean="0">
+                <a:solidFill>
+                  <a:schemeClr val="accent2"/>
+                </a:solidFill>
+              </a:rPr>
+              <a:t>vo</a:t>
+            </a:r>
+            <a:endParaRPr lang="en-US" altLang="ko-KR" sz="1000" dirty="0" smtClean="0">
+              <a:solidFill>
+                <a:schemeClr val="accent2"/>
+              </a:solidFill>
+            </a:endParaRPr>
+          </a:p>
+          <a:p>
+            <a:pPr algn="ctr"/>
+            <a:r>
+              <a:rPr lang="en-US" altLang="ko-KR" sz="1000" dirty="0" smtClean="0">
+                <a:solidFill>
+                  <a:schemeClr val="accent2"/>
+                </a:solidFill>
+              </a:rPr>
+              <a:t>(no, name, password, </a:t>
+            </a:r>
+          </a:p>
+          <a:p>
+            <a:pPr algn="ctr"/>
+            <a:r>
+              <a:rPr lang="en-US" altLang="ko-KR" sz="1000" dirty="0" smtClean="0">
+                <a:solidFill>
+                  <a:schemeClr val="accent2"/>
+                </a:solidFill>
+              </a:rPr>
+              <a:t>content, </a:t>
+            </a:r>
+            <a:r>
+              <a:rPr lang="en-US" altLang="ko-KR" sz="1000" dirty="0" err="1" smtClean="0">
+                <a:solidFill>
+                  <a:schemeClr val="accent2"/>
+                </a:solidFill>
+              </a:rPr>
+              <a:t>regDate</a:t>
+            </a:r>
+            <a:r>
+              <a:rPr lang="en-US" altLang="ko-KR" sz="1000" dirty="0">
+                <a:solidFill>
+                  <a:schemeClr val="accent2"/>
+                </a:solidFill>
+              </a:rPr>
+              <a:t>)</a:t>
+            </a:r>
+            <a:endParaRPr lang="ko-KR" altLang="en-US" sz="1000" dirty="0">
+              <a:solidFill>
+                <a:schemeClr val="accent2"/>
+              </a:solidFill>
+            </a:endParaRPr>
+          </a:p>
+        </p:txBody>
+      </p:sp>
+      <p:cxnSp>
+        <p:nvCxnSpPr>
+          <p:cNvPr id="51" name="직선 화살표 연결선 50">
+            <a:extLst>
+              <a:ext uri="{FF2B5EF4-FFF2-40B4-BE49-F238E27FC236}">
+                <a16:creationId xmlns:a16="http://schemas.microsoft.com/office/drawing/2014/main" xmlns="" id="{EC28C33C-129E-4506-9549-3759C91D42BE}"/>
+              </a:ext>
+            </a:extLst>
+          </p:cNvPr>
+          <p:cNvCxnSpPr>
+            <a:cxnSpLocks/>
+          </p:cNvCxnSpPr>
+          <p:nvPr/>
+        </p:nvCxnSpPr>
+        <p:spPr>
+          <a:xfrm flipH="1" flipV="1">
+            <a:off x="9903395" y="4572501"/>
+            <a:ext cx="1035671" cy="1406"/>
+          </a:xfrm>
+          <a:prstGeom prst="straightConnector1">
+            <a:avLst/>
+          </a:prstGeom>
+          <a:ln w="19050">
+            <a:solidFill>
+              <a:schemeClr val="accent2">
+                <a:lumMod val="60000"/>
+                <a:lumOff val="40000"/>
+              </a:schemeClr>
+            </a:solidFill>
+            <a:tailEnd type="triangle"/>
+          </a:ln>
+        </p:spPr>
+        <p:style>
+          <a:lnRef idx="1">
+            <a:schemeClr val="accent2"/>
+          </a:lnRef>
+          <a:fillRef idx="0">
+            <a:schemeClr val="accent2"/>
+          </a:fillRef>
+          <a:effectRef idx="0">
+            <a:schemeClr val="accent2"/>
+          </a:effectRef>
+          <a:fontRef idx="minor">
+            <a:schemeClr val="tx1"/>
+          </a:fontRef>
+        </p:style>
+      </p:cxnSp>
+      <p:sp>
+        <p:nvSpPr>
+          <p:cNvPr id="53" name="TextBox 52">
+            <a:extLst>
+              <a:ext uri="{FF2B5EF4-FFF2-40B4-BE49-F238E27FC236}">
+                <a16:creationId xmlns:a16="http://schemas.microsoft.com/office/drawing/2014/main" xmlns="" id="{83A2AE63-3C59-4FEB-BBED-3D51275125E3}"/>
+              </a:ext>
+            </a:extLst>
+          </p:cNvPr>
+          <p:cNvSpPr txBox="1"/>
+          <p:nvPr/>
+        </p:nvSpPr>
+        <p:spPr>
+          <a:xfrm>
+            <a:off x="8137825" y="4621905"/>
+            <a:ext cx="1282402" cy="461665"/>
+          </a:xfrm>
+          <a:prstGeom prst="rect">
+            <a:avLst/>
+          </a:prstGeom>
+          <a:solidFill>
+            <a:schemeClr val="accent2">
+              <a:lumMod val="20000"/>
+              <a:lumOff val="80000"/>
+            </a:schemeClr>
+          </a:solidFill>
+        </p:spPr>
+        <p:txBody>
+          <a:bodyPr wrap="none" lIns="0" tIns="0" rIns="0" bIns="0" rtlCol="0">
+            <a:spAutoFit/>
+          </a:bodyPr>
+          <a:lstStyle/>
+          <a:p>
+            <a:pPr algn="ctr"/>
+            <a:r>
+              <a:rPr lang="en-US" altLang="ko-KR" sz="1000" dirty="0" err="1" smtClean="0">
+                <a:solidFill>
+                  <a:schemeClr val="accent2"/>
+                </a:solidFill>
+              </a:rPr>
+              <a:t>GuestbookVo</a:t>
+            </a:r>
+            <a:r>
+              <a:rPr lang="en-US" altLang="ko-KR" sz="1000" dirty="0" smtClean="0">
+                <a:solidFill>
+                  <a:schemeClr val="accent2"/>
+                </a:solidFill>
+              </a:rPr>
+              <a:t> </a:t>
+            </a:r>
+            <a:r>
+              <a:rPr lang="en-US" altLang="ko-KR" sz="1000" dirty="0" err="1" smtClean="0">
+                <a:solidFill>
+                  <a:schemeClr val="accent2"/>
+                </a:solidFill>
+              </a:rPr>
+              <a:t>vo</a:t>
+            </a:r>
+            <a:endParaRPr lang="en-US" altLang="ko-KR" sz="1000" dirty="0" smtClean="0">
+              <a:solidFill>
+                <a:schemeClr val="accent2"/>
+              </a:solidFill>
+            </a:endParaRPr>
+          </a:p>
+          <a:p>
+            <a:pPr algn="ctr"/>
+            <a:r>
+              <a:rPr lang="en-US" altLang="ko-KR" sz="1000" dirty="0" smtClean="0">
+                <a:solidFill>
+                  <a:schemeClr val="accent2"/>
+                </a:solidFill>
+              </a:rPr>
+              <a:t>(no, name, password, </a:t>
+            </a:r>
+          </a:p>
+          <a:p>
+            <a:pPr algn="ctr"/>
+            <a:r>
+              <a:rPr lang="en-US" altLang="ko-KR" sz="1000" dirty="0" smtClean="0">
+                <a:solidFill>
+                  <a:schemeClr val="accent2"/>
+                </a:solidFill>
+              </a:rPr>
+              <a:t>content, </a:t>
+            </a:r>
+            <a:r>
+              <a:rPr lang="en-US" altLang="ko-KR" sz="1000" dirty="0" err="1" smtClean="0">
+                <a:solidFill>
+                  <a:schemeClr val="accent2"/>
+                </a:solidFill>
+              </a:rPr>
+              <a:t>regDate</a:t>
+            </a:r>
+            <a:r>
+              <a:rPr lang="en-US" altLang="ko-KR" sz="1000" dirty="0">
+                <a:solidFill>
+                  <a:schemeClr val="accent2"/>
+                </a:solidFill>
+              </a:rPr>
+              <a:t>)</a:t>
+            </a:r>
+            <a:endParaRPr lang="ko-KR" altLang="en-US" sz="1000" dirty="0">
+              <a:solidFill>
+                <a:schemeClr val="accent2"/>
+              </a:solidFill>
+            </a:endParaRPr>
+          </a:p>
+        </p:txBody>
+      </p:sp>
+      <p:cxnSp>
+        <p:nvCxnSpPr>
+          <p:cNvPr id="54" name="직선 화살표 연결선 53">
+            <a:extLst>
+              <a:ext uri="{FF2B5EF4-FFF2-40B4-BE49-F238E27FC236}">
+                <a16:creationId xmlns:a16="http://schemas.microsoft.com/office/drawing/2014/main" xmlns="" id="{EC28C33C-129E-4506-9549-3759C91D42BE}"/>
+              </a:ext>
+            </a:extLst>
+          </p:cNvPr>
+          <p:cNvCxnSpPr>
+            <a:cxnSpLocks/>
+          </p:cNvCxnSpPr>
+          <p:nvPr/>
+        </p:nvCxnSpPr>
+        <p:spPr>
+          <a:xfrm flipH="1" flipV="1">
+            <a:off x="8247664" y="4560935"/>
+            <a:ext cx="1035671" cy="1406"/>
+          </a:xfrm>
+          <a:prstGeom prst="straightConnector1">
+            <a:avLst/>
+          </a:prstGeom>
+          <a:ln w="19050">
+            <a:solidFill>
+              <a:schemeClr val="accent2">
+                <a:lumMod val="60000"/>
+                <a:lumOff val="40000"/>
+              </a:schemeClr>
+            </a:solidFill>
+            <a:tailEnd type="triangle"/>
+          </a:ln>
+        </p:spPr>
+        <p:style>
+          <a:lnRef idx="1">
+            <a:schemeClr val="accent2"/>
+          </a:lnRef>
+          <a:fillRef idx="0">
+            <a:schemeClr val="accent2"/>
+          </a:fillRef>
+          <a:effectRef idx="0">
+            <a:schemeClr val="accent2"/>
+          </a:effectRef>
+          <a:fontRef idx="minor">
+            <a:schemeClr val="tx1"/>
+          </a:fontRef>
+        </p:style>
+      </p:cxnSp>
+      <p:sp>
+        <p:nvSpPr>
+          <p:cNvPr id="55" name="TextBox 54">
+            <a:extLst>
+              <a:ext uri="{FF2B5EF4-FFF2-40B4-BE49-F238E27FC236}">
+                <a16:creationId xmlns:a16="http://schemas.microsoft.com/office/drawing/2014/main" xmlns="" id="{83A2AE63-3C59-4FEB-BBED-3D51275125E3}"/>
+              </a:ext>
+            </a:extLst>
+          </p:cNvPr>
+          <p:cNvSpPr txBox="1"/>
+          <p:nvPr/>
+        </p:nvSpPr>
+        <p:spPr>
+          <a:xfrm>
+            <a:off x="6404920" y="4634877"/>
+            <a:ext cx="1282402" cy="461665"/>
+          </a:xfrm>
+          <a:prstGeom prst="rect">
+            <a:avLst/>
+          </a:prstGeom>
+          <a:solidFill>
+            <a:schemeClr val="accent2">
+              <a:lumMod val="20000"/>
+              <a:lumOff val="80000"/>
+            </a:schemeClr>
+          </a:solidFill>
+        </p:spPr>
+        <p:txBody>
+          <a:bodyPr wrap="none" lIns="0" tIns="0" rIns="0" bIns="0" rtlCol="0">
+            <a:spAutoFit/>
+          </a:bodyPr>
+          <a:lstStyle/>
+          <a:p>
+            <a:pPr algn="ctr"/>
+            <a:r>
+              <a:rPr lang="en-US" altLang="ko-KR" sz="1000" dirty="0" err="1" smtClean="0">
+                <a:solidFill>
+                  <a:schemeClr val="accent2"/>
+                </a:solidFill>
+              </a:rPr>
+              <a:t>GuestbookVo</a:t>
+            </a:r>
+            <a:r>
+              <a:rPr lang="en-US" altLang="ko-KR" sz="1000" dirty="0" smtClean="0">
+                <a:solidFill>
+                  <a:schemeClr val="accent2"/>
+                </a:solidFill>
+              </a:rPr>
+              <a:t> </a:t>
+            </a:r>
+            <a:r>
+              <a:rPr lang="en-US" altLang="ko-KR" sz="1000" dirty="0" err="1" smtClean="0">
+                <a:solidFill>
+                  <a:schemeClr val="accent2"/>
+                </a:solidFill>
+              </a:rPr>
+              <a:t>vo</a:t>
+            </a:r>
+            <a:endParaRPr lang="en-US" altLang="ko-KR" sz="1000" dirty="0" smtClean="0">
+              <a:solidFill>
+                <a:schemeClr val="accent2"/>
+              </a:solidFill>
+            </a:endParaRPr>
+          </a:p>
+          <a:p>
+            <a:pPr algn="ctr"/>
+            <a:r>
+              <a:rPr lang="en-US" altLang="ko-KR" sz="1000" dirty="0" smtClean="0">
+                <a:solidFill>
+                  <a:schemeClr val="accent2"/>
+                </a:solidFill>
+              </a:rPr>
+              <a:t>(no, name, password, </a:t>
+            </a:r>
+          </a:p>
+          <a:p>
+            <a:pPr algn="ctr"/>
+            <a:r>
+              <a:rPr lang="en-US" altLang="ko-KR" sz="1000" dirty="0" smtClean="0">
+                <a:solidFill>
+                  <a:schemeClr val="accent2"/>
+                </a:solidFill>
+              </a:rPr>
+              <a:t>content, </a:t>
+            </a:r>
+            <a:r>
+              <a:rPr lang="en-US" altLang="ko-KR" sz="1000" dirty="0" err="1" smtClean="0">
+                <a:solidFill>
+                  <a:schemeClr val="accent2"/>
+                </a:solidFill>
+              </a:rPr>
+              <a:t>regDate</a:t>
+            </a:r>
+            <a:r>
+              <a:rPr lang="en-US" altLang="ko-KR" sz="1000" dirty="0">
+                <a:solidFill>
+                  <a:schemeClr val="accent2"/>
+                </a:solidFill>
+              </a:rPr>
+              <a:t>)</a:t>
+            </a:r>
+            <a:endParaRPr lang="ko-KR" altLang="en-US" sz="1000" dirty="0">
+              <a:solidFill>
+                <a:schemeClr val="accent2"/>
+              </a:solidFill>
+            </a:endParaRPr>
+          </a:p>
+        </p:txBody>
+      </p:sp>
+      <p:cxnSp>
+        <p:nvCxnSpPr>
+          <p:cNvPr id="57" name="직선 화살표 연결선 56">
+            <a:extLst>
+              <a:ext uri="{FF2B5EF4-FFF2-40B4-BE49-F238E27FC236}">
+                <a16:creationId xmlns:a16="http://schemas.microsoft.com/office/drawing/2014/main" xmlns="" id="{EC28C33C-129E-4506-9549-3759C91D42BE}"/>
+              </a:ext>
+            </a:extLst>
+          </p:cNvPr>
+          <p:cNvCxnSpPr>
+            <a:cxnSpLocks/>
+          </p:cNvCxnSpPr>
+          <p:nvPr/>
+        </p:nvCxnSpPr>
+        <p:spPr>
+          <a:xfrm flipH="1" flipV="1">
+            <a:off x="6514759" y="4573907"/>
+            <a:ext cx="1035671" cy="1406"/>
+          </a:xfrm>
+          <a:prstGeom prst="straightConnector1">
+            <a:avLst/>
+          </a:prstGeom>
+          <a:ln w="19050">
+            <a:solidFill>
+              <a:schemeClr val="accent2">
+                <a:lumMod val="60000"/>
+                <a:lumOff val="40000"/>
+              </a:schemeClr>
+            </a:solidFill>
+            <a:tailEnd type="triangle"/>
+          </a:ln>
+        </p:spPr>
+        <p:style>
+          <a:lnRef idx="1">
+            <a:schemeClr val="accent2"/>
+          </a:lnRef>
+          <a:fillRef idx="0">
+            <a:schemeClr val="accent2"/>
+          </a:fillRef>
+          <a:effectRef idx="0">
+            <a:schemeClr val="accent2"/>
+          </a:effectRef>
+          <a:fontRef idx="minor">
+            <a:schemeClr val="tx1"/>
+          </a:fontRef>
+        </p:style>
+      </p:cxnSp>
+      <p:cxnSp>
+        <p:nvCxnSpPr>
+          <p:cNvPr id="58" name="직선 화살표 연결선 57">
+            <a:extLst>
+              <a:ext uri="{FF2B5EF4-FFF2-40B4-BE49-F238E27FC236}">
+                <a16:creationId xmlns:a16="http://schemas.microsoft.com/office/drawing/2014/main" xmlns="" id="{EC28C33C-129E-4506-9549-3759C91D42BE}"/>
+              </a:ext>
+            </a:extLst>
+          </p:cNvPr>
+          <p:cNvCxnSpPr>
+            <a:cxnSpLocks/>
+          </p:cNvCxnSpPr>
+          <p:nvPr/>
+        </p:nvCxnSpPr>
+        <p:spPr>
+          <a:xfrm flipH="1">
+            <a:off x="4662535" y="3528833"/>
+            <a:ext cx="1384078" cy="0"/>
+          </a:xfrm>
+          <a:prstGeom prst="straightConnector1">
+            <a:avLst/>
+          </a:prstGeom>
+          <a:ln w="19050">
+            <a:solidFill>
+              <a:schemeClr val="accent2">
+                <a:lumMod val="60000"/>
+                <a:lumOff val="40000"/>
+              </a:schemeClr>
+            </a:solidFill>
+            <a:tailEnd type="triangle"/>
+          </a:ln>
+        </p:spPr>
+        <p:style>
+          <a:lnRef idx="1">
+            <a:schemeClr val="accent2"/>
+          </a:lnRef>
+          <a:fillRef idx="0">
+            <a:schemeClr val="accent2"/>
+          </a:fillRef>
+          <a:effectRef idx="0">
+            <a:schemeClr val="accent2"/>
+          </a:effectRef>
+          <a:fontRef idx="minor">
+            <a:schemeClr val="tx1"/>
+          </a:fontRef>
+        </p:style>
+      </p:cxnSp>
+      <p:sp>
+        <p:nvSpPr>
+          <p:cNvPr id="62" name="TextBox 61">
+            <a:extLst>
+              <a:ext uri="{FF2B5EF4-FFF2-40B4-BE49-F238E27FC236}">
+                <a16:creationId xmlns:a16="http://schemas.microsoft.com/office/drawing/2014/main" xmlns="" id="{83A2AE63-3C59-4FEB-BBED-3D51275125E3}"/>
+              </a:ext>
+            </a:extLst>
+          </p:cNvPr>
+          <p:cNvSpPr txBox="1"/>
+          <p:nvPr/>
+        </p:nvSpPr>
+        <p:spPr>
+          <a:xfrm>
+            <a:off x="4756740" y="3575268"/>
+            <a:ext cx="1282402" cy="461665"/>
+          </a:xfrm>
+          <a:prstGeom prst="rect">
+            <a:avLst/>
+          </a:prstGeom>
+          <a:solidFill>
+            <a:schemeClr val="accent2">
+              <a:lumMod val="20000"/>
+              <a:lumOff val="80000"/>
+            </a:schemeClr>
+          </a:solidFill>
+        </p:spPr>
+        <p:txBody>
+          <a:bodyPr wrap="none" lIns="0" tIns="0" rIns="0" bIns="0" rtlCol="0">
+            <a:spAutoFit/>
+          </a:bodyPr>
+          <a:lstStyle/>
+          <a:p>
+            <a:pPr algn="ctr"/>
+            <a:r>
+              <a:rPr lang="en-US" altLang="ko-KR" sz="1000" dirty="0" err="1" smtClean="0">
+                <a:solidFill>
+                  <a:schemeClr val="accent2"/>
+                </a:solidFill>
+              </a:rPr>
+              <a:t>GuestbookVo</a:t>
+            </a:r>
+            <a:r>
+              <a:rPr lang="en-US" altLang="ko-KR" sz="1000" dirty="0" smtClean="0">
+                <a:solidFill>
+                  <a:schemeClr val="accent2"/>
+                </a:solidFill>
+              </a:rPr>
+              <a:t> </a:t>
+            </a:r>
+            <a:r>
+              <a:rPr lang="en-US" altLang="ko-KR" sz="1000" dirty="0" err="1" smtClean="0">
+                <a:solidFill>
+                  <a:schemeClr val="accent2"/>
+                </a:solidFill>
+              </a:rPr>
+              <a:t>vo</a:t>
+            </a:r>
+            <a:endParaRPr lang="en-US" altLang="ko-KR" sz="1000" dirty="0" smtClean="0">
+              <a:solidFill>
+                <a:schemeClr val="accent2"/>
+              </a:solidFill>
+            </a:endParaRPr>
+          </a:p>
+          <a:p>
+            <a:pPr algn="ctr"/>
+            <a:r>
+              <a:rPr lang="en-US" altLang="ko-KR" sz="1000" dirty="0" smtClean="0">
+                <a:solidFill>
+                  <a:schemeClr val="accent2"/>
+                </a:solidFill>
+              </a:rPr>
+              <a:t>(no, name, password, </a:t>
+            </a:r>
+          </a:p>
+          <a:p>
+            <a:pPr algn="ctr"/>
+            <a:r>
+              <a:rPr lang="en-US" altLang="ko-KR" sz="1000" dirty="0" smtClean="0">
+                <a:solidFill>
+                  <a:schemeClr val="accent2"/>
+                </a:solidFill>
+              </a:rPr>
+              <a:t>content, </a:t>
+            </a:r>
+            <a:r>
+              <a:rPr lang="en-US" altLang="ko-KR" sz="1000" dirty="0" err="1" smtClean="0">
+                <a:solidFill>
+                  <a:schemeClr val="accent2"/>
+                </a:solidFill>
+              </a:rPr>
+              <a:t>regDate</a:t>
+            </a:r>
+            <a:r>
+              <a:rPr lang="en-US" altLang="ko-KR" sz="1000" dirty="0">
+                <a:solidFill>
+                  <a:schemeClr val="accent2"/>
+                </a:solidFill>
+              </a:rPr>
+              <a:t>)</a:t>
+            </a:r>
+            <a:endParaRPr lang="ko-KR" altLang="en-US" sz="1000" dirty="0">
+              <a:solidFill>
+                <a:schemeClr val="accent2"/>
+              </a:solidFill>
+            </a:endParaRPr>
+          </a:p>
+        </p:txBody>
+      </p:sp>
+      <p:cxnSp>
+        <p:nvCxnSpPr>
+          <p:cNvPr id="63" name="직선 화살표 연결선 62">
+            <a:extLst>
+              <a:ext uri="{FF2B5EF4-FFF2-40B4-BE49-F238E27FC236}">
+                <a16:creationId xmlns:a16="http://schemas.microsoft.com/office/drawing/2014/main" xmlns="" id="{EC28C33C-129E-4506-9549-3759C91D42BE}"/>
+              </a:ext>
+            </a:extLst>
+          </p:cNvPr>
+          <p:cNvCxnSpPr>
+            <a:cxnSpLocks/>
+          </p:cNvCxnSpPr>
+          <p:nvPr/>
+        </p:nvCxnSpPr>
+        <p:spPr>
+          <a:xfrm flipH="1">
+            <a:off x="1539089" y="3521191"/>
+            <a:ext cx="2717737" cy="0"/>
+          </a:xfrm>
+          <a:prstGeom prst="straightConnector1">
+            <a:avLst/>
+          </a:prstGeom>
+          <a:ln w="19050">
+            <a:solidFill>
+              <a:schemeClr val="accent2">
+                <a:lumMod val="60000"/>
+                <a:lumOff val="40000"/>
+              </a:schemeClr>
+            </a:solidFill>
+            <a:tailEnd type="triangle"/>
+          </a:ln>
+        </p:spPr>
+        <p:style>
+          <a:lnRef idx="1">
+            <a:schemeClr val="accent2"/>
+          </a:lnRef>
+          <a:fillRef idx="0">
+            <a:schemeClr val="accent2"/>
+          </a:fillRef>
+          <a:effectRef idx="0">
+            <a:schemeClr val="accent2"/>
+          </a:effectRef>
+          <a:fontRef idx="minor">
+            <a:schemeClr val="tx1"/>
+          </a:fontRef>
+        </p:style>
+      </p:cxnSp>
+      <p:sp>
+        <p:nvSpPr>
+          <p:cNvPr id="66" name="TextBox 65">
+            <a:extLst>
+              <a:ext uri="{FF2B5EF4-FFF2-40B4-BE49-F238E27FC236}">
+                <a16:creationId xmlns:a16="http://schemas.microsoft.com/office/drawing/2014/main" xmlns="" id="{83A2AE63-3C59-4FEB-BBED-3D51275125E3}"/>
+              </a:ext>
+            </a:extLst>
+          </p:cNvPr>
+          <p:cNvSpPr txBox="1"/>
+          <p:nvPr/>
+        </p:nvSpPr>
+        <p:spPr>
+          <a:xfrm>
+            <a:off x="2336399" y="3575268"/>
+            <a:ext cx="1158123" cy="461665"/>
           </a:xfrm>
           <a:prstGeom prst="rect">
             <a:avLst/>
@@ -25715,44 +27881,20 @@
           <a:p>
             <a:pPr algn="ctr"/>
             <a:r>
+              <a:rPr lang="en-US" altLang="ko-KR" sz="1000" dirty="0" smtClean="0">
+                <a:solidFill>
+                  <a:schemeClr val="accent2"/>
+                </a:solidFill>
+              </a:rPr>
+              <a:t>@</a:t>
+            </a:r>
+            <a:r>
               <a:rPr lang="en-US" altLang="ko-KR" sz="1000" dirty="0" err="1" smtClean="0">
                 <a:solidFill>
                   <a:schemeClr val="accent2"/>
                 </a:solidFill>
               </a:rPr>
-              <a:t>Guest</a:t>
-            </a:r>
-            <a:r>
-              <a:rPr lang="en-US" altLang="ko-KR" sz="1000" dirty="0" err="1" smtClean="0">
-                <a:solidFill>
-                  <a:schemeClr val="accent2"/>
-                </a:solidFill>
-              </a:rPr>
-              <a:t>b</a:t>
-            </a:r>
-            <a:r>
-              <a:rPr lang="en-US" altLang="ko-KR" sz="1000" dirty="0" err="1" smtClean="0">
-                <a:solidFill>
-                  <a:schemeClr val="accent2"/>
-                </a:solidFill>
-              </a:rPr>
-              <a:t>ookVo</a:t>
-            </a:r>
-            <a:r>
-              <a:rPr lang="en-US" altLang="ko-KR" sz="1000" dirty="0" smtClean="0">
-                <a:solidFill>
-                  <a:schemeClr val="accent2"/>
-                </a:solidFill>
-              </a:rPr>
-              <a:t> </a:t>
-            </a:r>
-            <a:r>
-              <a:rPr lang="en-US" altLang="ko-KR" sz="1000" dirty="0" err="1" smtClean="0">
-                <a:solidFill>
-                  <a:schemeClr val="accent2"/>
-                </a:solidFill>
-              </a:rPr>
-              <a:t>vo</a:t>
+              <a:t>ResponseBody</a:t>
             </a:r>
             <a:endParaRPr lang="en-US" altLang="ko-KR" sz="1000" dirty="0" smtClean="0">
               <a:solidFill>
@@ -25763,12 +27905,20 @@
           <a:p>
             <a:pPr algn="ctr"/>
             <a:r>
+              <a:rPr lang="en-US" altLang="ko-KR" sz="1000" dirty="0" err="1" smtClean="0">
+                <a:solidFill>
+                  <a:schemeClr val="accent2"/>
+                </a:solidFill>
+              </a:rPr>
+              <a:t>GuestbookVo</a:t>
+            </a:r>
+            <a:r>
               <a:rPr lang="en-US" altLang="ko-KR" sz="1000" dirty="0" smtClean="0">
                 <a:solidFill>
                   <a:schemeClr val="accent2"/>
                 </a:solidFill>
               </a:rPr>
-              <a:t>(no, name, password, content, </a:t>
+              <a:t> </a:t>
             </a:r>
             <a:r>
               <a:rPr lang="en-US" altLang="ko-KR" sz="1000" dirty="0" err="1" smtClean="0">
@@ -25776,10 +27926,34 @@
                   <a:schemeClr val="accent2"/>
                 </a:solidFill>
               </a:rPr>
-              <a:t>regDate</a:t>
-            </a:r>
-            <a:r>
-              <a:rPr lang="en-US" altLang="ko-KR" sz="1000" dirty="0">
+              <a:t>vo</a:t>
+            </a:r>
+            <a:endParaRPr lang="en-US" altLang="ko-KR" sz="1000" dirty="0" smtClean="0">
+              <a:solidFill>
+                <a:schemeClr val="accent2"/>
+              </a:solidFill>
+            </a:endParaRPr>
+          </a:p>
+          <a:p>
+            <a:pPr algn="ctr"/>
+            <a:r>
+              <a:rPr lang="en-US" altLang="ko-KR" sz="1000" dirty="0" smtClean="0">
+                <a:solidFill>
+                  <a:schemeClr val="accent2"/>
+                </a:solidFill>
+              </a:rPr>
+              <a:t>(</a:t>
+            </a:r>
+            <a:r>
+              <a:rPr lang="en-US" altLang="ko-KR" sz="1000" dirty="0" err="1" smtClean="0">
+                <a:solidFill>
+                  <a:schemeClr val="accent2"/>
+                </a:solidFill>
+              </a:rPr>
+              <a:t>json</a:t>
+            </a:r>
+            <a:r>
+              <a:rPr lang="en-US" altLang="ko-KR" sz="1000" dirty="0" smtClean="0">
                 <a:solidFill>
                   <a:schemeClr val="accent2"/>
                 </a:solidFill>
@@ -26096,7 +28270,7 @@
   <a:extraClrSchemeLst/>
   <a:extLst>
     <a:ext uri="{05A4C25C-085E-4340-85A3-A5531E510DB2}">
-      <thm15:themeFamily xmlns="" xmlns:thm15="http://schemas.microsoft.com/office/thememl/2012/main" name="Office Theme" id="{62F939B6-93AF-4DB8-9C6B-D6C7DFDC589F}" vid="{4A3C46E8-61CC-4603-A589-7422A47A8E4A}"/>
+      <thm15:themeFamily xmlns:thm15="http://schemas.microsoft.com/office/thememl/2012/main" xmlns="" name="Office Theme" id="{62F939B6-93AF-4DB8-9C6B-D6C7DFDC589F}" vid="{4A3C46E8-61CC-4603-A589-7422A47A8E4A}"/>
     </a:ext>
   </a:extLst>
 </a:theme>

--- a/mysite4_sequencediagram.pptx
+++ b/mysite4_sequencediagram.pptx
@@ -132,7 +132,7 @@
           <p:cNvPr id="2" name="제목 1">
             <a:extLst>
               <a:ext uri="{FF2B5EF4-FFF2-40B4-BE49-F238E27FC236}">
-                <a16:creationId xmlns:a16="http://schemas.microsoft.com/office/drawing/2014/main" xmlns="" id="{F5702221-1B25-4A64-9C6E-2C1D6B06EC08}"/>
+                <a16:creationId xmlns="" xmlns:a16="http://schemas.microsoft.com/office/drawing/2014/main" id="{F5702221-1B25-4A64-9C6E-2C1D6B06EC08}"/>
               </a:ext>
             </a:extLst>
           </p:cNvPr>
@@ -169,7 +169,7 @@
           <p:cNvPr id="3" name="부제목 2">
             <a:extLst>
               <a:ext uri="{FF2B5EF4-FFF2-40B4-BE49-F238E27FC236}">
-                <a16:creationId xmlns:a16="http://schemas.microsoft.com/office/drawing/2014/main" xmlns="" id="{911447ED-6BE9-405D-8D24-8BA1B05ECB89}"/>
+                <a16:creationId xmlns="" xmlns:a16="http://schemas.microsoft.com/office/drawing/2014/main" id="{911447ED-6BE9-405D-8D24-8BA1B05ECB89}"/>
               </a:ext>
             </a:extLst>
           </p:cNvPr>
@@ -239,7 +239,7 @@
           <p:cNvPr id="4" name="날짜 개체 틀 3">
             <a:extLst>
               <a:ext uri="{FF2B5EF4-FFF2-40B4-BE49-F238E27FC236}">
-                <a16:creationId xmlns:a16="http://schemas.microsoft.com/office/drawing/2014/main" xmlns="" id="{738314AB-B4D9-4ADF-9F49-3E64C5E571D7}"/>
+                <a16:creationId xmlns="" xmlns:a16="http://schemas.microsoft.com/office/drawing/2014/main" id="{738314AB-B4D9-4ADF-9F49-3E64C5E571D7}"/>
               </a:ext>
             </a:extLst>
           </p:cNvPr>
@@ -258,7 +258,7 @@
             <a:fld id="{243B3942-B8A6-4289-81E2-11C0B6F800A8}" type="datetimeFigureOut">
               <a:rPr lang="ko-KR" altLang="en-US" smtClean="0"/>
               <a:pPr/>
-              <a:t>2022-01-29</a:t>
+              <a:t>2022-02-02</a:t>
             </a:fld>
             <a:endParaRPr lang="ko-KR" altLang="en-US"/>
           </a:p>
@@ -269,7 +269,7 @@
           <p:cNvPr id="5" name="바닥글 개체 틀 4">
             <a:extLst>
               <a:ext uri="{FF2B5EF4-FFF2-40B4-BE49-F238E27FC236}">
-                <a16:creationId xmlns:a16="http://schemas.microsoft.com/office/drawing/2014/main" xmlns="" id="{097A1181-B7D4-4FEF-AAB2-827300122B60}"/>
+                <a16:creationId xmlns="" xmlns:a16="http://schemas.microsoft.com/office/drawing/2014/main" id="{097A1181-B7D4-4FEF-AAB2-827300122B60}"/>
               </a:ext>
             </a:extLst>
           </p:cNvPr>
@@ -294,7 +294,7 @@
           <p:cNvPr id="6" name="슬라이드 번호 개체 틀 5">
             <a:extLst>
               <a:ext uri="{FF2B5EF4-FFF2-40B4-BE49-F238E27FC236}">
-                <a16:creationId xmlns:a16="http://schemas.microsoft.com/office/drawing/2014/main" xmlns="" id="{E46A5C1C-5160-4115-A600-60A00B87B49A}"/>
+                <a16:creationId xmlns="" xmlns:a16="http://schemas.microsoft.com/office/drawing/2014/main" id="{E46A5C1C-5160-4115-A600-60A00B87B49A}"/>
               </a:ext>
             </a:extLst>
           </p:cNvPr>
@@ -354,7 +354,7 @@
           <p:cNvPr id="2" name="제목 1">
             <a:extLst>
               <a:ext uri="{FF2B5EF4-FFF2-40B4-BE49-F238E27FC236}">
-                <a16:creationId xmlns:a16="http://schemas.microsoft.com/office/drawing/2014/main" xmlns="" id="{79C8F0D7-4B94-4EDF-A0DB-6F8CA3273F10}"/>
+                <a16:creationId xmlns="" xmlns:a16="http://schemas.microsoft.com/office/drawing/2014/main" id="{79C8F0D7-4B94-4EDF-A0DB-6F8CA3273F10}"/>
               </a:ext>
             </a:extLst>
           </p:cNvPr>
@@ -382,7 +382,7 @@
           <p:cNvPr id="3" name="세로 텍스트 개체 틀 2">
             <a:extLst>
               <a:ext uri="{FF2B5EF4-FFF2-40B4-BE49-F238E27FC236}">
-                <a16:creationId xmlns:a16="http://schemas.microsoft.com/office/drawing/2014/main" xmlns="" id="{7BF9988D-28F1-4C87-AD1F-15164F352F04}"/>
+                <a16:creationId xmlns="" xmlns:a16="http://schemas.microsoft.com/office/drawing/2014/main" id="{7BF9988D-28F1-4C87-AD1F-15164F352F04}"/>
               </a:ext>
             </a:extLst>
           </p:cNvPr>
@@ -439,7 +439,7 @@
           <p:cNvPr id="4" name="날짜 개체 틀 3">
             <a:extLst>
               <a:ext uri="{FF2B5EF4-FFF2-40B4-BE49-F238E27FC236}">
-                <a16:creationId xmlns:a16="http://schemas.microsoft.com/office/drawing/2014/main" xmlns="" id="{2EC54BBE-C766-4975-8CE3-95F05B680BBE}"/>
+                <a16:creationId xmlns="" xmlns:a16="http://schemas.microsoft.com/office/drawing/2014/main" id="{2EC54BBE-C766-4975-8CE3-95F05B680BBE}"/>
               </a:ext>
             </a:extLst>
           </p:cNvPr>
@@ -458,7 +458,7 @@
             <a:fld id="{243B3942-B8A6-4289-81E2-11C0B6F800A8}" type="datetimeFigureOut">
               <a:rPr lang="ko-KR" altLang="en-US" smtClean="0"/>
               <a:pPr/>
-              <a:t>2022-01-29</a:t>
+              <a:t>2022-02-02</a:t>
             </a:fld>
             <a:endParaRPr lang="ko-KR" altLang="en-US"/>
           </a:p>
@@ -469,7 +469,7 @@
           <p:cNvPr id="5" name="바닥글 개체 틀 4">
             <a:extLst>
               <a:ext uri="{FF2B5EF4-FFF2-40B4-BE49-F238E27FC236}">
-                <a16:creationId xmlns:a16="http://schemas.microsoft.com/office/drawing/2014/main" xmlns="" id="{74F320A7-2EB4-492A-9EDD-CC1780B3FC78}"/>
+                <a16:creationId xmlns="" xmlns:a16="http://schemas.microsoft.com/office/drawing/2014/main" id="{74F320A7-2EB4-492A-9EDD-CC1780B3FC78}"/>
               </a:ext>
             </a:extLst>
           </p:cNvPr>
@@ -494,7 +494,7 @@
           <p:cNvPr id="6" name="슬라이드 번호 개체 틀 5">
             <a:extLst>
               <a:ext uri="{FF2B5EF4-FFF2-40B4-BE49-F238E27FC236}">
-                <a16:creationId xmlns:a16="http://schemas.microsoft.com/office/drawing/2014/main" xmlns="" id="{6882512E-7D80-4B7F-B981-6F541BCE1137}"/>
+                <a16:creationId xmlns="" xmlns:a16="http://schemas.microsoft.com/office/drawing/2014/main" id="{6882512E-7D80-4B7F-B981-6F541BCE1137}"/>
               </a:ext>
             </a:extLst>
           </p:cNvPr>
@@ -554,7 +554,7 @@
           <p:cNvPr id="2" name="세로 제목 1">
             <a:extLst>
               <a:ext uri="{FF2B5EF4-FFF2-40B4-BE49-F238E27FC236}">
-                <a16:creationId xmlns:a16="http://schemas.microsoft.com/office/drawing/2014/main" xmlns="" id="{8F8E37E2-DB2F-4D4A-9C4D-BDA69BE1E0C1}"/>
+                <a16:creationId xmlns="" xmlns:a16="http://schemas.microsoft.com/office/drawing/2014/main" id="{8F8E37E2-DB2F-4D4A-9C4D-BDA69BE1E0C1}"/>
               </a:ext>
             </a:extLst>
           </p:cNvPr>
@@ -587,7 +587,7 @@
           <p:cNvPr id="3" name="세로 텍스트 개체 틀 2">
             <a:extLst>
               <a:ext uri="{FF2B5EF4-FFF2-40B4-BE49-F238E27FC236}">
-                <a16:creationId xmlns:a16="http://schemas.microsoft.com/office/drawing/2014/main" xmlns="" id="{1F3BE048-B0C0-441F-994C-588471A67C33}"/>
+                <a16:creationId xmlns="" xmlns:a16="http://schemas.microsoft.com/office/drawing/2014/main" id="{1F3BE048-B0C0-441F-994C-588471A67C33}"/>
               </a:ext>
             </a:extLst>
           </p:cNvPr>
@@ -649,7 +649,7 @@
           <p:cNvPr id="4" name="날짜 개체 틀 3">
             <a:extLst>
               <a:ext uri="{FF2B5EF4-FFF2-40B4-BE49-F238E27FC236}">
-                <a16:creationId xmlns:a16="http://schemas.microsoft.com/office/drawing/2014/main" xmlns="" id="{6995F53F-D83D-44A9-A6FD-5452CCCE8DD8}"/>
+                <a16:creationId xmlns="" xmlns:a16="http://schemas.microsoft.com/office/drawing/2014/main" id="{6995F53F-D83D-44A9-A6FD-5452CCCE8DD8}"/>
               </a:ext>
             </a:extLst>
           </p:cNvPr>
@@ -668,7 +668,7 @@
             <a:fld id="{243B3942-B8A6-4289-81E2-11C0B6F800A8}" type="datetimeFigureOut">
               <a:rPr lang="ko-KR" altLang="en-US" smtClean="0"/>
               <a:pPr/>
-              <a:t>2022-01-29</a:t>
+              <a:t>2022-02-02</a:t>
             </a:fld>
             <a:endParaRPr lang="ko-KR" altLang="en-US"/>
           </a:p>
@@ -679,7 +679,7 @@
           <p:cNvPr id="5" name="바닥글 개체 틀 4">
             <a:extLst>
               <a:ext uri="{FF2B5EF4-FFF2-40B4-BE49-F238E27FC236}">
-                <a16:creationId xmlns:a16="http://schemas.microsoft.com/office/drawing/2014/main" xmlns="" id="{8E79E324-0EFA-4708-A7FF-2036016C0B7C}"/>
+                <a16:creationId xmlns="" xmlns:a16="http://schemas.microsoft.com/office/drawing/2014/main" id="{8E79E324-0EFA-4708-A7FF-2036016C0B7C}"/>
               </a:ext>
             </a:extLst>
           </p:cNvPr>
@@ -704,7 +704,7 @@
           <p:cNvPr id="6" name="슬라이드 번호 개체 틀 5">
             <a:extLst>
               <a:ext uri="{FF2B5EF4-FFF2-40B4-BE49-F238E27FC236}">
-                <a16:creationId xmlns:a16="http://schemas.microsoft.com/office/drawing/2014/main" xmlns="" id="{4A4350D8-C216-4A08-A647-85B4BCE6AE1B}"/>
+                <a16:creationId xmlns="" xmlns:a16="http://schemas.microsoft.com/office/drawing/2014/main" id="{4A4350D8-C216-4A08-A647-85B4BCE6AE1B}"/>
               </a:ext>
             </a:extLst>
           </p:cNvPr>
@@ -764,7 +764,7 @@
           <p:cNvPr id="2" name="제목 1">
             <a:extLst>
               <a:ext uri="{FF2B5EF4-FFF2-40B4-BE49-F238E27FC236}">
-                <a16:creationId xmlns:a16="http://schemas.microsoft.com/office/drawing/2014/main" xmlns="" id="{24E74C6D-683C-47ED-A1F2-43AFB2B58A43}"/>
+                <a16:creationId xmlns="" xmlns:a16="http://schemas.microsoft.com/office/drawing/2014/main" id="{24E74C6D-683C-47ED-A1F2-43AFB2B58A43}"/>
               </a:ext>
             </a:extLst>
           </p:cNvPr>
@@ -792,7 +792,7 @@
           <p:cNvPr id="3" name="내용 개체 틀 2">
             <a:extLst>
               <a:ext uri="{FF2B5EF4-FFF2-40B4-BE49-F238E27FC236}">
-                <a16:creationId xmlns:a16="http://schemas.microsoft.com/office/drawing/2014/main" xmlns="" id="{7EFA6127-E2D6-47BB-B56A-6634BEFEEDBD}"/>
+                <a16:creationId xmlns="" xmlns:a16="http://schemas.microsoft.com/office/drawing/2014/main" id="{7EFA6127-E2D6-47BB-B56A-6634BEFEEDBD}"/>
               </a:ext>
             </a:extLst>
           </p:cNvPr>
@@ -849,7 +849,7 @@
           <p:cNvPr id="4" name="날짜 개체 틀 3">
             <a:extLst>
               <a:ext uri="{FF2B5EF4-FFF2-40B4-BE49-F238E27FC236}">
-                <a16:creationId xmlns:a16="http://schemas.microsoft.com/office/drawing/2014/main" xmlns="" id="{CCD89B4F-6A9D-4581-BFE0-AE0A2133F39A}"/>
+                <a16:creationId xmlns="" xmlns:a16="http://schemas.microsoft.com/office/drawing/2014/main" id="{CCD89B4F-6A9D-4581-BFE0-AE0A2133F39A}"/>
               </a:ext>
             </a:extLst>
           </p:cNvPr>
@@ -868,7 +868,7 @@
             <a:fld id="{243B3942-B8A6-4289-81E2-11C0B6F800A8}" type="datetimeFigureOut">
               <a:rPr lang="ko-KR" altLang="en-US" smtClean="0"/>
               <a:pPr/>
-              <a:t>2022-01-29</a:t>
+              <a:t>2022-02-02</a:t>
             </a:fld>
             <a:endParaRPr lang="ko-KR" altLang="en-US"/>
           </a:p>
@@ -879,7 +879,7 @@
           <p:cNvPr id="5" name="바닥글 개체 틀 4">
             <a:extLst>
               <a:ext uri="{FF2B5EF4-FFF2-40B4-BE49-F238E27FC236}">
-                <a16:creationId xmlns:a16="http://schemas.microsoft.com/office/drawing/2014/main" xmlns="" id="{EE79017C-47E4-4EA0-97A7-833D02B4A627}"/>
+                <a16:creationId xmlns="" xmlns:a16="http://schemas.microsoft.com/office/drawing/2014/main" id="{EE79017C-47E4-4EA0-97A7-833D02B4A627}"/>
               </a:ext>
             </a:extLst>
           </p:cNvPr>
@@ -904,7 +904,7 @@
           <p:cNvPr id="6" name="슬라이드 번호 개체 틀 5">
             <a:extLst>
               <a:ext uri="{FF2B5EF4-FFF2-40B4-BE49-F238E27FC236}">
-                <a16:creationId xmlns:a16="http://schemas.microsoft.com/office/drawing/2014/main" xmlns="" id="{90EBDF02-FBA5-44E9-83BB-91A3FD2F9964}"/>
+                <a16:creationId xmlns="" xmlns:a16="http://schemas.microsoft.com/office/drawing/2014/main" id="{90EBDF02-FBA5-44E9-83BB-91A3FD2F9964}"/>
               </a:ext>
             </a:extLst>
           </p:cNvPr>
@@ -964,7 +964,7 @@
           <p:cNvPr id="2" name="제목 1">
             <a:extLst>
               <a:ext uri="{FF2B5EF4-FFF2-40B4-BE49-F238E27FC236}">
-                <a16:creationId xmlns:a16="http://schemas.microsoft.com/office/drawing/2014/main" xmlns="" id="{D864112A-07EF-4C9D-BB7D-F63BFED711FF}"/>
+                <a16:creationId xmlns="" xmlns:a16="http://schemas.microsoft.com/office/drawing/2014/main" id="{D864112A-07EF-4C9D-BB7D-F63BFED711FF}"/>
               </a:ext>
             </a:extLst>
           </p:cNvPr>
@@ -1001,7 +1001,7 @@
           <p:cNvPr id="3" name="텍스트 개체 틀 2">
             <a:extLst>
               <a:ext uri="{FF2B5EF4-FFF2-40B4-BE49-F238E27FC236}">
-                <a16:creationId xmlns:a16="http://schemas.microsoft.com/office/drawing/2014/main" xmlns="" id="{423DCC07-25B9-4B59-A6F0-E2E73571C431}"/>
+                <a16:creationId xmlns="" xmlns:a16="http://schemas.microsoft.com/office/drawing/2014/main" id="{423DCC07-25B9-4B59-A6F0-E2E73571C431}"/>
               </a:ext>
             </a:extLst>
           </p:cNvPr>
@@ -1126,7 +1126,7 @@
           <p:cNvPr id="4" name="날짜 개체 틀 3">
             <a:extLst>
               <a:ext uri="{FF2B5EF4-FFF2-40B4-BE49-F238E27FC236}">
-                <a16:creationId xmlns:a16="http://schemas.microsoft.com/office/drawing/2014/main" xmlns="" id="{5610BE1E-AF51-426B-9A1C-CFB9F73AD998}"/>
+                <a16:creationId xmlns="" xmlns:a16="http://schemas.microsoft.com/office/drawing/2014/main" id="{5610BE1E-AF51-426B-9A1C-CFB9F73AD998}"/>
               </a:ext>
             </a:extLst>
           </p:cNvPr>
@@ -1145,7 +1145,7 @@
             <a:fld id="{243B3942-B8A6-4289-81E2-11C0B6F800A8}" type="datetimeFigureOut">
               <a:rPr lang="ko-KR" altLang="en-US" smtClean="0"/>
               <a:pPr/>
-              <a:t>2022-01-29</a:t>
+              <a:t>2022-02-02</a:t>
             </a:fld>
             <a:endParaRPr lang="ko-KR" altLang="en-US"/>
           </a:p>
@@ -1156,7 +1156,7 @@
           <p:cNvPr id="5" name="바닥글 개체 틀 4">
             <a:extLst>
               <a:ext uri="{FF2B5EF4-FFF2-40B4-BE49-F238E27FC236}">
-                <a16:creationId xmlns:a16="http://schemas.microsoft.com/office/drawing/2014/main" xmlns="" id="{C3ACEA83-9CBB-4724-9F0B-982F8C86E020}"/>
+                <a16:creationId xmlns="" xmlns:a16="http://schemas.microsoft.com/office/drawing/2014/main" id="{C3ACEA83-9CBB-4724-9F0B-982F8C86E020}"/>
               </a:ext>
             </a:extLst>
           </p:cNvPr>
@@ -1181,7 +1181,7 @@
           <p:cNvPr id="6" name="슬라이드 번호 개체 틀 5">
             <a:extLst>
               <a:ext uri="{FF2B5EF4-FFF2-40B4-BE49-F238E27FC236}">
-                <a16:creationId xmlns:a16="http://schemas.microsoft.com/office/drawing/2014/main" xmlns="" id="{230A7F0F-371C-4757-8D64-252BFF13753A}"/>
+                <a16:creationId xmlns="" xmlns:a16="http://schemas.microsoft.com/office/drawing/2014/main" id="{230A7F0F-371C-4757-8D64-252BFF13753A}"/>
               </a:ext>
             </a:extLst>
           </p:cNvPr>
@@ -1241,7 +1241,7 @@
           <p:cNvPr id="2" name="제목 1">
             <a:extLst>
               <a:ext uri="{FF2B5EF4-FFF2-40B4-BE49-F238E27FC236}">
-                <a16:creationId xmlns:a16="http://schemas.microsoft.com/office/drawing/2014/main" xmlns="" id="{BED9EBAB-4E06-4925-8E8C-FC66F29F4189}"/>
+                <a16:creationId xmlns="" xmlns:a16="http://schemas.microsoft.com/office/drawing/2014/main" id="{BED9EBAB-4E06-4925-8E8C-FC66F29F4189}"/>
               </a:ext>
             </a:extLst>
           </p:cNvPr>
@@ -1269,7 +1269,7 @@
           <p:cNvPr id="3" name="내용 개체 틀 2">
             <a:extLst>
               <a:ext uri="{FF2B5EF4-FFF2-40B4-BE49-F238E27FC236}">
-                <a16:creationId xmlns:a16="http://schemas.microsoft.com/office/drawing/2014/main" xmlns="" id="{E9A385E2-4863-4676-A3DC-789CB97FE418}"/>
+                <a16:creationId xmlns="" xmlns:a16="http://schemas.microsoft.com/office/drawing/2014/main" id="{E9A385E2-4863-4676-A3DC-789CB97FE418}"/>
               </a:ext>
             </a:extLst>
           </p:cNvPr>
@@ -1331,7 +1331,7 @@
           <p:cNvPr id="4" name="내용 개체 틀 3">
             <a:extLst>
               <a:ext uri="{FF2B5EF4-FFF2-40B4-BE49-F238E27FC236}">
-                <a16:creationId xmlns:a16="http://schemas.microsoft.com/office/drawing/2014/main" xmlns="" id="{9E4EAB6A-CCB0-47D9-A489-30D4D4E4C037}"/>
+                <a16:creationId xmlns="" xmlns:a16="http://schemas.microsoft.com/office/drawing/2014/main" id="{9E4EAB6A-CCB0-47D9-A489-30D4D4E4C037}"/>
               </a:ext>
             </a:extLst>
           </p:cNvPr>
@@ -1393,7 +1393,7 @@
           <p:cNvPr id="5" name="날짜 개체 틀 4">
             <a:extLst>
               <a:ext uri="{FF2B5EF4-FFF2-40B4-BE49-F238E27FC236}">
-                <a16:creationId xmlns:a16="http://schemas.microsoft.com/office/drawing/2014/main" xmlns="" id="{FBF785DC-59FE-43E2-BAAF-E9C40018F679}"/>
+                <a16:creationId xmlns="" xmlns:a16="http://schemas.microsoft.com/office/drawing/2014/main" id="{FBF785DC-59FE-43E2-BAAF-E9C40018F679}"/>
               </a:ext>
             </a:extLst>
           </p:cNvPr>
@@ -1412,7 +1412,7 @@
             <a:fld id="{243B3942-B8A6-4289-81E2-11C0B6F800A8}" type="datetimeFigureOut">
               <a:rPr lang="ko-KR" altLang="en-US" smtClean="0"/>
               <a:pPr/>
-              <a:t>2022-01-29</a:t>
+              <a:t>2022-02-02</a:t>
             </a:fld>
             <a:endParaRPr lang="ko-KR" altLang="en-US"/>
           </a:p>
@@ -1423,7 +1423,7 @@
           <p:cNvPr id="6" name="바닥글 개체 틀 5">
             <a:extLst>
               <a:ext uri="{FF2B5EF4-FFF2-40B4-BE49-F238E27FC236}">
-                <a16:creationId xmlns:a16="http://schemas.microsoft.com/office/drawing/2014/main" xmlns="" id="{4AFAC3D6-A114-4F4F-ACD9-650EFAB379C4}"/>
+                <a16:creationId xmlns="" xmlns:a16="http://schemas.microsoft.com/office/drawing/2014/main" id="{4AFAC3D6-A114-4F4F-ACD9-650EFAB379C4}"/>
               </a:ext>
             </a:extLst>
           </p:cNvPr>
@@ -1448,7 +1448,7 @@
           <p:cNvPr id="7" name="슬라이드 번호 개체 틀 6">
             <a:extLst>
               <a:ext uri="{FF2B5EF4-FFF2-40B4-BE49-F238E27FC236}">
-                <a16:creationId xmlns:a16="http://schemas.microsoft.com/office/drawing/2014/main" xmlns="" id="{E5FC8471-F428-4141-94FE-C3F53B7CD0A0}"/>
+                <a16:creationId xmlns="" xmlns:a16="http://schemas.microsoft.com/office/drawing/2014/main" id="{E5FC8471-F428-4141-94FE-C3F53B7CD0A0}"/>
               </a:ext>
             </a:extLst>
           </p:cNvPr>
@@ -1508,7 +1508,7 @@
           <p:cNvPr id="2" name="제목 1">
             <a:extLst>
               <a:ext uri="{FF2B5EF4-FFF2-40B4-BE49-F238E27FC236}">
-                <a16:creationId xmlns:a16="http://schemas.microsoft.com/office/drawing/2014/main" xmlns="" id="{C2B588A5-C857-4B0C-ABFE-0D42CAA4EB48}"/>
+                <a16:creationId xmlns="" xmlns:a16="http://schemas.microsoft.com/office/drawing/2014/main" id="{C2B588A5-C857-4B0C-ABFE-0D42CAA4EB48}"/>
               </a:ext>
             </a:extLst>
           </p:cNvPr>
@@ -1541,7 +1541,7 @@
           <p:cNvPr id="3" name="텍스트 개체 틀 2">
             <a:extLst>
               <a:ext uri="{FF2B5EF4-FFF2-40B4-BE49-F238E27FC236}">
-                <a16:creationId xmlns:a16="http://schemas.microsoft.com/office/drawing/2014/main" xmlns="" id="{21FBC9E9-C918-4C87-99D6-15000E303DBA}"/>
+                <a16:creationId xmlns="" xmlns:a16="http://schemas.microsoft.com/office/drawing/2014/main" id="{21FBC9E9-C918-4C87-99D6-15000E303DBA}"/>
               </a:ext>
             </a:extLst>
           </p:cNvPr>
@@ -1612,7 +1612,7 @@
           <p:cNvPr id="4" name="내용 개체 틀 3">
             <a:extLst>
               <a:ext uri="{FF2B5EF4-FFF2-40B4-BE49-F238E27FC236}">
-                <a16:creationId xmlns:a16="http://schemas.microsoft.com/office/drawing/2014/main" xmlns="" id="{374B1FD0-231A-434D-ABBC-F9DDB06A5B9A}"/>
+                <a16:creationId xmlns="" xmlns:a16="http://schemas.microsoft.com/office/drawing/2014/main" id="{374B1FD0-231A-434D-ABBC-F9DDB06A5B9A}"/>
               </a:ext>
             </a:extLst>
           </p:cNvPr>
@@ -1674,7 +1674,7 @@
           <p:cNvPr id="5" name="텍스트 개체 틀 4">
             <a:extLst>
               <a:ext uri="{FF2B5EF4-FFF2-40B4-BE49-F238E27FC236}">
-                <a16:creationId xmlns:a16="http://schemas.microsoft.com/office/drawing/2014/main" xmlns="" id="{A0BC8C35-5F4B-454B-8514-E14ADC76FFC7}"/>
+                <a16:creationId xmlns="" xmlns:a16="http://schemas.microsoft.com/office/drawing/2014/main" id="{A0BC8C35-5F4B-454B-8514-E14ADC76FFC7}"/>
               </a:ext>
             </a:extLst>
           </p:cNvPr>
@@ -1745,7 +1745,7 @@
           <p:cNvPr id="6" name="내용 개체 틀 5">
             <a:extLst>
               <a:ext uri="{FF2B5EF4-FFF2-40B4-BE49-F238E27FC236}">
-                <a16:creationId xmlns:a16="http://schemas.microsoft.com/office/drawing/2014/main" xmlns="" id="{79328AE7-EF50-4499-A1F3-62930500266E}"/>
+                <a16:creationId xmlns="" xmlns:a16="http://schemas.microsoft.com/office/drawing/2014/main" id="{79328AE7-EF50-4499-A1F3-62930500266E}"/>
               </a:ext>
             </a:extLst>
           </p:cNvPr>
@@ -1807,7 +1807,7 @@
           <p:cNvPr id="7" name="날짜 개체 틀 6">
             <a:extLst>
               <a:ext uri="{FF2B5EF4-FFF2-40B4-BE49-F238E27FC236}">
-                <a16:creationId xmlns:a16="http://schemas.microsoft.com/office/drawing/2014/main" xmlns="" id="{F9B16250-31F9-479D-9C9B-478632D9F6E7}"/>
+                <a16:creationId xmlns="" xmlns:a16="http://schemas.microsoft.com/office/drawing/2014/main" id="{F9B16250-31F9-479D-9C9B-478632D9F6E7}"/>
               </a:ext>
             </a:extLst>
           </p:cNvPr>
@@ -1826,7 +1826,7 @@
             <a:fld id="{243B3942-B8A6-4289-81E2-11C0B6F800A8}" type="datetimeFigureOut">
               <a:rPr lang="ko-KR" altLang="en-US" smtClean="0"/>
               <a:pPr/>
-              <a:t>2022-01-29</a:t>
+              <a:t>2022-02-02</a:t>
             </a:fld>
             <a:endParaRPr lang="ko-KR" altLang="en-US"/>
           </a:p>
@@ -1837,7 +1837,7 @@
           <p:cNvPr id="8" name="바닥글 개체 틀 7">
             <a:extLst>
               <a:ext uri="{FF2B5EF4-FFF2-40B4-BE49-F238E27FC236}">
-                <a16:creationId xmlns:a16="http://schemas.microsoft.com/office/drawing/2014/main" xmlns="" id="{4D9706F4-9648-4FEA-B88C-920126402DA4}"/>
+                <a16:creationId xmlns="" xmlns:a16="http://schemas.microsoft.com/office/drawing/2014/main" id="{4D9706F4-9648-4FEA-B88C-920126402DA4}"/>
               </a:ext>
             </a:extLst>
           </p:cNvPr>
@@ -1862,7 +1862,7 @@
           <p:cNvPr id="9" name="슬라이드 번호 개체 틀 8">
             <a:extLst>
               <a:ext uri="{FF2B5EF4-FFF2-40B4-BE49-F238E27FC236}">
-                <a16:creationId xmlns:a16="http://schemas.microsoft.com/office/drawing/2014/main" xmlns="" id="{3F39D328-C1B6-470C-8648-133984DDB0DD}"/>
+                <a16:creationId xmlns="" xmlns:a16="http://schemas.microsoft.com/office/drawing/2014/main" id="{3F39D328-C1B6-470C-8648-133984DDB0DD}"/>
               </a:ext>
             </a:extLst>
           </p:cNvPr>
@@ -1922,7 +1922,7 @@
           <p:cNvPr id="2" name="제목 1">
             <a:extLst>
               <a:ext uri="{FF2B5EF4-FFF2-40B4-BE49-F238E27FC236}">
-                <a16:creationId xmlns:a16="http://schemas.microsoft.com/office/drawing/2014/main" xmlns="" id="{3A82C244-8F83-4401-B067-00257912BFFB}"/>
+                <a16:creationId xmlns="" xmlns:a16="http://schemas.microsoft.com/office/drawing/2014/main" id="{3A82C244-8F83-4401-B067-00257912BFFB}"/>
               </a:ext>
             </a:extLst>
           </p:cNvPr>
@@ -1950,7 +1950,7 @@
           <p:cNvPr id="3" name="날짜 개체 틀 2">
             <a:extLst>
               <a:ext uri="{FF2B5EF4-FFF2-40B4-BE49-F238E27FC236}">
-                <a16:creationId xmlns:a16="http://schemas.microsoft.com/office/drawing/2014/main" xmlns="" id="{7BEA2879-4EA6-48C4-9777-21E651D146EB}"/>
+                <a16:creationId xmlns="" xmlns:a16="http://schemas.microsoft.com/office/drawing/2014/main" id="{7BEA2879-4EA6-48C4-9777-21E651D146EB}"/>
               </a:ext>
             </a:extLst>
           </p:cNvPr>
@@ -1969,7 +1969,7 @@
             <a:fld id="{243B3942-B8A6-4289-81E2-11C0B6F800A8}" type="datetimeFigureOut">
               <a:rPr lang="ko-KR" altLang="en-US" smtClean="0"/>
               <a:pPr/>
-              <a:t>2022-01-29</a:t>
+              <a:t>2022-02-02</a:t>
             </a:fld>
             <a:endParaRPr lang="ko-KR" altLang="en-US"/>
           </a:p>
@@ -1980,7 +1980,7 @@
           <p:cNvPr id="4" name="바닥글 개체 틀 3">
             <a:extLst>
               <a:ext uri="{FF2B5EF4-FFF2-40B4-BE49-F238E27FC236}">
-                <a16:creationId xmlns:a16="http://schemas.microsoft.com/office/drawing/2014/main" xmlns="" id="{4DE09364-903A-4526-B11F-3B0648A677BE}"/>
+                <a16:creationId xmlns="" xmlns:a16="http://schemas.microsoft.com/office/drawing/2014/main" id="{4DE09364-903A-4526-B11F-3B0648A677BE}"/>
               </a:ext>
             </a:extLst>
           </p:cNvPr>
@@ -2005,7 +2005,7 @@
           <p:cNvPr id="5" name="슬라이드 번호 개체 틀 4">
             <a:extLst>
               <a:ext uri="{FF2B5EF4-FFF2-40B4-BE49-F238E27FC236}">
-                <a16:creationId xmlns:a16="http://schemas.microsoft.com/office/drawing/2014/main" xmlns="" id="{F4D515B8-6F88-4D02-9D9F-68B4D30790D5}"/>
+                <a16:creationId xmlns="" xmlns:a16="http://schemas.microsoft.com/office/drawing/2014/main" id="{F4D515B8-6F88-4D02-9D9F-68B4D30790D5}"/>
               </a:ext>
             </a:extLst>
           </p:cNvPr>
@@ -2065,7 +2065,7 @@
           <p:cNvPr id="2" name="날짜 개체 틀 1">
             <a:extLst>
               <a:ext uri="{FF2B5EF4-FFF2-40B4-BE49-F238E27FC236}">
-                <a16:creationId xmlns:a16="http://schemas.microsoft.com/office/drawing/2014/main" xmlns="" id="{432CBE9F-434C-4002-9CDA-B356D1850E65}"/>
+                <a16:creationId xmlns="" xmlns:a16="http://schemas.microsoft.com/office/drawing/2014/main" id="{432CBE9F-434C-4002-9CDA-B356D1850E65}"/>
               </a:ext>
             </a:extLst>
           </p:cNvPr>
@@ -2084,7 +2084,7 @@
             <a:fld id="{243B3942-B8A6-4289-81E2-11C0B6F800A8}" type="datetimeFigureOut">
               <a:rPr lang="ko-KR" altLang="en-US" smtClean="0"/>
               <a:pPr/>
-              <a:t>2022-01-29</a:t>
+              <a:t>2022-02-02</a:t>
             </a:fld>
             <a:endParaRPr lang="ko-KR" altLang="en-US"/>
           </a:p>
@@ -2095,7 +2095,7 @@
           <p:cNvPr id="3" name="바닥글 개체 틀 2">
             <a:extLst>
               <a:ext uri="{FF2B5EF4-FFF2-40B4-BE49-F238E27FC236}">
-                <a16:creationId xmlns:a16="http://schemas.microsoft.com/office/drawing/2014/main" xmlns="" id="{E3724B7F-E3F0-4A21-9A88-51646DCC1B24}"/>
+                <a16:creationId xmlns="" xmlns:a16="http://schemas.microsoft.com/office/drawing/2014/main" id="{E3724B7F-E3F0-4A21-9A88-51646DCC1B24}"/>
               </a:ext>
             </a:extLst>
           </p:cNvPr>
@@ -2120,7 +2120,7 @@
           <p:cNvPr id="4" name="슬라이드 번호 개체 틀 3">
             <a:extLst>
               <a:ext uri="{FF2B5EF4-FFF2-40B4-BE49-F238E27FC236}">
-                <a16:creationId xmlns:a16="http://schemas.microsoft.com/office/drawing/2014/main" xmlns="" id="{A70E7EAA-420B-4248-AC5D-924D52274AAB}"/>
+                <a16:creationId xmlns="" xmlns:a16="http://schemas.microsoft.com/office/drawing/2014/main" id="{A70E7EAA-420B-4248-AC5D-924D52274AAB}"/>
               </a:ext>
             </a:extLst>
           </p:cNvPr>
@@ -2180,7 +2180,7 @@
           <p:cNvPr id="2" name="제목 1">
             <a:extLst>
               <a:ext uri="{FF2B5EF4-FFF2-40B4-BE49-F238E27FC236}">
-                <a16:creationId xmlns:a16="http://schemas.microsoft.com/office/drawing/2014/main" xmlns="" id="{EEEA59E5-7E86-4BCF-94FD-129E37773F11}"/>
+                <a16:creationId xmlns="" xmlns:a16="http://schemas.microsoft.com/office/drawing/2014/main" id="{EEEA59E5-7E86-4BCF-94FD-129E37773F11}"/>
               </a:ext>
             </a:extLst>
           </p:cNvPr>
@@ -2217,7 +2217,7 @@
           <p:cNvPr id="3" name="내용 개체 틀 2">
             <a:extLst>
               <a:ext uri="{FF2B5EF4-FFF2-40B4-BE49-F238E27FC236}">
-                <a16:creationId xmlns:a16="http://schemas.microsoft.com/office/drawing/2014/main" xmlns="" id="{E2B75C20-2061-4FD6-A841-70EC11EA05E0}"/>
+                <a16:creationId xmlns="" xmlns:a16="http://schemas.microsoft.com/office/drawing/2014/main" id="{E2B75C20-2061-4FD6-A841-70EC11EA05E0}"/>
               </a:ext>
             </a:extLst>
           </p:cNvPr>
@@ -2307,7 +2307,7 @@
           <p:cNvPr id="4" name="텍스트 개체 틀 3">
             <a:extLst>
               <a:ext uri="{FF2B5EF4-FFF2-40B4-BE49-F238E27FC236}">
-                <a16:creationId xmlns:a16="http://schemas.microsoft.com/office/drawing/2014/main" xmlns="" id="{DF5B4F06-483A-4B6D-B9A9-2EB3BEB4ABB7}"/>
+                <a16:creationId xmlns="" xmlns:a16="http://schemas.microsoft.com/office/drawing/2014/main" id="{DF5B4F06-483A-4B6D-B9A9-2EB3BEB4ABB7}"/>
               </a:ext>
             </a:extLst>
           </p:cNvPr>
@@ -2378,7 +2378,7 @@
           <p:cNvPr id="5" name="날짜 개체 틀 4">
             <a:extLst>
               <a:ext uri="{FF2B5EF4-FFF2-40B4-BE49-F238E27FC236}">
-                <a16:creationId xmlns:a16="http://schemas.microsoft.com/office/drawing/2014/main" xmlns="" id="{AD74E3E3-F6E1-48FF-BE1E-FABB7F3158C5}"/>
+                <a16:creationId xmlns="" xmlns:a16="http://schemas.microsoft.com/office/drawing/2014/main" id="{AD74E3E3-F6E1-48FF-BE1E-FABB7F3158C5}"/>
               </a:ext>
             </a:extLst>
           </p:cNvPr>
@@ -2397,7 +2397,7 @@
             <a:fld id="{243B3942-B8A6-4289-81E2-11C0B6F800A8}" type="datetimeFigureOut">
               <a:rPr lang="ko-KR" altLang="en-US" smtClean="0"/>
               <a:pPr/>
-              <a:t>2022-01-29</a:t>
+              <a:t>2022-02-02</a:t>
             </a:fld>
             <a:endParaRPr lang="ko-KR" altLang="en-US"/>
           </a:p>
@@ -2408,7 +2408,7 @@
           <p:cNvPr id="6" name="바닥글 개체 틀 5">
             <a:extLst>
               <a:ext uri="{FF2B5EF4-FFF2-40B4-BE49-F238E27FC236}">
-                <a16:creationId xmlns:a16="http://schemas.microsoft.com/office/drawing/2014/main" xmlns="" id="{B83C5046-F38F-471D-BC13-95AA82F9DF6D}"/>
+                <a16:creationId xmlns="" xmlns:a16="http://schemas.microsoft.com/office/drawing/2014/main" id="{B83C5046-F38F-471D-BC13-95AA82F9DF6D}"/>
               </a:ext>
             </a:extLst>
           </p:cNvPr>
@@ -2433,7 +2433,7 @@
           <p:cNvPr id="7" name="슬라이드 번호 개체 틀 6">
             <a:extLst>
               <a:ext uri="{FF2B5EF4-FFF2-40B4-BE49-F238E27FC236}">
-                <a16:creationId xmlns:a16="http://schemas.microsoft.com/office/drawing/2014/main" xmlns="" id="{7B8C0D77-255E-468F-ABF6-0D546282589B}"/>
+                <a16:creationId xmlns="" xmlns:a16="http://schemas.microsoft.com/office/drawing/2014/main" id="{7B8C0D77-255E-468F-ABF6-0D546282589B}"/>
               </a:ext>
             </a:extLst>
           </p:cNvPr>
@@ -2493,7 +2493,7 @@
           <p:cNvPr id="2" name="제목 1">
             <a:extLst>
               <a:ext uri="{FF2B5EF4-FFF2-40B4-BE49-F238E27FC236}">
-                <a16:creationId xmlns:a16="http://schemas.microsoft.com/office/drawing/2014/main" xmlns="" id="{ECCD92F8-DF1D-4232-96BC-6F74E8037720}"/>
+                <a16:creationId xmlns="" xmlns:a16="http://schemas.microsoft.com/office/drawing/2014/main" id="{ECCD92F8-DF1D-4232-96BC-6F74E8037720}"/>
               </a:ext>
             </a:extLst>
           </p:cNvPr>
@@ -2530,7 +2530,7 @@
           <p:cNvPr id="3" name="그림 개체 틀 2">
             <a:extLst>
               <a:ext uri="{FF2B5EF4-FFF2-40B4-BE49-F238E27FC236}">
-                <a16:creationId xmlns:a16="http://schemas.microsoft.com/office/drawing/2014/main" xmlns="" id="{A7EB5627-02C6-4CF1-B1CC-4140CF732AAD}"/>
+                <a16:creationId xmlns="" xmlns:a16="http://schemas.microsoft.com/office/drawing/2014/main" id="{A7EB5627-02C6-4CF1-B1CC-4140CF732AAD}"/>
               </a:ext>
             </a:extLst>
           </p:cNvPr>
@@ -2597,7 +2597,7 @@
           <p:cNvPr id="4" name="텍스트 개체 틀 3">
             <a:extLst>
               <a:ext uri="{FF2B5EF4-FFF2-40B4-BE49-F238E27FC236}">
-                <a16:creationId xmlns:a16="http://schemas.microsoft.com/office/drawing/2014/main" xmlns="" id="{A92455CF-E744-46F4-86A8-FCBDD634231A}"/>
+                <a16:creationId xmlns="" xmlns:a16="http://schemas.microsoft.com/office/drawing/2014/main" id="{A92455CF-E744-46F4-86A8-FCBDD634231A}"/>
               </a:ext>
             </a:extLst>
           </p:cNvPr>
@@ -2668,7 +2668,7 @@
           <p:cNvPr id="5" name="날짜 개체 틀 4">
             <a:extLst>
               <a:ext uri="{FF2B5EF4-FFF2-40B4-BE49-F238E27FC236}">
-                <a16:creationId xmlns:a16="http://schemas.microsoft.com/office/drawing/2014/main" xmlns="" id="{B1583142-95B4-4849-A6CE-313A891B2CC9}"/>
+                <a16:creationId xmlns="" xmlns:a16="http://schemas.microsoft.com/office/drawing/2014/main" id="{B1583142-95B4-4849-A6CE-313A891B2CC9}"/>
               </a:ext>
             </a:extLst>
           </p:cNvPr>
@@ -2687,7 +2687,7 @@
             <a:fld id="{243B3942-B8A6-4289-81E2-11C0B6F800A8}" type="datetimeFigureOut">
               <a:rPr lang="ko-KR" altLang="en-US" smtClean="0"/>
               <a:pPr/>
-              <a:t>2022-01-29</a:t>
+              <a:t>2022-02-02</a:t>
             </a:fld>
             <a:endParaRPr lang="ko-KR" altLang="en-US"/>
           </a:p>
@@ -2698,7 +2698,7 @@
           <p:cNvPr id="6" name="바닥글 개체 틀 5">
             <a:extLst>
               <a:ext uri="{FF2B5EF4-FFF2-40B4-BE49-F238E27FC236}">
-                <a16:creationId xmlns:a16="http://schemas.microsoft.com/office/drawing/2014/main" xmlns="" id="{60E8F465-A235-4BCE-92D4-8682E91EF74F}"/>
+                <a16:creationId xmlns="" xmlns:a16="http://schemas.microsoft.com/office/drawing/2014/main" id="{60E8F465-A235-4BCE-92D4-8682E91EF74F}"/>
               </a:ext>
             </a:extLst>
           </p:cNvPr>
@@ -2723,7 +2723,7 @@
           <p:cNvPr id="7" name="슬라이드 번호 개체 틀 6">
             <a:extLst>
               <a:ext uri="{FF2B5EF4-FFF2-40B4-BE49-F238E27FC236}">
-                <a16:creationId xmlns:a16="http://schemas.microsoft.com/office/drawing/2014/main" xmlns="" id="{8269BB9D-2373-41E8-B9A4-0CAA4AAE2BBC}"/>
+                <a16:creationId xmlns="" xmlns:a16="http://schemas.microsoft.com/office/drawing/2014/main" id="{8269BB9D-2373-41E8-B9A4-0CAA4AAE2BBC}"/>
               </a:ext>
             </a:extLst>
           </p:cNvPr>
@@ -2788,7 +2788,7 @@
           <p:cNvPr id="2" name="제목 개체 틀 1">
             <a:extLst>
               <a:ext uri="{FF2B5EF4-FFF2-40B4-BE49-F238E27FC236}">
-                <a16:creationId xmlns:a16="http://schemas.microsoft.com/office/drawing/2014/main" xmlns="" id="{4034BEA3-1151-433C-A100-670BE34AD457}"/>
+                <a16:creationId xmlns="" xmlns:a16="http://schemas.microsoft.com/office/drawing/2014/main" id="{4034BEA3-1151-433C-A100-670BE34AD457}"/>
               </a:ext>
             </a:extLst>
           </p:cNvPr>
@@ -2826,7 +2826,7 @@
           <p:cNvPr id="3" name="텍스트 개체 틀 2">
             <a:extLst>
               <a:ext uri="{FF2B5EF4-FFF2-40B4-BE49-F238E27FC236}">
-                <a16:creationId xmlns:a16="http://schemas.microsoft.com/office/drawing/2014/main" xmlns="" id="{A927C8D3-2F02-4C7D-9DD1-C0BCE3F3F720}"/>
+                <a16:creationId xmlns="" xmlns:a16="http://schemas.microsoft.com/office/drawing/2014/main" id="{A927C8D3-2F02-4C7D-9DD1-C0BCE3F3F720}"/>
               </a:ext>
             </a:extLst>
           </p:cNvPr>
@@ -2893,7 +2893,7 @@
           <p:cNvPr id="4" name="날짜 개체 틀 3">
             <a:extLst>
               <a:ext uri="{FF2B5EF4-FFF2-40B4-BE49-F238E27FC236}">
-                <a16:creationId xmlns:a16="http://schemas.microsoft.com/office/drawing/2014/main" xmlns="" id="{2A8C95A0-2D59-4D18-8F8C-2F393F0715DB}"/>
+                <a16:creationId xmlns="" xmlns:a16="http://schemas.microsoft.com/office/drawing/2014/main" id="{2A8C95A0-2D59-4D18-8F8C-2F393F0715DB}"/>
               </a:ext>
             </a:extLst>
           </p:cNvPr>
@@ -2930,7 +2930,7 @@
             <a:fld id="{243B3942-B8A6-4289-81E2-11C0B6F800A8}" type="datetimeFigureOut">
               <a:rPr lang="ko-KR" altLang="en-US" smtClean="0"/>
               <a:pPr/>
-              <a:t>2022-01-29</a:t>
+              <a:t>2022-02-02</a:t>
             </a:fld>
             <a:endParaRPr lang="ko-KR" altLang="en-US"/>
           </a:p>
@@ -2941,7 +2941,7 @@
           <p:cNvPr id="5" name="바닥글 개체 틀 4">
             <a:extLst>
               <a:ext uri="{FF2B5EF4-FFF2-40B4-BE49-F238E27FC236}">
-                <a16:creationId xmlns:a16="http://schemas.microsoft.com/office/drawing/2014/main" xmlns="" id="{1568CB7D-F4B8-40C1-AA57-58F975FDB4DF}"/>
+                <a16:creationId xmlns="" xmlns:a16="http://schemas.microsoft.com/office/drawing/2014/main" id="{1568CB7D-F4B8-40C1-AA57-58F975FDB4DF}"/>
               </a:ext>
             </a:extLst>
           </p:cNvPr>
@@ -2984,7 +2984,7 @@
           <p:cNvPr id="6" name="슬라이드 번호 개체 틀 5">
             <a:extLst>
               <a:ext uri="{FF2B5EF4-FFF2-40B4-BE49-F238E27FC236}">
-                <a16:creationId xmlns:a16="http://schemas.microsoft.com/office/drawing/2014/main" xmlns="" id="{2020A16C-380A-40ED-AC11-7C9891CFE414}"/>
+                <a16:creationId xmlns="" xmlns:a16="http://schemas.microsoft.com/office/drawing/2014/main" id="{2020A16C-380A-40ED-AC11-7C9891CFE414}"/>
               </a:ext>
             </a:extLst>
           </p:cNvPr>
@@ -3353,7 +3353,7 @@
           <p:cNvPr id="4" name="표 4">
             <a:extLst>
               <a:ext uri="{FF2B5EF4-FFF2-40B4-BE49-F238E27FC236}">
-                <a16:creationId xmlns:a16="http://schemas.microsoft.com/office/drawing/2014/main" xmlns="" id="{B305719E-D3E5-4E7E-B17F-23D2B8F0881C}"/>
+                <a16:creationId xmlns="" xmlns:a16="http://schemas.microsoft.com/office/drawing/2014/main" id="{B305719E-D3E5-4E7E-B17F-23D2B8F0881C}"/>
               </a:ext>
             </a:extLst>
           </p:cNvPr>
@@ -3382,21 +3382,21 @@
                 <a:gridCol w="2033729">
                   <a:extLst>
                     <a:ext uri="{9D8B030D-6E8A-4147-A177-3AD203B41FA5}">
-                      <a16:colId xmlns:a16="http://schemas.microsoft.com/office/drawing/2014/main" xmlns="" val="3571064474"/>
+                      <a16:colId xmlns="" xmlns:a16="http://schemas.microsoft.com/office/drawing/2014/main" val="3571064474"/>
                     </a:ext>
                   </a:extLst>
                 </a:gridCol>
                 <a:gridCol w="1557196">
                   <a:extLst>
                     <a:ext uri="{9D8B030D-6E8A-4147-A177-3AD203B41FA5}">
-                      <a16:colId xmlns:a16="http://schemas.microsoft.com/office/drawing/2014/main" xmlns="" val="4257211528"/>
+                      <a16:colId xmlns="" xmlns:a16="http://schemas.microsoft.com/office/drawing/2014/main" val="4257211528"/>
                     </a:ext>
                   </a:extLst>
                 </a:gridCol>
                 <a:gridCol w="1665838">
                   <a:extLst>
                     <a:ext uri="{9D8B030D-6E8A-4147-A177-3AD203B41FA5}">
-                      <a16:colId xmlns:a16="http://schemas.microsoft.com/office/drawing/2014/main" xmlns="" val="3023545236"/>
+                      <a16:colId xmlns="" xmlns:a16="http://schemas.microsoft.com/office/drawing/2014/main" val="3023545236"/>
                     </a:ext>
                   </a:extLst>
                 </a:gridCol>
@@ -3404,21 +3404,21 @@
                 <a:gridCol w="1738265">
                   <a:extLst>
                     <a:ext uri="{9D8B030D-6E8A-4147-A177-3AD203B41FA5}">
-                      <a16:colId xmlns:a16="http://schemas.microsoft.com/office/drawing/2014/main" xmlns="" val="2920563116"/>
+                      <a16:colId xmlns="" xmlns:a16="http://schemas.microsoft.com/office/drawing/2014/main" val="2920563116"/>
                     </a:ext>
                   </a:extLst>
                 </a:gridCol>
                 <a:gridCol w="1720158">
                   <a:extLst>
                     <a:ext uri="{9D8B030D-6E8A-4147-A177-3AD203B41FA5}">
-                      <a16:colId xmlns:a16="http://schemas.microsoft.com/office/drawing/2014/main" xmlns="" val="3475859244"/>
+                      <a16:colId xmlns="" xmlns:a16="http://schemas.microsoft.com/office/drawing/2014/main" val="3475859244"/>
                     </a:ext>
                   </a:extLst>
                 </a:gridCol>
                 <a:gridCol w="1602273">
                   <a:extLst>
                     <a:ext uri="{9D8B030D-6E8A-4147-A177-3AD203B41FA5}">
-                      <a16:colId xmlns:a16="http://schemas.microsoft.com/office/drawing/2014/main" xmlns="" val="3472189352"/>
+                      <a16:colId xmlns="" xmlns:a16="http://schemas.microsoft.com/office/drawing/2014/main" val="3472189352"/>
                     </a:ext>
                   </a:extLst>
                 </a:gridCol>
@@ -3981,7 +3981,7 @@
                 </a:tc>
                 <a:extLst>
                   <a:ext uri="{0D108BD9-81ED-4DB2-BD59-A6C34878D82A}">
-                    <a16:rowId xmlns:a16="http://schemas.microsoft.com/office/drawing/2014/main" xmlns="" val="243423754"/>
+                    <a16:rowId xmlns="" xmlns:a16="http://schemas.microsoft.com/office/drawing/2014/main" val="243423754"/>
                   </a:ext>
                 </a:extLst>
               </a:tr>
@@ -6452,7 +6452,7 @@
                 </a:tc>
                 <a:extLst>
                   <a:ext uri="{0D108BD9-81ED-4DB2-BD59-A6C34878D82A}">
-                    <a16:rowId xmlns:a16="http://schemas.microsoft.com/office/drawing/2014/main" xmlns="" val="3134473238"/>
+                    <a16:rowId xmlns="" xmlns:a16="http://schemas.microsoft.com/office/drawing/2014/main" val="3134473238"/>
                   </a:ext>
                 </a:extLst>
               </a:tr>
@@ -6465,7 +6465,7 @@
           <p:cNvPr id="6" name="직선 화살표 연결선 5">
             <a:extLst>
               <a:ext uri="{FF2B5EF4-FFF2-40B4-BE49-F238E27FC236}">
-                <a16:creationId xmlns:a16="http://schemas.microsoft.com/office/drawing/2014/main" xmlns="" id="{3F7B84A3-1AD0-4DF7-A6BC-4B5B198A72B9}"/>
+                <a16:creationId xmlns="" xmlns:a16="http://schemas.microsoft.com/office/drawing/2014/main" id="{3F7B84A3-1AD0-4DF7-A6BC-4B5B198A72B9}"/>
               </a:ext>
             </a:extLst>
           </p:cNvPr>
@@ -6512,7 +6512,7 @@
           <p:cNvPr id="7" name="직선 화살표 연결선 6">
             <a:extLst>
               <a:ext uri="{FF2B5EF4-FFF2-40B4-BE49-F238E27FC236}">
-                <a16:creationId xmlns:a16="http://schemas.microsoft.com/office/drawing/2014/main" xmlns="" id="{3992F012-AF65-4E39-8E9C-577F6F0B7BD2}"/>
+                <a16:creationId xmlns="" xmlns:a16="http://schemas.microsoft.com/office/drawing/2014/main" id="{3992F012-AF65-4E39-8E9C-577F6F0B7BD2}"/>
               </a:ext>
             </a:extLst>
           </p:cNvPr>
@@ -6559,7 +6559,7 @@
           <p:cNvPr id="14" name="TextBox 13">
             <a:extLst>
               <a:ext uri="{FF2B5EF4-FFF2-40B4-BE49-F238E27FC236}">
-                <a16:creationId xmlns:a16="http://schemas.microsoft.com/office/drawing/2014/main" xmlns="" id="{83A2AE63-3C59-4FEB-BBED-3D51275125E3}"/>
+                <a16:creationId xmlns="" xmlns:a16="http://schemas.microsoft.com/office/drawing/2014/main" id="{83A2AE63-3C59-4FEB-BBED-3D51275125E3}"/>
               </a:ext>
             </a:extLst>
           </p:cNvPr>
@@ -6608,7 +6608,7 @@
           <p:cNvPr id="16" name="TextBox 15">
             <a:extLst>
               <a:ext uri="{FF2B5EF4-FFF2-40B4-BE49-F238E27FC236}">
-                <a16:creationId xmlns:a16="http://schemas.microsoft.com/office/drawing/2014/main" xmlns="" id="{B5D51435-1C6A-443A-871F-F312D05722E2}"/>
+                <a16:creationId xmlns="" xmlns:a16="http://schemas.microsoft.com/office/drawing/2014/main" id="{B5D51435-1C6A-443A-871F-F312D05722E2}"/>
               </a:ext>
             </a:extLst>
           </p:cNvPr>
@@ -6657,7 +6657,7 @@
           <p:cNvPr id="19" name="직선 화살표 연결선 18">
             <a:extLst>
               <a:ext uri="{FF2B5EF4-FFF2-40B4-BE49-F238E27FC236}">
-                <a16:creationId xmlns:a16="http://schemas.microsoft.com/office/drawing/2014/main" xmlns="" id="{EC28C33C-129E-4506-9549-3759C91D42BE}"/>
+                <a16:creationId xmlns="" xmlns:a16="http://schemas.microsoft.com/office/drawing/2014/main" id="{EC28C33C-129E-4506-9549-3759C91D42BE}"/>
               </a:ext>
             </a:extLst>
           </p:cNvPr>
@@ -6704,7 +6704,7 @@
           <p:cNvPr id="20" name="TextBox 19">
             <a:extLst>
               <a:ext uri="{FF2B5EF4-FFF2-40B4-BE49-F238E27FC236}">
-                <a16:creationId xmlns:a16="http://schemas.microsoft.com/office/drawing/2014/main" xmlns="" id="{BDD2FA7E-1E88-4F78-ABF6-567824DD1ECE}"/>
+                <a16:creationId xmlns="" xmlns:a16="http://schemas.microsoft.com/office/drawing/2014/main" id="{BDD2FA7E-1E88-4F78-ABF6-567824DD1ECE}"/>
               </a:ext>
             </a:extLst>
           </p:cNvPr>
@@ -6753,7 +6753,7 @@
           <p:cNvPr id="21" name="직선 화살표 연결선 20">
             <a:extLst>
               <a:ext uri="{FF2B5EF4-FFF2-40B4-BE49-F238E27FC236}">
-                <a16:creationId xmlns:a16="http://schemas.microsoft.com/office/drawing/2014/main" xmlns="" id="{75322384-8370-42A2-9AA6-9103C9E005E6}"/>
+                <a16:creationId xmlns="" xmlns:a16="http://schemas.microsoft.com/office/drawing/2014/main" id="{75322384-8370-42A2-9AA6-9103C9E005E6}"/>
               </a:ext>
             </a:extLst>
           </p:cNvPr>
@@ -6800,7 +6800,7 @@
           <p:cNvPr id="23" name="직선 화살표 연결선 22">
             <a:extLst>
               <a:ext uri="{FF2B5EF4-FFF2-40B4-BE49-F238E27FC236}">
-                <a16:creationId xmlns:a16="http://schemas.microsoft.com/office/drawing/2014/main" xmlns="" id="{366CBA92-9226-4C4A-ACDD-433CD65941DE}"/>
+                <a16:creationId xmlns="" xmlns:a16="http://schemas.microsoft.com/office/drawing/2014/main" id="{366CBA92-9226-4C4A-ACDD-433CD65941DE}"/>
               </a:ext>
             </a:extLst>
           </p:cNvPr>
@@ -6847,7 +6847,7 @@
           <p:cNvPr id="25" name="TextBox 24">
             <a:extLst>
               <a:ext uri="{FF2B5EF4-FFF2-40B4-BE49-F238E27FC236}">
-                <a16:creationId xmlns:a16="http://schemas.microsoft.com/office/drawing/2014/main" xmlns="" id="{ED21C0EA-1B65-43C8-AAD0-87268DCF3FD2}"/>
+                <a16:creationId xmlns="" xmlns:a16="http://schemas.microsoft.com/office/drawing/2014/main" id="{ED21C0EA-1B65-43C8-AAD0-87268DCF3FD2}"/>
               </a:ext>
             </a:extLst>
           </p:cNvPr>
@@ -6940,7 +6940,7 @@
           <p:cNvPr id="56" name="직선 화살표 연결선 55">
             <a:extLst>
               <a:ext uri="{FF2B5EF4-FFF2-40B4-BE49-F238E27FC236}">
-                <a16:creationId xmlns:a16="http://schemas.microsoft.com/office/drawing/2014/main" xmlns="" id="{3992F012-AF65-4E39-8E9C-577F6F0B7BD2}"/>
+                <a16:creationId xmlns="" xmlns:a16="http://schemas.microsoft.com/office/drawing/2014/main" id="{3992F012-AF65-4E39-8E9C-577F6F0B7BD2}"/>
               </a:ext>
             </a:extLst>
           </p:cNvPr>
@@ -6987,7 +6987,7 @@
           <p:cNvPr id="61" name="직선 화살표 연결선 60">
             <a:extLst>
               <a:ext uri="{FF2B5EF4-FFF2-40B4-BE49-F238E27FC236}">
-                <a16:creationId xmlns:a16="http://schemas.microsoft.com/office/drawing/2014/main" xmlns="" id="{3992F012-AF65-4E39-8E9C-577F6F0B7BD2}"/>
+                <a16:creationId xmlns="" xmlns:a16="http://schemas.microsoft.com/office/drawing/2014/main" id="{3992F012-AF65-4E39-8E9C-577F6F0B7BD2}"/>
               </a:ext>
             </a:extLst>
           </p:cNvPr>
@@ -7034,7 +7034,7 @@
           <p:cNvPr id="65" name="직선 화살표 연결선 64">
             <a:extLst>
               <a:ext uri="{FF2B5EF4-FFF2-40B4-BE49-F238E27FC236}">
-                <a16:creationId xmlns:a16="http://schemas.microsoft.com/office/drawing/2014/main" xmlns="" id="{3992F012-AF65-4E39-8E9C-577F6F0B7BD2}"/>
+                <a16:creationId xmlns="" xmlns:a16="http://schemas.microsoft.com/office/drawing/2014/main" id="{3992F012-AF65-4E39-8E9C-577F6F0B7BD2}"/>
               </a:ext>
             </a:extLst>
           </p:cNvPr>
@@ -7081,7 +7081,7 @@
           <p:cNvPr id="70" name="직선 화살표 연결선 69">
             <a:extLst>
               <a:ext uri="{FF2B5EF4-FFF2-40B4-BE49-F238E27FC236}">
-                <a16:creationId xmlns:a16="http://schemas.microsoft.com/office/drawing/2014/main" xmlns="" id="{EC28C33C-129E-4506-9549-3759C91D42BE}"/>
+                <a16:creationId xmlns="" xmlns:a16="http://schemas.microsoft.com/office/drawing/2014/main" id="{EC28C33C-129E-4506-9549-3759C91D42BE}"/>
               </a:ext>
             </a:extLst>
           </p:cNvPr>
@@ -7128,7 +7128,7 @@
           <p:cNvPr id="71" name="직선 화살표 연결선 70">
             <a:extLst>
               <a:ext uri="{FF2B5EF4-FFF2-40B4-BE49-F238E27FC236}">
-                <a16:creationId xmlns:a16="http://schemas.microsoft.com/office/drawing/2014/main" xmlns="" id="{EC28C33C-129E-4506-9549-3759C91D42BE}"/>
+                <a16:creationId xmlns="" xmlns:a16="http://schemas.microsoft.com/office/drawing/2014/main" id="{EC28C33C-129E-4506-9549-3759C91D42BE}"/>
               </a:ext>
             </a:extLst>
           </p:cNvPr>
@@ -7175,7 +7175,7 @@
           <p:cNvPr id="72" name="직선 화살표 연결선 71">
             <a:extLst>
               <a:ext uri="{FF2B5EF4-FFF2-40B4-BE49-F238E27FC236}">
-                <a16:creationId xmlns:a16="http://schemas.microsoft.com/office/drawing/2014/main" xmlns="" id="{EC28C33C-129E-4506-9549-3759C91D42BE}"/>
+                <a16:creationId xmlns="" xmlns:a16="http://schemas.microsoft.com/office/drawing/2014/main" id="{EC28C33C-129E-4506-9549-3759C91D42BE}"/>
               </a:ext>
             </a:extLst>
           </p:cNvPr>
@@ -7222,7 +7222,7 @@
           <p:cNvPr id="73" name="TextBox 72">
             <a:extLst>
               <a:ext uri="{FF2B5EF4-FFF2-40B4-BE49-F238E27FC236}">
-                <a16:creationId xmlns:a16="http://schemas.microsoft.com/office/drawing/2014/main" xmlns="" id="{BDD2FA7E-1E88-4F78-ABF6-567824DD1ECE}"/>
+                <a16:creationId xmlns="" xmlns:a16="http://schemas.microsoft.com/office/drawing/2014/main" id="{BDD2FA7E-1E88-4F78-ABF6-567824DD1ECE}"/>
               </a:ext>
             </a:extLst>
           </p:cNvPr>
@@ -7271,7 +7271,7 @@
           <p:cNvPr id="74" name="TextBox 73">
             <a:extLst>
               <a:ext uri="{FF2B5EF4-FFF2-40B4-BE49-F238E27FC236}">
-                <a16:creationId xmlns:a16="http://schemas.microsoft.com/office/drawing/2014/main" xmlns="" id="{BDD2FA7E-1E88-4F78-ABF6-567824DD1ECE}"/>
+                <a16:creationId xmlns="" xmlns:a16="http://schemas.microsoft.com/office/drawing/2014/main" id="{BDD2FA7E-1E88-4F78-ABF6-567824DD1ECE}"/>
               </a:ext>
             </a:extLst>
           </p:cNvPr>
@@ -7344,7 +7344,7 @@
           <p:cNvPr id="75" name="직선 화살표 연결선 74">
             <a:extLst>
               <a:ext uri="{FF2B5EF4-FFF2-40B4-BE49-F238E27FC236}">
-                <a16:creationId xmlns:a16="http://schemas.microsoft.com/office/drawing/2014/main" xmlns="" id="{3F7B84A3-1AD0-4DF7-A6BC-4B5B198A72B9}"/>
+                <a16:creationId xmlns="" xmlns:a16="http://schemas.microsoft.com/office/drawing/2014/main" id="{3F7B84A3-1AD0-4DF7-A6BC-4B5B198A72B9}"/>
               </a:ext>
             </a:extLst>
           </p:cNvPr>
@@ -7391,7 +7391,7 @@
           <p:cNvPr id="76" name="직선 화살표 연결선 75">
             <a:extLst>
               <a:ext uri="{FF2B5EF4-FFF2-40B4-BE49-F238E27FC236}">
-                <a16:creationId xmlns:a16="http://schemas.microsoft.com/office/drawing/2014/main" xmlns="" id="{366CBA92-9226-4C4A-ACDD-433CD65941DE}"/>
+                <a16:creationId xmlns="" xmlns:a16="http://schemas.microsoft.com/office/drawing/2014/main" id="{366CBA92-9226-4C4A-ACDD-433CD65941DE}"/>
               </a:ext>
             </a:extLst>
           </p:cNvPr>
@@ -7438,7 +7438,7 @@
           <p:cNvPr id="77" name="직선 화살표 연결선 76">
             <a:extLst>
               <a:ext uri="{FF2B5EF4-FFF2-40B4-BE49-F238E27FC236}">
-                <a16:creationId xmlns:a16="http://schemas.microsoft.com/office/drawing/2014/main" xmlns="" id="{3992F012-AF65-4E39-8E9C-577F6F0B7BD2}"/>
+                <a16:creationId xmlns="" xmlns:a16="http://schemas.microsoft.com/office/drawing/2014/main" id="{3992F012-AF65-4E39-8E9C-577F6F0B7BD2}"/>
               </a:ext>
             </a:extLst>
           </p:cNvPr>
@@ -7485,7 +7485,7 @@
           <p:cNvPr id="80" name="직선 화살표 연결선 79">
             <a:extLst>
               <a:ext uri="{FF2B5EF4-FFF2-40B4-BE49-F238E27FC236}">
-                <a16:creationId xmlns:a16="http://schemas.microsoft.com/office/drawing/2014/main" xmlns="" id="{EC28C33C-129E-4506-9549-3759C91D42BE}"/>
+                <a16:creationId xmlns="" xmlns:a16="http://schemas.microsoft.com/office/drawing/2014/main" id="{EC28C33C-129E-4506-9549-3759C91D42BE}"/>
               </a:ext>
             </a:extLst>
           </p:cNvPr>
@@ -7532,7 +7532,7 @@
           <p:cNvPr id="81" name="직선 화살표 연결선 80">
             <a:extLst>
               <a:ext uri="{FF2B5EF4-FFF2-40B4-BE49-F238E27FC236}">
-                <a16:creationId xmlns:a16="http://schemas.microsoft.com/office/drawing/2014/main" xmlns="" id="{3992F012-AF65-4E39-8E9C-577F6F0B7BD2}"/>
+                <a16:creationId xmlns="" xmlns:a16="http://schemas.microsoft.com/office/drawing/2014/main" id="{3992F012-AF65-4E39-8E9C-577F6F0B7BD2}"/>
               </a:ext>
             </a:extLst>
           </p:cNvPr>
@@ -7579,7 +7579,7 @@
           <p:cNvPr id="82" name="직선 화살표 연결선 81">
             <a:extLst>
               <a:ext uri="{FF2B5EF4-FFF2-40B4-BE49-F238E27FC236}">
-                <a16:creationId xmlns:a16="http://schemas.microsoft.com/office/drawing/2014/main" xmlns="" id="{EC28C33C-129E-4506-9549-3759C91D42BE}"/>
+                <a16:creationId xmlns="" xmlns:a16="http://schemas.microsoft.com/office/drawing/2014/main" id="{EC28C33C-129E-4506-9549-3759C91D42BE}"/>
               </a:ext>
             </a:extLst>
           </p:cNvPr>
@@ -7626,7 +7626,7 @@
           <p:cNvPr id="83" name="TextBox 82">
             <a:extLst>
               <a:ext uri="{FF2B5EF4-FFF2-40B4-BE49-F238E27FC236}">
-                <a16:creationId xmlns:a16="http://schemas.microsoft.com/office/drawing/2014/main" xmlns="" id="{ED21C0EA-1B65-43C8-AAD0-87268DCF3FD2}"/>
+                <a16:creationId xmlns="" xmlns:a16="http://schemas.microsoft.com/office/drawing/2014/main" id="{ED21C0EA-1B65-43C8-AAD0-87268DCF3FD2}"/>
               </a:ext>
             </a:extLst>
           </p:cNvPr>
@@ -7690,7 +7690,7 @@
           <p:cNvPr id="84" name="TextBox 83">
             <a:extLst>
               <a:ext uri="{FF2B5EF4-FFF2-40B4-BE49-F238E27FC236}">
-                <a16:creationId xmlns:a16="http://schemas.microsoft.com/office/drawing/2014/main" xmlns="" id="{ED21C0EA-1B65-43C8-AAD0-87268DCF3FD2}"/>
+                <a16:creationId xmlns="" xmlns:a16="http://schemas.microsoft.com/office/drawing/2014/main" id="{ED21C0EA-1B65-43C8-AAD0-87268DCF3FD2}"/>
               </a:ext>
             </a:extLst>
           </p:cNvPr>
@@ -7754,7 +7754,7 @@
           <p:cNvPr id="85" name="직선 화살표 연결선 84">
             <a:extLst>
               <a:ext uri="{FF2B5EF4-FFF2-40B4-BE49-F238E27FC236}">
-                <a16:creationId xmlns:a16="http://schemas.microsoft.com/office/drawing/2014/main" xmlns="" id="{3992F012-AF65-4E39-8E9C-577F6F0B7BD2}"/>
+                <a16:creationId xmlns="" xmlns:a16="http://schemas.microsoft.com/office/drawing/2014/main" id="{3992F012-AF65-4E39-8E9C-577F6F0B7BD2}"/>
               </a:ext>
             </a:extLst>
           </p:cNvPr>
@@ -7801,7 +7801,7 @@
           <p:cNvPr id="86" name="TextBox 85">
             <a:extLst>
               <a:ext uri="{FF2B5EF4-FFF2-40B4-BE49-F238E27FC236}">
-                <a16:creationId xmlns:a16="http://schemas.microsoft.com/office/drawing/2014/main" xmlns="" id="{ED21C0EA-1B65-43C8-AAD0-87268DCF3FD2}"/>
+                <a16:creationId xmlns="" xmlns:a16="http://schemas.microsoft.com/office/drawing/2014/main" id="{ED21C0EA-1B65-43C8-AAD0-87268DCF3FD2}"/>
               </a:ext>
             </a:extLst>
           </p:cNvPr>
@@ -7865,7 +7865,7 @@
           <p:cNvPr id="87" name="직선 화살표 연결선 86">
             <a:extLst>
               <a:ext uri="{FF2B5EF4-FFF2-40B4-BE49-F238E27FC236}">
-                <a16:creationId xmlns:a16="http://schemas.microsoft.com/office/drawing/2014/main" xmlns="" id="{3992F012-AF65-4E39-8E9C-577F6F0B7BD2}"/>
+                <a16:creationId xmlns="" xmlns:a16="http://schemas.microsoft.com/office/drawing/2014/main" id="{3992F012-AF65-4E39-8E9C-577F6F0B7BD2}"/>
               </a:ext>
             </a:extLst>
           </p:cNvPr>
@@ -7912,7 +7912,7 @@
           <p:cNvPr id="88" name="TextBox 87">
             <a:extLst>
               <a:ext uri="{FF2B5EF4-FFF2-40B4-BE49-F238E27FC236}">
-                <a16:creationId xmlns:a16="http://schemas.microsoft.com/office/drawing/2014/main" xmlns="" id="{ED21C0EA-1B65-43C8-AAD0-87268DCF3FD2}"/>
+                <a16:creationId xmlns="" xmlns:a16="http://schemas.microsoft.com/office/drawing/2014/main" id="{ED21C0EA-1B65-43C8-AAD0-87268DCF3FD2}"/>
               </a:ext>
             </a:extLst>
           </p:cNvPr>
@@ -7976,7 +7976,7 @@
           <p:cNvPr id="89" name="직선 화살표 연결선 88">
             <a:extLst>
               <a:ext uri="{FF2B5EF4-FFF2-40B4-BE49-F238E27FC236}">
-                <a16:creationId xmlns:a16="http://schemas.microsoft.com/office/drawing/2014/main" xmlns="" id="{EC28C33C-129E-4506-9549-3759C91D42BE}"/>
+                <a16:creationId xmlns="" xmlns:a16="http://schemas.microsoft.com/office/drawing/2014/main" id="{EC28C33C-129E-4506-9549-3759C91D42BE}"/>
               </a:ext>
             </a:extLst>
           </p:cNvPr>
@@ -8023,7 +8023,7 @@
           <p:cNvPr id="90" name="직선 화살표 연결선 89">
             <a:extLst>
               <a:ext uri="{FF2B5EF4-FFF2-40B4-BE49-F238E27FC236}">
-                <a16:creationId xmlns:a16="http://schemas.microsoft.com/office/drawing/2014/main" xmlns="" id="{EC28C33C-129E-4506-9549-3759C91D42BE}"/>
+                <a16:creationId xmlns="" xmlns:a16="http://schemas.microsoft.com/office/drawing/2014/main" id="{EC28C33C-129E-4506-9549-3759C91D42BE}"/>
               </a:ext>
             </a:extLst>
           </p:cNvPr>
@@ -8070,7 +8070,7 @@
           <p:cNvPr id="91" name="TextBox 90">
             <a:extLst>
               <a:ext uri="{FF2B5EF4-FFF2-40B4-BE49-F238E27FC236}">
-                <a16:creationId xmlns:a16="http://schemas.microsoft.com/office/drawing/2014/main" xmlns="" id="{BDD2FA7E-1E88-4F78-ABF6-567824DD1ECE}"/>
+                <a16:creationId xmlns="" xmlns:a16="http://schemas.microsoft.com/office/drawing/2014/main" id="{BDD2FA7E-1E88-4F78-ABF6-567824DD1ECE}"/>
               </a:ext>
             </a:extLst>
           </p:cNvPr>
@@ -8146,7 +8146,7 @@
           <p:cNvPr id="92" name="직선 화살표 연결선 91">
             <a:extLst>
               <a:ext uri="{FF2B5EF4-FFF2-40B4-BE49-F238E27FC236}">
-                <a16:creationId xmlns:a16="http://schemas.microsoft.com/office/drawing/2014/main" xmlns="" id="{3F7B84A3-1AD0-4DF7-A6BC-4B5B198A72B9}"/>
+                <a16:creationId xmlns="" xmlns:a16="http://schemas.microsoft.com/office/drawing/2014/main" id="{3F7B84A3-1AD0-4DF7-A6BC-4B5B198A72B9}"/>
               </a:ext>
             </a:extLst>
           </p:cNvPr>
@@ -8193,7 +8193,7 @@
           <p:cNvPr id="93" name="직선 화살표 연결선 92">
             <a:extLst>
               <a:ext uri="{FF2B5EF4-FFF2-40B4-BE49-F238E27FC236}">
-                <a16:creationId xmlns:a16="http://schemas.microsoft.com/office/drawing/2014/main" xmlns="" id="{3F7B84A3-1AD0-4DF7-A6BC-4B5B198A72B9}"/>
+                <a16:creationId xmlns="" xmlns:a16="http://schemas.microsoft.com/office/drawing/2014/main" id="{3F7B84A3-1AD0-4DF7-A6BC-4B5B198A72B9}"/>
               </a:ext>
             </a:extLst>
           </p:cNvPr>
@@ -8240,7 +8240,7 @@
           <p:cNvPr id="95" name="직선 화살표 연결선 94">
             <a:extLst>
               <a:ext uri="{FF2B5EF4-FFF2-40B4-BE49-F238E27FC236}">
-                <a16:creationId xmlns:a16="http://schemas.microsoft.com/office/drawing/2014/main" xmlns="" id="{366CBA92-9226-4C4A-ACDD-433CD65941DE}"/>
+                <a16:creationId xmlns="" xmlns:a16="http://schemas.microsoft.com/office/drawing/2014/main" id="{366CBA92-9226-4C4A-ACDD-433CD65941DE}"/>
               </a:ext>
             </a:extLst>
           </p:cNvPr>
@@ -8287,7 +8287,7 @@
           <p:cNvPr id="98" name="직선 화살표 연결선 97">
             <a:extLst>
               <a:ext uri="{FF2B5EF4-FFF2-40B4-BE49-F238E27FC236}">
-                <a16:creationId xmlns:a16="http://schemas.microsoft.com/office/drawing/2014/main" xmlns="" id="{366CBA92-9226-4C4A-ACDD-433CD65941DE}"/>
+                <a16:creationId xmlns="" xmlns:a16="http://schemas.microsoft.com/office/drawing/2014/main" id="{366CBA92-9226-4C4A-ACDD-433CD65941DE}"/>
               </a:ext>
             </a:extLst>
           </p:cNvPr>
@@ -8334,7 +8334,7 @@
           <p:cNvPr id="99" name="직선 화살표 연결선 98">
             <a:extLst>
               <a:ext uri="{FF2B5EF4-FFF2-40B4-BE49-F238E27FC236}">
-                <a16:creationId xmlns:a16="http://schemas.microsoft.com/office/drawing/2014/main" xmlns="" id="{3F7B84A3-1AD0-4DF7-A6BC-4B5B198A72B9}"/>
+                <a16:creationId xmlns="" xmlns:a16="http://schemas.microsoft.com/office/drawing/2014/main" id="{3F7B84A3-1AD0-4DF7-A6BC-4B5B198A72B9}"/>
               </a:ext>
             </a:extLst>
           </p:cNvPr>
@@ -8381,7 +8381,7 @@
           <p:cNvPr id="101" name="직선 화살표 연결선 100">
             <a:extLst>
               <a:ext uri="{FF2B5EF4-FFF2-40B4-BE49-F238E27FC236}">
-                <a16:creationId xmlns:a16="http://schemas.microsoft.com/office/drawing/2014/main" xmlns="" id="{366CBA92-9226-4C4A-ACDD-433CD65941DE}"/>
+                <a16:creationId xmlns="" xmlns:a16="http://schemas.microsoft.com/office/drawing/2014/main" id="{366CBA92-9226-4C4A-ACDD-433CD65941DE}"/>
               </a:ext>
             </a:extLst>
           </p:cNvPr>
@@ -8428,7 +8428,7 @@
           <p:cNvPr id="103" name="직선 화살표 연결선 102">
             <a:extLst>
               <a:ext uri="{FF2B5EF4-FFF2-40B4-BE49-F238E27FC236}">
-                <a16:creationId xmlns:a16="http://schemas.microsoft.com/office/drawing/2014/main" xmlns="" id="{3992F012-AF65-4E39-8E9C-577F6F0B7BD2}"/>
+                <a16:creationId xmlns="" xmlns:a16="http://schemas.microsoft.com/office/drawing/2014/main" id="{3992F012-AF65-4E39-8E9C-577F6F0B7BD2}"/>
               </a:ext>
             </a:extLst>
           </p:cNvPr>
@@ -8475,7 +8475,7 @@
           <p:cNvPr id="104" name="TextBox 103">
             <a:extLst>
               <a:ext uri="{FF2B5EF4-FFF2-40B4-BE49-F238E27FC236}">
-                <a16:creationId xmlns:a16="http://schemas.microsoft.com/office/drawing/2014/main" xmlns="" id="{ED21C0EA-1B65-43C8-AAD0-87268DCF3FD2}"/>
+                <a16:creationId xmlns="" xmlns:a16="http://schemas.microsoft.com/office/drawing/2014/main" id="{ED21C0EA-1B65-43C8-AAD0-87268DCF3FD2}"/>
               </a:ext>
             </a:extLst>
           </p:cNvPr>
@@ -8559,7 +8559,7 @@
           <p:cNvPr id="105" name="직선 화살표 연결선 104">
             <a:extLst>
               <a:ext uri="{FF2B5EF4-FFF2-40B4-BE49-F238E27FC236}">
-                <a16:creationId xmlns:a16="http://schemas.microsoft.com/office/drawing/2014/main" xmlns="" id="{3992F012-AF65-4E39-8E9C-577F6F0B7BD2}"/>
+                <a16:creationId xmlns="" xmlns:a16="http://schemas.microsoft.com/office/drawing/2014/main" id="{3992F012-AF65-4E39-8E9C-577F6F0B7BD2}"/>
               </a:ext>
             </a:extLst>
           </p:cNvPr>
@@ -8606,7 +8606,7 @@
           <p:cNvPr id="106" name="직선 화살표 연결선 105">
             <a:extLst>
               <a:ext uri="{FF2B5EF4-FFF2-40B4-BE49-F238E27FC236}">
-                <a16:creationId xmlns:a16="http://schemas.microsoft.com/office/drawing/2014/main" xmlns="" id="{3992F012-AF65-4E39-8E9C-577F6F0B7BD2}"/>
+                <a16:creationId xmlns="" xmlns:a16="http://schemas.microsoft.com/office/drawing/2014/main" id="{3992F012-AF65-4E39-8E9C-577F6F0B7BD2}"/>
               </a:ext>
             </a:extLst>
           </p:cNvPr>
@@ -8653,7 +8653,7 @@
           <p:cNvPr id="107" name="직선 화살표 연결선 106">
             <a:extLst>
               <a:ext uri="{FF2B5EF4-FFF2-40B4-BE49-F238E27FC236}">
-                <a16:creationId xmlns:a16="http://schemas.microsoft.com/office/drawing/2014/main" xmlns="" id="{3992F012-AF65-4E39-8E9C-577F6F0B7BD2}"/>
+                <a16:creationId xmlns="" xmlns:a16="http://schemas.microsoft.com/office/drawing/2014/main" id="{3992F012-AF65-4E39-8E9C-577F6F0B7BD2}"/>
               </a:ext>
             </a:extLst>
           </p:cNvPr>
@@ -8700,7 +8700,7 @@
           <p:cNvPr id="110" name="직선 화살표 연결선 109">
             <a:extLst>
               <a:ext uri="{FF2B5EF4-FFF2-40B4-BE49-F238E27FC236}">
-                <a16:creationId xmlns:a16="http://schemas.microsoft.com/office/drawing/2014/main" xmlns="" id="{EC28C33C-129E-4506-9549-3759C91D42BE}"/>
+                <a16:creationId xmlns="" xmlns:a16="http://schemas.microsoft.com/office/drawing/2014/main" id="{EC28C33C-129E-4506-9549-3759C91D42BE}"/>
               </a:ext>
             </a:extLst>
           </p:cNvPr>
@@ -8747,7 +8747,7 @@
           <p:cNvPr id="111" name="직선 화살표 연결선 110">
             <a:extLst>
               <a:ext uri="{FF2B5EF4-FFF2-40B4-BE49-F238E27FC236}">
-                <a16:creationId xmlns:a16="http://schemas.microsoft.com/office/drawing/2014/main" xmlns="" id="{EC28C33C-129E-4506-9549-3759C91D42BE}"/>
+                <a16:creationId xmlns="" xmlns:a16="http://schemas.microsoft.com/office/drawing/2014/main" id="{EC28C33C-129E-4506-9549-3759C91D42BE}"/>
               </a:ext>
             </a:extLst>
           </p:cNvPr>
@@ -8794,7 +8794,7 @@
           <p:cNvPr id="112" name="직선 화살표 연결선 111">
             <a:extLst>
               <a:ext uri="{FF2B5EF4-FFF2-40B4-BE49-F238E27FC236}">
-                <a16:creationId xmlns:a16="http://schemas.microsoft.com/office/drawing/2014/main" xmlns="" id="{EC28C33C-129E-4506-9549-3759C91D42BE}"/>
+                <a16:creationId xmlns="" xmlns:a16="http://schemas.microsoft.com/office/drawing/2014/main" id="{EC28C33C-129E-4506-9549-3759C91D42BE}"/>
               </a:ext>
             </a:extLst>
           </p:cNvPr>
@@ -8841,7 +8841,7 @@
           <p:cNvPr id="113" name="직선 화살표 연결선 112">
             <a:extLst>
               <a:ext uri="{FF2B5EF4-FFF2-40B4-BE49-F238E27FC236}">
-                <a16:creationId xmlns:a16="http://schemas.microsoft.com/office/drawing/2014/main" xmlns="" id="{EC28C33C-129E-4506-9549-3759C91D42BE}"/>
+                <a16:creationId xmlns="" xmlns:a16="http://schemas.microsoft.com/office/drawing/2014/main" id="{EC28C33C-129E-4506-9549-3759C91D42BE}"/>
               </a:ext>
             </a:extLst>
           </p:cNvPr>
@@ -8888,7 +8888,7 @@
           <p:cNvPr id="115" name="TextBox 114">
             <a:extLst>
               <a:ext uri="{FF2B5EF4-FFF2-40B4-BE49-F238E27FC236}">
-                <a16:creationId xmlns:a16="http://schemas.microsoft.com/office/drawing/2014/main" xmlns="" id="{BDD2FA7E-1E88-4F78-ABF6-567824DD1ECE}"/>
+                <a16:creationId xmlns="" xmlns:a16="http://schemas.microsoft.com/office/drawing/2014/main" id="{BDD2FA7E-1E88-4F78-ABF6-567824DD1ECE}"/>
               </a:ext>
             </a:extLst>
           </p:cNvPr>
@@ -8945,7 +8945,7 @@
           <p:cNvPr id="116" name="TextBox 115">
             <a:extLst>
               <a:ext uri="{FF2B5EF4-FFF2-40B4-BE49-F238E27FC236}">
-                <a16:creationId xmlns:a16="http://schemas.microsoft.com/office/drawing/2014/main" xmlns="" id="{BDD2FA7E-1E88-4F78-ABF6-567824DD1ECE}"/>
+                <a16:creationId xmlns="" xmlns:a16="http://schemas.microsoft.com/office/drawing/2014/main" id="{BDD2FA7E-1E88-4F78-ABF6-567824DD1ECE}"/>
               </a:ext>
             </a:extLst>
           </p:cNvPr>
@@ -9002,7 +9002,7 @@
           <p:cNvPr id="117" name="TextBox 116">
             <a:extLst>
               <a:ext uri="{FF2B5EF4-FFF2-40B4-BE49-F238E27FC236}">
-                <a16:creationId xmlns:a16="http://schemas.microsoft.com/office/drawing/2014/main" xmlns="" id="{BDD2FA7E-1E88-4F78-ABF6-567824DD1ECE}"/>
+                <a16:creationId xmlns="" xmlns:a16="http://schemas.microsoft.com/office/drawing/2014/main" id="{BDD2FA7E-1E88-4F78-ABF6-567824DD1ECE}"/>
               </a:ext>
             </a:extLst>
           </p:cNvPr>
@@ -9059,7 +9059,7 @@
           <p:cNvPr id="118" name="TextBox 117">
             <a:extLst>
               <a:ext uri="{FF2B5EF4-FFF2-40B4-BE49-F238E27FC236}">
-                <a16:creationId xmlns:a16="http://schemas.microsoft.com/office/drawing/2014/main" xmlns="" id="{ED21C0EA-1B65-43C8-AAD0-87268DCF3FD2}"/>
+                <a16:creationId xmlns="" xmlns:a16="http://schemas.microsoft.com/office/drawing/2014/main" id="{ED21C0EA-1B65-43C8-AAD0-87268DCF3FD2}"/>
               </a:ext>
             </a:extLst>
           </p:cNvPr>
@@ -9143,7 +9143,7 @@
           <p:cNvPr id="119" name="TextBox 118">
             <a:extLst>
               <a:ext uri="{FF2B5EF4-FFF2-40B4-BE49-F238E27FC236}">
-                <a16:creationId xmlns:a16="http://schemas.microsoft.com/office/drawing/2014/main" xmlns="" id="{ED21C0EA-1B65-43C8-AAD0-87268DCF3FD2}"/>
+                <a16:creationId xmlns="" xmlns:a16="http://schemas.microsoft.com/office/drawing/2014/main" id="{ED21C0EA-1B65-43C8-AAD0-87268DCF3FD2}"/>
               </a:ext>
             </a:extLst>
           </p:cNvPr>
@@ -9227,7 +9227,7 @@
           <p:cNvPr id="120" name="TextBox 119">
             <a:extLst>
               <a:ext uri="{FF2B5EF4-FFF2-40B4-BE49-F238E27FC236}">
-                <a16:creationId xmlns:a16="http://schemas.microsoft.com/office/drawing/2014/main" xmlns="" id="{ED21C0EA-1B65-43C8-AAD0-87268DCF3FD2}"/>
+                <a16:creationId xmlns="" xmlns:a16="http://schemas.microsoft.com/office/drawing/2014/main" id="{ED21C0EA-1B65-43C8-AAD0-87268DCF3FD2}"/>
               </a:ext>
             </a:extLst>
           </p:cNvPr>
@@ -9311,7 +9311,7 @@
           <p:cNvPr id="121" name="TextBox 120">
             <a:extLst>
               <a:ext uri="{FF2B5EF4-FFF2-40B4-BE49-F238E27FC236}">
-                <a16:creationId xmlns:a16="http://schemas.microsoft.com/office/drawing/2014/main" xmlns="" id="{ED21C0EA-1B65-43C8-AAD0-87268DCF3FD2}"/>
+                <a16:creationId xmlns="" xmlns:a16="http://schemas.microsoft.com/office/drawing/2014/main" id="{ED21C0EA-1B65-43C8-AAD0-87268DCF3FD2}"/>
               </a:ext>
             </a:extLst>
           </p:cNvPr>
@@ -9395,7 +9395,7 @@
           <p:cNvPr id="122" name="TextBox 121">
             <a:extLst>
               <a:ext uri="{FF2B5EF4-FFF2-40B4-BE49-F238E27FC236}">
-                <a16:creationId xmlns:a16="http://schemas.microsoft.com/office/drawing/2014/main" xmlns="" id="{BDD2FA7E-1E88-4F78-ABF6-567824DD1ECE}"/>
+                <a16:creationId xmlns="" xmlns:a16="http://schemas.microsoft.com/office/drawing/2014/main" id="{BDD2FA7E-1E88-4F78-ABF6-567824DD1ECE}"/>
               </a:ext>
             </a:extLst>
           </p:cNvPr>
@@ -9452,7 +9452,7 @@
           <p:cNvPr id="123" name="TextBox 122">
             <a:extLst>
               <a:ext uri="{FF2B5EF4-FFF2-40B4-BE49-F238E27FC236}">
-                <a16:creationId xmlns:a16="http://schemas.microsoft.com/office/drawing/2014/main" xmlns="" id="{BDD2FA7E-1E88-4F78-ABF6-567824DD1ECE}"/>
+                <a16:creationId xmlns="" xmlns:a16="http://schemas.microsoft.com/office/drawing/2014/main" id="{BDD2FA7E-1E88-4F78-ABF6-567824DD1ECE}"/>
               </a:ext>
             </a:extLst>
           </p:cNvPr>
@@ -9573,7 +9573,7 @@
           <p:cNvPr id="124" name="직선 화살표 연결선 123">
             <a:extLst>
               <a:ext uri="{FF2B5EF4-FFF2-40B4-BE49-F238E27FC236}">
-                <a16:creationId xmlns:a16="http://schemas.microsoft.com/office/drawing/2014/main" xmlns="" id="{3992F012-AF65-4E39-8E9C-577F6F0B7BD2}"/>
+                <a16:creationId xmlns="" xmlns:a16="http://schemas.microsoft.com/office/drawing/2014/main" id="{3992F012-AF65-4E39-8E9C-577F6F0B7BD2}"/>
               </a:ext>
             </a:extLst>
           </p:cNvPr>
@@ -9620,7 +9620,7 @@
           <p:cNvPr id="126" name="직선 화살표 연결선 125">
             <a:extLst>
               <a:ext uri="{FF2B5EF4-FFF2-40B4-BE49-F238E27FC236}">
-                <a16:creationId xmlns:a16="http://schemas.microsoft.com/office/drawing/2014/main" xmlns="" id="{EC28C33C-129E-4506-9549-3759C91D42BE}"/>
+                <a16:creationId xmlns="" xmlns:a16="http://schemas.microsoft.com/office/drawing/2014/main" id="{EC28C33C-129E-4506-9549-3759C91D42BE}"/>
               </a:ext>
             </a:extLst>
           </p:cNvPr>
@@ -9667,7 +9667,7 @@
           <p:cNvPr id="128" name="직선 화살표 연결선 127">
             <a:extLst>
               <a:ext uri="{FF2B5EF4-FFF2-40B4-BE49-F238E27FC236}">
-                <a16:creationId xmlns:a16="http://schemas.microsoft.com/office/drawing/2014/main" xmlns="" id="{3992F012-AF65-4E39-8E9C-577F6F0B7BD2}"/>
+                <a16:creationId xmlns="" xmlns:a16="http://schemas.microsoft.com/office/drawing/2014/main" id="{3992F012-AF65-4E39-8E9C-577F6F0B7BD2}"/>
               </a:ext>
             </a:extLst>
           </p:cNvPr>
@@ -9714,7 +9714,7 @@
           <p:cNvPr id="129" name="직선 화살표 연결선 128">
             <a:extLst>
               <a:ext uri="{FF2B5EF4-FFF2-40B4-BE49-F238E27FC236}">
-                <a16:creationId xmlns:a16="http://schemas.microsoft.com/office/drawing/2014/main" xmlns="" id="{EC28C33C-129E-4506-9549-3759C91D42BE}"/>
+                <a16:creationId xmlns="" xmlns:a16="http://schemas.microsoft.com/office/drawing/2014/main" id="{EC28C33C-129E-4506-9549-3759C91D42BE}"/>
               </a:ext>
             </a:extLst>
           </p:cNvPr>
@@ -9761,7 +9761,7 @@
           <p:cNvPr id="130" name="직선 화살표 연결선 129">
             <a:extLst>
               <a:ext uri="{FF2B5EF4-FFF2-40B4-BE49-F238E27FC236}">
-                <a16:creationId xmlns:a16="http://schemas.microsoft.com/office/drawing/2014/main" xmlns="" id="{3992F012-AF65-4E39-8E9C-577F6F0B7BD2}"/>
+                <a16:creationId xmlns="" xmlns:a16="http://schemas.microsoft.com/office/drawing/2014/main" id="{3992F012-AF65-4E39-8E9C-577F6F0B7BD2}"/>
               </a:ext>
             </a:extLst>
           </p:cNvPr>
@@ -9808,7 +9808,7 @@
           <p:cNvPr id="131" name="직선 화살표 연결선 130">
             <a:extLst>
               <a:ext uri="{FF2B5EF4-FFF2-40B4-BE49-F238E27FC236}">
-                <a16:creationId xmlns:a16="http://schemas.microsoft.com/office/drawing/2014/main" xmlns="" id="{EC28C33C-129E-4506-9549-3759C91D42BE}"/>
+                <a16:creationId xmlns="" xmlns:a16="http://schemas.microsoft.com/office/drawing/2014/main" id="{EC28C33C-129E-4506-9549-3759C91D42BE}"/>
               </a:ext>
             </a:extLst>
           </p:cNvPr>
@@ -9855,7 +9855,7 @@
           <p:cNvPr id="132" name="직선 화살표 연결선 131">
             <a:extLst>
               <a:ext uri="{FF2B5EF4-FFF2-40B4-BE49-F238E27FC236}">
-                <a16:creationId xmlns:a16="http://schemas.microsoft.com/office/drawing/2014/main" xmlns="" id="{3992F012-AF65-4E39-8E9C-577F6F0B7BD2}"/>
+                <a16:creationId xmlns="" xmlns:a16="http://schemas.microsoft.com/office/drawing/2014/main" id="{3992F012-AF65-4E39-8E9C-577F6F0B7BD2}"/>
               </a:ext>
             </a:extLst>
           </p:cNvPr>
@@ -9902,7 +9902,7 @@
           <p:cNvPr id="133" name="직선 화살표 연결선 132">
             <a:extLst>
               <a:ext uri="{FF2B5EF4-FFF2-40B4-BE49-F238E27FC236}">
-                <a16:creationId xmlns:a16="http://schemas.microsoft.com/office/drawing/2014/main" xmlns="" id="{EC28C33C-129E-4506-9549-3759C91D42BE}"/>
+                <a16:creationId xmlns="" xmlns:a16="http://schemas.microsoft.com/office/drawing/2014/main" id="{EC28C33C-129E-4506-9549-3759C91D42BE}"/>
               </a:ext>
             </a:extLst>
           </p:cNvPr>
@@ -9949,7 +9949,7 @@
           <p:cNvPr id="134" name="TextBox 133">
             <a:extLst>
               <a:ext uri="{FF2B5EF4-FFF2-40B4-BE49-F238E27FC236}">
-                <a16:creationId xmlns:a16="http://schemas.microsoft.com/office/drawing/2014/main" xmlns="" id="{ED21C0EA-1B65-43C8-AAD0-87268DCF3FD2}"/>
+                <a16:creationId xmlns="" xmlns:a16="http://schemas.microsoft.com/office/drawing/2014/main" id="{ED21C0EA-1B65-43C8-AAD0-87268DCF3FD2}"/>
               </a:ext>
             </a:extLst>
           </p:cNvPr>
@@ -10033,7 +10033,7 @@
           <p:cNvPr id="135" name="TextBox 134">
             <a:extLst>
               <a:ext uri="{FF2B5EF4-FFF2-40B4-BE49-F238E27FC236}">
-                <a16:creationId xmlns:a16="http://schemas.microsoft.com/office/drawing/2014/main" xmlns="" id="{ED21C0EA-1B65-43C8-AAD0-87268DCF3FD2}"/>
+                <a16:creationId xmlns="" xmlns:a16="http://schemas.microsoft.com/office/drawing/2014/main" id="{ED21C0EA-1B65-43C8-AAD0-87268DCF3FD2}"/>
               </a:ext>
             </a:extLst>
           </p:cNvPr>
@@ -10097,7 +10097,7 @@
           <p:cNvPr id="136" name="TextBox 135">
             <a:extLst>
               <a:ext uri="{FF2B5EF4-FFF2-40B4-BE49-F238E27FC236}">
-                <a16:creationId xmlns:a16="http://schemas.microsoft.com/office/drawing/2014/main" xmlns="" id="{ED21C0EA-1B65-43C8-AAD0-87268DCF3FD2}"/>
+                <a16:creationId xmlns="" xmlns:a16="http://schemas.microsoft.com/office/drawing/2014/main" id="{ED21C0EA-1B65-43C8-AAD0-87268DCF3FD2}"/>
               </a:ext>
             </a:extLst>
           </p:cNvPr>
@@ -10161,7 +10161,7 @@
           <p:cNvPr id="137" name="TextBox 136">
             <a:extLst>
               <a:ext uri="{FF2B5EF4-FFF2-40B4-BE49-F238E27FC236}">
-                <a16:creationId xmlns:a16="http://schemas.microsoft.com/office/drawing/2014/main" xmlns="" id="{ED21C0EA-1B65-43C8-AAD0-87268DCF3FD2}"/>
+                <a16:creationId xmlns="" xmlns:a16="http://schemas.microsoft.com/office/drawing/2014/main" id="{ED21C0EA-1B65-43C8-AAD0-87268DCF3FD2}"/>
               </a:ext>
             </a:extLst>
           </p:cNvPr>
@@ -10225,7 +10225,7 @@
           <p:cNvPr id="138" name="TextBox 137">
             <a:extLst>
               <a:ext uri="{FF2B5EF4-FFF2-40B4-BE49-F238E27FC236}">
-                <a16:creationId xmlns:a16="http://schemas.microsoft.com/office/drawing/2014/main" xmlns="" id="{BDD2FA7E-1E88-4F78-ABF6-567824DD1ECE}"/>
+                <a16:creationId xmlns="" xmlns:a16="http://schemas.microsoft.com/office/drawing/2014/main" id="{BDD2FA7E-1E88-4F78-ABF6-567824DD1ECE}"/>
               </a:ext>
             </a:extLst>
           </p:cNvPr>
@@ -10301,7 +10301,7 @@
           <p:cNvPr id="139" name="직선 화살표 연결선 138">
             <a:extLst>
               <a:ext uri="{FF2B5EF4-FFF2-40B4-BE49-F238E27FC236}">
-                <a16:creationId xmlns:a16="http://schemas.microsoft.com/office/drawing/2014/main" xmlns="" id="{3F7B84A3-1AD0-4DF7-A6BC-4B5B198A72B9}"/>
+                <a16:creationId xmlns="" xmlns:a16="http://schemas.microsoft.com/office/drawing/2014/main" id="{3F7B84A3-1AD0-4DF7-A6BC-4B5B198A72B9}"/>
               </a:ext>
             </a:extLst>
           </p:cNvPr>
@@ -10378,7 +10378,7 @@
           <p:cNvPr id="4" name="표 4">
             <a:extLst>
               <a:ext uri="{FF2B5EF4-FFF2-40B4-BE49-F238E27FC236}">
-                <a16:creationId xmlns:a16="http://schemas.microsoft.com/office/drawing/2014/main" xmlns="" id="{B305719E-D3E5-4E7E-B17F-23D2B8F0881C}"/>
+                <a16:creationId xmlns="" xmlns:a16="http://schemas.microsoft.com/office/drawing/2014/main" id="{B305719E-D3E5-4E7E-B17F-23D2B8F0881C}"/>
               </a:ext>
             </a:extLst>
           </p:cNvPr>
@@ -10407,21 +10407,21 @@
                 <a:gridCol w="2033729">
                   <a:extLst>
                     <a:ext uri="{9D8B030D-6E8A-4147-A177-3AD203B41FA5}">
-                      <a16:colId xmlns:a16="http://schemas.microsoft.com/office/drawing/2014/main" xmlns="" val="3571064474"/>
+                      <a16:colId xmlns="" xmlns:a16="http://schemas.microsoft.com/office/drawing/2014/main" val="3571064474"/>
                     </a:ext>
                   </a:extLst>
                 </a:gridCol>
                 <a:gridCol w="1557196">
                   <a:extLst>
                     <a:ext uri="{9D8B030D-6E8A-4147-A177-3AD203B41FA5}">
-                      <a16:colId xmlns:a16="http://schemas.microsoft.com/office/drawing/2014/main" xmlns="" val="4257211528"/>
+                      <a16:colId xmlns="" xmlns:a16="http://schemas.microsoft.com/office/drawing/2014/main" val="4257211528"/>
                     </a:ext>
                   </a:extLst>
                 </a:gridCol>
                 <a:gridCol w="1665838">
                   <a:extLst>
                     <a:ext uri="{9D8B030D-6E8A-4147-A177-3AD203B41FA5}">
-                      <a16:colId xmlns:a16="http://schemas.microsoft.com/office/drawing/2014/main" xmlns="" val="3023545236"/>
+                      <a16:colId xmlns="" xmlns:a16="http://schemas.microsoft.com/office/drawing/2014/main" val="3023545236"/>
                     </a:ext>
                   </a:extLst>
                 </a:gridCol>
@@ -10429,21 +10429,21 @@
                 <a:gridCol w="1738265">
                   <a:extLst>
                     <a:ext uri="{9D8B030D-6E8A-4147-A177-3AD203B41FA5}">
-                      <a16:colId xmlns:a16="http://schemas.microsoft.com/office/drawing/2014/main" xmlns="" val="2920563116"/>
+                      <a16:colId xmlns="" xmlns:a16="http://schemas.microsoft.com/office/drawing/2014/main" val="2920563116"/>
                     </a:ext>
                   </a:extLst>
                 </a:gridCol>
                 <a:gridCol w="1720158">
                   <a:extLst>
                     <a:ext uri="{9D8B030D-6E8A-4147-A177-3AD203B41FA5}">
-                      <a16:colId xmlns:a16="http://schemas.microsoft.com/office/drawing/2014/main" xmlns="" val="3475859244"/>
+                      <a16:colId xmlns="" xmlns:a16="http://schemas.microsoft.com/office/drawing/2014/main" val="3475859244"/>
                     </a:ext>
                   </a:extLst>
                 </a:gridCol>
                 <a:gridCol w="1602273">
                   <a:extLst>
                     <a:ext uri="{9D8B030D-6E8A-4147-A177-3AD203B41FA5}">
-                      <a16:colId xmlns:a16="http://schemas.microsoft.com/office/drawing/2014/main" xmlns="" val="3472189352"/>
+                      <a16:colId xmlns="" xmlns:a16="http://schemas.microsoft.com/office/drawing/2014/main" val="3472189352"/>
                     </a:ext>
                   </a:extLst>
                 </a:gridCol>
@@ -11006,7 +11006,7 @@
                 </a:tc>
                 <a:extLst>
                   <a:ext uri="{0D108BD9-81ED-4DB2-BD59-A6C34878D82A}">
-                    <a16:rowId xmlns:a16="http://schemas.microsoft.com/office/drawing/2014/main" xmlns="" val="243423754"/>
+                    <a16:rowId xmlns="" xmlns:a16="http://schemas.microsoft.com/office/drawing/2014/main" val="243423754"/>
                   </a:ext>
                 </a:extLst>
               </a:tr>
@@ -13517,7 +13517,7 @@
                 </a:tc>
                 <a:extLst>
                   <a:ext uri="{0D108BD9-81ED-4DB2-BD59-A6C34878D82A}">
-                    <a16:rowId xmlns:a16="http://schemas.microsoft.com/office/drawing/2014/main" xmlns="" val="3134473238"/>
+                    <a16:rowId xmlns="" xmlns:a16="http://schemas.microsoft.com/office/drawing/2014/main" val="3134473238"/>
                   </a:ext>
                 </a:extLst>
               </a:tr>
@@ -13530,7 +13530,7 @@
           <p:cNvPr id="6" name="직선 화살표 연결선 5">
             <a:extLst>
               <a:ext uri="{FF2B5EF4-FFF2-40B4-BE49-F238E27FC236}">
-                <a16:creationId xmlns:a16="http://schemas.microsoft.com/office/drawing/2014/main" xmlns="" id="{3F7B84A3-1AD0-4DF7-A6BC-4B5B198A72B9}"/>
+                <a16:creationId xmlns="" xmlns:a16="http://schemas.microsoft.com/office/drawing/2014/main" id="{3F7B84A3-1AD0-4DF7-A6BC-4B5B198A72B9}"/>
               </a:ext>
             </a:extLst>
           </p:cNvPr>
@@ -13577,7 +13577,7 @@
           <p:cNvPr id="7" name="직선 화살표 연결선 6">
             <a:extLst>
               <a:ext uri="{FF2B5EF4-FFF2-40B4-BE49-F238E27FC236}">
-                <a16:creationId xmlns:a16="http://schemas.microsoft.com/office/drawing/2014/main" xmlns="" id="{3992F012-AF65-4E39-8E9C-577F6F0B7BD2}"/>
+                <a16:creationId xmlns="" xmlns:a16="http://schemas.microsoft.com/office/drawing/2014/main" id="{3992F012-AF65-4E39-8E9C-577F6F0B7BD2}"/>
               </a:ext>
             </a:extLst>
           </p:cNvPr>
@@ -13624,7 +13624,7 @@
           <p:cNvPr id="14" name="TextBox 13">
             <a:extLst>
               <a:ext uri="{FF2B5EF4-FFF2-40B4-BE49-F238E27FC236}">
-                <a16:creationId xmlns:a16="http://schemas.microsoft.com/office/drawing/2014/main" xmlns="" id="{83A2AE63-3C59-4FEB-BBED-3D51275125E3}"/>
+                <a16:creationId xmlns="" xmlns:a16="http://schemas.microsoft.com/office/drawing/2014/main" id="{83A2AE63-3C59-4FEB-BBED-3D51275125E3}"/>
               </a:ext>
             </a:extLst>
           </p:cNvPr>
@@ -13689,7 +13689,7 @@
           <p:cNvPr id="16" name="TextBox 15">
             <a:extLst>
               <a:ext uri="{FF2B5EF4-FFF2-40B4-BE49-F238E27FC236}">
-                <a16:creationId xmlns:a16="http://schemas.microsoft.com/office/drawing/2014/main" xmlns="" id="{B5D51435-1C6A-443A-871F-F312D05722E2}"/>
+                <a16:creationId xmlns="" xmlns:a16="http://schemas.microsoft.com/office/drawing/2014/main" id="{B5D51435-1C6A-443A-871F-F312D05722E2}"/>
               </a:ext>
             </a:extLst>
           </p:cNvPr>
@@ -13754,7 +13754,7 @@
           <p:cNvPr id="19" name="직선 화살표 연결선 18">
             <a:extLst>
               <a:ext uri="{FF2B5EF4-FFF2-40B4-BE49-F238E27FC236}">
-                <a16:creationId xmlns:a16="http://schemas.microsoft.com/office/drawing/2014/main" xmlns="" id="{EC28C33C-129E-4506-9549-3759C91D42BE}"/>
+                <a16:creationId xmlns="" xmlns:a16="http://schemas.microsoft.com/office/drawing/2014/main" id="{EC28C33C-129E-4506-9549-3759C91D42BE}"/>
               </a:ext>
             </a:extLst>
           </p:cNvPr>
@@ -13801,7 +13801,7 @@
           <p:cNvPr id="20" name="TextBox 19">
             <a:extLst>
               <a:ext uri="{FF2B5EF4-FFF2-40B4-BE49-F238E27FC236}">
-                <a16:creationId xmlns:a16="http://schemas.microsoft.com/office/drawing/2014/main" xmlns="" id="{BDD2FA7E-1E88-4F78-ABF6-567824DD1ECE}"/>
+                <a16:creationId xmlns="" xmlns:a16="http://schemas.microsoft.com/office/drawing/2014/main" id="{BDD2FA7E-1E88-4F78-ABF6-567824DD1ECE}"/>
               </a:ext>
             </a:extLst>
           </p:cNvPr>
@@ -13866,7 +13866,7 @@
           <p:cNvPr id="21" name="직선 화살표 연결선 20">
             <a:extLst>
               <a:ext uri="{FF2B5EF4-FFF2-40B4-BE49-F238E27FC236}">
-                <a16:creationId xmlns:a16="http://schemas.microsoft.com/office/drawing/2014/main" xmlns="" id="{75322384-8370-42A2-9AA6-9103C9E005E6}"/>
+                <a16:creationId xmlns="" xmlns:a16="http://schemas.microsoft.com/office/drawing/2014/main" id="{75322384-8370-42A2-9AA6-9103C9E005E6}"/>
               </a:ext>
             </a:extLst>
           </p:cNvPr>
@@ -13913,7 +13913,7 @@
           <p:cNvPr id="23" name="직선 화살표 연결선 22">
             <a:extLst>
               <a:ext uri="{FF2B5EF4-FFF2-40B4-BE49-F238E27FC236}">
-                <a16:creationId xmlns:a16="http://schemas.microsoft.com/office/drawing/2014/main" xmlns="" id="{366CBA92-9226-4C4A-ACDD-433CD65941DE}"/>
+                <a16:creationId xmlns="" xmlns:a16="http://schemas.microsoft.com/office/drawing/2014/main" id="{366CBA92-9226-4C4A-ACDD-433CD65941DE}"/>
               </a:ext>
             </a:extLst>
           </p:cNvPr>
@@ -13960,7 +13960,7 @@
           <p:cNvPr id="25" name="TextBox 24">
             <a:extLst>
               <a:ext uri="{FF2B5EF4-FFF2-40B4-BE49-F238E27FC236}">
-                <a16:creationId xmlns:a16="http://schemas.microsoft.com/office/drawing/2014/main" xmlns="" id="{ED21C0EA-1B65-43C8-AAD0-87268DCF3FD2}"/>
+                <a16:creationId xmlns="" xmlns:a16="http://schemas.microsoft.com/office/drawing/2014/main" id="{ED21C0EA-1B65-43C8-AAD0-87268DCF3FD2}"/>
               </a:ext>
             </a:extLst>
           </p:cNvPr>
@@ -14027,7 +14027,7 @@
           <p:cNvPr id="56" name="직선 화살표 연결선 55">
             <a:extLst>
               <a:ext uri="{FF2B5EF4-FFF2-40B4-BE49-F238E27FC236}">
-                <a16:creationId xmlns:a16="http://schemas.microsoft.com/office/drawing/2014/main" xmlns="" id="{3992F012-AF65-4E39-8E9C-577F6F0B7BD2}"/>
+                <a16:creationId xmlns="" xmlns:a16="http://schemas.microsoft.com/office/drawing/2014/main" id="{3992F012-AF65-4E39-8E9C-577F6F0B7BD2}"/>
               </a:ext>
             </a:extLst>
           </p:cNvPr>
@@ -14074,7 +14074,7 @@
           <p:cNvPr id="61" name="직선 화살표 연결선 60">
             <a:extLst>
               <a:ext uri="{FF2B5EF4-FFF2-40B4-BE49-F238E27FC236}">
-                <a16:creationId xmlns:a16="http://schemas.microsoft.com/office/drawing/2014/main" xmlns="" id="{3992F012-AF65-4E39-8E9C-577F6F0B7BD2}"/>
+                <a16:creationId xmlns="" xmlns:a16="http://schemas.microsoft.com/office/drawing/2014/main" id="{3992F012-AF65-4E39-8E9C-577F6F0B7BD2}"/>
               </a:ext>
             </a:extLst>
           </p:cNvPr>
@@ -14121,7 +14121,7 @@
           <p:cNvPr id="65" name="직선 화살표 연결선 64">
             <a:extLst>
               <a:ext uri="{FF2B5EF4-FFF2-40B4-BE49-F238E27FC236}">
-                <a16:creationId xmlns:a16="http://schemas.microsoft.com/office/drawing/2014/main" xmlns="" id="{3992F012-AF65-4E39-8E9C-577F6F0B7BD2}"/>
+                <a16:creationId xmlns="" xmlns:a16="http://schemas.microsoft.com/office/drawing/2014/main" id="{3992F012-AF65-4E39-8E9C-577F6F0B7BD2}"/>
               </a:ext>
             </a:extLst>
           </p:cNvPr>
@@ -14168,7 +14168,7 @@
           <p:cNvPr id="70" name="직선 화살표 연결선 69">
             <a:extLst>
               <a:ext uri="{FF2B5EF4-FFF2-40B4-BE49-F238E27FC236}">
-                <a16:creationId xmlns:a16="http://schemas.microsoft.com/office/drawing/2014/main" xmlns="" id="{EC28C33C-129E-4506-9549-3759C91D42BE}"/>
+                <a16:creationId xmlns="" xmlns:a16="http://schemas.microsoft.com/office/drawing/2014/main" id="{EC28C33C-129E-4506-9549-3759C91D42BE}"/>
               </a:ext>
             </a:extLst>
           </p:cNvPr>
@@ -14215,7 +14215,7 @@
           <p:cNvPr id="71" name="직선 화살표 연결선 70">
             <a:extLst>
               <a:ext uri="{FF2B5EF4-FFF2-40B4-BE49-F238E27FC236}">
-                <a16:creationId xmlns:a16="http://schemas.microsoft.com/office/drawing/2014/main" xmlns="" id="{EC28C33C-129E-4506-9549-3759C91D42BE}"/>
+                <a16:creationId xmlns="" xmlns:a16="http://schemas.microsoft.com/office/drawing/2014/main" id="{EC28C33C-129E-4506-9549-3759C91D42BE}"/>
               </a:ext>
             </a:extLst>
           </p:cNvPr>
@@ -14262,7 +14262,7 @@
           <p:cNvPr id="72" name="직선 화살표 연결선 71">
             <a:extLst>
               <a:ext uri="{FF2B5EF4-FFF2-40B4-BE49-F238E27FC236}">
-                <a16:creationId xmlns:a16="http://schemas.microsoft.com/office/drawing/2014/main" xmlns="" id="{EC28C33C-129E-4506-9549-3759C91D42BE}"/>
+                <a16:creationId xmlns="" xmlns:a16="http://schemas.microsoft.com/office/drawing/2014/main" id="{EC28C33C-129E-4506-9549-3759C91D42BE}"/>
               </a:ext>
             </a:extLst>
           </p:cNvPr>
@@ -14309,7 +14309,7 @@
           <p:cNvPr id="73" name="TextBox 72">
             <a:extLst>
               <a:ext uri="{FF2B5EF4-FFF2-40B4-BE49-F238E27FC236}">
-                <a16:creationId xmlns:a16="http://schemas.microsoft.com/office/drawing/2014/main" xmlns="" id="{BDD2FA7E-1E88-4F78-ABF6-567824DD1ECE}"/>
+                <a16:creationId xmlns="" xmlns:a16="http://schemas.microsoft.com/office/drawing/2014/main" id="{BDD2FA7E-1E88-4F78-ABF6-567824DD1ECE}"/>
               </a:ext>
             </a:extLst>
           </p:cNvPr>
@@ -14374,7 +14374,7 @@
           <p:cNvPr id="74" name="TextBox 73">
             <a:extLst>
               <a:ext uri="{FF2B5EF4-FFF2-40B4-BE49-F238E27FC236}">
-                <a16:creationId xmlns:a16="http://schemas.microsoft.com/office/drawing/2014/main" xmlns="" id="{BDD2FA7E-1E88-4F78-ABF6-567824DD1ECE}"/>
+                <a16:creationId xmlns="" xmlns:a16="http://schemas.microsoft.com/office/drawing/2014/main" id="{BDD2FA7E-1E88-4F78-ABF6-567824DD1ECE}"/>
               </a:ext>
             </a:extLst>
           </p:cNvPr>
@@ -14455,7 +14455,7 @@
           <p:cNvPr id="75" name="직선 화살표 연결선 74">
             <a:extLst>
               <a:ext uri="{FF2B5EF4-FFF2-40B4-BE49-F238E27FC236}">
-                <a16:creationId xmlns:a16="http://schemas.microsoft.com/office/drawing/2014/main" xmlns="" id="{3F7B84A3-1AD0-4DF7-A6BC-4B5B198A72B9}"/>
+                <a16:creationId xmlns="" xmlns:a16="http://schemas.microsoft.com/office/drawing/2014/main" id="{3F7B84A3-1AD0-4DF7-A6BC-4B5B198A72B9}"/>
               </a:ext>
             </a:extLst>
           </p:cNvPr>
@@ -14502,7 +14502,7 @@
           <p:cNvPr id="77" name="직선 화살표 연결선 76">
             <a:extLst>
               <a:ext uri="{FF2B5EF4-FFF2-40B4-BE49-F238E27FC236}">
-                <a16:creationId xmlns:a16="http://schemas.microsoft.com/office/drawing/2014/main" xmlns="" id="{3992F012-AF65-4E39-8E9C-577F6F0B7BD2}"/>
+                <a16:creationId xmlns="" xmlns:a16="http://schemas.microsoft.com/office/drawing/2014/main" id="{3992F012-AF65-4E39-8E9C-577F6F0B7BD2}"/>
               </a:ext>
             </a:extLst>
           </p:cNvPr>
@@ -14549,7 +14549,7 @@
           <p:cNvPr id="80" name="직선 화살표 연결선 79">
             <a:extLst>
               <a:ext uri="{FF2B5EF4-FFF2-40B4-BE49-F238E27FC236}">
-                <a16:creationId xmlns:a16="http://schemas.microsoft.com/office/drawing/2014/main" xmlns="" id="{EC28C33C-129E-4506-9549-3759C91D42BE}"/>
+                <a16:creationId xmlns="" xmlns:a16="http://schemas.microsoft.com/office/drawing/2014/main" id="{EC28C33C-129E-4506-9549-3759C91D42BE}"/>
               </a:ext>
             </a:extLst>
           </p:cNvPr>
@@ -14596,7 +14596,7 @@
           <p:cNvPr id="81" name="직선 화살표 연결선 80">
             <a:extLst>
               <a:ext uri="{FF2B5EF4-FFF2-40B4-BE49-F238E27FC236}">
-                <a16:creationId xmlns:a16="http://schemas.microsoft.com/office/drawing/2014/main" xmlns="" id="{3992F012-AF65-4E39-8E9C-577F6F0B7BD2}"/>
+                <a16:creationId xmlns="" xmlns:a16="http://schemas.microsoft.com/office/drawing/2014/main" id="{3992F012-AF65-4E39-8E9C-577F6F0B7BD2}"/>
               </a:ext>
             </a:extLst>
           </p:cNvPr>
@@ -14643,7 +14643,7 @@
           <p:cNvPr id="82" name="직선 화살표 연결선 81">
             <a:extLst>
               <a:ext uri="{FF2B5EF4-FFF2-40B4-BE49-F238E27FC236}">
-                <a16:creationId xmlns:a16="http://schemas.microsoft.com/office/drawing/2014/main" xmlns="" id="{EC28C33C-129E-4506-9549-3759C91D42BE}"/>
+                <a16:creationId xmlns="" xmlns:a16="http://schemas.microsoft.com/office/drawing/2014/main" id="{EC28C33C-129E-4506-9549-3759C91D42BE}"/>
               </a:ext>
             </a:extLst>
           </p:cNvPr>
@@ -14690,7 +14690,7 @@
           <p:cNvPr id="83" name="TextBox 82">
             <a:extLst>
               <a:ext uri="{FF2B5EF4-FFF2-40B4-BE49-F238E27FC236}">
-                <a16:creationId xmlns:a16="http://schemas.microsoft.com/office/drawing/2014/main" xmlns="" id="{ED21C0EA-1B65-43C8-AAD0-87268DCF3FD2}"/>
+                <a16:creationId xmlns="" xmlns:a16="http://schemas.microsoft.com/office/drawing/2014/main" id="{ED21C0EA-1B65-43C8-AAD0-87268DCF3FD2}"/>
               </a:ext>
             </a:extLst>
           </p:cNvPr>
@@ -14764,7 +14764,7 @@
           <p:cNvPr id="84" name="TextBox 83">
             <a:extLst>
               <a:ext uri="{FF2B5EF4-FFF2-40B4-BE49-F238E27FC236}">
-                <a16:creationId xmlns:a16="http://schemas.microsoft.com/office/drawing/2014/main" xmlns="" id="{ED21C0EA-1B65-43C8-AAD0-87268DCF3FD2}"/>
+                <a16:creationId xmlns="" xmlns:a16="http://schemas.microsoft.com/office/drawing/2014/main" id="{ED21C0EA-1B65-43C8-AAD0-87268DCF3FD2}"/>
               </a:ext>
             </a:extLst>
           </p:cNvPr>
@@ -14838,7 +14838,7 @@
           <p:cNvPr id="85" name="직선 화살표 연결선 84">
             <a:extLst>
               <a:ext uri="{FF2B5EF4-FFF2-40B4-BE49-F238E27FC236}">
-                <a16:creationId xmlns:a16="http://schemas.microsoft.com/office/drawing/2014/main" xmlns="" id="{3992F012-AF65-4E39-8E9C-577F6F0B7BD2}"/>
+                <a16:creationId xmlns="" xmlns:a16="http://schemas.microsoft.com/office/drawing/2014/main" id="{3992F012-AF65-4E39-8E9C-577F6F0B7BD2}"/>
               </a:ext>
             </a:extLst>
           </p:cNvPr>
@@ -14885,7 +14885,7 @@
           <p:cNvPr id="86" name="TextBox 85">
             <a:extLst>
               <a:ext uri="{FF2B5EF4-FFF2-40B4-BE49-F238E27FC236}">
-                <a16:creationId xmlns:a16="http://schemas.microsoft.com/office/drawing/2014/main" xmlns="" id="{ED21C0EA-1B65-43C8-AAD0-87268DCF3FD2}"/>
+                <a16:creationId xmlns="" xmlns:a16="http://schemas.microsoft.com/office/drawing/2014/main" id="{ED21C0EA-1B65-43C8-AAD0-87268DCF3FD2}"/>
               </a:ext>
             </a:extLst>
           </p:cNvPr>
@@ -14959,7 +14959,7 @@
           <p:cNvPr id="87" name="직선 화살표 연결선 86">
             <a:extLst>
               <a:ext uri="{FF2B5EF4-FFF2-40B4-BE49-F238E27FC236}">
-                <a16:creationId xmlns:a16="http://schemas.microsoft.com/office/drawing/2014/main" xmlns="" id="{3992F012-AF65-4E39-8E9C-577F6F0B7BD2}"/>
+                <a16:creationId xmlns="" xmlns:a16="http://schemas.microsoft.com/office/drawing/2014/main" id="{3992F012-AF65-4E39-8E9C-577F6F0B7BD2}"/>
               </a:ext>
             </a:extLst>
           </p:cNvPr>
@@ -15006,7 +15006,7 @@
           <p:cNvPr id="88" name="TextBox 87">
             <a:extLst>
               <a:ext uri="{FF2B5EF4-FFF2-40B4-BE49-F238E27FC236}">
-                <a16:creationId xmlns:a16="http://schemas.microsoft.com/office/drawing/2014/main" xmlns="" id="{ED21C0EA-1B65-43C8-AAD0-87268DCF3FD2}"/>
+                <a16:creationId xmlns="" xmlns:a16="http://schemas.microsoft.com/office/drawing/2014/main" id="{ED21C0EA-1B65-43C8-AAD0-87268DCF3FD2}"/>
               </a:ext>
             </a:extLst>
           </p:cNvPr>
@@ -15083,7 +15083,7 @@
           <p:cNvPr id="89" name="직선 화살표 연결선 88">
             <a:extLst>
               <a:ext uri="{FF2B5EF4-FFF2-40B4-BE49-F238E27FC236}">
-                <a16:creationId xmlns:a16="http://schemas.microsoft.com/office/drawing/2014/main" xmlns="" id="{EC28C33C-129E-4506-9549-3759C91D42BE}"/>
+                <a16:creationId xmlns="" xmlns:a16="http://schemas.microsoft.com/office/drawing/2014/main" id="{EC28C33C-129E-4506-9549-3759C91D42BE}"/>
               </a:ext>
             </a:extLst>
           </p:cNvPr>
@@ -15130,7 +15130,7 @@
           <p:cNvPr id="90" name="직선 화살표 연결선 89">
             <a:extLst>
               <a:ext uri="{FF2B5EF4-FFF2-40B4-BE49-F238E27FC236}">
-                <a16:creationId xmlns:a16="http://schemas.microsoft.com/office/drawing/2014/main" xmlns="" id="{EC28C33C-129E-4506-9549-3759C91D42BE}"/>
+                <a16:creationId xmlns="" xmlns:a16="http://schemas.microsoft.com/office/drawing/2014/main" id="{EC28C33C-129E-4506-9549-3759C91D42BE}"/>
               </a:ext>
             </a:extLst>
           </p:cNvPr>
@@ -15177,7 +15177,7 @@
           <p:cNvPr id="93" name="직선 화살표 연결선 92">
             <a:extLst>
               <a:ext uri="{FF2B5EF4-FFF2-40B4-BE49-F238E27FC236}">
-                <a16:creationId xmlns:a16="http://schemas.microsoft.com/office/drawing/2014/main" xmlns="" id="{3F7B84A3-1AD0-4DF7-A6BC-4B5B198A72B9}"/>
+                <a16:creationId xmlns="" xmlns:a16="http://schemas.microsoft.com/office/drawing/2014/main" id="{3F7B84A3-1AD0-4DF7-A6BC-4B5B198A72B9}"/>
               </a:ext>
             </a:extLst>
           </p:cNvPr>
@@ -15224,7 +15224,7 @@
           <p:cNvPr id="95" name="직선 화살표 연결선 94">
             <a:extLst>
               <a:ext uri="{FF2B5EF4-FFF2-40B4-BE49-F238E27FC236}">
-                <a16:creationId xmlns:a16="http://schemas.microsoft.com/office/drawing/2014/main" xmlns="" id="{366CBA92-9226-4C4A-ACDD-433CD65941DE}"/>
+                <a16:creationId xmlns="" xmlns:a16="http://schemas.microsoft.com/office/drawing/2014/main" id="{366CBA92-9226-4C4A-ACDD-433CD65941DE}"/>
               </a:ext>
             </a:extLst>
           </p:cNvPr>
@@ -15271,7 +15271,7 @@
           <p:cNvPr id="98" name="직선 화살표 연결선 97">
             <a:extLst>
               <a:ext uri="{FF2B5EF4-FFF2-40B4-BE49-F238E27FC236}">
-                <a16:creationId xmlns:a16="http://schemas.microsoft.com/office/drawing/2014/main" xmlns="" id="{366CBA92-9226-4C4A-ACDD-433CD65941DE}"/>
+                <a16:creationId xmlns="" xmlns:a16="http://schemas.microsoft.com/office/drawing/2014/main" id="{366CBA92-9226-4C4A-ACDD-433CD65941DE}"/>
               </a:ext>
             </a:extLst>
           </p:cNvPr>
@@ -15318,7 +15318,7 @@
           <p:cNvPr id="99" name="직선 화살표 연결선 98">
             <a:extLst>
               <a:ext uri="{FF2B5EF4-FFF2-40B4-BE49-F238E27FC236}">
-                <a16:creationId xmlns:a16="http://schemas.microsoft.com/office/drawing/2014/main" xmlns="" id="{3F7B84A3-1AD0-4DF7-A6BC-4B5B198A72B9}"/>
+                <a16:creationId xmlns="" xmlns:a16="http://schemas.microsoft.com/office/drawing/2014/main" id="{3F7B84A3-1AD0-4DF7-A6BC-4B5B198A72B9}"/>
               </a:ext>
             </a:extLst>
           </p:cNvPr>
@@ -15365,7 +15365,7 @@
           <p:cNvPr id="101" name="직선 화살표 연결선 100">
             <a:extLst>
               <a:ext uri="{FF2B5EF4-FFF2-40B4-BE49-F238E27FC236}">
-                <a16:creationId xmlns:a16="http://schemas.microsoft.com/office/drawing/2014/main" xmlns="" id="{366CBA92-9226-4C4A-ACDD-433CD65941DE}"/>
+                <a16:creationId xmlns="" xmlns:a16="http://schemas.microsoft.com/office/drawing/2014/main" id="{366CBA92-9226-4C4A-ACDD-433CD65941DE}"/>
               </a:ext>
             </a:extLst>
           </p:cNvPr>
@@ -15412,7 +15412,7 @@
           <p:cNvPr id="103" name="직선 화살표 연결선 102">
             <a:extLst>
               <a:ext uri="{FF2B5EF4-FFF2-40B4-BE49-F238E27FC236}">
-                <a16:creationId xmlns:a16="http://schemas.microsoft.com/office/drawing/2014/main" xmlns="" id="{3992F012-AF65-4E39-8E9C-577F6F0B7BD2}"/>
+                <a16:creationId xmlns="" xmlns:a16="http://schemas.microsoft.com/office/drawing/2014/main" id="{3992F012-AF65-4E39-8E9C-577F6F0B7BD2}"/>
               </a:ext>
             </a:extLst>
           </p:cNvPr>
@@ -15459,7 +15459,7 @@
           <p:cNvPr id="104" name="TextBox 103">
             <a:extLst>
               <a:ext uri="{FF2B5EF4-FFF2-40B4-BE49-F238E27FC236}">
-                <a16:creationId xmlns:a16="http://schemas.microsoft.com/office/drawing/2014/main" xmlns="" id="{ED21C0EA-1B65-43C8-AAD0-87268DCF3FD2}"/>
+                <a16:creationId xmlns="" xmlns:a16="http://schemas.microsoft.com/office/drawing/2014/main" id="{ED21C0EA-1B65-43C8-AAD0-87268DCF3FD2}"/>
               </a:ext>
             </a:extLst>
           </p:cNvPr>
@@ -15553,7 +15553,7 @@
           <p:cNvPr id="110" name="직선 화살표 연결선 109">
             <a:extLst>
               <a:ext uri="{FF2B5EF4-FFF2-40B4-BE49-F238E27FC236}">
-                <a16:creationId xmlns:a16="http://schemas.microsoft.com/office/drawing/2014/main" xmlns="" id="{EC28C33C-129E-4506-9549-3759C91D42BE}"/>
+                <a16:creationId xmlns="" xmlns:a16="http://schemas.microsoft.com/office/drawing/2014/main" id="{EC28C33C-129E-4506-9549-3759C91D42BE}"/>
               </a:ext>
             </a:extLst>
           </p:cNvPr>
@@ -15600,7 +15600,7 @@
           <p:cNvPr id="111" name="직선 화살표 연결선 110">
             <a:extLst>
               <a:ext uri="{FF2B5EF4-FFF2-40B4-BE49-F238E27FC236}">
-                <a16:creationId xmlns:a16="http://schemas.microsoft.com/office/drawing/2014/main" xmlns="" id="{EC28C33C-129E-4506-9549-3759C91D42BE}"/>
+                <a16:creationId xmlns="" xmlns:a16="http://schemas.microsoft.com/office/drawing/2014/main" id="{EC28C33C-129E-4506-9549-3759C91D42BE}"/>
               </a:ext>
             </a:extLst>
           </p:cNvPr>
@@ -15647,7 +15647,7 @@
           <p:cNvPr id="112" name="직선 화살표 연결선 111">
             <a:extLst>
               <a:ext uri="{FF2B5EF4-FFF2-40B4-BE49-F238E27FC236}">
-                <a16:creationId xmlns:a16="http://schemas.microsoft.com/office/drawing/2014/main" xmlns="" id="{EC28C33C-129E-4506-9549-3759C91D42BE}"/>
+                <a16:creationId xmlns="" xmlns:a16="http://schemas.microsoft.com/office/drawing/2014/main" id="{EC28C33C-129E-4506-9549-3759C91D42BE}"/>
               </a:ext>
             </a:extLst>
           </p:cNvPr>
@@ -15694,7 +15694,7 @@
           <p:cNvPr id="113" name="직선 화살표 연결선 112">
             <a:extLst>
               <a:ext uri="{FF2B5EF4-FFF2-40B4-BE49-F238E27FC236}">
-                <a16:creationId xmlns:a16="http://schemas.microsoft.com/office/drawing/2014/main" xmlns="" id="{EC28C33C-129E-4506-9549-3759C91D42BE}"/>
+                <a16:creationId xmlns="" xmlns:a16="http://schemas.microsoft.com/office/drawing/2014/main" id="{EC28C33C-129E-4506-9549-3759C91D42BE}"/>
               </a:ext>
             </a:extLst>
           </p:cNvPr>
@@ -15741,7 +15741,7 @@
           <p:cNvPr id="115" name="TextBox 114">
             <a:extLst>
               <a:ext uri="{FF2B5EF4-FFF2-40B4-BE49-F238E27FC236}">
-                <a16:creationId xmlns:a16="http://schemas.microsoft.com/office/drawing/2014/main" xmlns="" id="{BDD2FA7E-1E88-4F78-ABF6-567824DD1ECE}"/>
+                <a16:creationId xmlns="" xmlns:a16="http://schemas.microsoft.com/office/drawing/2014/main" id="{BDD2FA7E-1E88-4F78-ABF6-567824DD1ECE}"/>
               </a:ext>
             </a:extLst>
           </p:cNvPr>
@@ -15798,7 +15798,7 @@
           <p:cNvPr id="116" name="TextBox 115">
             <a:extLst>
               <a:ext uri="{FF2B5EF4-FFF2-40B4-BE49-F238E27FC236}">
-                <a16:creationId xmlns:a16="http://schemas.microsoft.com/office/drawing/2014/main" xmlns="" id="{BDD2FA7E-1E88-4F78-ABF6-567824DD1ECE}"/>
+                <a16:creationId xmlns="" xmlns:a16="http://schemas.microsoft.com/office/drawing/2014/main" id="{BDD2FA7E-1E88-4F78-ABF6-567824DD1ECE}"/>
               </a:ext>
             </a:extLst>
           </p:cNvPr>
@@ -15855,7 +15855,7 @@
           <p:cNvPr id="117" name="TextBox 116">
             <a:extLst>
               <a:ext uri="{FF2B5EF4-FFF2-40B4-BE49-F238E27FC236}">
-                <a16:creationId xmlns:a16="http://schemas.microsoft.com/office/drawing/2014/main" xmlns="" id="{BDD2FA7E-1E88-4F78-ABF6-567824DD1ECE}"/>
+                <a16:creationId xmlns="" xmlns:a16="http://schemas.microsoft.com/office/drawing/2014/main" id="{BDD2FA7E-1E88-4F78-ABF6-567824DD1ECE}"/>
               </a:ext>
             </a:extLst>
           </p:cNvPr>
@@ -15912,7 +15912,7 @@
           <p:cNvPr id="122" name="TextBox 121">
             <a:extLst>
               <a:ext uri="{FF2B5EF4-FFF2-40B4-BE49-F238E27FC236}">
-                <a16:creationId xmlns:a16="http://schemas.microsoft.com/office/drawing/2014/main" xmlns="" id="{BDD2FA7E-1E88-4F78-ABF6-567824DD1ECE}"/>
+                <a16:creationId xmlns="" xmlns:a16="http://schemas.microsoft.com/office/drawing/2014/main" id="{BDD2FA7E-1E88-4F78-ABF6-567824DD1ECE}"/>
               </a:ext>
             </a:extLst>
           </p:cNvPr>
@@ -15969,7 +15969,7 @@
           <p:cNvPr id="123" name="TextBox 122">
             <a:extLst>
               <a:ext uri="{FF2B5EF4-FFF2-40B4-BE49-F238E27FC236}">
-                <a16:creationId xmlns:a16="http://schemas.microsoft.com/office/drawing/2014/main" xmlns="" id="{BDD2FA7E-1E88-4F78-ABF6-567824DD1ECE}"/>
+                <a16:creationId xmlns="" xmlns:a16="http://schemas.microsoft.com/office/drawing/2014/main" id="{BDD2FA7E-1E88-4F78-ABF6-567824DD1ECE}"/>
               </a:ext>
             </a:extLst>
           </p:cNvPr>
@@ -16017,7 +16017,7 @@
           <p:cNvPr id="124" name="직선 화살표 연결선 123">
             <a:extLst>
               <a:ext uri="{FF2B5EF4-FFF2-40B4-BE49-F238E27FC236}">
-                <a16:creationId xmlns:a16="http://schemas.microsoft.com/office/drawing/2014/main" xmlns="" id="{3992F012-AF65-4E39-8E9C-577F6F0B7BD2}"/>
+                <a16:creationId xmlns="" xmlns:a16="http://schemas.microsoft.com/office/drawing/2014/main" id="{3992F012-AF65-4E39-8E9C-577F6F0B7BD2}"/>
               </a:ext>
             </a:extLst>
           </p:cNvPr>
@@ -16064,7 +16064,7 @@
           <p:cNvPr id="126" name="직선 화살표 연결선 125">
             <a:extLst>
               <a:ext uri="{FF2B5EF4-FFF2-40B4-BE49-F238E27FC236}">
-                <a16:creationId xmlns:a16="http://schemas.microsoft.com/office/drawing/2014/main" xmlns="" id="{EC28C33C-129E-4506-9549-3759C91D42BE}"/>
+                <a16:creationId xmlns="" xmlns:a16="http://schemas.microsoft.com/office/drawing/2014/main" id="{EC28C33C-129E-4506-9549-3759C91D42BE}"/>
               </a:ext>
             </a:extLst>
           </p:cNvPr>
@@ -16111,7 +16111,7 @@
           <p:cNvPr id="128" name="직선 화살표 연결선 127">
             <a:extLst>
               <a:ext uri="{FF2B5EF4-FFF2-40B4-BE49-F238E27FC236}">
-                <a16:creationId xmlns:a16="http://schemas.microsoft.com/office/drawing/2014/main" xmlns="" id="{3992F012-AF65-4E39-8E9C-577F6F0B7BD2}"/>
+                <a16:creationId xmlns="" xmlns:a16="http://schemas.microsoft.com/office/drawing/2014/main" id="{3992F012-AF65-4E39-8E9C-577F6F0B7BD2}"/>
               </a:ext>
             </a:extLst>
           </p:cNvPr>
@@ -16158,7 +16158,7 @@
           <p:cNvPr id="129" name="직선 화살표 연결선 128">
             <a:extLst>
               <a:ext uri="{FF2B5EF4-FFF2-40B4-BE49-F238E27FC236}">
-                <a16:creationId xmlns:a16="http://schemas.microsoft.com/office/drawing/2014/main" xmlns="" id="{EC28C33C-129E-4506-9549-3759C91D42BE}"/>
+                <a16:creationId xmlns="" xmlns:a16="http://schemas.microsoft.com/office/drawing/2014/main" id="{EC28C33C-129E-4506-9549-3759C91D42BE}"/>
               </a:ext>
             </a:extLst>
           </p:cNvPr>
@@ -16205,7 +16205,7 @@
           <p:cNvPr id="130" name="직선 화살표 연결선 129">
             <a:extLst>
               <a:ext uri="{FF2B5EF4-FFF2-40B4-BE49-F238E27FC236}">
-                <a16:creationId xmlns:a16="http://schemas.microsoft.com/office/drawing/2014/main" xmlns="" id="{3992F012-AF65-4E39-8E9C-577F6F0B7BD2}"/>
+                <a16:creationId xmlns="" xmlns:a16="http://schemas.microsoft.com/office/drawing/2014/main" id="{3992F012-AF65-4E39-8E9C-577F6F0B7BD2}"/>
               </a:ext>
             </a:extLst>
           </p:cNvPr>
@@ -16252,7 +16252,7 @@
           <p:cNvPr id="131" name="직선 화살표 연결선 130">
             <a:extLst>
               <a:ext uri="{FF2B5EF4-FFF2-40B4-BE49-F238E27FC236}">
-                <a16:creationId xmlns:a16="http://schemas.microsoft.com/office/drawing/2014/main" xmlns="" id="{EC28C33C-129E-4506-9549-3759C91D42BE}"/>
+                <a16:creationId xmlns="" xmlns:a16="http://schemas.microsoft.com/office/drawing/2014/main" id="{EC28C33C-129E-4506-9549-3759C91D42BE}"/>
               </a:ext>
             </a:extLst>
           </p:cNvPr>
@@ -16299,7 +16299,7 @@
           <p:cNvPr id="132" name="직선 화살표 연결선 131">
             <a:extLst>
               <a:ext uri="{FF2B5EF4-FFF2-40B4-BE49-F238E27FC236}">
-                <a16:creationId xmlns:a16="http://schemas.microsoft.com/office/drawing/2014/main" xmlns="" id="{3992F012-AF65-4E39-8E9C-577F6F0B7BD2}"/>
+                <a16:creationId xmlns="" xmlns:a16="http://schemas.microsoft.com/office/drawing/2014/main" id="{3992F012-AF65-4E39-8E9C-577F6F0B7BD2}"/>
               </a:ext>
             </a:extLst>
           </p:cNvPr>
@@ -16346,7 +16346,7 @@
           <p:cNvPr id="133" name="직선 화살표 연결선 132">
             <a:extLst>
               <a:ext uri="{FF2B5EF4-FFF2-40B4-BE49-F238E27FC236}">
-                <a16:creationId xmlns:a16="http://schemas.microsoft.com/office/drawing/2014/main" xmlns="" id="{EC28C33C-129E-4506-9549-3759C91D42BE}"/>
+                <a16:creationId xmlns="" xmlns:a16="http://schemas.microsoft.com/office/drawing/2014/main" id="{EC28C33C-129E-4506-9549-3759C91D42BE}"/>
               </a:ext>
             </a:extLst>
           </p:cNvPr>
@@ -16393,7 +16393,7 @@
           <p:cNvPr id="138" name="TextBox 137">
             <a:extLst>
               <a:ext uri="{FF2B5EF4-FFF2-40B4-BE49-F238E27FC236}">
-                <a16:creationId xmlns:a16="http://schemas.microsoft.com/office/drawing/2014/main" xmlns="" id="{BDD2FA7E-1E88-4F78-ABF6-567824DD1ECE}"/>
+                <a16:creationId xmlns="" xmlns:a16="http://schemas.microsoft.com/office/drawing/2014/main" id="{BDD2FA7E-1E88-4F78-ABF6-567824DD1ECE}"/>
               </a:ext>
             </a:extLst>
           </p:cNvPr>
@@ -16458,7 +16458,7 @@
           <p:cNvPr id="139" name="직선 화살표 연결선 138">
             <a:extLst>
               <a:ext uri="{FF2B5EF4-FFF2-40B4-BE49-F238E27FC236}">
-                <a16:creationId xmlns:a16="http://schemas.microsoft.com/office/drawing/2014/main" xmlns="" id="{3F7B84A3-1AD0-4DF7-A6BC-4B5B198A72B9}"/>
+                <a16:creationId xmlns="" xmlns:a16="http://schemas.microsoft.com/office/drawing/2014/main" id="{3F7B84A3-1AD0-4DF7-A6BC-4B5B198A72B9}"/>
               </a:ext>
             </a:extLst>
           </p:cNvPr>
@@ -16505,7 +16505,7 @@
           <p:cNvPr id="78" name="TextBox 77">
             <a:extLst>
               <a:ext uri="{FF2B5EF4-FFF2-40B4-BE49-F238E27FC236}">
-                <a16:creationId xmlns:a16="http://schemas.microsoft.com/office/drawing/2014/main" xmlns="" id="{83A2AE63-3C59-4FEB-BBED-3D51275125E3}"/>
+                <a16:creationId xmlns="" xmlns:a16="http://schemas.microsoft.com/office/drawing/2014/main" id="{83A2AE63-3C59-4FEB-BBED-3D51275125E3}"/>
               </a:ext>
             </a:extLst>
           </p:cNvPr>
@@ -16570,7 +16570,7 @@
           <p:cNvPr id="79" name="TextBox 78">
             <a:extLst>
               <a:ext uri="{FF2B5EF4-FFF2-40B4-BE49-F238E27FC236}">
-                <a16:creationId xmlns:a16="http://schemas.microsoft.com/office/drawing/2014/main" xmlns="" id="{83A2AE63-3C59-4FEB-BBED-3D51275125E3}"/>
+                <a16:creationId xmlns="" xmlns:a16="http://schemas.microsoft.com/office/drawing/2014/main" id="{83A2AE63-3C59-4FEB-BBED-3D51275125E3}"/>
               </a:ext>
             </a:extLst>
           </p:cNvPr>
@@ -16635,7 +16635,7 @@
           <p:cNvPr id="94" name="TextBox 93">
             <a:extLst>
               <a:ext uri="{FF2B5EF4-FFF2-40B4-BE49-F238E27FC236}">
-                <a16:creationId xmlns:a16="http://schemas.microsoft.com/office/drawing/2014/main" xmlns="" id="{83A2AE63-3C59-4FEB-BBED-3D51275125E3}"/>
+                <a16:creationId xmlns="" xmlns:a16="http://schemas.microsoft.com/office/drawing/2014/main" id="{83A2AE63-3C59-4FEB-BBED-3D51275125E3}"/>
               </a:ext>
             </a:extLst>
           </p:cNvPr>
@@ -16700,7 +16700,7 @@
           <p:cNvPr id="96" name="TextBox 95">
             <a:extLst>
               <a:ext uri="{FF2B5EF4-FFF2-40B4-BE49-F238E27FC236}">
-                <a16:creationId xmlns:a16="http://schemas.microsoft.com/office/drawing/2014/main" xmlns="" id="{83A2AE63-3C59-4FEB-BBED-3D51275125E3}"/>
+                <a16:creationId xmlns="" xmlns:a16="http://schemas.microsoft.com/office/drawing/2014/main" id="{83A2AE63-3C59-4FEB-BBED-3D51275125E3}"/>
               </a:ext>
             </a:extLst>
           </p:cNvPr>
@@ -16709,8 +16709,8 @@
         </p:nvSpPr>
         <p:spPr>
           <a:xfrm>
-            <a:off x="5068388" y="2506117"/>
-            <a:ext cx="684483" cy="153888"/>
+            <a:off x="5104600" y="2497064"/>
+            <a:ext cx="684483" cy="307777"/>
           </a:xfrm>
           <a:prstGeom prst="rect">
             <a:avLst/>
@@ -16728,6 +16728,30 @@
           </a:bodyPr>
           <a:lstStyle/>
           <a:p>
+            <a:pPr algn="ctr"/>
+            <a:r>
+              <a:rPr lang="en-US" altLang="ko-KR" sz="1000" dirty="0" smtClean="0">
+                <a:solidFill>
+                  <a:srgbClr val="ED7D31"/>
+                </a:solidFill>
+              </a:rPr>
+              <a:t>return </a:t>
+            </a:r>
+            <a:r>
+              <a:rPr lang="en-US" altLang="ko-KR" sz="1000" dirty="0" err="1" smtClean="0">
+                <a:solidFill>
+                  <a:srgbClr val="ED7D31"/>
+                </a:solidFill>
+              </a:rPr>
+              <a:t>vo</a:t>
+            </a:r>
+            <a:endParaRPr lang="en-US" altLang="ko-KR" sz="1000" dirty="0" smtClean="0">
+              <a:solidFill>
+                <a:srgbClr val="ED7D31"/>
+              </a:solidFill>
+            </a:endParaRPr>
+          </a:p>
+          <a:p>
             <a:r>
               <a:rPr lang="en-US" altLang="ko-KR" sz="1000" dirty="0" err="1" smtClean="0">
                 <a:solidFill>
@@ -16765,7 +16789,7 @@
           <p:cNvPr id="97" name="직선 화살표 연결선 96">
             <a:extLst>
               <a:ext uri="{FF2B5EF4-FFF2-40B4-BE49-F238E27FC236}">
-                <a16:creationId xmlns:a16="http://schemas.microsoft.com/office/drawing/2014/main" xmlns="" id="{3992F012-AF65-4E39-8E9C-577F6F0B7BD2}"/>
+                <a16:creationId xmlns="" xmlns:a16="http://schemas.microsoft.com/office/drawing/2014/main" id="{3992F012-AF65-4E39-8E9C-577F6F0B7BD2}"/>
               </a:ext>
             </a:extLst>
           </p:cNvPr>
@@ -16812,7 +16836,7 @@
           <p:cNvPr id="100" name="TextBox 99">
             <a:extLst>
               <a:ext uri="{FF2B5EF4-FFF2-40B4-BE49-F238E27FC236}">
-                <a16:creationId xmlns:a16="http://schemas.microsoft.com/office/drawing/2014/main" xmlns="" id="{ED21C0EA-1B65-43C8-AAD0-87268DCF3FD2}"/>
+                <a16:creationId xmlns="" xmlns:a16="http://schemas.microsoft.com/office/drawing/2014/main" id="{ED21C0EA-1B65-43C8-AAD0-87268DCF3FD2}"/>
               </a:ext>
             </a:extLst>
           </p:cNvPr>
@@ -16886,7 +16910,7 @@
           <p:cNvPr id="102" name="직선 화살표 연결선 101">
             <a:extLst>
               <a:ext uri="{FF2B5EF4-FFF2-40B4-BE49-F238E27FC236}">
-                <a16:creationId xmlns:a16="http://schemas.microsoft.com/office/drawing/2014/main" xmlns="" id="{3992F012-AF65-4E39-8E9C-577F6F0B7BD2}"/>
+                <a16:creationId xmlns="" xmlns:a16="http://schemas.microsoft.com/office/drawing/2014/main" id="{3992F012-AF65-4E39-8E9C-577F6F0B7BD2}"/>
               </a:ext>
             </a:extLst>
           </p:cNvPr>
@@ -16933,7 +16957,7 @@
           <p:cNvPr id="108" name="TextBox 107">
             <a:extLst>
               <a:ext uri="{FF2B5EF4-FFF2-40B4-BE49-F238E27FC236}">
-                <a16:creationId xmlns:a16="http://schemas.microsoft.com/office/drawing/2014/main" xmlns="" id="{ED21C0EA-1B65-43C8-AAD0-87268DCF3FD2}"/>
+                <a16:creationId xmlns="" xmlns:a16="http://schemas.microsoft.com/office/drawing/2014/main" id="{ED21C0EA-1B65-43C8-AAD0-87268DCF3FD2}"/>
               </a:ext>
             </a:extLst>
           </p:cNvPr>
@@ -17007,7 +17031,7 @@
           <p:cNvPr id="109" name="직선 화살표 연결선 108">
             <a:extLst>
               <a:ext uri="{FF2B5EF4-FFF2-40B4-BE49-F238E27FC236}">
-                <a16:creationId xmlns:a16="http://schemas.microsoft.com/office/drawing/2014/main" xmlns="" id="{3992F012-AF65-4E39-8E9C-577F6F0B7BD2}"/>
+                <a16:creationId xmlns="" xmlns:a16="http://schemas.microsoft.com/office/drawing/2014/main" id="{3992F012-AF65-4E39-8E9C-577F6F0B7BD2}"/>
               </a:ext>
             </a:extLst>
           </p:cNvPr>
@@ -17054,7 +17078,7 @@
           <p:cNvPr id="114" name="TextBox 113">
             <a:extLst>
               <a:ext uri="{FF2B5EF4-FFF2-40B4-BE49-F238E27FC236}">
-                <a16:creationId xmlns:a16="http://schemas.microsoft.com/office/drawing/2014/main" xmlns="" id="{ED21C0EA-1B65-43C8-AAD0-87268DCF3FD2}"/>
+                <a16:creationId xmlns="" xmlns:a16="http://schemas.microsoft.com/office/drawing/2014/main" id="{ED21C0EA-1B65-43C8-AAD0-87268DCF3FD2}"/>
               </a:ext>
             </a:extLst>
           </p:cNvPr>
@@ -17128,7 +17152,7 @@
           <p:cNvPr id="125" name="직선 화살표 연결선 124">
             <a:extLst>
               <a:ext uri="{FF2B5EF4-FFF2-40B4-BE49-F238E27FC236}">
-                <a16:creationId xmlns:a16="http://schemas.microsoft.com/office/drawing/2014/main" xmlns="" id="{3992F012-AF65-4E39-8E9C-577F6F0B7BD2}"/>
+                <a16:creationId xmlns="" xmlns:a16="http://schemas.microsoft.com/office/drawing/2014/main" id="{3992F012-AF65-4E39-8E9C-577F6F0B7BD2}"/>
               </a:ext>
             </a:extLst>
           </p:cNvPr>
@@ -17175,7 +17199,7 @@
           <p:cNvPr id="127" name="TextBox 126">
             <a:extLst>
               <a:ext uri="{FF2B5EF4-FFF2-40B4-BE49-F238E27FC236}">
-                <a16:creationId xmlns:a16="http://schemas.microsoft.com/office/drawing/2014/main" xmlns="" id="{ED21C0EA-1B65-43C8-AAD0-87268DCF3FD2}"/>
+                <a16:creationId xmlns="" xmlns:a16="http://schemas.microsoft.com/office/drawing/2014/main" id="{ED21C0EA-1B65-43C8-AAD0-87268DCF3FD2}"/>
               </a:ext>
             </a:extLst>
           </p:cNvPr>
@@ -17249,7 +17273,7 @@
           <p:cNvPr id="140" name="직선 화살표 연결선 139">
             <a:extLst>
               <a:ext uri="{FF2B5EF4-FFF2-40B4-BE49-F238E27FC236}">
-                <a16:creationId xmlns:a16="http://schemas.microsoft.com/office/drawing/2014/main" xmlns="" id="{EC28C33C-129E-4506-9549-3759C91D42BE}"/>
+                <a16:creationId xmlns="" xmlns:a16="http://schemas.microsoft.com/office/drawing/2014/main" id="{EC28C33C-129E-4506-9549-3759C91D42BE}"/>
               </a:ext>
             </a:extLst>
           </p:cNvPr>
@@ -17296,7 +17320,7 @@
           <p:cNvPr id="141" name="직선 화살표 연결선 140">
             <a:extLst>
               <a:ext uri="{FF2B5EF4-FFF2-40B4-BE49-F238E27FC236}">
-                <a16:creationId xmlns:a16="http://schemas.microsoft.com/office/drawing/2014/main" xmlns="" id="{EC28C33C-129E-4506-9549-3759C91D42BE}"/>
+                <a16:creationId xmlns="" xmlns:a16="http://schemas.microsoft.com/office/drawing/2014/main" id="{EC28C33C-129E-4506-9549-3759C91D42BE}"/>
               </a:ext>
             </a:extLst>
           </p:cNvPr>
@@ -17343,7 +17367,7 @@
           <p:cNvPr id="142" name="직선 화살표 연결선 141">
             <a:extLst>
               <a:ext uri="{FF2B5EF4-FFF2-40B4-BE49-F238E27FC236}">
-                <a16:creationId xmlns:a16="http://schemas.microsoft.com/office/drawing/2014/main" xmlns="" id="{EC28C33C-129E-4506-9549-3759C91D42BE}"/>
+                <a16:creationId xmlns="" xmlns:a16="http://schemas.microsoft.com/office/drawing/2014/main" id="{EC28C33C-129E-4506-9549-3759C91D42BE}"/>
               </a:ext>
             </a:extLst>
           </p:cNvPr>
@@ -17390,7 +17414,7 @@
           <p:cNvPr id="143" name="직선 화살표 연결선 142">
             <a:extLst>
               <a:ext uri="{FF2B5EF4-FFF2-40B4-BE49-F238E27FC236}">
-                <a16:creationId xmlns:a16="http://schemas.microsoft.com/office/drawing/2014/main" xmlns="" id="{EC28C33C-129E-4506-9549-3759C91D42BE}"/>
+                <a16:creationId xmlns="" xmlns:a16="http://schemas.microsoft.com/office/drawing/2014/main" id="{EC28C33C-129E-4506-9549-3759C91D42BE}"/>
               </a:ext>
             </a:extLst>
           </p:cNvPr>
@@ -17437,7 +17461,7 @@
           <p:cNvPr id="144" name="직선 화살표 연결선 143">
             <a:extLst>
               <a:ext uri="{FF2B5EF4-FFF2-40B4-BE49-F238E27FC236}">
-                <a16:creationId xmlns:a16="http://schemas.microsoft.com/office/drawing/2014/main" xmlns="" id="{75322384-8370-42A2-9AA6-9103C9E005E6}"/>
+                <a16:creationId xmlns="" xmlns:a16="http://schemas.microsoft.com/office/drawing/2014/main" id="{75322384-8370-42A2-9AA6-9103C9E005E6}"/>
               </a:ext>
             </a:extLst>
           </p:cNvPr>
@@ -17484,7 +17508,7 @@
           <p:cNvPr id="145" name="TextBox 144">
             <a:extLst>
               <a:ext uri="{FF2B5EF4-FFF2-40B4-BE49-F238E27FC236}">
-                <a16:creationId xmlns:a16="http://schemas.microsoft.com/office/drawing/2014/main" xmlns="" id="{BDD2FA7E-1E88-4F78-ABF6-567824DD1ECE}"/>
+                <a16:creationId xmlns="" xmlns:a16="http://schemas.microsoft.com/office/drawing/2014/main" id="{BDD2FA7E-1E88-4F78-ABF6-567824DD1ECE}"/>
               </a:ext>
             </a:extLst>
           </p:cNvPr>
@@ -17557,7 +17581,7 @@
           <p:cNvPr id="146" name="직선 화살표 연결선 145">
             <a:extLst>
               <a:ext uri="{FF2B5EF4-FFF2-40B4-BE49-F238E27FC236}">
-                <a16:creationId xmlns:a16="http://schemas.microsoft.com/office/drawing/2014/main" xmlns="" id="{366CBA92-9226-4C4A-ACDD-433CD65941DE}"/>
+                <a16:creationId xmlns="" xmlns:a16="http://schemas.microsoft.com/office/drawing/2014/main" id="{366CBA92-9226-4C4A-ACDD-433CD65941DE}"/>
               </a:ext>
             </a:extLst>
           </p:cNvPr>
@@ -17604,7 +17628,7 @@
           <p:cNvPr id="147" name="TextBox 146">
             <a:extLst>
               <a:ext uri="{FF2B5EF4-FFF2-40B4-BE49-F238E27FC236}">
-                <a16:creationId xmlns:a16="http://schemas.microsoft.com/office/drawing/2014/main" xmlns="" id="{ED21C0EA-1B65-43C8-AAD0-87268DCF3FD2}"/>
+                <a16:creationId xmlns="" xmlns:a16="http://schemas.microsoft.com/office/drawing/2014/main" id="{ED21C0EA-1B65-43C8-AAD0-87268DCF3FD2}"/>
               </a:ext>
             </a:extLst>
           </p:cNvPr>
@@ -17698,7 +17722,7 @@
           <p:cNvPr id="148" name="직선 화살표 연결선 147">
             <a:extLst>
               <a:ext uri="{FF2B5EF4-FFF2-40B4-BE49-F238E27FC236}">
-                <a16:creationId xmlns:a16="http://schemas.microsoft.com/office/drawing/2014/main" xmlns="" id="{3992F012-AF65-4E39-8E9C-577F6F0B7BD2}"/>
+                <a16:creationId xmlns="" xmlns:a16="http://schemas.microsoft.com/office/drawing/2014/main" id="{3992F012-AF65-4E39-8E9C-577F6F0B7BD2}"/>
               </a:ext>
             </a:extLst>
           </p:cNvPr>
@@ -17745,7 +17769,7 @@
           <p:cNvPr id="149" name="TextBox 148">
             <a:extLst>
               <a:ext uri="{FF2B5EF4-FFF2-40B4-BE49-F238E27FC236}">
-                <a16:creationId xmlns:a16="http://schemas.microsoft.com/office/drawing/2014/main" xmlns="" id="{ED21C0EA-1B65-43C8-AAD0-87268DCF3FD2}"/>
+                <a16:creationId xmlns="" xmlns:a16="http://schemas.microsoft.com/office/drawing/2014/main" id="{ED21C0EA-1B65-43C8-AAD0-87268DCF3FD2}"/>
               </a:ext>
             </a:extLst>
           </p:cNvPr>
@@ -17839,7 +17863,7 @@
           <p:cNvPr id="150" name="직선 화살표 연결선 149">
             <a:extLst>
               <a:ext uri="{FF2B5EF4-FFF2-40B4-BE49-F238E27FC236}">
-                <a16:creationId xmlns:a16="http://schemas.microsoft.com/office/drawing/2014/main" xmlns="" id="{3992F012-AF65-4E39-8E9C-577F6F0B7BD2}"/>
+                <a16:creationId xmlns="" xmlns:a16="http://schemas.microsoft.com/office/drawing/2014/main" id="{3992F012-AF65-4E39-8E9C-577F6F0B7BD2}"/>
               </a:ext>
             </a:extLst>
           </p:cNvPr>
@@ -17886,7 +17910,7 @@
           <p:cNvPr id="151" name="TextBox 150">
             <a:extLst>
               <a:ext uri="{FF2B5EF4-FFF2-40B4-BE49-F238E27FC236}">
-                <a16:creationId xmlns:a16="http://schemas.microsoft.com/office/drawing/2014/main" xmlns="" id="{ED21C0EA-1B65-43C8-AAD0-87268DCF3FD2}"/>
+                <a16:creationId xmlns="" xmlns:a16="http://schemas.microsoft.com/office/drawing/2014/main" id="{ED21C0EA-1B65-43C8-AAD0-87268DCF3FD2}"/>
               </a:ext>
             </a:extLst>
           </p:cNvPr>
@@ -17980,7 +18004,7 @@
           <p:cNvPr id="152" name="직선 화살표 연결선 151">
             <a:extLst>
               <a:ext uri="{FF2B5EF4-FFF2-40B4-BE49-F238E27FC236}">
-                <a16:creationId xmlns:a16="http://schemas.microsoft.com/office/drawing/2014/main" xmlns="" id="{3992F012-AF65-4E39-8E9C-577F6F0B7BD2}"/>
+                <a16:creationId xmlns="" xmlns:a16="http://schemas.microsoft.com/office/drawing/2014/main" id="{3992F012-AF65-4E39-8E9C-577F6F0B7BD2}"/>
               </a:ext>
             </a:extLst>
           </p:cNvPr>
@@ -18027,7 +18051,7 @@
           <p:cNvPr id="153" name="TextBox 152">
             <a:extLst>
               <a:ext uri="{FF2B5EF4-FFF2-40B4-BE49-F238E27FC236}">
-                <a16:creationId xmlns:a16="http://schemas.microsoft.com/office/drawing/2014/main" xmlns="" id="{ED21C0EA-1B65-43C8-AAD0-87268DCF3FD2}"/>
+                <a16:creationId xmlns="" xmlns:a16="http://schemas.microsoft.com/office/drawing/2014/main" id="{ED21C0EA-1B65-43C8-AAD0-87268DCF3FD2}"/>
               </a:ext>
             </a:extLst>
           </p:cNvPr>
@@ -18121,7 +18145,7 @@
           <p:cNvPr id="154" name="직선 화살표 연결선 153">
             <a:extLst>
               <a:ext uri="{FF2B5EF4-FFF2-40B4-BE49-F238E27FC236}">
-                <a16:creationId xmlns:a16="http://schemas.microsoft.com/office/drawing/2014/main" xmlns="" id="{EC28C33C-129E-4506-9549-3759C91D42BE}"/>
+                <a16:creationId xmlns="" xmlns:a16="http://schemas.microsoft.com/office/drawing/2014/main" id="{EC28C33C-129E-4506-9549-3759C91D42BE}"/>
               </a:ext>
             </a:extLst>
           </p:cNvPr>
@@ -18168,7 +18192,7 @@
           <p:cNvPr id="155" name="직선 화살표 연결선 154">
             <a:extLst>
               <a:ext uri="{FF2B5EF4-FFF2-40B4-BE49-F238E27FC236}">
-                <a16:creationId xmlns:a16="http://schemas.microsoft.com/office/drawing/2014/main" xmlns="" id="{EC28C33C-129E-4506-9549-3759C91D42BE}"/>
+                <a16:creationId xmlns="" xmlns:a16="http://schemas.microsoft.com/office/drawing/2014/main" id="{EC28C33C-129E-4506-9549-3759C91D42BE}"/>
               </a:ext>
             </a:extLst>
           </p:cNvPr>
@@ -18215,7 +18239,7 @@
           <p:cNvPr id="156" name="직선 화살표 연결선 155">
             <a:extLst>
               <a:ext uri="{FF2B5EF4-FFF2-40B4-BE49-F238E27FC236}">
-                <a16:creationId xmlns:a16="http://schemas.microsoft.com/office/drawing/2014/main" xmlns="" id="{EC28C33C-129E-4506-9549-3759C91D42BE}"/>
+                <a16:creationId xmlns="" xmlns:a16="http://schemas.microsoft.com/office/drawing/2014/main" id="{EC28C33C-129E-4506-9549-3759C91D42BE}"/>
               </a:ext>
             </a:extLst>
           </p:cNvPr>
@@ -18262,7 +18286,7 @@
           <p:cNvPr id="157" name="직선 화살표 연결선 156">
             <a:extLst>
               <a:ext uri="{FF2B5EF4-FFF2-40B4-BE49-F238E27FC236}">
-                <a16:creationId xmlns:a16="http://schemas.microsoft.com/office/drawing/2014/main" xmlns="" id="{EC28C33C-129E-4506-9549-3759C91D42BE}"/>
+                <a16:creationId xmlns="" xmlns:a16="http://schemas.microsoft.com/office/drawing/2014/main" id="{EC28C33C-129E-4506-9549-3759C91D42BE}"/>
               </a:ext>
             </a:extLst>
           </p:cNvPr>
@@ -18309,7 +18333,7 @@
           <p:cNvPr id="158" name="TextBox 157">
             <a:extLst>
               <a:ext uri="{FF2B5EF4-FFF2-40B4-BE49-F238E27FC236}">
-                <a16:creationId xmlns:a16="http://schemas.microsoft.com/office/drawing/2014/main" xmlns="" id="{BDD2FA7E-1E88-4F78-ABF6-567824DD1ECE}"/>
+                <a16:creationId xmlns="" xmlns:a16="http://schemas.microsoft.com/office/drawing/2014/main" id="{BDD2FA7E-1E88-4F78-ABF6-567824DD1ECE}"/>
               </a:ext>
             </a:extLst>
           </p:cNvPr>
@@ -18357,7 +18381,7 @@
           <p:cNvPr id="159" name="TextBox 158">
             <a:extLst>
               <a:ext uri="{FF2B5EF4-FFF2-40B4-BE49-F238E27FC236}">
-                <a16:creationId xmlns:a16="http://schemas.microsoft.com/office/drawing/2014/main" xmlns="" id="{BDD2FA7E-1E88-4F78-ABF6-567824DD1ECE}"/>
+                <a16:creationId xmlns="" xmlns:a16="http://schemas.microsoft.com/office/drawing/2014/main" id="{BDD2FA7E-1E88-4F78-ABF6-567824DD1ECE}"/>
               </a:ext>
             </a:extLst>
           </p:cNvPr>
@@ -18405,7 +18429,7 @@
           <p:cNvPr id="160" name="직선 화살표 연결선 159">
             <a:extLst>
               <a:ext uri="{FF2B5EF4-FFF2-40B4-BE49-F238E27FC236}">
-                <a16:creationId xmlns:a16="http://schemas.microsoft.com/office/drawing/2014/main" xmlns="" id="{3F7B84A3-1AD0-4DF7-A6BC-4B5B198A72B9}"/>
+                <a16:creationId xmlns="" xmlns:a16="http://schemas.microsoft.com/office/drawing/2014/main" id="{3F7B84A3-1AD0-4DF7-A6BC-4B5B198A72B9}"/>
               </a:ext>
             </a:extLst>
           </p:cNvPr>
@@ -18452,7 +18476,7 @@
           <p:cNvPr id="161" name="TextBox 160">
             <a:extLst>
               <a:ext uri="{FF2B5EF4-FFF2-40B4-BE49-F238E27FC236}">
-                <a16:creationId xmlns:a16="http://schemas.microsoft.com/office/drawing/2014/main" xmlns="" id="{ED21C0EA-1B65-43C8-AAD0-87268DCF3FD2}"/>
+                <a16:creationId xmlns="" xmlns:a16="http://schemas.microsoft.com/office/drawing/2014/main" id="{ED21C0EA-1B65-43C8-AAD0-87268DCF3FD2}"/>
               </a:ext>
             </a:extLst>
           </p:cNvPr>
@@ -18519,7 +18543,7 @@
           <p:cNvPr id="162" name="TextBox 161">
             <a:extLst>
               <a:ext uri="{FF2B5EF4-FFF2-40B4-BE49-F238E27FC236}">
-                <a16:creationId xmlns:a16="http://schemas.microsoft.com/office/drawing/2014/main" xmlns="" id="{ED21C0EA-1B65-43C8-AAD0-87268DCF3FD2}"/>
+                <a16:creationId xmlns="" xmlns:a16="http://schemas.microsoft.com/office/drawing/2014/main" id="{ED21C0EA-1B65-43C8-AAD0-87268DCF3FD2}"/>
               </a:ext>
             </a:extLst>
           </p:cNvPr>
@@ -18586,7 +18610,7 @@
           <p:cNvPr id="165" name="TextBox 164">
             <a:extLst>
               <a:ext uri="{FF2B5EF4-FFF2-40B4-BE49-F238E27FC236}">
-                <a16:creationId xmlns:a16="http://schemas.microsoft.com/office/drawing/2014/main" xmlns="" id="{ED21C0EA-1B65-43C8-AAD0-87268DCF3FD2}"/>
+                <a16:creationId xmlns="" xmlns:a16="http://schemas.microsoft.com/office/drawing/2014/main" id="{ED21C0EA-1B65-43C8-AAD0-87268DCF3FD2}"/>
               </a:ext>
             </a:extLst>
           </p:cNvPr>
@@ -18653,7 +18677,7 @@
           <p:cNvPr id="166" name="TextBox 165">
             <a:extLst>
               <a:ext uri="{FF2B5EF4-FFF2-40B4-BE49-F238E27FC236}">
-                <a16:creationId xmlns:a16="http://schemas.microsoft.com/office/drawing/2014/main" xmlns="" id="{ED21C0EA-1B65-43C8-AAD0-87268DCF3FD2}"/>
+                <a16:creationId xmlns="" xmlns:a16="http://schemas.microsoft.com/office/drawing/2014/main" id="{ED21C0EA-1B65-43C8-AAD0-87268DCF3FD2}"/>
               </a:ext>
             </a:extLst>
           </p:cNvPr>
@@ -18720,7 +18744,7 @@
           <p:cNvPr id="167" name="TextBox 166">
             <a:extLst>
               <a:ext uri="{FF2B5EF4-FFF2-40B4-BE49-F238E27FC236}">
-                <a16:creationId xmlns:a16="http://schemas.microsoft.com/office/drawing/2014/main" xmlns="" id="{ED21C0EA-1B65-43C8-AAD0-87268DCF3FD2}"/>
+                <a16:creationId xmlns="" xmlns:a16="http://schemas.microsoft.com/office/drawing/2014/main" id="{ED21C0EA-1B65-43C8-AAD0-87268DCF3FD2}"/>
               </a:ext>
             </a:extLst>
           </p:cNvPr>
@@ -18787,7 +18811,7 @@
           <p:cNvPr id="168" name="직선 화살표 연결선 167">
             <a:extLst>
               <a:ext uri="{FF2B5EF4-FFF2-40B4-BE49-F238E27FC236}">
-                <a16:creationId xmlns:a16="http://schemas.microsoft.com/office/drawing/2014/main" xmlns="" id="{EC28C33C-129E-4506-9549-3759C91D42BE}"/>
+                <a16:creationId xmlns="" xmlns:a16="http://schemas.microsoft.com/office/drawing/2014/main" id="{EC28C33C-129E-4506-9549-3759C91D42BE}"/>
               </a:ext>
             </a:extLst>
           </p:cNvPr>
@@ -18834,7 +18858,7 @@
           <p:cNvPr id="169" name="TextBox 168">
             <a:extLst>
               <a:ext uri="{FF2B5EF4-FFF2-40B4-BE49-F238E27FC236}">
-                <a16:creationId xmlns:a16="http://schemas.microsoft.com/office/drawing/2014/main" xmlns="" id="{BDD2FA7E-1E88-4F78-ABF6-567824DD1ECE}"/>
+                <a16:creationId xmlns="" xmlns:a16="http://schemas.microsoft.com/office/drawing/2014/main" id="{BDD2FA7E-1E88-4F78-ABF6-567824DD1ECE}"/>
               </a:ext>
             </a:extLst>
           </p:cNvPr>
@@ -18899,7 +18923,7 @@
           <p:cNvPr id="170" name="직선 화살표 연결선 169">
             <a:extLst>
               <a:ext uri="{FF2B5EF4-FFF2-40B4-BE49-F238E27FC236}">
-                <a16:creationId xmlns:a16="http://schemas.microsoft.com/office/drawing/2014/main" xmlns="" id="{3F7B84A3-1AD0-4DF7-A6BC-4B5B198A72B9}"/>
+                <a16:creationId xmlns="" xmlns:a16="http://schemas.microsoft.com/office/drawing/2014/main" id="{3F7B84A3-1AD0-4DF7-A6BC-4B5B198A72B9}"/>
               </a:ext>
             </a:extLst>
           </p:cNvPr>
@@ -18976,7 +19000,7 @@
           <p:cNvPr id="4" name="표 4">
             <a:extLst>
               <a:ext uri="{FF2B5EF4-FFF2-40B4-BE49-F238E27FC236}">
-                <a16:creationId xmlns:a16="http://schemas.microsoft.com/office/drawing/2014/main" xmlns="" id="{B305719E-D3E5-4E7E-B17F-23D2B8F0881C}"/>
+                <a16:creationId xmlns="" xmlns:a16="http://schemas.microsoft.com/office/drawing/2014/main" id="{B305719E-D3E5-4E7E-B17F-23D2B8F0881C}"/>
               </a:ext>
             </a:extLst>
           </p:cNvPr>
@@ -19005,21 +19029,21 @@
                 <a:gridCol w="2033729">
                   <a:extLst>
                     <a:ext uri="{9D8B030D-6E8A-4147-A177-3AD203B41FA5}">
-                      <a16:colId xmlns:a16="http://schemas.microsoft.com/office/drawing/2014/main" xmlns="" val="3571064474"/>
+                      <a16:colId xmlns="" xmlns:a16="http://schemas.microsoft.com/office/drawing/2014/main" val="3571064474"/>
                     </a:ext>
                   </a:extLst>
                 </a:gridCol>
                 <a:gridCol w="1557196">
                   <a:extLst>
                     <a:ext uri="{9D8B030D-6E8A-4147-A177-3AD203B41FA5}">
-                      <a16:colId xmlns:a16="http://schemas.microsoft.com/office/drawing/2014/main" xmlns="" val="4257211528"/>
+                      <a16:colId xmlns="" xmlns:a16="http://schemas.microsoft.com/office/drawing/2014/main" val="4257211528"/>
                     </a:ext>
                   </a:extLst>
                 </a:gridCol>
                 <a:gridCol w="1665838">
                   <a:extLst>
                     <a:ext uri="{9D8B030D-6E8A-4147-A177-3AD203B41FA5}">
-                      <a16:colId xmlns:a16="http://schemas.microsoft.com/office/drawing/2014/main" xmlns="" val="3023545236"/>
+                      <a16:colId xmlns="" xmlns:a16="http://schemas.microsoft.com/office/drawing/2014/main" val="3023545236"/>
                     </a:ext>
                   </a:extLst>
                 </a:gridCol>
@@ -19027,21 +19051,21 @@
                 <a:gridCol w="1738265">
                   <a:extLst>
                     <a:ext uri="{9D8B030D-6E8A-4147-A177-3AD203B41FA5}">
-                      <a16:colId xmlns:a16="http://schemas.microsoft.com/office/drawing/2014/main" xmlns="" val="2920563116"/>
+                      <a16:colId xmlns="" xmlns:a16="http://schemas.microsoft.com/office/drawing/2014/main" val="2920563116"/>
                     </a:ext>
                   </a:extLst>
                 </a:gridCol>
                 <a:gridCol w="1720158">
                   <a:extLst>
                     <a:ext uri="{9D8B030D-6E8A-4147-A177-3AD203B41FA5}">
-                      <a16:colId xmlns:a16="http://schemas.microsoft.com/office/drawing/2014/main" xmlns="" val="3475859244"/>
+                      <a16:colId xmlns="" xmlns:a16="http://schemas.microsoft.com/office/drawing/2014/main" val="3475859244"/>
                     </a:ext>
                   </a:extLst>
                 </a:gridCol>
                 <a:gridCol w="1602273">
                   <a:extLst>
                     <a:ext uri="{9D8B030D-6E8A-4147-A177-3AD203B41FA5}">
-                      <a16:colId xmlns:a16="http://schemas.microsoft.com/office/drawing/2014/main" xmlns="" val="3472189352"/>
+                      <a16:colId xmlns="" xmlns:a16="http://schemas.microsoft.com/office/drawing/2014/main" val="3472189352"/>
                     </a:ext>
                   </a:extLst>
                 </a:gridCol>
@@ -19604,7 +19628,7 @@
                 </a:tc>
                 <a:extLst>
                   <a:ext uri="{0D108BD9-81ED-4DB2-BD59-A6C34878D82A}">
-                    <a16:rowId xmlns:a16="http://schemas.microsoft.com/office/drawing/2014/main" xmlns="" val="243423754"/>
+                    <a16:rowId xmlns="" xmlns:a16="http://schemas.microsoft.com/office/drawing/2014/main" val="243423754"/>
                   </a:ext>
                 </a:extLst>
               </a:tr>
@@ -20937,7 +20961,7 @@
                 </a:tc>
                 <a:extLst>
                   <a:ext uri="{0D108BD9-81ED-4DB2-BD59-A6C34878D82A}">
-                    <a16:rowId xmlns:a16="http://schemas.microsoft.com/office/drawing/2014/main" xmlns="" val="3134473238"/>
+                    <a16:rowId xmlns="" xmlns:a16="http://schemas.microsoft.com/office/drawing/2014/main" val="3134473238"/>
                   </a:ext>
                 </a:extLst>
               </a:tr>
@@ -20950,7 +20974,7 @@
           <p:cNvPr id="6" name="직선 화살표 연결선 5">
             <a:extLst>
               <a:ext uri="{FF2B5EF4-FFF2-40B4-BE49-F238E27FC236}">
-                <a16:creationId xmlns:a16="http://schemas.microsoft.com/office/drawing/2014/main" xmlns="" id="{3F7B84A3-1AD0-4DF7-A6BC-4B5B198A72B9}"/>
+                <a16:creationId xmlns="" xmlns:a16="http://schemas.microsoft.com/office/drawing/2014/main" id="{3F7B84A3-1AD0-4DF7-A6BC-4B5B198A72B9}"/>
               </a:ext>
             </a:extLst>
           </p:cNvPr>
@@ -20997,7 +21021,7 @@
           <p:cNvPr id="21" name="직선 화살표 연결선 20">
             <a:extLst>
               <a:ext uri="{FF2B5EF4-FFF2-40B4-BE49-F238E27FC236}">
-                <a16:creationId xmlns:a16="http://schemas.microsoft.com/office/drawing/2014/main" xmlns="" id="{75322384-8370-42A2-9AA6-9103C9E005E6}"/>
+                <a16:creationId xmlns="" xmlns:a16="http://schemas.microsoft.com/office/drawing/2014/main" id="{75322384-8370-42A2-9AA6-9103C9E005E6}"/>
               </a:ext>
             </a:extLst>
           </p:cNvPr>
@@ -21044,7 +21068,7 @@
           <p:cNvPr id="23" name="직선 화살표 연결선 22">
             <a:extLst>
               <a:ext uri="{FF2B5EF4-FFF2-40B4-BE49-F238E27FC236}">
-                <a16:creationId xmlns:a16="http://schemas.microsoft.com/office/drawing/2014/main" xmlns="" id="{366CBA92-9226-4C4A-ACDD-433CD65941DE}"/>
+                <a16:creationId xmlns="" xmlns:a16="http://schemas.microsoft.com/office/drawing/2014/main" id="{366CBA92-9226-4C4A-ACDD-433CD65941DE}"/>
               </a:ext>
             </a:extLst>
           </p:cNvPr>
@@ -21091,7 +21115,7 @@
           <p:cNvPr id="25" name="TextBox 24">
             <a:extLst>
               <a:ext uri="{FF2B5EF4-FFF2-40B4-BE49-F238E27FC236}">
-                <a16:creationId xmlns:a16="http://schemas.microsoft.com/office/drawing/2014/main" xmlns="" id="{ED21C0EA-1B65-43C8-AAD0-87268DCF3FD2}"/>
+                <a16:creationId xmlns="" xmlns:a16="http://schemas.microsoft.com/office/drawing/2014/main" id="{ED21C0EA-1B65-43C8-AAD0-87268DCF3FD2}"/>
               </a:ext>
             </a:extLst>
           </p:cNvPr>
@@ -21178,7 +21202,7 @@
           <p:cNvPr id="75" name="직선 화살표 연결선 74">
             <a:extLst>
               <a:ext uri="{FF2B5EF4-FFF2-40B4-BE49-F238E27FC236}">
-                <a16:creationId xmlns:a16="http://schemas.microsoft.com/office/drawing/2014/main" xmlns="" id="{3F7B84A3-1AD0-4DF7-A6BC-4B5B198A72B9}"/>
+                <a16:creationId xmlns="" xmlns:a16="http://schemas.microsoft.com/office/drawing/2014/main" id="{3F7B84A3-1AD0-4DF7-A6BC-4B5B198A72B9}"/>
               </a:ext>
             </a:extLst>
           </p:cNvPr>
@@ -21225,7 +21249,7 @@
           <p:cNvPr id="77" name="직선 화살표 연결선 76">
             <a:extLst>
               <a:ext uri="{FF2B5EF4-FFF2-40B4-BE49-F238E27FC236}">
-                <a16:creationId xmlns:a16="http://schemas.microsoft.com/office/drawing/2014/main" xmlns="" id="{3992F012-AF65-4E39-8E9C-577F6F0B7BD2}"/>
+                <a16:creationId xmlns="" xmlns:a16="http://schemas.microsoft.com/office/drawing/2014/main" id="{3992F012-AF65-4E39-8E9C-577F6F0B7BD2}"/>
               </a:ext>
             </a:extLst>
           </p:cNvPr>
@@ -21272,7 +21296,7 @@
           <p:cNvPr id="80" name="직선 화살표 연결선 79">
             <a:extLst>
               <a:ext uri="{FF2B5EF4-FFF2-40B4-BE49-F238E27FC236}">
-                <a16:creationId xmlns:a16="http://schemas.microsoft.com/office/drawing/2014/main" xmlns="" id="{EC28C33C-129E-4506-9549-3759C91D42BE}"/>
+                <a16:creationId xmlns="" xmlns:a16="http://schemas.microsoft.com/office/drawing/2014/main" id="{EC28C33C-129E-4506-9549-3759C91D42BE}"/>
               </a:ext>
             </a:extLst>
           </p:cNvPr>
@@ -21319,7 +21343,7 @@
           <p:cNvPr id="81" name="직선 화살표 연결선 80">
             <a:extLst>
               <a:ext uri="{FF2B5EF4-FFF2-40B4-BE49-F238E27FC236}">
-                <a16:creationId xmlns:a16="http://schemas.microsoft.com/office/drawing/2014/main" xmlns="" id="{3992F012-AF65-4E39-8E9C-577F6F0B7BD2}"/>
+                <a16:creationId xmlns="" xmlns:a16="http://schemas.microsoft.com/office/drawing/2014/main" id="{3992F012-AF65-4E39-8E9C-577F6F0B7BD2}"/>
               </a:ext>
             </a:extLst>
           </p:cNvPr>
@@ -21366,7 +21390,7 @@
           <p:cNvPr id="82" name="직선 화살표 연결선 81">
             <a:extLst>
               <a:ext uri="{FF2B5EF4-FFF2-40B4-BE49-F238E27FC236}">
-                <a16:creationId xmlns:a16="http://schemas.microsoft.com/office/drawing/2014/main" xmlns="" id="{EC28C33C-129E-4506-9549-3759C91D42BE}"/>
+                <a16:creationId xmlns="" xmlns:a16="http://schemas.microsoft.com/office/drawing/2014/main" id="{EC28C33C-129E-4506-9549-3759C91D42BE}"/>
               </a:ext>
             </a:extLst>
           </p:cNvPr>
@@ -21413,7 +21437,7 @@
           <p:cNvPr id="85" name="직선 화살표 연결선 84">
             <a:extLst>
               <a:ext uri="{FF2B5EF4-FFF2-40B4-BE49-F238E27FC236}">
-                <a16:creationId xmlns:a16="http://schemas.microsoft.com/office/drawing/2014/main" xmlns="" id="{3992F012-AF65-4E39-8E9C-577F6F0B7BD2}"/>
+                <a16:creationId xmlns="" xmlns:a16="http://schemas.microsoft.com/office/drawing/2014/main" id="{3992F012-AF65-4E39-8E9C-577F6F0B7BD2}"/>
               </a:ext>
             </a:extLst>
           </p:cNvPr>
@@ -21460,7 +21484,7 @@
           <p:cNvPr id="87" name="직선 화살표 연결선 86">
             <a:extLst>
               <a:ext uri="{FF2B5EF4-FFF2-40B4-BE49-F238E27FC236}">
-                <a16:creationId xmlns:a16="http://schemas.microsoft.com/office/drawing/2014/main" xmlns="" id="{3992F012-AF65-4E39-8E9C-577F6F0B7BD2}"/>
+                <a16:creationId xmlns="" xmlns:a16="http://schemas.microsoft.com/office/drawing/2014/main" id="{3992F012-AF65-4E39-8E9C-577F6F0B7BD2}"/>
               </a:ext>
             </a:extLst>
           </p:cNvPr>
@@ -21507,7 +21531,7 @@
           <p:cNvPr id="89" name="직선 화살표 연결선 88">
             <a:extLst>
               <a:ext uri="{FF2B5EF4-FFF2-40B4-BE49-F238E27FC236}">
-                <a16:creationId xmlns:a16="http://schemas.microsoft.com/office/drawing/2014/main" xmlns="" id="{EC28C33C-129E-4506-9549-3759C91D42BE}"/>
+                <a16:creationId xmlns="" xmlns:a16="http://schemas.microsoft.com/office/drawing/2014/main" id="{EC28C33C-129E-4506-9549-3759C91D42BE}"/>
               </a:ext>
             </a:extLst>
           </p:cNvPr>
@@ -21554,7 +21578,7 @@
           <p:cNvPr id="90" name="직선 화살표 연결선 89">
             <a:extLst>
               <a:ext uri="{FF2B5EF4-FFF2-40B4-BE49-F238E27FC236}">
-                <a16:creationId xmlns:a16="http://schemas.microsoft.com/office/drawing/2014/main" xmlns="" id="{EC28C33C-129E-4506-9549-3759C91D42BE}"/>
+                <a16:creationId xmlns="" xmlns:a16="http://schemas.microsoft.com/office/drawing/2014/main" id="{EC28C33C-129E-4506-9549-3759C91D42BE}"/>
               </a:ext>
             </a:extLst>
           </p:cNvPr>
@@ -21601,7 +21625,7 @@
           <p:cNvPr id="146" name="직선 화살표 연결선 145">
             <a:extLst>
               <a:ext uri="{FF2B5EF4-FFF2-40B4-BE49-F238E27FC236}">
-                <a16:creationId xmlns:a16="http://schemas.microsoft.com/office/drawing/2014/main" xmlns="" id="{366CBA92-9226-4C4A-ACDD-433CD65941DE}"/>
+                <a16:creationId xmlns="" xmlns:a16="http://schemas.microsoft.com/office/drawing/2014/main" id="{366CBA92-9226-4C4A-ACDD-433CD65941DE}"/>
               </a:ext>
             </a:extLst>
           </p:cNvPr>
@@ -21648,7 +21672,7 @@
           <p:cNvPr id="158" name="TextBox 157">
             <a:extLst>
               <a:ext uri="{FF2B5EF4-FFF2-40B4-BE49-F238E27FC236}">
-                <a16:creationId xmlns:a16="http://schemas.microsoft.com/office/drawing/2014/main" xmlns="" id="{BDD2FA7E-1E88-4F78-ABF6-567824DD1ECE}"/>
+                <a16:creationId xmlns="" xmlns:a16="http://schemas.microsoft.com/office/drawing/2014/main" id="{BDD2FA7E-1E88-4F78-ABF6-567824DD1ECE}"/>
               </a:ext>
             </a:extLst>
           </p:cNvPr>
@@ -21696,7 +21720,7 @@
           <p:cNvPr id="105" name="TextBox 104">
             <a:extLst>
               <a:ext uri="{FF2B5EF4-FFF2-40B4-BE49-F238E27FC236}">
-                <a16:creationId xmlns:a16="http://schemas.microsoft.com/office/drawing/2014/main" xmlns="" id="{BDD2FA7E-1E88-4F78-ABF6-567824DD1ECE}"/>
+                <a16:creationId xmlns="" xmlns:a16="http://schemas.microsoft.com/office/drawing/2014/main" id="{BDD2FA7E-1E88-4F78-ABF6-567824DD1ECE}"/>
               </a:ext>
             </a:extLst>
           </p:cNvPr>
@@ -21744,7 +21768,7 @@
           <p:cNvPr id="106" name="TextBox 105">
             <a:extLst>
               <a:ext uri="{FF2B5EF4-FFF2-40B4-BE49-F238E27FC236}">
-                <a16:creationId xmlns:a16="http://schemas.microsoft.com/office/drawing/2014/main" xmlns="" id="{ED21C0EA-1B65-43C8-AAD0-87268DCF3FD2}"/>
+                <a16:creationId xmlns="" xmlns:a16="http://schemas.microsoft.com/office/drawing/2014/main" id="{ED21C0EA-1B65-43C8-AAD0-87268DCF3FD2}"/>
               </a:ext>
             </a:extLst>
           </p:cNvPr>
@@ -21831,7 +21855,7 @@
           <p:cNvPr id="107" name="TextBox 106">
             <a:extLst>
               <a:ext uri="{FF2B5EF4-FFF2-40B4-BE49-F238E27FC236}">
-                <a16:creationId xmlns:a16="http://schemas.microsoft.com/office/drawing/2014/main" xmlns="" id="{ED21C0EA-1B65-43C8-AAD0-87268DCF3FD2}"/>
+                <a16:creationId xmlns="" xmlns:a16="http://schemas.microsoft.com/office/drawing/2014/main" id="{ED21C0EA-1B65-43C8-AAD0-87268DCF3FD2}"/>
               </a:ext>
             </a:extLst>
           </p:cNvPr>
@@ -21918,7 +21942,7 @@
           <p:cNvPr id="118" name="TextBox 117">
             <a:extLst>
               <a:ext uri="{FF2B5EF4-FFF2-40B4-BE49-F238E27FC236}">
-                <a16:creationId xmlns:a16="http://schemas.microsoft.com/office/drawing/2014/main" xmlns="" id="{ED21C0EA-1B65-43C8-AAD0-87268DCF3FD2}"/>
+                <a16:creationId xmlns="" xmlns:a16="http://schemas.microsoft.com/office/drawing/2014/main" id="{ED21C0EA-1B65-43C8-AAD0-87268DCF3FD2}"/>
               </a:ext>
             </a:extLst>
           </p:cNvPr>
@@ -22005,7 +22029,7 @@
           <p:cNvPr id="119" name="TextBox 118">
             <a:extLst>
               <a:ext uri="{FF2B5EF4-FFF2-40B4-BE49-F238E27FC236}">
-                <a16:creationId xmlns:a16="http://schemas.microsoft.com/office/drawing/2014/main" xmlns="" id="{ED21C0EA-1B65-43C8-AAD0-87268DCF3FD2}"/>
+                <a16:creationId xmlns="" xmlns:a16="http://schemas.microsoft.com/office/drawing/2014/main" id="{ED21C0EA-1B65-43C8-AAD0-87268DCF3FD2}"/>
               </a:ext>
             </a:extLst>
           </p:cNvPr>
@@ -22092,7 +22116,7 @@
           <p:cNvPr id="120" name="TextBox 119">
             <a:extLst>
               <a:ext uri="{FF2B5EF4-FFF2-40B4-BE49-F238E27FC236}">
-                <a16:creationId xmlns:a16="http://schemas.microsoft.com/office/drawing/2014/main" xmlns="" id="{BDD2FA7E-1E88-4F78-ABF6-567824DD1ECE}"/>
+                <a16:creationId xmlns="" xmlns:a16="http://schemas.microsoft.com/office/drawing/2014/main" id="{BDD2FA7E-1E88-4F78-ABF6-567824DD1ECE}"/>
               </a:ext>
             </a:extLst>
           </p:cNvPr>
@@ -22157,7 +22181,7 @@
           <p:cNvPr id="121" name="직선 화살표 연결선 120">
             <a:extLst>
               <a:ext uri="{FF2B5EF4-FFF2-40B4-BE49-F238E27FC236}">
-                <a16:creationId xmlns:a16="http://schemas.microsoft.com/office/drawing/2014/main" xmlns="" id="{3F7B84A3-1AD0-4DF7-A6BC-4B5B198A72B9}"/>
+                <a16:creationId xmlns="" xmlns:a16="http://schemas.microsoft.com/office/drawing/2014/main" id="{3F7B84A3-1AD0-4DF7-A6BC-4B5B198A72B9}"/>
               </a:ext>
             </a:extLst>
           </p:cNvPr>
@@ -22234,7 +22258,7 @@
           <p:cNvPr id="4" name="표 4">
             <a:extLst>
               <a:ext uri="{FF2B5EF4-FFF2-40B4-BE49-F238E27FC236}">
-                <a16:creationId xmlns:a16="http://schemas.microsoft.com/office/drawing/2014/main" xmlns="" id="{B305719E-D3E5-4E7E-B17F-23D2B8F0881C}"/>
+                <a16:creationId xmlns="" xmlns:a16="http://schemas.microsoft.com/office/drawing/2014/main" id="{B305719E-D3E5-4E7E-B17F-23D2B8F0881C}"/>
               </a:ext>
             </a:extLst>
           </p:cNvPr>
@@ -22263,21 +22287,21 @@
                 <a:gridCol w="2033729">
                   <a:extLst>
                     <a:ext uri="{9D8B030D-6E8A-4147-A177-3AD203B41FA5}">
-                      <a16:colId xmlns:a16="http://schemas.microsoft.com/office/drawing/2014/main" xmlns="" val="3571064474"/>
+                      <a16:colId xmlns="" xmlns:a16="http://schemas.microsoft.com/office/drawing/2014/main" val="3571064474"/>
                     </a:ext>
                   </a:extLst>
                 </a:gridCol>
                 <a:gridCol w="1557196">
                   <a:extLst>
                     <a:ext uri="{9D8B030D-6E8A-4147-A177-3AD203B41FA5}">
-                      <a16:colId xmlns:a16="http://schemas.microsoft.com/office/drawing/2014/main" xmlns="" val="4257211528"/>
+                      <a16:colId xmlns="" xmlns:a16="http://schemas.microsoft.com/office/drawing/2014/main" val="4257211528"/>
                     </a:ext>
                   </a:extLst>
                 </a:gridCol>
                 <a:gridCol w="1665838">
                   <a:extLst>
                     <a:ext uri="{9D8B030D-6E8A-4147-A177-3AD203B41FA5}">
-                      <a16:colId xmlns:a16="http://schemas.microsoft.com/office/drawing/2014/main" xmlns="" val="3023545236"/>
+                      <a16:colId xmlns="" xmlns:a16="http://schemas.microsoft.com/office/drawing/2014/main" val="3023545236"/>
                     </a:ext>
                   </a:extLst>
                 </a:gridCol>
@@ -22285,21 +22309,21 @@
                 <a:gridCol w="1738265">
                   <a:extLst>
                     <a:ext uri="{9D8B030D-6E8A-4147-A177-3AD203B41FA5}">
-                      <a16:colId xmlns:a16="http://schemas.microsoft.com/office/drawing/2014/main" xmlns="" val="2920563116"/>
+                      <a16:colId xmlns="" xmlns:a16="http://schemas.microsoft.com/office/drawing/2014/main" val="2920563116"/>
                     </a:ext>
                   </a:extLst>
                 </a:gridCol>
                 <a:gridCol w="1720158">
                   <a:extLst>
                     <a:ext uri="{9D8B030D-6E8A-4147-A177-3AD203B41FA5}">
-                      <a16:colId xmlns:a16="http://schemas.microsoft.com/office/drawing/2014/main" xmlns="" val="3475859244"/>
+                      <a16:colId xmlns="" xmlns:a16="http://schemas.microsoft.com/office/drawing/2014/main" val="3475859244"/>
                     </a:ext>
                   </a:extLst>
                 </a:gridCol>
                 <a:gridCol w="1602273">
                   <a:extLst>
                     <a:ext uri="{9D8B030D-6E8A-4147-A177-3AD203B41FA5}">
-                      <a16:colId xmlns:a16="http://schemas.microsoft.com/office/drawing/2014/main" xmlns="" val="3472189352"/>
+                      <a16:colId xmlns="" xmlns:a16="http://schemas.microsoft.com/office/drawing/2014/main" val="3472189352"/>
                     </a:ext>
                   </a:extLst>
                 </a:gridCol>
@@ -22894,7 +22918,7 @@
                 </a:tc>
                 <a:extLst>
                   <a:ext uri="{0D108BD9-81ED-4DB2-BD59-A6C34878D82A}">
-                    <a16:rowId xmlns:a16="http://schemas.microsoft.com/office/drawing/2014/main" xmlns="" val="243423754"/>
+                    <a16:rowId xmlns="" xmlns:a16="http://schemas.microsoft.com/office/drawing/2014/main" val="243423754"/>
                   </a:ext>
                 </a:extLst>
               </a:tr>
@@ -23668,11 +23692,6 @@
                         </a:rPr>
                         <a:t>(“/add”)</a:t>
                       </a:r>
-                      <a:endParaRPr lang="en-US" altLang="ko-KR" sz="1000" dirty="0" smtClean="0">
-                        <a:solidFill>
-                          <a:schemeClr val="tx1"/>
-                        </a:solidFill>
-                      </a:endParaRPr>
                     </a:p>
                     <a:p>
                       <a:pPr algn="ctr" latinLnBrk="1"/>
@@ -23684,11 +23703,6 @@
                         </a:rPr>
                         <a:t>add()</a:t>
                       </a:r>
-                      <a:endParaRPr lang="en-US" altLang="ko-KR" sz="1000" dirty="0" smtClean="0">
-                        <a:solidFill>
-                          <a:schemeClr val="tx1"/>
-                        </a:solidFill>
-                      </a:endParaRPr>
                     </a:p>
                     <a:p>
                       <a:pPr algn="ctr" latinLnBrk="1"/>
@@ -23882,11 +23896,6 @@
                         </a:rPr>
                         <a:t>()</a:t>
                       </a:r>
-                      <a:endParaRPr lang="en-US" altLang="ko-KR" sz="1000" dirty="0" smtClean="0">
-                        <a:solidFill>
-                          <a:schemeClr val="tx1"/>
-                        </a:solidFill>
-                      </a:endParaRPr>
                     </a:p>
                     <a:p>
                       <a:pPr algn="ctr" latinLnBrk="1"/>
@@ -24674,7 +24683,7 @@
                 </a:tc>
                 <a:extLst>
                   <a:ext uri="{0D108BD9-81ED-4DB2-BD59-A6C34878D82A}">
-                    <a16:rowId xmlns:a16="http://schemas.microsoft.com/office/drawing/2014/main" xmlns="" val="3134473238"/>
+                    <a16:rowId xmlns="" xmlns:a16="http://schemas.microsoft.com/office/drawing/2014/main" val="3134473238"/>
                   </a:ext>
                 </a:extLst>
               </a:tr>
@@ -24687,7 +24696,7 @@
           <p:cNvPr id="6" name="직선 화살표 연결선 5">
             <a:extLst>
               <a:ext uri="{FF2B5EF4-FFF2-40B4-BE49-F238E27FC236}">
-                <a16:creationId xmlns:a16="http://schemas.microsoft.com/office/drawing/2014/main" xmlns="" id="{3F7B84A3-1AD0-4DF7-A6BC-4B5B198A72B9}"/>
+                <a16:creationId xmlns="" xmlns:a16="http://schemas.microsoft.com/office/drawing/2014/main" id="{3F7B84A3-1AD0-4DF7-A6BC-4B5B198A72B9}"/>
               </a:ext>
             </a:extLst>
           </p:cNvPr>
@@ -24734,7 +24743,7 @@
           <p:cNvPr id="7" name="직선 화살표 연결선 6">
             <a:extLst>
               <a:ext uri="{FF2B5EF4-FFF2-40B4-BE49-F238E27FC236}">
-                <a16:creationId xmlns:a16="http://schemas.microsoft.com/office/drawing/2014/main" xmlns="" id="{3992F012-AF65-4E39-8E9C-577F6F0B7BD2}"/>
+                <a16:creationId xmlns="" xmlns:a16="http://schemas.microsoft.com/office/drawing/2014/main" id="{3992F012-AF65-4E39-8E9C-577F6F0B7BD2}"/>
               </a:ext>
             </a:extLst>
           </p:cNvPr>
@@ -24781,7 +24790,7 @@
           <p:cNvPr id="14" name="TextBox 13">
             <a:extLst>
               <a:ext uri="{FF2B5EF4-FFF2-40B4-BE49-F238E27FC236}">
-                <a16:creationId xmlns:a16="http://schemas.microsoft.com/office/drawing/2014/main" xmlns="" id="{83A2AE63-3C59-4FEB-BBED-3D51275125E3}"/>
+                <a16:creationId xmlns="" xmlns:a16="http://schemas.microsoft.com/office/drawing/2014/main" id="{83A2AE63-3C59-4FEB-BBED-3D51275125E3}"/>
               </a:ext>
             </a:extLst>
           </p:cNvPr>
@@ -24846,7 +24855,7 @@
           <p:cNvPr id="16" name="TextBox 15">
             <a:extLst>
               <a:ext uri="{FF2B5EF4-FFF2-40B4-BE49-F238E27FC236}">
-                <a16:creationId xmlns:a16="http://schemas.microsoft.com/office/drawing/2014/main" xmlns="" id="{B5D51435-1C6A-443A-871F-F312D05722E2}"/>
+                <a16:creationId xmlns="" xmlns:a16="http://schemas.microsoft.com/office/drawing/2014/main" id="{B5D51435-1C6A-443A-871F-F312D05722E2}"/>
               </a:ext>
             </a:extLst>
           </p:cNvPr>
@@ -24895,7 +24904,7 @@
           <p:cNvPr id="19" name="직선 화살표 연결선 18">
             <a:extLst>
               <a:ext uri="{FF2B5EF4-FFF2-40B4-BE49-F238E27FC236}">
-                <a16:creationId xmlns:a16="http://schemas.microsoft.com/office/drawing/2014/main" xmlns="" id="{EC28C33C-129E-4506-9549-3759C91D42BE}"/>
+                <a16:creationId xmlns="" xmlns:a16="http://schemas.microsoft.com/office/drawing/2014/main" id="{EC28C33C-129E-4506-9549-3759C91D42BE}"/>
               </a:ext>
             </a:extLst>
           </p:cNvPr>
@@ -24942,7 +24951,7 @@
           <p:cNvPr id="20" name="TextBox 19">
             <a:extLst>
               <a:ext uri="{FF2B5EF4-FFF2-40B4-BE49-F238E27FC236}">
-                <a16:creationId xmlns:a16="http://schemas.microsoft.com/office/drawing/2014/main" xmlns="" id="{BDD2FA7E-1E88-4F78-ABF6-567824DD1ECE}"/>
+                <a16:creationId xmlns="" xmlns:a16="http://schemas.microsoft.com/office/drawing/2014/main" id="{BDD2FA7E-1E88-4F78-ABF6-567824DD1ECE}"/>
               </a:ext>
             </a:extLst>
           </p:cNvPr>
@@ -25007,7 +25016,7 @@
           <p:cNvPr id="21" name="직선 화살표 연결선 20">
             <a:extLst>
               <a:ext uri="{FF2B5EF4-FFF2-40B4-BE49-F238E27FC236}">
-                <a16:creationId xmlns:a16="http://schemas.microsoft.com/office/drawing/2014/main" xmlns="" id="{75322384-8370-42A2-9AA6-9103C9E005E6}"/>
+                <a16:creationId xmlns="" xmlns:a16="http://schemas.microsoft.com/office/drawing/2014/main" id="{75322384-8370-42A2-9AA6-9103C9E005E6}"/>
               </a:ext>
             </a:extLst>
           </p:cNvPr>
@@ -25054,7 +25063,7 @@
           <p:cNvPr id="23" name="직선 화살표 연결선 22">
             <a:extLst>
               <a:ext uri="{FF2B5EF4-FFF2-40B4-BE49-F238E27FC236}">
-                <a16:creationId xmlns:a16="http://schemas.microsoft.com/office/drawing/2014/main" xmlns="" id="{366CBA92-9226-4C4A-ACDD-433CD65941DE}"/>
+                <a16:creationId xmlns="" xmlns:a16="http://schemas.microsoft.com/office/drawing/2014/main" id="{366CBA92-9226-4C4A-ACDD-433CD65941DE}"/>
               </a:ext>
             </a:extLst>
           </p:cNvPr>
@@ -25101,7 +25110,7 @@
           <p:cNvPr id="56" name="직선 화살표 연결선 55">
             <a:extLst>
               <a:ext uri="{FF2B5EF4-FFF2-40B4-BE49-F238E27FC236}">
-                <a16:creationId xmlns:a16="http://schemas.microsoft.com/office/drawing/2014/main" xmlns="" id="{3992F012-AF65-4E39-8E9C-577F6F0B7BD2}"/>
+                <a16:creationId xmlns="" xmlns:a16="http://schemas.microsoft.com/office/drawing/2014/main" id="{3992F012-AF65-4E39-8E9C-577F6F0B7BD2}"/>
               </a:ext>
             </a:extLst>
           </p:cNvPr>
@@ -25148,7 +25157,7 @@
           <p:cNvPr id="61" name="직선 화살표 연결선 60">
             <a:extLst>
               <a:ext uri="{FF2B5EF4-FFF2-40B4-BE49-F238E27FC236}">
-                <a16:creationId xmlns:a16="http://schemas.microsoft.com/office/drawing/2014/main" xmlns="" id="{3992F012-AF65-4E39-8E9C-577F6F0B7BD2}"/>
+                <a16:creationId xmlns="" xmlns:a16="http://schemas.microsoft.com/office/drawing/2014/main" id="{3992F012-AF65-4E39-8E9C-577F6F0B7BD2}"/>
               </a:ext>
             </a:extLst>
           </p:cNvPr>
@@ -25195,7 +25204,7 @@
           <p:cNvPr id="65" name="직선 화살표 연결선 64">
             <a:extLst>
               <a:ext uri="{FF2B5EF4-FFF2-40B4-BE49-F238E27FC236}">
-                <a16:creationId xmlns:a16="http://schemas.microsoft.com/office/drawing/2014/main" xmlns="" id="{3992F012-AF65-4E39-8E9C-577F6F0B7BD2}"/>
+                <a16:creationId xmlns="" xmlns:a16="http://schemas.microsoft.com/office/drawing/2014/main" id="{3992F012-AF65-4E39-8E9C-577F6F0B7BD2}"/>
               </a:ext>
             </a:extLst>
           </p:cNvPr>
@@ -25242,7 +25251,7 @@
           <p:cNvPr id="70" name="직선 화살표 연결선 69">
             <a:extLst>
               <a:ext uri="{FF2B5EF4-FFF2-40B4-BE49-F238E27FC236}">
-                <a16:creationId xmlns:a16="http://schemas.microsoft.com/office/drawing/2014/main" xmlns="" id="{EC28C33C-129E-4506-9549-3759C91D42BE}"/>
+                <a16:creationId xmlns="" xmlns:a16="http://schemas.microsoft.com/office/drawing/2014/main" id="{EC28C33C-129E-4506-9549-3759C91D42BE}"/>
               </a:ext>
             </a:extLst>
           </p:cNvPr>
@@ -25289,7 +25298,7 @@
           <p:cNvPr id="71" name="직선 화살표 연결선 70">
             <a:extLst>
               <a:ext uri="{FF2B5EF4-FFF2-40B4-BE49-F238E27FC236}">
-                <a16:creationId xmlns:a16="http://schemas.microsoft.com/office/drawing/2014/main" xmlns="" id="{EC28C33C-129E-4506-9549-3759C91D42BE}"/>
+                <a16:creationId xmlns="" xmlns:a16="http://schemas.microsoft.com/office/drawing/2014/main" id="{EC28C33C-129E-4506-9549-3759C91D42BE}"/>
               </a:ext>
             </a:extLst>
           </p:cNvPr>
@@ -25336,7 +25345,7 @@
           <p:cNvPr id="72" name="직선 화살표 연결선 71">
             <a:extLst>
               <a:ext uri="{FF2B5EF4-FFF2-40B4-BE49-F238E27FC236}">
-                <a16:creationId xmlns:a16="http://schemas.microsoft.com/office/drawing/2014/main" xmlns="" id="{EC28C33C-129E-4506-9549-3759C91D42BE}"/>
+                <a16:creationId xmlns="" xmlns:a16="http://schemas.microsoft.com/office/drawing/2014/main" id="{EC28C33C-129E-4506-9549-3759C91D42BE}"/>
               </a:ext>
             </a:extLst>
           </p:cNvPr>
@@ -25383,7 +25392,7 @@
           <p:cNvPr id="73" name="TextBox 72">
             <a:extLst>
               <a:ext uri="{FF2B5EF4-FFF2-40B4-BE49-F238E27FC236}">
-                <a16:creationId xmlns:a16="http://schemas.microsoft.com/office/drawing/2014/main" xmlns="" id="{BDD2FA7E-1E88-4F78-ABF6-567824DD1ECE}"/>
+                <a16:creationId xmlns="" xmlns:a16="http://schemas.microsoft.com/office/drawing/2014/main" id="{BDD2FA7E-1E88-4F78-ABF6-567824DD1ECE}"/>
               </a:ext>
             </a:extLst>
           </p:cNvPr>
@@ -25448,7 +25457,7 @@
           <p:cNvPr id="78" name="직선 화살표 연결선 77">
             <a:extLst>
               <a:ext uri="{FF2B5EF4-FFF2-40B4-BE49-F238E27FC236}">
-                <a16:creationId xmlns:a16="http://schemas.microsoft.com/office/drawing/2014/main" xmlns="" id="{3992F012-AF65-4E39-8E9C-577F6F0B7BD2}"/>
+                <a16:creationId xmlns="" xmlns:a16="http://schemas.microsoft.com/office/drawing/2014/main" id="{3992F012-AF65-4E39-8E9C-577F6F0B7BD2}"/>
               </a:ext>
             </a:extLst>
           </p:cNvPr>
@@ -25495,7 +25504,7 @@
           <p:cNvPr id="79" name="TextBox 78">
             <a:extLst>
               <a:ext uri="{FF2B5EF4-FFF2-40B4-BE49-F238E27FC236}">
-                <a16:creationId xmlns:a16="http://schemas.microsoft.com/office/drawing/2014/main" xmlns="" id="{ED21C0EA-1B65-43C8-AAD0-87268DCF3FD2}"/>
+                <a16:creationId xmlns="" xmlns:a16="http://schemas.microsoft.com/office/drawing/2014/main" id="{ED21C0EA-1B65-43C8-AAD0-87268DCF3FD2}"/>
               </a:ext>
             </a:extLst>
           </p:cNvPr>
@@ -25572,7 +25581,7 @@
           <p:cNvPr id="94" name="직선 화살표 연결선 93">
             <a:extLst>
               <a:ext uri="{FF2B5EF4-FFF2-40B4-BE49-F238E27FC236}">
-                <a16:creationId xmlns:a16="http://schemas.microsoft.com/office/drawing/2014/main" xmlns="" id="{EC28C33C-129E-4506-9549-3759C91D42BE}"/>
+                <a16:creationId xmlns="" xmlns:a16="http://schemas.microsoft.com/office/drawing/2014/main" id="{EC28C33C-129E-4506-9549-3759C91D42BE}"/>
               </a:ext>
             </a:extLst>
           </p:cNvPr>
@@ -25619,7 +25628,7 @@
           <p:cNvPr id="96" name="TextBox 95">
             <a:extLst>
               <a:ext uri="{FF2B5EF4-FFF2-40B4-BE49-F238E27FC236}">
-                <a16:creationId xmlns:a16="http://schemas.microsoft.com/office/drawing/2014/main" xmlns="" id="{BDD2FA7E-1E88-4F78-ABF6-567824DD1ECE}"/>
+                <a16:creationId xmlns="" xmlns:a16="http://schemas.microsoft.com/office/drawing/2014/main" id="{BDD2FA7E-1E88-4F78-ABF6-567824DD1ECE}"/>
               </a:ext>
             </a:extLst>
           </p:cNvPr>
@@ -25720,7 +25729,7 @@
           <p:cNvPr id="97" name="TextBox 96">
             <a:extLst>
               <a:ext uri="{FF2B5EF4-FFF2-40B4-BE49-F238E27FC236}">
-                <a16:creationId xmlns:a16="http://schemas.microsoft.com/office/drawing/2014/main" xmlns="" id="{BDD2FA7E-1E88-4F78-ABF6-567824DD1ECE}"/>
+                <a16:creationId xmlns="" xmlns:a16="http://schemas.microsoft.com/office/drawing/2014/main" id="{BDD2FA7E-1E88-4F78-ABF6-567824DD1ECE}"/>
               </a:ext>
             </a:extLst>
           </p:cNvPr>
@@ -25781,7 +25790,7 @@
           <p:cNvPr id="24" name="직선 화살표 연결선 23">
             <a:extLst>
               <a:ext uri="{FF2B5EF4-FFF2-40B4-BE49-F238E27FC236}">
-                <a16:creationId xmlns:a16="http://schemas.microsoft.com/office/drawing/2014/main" xmlns="" id="{3992F012-AF65-4E39-8E9C-577F6F0B7BD2}"/>
+                <a16:creationId xmlns="" xmlns:a16="http://schemas.microsoft.com/office/drawing/2014/main" id="{3992F012-AF65-4E39-8E9C-577F6F0B7BD2}"/>
               </a:ext>
             </a:extLst>
           </p:cNvPr>
@@ -25828,7 +25837,7 @@
           <p:cNvPr id="25" name="TextBox 24">
             <a:extLst>
               <a:ext uri="{FF2B5EF4-FFF2-40B4-BE49-F238E27FC236}">
-                <a16:creationId xmlns:a16="http://schemas.microsoft.com/office/drawing/2014/main" xmlns="" id="{ED21C0EA-1B65-43C8-AAD0-87268DCF3FD2}"/>
+                <a16:creationId xmlns="" xmlns:a16="http://schemas.microsoft.com/office/drawing/2014/main" id="{ED21C0EA-1B65-43C8-AAD0-87268DCF3FD2}"/>
               </a:ext>
             </a:extLst>
           </p:cNvPr>
@@ -25944,7 +25953,7 @@
           <p:cNvPr id="26" name="직선 화살표 연결선 25">
             <a:extLst>
               <a:ext uri="{FF2B5EF4-FFF2-40B4-BE49-F238E27FC236}">
-                <a16:creationId xmlns:a16="http://schemas.microsoft.com/office/drawing/2014/main" xmlns="" id="{3992F012-AF65-4E39-8E9C-577F6F0B7BD2}"/>
+                <a16:creationId xmlns="" xmlns:a16="http://schemas.microsoft.com/office/drawing/2014/main" id="{3992F012-AF65-4E39-8E9C-577F6F0B7BD2}"/>
               </a:ext>
             </a:extLst>
           </p:cNvPr>
@@ -25991,7 +26000,7 @@
           <p:cNvPr id="29" name="직선 화살표 연결선 28">
             <a:extLst>
               <a:ext uri="{FF2B5EF4-FFF2-40B4-BE49-F238E27FC236}">
-                <a16:creationId xmlns:a16="http://schemas.microsoft.com/office/drawing/2014/main" xmlns="" id="{3992F012-AF65-4E39-8E9C-577F6F0B7BD2}"/>
+                <a16:creationId xmlns="" xmlns:a16="http://schemas.microsoft.com/office/drawing/2014/main" id="{3992F012-AF65-4E39-8E9C-577F6F0B7BD2}"/>
               </a:ext>
             </a:extLst>
           </p:cNvPr>
@@ -26038,7 +26047,7 @@
           <p:cNvPr id="31" name="직선 화살표 연결선 30">
             <a:extLst>
               <a:ext uri="{FF2B5EF4-FFF2-40B4-BE49-F238E27FC236}">
-                <a16:creationId xmlns:a16="http://schemas.microsoft.com/office/drawing/2014/main" xmlns="" id="{3992F012-AF65-4E39-8E9C-577F6F0B7BD2}"/>
+                <a16:creationId xmlns="" xmlns:a16="http://schemas.microsoft.com/office/drawing/2014/main" id="{3992F012-AF65-4E39-8E9C-577F6F0B7BD2}"/>
               </a:ext>
             </a:extLst>
           </p:cNvPr>
@@ -26085,7 +26094,7 @@
           <p:cNvPr id="33" name="직선 화살표 연결선 32">
             <a:extLst>
               <a:ext uri="{FF2B5EF4-FFF2-40B4-BE49-F238E27FC236}">
-                <a16:creationId xmlns:a16="http://schemas.microsoft.com/office/drawing/2014/main" xmlns="" id="{3992F012-AF65-4E39-8E9C-577F6F0B7BD2}"/>
+                <a16:creationId xmlns="" xmlns:a16="http://schemas.microsoft.com/office/drawing/2014/main" id="{3992F012-AF65-4E39-8E9C-577F6F0B7BD2}"/>
               </a:ext>
             </a:extLst>
           </p:cNvPr>
@@ -26132,7 +26141,7 @@
           <p:cNvPr id="34" name="TextBox 33">
             <a:extLst>
               <a:ext uri="{FF2B5EF4-FFF2-40B4-BE49-F238E27FC236}">
-                <a16:creationId xmlns:a16="http://schemas.microsoft.com/office/drawing/2014/main" xmlns="" id="{ED21C0EA-1B65-43C8-AAD0-87268DCF3FD2}"/>
+                <a16:creationId xmlns="" xmlns:a16="http://schemas.microsoft.com/office/drawing/2014/main" id="{ED21C0EA-1B65-43C8-AAD0-87268DCF3FD2}"/>
               </a:ext>
             </a:extLst>
           </p:cNvPr>
@@ -26196,7 +26205,7 @@
           <p:cNvPr id="35" name="TextBox 34">
             <a:extLst>
               <a:ext uri="{FF2B5EF4-FFF2-40B4-BE49-F238E27FC236}">
-                <a16:creationId xmlns:a16="http://schemas.microsoft.com/office/drawing/2014/main" xmlns="" id="{ED21C0EA-1B65-43C8-AAD0-87268DCF3FD2}"/>
+                <a16:creationId xmlns="" xmlns:a16="http://schemas.microsoft.com/office/drawing/2014/main" id="{ED21C0EA-1B65-43C8-AAD0-87268DCF3FD2}"/>
               </a:ext>
             </a:extLst>
           </p:cNvPr>
@@ -26260,7 +26269,7 @@
           <p:cNvPr id="36" name="TextBox 35">
             <a:extLst>
               <a:ext uri="{FF2B5EF4-FFF2-40B4-BE49-F238E27FC236}">
-                <a16:creationId xmlns:a16="http://schemas.microsoft.com/office/drawing/2014/main" xmlns="" id="{ED21C0EA-1B65-43C8-AAD0-87268DCF3FD2}"/>
+                <a16:creationId xmlns="" xmlns:a16="http://schemas.microsoft.com/office/drawing/2014/main" id="{ED21C0EA-1B65-43C8-AAD0-87268DCF3FD2}"/>
               </a:ext>
             </a:extLst>
           </p:cNvPr>
@@ -26324,7 +26333,7 @@
           <p:cNvPr id="37" name="TextBox 36">
             <a:extLst>
               <a:ext uri="{FF2B5EF4-FFF2-40B4-BE49-F238E27FC236}">
-                <a16:creationId xmlns:a16="http://schemas.microsoft.com/office/drawing/2014/main" xmlns="" id="{ED21C0EA-1B65-43C8-AAD0-87268DCF3FD2}"/>
+                <a16:creationId xmlns="" xmlns:a16="http://schemas.microsoft.com/office/drawing/2014/main" id="{ED21C0EA-1B65-43C8-AAD0-87268DCF3FD2}"/>
               </a:ext>
             </a:extLst>
           </p:cNvPr>
@@ -26388,7 +26397,7 @@
           <p:cNvPr id="38" name="직선 화살표 연결선 37">
             <a:extLst>
               <a:ext uri="{FF2B5EF4-FFF2-40B4-BE49-F238E27FC236}">
-                <a16:creationId xmlns:a16="http://schemas.microsoft.com/office/drawing/2014/main" xmlns="" id="{EC28C33C-129E-4506-9549-3759C91D42BE}"/>
+                <a16:creationId xmlns="" xmlns:a16="http://schemas.microsoft.com/office/drawing/2014/main" id="{EC28C33C-129E-4506-9549-3759C91D42BE}"/>
               </a:ext>
             </a:extLst>
           </p:cNvPr>
@@ -26435,7 +26444,7 @@
           <p:cNvPr id="39" name="TextBox 38">
             <a:extLst>
               <a:ext uri="{FF2B5EF4-FFF2-40B4-BE49-F238E27FC236}">
-                <a16:creationId xmlns:a16="http://schemas.microsoft.com/office/drawing/2014/main" xmlns="" id="{83A2AE63-3C59-4FEB-BBED-3D51275125E3}"/>
+                <a16:creationId xmlns="" xmlns:a16="http://schemas.microsoft.com/office/drawing/2014/main" id="{83A2AE63-3C59-4FEB-BBED-3D51275125E3}"/>
               </a:ext>
             </a:extLst>
           </p:cNvPr>
@@ -26528,7 +26537,7 @@
           <p:cNvPr id="40" name="직선 화살표 연결선 39">
             <a:extLst>
               <a:ext uri="{FF2B5EF4-FFF2-40B4-BE49-F238E27FC236}">
-                <a16:creationId xmlns:a16="http://schemas.microsoft.com/office/drawing/2014/main" xmlns="" id="{EC28C33C-129E-4506-9549-3759C91D42BE}"/>
+                <a16:creationId xmlns="" xmlns:a16="http://schemas.microsoft.com/office/drawing/2014/main" id="{EC28C33C-129E-4506-9549-3759C91D42BE}"/>
               </a:ext>
             </a:extLst>
           </p:cNvPr>
@@ -26575,7 +26584,7 @@
           <p:cNvPr id="41" name="TextBox 40">
             <a:extLst>
               <a:ext uri="{FF2B5EF4-FFF2-40B4-BE49-F238E27FC236}">
-                <a16:creationId xmlns:a16="http://schemas.microsoft.com/office/drawing/2014/main" xmlns="" id="{83A2AE63-3C59-4FEB-BBED-3D51275125E3}"/>
+                <a16:creationId xmlns="" xmlns:a16="http://schemas.microsoft.com/office/drawing/2014/main" id="{83A2AE63-3C59-4FEB-BBED-3D51275125E3}"/>
               </a:ext>
             </a:extLst>
           </p:cNvPr>
@@ -26668,7 +26677,7 @@
           <p:cNvPr id="42" name="직선 화살표 연결선 41">
             <a:extLst>
               <a:ext uri="{FF2B5EF4-FFF2-40B4-BE49-F238E27FC236}">
-                <a16:creationId xmlns:a16="http://schemas.microsoft.com/office/drawing/2014/main" xmlns="" id="{EC28C33C-129E-4506-9549-3759C91D42BE}"/>
+                <a16:creationId xmlns="" xmlns:a16="http://schemas.microsoft.com/office/drawing/2014/main" id="{EC28C33C-129E-4506-9549-3759C91D42BE}"/>
               </a:ext>
             </a:extLst>
           </p:cNvPr>
@@ -26715,7 +26724,7 @@
           <p:cNvPr id="43" name="TextBox 42">
             <a:extLst>
               <a:ext uri="{FF2B5EF4-FFF2-40B4-BE49-F238E27FC236}">
-                <a16:creationId xmlns:a16="http://schemas.microsoft.com/office/drawing/2014/main" xmlns="" id="{83A2AE63-3C59-4FEB-BBED-3D51275125E3}"/>
+                <a16:creationId xmlns="" xmlns:a16="http://schemas.microsoft.com/office/drawing/2014/main" id="{83A2AE63-3C59-4FEB-BBED-3D51275125E3}"/>
               </a:ext>
             </a:extLst>
           </p:cNvPr>
@@ -26808,7 +26817,7 @@
           <p:cNvPr id="44" name="직선 화살표 연결선 43">
             <a:extLst>
               <a:ext uri="{FF2B5EF4-FFF2-40B4-BE49-F238E27FC236}">
-                <a16:creationId xmlns:a16="http://schemas.microsoft.com/office/drawing/2014/main" xmlns="" id="{3992F012-AF65-4E39-8E9C-577F6F0B7BD2}"/>
+                <a16:creationId xmlns="" xmlns:a16="http://schemas.microsoft.com/office/drawing/2014/main" id="{3992F012-AF65-4E39-8E9C-577F6F0B7BD2}"/>
               </a:ext>
             </a:extLst>
           </p:cNvPr>
@@ -26855,7 +26864,7 @@
           <p:cNvPr id="45" name="직선 화살표 연결선 44">
             <a:extLst>
               <a:ext uri="{FF2B5EF4-FFF2-40B4-BE49-F238E27FC236}">
-                <a16:creationId xmlns:a16="http://schemas.microsoft.com/office/drawing/2014/main" xmlns="" id="{3992F012-AF65-4E39-8E9C-577F6F0B7BD2}"/>
+                <a16:creationId xmlns="" xmlns:a16="http://schemas.microsoft.com/office/drawing/2014/main" id="{3992F012-AF65-4E39-8E9C-577F6F0B7BD2}"/>
               </a:ext>
             </a:extLst>
           </p:cNvPr>
@@ -26902,7 +26911,7 @@
           <p:cNvPr id="46" name="직선 화살표 연결선 45">
             <a:extLst>
               <a:ext uri="{FF2B5EF4-FFF2-40B4-BE49-F238E27FC236}">
-                <a16:creationId xmlns:a16="http://schemas.microsoft.com/office/drawing/2014/main" xmlns="" id="{3992F012-AF65-4E39-8E9C-577F6F0B7BD2}"/>
+                <a16:creationId xmlns="" xmlns:a16="http://schemas.microsoft.com/office/drawing/2014/main" id="{3992F012-AF65-4E39-8E9C-577F6F0B7BD2}"/>
               </a:ext>
             </a:extLst>
           </p:cNvPr>
@@ -26949,7 +26958,7 @@
           <p:cNvPr id="47" name="TextBox 46">
             <a:extLst>
               <a:ext uri="{FF2B5EF4-FFF2-40B4-BE49-F238E27FC236}">
-                <a16:creationId xmlns:a16="http://schemas.microsoft.com/office/drawing/2014/main" xmlns="" id="{ED21C0EA-1B65-43C8-AAD0-87268DCF3FD2}"/>
+                <a16:creationId xmlns="" xmlns:a16="http://schemas.microsoft.com/office/drawing/2014/main" id="{ED21C0EA-1B65-43C8-AAD0-87268DCF3FD2}"/>
               </a:ext>
             </a:extLst>
           </p:cNvPr>
@@ -27026,7 +27035,7 @@
           <p:cNvPr id="48" name="TextBox 47">
             <a:extLst>
               <a:ext uri="{FF2B5EF4-FFF2-40B4-BE49-F238E27FC236}">
-                <a16:creationId xmlns:a16="http://schemas.microsoft.com/office/drawing/2014/main" xmlns="" id="{ED21C0EA-1B65-43C8-AAD0-87268DCF3FD2}"/>
+                <a16:creationId xmlns="" xmlns:a16="http://schemas.microsoft.com/office/drawing/2014/main" id="{ED21C0EA-1B65-43C8-AAD0-87268DCF3FD2}"/>
               </a:ext>
             </a:extLst>
           </p:cNvPr>
@@ -27103,7 +27112,7 @@
           <p:cNvPr id="49" name="TextBox 48">
             <a:extLst>
               <a:ext uri="{FF2B5EF4-FFF2-40B4-BE49-F238E27FC236}">
-                <a16:creationId xmlns:a16="http://schemas.microsoft.com/office/drawing/2014/main" xmlns="" id="{ED21C0EA-1B65-43C8-AAD0-87268DCF3FD2}"/>
+                <a16:creationId xmlns="" xmlns:a16="http://schemas.microsoft.com/office/drawing/2014/main" id="{ED21C0EA-1B65-43C8-AAD0-87268DCF3FD2}"/>
               </a:ext>
             </a:extLst>
           </p:cNvPr>
@@ -27180,7 +27189,7 @@
           <p:cNvPr id="50" name="TextBox 49">
             <a:extLst>
               <a:ext uri="{FF2B5EF4-FFF2-40B4-BE49-F238E27FC236}">
-                <a16:creationId xmlns:a16="http://schemas.microsoft.com/office/drawing/2014/main" xmlns="" id="{83A2AE63-3C59-4FEB-BBED-3D51275125E3}"/>
+                <a16:creationId xmlns="" xmlns:a16="http://schemas.microsoft.com/office/drawing/2014/main" id="{83A2AE63-3C59-4FEB-BBED-3D51275125E3}"/>
               </a:ext>
             </a:extLst>
           </p:cNvPr>
@@ -27289,7 +27298,7 @@
           <p:cNvPr id="51" name="직선 화살표 연결선 50">
             <a:extLst>
               <a:ext uri="{FF2B5EF4-FFF2-40B4-BE49-F238E27FC236}">
-                <a16:creationId xmlns:a16="http://schemas.microsoft.com/office/drawing/2014/main" xmlns="" id="{EC28C33C-129E-4506-9549-3759C91D42BE}"/>
+                <a16:creationId xmlns="" xmlns:a16="http://schemas.microsoft.com/office/drawing/2014/main" id="{EC28C33C-129E-4506-9549-3759C91D42BE}"/>
               </a:ext>
             </a:extLst>
           </p:cNvPr>
@@ -27336,7 +27345,7 @@
           <p:cNvPr id="53" name="TextBox 52">
             <a:extLst>
               <a:ext uri="{FF2B5EF4-FFF2-40B4-BE49-F238E27FC236}">
-                <a16:creationId xmlns:a16="http://schemas.microsoft.com/office/drawing/2014/main" xmlns="" id="{83A2AE63-3C59-4FEB-BBED-3D51275125E3}"/>
+                <a16:creationId xmlns="" xmlns:a16="http://schemas.microsoft.com/office/drawing/2014/main" id="{83A2AE63-3C59-4FEB-BBED-3D51275125E3}"/>
               </a:ext>
             </a:extLst>
           </p:cNvPr>
@@ -27445,7 +27454,7 @@
           <p:cNvPr id="54" name="직선 화살표 연결선 53">
             <a:extLst>
               <a:ext uri="{FF2B5EF4-FFF2-40B4-BE49-F238E27FC236}">
-                <a16:creationId xmlns:a16="http://schemas.microsoft.com/office/drawing/2014/main" xmlns="" id="{EC28C33C-129E-4506-9549-3759C91D42BE}"/>
+                <a16:creationId xmlns="" xmlns:a16="http://schemas.microsoft.com/office/drawing/2014/main" id="{EC28C33C-129E-4506-9549-3759C91D42BE}"/>
               </a:ext>
             </a:extLst>
           </p:cNvPr>
@@ -27492,7 +27501,7 @@
           <p:cNvPr id="55" name="TextBox 54">
             <a:extLst>
               <a:ext uri="{FF2B5EF4-FFF2-40B4-BE49-F238E27FC236}">
-                <a16:creationId xmlns:a16="http://schemas.microsoft.com/office/drawing/2014/main" xmlns="" id="{83A2AE63-3C59-4FEB-BBED-3D51275125E3}"/>
+                <a16:creationId xmlns="" xmlns:a16="http://schemas.microsoft.com/office/drawing/2014/main" id="{83A2AE63-3C59-4FEB-BBED-3D51275125E3}"/>
               </a:ext>
             </a:extLst>
           </p:cNvPr>
@@ -27601,7 +27610,7 @@
           <p:cNvPr id="57" name="직선 화살표 연결선 56">
             <a:extLst>
               <a:ext uri="{FF2B5EF4-FFF2-40B4-BE49-F238E27FC236}">
-                <a16:creationId xmlns:a16="http://schemas.microsoft.com/office/drawing/2014/main" xmlns="" id="{EC28C33C-129E-4506-9549-3759C91D42BE}"/>
+                <a16:creationId xmlns="" xmlns:a16="http://schemas.microsoft.com/office/drawing/2014/main" id="{EC28C33C-129E-4506-9549-3759C91D42BE}"/>
               </a:ext>
             </a:extLst>
           </p:cNvPr>
@@ -27648,7 +27657,7 @@
           <p:cNvPr id="58" name="직선 화살표 연결선 57">
             <a:extLst>
               <a:ext uri="{FF2B5EF4-FFF2-40B4-BE49-F238E27FC236}">
-                <a16:creationId xmlns:a16="http://schemas.microsoft.com/office/drawing/2014/main" xmlns="" id="{EC28C33C-129E-4506-9549-3759C91D42BE}"/>
+                <a16:creationId xmlns="" xmlns:a16="http://schemas.microsoft.com/office/drawing/2014/main" id="{EC28C33C-129E-4506-9549-3759C91D42BE}"/>
               </a:ext>
             </a:extLst>
           </p:cNvPr>
@@ -27695,7 +27704,7 @@
           <p:cNvPr id="62" name="TextBox 61">
             <a:extLst>
               <a:ext uri="{FF2B5EF4-FFF2-40B4-BE49-F238E27FC236}">
-                <a16:creationId xmlns:a16="http://schemas.microsoft.com/office/drawing/2014/main" xmlns="" id="{83A2AE63-3C59-4FEB-BBED-3D51275125E3}"/>
+                <a16:creationId xmlns="" xmlns:a16="http://schemas.microsoft.com/office/drawing/2014/main" id="{83A2AE63-3C59-4FEB-BBED-3D51275125E3}"/>
               </a:ext>
             </a:extLst>
           </p:cNvPr>
@@ -27804,7 +27813,7 @@
           <p:cNvPr id="63" name="직선 화살표 연결선 62">
             <a:extLst>
               <a:ext uri="{FF2B5EF4-FFF2-40B4-BE49-F238E27FC236}">
-                <a16:creationId xmlns:a16="http://schemas.microsoft.com/office/drawing/2014/main" xmlns="" id="{EC28C33C-129E-4506-9549-3759C91D42BE}"/>
+                <a16:creationId xmlns="" xmlns:a16="http://schemas.microsoft.com/office/drawing/2014/main" id="{EC28C33C-129E-4506-9549-3759C91D42BE}"/>
               </a:ext>
             </a:extLst>
           </p:cNvPr>
@@ -27851,7 +27860,7 @@
           <p:cNvPr id="66" name="TextBox 65">
             <a:extLst>
               <a:ext uri="{FF2B5EF4-FFF2-40B4-BE49-F238E27FC236}">
-                <a16:creationId xmlns:a16="http://schemas.microsoft.com/office/drawing/2014/main" xmlns="" id="{83A2AE63-3C59-4FEB-BBED-3D51275125E3}"/>
+                <a16:creationId xmlns="" xmlns:a16="http://schemas.microsoft.com/office/drawing/2014/main" id="{83A2AE63-3C59-4FEB-BBED-3D51275125E3}"/>
               </a:ext>
             </a:extLst>
           </p:cNvPr>
@@ -28270,7 +28279,7 @@
   <a:extraClrSchemeLst/>
   <a:extLst>
     <a:ext uri="{05A4C25C-085E-4340-85A3-A5531E510DB2}">
-      <thm15:themeFamily xmlns:thm15="http://schemas.microsoft.com/office/thememl/2012/main" xmlns="" name="Office Theme" id="{62F939B6-93AF-4DB8-9C6B-D6C7DFDC589F}" vid="{4A3C46E8-61CC-4603-A589-7422A47A8E4A}"/>
+      <thm15:themeFamily xmlns="" xmlns:thm15="http://schemas.microsoft.com/office/thememl/2012/main" name="Office Theme" id="{62F939B6-93AF-4DB8-9C6B-D6C7DFDC589F}" vid="{4A3C46E8-61CC-4603-A589-7422A47A8E4A}"/>
     </a:ext>
   </a:extLst>
 </a:theme>
